--- a/slides&notes/Learning on imbalanced data.pptx
+++ b/slides&notes/Learning on imbalanced data.pptx
@@ -245,7 +245,7 @@
           <a:p>
             <a:fld id="{E53C87ED-EC79-4D1E-A771-3ECE4BB9BC6B}" type="datetimeFigureOut">
               <a:rPr lang="en-US" smtClean="0"/>
-              <a:t>5/3/2016</a:t>
+              <a:t>6/8/2016</a:t>
             </a:fld>
             <a:endParaRPr lang="en-US"/>
           </a:p>
@@ -415,7 +415,7 @@
           <a:p>
             <a:fld id="{E53C87ED-EC79-4D1E-A771-3ECE4BB9BC6B}" type="datetimeFigureOut">
               <a:rPr lang="en-US" smtClean="0"/>
-              <a:t>5/3/2016</a:t>
+              <a:t>6/8/2016</a:t>
             </a:fld>
             <a:endParaRPr lang="en-US"/>
           </a:p>
@@ -595,7 +595,7 @@
           <a:p>
             <a:fld id="{E53C87ED-EC79-4D1E-A771-3ECE4BB9BC6B}" type="datetimeFigureOut">
               <a:rPr lang="en-US" smtClean="0"/>
-              <a:t>5/3/2016</a:t>
+              <a:t>6/8/2016</a:t>
             </a:fld>
             <a:endParaRPr lang="en-US"/>
           </a:p>
@@ -765,7 +765,7 @@
           <a:p>
             <a:fld id="{E53C87ED-EC79-4D1E-A771-3ECE4BB9BC6B}" type="datetimeFigureOut">
               <a:rPr lang="en-US" smtClean="0"/>
-              <a:t>5/3/2016</a:t>
+              <a:t>6/8/2016</a:t>
             </a:fld>
             <a:endParaRPr lang="en-US"/>
           </a:p>
@@ -1011,7 +1011,7 @@
           <a:p>
             <a:fld id="{E53C87ED-EC79-4D1E-A771-3ECE4BB9BC6B}" type="datetimeFigureOut">
               <a:rPr lang="en-US" smtClean="0"/>
-              <a:t>5/3/2016</a:t>
+              <a:t>6/8/2016</a:t>
             </a:fld>
             <a:endParaRPr lang="en-US"/>
           </a:p>
@@ -1243,7 +1243,7 @@
           <a:p>
             <a:fld id="{E53C87ED-EC79-4D1E-A771-3ECE4BB9BC6B}" type="datetimeFigureOut">
               <a:rPr lang="en-US" smtClean="0"/>
-              <a:t>5/3/2016</a:t>
+              <a:t>6/8/2016</a:t>
             </a:fld>
             <a:endParaRPr lang="en-US"/>
           </a:p>
@@ -1610,7 +1610,7 @@
           <a:p>
             <a:fld id="{E53C87ED-EC79-4D1E-A771-3ECE4BB9BC6B}" type="datetimeFigureOut">
               <a:rPr lang="en-US" smtClean="0"/>
-              <a:t>5/3/2016</a:t>
+              <a:t>6/8/2016</a:t>
             </a:fld>
             <a:endParaRPr lang="en-US"/>
           </a:p>
@@ -1728,7 +1728,7 @@
           <a:p>
             <a:fld id="{E53C87ED-EC79-4D1E-A771-3ECE4BB9BC6B}" type="datetimeFigureOut">
               <a:rPr lang="en-US" smtClean="0"/>
-              <a:t>5/3/2016</a:t>
+              <a:t>6/8/2016</a:t>
             </a:fld>
             <a:endParaRPr lang="en-US"/>
           </a:p>
@@ -1823,7 +1823,7 @@
           <a:p>
             <a:fld id="{E53C87ED-EC79-4D1E-A771-3ECE4BB9BC6B}" type="datetimeFigureOut">
               <a:rPr lang="en-US" smtClean="0"/>
-              <a:t>5/3/2016</a:t>
+              <a:t>6/8/2016</a:t>
             </a:fld>
             <a:endParaRPr lang="en-US"/>
           </a:p>
@@ -2100,7 +2100,7 @@
           <a:p>
             <a:fld id="{E53C87ED-EC79-4D1E-A771-3ECE4BB9BC6B}" type="datetimeFigureOut">
               <a:rPr lang="en-US" smtClean="0"/>
-              <a:t>5/3/2016</a:t>
+              <a:t>6/8/2016</a:t>
             </a:fld>
             <a:endParaRPr lang="en-US"/>
           </a:p>
@@ -2353,7 +2353,7 @@
           <a:p>
             <a:fld id="{E53C87ED-EC79-4D1E-A771-3ECE4BB9BC6B}" type="datetimeFigureOut">
               <a:rPr lang="en-US" smtClean="0"/>
-              <a:t>5/3/2016</a:t>
+              <a:t>6/8/2016</a:t>
             </a:fld>
             <a:endParaRPr lang="en-US"/>
           </a:p>
@@ -2566,7 +2566,7 @@
           <a:p>
             <a:fld id="{E53C87ED-EC79-4D1E-A771-3ECE4BB9BC6B}" type="datetimeFigureOut">
               <a:rPr lang="en-US" smtClean="0"/>
-              <a:t>5/3/2016</a:t>
+              <a:t>6/8/2016</a:t>
             </a:fld>
             <a:endParaRPr lang="en-US"/>
           </a:p>
@@ -3216,6 +3216,5878 @@
           </a:p>
         </p:txBody>
       </p:sp>
+      <p:graphicFrame>
+        <p:nvGraphicFramePr>
+          <p:cNvPr id="3" name="Table 2"/>
+          <p:cNvGraphicFramePr>
+            <a:graphicFrameLocks noGrp="1"/>
+          </p:cNvGraphicFramePr>
+          <p:nvPr>
+            <p:extLst>
+              <p:ext uri="{D42A27DB-BD31-4B8C-83A1-F6EECF244321}">
+                <p14:modId xmlns:p14="http://schemas.microsoft.com/office/powerpoint/2010/main" val="4263242385"/>
+              </p:ext>
+            </p:extLst>
+          </p:nvPr>
+        </p:nvGraphicFramePr>
+        <p:xfrm>
+          <a:off x="3" y="1918746"/>
+          <a:ext cx="10852875" cy="5203281"/>
+        </p:xfrm>
+        <a:graphic>
+          <a:graphicData uri="http://schemas.openxmlformats.org/drawingml/2006/table">
+            <a:tbl>
+              <a:tblPr/>
+              <a:tblGrid>
+                <a:gridCol w="1205875">
+                  <a:extLst>
+                    <a:ext uri="{9D8B030D-6E8A-4147-A177-3AD203B41FA5}">
+                      <a16:colId xmlns:a16="http://schemas.microsoft.com/office/drawing/2014/main" val="304840172"/>
+                    </a:ext>
+                  </a:extLst>
+                </a:gridCol>
+                <a:gridCol w="1205875">
+                  <a:extLst>
+                    <a:ext uri="{9D8B030D-6E8A-4147-A177-3AD203B41FA5}">
+                      <a16:colId xmlns:a16="http://schemas.microsoft.com/office/drawing/2014/main" val="1196343411"/>
+                    </a:ext>
+                  </a:extLst>
+                </a:gridCol>
+                <a:gridCol w="1205875">
+                  <a:extLst>
+                    <a:ext uri="{9D8B030D-6E8A-4147-A177-3AD203B41FA5}">
+                      <a16:colId xmlns:a16="http://schemas.microsoft.com/office/drawing/2014/main" val="1633042908"/>
+                    </a:ext>
+                  </a:extLst>
+                </a:gridCol>
+                <a:gridCol w="1205875">
+                  <a:extLst>
+                    <a:ext uri="{9D8B030D-6E8A-4147-A177-3AD203B41FA5}">
+                      <a16:colId xmlns:a16="http://schemas.microsoft.com/office/drawing/2014/main" val="846103737"/>
+                    </a:ext>
+                  </a:extLst>
+                </a:gridCol>
+                <a:gridCol w="1205875">
+                  <a:extLst>
+                    <a:ext uri="{9D8B030D-6E8A-4147-A177-3AD203B41FA5}">
+                      <a16:colId xmlns:a16="http://schemas.microsoft.com/office/drawing/2014/main" val="346996318"/>
+                    </a:ext>
+                  </a:extLst>
+                </a:gridCol>
+                <a:gridCol w="1205875">
+                  <a:extLst>
+                    <a:ext uri="{9D8B030D-6E8A-4147-A177-3AD203B41FA5}">
+                      <a16:colId xmlns:a16="http://schemas.microsoft.com/office/drawing/2014/main" val="1901278851"/>
+                    </a:ext>
+                  </a:extLst>
+                </a:gridCol>
+                <a:gridCol w="1205875">
+                  <a:extLst>
+                    <a:ext uri="{9D8B030D-6E8A-4147-A177-3AD203B41FA5}">
+                      <a16:colId xmlns:a16="http://schemas.microsoft.com/office/drawing/2014/main" val="261500301"/>
+                    </a:ext>
+                  </a:extLst>
+                </a:gridCol>
+                <a:gridCol w="1205875">
+                  <a:extLst>
+                    <a:ext uri="{9D8B030D-6E8A-4147-A177-3AD203B41FA5}">
+                      <a16:colId xmlns:a16="http://schemas.microsoft.com/office/drawing/2014/main" val="395722695"/>
+                    </a:ext>
+                  </a:extLst>
+                </a:gridCol>
+                <a:gridCol w="1205875">
+                  <a:extLst>
+                    <a:ext uri="{9D8B030D-6E8A-4147-A177-3AD203B41FA5}">
+                      <a16:colId xmlns:a16="http://schemas.microsoft.com/office/drawing/2014/main" val="1751427017"/>
+                    </a:ext>
+                  </a:extLst>
+                </a:gridCol>
+              </a:tblGrid>
+              <a:tr h="697896">
+                <a:tc>
+                  <a:txBody>
+                    <a:bodyPr/>
+                    <a:lstStyle/>
+                    <a:p>
+                      <a:pPr algn="ctr" fontAlgn="b"/>
+                      <a:r>
+                        <a:rPr lang="en-US" sz="1800" b="1" i="0" u="none" strike="noStrike" dirty="0">
+                          <a:solidFill>
+                            <a:srgbClr val="000000"/>
+                          </a:solidFill>
+                          <a:effectLst/>
+                          <a:latin typeface="Times New Roman" panose="02020603050405020304" pitchFamily="18" charset="0"/>
+                          <a:cs typeface="Times New Roman" panose="02020603050405020304" pitchFamily="18" charset="0"/>
+                        </a:rPr>
+                        <a:t>Dataset</a:t>
+                      </a:r>
+                    </a:p>
+                  </a:txBody>
+                  <a:tcPr marL="9525" marR="9525" marT="9525" marB="0" anchor="ctr">
+                    <a:lnL>
+                      <a:noFill/>
+                    </a:lnL>
+                    <a:lnR w="12700" cap="flat" cmpd="sng" algn="ctr">
+                      <a:noFill/>
+                      <a:prstDash val="solid"/>
+                      <a:round/>
+                      <a:headEnd type="none" w="med" len="med"/>
+                      <a:tailEnd type="none" w="med" len="med"/>
+                    </a:lnR>
+                    <a:lnT w="12700" cap="flat" cmpd="sng" algn="ctr">
+                      <a:solidFill>
+                        <a:schemeClr val="tx1"/>
+                      </a:solidFill>
+                      <a:prstDash val="solid"/>
+                      <a:round/>
+                      <a:headEnd type="none" w="med" len="med"/>
+                      <a:tailEnd type="none" w="med" len="med"/>
+                    </a:lnT>
+                    <a:lnB w="6350" cap="flat" cmpd="sng" algn="ctr">
+                      <a:solidFill>
+                        <a:schemeClr val="tx1"/>
+                      </a:solidFill>
+                      <a:prstDash val="solid"/>
+                      <a:round/>
+                      <a:headEnd type="none" w="med" len="med"/>
+                      <a:tailEnd type="none" w="med" len="med"/>
+                    </a:lnB>
+                  </a:tcPr>
+                </a:tc>
+                <a:tc>
+                  <a:txBody>
+                    <a:bodyPr/>
+                    <a:lstStyle/>
+                    <a:p>
+                      <a:pPr algn="ctr" fontAlgn="b"/>
+                      <a:r>
+                        <a:rPr lang="en-US" sz="1800" b="1" i="0" u="none" strike="noStrike" dirty="0" err="1" smtClean="0">
+                          <a:solidFill>
+                            <a:srgbClr val="000000"/>
+                          </a:solidFill>
+                          <a:effectLst/>
+                          <a:latin typeface="Times New Roman" panose="02020603050405020304" pitchFamily="18" charset="0"/>
+                          <a:cs typeface="Times New Roman" panose="02020603050405020304" pitchFamily="18" charset="0"/>
+                        </a:rPr>
+                        <a:t>AdaBoost</a:t>
+                      </a:r>
+                      <a:endParaRPr lang="en-US" sz="1800" b="1" i="0" u="none" strike="noStrike" dirty="0">
+                        <a:solidFill>
+                          <a:srgbClr val="000000"/>
+                        </a:solidFill>
+                        <a:effectLst/>
+                        <a:latin typeface="Times New Roman" panose="02020603050405020304" pitchFamily="18" charset="0"/>
+                        <a:cs typeface="Times New Roman" panose="02020603050405020304" pitchFamily="18" charset="0"/>
+                      </a:endParaRPr>
+                    </a:p>
+                  </a:txBody>
+                  <a:tcPr marL="9525" marR="9525" marT="9525" marB="0" anchor="ctr">
+                    <a:lnL w="12700" cap="flat" cmpd="sng" algn="ctr">
+                      <a:noFill/>
+                      <a:prstDash val="solid"/>
+                      <a:round/>
+                      <a:headEnd type="none" w="med" len="med"/>
+                      <a:tailEnd type="none" w="med" len="med"/>
+                    </a:lnL>
+                    <a:lnR w="12700" cap="flat" cmpd="sng" algn="ctr">
+                      <a:noFill/>
+                      <a:prstDash val="solid"/>
+                      <a:round/>
+                      <a:headEnd type="none" w="med" len="med"/>
+                      <a:tailEnd type="none" w="med" len="med"/>
+                    </a:lnR>
+                    <a:lnT w="12700" cap="flat" cmpd="sng" algn="ctr">
+                      <a:solidFill>
+                        <a:schemeClr val="tx1"/>
+                      </a:solidFill>
+                      <a:prstDash val="solid"/>
+                      <a:round/>
+                      <a:headEnd type="none" w="med" len="med"/>
+                      <a:tailEnd type="none" w="med" len="med"/>
+                    </a:lnT>
+                    <a:lnB w="6350" cap="flat" cmpd="sng" algn="ctr">
+                      <a:solidFill>
+                        <a:schemeClr val="tx1"/>
+                      </a:solidFill>
+                      <a:prstDash val="solid"/>
+                      <a:round/>
+                      <a:headEnd type="none" w="med" len="med"/>
+                      <a:tailEnd type="none" w="med" len="med"/>
+                    </a:lnB>
+                  </a:tcPr>
+                </a:tc>
+                <a:tc>
+                  <a:txBody>
+                    <a:bodyPr/>
+                    <a:lstStyle/>
+                    <a:p>
+                      <a:pPr algn="ctr" fontAlgn="b"/>
+                      <a:r>
+                        <a:rPr lang="en-US" sz="1800" b="1" i="0" u="none" strike="noStrike" dirty="0" err="1">
+                          <a:solidFill>
+                            <a:srgbClr val="000000"/>
+                          </a:solidFill>
+                          <a:effectLst/>
+                          <a:latin typeface="Times New Roman" panose="02020603050405020304" pitchFamily="18" charset="0"/>
+                          <a:cs typeface="Times New Roman" panose="02020603050405020304" pitchFamily="18" charset="0"/>
+                        </a:rPr>
+                        <a:t>EasyEnsemble</a:t>
+                      </a:r>
+                      <a:endParaRPr lang="en-US" sz="1800" b="1" i="0" u="none" strike="noStrike" dirty="0">
+                        <a:solidFill>
+                          <a:srgbClr val="000000"/>
+                        </a:solidFill>
+                        <a:effectLst/>
+                        <a:latin typeface="Times New Roman" panose="02020603050405020304" pitchFamily="18" charset="0"/>
+                        <a:cs typeface="Times New Roman" panose="02020603050405020304" pitchFamily="18" charset="0"/>
+                      </a:endParaRPr>
+                    </a:p>
+                  </a:txBody>
+                  <a:tcPr marL="9525" marR="9525" marT="9525" marB="0" anchor="ctr">
+                    <a:lnL w="12700" cap="flat" cmpd="sng" algn="ctr">
+                      <a:noFill/>
+                      <a:prstDash val="solid"/>
+                      <a:round/>
+                      <a:headEnd type="none" w="med" len="med"/>
+                      <a:tailEnd type="none" w="med" len="med"/>
+                    </a:lnL>
+                    <a:lnR w="12700" cap="flat" cmpd="sng" algn="ctr">
+                      <a:noFill/>
+                      <a:prstDash val="solid"/>
+                      <a:round/>
+                      <a:headEnd type="none" w="med" len="med"/>
+                      <a:tailEnd type="none" w="med" len="med"/>
+                    </a:lnR>
+                    <a:lnT w="12700" cap="flat" cmpd="sng" algn="ctr">
+                      <a:solidFill>
+                        <a:schemeClr val="tx1"/>
+                      </a:solidFill>
+                      <a:prstDash val="solid"/>
+                      <a:round/>
+                      <a:headEnd type="none" w="med" len="med"/>
+                      <a:tailEnd type="none" w="med" len="med"/>
+                    </a:lnT>
+                    <a:lnB w="6350" cap="flat" cmpd="sng" algn="ctr">
+                      <a:solidFill>
+                        <a:schemeClr val="tx1"/>
+                      </a:solidFill>
+                      <a:prstDash val="solid"/>
+                      <a:round/>
+                      <a:headEnd type="none" w="med" len="med"/>
+                      <a:tailEnd type="none" w="med" len="med"/>
+                    </a:lnB>
+                  </a:tcPr>
+                </a:tc>
+                <a:tc>
+                  <a:txBody>
+                    <a:bodyPr/>
+                    <a:lstStyle/>
+                    <a:p>
+                      <a:pPr algn="ctr" fontAlgn="b"/>
+                      <a:r>
+                        <a:rPr lang="en-US" sz="1800" b="1" i="0" u="none" strike="noStrike" dirty="0">
+                          <a:solidFill>
+                            <a:srgbClr val="000000"/>
+                          </a:solidFill>
+                          <a:effectLst/>
+                          <a:latin typeface="Times New Roman" panose="02020603050405020304" pitchFamily="18" charset="0"/>
+                          <a:cs typeface="Times New Roman" panose="02020603050405020304" pitchFamily="18" charset="0"/>
+                        </a:rPr>
+                        <a:t>MWMOTE</a:t>
+                      </a:r>
+                    </a:p>
+                  </a:txBody>
+                  <a:tcPr marL="9525" marR="9525" marT="9525" marB="0" anchor="ctr">
+                    <a:lnL w="12700" cap="flat" cmpd="sng" algn="ctr">
+                      <a:noFill/>
+                      <a:prstDash val="solid"/>
+                      <a:round/>
+                      <a:headEnd type="none" w="med" len="med"/>
+                      <a:tailEnd type="none" w="med" len="med"/>
+                    </a:lnL>
+                    <a:lnR w="12700" cap="flat" cmpd="sng" algn="ctr">
+                      <a:noFill/>
+                      <a:prstDash val="solid"/>
+                      <a:round/>
+                      <a:headEnd type="none" w="med" len="med"/>
+                      <a:tailEnd type="none" w="med" len="med"/>
+                    </a:lnR>
+                    <a:lnT w="12700" cap="flat" cmpd="sng" algn="ctr">
+                      <a:solidFill>
+                        <a:schemeClr val="tx1"/>
+                      </a:solidFill>
+                      <a:prstDash val="solid"/>
+                      <a:round/>
+                      <a:headEnd type="none" w="med" len="med"/>
+                      <a:tailEnd type="none" w="med" len="med"/>
+                    </a:lnT>
+                    <a:lnB w="6350" cap="flat" cmpd="sng" algn="ctr">
+                      <a:solidFill>
+                        <a:schemeClr val="tx1"/>
+                      </a:solidFill>
+                      <a:prstDash val="solid"/>
+                      <a:round/>
+                      <a:headEnd type="none" w="med" len="med"/>
+                      <a:tailEnd type="none" w="med" len="med"/>
+                    </a:lnB>
+                  </a:tcPr>
+                </a:tc>
+                <a:tc>
+                  <a:txBody>
+                    <a:bodyPr/>
+                    <a:lstStyle/>
+                    <a:p>
+                      <a:pPr algn="ctr" fontAlgn="b"/>
+                      <a:r>
+                        <a:rPr lang="en-US" sz="1800" b="1" i="0" u="none" strike="noStrike" dirty="0">
+                          <a:solidFill>
+                            <a:srgbClr val="000000"/>
+                          </a:solidFill>
+                          <a:effectLst/>
+                          <a:latin typeface="Times New Roman" panose="02020603050405020304" pitchFamily="18" charset="0"/>
+                          <a:cs typeface="Times New Roman" panose="02020603050405020304" pitchFamily="18" charset="0"/>
+                        </a:rPr>
+                        <a:t>SMOTE</a:t>
+                      </a:r>
+                    </a:p>
+                  </a:txBody>
+                  <a:tcPr marL="9525" marR="9525" marT="9525" marB="0" anchor="ctr">
+                    <a:lnL w="12700" cap="flat" cmpd="sng" algn="ctr">
+                      <a:noFill/>
+                      <a:prstDash val="solid"/>
+                      <a:round/>
+                      <a:headEnd type="none" w="med" len="med"/>
+                      <a:tailEnd type="none" w="med" len="med"/>
+                    </a:lnL>
+                    <a:lnR w="12700" cap="flat" cmpd="sng" algn="ctr">
+                      <a:noFill/>
+                      <a:prstDash val="solid"/>
+                      <a:round/>
+                      <a:headEnd type="none" w="med" len="med"/>
+                      <a:tailEnd type="none" w="med" len="med"/>
+                    </a:lnR>
+                    <a:lnT w="12700" cap="flat" cmpd="sng" algn="ctr">
+                      <a:solidFill>
+                        <a:schemeClr val="tx1"/>
+                      </a:solidFill>
+                      <a:prstDash val="solid"/>
+                      <a:round/>
+                      <a:headEnd type="none" w="med" len="med"/>
+                      <a:tailEnd type="none" w="med" len="med"/>
+                    </a:lnT>
+                    <a:lnB w="6350" cap="flat" cmpd="sng" algn="ctr">
+                      <a:solidFill>
+                        <a:schemeClr val="tx1"/>
+                      </a:solidFill>
+                      <a:prstDash val="solid"/>
+                      <a:round/>
+                      <a:headEnd type="none" w="med" len="med"/>
+                      <a:tailEnd type="none" w="med" len="med"/>
+                    </a:lnB>
+                  </a:tcPr>
+                </a:tc>
+                <a:tc>
+                  <a:txBody>
+                    <a:bodyPr/>
+                    <a:lstStyle/>
+                    <a:p>
+                      <a:pPr algn="ctr" fontAlgn="b"/>
+                      <a:r>
+                        <a:rPr lang="en-US" sz="1800" b="1" i="0" u="none" strike="noStrike" dirty="0" err="1">
+                          <a:solidFill>
+                            <a:srgbClr val="000000"/>
+                          </a:solidFill>
+                          <a:effectLst/>
+                          <a:latin typeface="Times New Roman" panose="02020603050405020304" pitchFamily="18" charset="0"/>
+                          <a:cs typeface="Times New Roman" panose="02020603050405020304" pitchFamily="18" charset="0"/>
+                        </a:rPr>
+                        <a:t>vSVM</a:t>
+                      </a:r>
+                      <a:endParaRPr lang="en-US" sz="1800" b="1" i="0" u="none" strike="noStrike" dirty="0">
+                        <a:solidFill>
+                          <a:srgbClr val="000000"/>
+                        </a:solidFill>
+                        <a:effectLst/>
+                        <a:latin typeface="Times New Roman" panose="02020603050405020304" pitchFamily="18" charset="0"/>
+                        <a:cs typeface="Times New Roman" panose="02020603050405020304" pitchFamily="18" charset="0"/>
+                      </a:endParaRPr>
+                    </a:p>
+                  </a:txBody>
+                  <a:tcPr marL="9525" marR="9525" marT="9525" marB="0" anchor="ctr">
+                    <a:lnL w="12700" cap="flat" cmpd="sng" algn="ctr">
+                      <a:noFill/>
+                      <a:prstDash val="solid"/>
+                      <a:round/>
+                      <a:headEnd type="none" w="med" len="med"/>
+                      <a:tailEnd type="none" w="med" len="med"/>
+                    </a:lnL>
+                    <a:lnR w="12700" cap="flat" cmpd="sng" algn="ctr">
+                      <a:noFill/>
+                      <a:prstDash val="solid"/>
+                      <a:round/>
+                      <a:headEnd type="none" w="med" len="med"/>
+                      <a:tailEnd type="none" w="med" len="med"/>
+                    </a:lnR>
+                    <a:lnT w="12700" cap="flat" cmpd="sng" algn="ctr">
+                      <a:solidFill>
+                        <a:schemeClr val="tx1"/>
+                      </a:solidFill>
+                      <a:prstDash val="solid"/>
+                      <a:round/>
+                      <a:headEnd type="none" w="med" len="med"/>
+                      <a:tailEnd type="none" w="med" len="med"/>
+                    </a:lnT>
+                    <a:lnB w="6350" cap="flat" cmpd="sng" algn="ctr">
+                      <a:solidFill>
+                        <a:schemeClr val="tx1"/>
+                      </a:solidFill>
+                      <a:prstDash val="solid"/>
+                      <a:round/>
+                      <a:headEnd type="none" w="med" len="med"/>
+                      <a:tailEnd type="none" w="med" len="med"/>
+                    </a:lnB>
+                  </a:tcPr>
+                </a:tc>
+                <a:tc>
+                  <a:txBody>
+                    <a:bodyPr/>
+                    <a:lstStyle/>
+                    <a:p>
+                      <a:pPr algn="ctr" fontAlgn="b"/>
+                      <a:r>
+                        <a:rPr lang="en-US" sz="1800" b="1" i="0" u="none" strike="noStrike" dirty="0" err="1">
+                          <a:solidFill>
+                            <a:srgbClr val="000000"/>
+                          </a:solidFill>
+                          <a:effectLst/>
+                          <a:latin typeface="Times New Roman" panose="02020603050405020304" pitchFamily="18" charset="0"/>
+                          <a:cs typeface="Times New Roman" panose="02020603050405020304" pitchFamily="18" charset="0"/>
+                        </a:rPr>
+                        <a:t>imr</a:t>
+                      </a:r>
+                      <a:endParaRPr lang="en-US" sz="1800" b="1" i="0" u="none" strike="noStrike" dirty="0">
+                        <a:solidFill>
+                          <a:srgbClr val="000000"/>
+                        </a:solidFill>
+                        <a:effectLst/>
+                        <a:latin typeface="Times New Roman" panose="02020603050405020304" pitchFamily="18" charset="0"/>
+                        <a:cs typeface="Times New Roman" panose="02020603050405020304" pitchFamily="18" charset="0"/>
+                      </a:endParaRPr>
+                    </a:p>
+                  </a:txBody>
+                  <a:tcPr marL="9525" marR="9525" marT="9525" marB="0" anchor="ctr">
+                    <a:lnL w="12700" cap="flat" cmpd="sng" algn="ctr">
+                      <a:noFill/>
+                      <a:prstDash val="solid"/>
+                      <a:round/>
+                      <a:headEnd type="none" w="med" len="med"/>
+                      <a:tailEnd type="none" w="med" len="med"/>
+                    </a:lnL>
+                    <a:lnR w="12700" cap="flat" cmpd="sng" algn="ctr">
+                      <a:noFill/>
+                      <a:prstDash val="solid"/>
+                      <a:round/>
+                      <a:headEnd type="none" w="med" len="med"/>
+                      <a:tailEnd type="none" w="med" len="med"/>
+                    </a:lnR>
+                    <a:lnT w="12700" cap="flat" cmpd="sng" algn="ctr">
+                      <a:solidFill>
+                        <a:schemeClr val="tx1"/>
+                      </a:solidFill>
+                      <a:prstDash val="solid"/>
+                      <a:round/>
+                      <a:headEnd type="none" w="med" len="med"/>
+                      <a:tailEnd type="none" w="med" len="med"/>
+                    </a:lnT>
+                    <a:lnB w="6350" cap="flat" cmpd="sng" algn="ctr">
+                      <a:solidFill>
+                        <a:schemeClr val="tx1"/>
+                      </a:solidFill>
+                      <a:prstDash val="solid"/>
+                      <a:round/>
+                      <a:headEnd type="none" w="med" len="med"/>
+                      <a:tailEnd type="none" w="med" len="med"/>
+                    </a:lnB>
+                  </a:tcPr>
+                </a:tc>
+                <a:tc>
+                  <a:txBody>
+                    <a:bodyPr/>
+                    <a:lstStyle/>
+                    <a:p>
+                      <a:pPr algn="ctr" fontAlgn="b"/>
+                      <a:r>
+                        <a:rPr lang="en-US" sz="1800" b="1" i="0" u="none" strike="noStrike" dirty="0" err="1">
+                          <a:solidFill>
+                            <a:srgbClr val="000000"/>
+                          </a:solidFill>
+                          <a:effectLst/>
+                          <a:latin typeface="Times New Roman" panose="02020603050405020304" pitchFamily="18" charset="0"/>
+                          <a:cs typeface="Times New Roman" panose="02020603050405020304" pitchFamily="18" charset="0"/>
+                        </a:rPr>
+                        <a:t>ovlap</a:t>
+                      </a:r>
+                      <a:endParaRPr lang="en-US" sz="1800" b="1" i="0" u="none" strike="noStrike" dirty="0">
+                        <a:solidFill>
+                          <a:srgbClr val="000000"/>
+                        </a:solidFill>
+                        <a:effectLst/>
+                        <a:latin typeface="Times New Roman" panose="02020603050405020304" pitchFamily="18" charset="0"/>
+                        <a:cs typeface="Times New Roman" panose="02020603050405020304" pitchFamily="18" charset="0"/>
+                      </a:endParaRPr>
+                    </a:p>
+                  </a:txBody>
+                  <a:tcPr marL="9525" marR="9525" marT="9525" marB="0" anchor="ctr">
+                    <a:lnL w="12700" cap="flat" cmpd="sng" algn="ctr">
+                      <a:noFill/>
+                      <a:prstDash val="solid"/>
+                      <a:round/>
+                      <a:headEnd type="none" w="med" len="med"/>
+                      <a:tailEnd type="none" w="med" len="med"/>
+                    </a:lnL>
+                    <a:lnR w="12700" cap="flat" cmpd="sng" algn="ctr">
+                      <a:noFill/>
+                      <a:prstDash val="solid"/>
+                      <a:round/>
+                      <a:headEnd type="none" w="med" len="med"/>
+                      <a:tailEnd type="none" w="med" len="med"/>
+                    </a:lnR>
+                    <a:lnT w="12700" cap="flat" cmpd="sng" algn="ctr">
+                      <a:solidFill>
+                        <a:schemeClr val="tx1"/>
+                      </a:solidFill>
+                      <a:prstDash val="solid"/>
+                      <a:round/>
+                      <a:headEnd type="none" w="med" len="med"/>
+                      <a:tailEnd type="none" w="med" len="med"/>
+                    </a:lnT>
+                    <a:lnB w="6350" cap="flat" cmpd="sng" algn="ctr">
+                      <a:solidFill>
+                        <a:schemeClr val="tx1"/>
+                      </a:solidFill>
+                      <a:prstDash val="solid"/>
+                      <a:round/>
+                      <a:headEnd type="none" w="med" len="med"/>
+                      <a:tailEnd type="none" w="med" len="med"/>
+                    </a:lnB>
+                  </a:tcPr>
+                </a:tc>
+                <a:tc>
+                  <a:txBody>
+                    <a:bodyPr/>
+                    <a:lstStyle/>
+                    <a:p>
+                      <a:pPr algn="ctr" fontAlgn="b"/>
+                      <a:endParaRPr lang="en-US" sz="1600" b="0" i="0" u="none" strike="noStrike" dirty="0">
+                        <a:solidFill>
+                          <a:srgbClr val="000000"/>
+                        </a:solidFill>
+                        <a:effectLst/>
+                        <a:latin typeface="Times New Roman" panose="02020603050405020304" pitchFamily="18" charset="0"/>
+                        <a:cs typeface="Times New Roman" panose="02020603050405020304" pitchFamily="18" charset="0"/>
+                      </a:endParaRPr>
+                    </a:p>
+                  </a:txBody>
+                  <a:tcPr marL="9525" marR="9525" marT="9525" marB="0" anchor="ctr">
+                    <a:lnL w="12700" cap="flat" cmpd="sng" algn="ctr">
+                      <a:noFill/>
+                      <a:prstDash val="solid"/>
+                      <a:round/>
+                      <a:headEnd type="none" w="med" len="med"/>
+                      <a:tailEnd type="none" w="med" len="med"/>
+                    </a:lnL>
+                    <a:lnR>
+                      <a:noFill/>
+                    </a:lnR>
+                    <a:lnT w="12700" cap="flat" cmpd="sng" algn="ctr">
+                      <a:solidFill>
+                        <a:schemeClr val="tx1"/>
+                      </a:solidFill>
+                      <a:prstDash val="solid"/>
+                      <a:round/>
+                      <a:headEnd type="none" w="med" len="med"/>
+                      <a:tailEnd type="none" w="med" len="med"/>
+                    </a:lnT>
+                    <a:lnB w="6350" cap="flat" cmpd="sng" algn="ctr">
+                      <a:solidFill>
+                        <a:schemeClr val="tx1"/>
+                      </a:solidFill>
+                      <a:prstDash val="solid"/>
+                      <a:round/>
+                      <a:headEnd type="none" w="med" len="med"/>
+                      <a:tailEnd type="none" w="med" len="med"/>
+                    </a:lnB>
+                  </a:tcPr>
+                </a:tc>
+                <a:extLst>
+                  <a:ext uri="{0D108BD9-81ED-4DB2-BD59-A6C34878D82A}">
+                    <a16:rowId xmlns:a16="http://schemas.microsoft.com/office/drawing/2014/main" val="2274049471"/>
+                  </a:ext>
+                </a:extLst>
+              </a:tr>
+              <a:tr h="385578">
+                <a:tc>
+                  <a:txBody>
+                    <a:bodyPr/>
+                    <a:lstStyle/>
+                    <a:p>
+                      <a:pPr algn="ctr" fontAlgn="b"/>
+                      <a:r>
+                        <a:rPr lang="en-US" sz="1400" b="0" i="0" u="none" strike="noStrike">
+                          <a:solidFill>
+                            <a:srgbClr val="000000"/>
+                          </a:solidFill>
+                          <a:effectLst/>
+                          <a:latin typeface="Calibri" panose="020F0502020204030204" pitchFamily="34" charset="0"/>
+                        </a:rPr>
+                        <a:t>abalone</a:t>
+                      </a:r>
+                    </a:p>
+                  </a:txBody>
+                  <a:tcPr marL="9525" marR="9525" marT="9525" marB="0" anchor="ctr">
+                    <a:lnL>
+                      <a:noFill/>
+                    </a:lnL>
+                    <a:lnR w="12700" cap="flat" cmpd="sng" algn="ctr">
+                      <a:noFill/>
+                      <a:prstDash val="solid"/>
+                      <a:round/>
+                      <a:headEnd type="none" w="med" len="med"/>
+                      <a:tailEnd type="none" w="med" len="med"/>
+                    </a:lnR>
+                    <a:lnT w="6350" cap="flat" cmpd="sng" algn="ctr">
+                      <a:solidFill>
+                        <a:schemeClr val="tx1"/>
+                      </a:solidFill>
+                      <a:prstDash val="solid"/>
+                      <a:round/>
+                      <a:headEnd type="none" w="med" len="med"/>
+                      <a:tailEnd type="none" w="med" len="med"/>
+                    </a:lnT>
+                    <a:lnB w="6350" cap="flat" cmpd="sng" algn="ctr">
+                      <a:solidFill>
+                        <a:schemeClr val="tx1"/>
+                      </a:solidFill>
+                      <a:prstDash val="solid"/>
+                      <a:round/>
+                      <a:headEnd type="none" w="med" len="med"/>
+                      <a:tailEnd type="none" w="med" len="med"/>
+                    </a:lnB>
+                  </a:tcPr>
+                </a:tc>
+                <a:tc>
+                  <a:txBody>
+                    <a:bodyPr/>
+                    <a:lstStyle/>
+                    <a:p>
+                      <a:pPr algn="ctr" fontAlgn="b"/>
+                      <a:r>
+                        <a:rPr lang="en-US" sz="1400" b="0" i="0" u="none" strike="noStrike">
+                          <a:solidFill>
+                            <a:srgbClr val="000000"/>
+                          </a:solidFill>
+                          <a:effectLst/>
+                          <a:latin typeface="Calibri" panose="020F0502020204030204" pitchFamily="34" charset="0"/>
+                        </a:rPr>
+                        <a:t>0.254144</a:t>
+                      </a:r>
+                    </a:p>
+                  </a:txBody>
+                  <a:tcPr marL="9525" marR="9525" marT="9525" marB="0" anchor="ctr">
+                    <a:lnL w="12700" cap="flat" cmpd="sng" algn="ctr">
+                      <a:noFill/>
+                      <a:prstDash val="solid"/>
+                      <a:round/>
+                      <a:headEnd type="none" w="med" len="med"/>
+                      <a:tailEnd type="none" w="med" len="med"/>
+                    </a:lnL>
+                    <a:lnR w="12700" cap="flat" cmpd="sng" algn="ctr">
+                      <a:noFill/>
+                      <a:prstDash val="solid"/>
+                      <a:round/>
+                      <a:headEnd type="none" w="med" len="med"/>
+                      <a:tailEnd type="none" w="med" len="med"/>
+                    </a:lnR>
+                    <a:lnT w="6350" cap="flat" cmpd="sng" algn="ctr">
+                      <a:solidFill>
+                        <a:schemeClr val="tx1"/>
+                      </a:solidFill>
+                      <a:prstDash val="solid"/>
+                      <a:round/>
+                      <a:headEnd type="none" w="med" len="med"/>
+                      <a:tailEnd type="none" w="med" len="med"/>
+                    </a:lnT>
+                    <a:lnB w="6350" cap="flat" cmpd="sng" algn="ctr">
+                      <a:solidFill>
+                        <a:schemeClr val="tx1"/>
+                      </a:solidFill>
+                      <a:prstDash val="solid"/>
+                      <a:round/>
+                      <a:headEnd type="none" w="med" len="med"/>
+                      <a:tailEnd type="none" w="med" len="med"/>
+                    </a:lnB>
+                  </a:tcPr>
+                </a:tc>
+                <a:tc>
+                  <a:txBody>
+                    <a:bodyPr/>
+                    <a:lstStyle/>
+                    <a:p>
+                      <a:pPr algn="ctr" fontAlgn="b"/>
+                      <a:r>
+                        <a:rPr lang="en-US" sz="1400" b="0" i="0" u="none" strike="noStrike" dirty="0">
+                          <a:solidFill>
+                            <a:srgbClr val="000000"/>
+                          </a:solidFill>
+                          <a:effectLst/>
+                          <a:latin typeface="Calibri" panose="020F0502020204030204" pitchFamily="34" charset="0"/>
+                        </a:rPr>
+                        <a:t>0.370968</a:t>
+                      </a:r>
+                    </a:p>
+                  </a:txBody>
+                  <a:tcPr marL="9525" marR="9525" marT="9525" marB="0" anchor="ctr">
+                    <a:lnL w="12700" cap="flat" cmpd="sng" algn="ctr">
+                      <a:noFill/>
+                      <a:prstDash val="solid"/>
+                      <a:round/>
+                      <a:headEnd type="none" w="med" len="med"/>
+                      <a:tailEnd type="none" w="med" len="med"/>
+                    </a:lnL>
+                    <a:lnR w="12700" cap="flat" cmpd="sng" algn="ctr">
+                      <a:noFill/>
+                      <a:prstDash val="solid"/>
+                      <a:round/>
+                      <a:headEnd type="none" w="med" len="med"/>
+                      <a:tailEnd type="none" w="med" len="med"/>
+                    </a:lnR>
+                    <a:lnT w="6350" cap="flat" cmpd="sng" algn="ctr">
+                      <a:solidFill>
+                        <a:schemeClr val="tx1"/>
+                      </a:solidFill>
+                      <a:prstDash val="solid"/>
+                      <a:round/>
+                      <a:headEnd type="none" w="med" len="med"/>
+                      <a:tailEnd type="none" w="med" len="med"/>
+                    </a:lnT>
+                    <a:lnB w="6350" cap="flat" cmpd="sng" algn="ctr">
+                      <a:solidFill>
+                        <a:schemeClr val="tx1"/>
+                      </a:solidFill>
+                      <a:prstDash val="solid"/>
+                      <a:round/>
+                      <a:headEnd type="none" w="med" len="med"/>
+                      <a:tailEnd type="none" w="med" len="med"/>
+                    </a:lnB>
+                  </a:tcPr>
+                </a:tc>
+                <a:tc>
+                  <a:txBody>
+                    <a:bodyPr/>
+                    <a:lstStyle/>
+                    <a:p>
+                      <a:pPr algn="ctr" fontAlgn="b"/>
+                      <a:r>
+                        <a:rPr lang="en-US" sz="1400" b="0" i="0" u="none" strike="noStrike">
+                          <a:solidFill>
+                            <a:srgbClr val="9C0006"/>
+                          </a:solidFill>
+                          <a:effectLst/>
+                          <a:latin typeface="Calibri" panose="020F0502020204030204" pitchFamily="34" charset="0"/>
+                        </a:rPr>
+                        <a:t>0.40747</a:t>
+                      </a:r>
+                    </a:p>
+                  </a:txBody>
+                  <a:tcPr marL="9525" marR="9525" marT="9525" marB="0" anchor="ctr">
+                    <a:lnL w="12700" cap="flat" cmpd="sng" algn="ctr">
+                      <a:noFill/>
+                      <a:prstDash val="solid"/>
+                      <a:round/>
+                      <a:headEnd type="none" w="med" len="med"/>
+                      <a:tailEnd type="none" w="med" len="med"/>
+                    </a:lnL>
+                    <a:lnR w="12700" cap="flat" cmpd="sng" algn="ctr">
+                      <a:noFill/>
+                      <a:prstDash val="solid"/>
+                      <a:round/>
+                      <a:headEnd type="none" w="med" len="med"/>
+                      <a:tailEnd type="none" w="med" len="med"/>
+                    </a:lnR>
+                    <a:lnT w="6350" cap="flat" cmpd="sng" algn="ctr">
+                      <a:solidFill>
+                        <a:schemeClr val="tx1"/>
+                      </a:solidFill>
+                      <a:prstDash val="solid"/>
+                      <a:round/>
+                      <a:headEnd type="none" w="med" len="med"/>
+                      <a:tailEnd type="none" w="med" len="med"/>
+                    </a:lnT>
+                    <a:lnB w="6350" cap="flat" cmpd="sng" algn="ctr">
+                      <a:solidFill>
+                        <a:schemeClr val="tx1"/>
+                      </a:solidFill>
+                      <a:prstDash val="solid"/>
+                      <a:round/>
+                      <a:headEnd type="none" w="med" len="med"/>
+                      <a:tailEnd type="none" w="med" len="med"/>
+                    </a:lnB>
+                    <a:solidFill>
+                      <a:srgbClr val="FFC7CE"/>
+                    </a:solidFill>
+                  </a:tcPr>
+                </a:tc>
+                <a:tc>
+                  <a:txBody>
+                    <a:bodyPr/>
+                    <a:lstStyle/>
+                    <a:p>
+                      <a:pPr algn="ctr" fontAlgn="b"/>
+                      <a:r>
+                        <a:rPr lang="en-US" sz="1400" b="0" i="0" u="none" strike="noStrike" dirty="0">
+                          <a:solidFill>
+                            <a:srgbClr val="000000"/>
+                          </a:solidFill>
+                          <a:effectLst/>
+                          <a:latin typeface="Calibri" panose="020F0502020204030204" pitchFamily="34" charset="0"/>
+                        </a:rPr>
+                        <a:t>0.392361</a:t>
+                      </a:r>
+                    </a:p>
+                  </a:txBody>
+                  <a:tcPr marL="9525" marR="9525" marT="9525" marB="0" anchor="ctr">
+                    <a:lnL w="12700" cap="flat" cmpd="sng" algn="ctr">
+                      <a:noFill/>
+                      <a:prstDash val="solid"/>
+                      <a:round/>
+                      <a:headEnd type="none" w="med" len="med"/>
+                      <a:tailEnd type="none" w="med" len="med"/>
+                    </a:lnL>
+                    <a:lnR w="12700" cap="flat" cmpd="sng" algn="ctr">
+                      <a:noFill/>
+                      <a:prstDash val="solid"/>
+                      <a:round/>
+                      <a:headEnd type="none" w="med" len="med"/>
+                      <a:tailEnd type="none" w="med" len="med"/>
+                    </a:lnR>
+                    <a:lnT w="6350" cap="flat" cmpd="sng" algn="ctr">
+                      <a:solidFill>
+                        <a:schemeClr val="tx1"/>
+                      </a:solidFill>
+                      <a:prstDash val="solid"/>
+                      <a:round/>
+                      <a:headEnd type="none" w="med" len="med"/>
+                      <a:tailEnd type="none" w="med" len="med"/>
+                    </a:lnT>
+                    <a:lnB w="6350" cap="flat" cmpd="sng" algn="ctr">
+                      <a:solidFill>
+                        <a:schemeClr val="tx1"/>
+                      </a:solidFill>
+                      <a:prstDash val="solid"/>
+                      <a:round/>
+                      <a:headEnd type="none" w="med" len="med"/>
+                      <a:tailEnd type="none" w="med" len="med"/>
+                    </a:lnB>
+                  </a:tcPr>
+                </a:tc>
+                <a:tc>
+                  <a:txBody>
+                    <a:bodyPr/>
+                    <a:lstStyle/>
+                    <a:p>
+                      <a:pPr algn="ctr" fontAlgn="b"/>
+                      <a:r>
+                        <a:rPr lang="en-US" sz="1400" b="0" i="0" u="none" strike="noStrike">
+                          <a:solidFill>
+                            <a:srgbClr val="000000"/>
+                          </a:solidFill>
+                          <a:effectLst/>
+                          <a:latin typeface="Calibri" panose="020F0502020204030204" pitchFamily="34" charset="0"/>
+                        </a:rPr>
+                        <a:t>0.219959</a:t>
+                      </a:r>
+                    </a:p>
+                  </a:txBody>
+                  <a:tcPr marL="9525" marR="9525" marT="9525" marB="0" anchor="ctr">
+                    <a:lnL w="12700" cap="flat" cmpd="sng" algn="ctr">
+                      <a:noFill/>
+                      <a:prstDash val="solid"/>
+                      <a:round/>
+                      <a:headEnd type="none" w="med" len="med"/>
+                      <a:tailEnd type="none" w="med" len="med"/>
+                    </a:lnL>
+                    <a:lnR w="12700" cap="flat" cmpd="sng" algn="ctr">
+                      <a:noFill/>
+                      <a:prstDash val="solid"/>
+                      <a:round/>
+                      <a:headEnd type="none" w="med" len="med"/>
+                      <a:tailEnd type="none" w="med" len="med"/>
+                    </a:lnR>
+                    <a:lnT w="6350" cap="flat" cmpd="sng" algn="ctr">
+                      <a:solidFill>
+                        <a:schemeClr val="tx1"/>
+                      </a:solidFill>
+                      <a:prstDash val="solid"/>
+                      <a:round/>
+                      <a:headEnd type="none" w="med" len="med"/>
+                      <a:tailEnd type="none" w="med" len="med"/>
+                    </a:lnT>
+                    <a:lnB w="6350" cap="flat" cmpd="sng" algn="ctr">
+                      <a:solidFill>
+                        <a:schemeClr val="tx1"/>
+                      </a:solidFill>
+                      <a:prstDash val="solid"/>
+                      <a:round/>
+                      <a:headEnd type="none" w="med" len="med"/>
+                      <a:tailEnd type="none" w="med" len="med"/>
+                    </a:lnB>
+                  </a:tcPr>
+                </a:tc>
+                <a:tc>
+                  <a:txBody>
+                    <a:bodyPr/>
+                    <a:lstStyle/>
+                    <a:p>
+                      <a:pPr algn="ctr" fontAlgn="b"/>
+                      <a:r>
+                        <a:rPr lang="en-US" sz="1400" b="0" i="0" u="none" strike="noStrike">
+                          <a:solidFill>
+                            <a:srgbClr val="000000"/>
+                          </a:solidFill>
+                          <a:effectLst/>
+                          <a:latin typeface="Calibri" panose="020F0502020204030204" pitchFamily="34" charset="0"/>
+                        </a:rPr>
+                        <a:t>0.062485</a:t>
+                      </a:r>
+                    </a:p>
+                  </a:txBody>
+                  <a:tcPr marL="9525" marR="9525" marT="9525" marB="0" anchor="ctr">
+                    <a:lnL w="12700" cap="flat" cmpd="sng" algn="ctr">
+                      <a:noFill/>
+                      <a:prstDash val="solid"/>
+                      <a:round/>
+                      <a:headEnd type="none" w="med" len="med"/>
+                      <a:tailEnd type="none" w="med" len="med"/>
+                    </a:lnL>
+                    <a:lnR w="12700" cap="flat" cmpd="sng" algn="ctr">
+                      <a:noFill/>
+                      <a:prstDash val="solid"/>
+                      <a:round/>
+                      <a:headEnd type="none" w="med" len="med"/>
+                      <a:tailEnd type="none" w="med" len="med"/>
+                    </a:lnR>
+                    <a:lnT w="6350" cap="flat" cmpd="sng" algn="ctr">
+                      <a:solidFill>
+                        <a:schemeClr val="tx1"/>
+                      </a:solidFill>
+                      <a:prstDash val="solid"/>
+                      <a:round/>
+                      <a:headEnd type="none" w="med" len="med"/>
+                      <a:tailEnd type="none" w="med" len="med"/>
+                    </a:lnT>
+                    <a:lnB w="6350" cap="flat" cmpd="sng" algn="ctr">
+                      <a:solidFill>
+                        <a:schemeClr val="tx1"/>
+                      </a:solidFill>
+                      <a:prstDash val="solid"/>
+                      <a:round/>
+                      <a:headEnd type="none" w="med" len="med"/>
+                      <a:tailEnd type="none" w="med" len="med"/>
+                    </a:lnB>
+                  </a:tcPr>
+                </a:tc>
+                <a:tc>
+                  <a:txBody>
+                    <a:bodyPr/>
+                    <a:lstStyle/>
+                    <a:p>
+                      <a:pPr algn="ctr" fontAlgn="b"/>
+                      <a:r>
+                        <a:rPr lang="en-US" sz="1400" b="0" i="0" u="none" strike="noStrike">
+                          <a:solidFill>
+                            <a:srgbClr val="000000"/>
+                          </a:solidFill>
+                          <a:effectLst/>
+                          <a:latin typeface="Calibri" panose="020F0502020204030204" pitchFamily="34" charset="0"/>
+                        </a:rPr>
+                        <a:t>0.727969</a:t>
+                      </a:r>
+                    </a:p>
+                  </a:txBody>
+                  <a:tcPr marL="9525" marR="9525" marT="9525" marB="0" anchor="ctr">
+                    <a:lnL w="12700" cap="flat" cmpd="sng" algn="ctr">
+                      <a:noFill/>
+                      <a:prstDash val="solid"/>
+                      <a:round/>
+                      <a:headEnd type="none" w="med" len="med"/>
+                      <a:tailEnd type="none" w="med" len="med"/>
+                    </a:lnL>
+                    <a:lnR w="12700" cap="flat" cmpd="sng" algn="ctr">
+                      <a:noFill/>
+                      <a:prstDash val="solid"/>
+                      <a:round/>
+                      <a:headEnd type="none" w="med" len="med"/>
+                      <a:tailEnd type="none" w="med" len="med"/>
+                    </a:lnR>
+                    <a:lnT w="6350" cap="flat" cmpd="sng" algn="ctr">
+                      <a:solidFill>
+                        <a:schemeClr val="tx1"/>
+                      </a:solidFill>
+                      <a:prstDash val="solid"/>
+                      <a:round/>
+                      <a:headEnd type="none" w="med" len="med"/>
+                      <a:tailEnd type="none" w="med" len="med"/>
+                    </a:lnT>
+                    <a:lnB w="6350" cap="flat" cmpd="sng" algn="ctr">
+                      <a:solidFill>
+                        <a:schemeClr val="tx1"/>
+                      </a:solidFill>
+                      <a:prstDash val="solid"/>
+                      <a:round/>
+                      <a:headEnd type="none" w="med" len="med"/>
+                      <a:tailEnd type="none" w="med" len="med"/>
+                    </a:lnB>
+                  </a:tcPr>
+                </a:tc>
+                <a:tc>
+                  <a:txBody>
+                    <a:bodyPr/>
+                    <a:lstStyle/>
+                    <a:p>
+                      <a:pPr algn="ctr" fontAlgn="b"/>
+                      <a:r>
+                        <a:rPr lang="en-US" sz="1400" b="0" i="0" u="none" strike="noStrike" dirty="0" smtClean="0">
+                          <a:solidFill>
+                            <a:srgbClr val="000000"/>
+                          </a:solidFill>
+                          <a:effectLst/>
+                          <a:latin typeface="Calibri" panose="020F0502020204030204" pitchFamily="34" charset="0"/>
+                        </a:rPr>
+                        <a:t>Yeah, large</a:t>
+                      </a:r>
+                      <a:r>
+                        <a:rPr lang="en-US" sz="1400" b="0" i="0" u="none" strike="noStrike" baseline="0" dirty="0" smtClean="0">
+                          <a:solidFill>
+                            <a:srgbClr val="000000"/>
+                          </a:solidFill>
+                          <a:effectLst/>
+                          <a:latin typeface="Calibri" panose="020F0502020204030204" pitchFamily="34" charset="0"/>
+                        </a:rPr>
+                        <a:t> overlap + overlap -&gt;</a:t>
+                      </a:r>
+                      <a:endParaRPr lang="en-US" sz="1400" b="0" i="0" u="none" strike="noStrike" dirty="0">
+                        <a:solidFill>
+                          <a:srgbClr val="000000"/>
+                        </a:solidFill>
+                        <a:effectLst/>
+                        <a:latin typeface="Calibri" panose="020F0502020204030204" pitchFamily="34" charset="0"/>
+                      </a:endParaRPr>
+                    </a:p>
+                  </a:txBody>
+                  <a:tcPr marL="9525" marR="9525" marT="9525" marB="0" anchor="ctr">
+                    <a:lnL w="12700" cap="flat" cmpd="sng" algn="ctr">
+                      <a:noFill/>
+                      <a:prstDash val="solid"/>
+                      <a:round/>
+                      <a:headEnd type="none" w="med" len="med"/>
+                      <a:tailEnd type="none" w="med" len="med"/>
+                    </a:lnL>
+                    <a:lnR>
+                      <a:noFill/>
+                    </a:lnR>
+                    <a:lnT w="6350" cap="flat" cmpd="sng" algn="ctr">
+                      <a:solidFill>
+                        <a:schemeClr val="tx1"/>
+                      </a:solidFill>
+                      <a:prstDash val="solid"/>
+                      <a:round/>
+                      <a:headEnd type="none" w="med" len="med"/>
+                      <a:tailEnd type="none" w="med" len="med"/>
+                    </a:lnT>
+                    <a:lnB w="6350" cap="flat" cmpd="sng" algn="ctr">
+                      <a:solidFill>
+                        <a:schemeClr val="tx1"/>
+                      </a:solidFill>
+                      <a:prstDash val="solid"/>
+                      <a:round/>
+                      <a:headEnd type="none" w="med" len="med"/>
+                      <a:tailEnd type="none" w="med" len="med"/>
+                    </a:lnB>
+                  </a:tcPr>
+                </a:tc>
+                <a:extLst>
+                  <a:ext uri="{0D108BD9-81ED-4DB2-BD59-A6C34878D82A}">
+                    <a16:rowId xmlns:a16="http://schemas.microsoft.com/office/drawing/2014/main" val="4227927444"/>
+                  </a:ext>
+                </a:extLst>
+              </a:tr>
+              <a:tr h="385578">
+                <a:tc>
+                  <a:txBody>
+                    <a:bodyPr/>
+                    <a:lstStyle/>
+                    <a:p>
+                      <a:pPr algn="ctr" fontAlgn="b"/>
+                      <a:r>
+                        <a:rPr lang="en-US" sz="1400" b="0" i="0" u="none" strike="noStrike">
+                          <a:solidFill>
+                            <a:srgbClr val="000000"/>
+                          </a:solidFill>
+                          <a:effectLst/>
+                          <a:latin typeface="Calibri" panose="020F0502020204030204" pitchFamily="34" charset="0"/>
+                        </a:rPr>
+                        <a:t>haber</a:t>
+                      </a:r>
+                    </a:p>
+                  </a:txBody>
+                  <a:tcPr marL="9525" marR="9525" marT="9525" marB="0" anchor="ctr">
+                    <a:lnL>
+                      <a:noFill/>
+                    </a:lnL>
+                    <a:lnR w="12700" cap="flat" cmpd="sng" algn="ctr">
+                      <a:noFill/>
+                      <a:prstDash val="solid"/>
+                      <a:round/>
+                      <a:headEnd type="none" w="med" len="med"/>
+                      <a:tailEnd type="none" w="med" len="med"/>
+                    </a:lnR>
+                    <a:lnT w="6350" cap="flat" cmpd="sng" algn="ctr">
+                      <a:solidFill>
+                        <a:schemeClr val="tx1"/>
+                      </a:solidFill>
+                      <a:prstDash val="solid"/>
+                      <a:round/>
+                      <a:headEnd type="none" w="med" len="med"/>
+                      <a:tailEnd type="none" w="med" len="med"/>
+                    </a:lnT>
+                    <a:lnB w="6350" cap="flat" cmpd="sng" algn="ctr">
+                      <a:solidFill>
+                        <a:schemeClr val="tx1"/>
+                      </a:solidFill>
+                      <a:prstDash val="solid"/>
+                      <a:round/>
+                      <a:headEnd type="none" w="med" len="med"/>
+                      <a:tailEnd type="none" w="med" len="med"/>
+                    </a:lnB>
+                  </a:tcPr>
+                </a:tc>
+                <a:tc>
+                  <a:txBody>
+                    <a:bodyPr/>
+                    <a:lstStyle/>
+                    <a:p>
+                      <a:pPr algn="ctr" fontAlgn="b"/>
+                      <a:r>
+                        <a:rPr lang="en-US" sz="1400" b="0" i="0" u="none" strike="noStrike" dirty="0">
+                          <a:solidFill>
+                            <a:srgbClr val="000000"/>
+                          </a:solidFill>
+                          <a:effectLst/>
+                          <a:latin typeface="Calibri" panose="020F0502020204030204" pitchFamily="34" charset="0"/>
+                        </a:rPr>
+                        <a:t>0.308824</a:t>
+                      </a:r>
+                    </a:p>
+                  </a:txBody>
+                  <a:tcPr marL="9525" marR="9525" marT="9525" marB="0" anchor="ctr">
+                    <a:lnL w="12700" cap="flat" cmpd="sng" algn="ctr">
+                      <a:noFill/>
+                      <a:prstDash val="solid"/>
+                      <a:round/>
+                      <a:headEnd type="none" w="med" len="med"/>
+                      <a:tailEnd type="none" w="med" len="med"/>
+                    </a:lnL>
+                    <a:lnR w="12700" cap="flat" cmpd="sng" algn="ctr">
+                      <a:noFill/>
+                      <a:prstDash val="solid"/>
+                      <a:round/>
+                      <a:headEnd type="none" w="med" len="med"/>
+                      <a:tailEnd type="none" w="med" len="med"/>
+                    </a:lnR>
+                    <a:lnT w="6350" cap="flat" cmpd="sng" algn="ctr">
+                      <a:solidFill>
+                        <a:schemeClr val="tx1"/>
+                      </a:solidFill>
+                      <a:prstDash val="solid"/>
+                      <a:round/>
+                      <a:headEnd type="none" w="med" len="med"/>
+                      <a:tailEnd type="none" w="med" len="med"/>
+                    </a:lnT>
+                    <a:lnB w="6350" cap="flat" cmpd="sng" algn="ctr">
+                      <a:solidFill>
+                        <a:schemeClr val="tx1"/>
+                      </a:solidFill>
+                      <a:prstDash val="solid"/>
+                      <a:round/>
+                      <a:headEnd type="none" w="med" len="med"/>
+                      <a:tailEnd type="none" w="med" len="med"/>
+                    </a:lnB>
+                  </a:tcPr>
+                </a:tc>
+                <a:tc>
+                  <a:txBody>
+                    <a:bodyPr/>
+                    <a:lstStyle/>
+                    <a:p>
+                      <a:pPr algn="ctr" fontAlgn="b"/>
+                      <a:r>
+                        <a:rPr lang="en-US" sz="1400" b="0" i="0" u="none" strike="noStrike" dirty="0">
+                          <a:solidFill>
+                            <a:srgbClr val="9C0006"/>
+                          </a:solidFill>
+                          <a:effectLst/>
+                          <a:latin typeface="Calibri" panose="020F0502020204030204" pitchFamily="34" charset="0"/>
+                        </a:rPr>
+                        <a:t>0.527363</a:t>
+                      </a:r>
+                    </a:p>
+                  </a:txBody>
+                  <a:tcPr marL="9525" marR="9525" marT="9525" marB="0" anchor="ctr">
+                    <a:lnL w="12700" cap="flat" cmpd="sng" algn="ctr">
+                      <a:noFill/>
+                      <a:prstDash val="solid"/>
+                      <a:round/>
+                      <a:headEnd type="none" w="med" len="med"/>
+                      <a:tailEnd type="none" w="med" len="med"/>
+                    </a:lnL>
+                    <a:lnR w="12700" cap="flat" cmpd="sng" algn="ctr">
+                      <a:noFill/>
+                      <a:prstDash val="solid"/>
+                      <a:round/>
+                      <a:headEnd type="none" w="med" len="med"/>
+                      <a:tailEnd type="none" w="med" len="med"/>
+                    </a:lnR>
+                    <a:lnT w="6350" cap="flat" cmpd="sng" algn="ctr">
+                      <a:solidFill>
+                        <a:schemeClr val="tx1"/>
+                      </a:solidFill>
+                      <a:prstDash val="solid"/>
+                      <a:round/>
+                      <a:headEnd type="none" w="med" len="med"/>
+                      <a:tailEnd type="none" w="med" len="med"/>
+                    </a:lnT>
+                    <a:lnB w="6350" cap="flat" cmpd="sng" algn="ctr">
+                      <a:solidFill>
+                        <a:schemeClr val="tx1"/>
+                      </a:solidFill>
+                      <a:prstDash val="solid"/>
+                      <a:round/>
+                      <a:headEnd type="none" w="med" len="med"/>
+                      <a:tailEnd type="none" w="med" len="med"/>
+                    </a:lnB>
+                    <a:solidFill>
+                      <a:srgbClr val="FFC7CE"/>
+                    </a:solidFill>
+                  </a:tcPr>
+                </a:tc>
+                <a:tc>
+                  <a:txBody>
+                    <a:bodyPr/>
+                    <a:lstStyle/>
+                    <a:p>
+                      <a:pPr algn="ctr" fontAlgn="b"/>
+                      <a:r>
+                        <a:rPr lang="en-US" sz="1400" b="0" i="0" u="none" strike="noStrike">
+                          <a:solidFill>
+                            <a:srgbClr val="000000"/>
+                          </a:solidFill>
+                          <a:effectLst/>
+                          <a:latin typeface="Calibri" panose="020F0502020204030204" pitchFamily="34" charset="0"/>
+                        </a:rPr>
+                        <a:t>0.398268</a:t>
+                      </a:r>
+                    </a:p>
+                  </a:txBody>
+                  <a:tcPr marL="9525" marR="9525" marT="9525" marB="0" anchor="ctr">
+                    <a:lnL w="12700" cap="flat" cmpd="sng" algn="ctr">
+                      <a:noFill/>
+                      <a:prstDash val="solid"/>
+                      <a:round/>
+                      <a:headEnd type="none" w="med" len="med"/>
+                      <a:tailEnd type="none" w="med" len="med"/>
+                    </a:lnL>
+                    <a:lnR w="12700" cap="flat" cmpd="sng" algn="ctr">
+                      <a:noFill/>
+                      <a:prstDash val="solid"/>
+                      <a:round/>
+                      <a:headEnd type="none" w="med" len="med"/>
+                      <a:tailEnd type="none" w="med" len="med"/>
+                    </a:lnR>
+                    <a:lnT w="6350" cap="flat" cmpd="sng" algn="ctr">
+                      <a:solidFill>
+                        <a:schemeClr val="tx1"/>
+                      </a:solidFill>
+                      <a:prstDash val="solid"/>
+                      <a:round/>
+                      <a:headEnd type="none" w="med" len="med"/>
+                      <a:tailEnd type="none" w="med" len="med"/>
+                    </a:lnT>
+                    <a:lnB w="6350" cap="flat" cmpd="sng" algn="ctr">
+                      <a:solidFill>
+                        <a:schemeClr val="tx1"/>
+                      </a:solidFill>
+                      <a:prstDash val="solid"/>
+                      <a:round/>
+                      <a:headEnd type="none" w="med" len="med"/>
+                      <a:tailEnd type="none" w="med" len="med"/>
+                    </a:lnB>
+                  </a:tcPr>
+                </a:tc>
+                <a:tc>
+                  <a:txBody>
+                    <a:bodyPr/>
+                    <a:lstStyle/>
+                    <a:p>
+                      <a:pPr algn="ctr" fontAlgn="b"/>
+                      <a:r>
+                        <a:rPr lang="en-US" sz="1400" b="0" i="0" u="none" strike="noStrike">
+                          <a:solidFill>
+                            <a:srgbClr val="000000"/>
+                          </a:solidFill>
+                          <a:effectLst/>
+                          <a:latin typeface="Calibri" panose="020F0502020204030204" pitchFamily="34" charset="0"/>
+                        </a:rPr>
+                        <a:t>0.487805</a:t>
+                      </a:r>
+                    </a:p>
+                  </a:txBody>
+                  <a:tcPr marL="9525" marR="9525" marT="9525" marB="0" anchor="ctr">
+                    <a:lnL w="12700" cap="flat" cmpd="sng" algn="ctr">
+                      <a:noFill/>
+                      <a:prstDash val="solid"/>
+                      <a:round/>
+                      <a:headEnd type="none" w="med" len="med"/>
+                      <a:tailEnd type="none" w="med" len="med"/>
+                    </a:lnL>
+                    <a:lnR w="12700" cap="flat" cmpd="sng" algn="ctr">
+                      <a:noFill/>
+                      <a:prstDash val="solid"/>
+                      <a:round/>
+                      <a:headEnd type="none" w="med" len="med"/>
+                      <a:tailEnd type="none" w="med" len="med"/>
+                    </a:lnR>
+                    <a:lnT w="6350" cap="flat" cmpd="sng" algn="ctr">
+                      <a:solidFill>
+                        <a:schemeClr val="tx1"/>
+                      </a:solidFill>
+                      <a:prstDash val="solid"/>
+                      <a:round/>
+                      <a:headEnd type="none" w="med" len="med"/>
+                      <a:tailEnd type="none" w="med" len="med"/>
+                    </a:lnT>
+                    <a:lnB w="6350" cap="flat" cmpd="sng" algn="ctr">
+                      <a:solidFill>
+                        <a:schemeClr val="tx1"/>
+                      </a:solidFill>
+                      <a:prstDash val="solid"/>
+                      <a:round/>
+                      <a:headEnd type="none" w="med" len="med"/>
+                      <a:tailEnd type="none" w="med" len="med"/>
+                    </a:lnB>
+                  </a:tcPr>
+                </a:tc>
+                <a:tc>
+                  <a:txBody>
+                    <a:bodyPr/>
+                    <a:lstStyle/>
+                    <a:p>
+                      <a:pPr algn="ctr" fontAlgn="b"/>
+                      <a:r>
+                        <a:rPr lang="en-US" sz="1400" b="0" i="0" u="none" strike="noStrike">
+                          <a:solidFill>
+                            <a:srgbClr val="000000"/>
+                          </a:solidFill>
+                          <a:effectLst/>
+                          <a:latin typeface="Calibri" panose="020F0502020204030204" pitchFamily="34" charset="0"/>
+                        </a:rPr>
+                        <a:t>0.408537</a:t>
+                      </a:r>
+                    </a:p>
+                  </a:txBody>
+                  <a:tcPr marL="9525" marR="9525" marT="9525" marB="0" anchor="ctr">
+                    <a:lnL w="12700" cap="flat" cmpd="sng" algn="ctr">
+                      <a:noFill/>
+                      <a:prstDash val="solid"/>
+                      <a:round/>
+                      <a:headEnd type="none" w="med" len="med"/>
+                      <a:tailEnd type="none" w="med" len="med"/>
+                    </a:lnL>
+                    <a:lnR w="12700" cap="flat" cmpd="sng" algn="ctr">
+                      <a:noFill/>
+                      <a:prstDash val="solid"/>
+                      <a:round/>
+                      <a:headEnd type="none" w="med" len="med"/>
+                      <a:tailEnd type="none" w="med" len="med"/>
+                    </a:lnR>
+                    <a:lnT w="6350" cap="flat" cmpd="sng" algn="ctr">
+                      <a:solidFill>
+                        <a:schemeClr val="tx1"/>
+                      </a:solidFill>
+                      <a:prstDash val="solid"/>
+                      <a:round/>
+                      <a:headEnd type="none" w="med" len="med"/>
+                      <a:tailEnd type="none" w="med" len="med"/>
+                    </a:lnT>
+                    <a:lnB w="6350" cap="flat" cmpd="sng" algn="ctr">
+                      <a:solidFill>
+                        <a:schemeClr val="tx1"/>
+                      </a:solidFill>
+                      <a:prstDash val="solid"/>
+                      <a:round/>
+                      <a:headEnd type="none" w="med" len="med"/>
+                      <a:tailEnd type="none" w="med" len="med"/>
+                    </a:lnB>
+                  </a:tcPr>
+                </a:tc>
+                <a:tc>
+                  <a:txBody>
+                    <a:bodyPr/>
+                    <a:lstStyle/>
+                    <a:p>
+                      <a:pPr algn="ctr" fontAlgn="b"/>
+                      <a:r>
+                        <a:rPr lang="en-US" sz="1400" b="0" i="0" u="none" strike="noStrike">
+                          <a:solidFill>
+                            <a:srgbClr val="000000"/>
+                          </a:solidFill>
+                          <a:effectLst/>
+                          <a:latin typeface="Calibri" panose="020F0502020204030204" pitchFamily="34" charset="0"/>
+                        </a:rPr>
+                        <a:t>0.264706</a:t>
+                      </a:r>
+                    </a:p>
+                  </a:txBody>
+                  <a:tcPr marL="9525" marR="9525" marT="9525" marB="0" anchor="ctr">
+                    <a:lnL w="12700" cap="flat" cmpd="sng" algn="ctr">
+                      <a:noFill/>
+                      <a:prstDash val="solid"/>
+                      <a:round/>
+                      <a:headEnd type="none" w="med" len="med"/>
+                      <a:tailEnd type="none" w="med" len="med"/>
+                    </a:lnL>
+                    <a:lnR w="12700" cap="flat" cmpd="sng" algn="ctr">
+                      <a:noFill/>
+                      <a:prstDash val="solid"/>
+                      <a:round/>
+                      <a:headEnd type="none" w="med" len="med"/>
+                      <a:tailEnd type="none" w="med" len="med"/>
+                    </a:lnR>
+                    <a:lnT w="6350" cap="flat" cmpd="sng" algn="ctr">
+                      <a:solidFill>
+                        <a:schemeClr val="tx1"/>
+                      </a:solidFill>
+                      <a:prstDash val="solid"/>
+                      <a:round/>
+                      <a:headEnd type="none" w="med" len="med"/>
+                      <a:tailEnd type="none" w="med" len="med"/>
+                    </a:lnT>
+                    <a:lnB w="6350" cap="flat" cmpd="sng" algn="ctr">
+                      <a:solidFill>
+                        <a:schemeClr val="tx1"/>
+                      </a:solidFill>
+                      <a:prstDash val="solid"/>
+                      <a:round/>
+                      <a:headEnd type="none" w="med" len="med"/>
+                      <a:tailEnd type="none" w="med" len="med"/>
+                    </a:lnB>
+                  </a:tcPr>
+                </a:tc>
+                <a:tc>
+                  <a:txBody>
+                    <a:bodyPr/>
+                    <a:lstStyle/>
+                    <a:p>
+                      <a:pPr algn="ctr" fontAlgn="b"/>
+                      <a:r>
+                        <a:rPr lang="en-US" sz="1400" b="0" i="0" u="none" strike="noStrike">
+                          <a:solidFill>
+                            <a:srgbClr val="000000"/>
+                          </a:solidFill>
+                          <a:effectLst/>
+                          <a:latin typeface="Calibri" panose="020F0502020204030204" pitchFamily="34" charset="0"/>
+                        </a:rPr>
+                        <a:t>0.679012</a:t>
+                      </a:r>
+                    </a:p>
+                  </a:txBody>
+                  <a:tcPr marL="9525" marR="9525" marT="9525" marB="0" anchor="ctr">
+                    <a:lnL w="12700" cap="flat" cmpd="sng" algn="ctr">
+                      <a:noFill/>
+                      <a:prstDash val="solid"/>
+                      <a:round/>
+                      <a:headEnd type="none" w="med" len="med"/>
+                      <a:tailEnd type="none" w="med" len="med"/>
+                    </a:lnL>
+                    <a:lnR w="12700" cap="flat" cmpd="sng" algn="ctr">
+                      <a:noFill/>
+                      <a:prstDash val="solid"/>
+                      <a:round/>
+                      <a:headEnd type="none" w="med" len="med"/>
+                      <a:tailEnd type="none" w="med" len="med"/>
+                    </a:lnR>
+                    <a:lnT w="6350" cap="flat" cmpd="sng" algn="ctr">
+                      <a:solidFill>
+                        <a:schemeClr val="tx1"/>
+                      </a:solidFill>
+                      <a:prstDash val="solid"/>
+                      <a:round/>
+                      <a:headEnd type="none" w="med" len="med"/>
+                      <a:tailEnd type="none" w="med" len="med"/>
+                    </a:lnT>
+                    <a:lnB w="6350" cap="flat" cmpd="sng" algn="ctr">
+                      <a:solidFill>
+                        <a:schemeClr val="tx1"/>
+                      </a:solidFill>
+                      <a:prstDash val="solid"/>
+                      <a:round/>
+                      <a:headEnd type="none" w="med" len="med"/>
+                      <a:tailEnd type="none" w="med" len="med"/>
+                    </a:lnB>
+                  </a:tcPr>
+                </a:tc>
+                <a:tc>
+                  <a:txBody>
+                    <a:bodyPr/>
+                    <a:lstStyle/>
+                    <a:p>
+                      <a:pPr algn="ctr" fontAlgn="b"/>
+                      <a:endParaRPr lang="en-US" sz="1400" b="0" i="0" u="none" strike="noStrike">
+                        <a:solidFill>
+                          <a:srgbClr val="000000"/>
+                        </a:solidFill>
+                        <a:effectLst/>
+                        <a:latin typeface="Calibri" panose="020F0502020204030204" pitchFamily="34" charset="0"/>
+                      </a:endParaRPr>
+                    </a:p>
+                  </a:txBody>
+                  <a:tcPr marL="9525" marR="9525" marT="9525" marB="0" anchor="ctr">
+                    <a:lnL w="12700" cap="flat" cmpd="sng" algn="ctr">
+                      <a:noFill/>
+                      <a:prstDash val="solid"/>
+                      <a:round/>
+                      <a:headEnd type="none" w="med" len="med"/>
+                      <a:tailEnd type="none" w="med" len="med"/>
+                    </a:lnL>
+                    <a:lnR>
+                      <a:noFill/>
+                    </a:lnR>
+                    <a:lnT w="6350" cap="flat" cmpd="sng" algn="ctr">
+                      <a:solidFill>
+                        <a:schemeClr val="tx1"/>
+                      </a:solidFill>
+                      <a:prstDash val="solid"/>
+                      <a:round/>
+                      <a:headEnd type="none" w="med" len="med"/>
+                      <a:tailEnd type="none" w="med" len="med"/>
+                    </a:lnT>
+                    <a:lnB w="6350" cap="flat" cmpd="sng" algn="ctr">
+                      <a:solidFill>
+                        <a:schemeClr val="tx1"/>
+                      </a:solidFill>
+                      <a:prstDash val="solid"/>
+                      <a:round/>
+                      <a:headEnd type="none" w="med" len="med"/>
+                      <a:tailEnd type="none" w="med" len="med"/>
+                    </a:lnB>
+                  </a:tcPr>
+                </a:tc>
+                <a:extLst>
+                  <a:ext uri="{0D108BD9-81ED-4DB2-BD59-A6C34878D82A}">
+                    <a16:rowId xmlns:a16="http://schemas.microsoft.com/office/drawing/2014/main" val="763534747"/>
+                  </a:ext>
+                </a:extLst>
+              </a:tr>
+              <a:tr h="385578">
+                <a:tc>
+                  <a:txBody>
+                    <a:bodyPr/>
+                    <a:lstStyle/>
+                    <a:p>
+                      <a:pPr algn="ctr" fontAlgn="b"/>
+                      <a:r>
+                        <a:rPr lang="en-US" sz="1400" b="0" i="0" u="none" strike="noStrike">
+                          <a:solidFill>
+                            <a:srgbClr val="000000"/>
+                          </a:solidFill>
+                          <a:effectLst/>
+                          <a:latin typeface="Calibri" panose="020F0502020204030204" pitchFamily="34" charset="0"/>
+                        </a:rPr>
+                        <a:t>iono</a:t>
+                      </a:r>
+                    </a:p>
+                  </a:txBody>
+                  <a:tcPr marL="9525" marR="9525" marT="9525" marB="0" anchor="ctr">
+                    <a:lnL>
+                      <a:noFill/>
+                    </a:lnL>
+                    <a:lnR w="12700" cap="flat" cmpd="sng" algn="ctr">
+                      <a:noFill/>
+                      <a:prstDash val="solid"/>
+                      <a:round/>
+                      <a:headEnd type="none" w="med" len="med"/>
+                      <a:tailEnd type="none" w="med" len="med"/>
+                    </a:lnR>
+                    <a:lnT w="6350" cap="flat" cmpd="sng" algn="ctr">
+                      <a:solidFill>
+                        <a:schemeClr val="tx1"/>
+                      </a:solidFill>
+                      <a:prstDash val="solid"/>
+                      <a:round/>
+                      <a:headEnd type="none" w="med" len="med"/>
+                      <a:tailEnd type="none" w="med" len="med"/>
+                    </a:lnT>
+                    <a:lnB w="6350" cap="flat" cmpd="sng" algn="ctr">
+                      <a:solidFill>
+                        <a:schemeClr val="tx1"/>
+                      </a:solidFill>
+                      <a:prstDash val="solid"/>
+                      <a:round/>
+                      <a:headEnd type="none" w="med" len="med"/>
+                      <a:tailEnd type="none" w="med" len="med"/>
+                    </a:lnB>
+                  </a:tcPr>
+                </a:tc>
+                <a:tc>
+                  <a:txBody>
+                    <a:bodyPr/>
+                    <a:lstStyle/>
+                    <a:p>
+                      <a:pPr algn="ctr" fontAlgn="b"/>
+                      <a:r>
+                        <a:rPr lang="en-US" sz="1400" b="0" i="0" u="none" strike="noStrike">
+                          <a:solidFill>
+                            <a:srgbClr val="000000"/>
+                          </a:solidFill>
+                          <a:effectLst/>
+                          <a:latin typeface="Calibri" panose="020F0502020204030204" pitchFamily="34" charset="0"/>
+                        </a:rPr>
+                        <a:t>0.880658</a:t>
+                      </a:r>
+                    </a:p>
+                  </a:txBody>
+                  <a:tcPr marL="9525" marR="9525" marT="9525" marB="0" anchor="ctr">
+                    <a:lnL w="12700" cap="flat" cmpd="sng" algn="ctr">
+                      <a:noFill/>
+                      <a:prstDash val="solid"/>
+                      <a:round/>
+                      <a:headEnd type="none" w="med" len="med"/>
+                      <a:tailEnd type="none" w="med" len="med"/>
+                    </a:lnL>
+                    <a:lnR w="12700" cap="flat" cmpd="sng" algn="ctr">
+                      <a:noFill/>
+                      <a:prstDash val="solid"/>
+                      <a:round/>
+                      <a:headEnd type="none" w="med" len="med"/>
+                      <a:tailEnd type="none" w="med" len="med"/>
+                    </a:lnR>
+                    <a:lnT w="6350" cap="flat" cmpd="sng" algn="ctr">
+                      <a:solidFill>
+                        <a:schemeClr val="tx1"/>
+                      </a:solidFill>
+                      <a:prstDash val="solid"/>
+                      <a:round/>
+                      <a:headEnd type="none" w="med" len="med"/>
+                      <a:tailEnd type="none" w="med" len="med"/>
+                    </a:lnT>
+                    <a:lnB w="6350" cap="flat" cmpd="sng" algn="ctr">
+                      <a:solidFill>
+                        <a:schemeClr val="tx1"/>
+                      </a:solidFill>
+                      <a:prstDash val="solid"/>
+                      <a:round/>
+                      <a:headEnd type="none" w="med" len="med"/>
+                      <a:tailEnd type="none" w="med" len="med"/>
+                    </a:lnB>
+                  </a:tcPr>
+                </a:tc>
+                <a:tc>
+                  <a:txBody>
+                    <a:bodyPr/>
+                    <a:lstStyle/>
+                    <a:p>
+                      <a:pPr algn="ctr" fontAlgn="b"/>
+                      <a:r>
+                        <a:rPr lang="en-US" sz="1400" b="0" i="0" u="none" strike="noStrike">
+                          <a:solidFill>
+                            <a:srgbClr val="9C0006"/>
+                          </a:solidFill>
+                          <a:effectLst/>
+                          <a:latin typeface="Calibri" panose="020F0502020204030204" pitchFamily="34" charset="0"/>
+                        </a:rPr>
+                        <a:t>0.950192</a:t>
+                      </a:r>
+                    </a:p>
+                  </a:txBody>
+                  <a:tcPr marL="9525" marR="9525" marT="9525" marB="0" anchor="ctr">
+                    <a:lnL w="12700" cap="flat" cmpd="sng" algn="ctr">
+                      <a:noFill/>
+                      <a:prstDash val="solid"/>
+                      <a:round/>
+                      <a:headEnd type="none" w="med" len="med"/>
+                      <a:tailEnd type="none" w="med" len="med"/>
+                    </a:lnL>
+                    <a:lnR w="12700" cap="flat" cmpd="sng" algn="ctr">
+                      <a:noFill/>
+                      <a:prstDash val="solid"/>
+                      <a:round/>
+                      <a:headEnd type="none" w="med" len="med"/>
+                      <a:tailEnd type="none" w="med" len="med"/>
+                    </a:lnR>
+                    <a:lnT w="6350" cap="flat" cmpd="sng" algn="ctr">
+                      <a:solidFill>
+                        <a:schemeClr val="tx1"/>
+                      </a:solidFill>
+                      <a:prstDash val="solid"/>
+                      <a:round/>
+                      <a:headEnd type="none" w="med" len="med"/>
+                      <a:tailEnd type="none" w="med" len="med"/>
+                    </a:lnT>
+                    <a:lnB w="6350" cap="flat" cmpd="sng" algn="ctr">
+                      <a:solidFill>
+                        <a:schemeClr val="tx1"/>
+                      </a:solidFill>
+                      <a:prstDash val="solid"/>
+                      <a:round/>
+                      <a:headEnd type="none" w="med" len="med"/>
+                      <a:tailEnd type="none" w="med" len="med"/>
+                    </a:lnB>
+                    <a:solidFill>
+                      <a:srgbClr val="FFC7CE"/>
+                    </a:solidFill>
+                  </a:tcPr>
+                </a:tc>
+                <a:tc>
+                  <a:txBody>
+                    <a:bodyPr/>
+                    <a:lstStyle/>
+                    <a:p>
+                      <a:pPr algn="ctr" fontAlgn="b"/>
+                      <a:r>
+                        <a:rPr lang="en-US" sz="1400" b="0" i="0" u="none" strike="noStrike" dirty="0">
+                          <a:solidFill>
+                            <a:srgbClr val="000000"/>
+                          </a:solidFill>
+                          <a:effectLst/>
+                          <a:latin typeface="Calibri" panose="020F0502020204030204" pitchFamily="34" charset="0"/>
+                        </a:rPr>
+                        <a:t>0.826255</a:t>
+                      </a:r>
+                    </a:p>
+                  </a:txBody>
+                  <a:tcPr marL="9525" marR="9525" marT="9525" marB="0" anchor="ctr">
+                    <a:lnL w="12700" cap="flat" cmpd="sng" algn="ctr">
+                      <a:noFill/>
+                      <a:prstDash val="solid"/>
+                      <a:round/>
+                      <a:headEnd type="none" w="med" len="med"/>
+                      <a:tailEnd type="none" w="med" len="med"/>
+                    </a:lnL>
+                    <a:lnR w="12700" cap="flat" cmpd="sng" algn="ctr">
+                      <a:noFill/>
+                      <a:prstDash val="solid"/>
+                      <a:round/>
+                      <a:headEnd type="none" w="med" len="med"/>
+                      <a:tailEnd type="none" w="med" len="med"/>
+                    </a:lnR>
+                    <a:lnT w="6350" cap="flat" cmpd="sng" algn="ctr">
+                      <a:solidFill>
+                        <a:schemeClr val="tx1"/>
+                      </a:solidFill>
+                      <a:prstDash val="solid"/>
+                      <a:round/>
+                      <a:headEnd type="none" w="med" len="med"/>
+                      <a:tailEnd type="none" w="med" len="med"/>
+                    </a:lnT>
+                    <a:lnB w="6350" cap="flat" cmpd="sng" algn="ctr">
+                      <a:solidFill>
+                        <a:schemeClr val="tx1"/>
+                      </a:solidFill>
+                      <a:prstDash val="solid"/>
+                      <a:round/>
+                      <a:headEnd type="none" w="med" len="med"/>
+                      <a:tailEnd type="none" w="med" len="med"/>
+                    </a:lnB>
+                  </a:tcPr>
+                </a:tc>
+                <a:tc>
+                  <a:txBody>
+                    <a:bodyPr/>
+                    <a:lstStyle/>
+                    <a:p>
+                      <a:pPr algn="ctr" fontAlgn="b"/>
+                      <a:r>
+                        <a:rPr lang="en-US" sz="1400" b="0" i="0" u="none" strike="noStrike">
+                          <a:solidFill>
+                            <a:srgbClr val="000000"/>
+                          </a:solidFill>
+                          <a:effectLst/>
+                          <a:latin typeface="Calibri" panose="020F0502020204030204" pitchFamily="34" charset="0"/>
+                        </a:rPr>
+                        <a:t>0.860465</a:t>
+                      </a:r>
+                    </a:p>
+                  </a:txBody>
+                  <a:tcPr marL="9525" marR="9525" marT="9525" marB="0" anchor="ctr">
+                    <a:lnL w="12700" cap="flat" cmpd="sng" algn="ctr">
+                      <a:noFill/>
+                      <a:prstDash val="solid"/>
+                      <a:round/>
+                      <a:headEnd type="none" w="med" len="med"/>
+                      <a:tailEnd type="none" w="med" len="med"/>
+                    </a:lnL>
+                    <a:lnR w="12700" cap="flat" cmpd="sng" algn="ctr">
+                      <a:noFill/>
+                      <a:prstDash val="solid"/>
+                      <a:round/>
+                      <a:headEnd type="none" w="med" len="med"/>
+                      <a:tailEnd type="none" w="med" len="med"/>
+                    </a:lnR>
+                    <a:lnT w="6350" cap="flat" cmpd="sng" algn="ctr">
+                      <a:solidFill>
+                        <a:schemeClr val="tx1"/>
+                      </a:solidFill>
+                      <a:prstDash val="solid"/>
+                      <a:round/>
+                      <a:headEnd type="none" w="med" len="med"/>
+                      <a:tailEnd type="none" w="med" len="med"/>
+                    </a:lnT>
+                    <a:lnB w="6350" cap="flat" cmpd="sng" algn="ctr">
+                      <a:solidFill>
+                        <a:schemeClr val="tx1"/>
+                      </a:solidFill>
+                      <a:prstDash val="solid"/>
+                      <a:round/>
+                      <a:headEnd type="none" w="med" len="med"/>
+                      <a:tailEnd type="none" w="med" len="med"/>
+                    </a:lnB>
+                  </a:tcPr>
+                </a:tc>
+                <a:tc>
+                  <a:txBody>
+                    <a:bodyPr/>
+                    <a:lstStyle/>
+                    <a:p>
+                      <a:pPr algn="ctr" fontAlgn="b"/>
+                      <a:r>
+                        <a:rPr lang="en-US" sz="1400" b="0" i="0" u="none" strike="noStrike">
+                          <a:solidFill>
+                            <a:srgbClr val="000000"/>
+                          </a:solidFill>
+                          <a:effectLst/>
+                          <a:latin typeface="Calibri" panose="020F0502020204030204" pitchFamily="34" charset="0"/>
+                        </a:rPr>
+                        <a:t>0.338624</a:t>
+                      </a:r>
+                    </a:p>
+                  </a:txBody>
+                  <a:tcPr marL="9525" marR="9525" marT="9525" marB="0" anchor="ctr">
+                    <a:lnL w="12700" cap="flat" cmpd="sng" algn="ctr">
+                      <a:noFill/>
+                      <a:prstDash val="solid"/>
+                      <a:round/>
+                      <a:headEnd type="none" w="med" len="med"/>
+                      <a:tailEnd type="none" w="med" len="med"/>
+                    </a:lnL>
+                    <a:lnR w="12700" cap="flat" cmpd="sng" algn="ctr">
+                      <a:noFill/>
+                      <a:prstDash val="solid"/>
+                      <a:round/>
+                      <a:headEnd type="none" w="med" len="med"/>
+                      <a:tailEnd type="none" w="med" len="med"/>
+                    </a:lnR>
+                    <a:lnT w="6350" cap="flat" cmpd="sng" algn="ctr">
+                      <a:solidFill>
+                        <a:schemeClr val="tx1"/>
+                      </a:solidFill>
+                      <a:prstDash val="solid"/>
+                      <a:round/>
+                      <a:headEnd type="none" w="med" len="med"/>
+                      <a:tailEnd type="none" w="med" len="med"/>
+                    </a:lnT>
+                    <a:lnB w="6350" cap="flat" cmpd="sng" algn="ctr">
+                      <a:solidFill>
+                        <a:schemeClr val="tx1"/>
+                      </a:solidFill>
+                      <a:prstDash val="solid"/>
+                      <a:round/>
+                      <a:headEnd type="none" w="med" len="med"/>
+                      <a:tailEnd type="none" w="med" len="med"/>
+                    </a:lnB>
+                  </a:tcPr>
+                </a:tc>
+                <a:tc>
+                  <a:txBody>
+                    <a:bodyPr/>
+                    <a:lstStyle/>
+                    <a:p>
+                      <a:pPr algn="ctr" fontAlgn="b"/>
+                      <a:r>
+                        <a:rPr lang="en-US" sz="1400" b="0" i="0" u="none" strike="noStrike">
+                          <a:solidFill>
+                            <a:srgbClr val="000000"/>
+                          </a:solidFill>
+                          <a:effectLst/>
+                          <a:latin typeface="Calibri" panose="020F0502020204030204" pitchFamily="34" charset="0"/>
+                        </a:rPr>
+                        <a:t>0.358974</a:t>
+                      </a:r>
+                    </a:p>
+                  </a:txBody>
+                  <a:tcPr marL="9525" marR="9525" marT="9525" marB="0" anchor="ctr">
+                    <a:lnL w="12700" cap="flat" cmpd="sng" algn="ctr">
+                      <a:noFill/>
+                      <a:prstDash val="solid"/>
+                      <a:round/>
+                      <a:headEnd type="none" w="med" len="med"/>
+                      <a:tailEnd type="none" w="med" len="med"/>
+                    </a:lnL>
+                    <a:lnR w="12700" cap="flat" cmpd="sng" algn="ctr">
+                      <a:noFill/>
+                      <a:prstDash val="solid"/>
+                      <a:round/>
+                      <a:headEnd type="none" w="med" len="med"/>
+                      <a:tailEnd type="none" w="med" len="med"/>
+                    </a:lnR>
+                    <a:lnT w="6350" cap="flat" cmpd="sng" algn="ctr">
+                      <a:solidFill>
+                        <a:schemeClr val="tx1"/>
+                      </a:solidFill>
+                      <a:prstDash val="solid"/>
+                      <a:round/>
+                      <a:headEnd type="none" w="med" len="med"/>
+                      <a:tailEnd type="none" w="med" len="med"/>
+                    </a:lnT>
+                    <a:lnB w="6350" cap="flat" cmpd="sng" algn="ctr">
+                      <a:solidFill>
+                        <a:schemeClr val="tx1"/>
+                      </a:solidFill>
+                      <a:prstDash val="solid"/>
+                      <a:round/>
+                      <a:headEnd type="none" w="med" len="med"/>
+                      <a:tailEnd type="none" w="med" len="med"/>
+                    </a:lnB>
+                  </a:tcPr>
+                </a:tc>
+                <a:tc>
+                  <a:txBody>
+                    <a:bodyPr/>
+                    <a:lstStyle/>
+                    <a:p>
+                      <a:pPr algn="ctr" fontAlgn="b"/>
+                      <a:r>
+                        <a:rPr lang="en-US" sz="1400" b="0" i="0" u="none" strike="noStrike">
+                          <a:solidFill>
+                            <a:srgbClr val="000000"/>
+                          </a:solidFill>
+                          <a:effectLst/>
+                          <a:latin typeface="Calibri" panose="020F0502020204030204" pitchFamily="34" charset="0"/>
+                        </a:rPr>
+                        <a:t>0.325397</a:t>
+                      </a:r>
+                    </a:p>
+                  </a:txBody>
+                  <a:tcPr marL="9525" marR="9525" marT="9525" marB="0" anchor="ctr">
+                    <a:lnL w="12700" cap="flat" cmpd="sng" algn="ctr">
+                      <a:noFill/>
+                      <a:prstDash val="solid"/>
+                      <a:round/>
+                      <a:headEnd type="none" w="med" len="med"/>
+                      <a:tailEnd type="none" w="med" len="med"/>
+                    </a:lnL>
+                    <a:lnR w="12700" cap="flat" cmpd="sng" algn="ctr">
+                      <a:noFill/>
+                      <a:prstDash val="solid"/>
+                      <a:round/>
+                      <a:headEnd type="none" w="med" len="med"/>
+                      <a:tailEnd type="none" w="med" len="med"/>
+                    </a:lnR>
+                    <a:lnT w="6350" cap="flat" cmpd="sng" algn="ctr">
+                      <a:solidFill>
+                        <a:schemeClr val="tx1"/>
+                      </a:solidFill>
+                      <a:prstDash val="solid"/>
+                      <a:round/>
+                      <a:headEnd type="none" w="med" len="med"/>
+                      <a:tailEnd type="none" w="med" len="med"/>
+                    </a:lnT>
+                    <a:lnB w="6350" cap="flat" cmpd="sng" algn="ctr">
+                      <a:solidFill>
+                        <a:schemeClr val="tx1"/>
+                      </a:solidFill>
+                      <a:prstDash val="solid"/>
+                      <a:round/>
+                      <a:headEnd type="none" w="med" len="med"/>
+                      <a:tailEnd type="none" w="med" len="med"/>
+                    </a:lnB>
+                  </a:tcPr>
+                </a:tc>
+                <a:tc>
+                  <a:txBody>
+                    <a:bodyPr/>
+                    <a:lstStyle/>
+                    <a:p>
+                      <a:pPr algn="ctr" fontAlgn="b"/>
+                      <a:endParaRPr lang="en-US" sz="1400" b="0" i="0" u="none" strike="noStrike">
+                        <a:solidFill>
+                          <a:srgbClr val="000000"/>
+                        </a:solidFill>
+                        <a:effectLst/>
+                        <a:latin typeface="Calibri" panose="020F0502020204030204" pitchFamily="34" charset="0"/>
+                      </a:endParaRPr>
+                    </a:p>
+                  </a:txBody>
+                  <a:tcPr marL="9525" marR="9525" marT="9525" marB="0" anchor="ctr">
+                    <a:lnL w="12700" cap="flat" cmpd="sng" algn="ctr">
+                      <a:noFill/>
+                      <a:prstDash val="solid"/>
+                      <a:round/>
+                      <a:headEnd type="none" w="med" len="med"/>
+                      <a:tailEnd type="none" w="med" len="med"/>
+                    </a:lnL>
+                    <a:lnR>
+                      <a:noFill/>
+                    </a:lnR>
+                    <a:lnT w="6350" cap="flat" cmpd="sng" algn="ctr">
+                      <a:solidFill>
+                        <a:schemeClr val="tx1"/>
+                      </a:solidFill>
+                      <a:prstDash val="solid"/>
+                      <a:round/>
+                      <a:headEnd type="none" w="med" len="med"/>
+                      <a:tailEnd type="none" w="med" len="med"/>
+                    </a:lnT>
+                    <a:lnB w="6350" cap="flat" cmpd="sng" algn="ctr">
+                      <a:solidFill>
+                        <a:schemeClr val="tx1"/>
+                      </a:solidFill>
+                      <a:prstDash val="solid"/>
+                      <a:round/>
+                      <a:headEnd type="none" w="med" len="med"/>
+                      <a:tailEnd type="none" w="med" len="med"/>
+                    </a:lnB>
+                  </a:tcPr>
+                </a:tc>
+                <a:extLst>
+                  <a:ext uri="{0D108BD9-81ED-4DB2-BD59-A6C34878D82A}">
+                    <a16:rowId xmlns:a16="http://schemas.microsoft.com/office/drawing/2014/main" val="1855216330"/>
+                  </a:ext>
+                </a:extLst>
+              </a:tr>
+              <a:tr h="385578">
+                <a:tc>
+                  <a:txBody>
+                    <a:bodyPr/>
+                    <a:lstStyle/>
+                    <a:p>
+                      <a:pPr algn="ctr" fontAlgn="b"/>
+                      <a:r>
+                        <a:rPr lang="en-US" sz="1400" b="0" i="0" u="none" strike="noStrike">
+                          <a:solidFill>
+                            <a:srgbClr val="000000"/>
+                          </a:solidFill>
+                          <a:effectLst/>
+                          <a:latin typeface="Calibri" panose="020F0502020204030204" pitchFamily="34" charset="0"/>
+                        </a:rPr>
+                        <a:t>isolet</a:t>
+                      </a:r>
+                    </a:p>
+                  </a:txBody>
+                  <a:tcPr marL="9525" marR="9525" marT="9525" marB="0" anchor="ctr">
+                    <a:lnL>
+                      <a:noFill/>
+                    </a:lnL>
+                    <a:lnR w="12700" cap="flat" cmpd="sng" algn="ctr">
+                      <a:noFill/>
+                      <a:prstDash val="solid"/>
+                      <a:round/>
+                      <a:headEnd type="none" w="med" len="med"/>
+                      <a:tailEnd type="none" w="med" len="med"/>
+                    </a:lnR>
+                    <a:lnT w="6350" cap="flat" cmpd="sng" algn="ctr">
+                      <a:solidFill>
+                        <a:schemeClr val="tx1"/>
+                      </a:solidFill>
+                      <a:prstDash val="solid"/>
+                      <a:round/>
+                      <a:headEnd type="none" w="med" len="med"/>
+                      <a:tailEnd type="none" w="med" len="med"/>
+                    </a:lnT>
+                    <a:lnB w="6350" cap="flat" cmpd="sng" algn="ctr">
+                      <a:solidFill>
+                        <a:schemeClr val="tx1"/>
+                      </a:solidFill>
+                      <a:prstDash val="solid"/>
+                      <a:round/>
+                      <a:headEnd type="none" w="med" len="med"/>
+                      <a:tailEnd type="none" w="med" len="med"/>
+                    </a:lnB>
+                  </a:tcPr>
+                </a:tc>
+                <a:tc>
+                  <a:txBody>
+                    <a:bodyPr/>
+                    <a:lstStyle/>
+                    <a:p>
+                      <a:pPr algn="ctr" fontAlgn="b"/>
+                      <a:r>
+                        <a:rPr lang="en-US" sz="1400" b="0" i="0" u="none" strike="noStrike">
+                          <a:solidFill>
+                            <a:srgbClr val="000000"/>
+                          </a:solidFill>
+                          <a:effectLst/>
+                          <a:latin typeface="Calibri" panose="020F0502020204030204" pitchFamily="34" charset="0"/>
+                        </a:rPr>
+                        <a:t>0.884956</a:t>
+                      </a:r>
+                    </a:p>
+                  </a:txBody>
+                  <a:tcPr marL="9525" marR="9525" marT="9525" marB="0" anchor="ctr">
+                    <a:lnL w="12700" cap="flat" cmpd="sng" algn="ctr">
+                      <a:noFill/>
+                      <a:prstDash val="solid"/>
+                      <a:round/>
+                      <a:headEnd type="none" w="med" len="med"/>
+                      <a:tailEnd type="none" w="med" len="med"/>
+                    </a:lnL>
+                    <a:lnR w="12700" cap="flat" cmpd="sng" algn="ctr">
+                      <a:noFill/>
+                      <a:prstDash val="solid"/>
+                      <a:round/>
+                      <a:headEnd type="none" w="med" len="med"/>
+                      <a:tailEnd type="none" w="med" len="med"/>
+                    </a:lnR>
+                    <a:lnT w="6350" cap="flat" cmpd="sng" algn="ctr">
+                      <a:solidFill>
+                        <a:schemeClr val="tx1"/>
+                      </a:solidFill>
+                      <a:prstDash val="solid"/>
+                      <a:round/>
+                      <a:headEnd type="none" w="med" len="med"/>
+                      <a:tailEnd type="none" w="med" len="med"/>
+                    </a:lnT>
+                    <a:lnB w="6350" cap="flat" cmpd="sng" algn="ctr">
+                      <a:solidFill>
+                        <a:schemeClr val="tx1"/>
+                      </a:solidFill>
+                      <a:prstDash val="solid"/>
+                      <a:round/>
+                      <a:headEnd type="none" w="med" len="med"/>
+                      <a:tailEnd type="none" w="med" len="med"/>
+                    </a:lnB>
+                  </a:tcPr>
+                </a:tc>
+                <a:tc>
+                  <a:txBody>
+                    <a:bodyPr/>
+                    <a:lstStyle/>
+                    <a:p>
+                      <a:pPr algn="ctr" fontAlgn="b"/>
+                      <a:r>
+                        <a:rPr lang="en-US" sz="1400" b="0" i="0" u="none" strike="noStrike" dirty="0">
+                          <a:solidFill>
+                            <a:srgbClr val="000000"/>
+                          </a:solidFill>
+                          <a:effectLst/>
+                          <a:latin typeface="Calibri" panose="020F0502020204030204" pitchFamily="34" charset="0"/>
+                        </a:rPr>
+                        <a:t>0.666667</a:t>
+                      </a:r>
+                    </a:p>
+                  </a:txBody>
+                  <a:tcPr marL="9525" marR="9525" marT="9525" marB="0" anchor="ctr">
+                    <a:lnL w="12700" cap="flat" cmpd="sng" algn="ctr">
+                      <a:noFill/>
+                      <a:prstDash val="solid"/>
+                      <a:round/>
+                      <a:headEnd type="none" w="med" len="med"/>
+                      <a:tailEnd type="none" w="med" len="med"/>
+                    </a:lnL>
+                    <a:lnR w="12700" cap="flat" cmpd="sng" algn="ctr">
+                      <a:noFill/>
+                      <a:prstDash val="solid"/>
+                      <a:round/>
+                      <a:headEnd type="none" w="med" len="med"/>
+                      <a:tailEnd type="none" w="med" len="med"/>
+                    </a:lnR>
+                    <a:lnT w="6350" cap="flat" cmpd="sng" algn="ctr">
+                      <a:solidFill>
+                        <a:schemeClr val="tx1"/>
+                      </a:solidFill>
+                      <a:prstDash val="solid"/>
+                      <a:round/>
+                      <a:headEnd type="none" w="med" len="med"/>
+                      <a:tailEnd type="none" w="med" len="med"/>
+                    </a:lnT>
+                    <a:lnB w="6350" cap="flat" cmpd="sng" algn="ctr">
+                      <a:solidFill>
+                        <a:schemeClr val="tx1"/>
+                      </a:solidFill>
+                      <a:prstDash val="solid"/>
+                      <a:round/>
+                      <a:headEnd type="none" w="med" len="med"/>
+                      <a:tailEnd type="none" w="med" len="med"/>
+                    </a:lnB>
+                  </a:tcPr>
+                </a:tc>
+                <a:tc>
+                  <a:txBody>
+                    <a:bodyPr/>
+                    <a:lstStyle/>
+                    <a:p>
+                      <a:pPr algn="ctr" fontAlgn="b"/>
+                      <a:r>
+                        <a:rPr lang="en-US" sz="1400" b="0" i="0" u="none" strike="noStrike">
+                          <a:solidFill>
+                            <a:srgbClr val="9C0006"/>
+                          </a:solidFill>
+                          <a:effectLst/>
+                          <a:latin typeface="Calibri" panose="020F0502020204030204" pitchFamily="34" charset="0"/>
+                        </a:rPr>
+                        <a:t>0.885246</a:t>
+                      </a:r>
+                    </a:p>
+                  </a:txBody>
+                  <a:tcPr marL="9525" marR="9525" marT="9525" marB="0" anchor="ctr">
+                    <a:lnL w="12700" cap="flat" cmpd="sng" algn="ctr">
+                      <a:noFill/>
+                      <a:prstDash val="solid"/>
+                      <a:round/>
+                      <a:headEnd type="none" w="med" len="med"/>
+                      <a:tailEnd type="none" w="med" len="med"/>
+                    </a:lnL>
+                    <a:lnR w="12700" cap="flat" cmpd="sng" algn="ctr">
+                      <a:noFill/>
+                      <a:prstDash val="solid"/>
+                      <a:round/>
+                      <a:headEnd type="none" w="med" len="med"/>
+                      <a:tailEnd type="none" w="med" len="med"/>
+                    </a:lnR>
+                    <a:lnT w="6350" cap="flat" cmpd="sng" algn="ctr">
+                      <a:solidFill>
+                        <a:schemeClr val="tx1"/>
+                      </a:solidFill>
+                      <a:prstDash val="solid"/>
+                      <a:round/>
+                      <a:headEnd type="none" w="med" len="med"/>
+                      <a:tailEnd type="none" w="med" len="med"/>
+                    </a:lnT>
+                    <a:lnB w="6350" cap="flat" cmpd="sng" algn="ctr">
+                      <a:solidFill>
+                        <a:schemeClr val="tx1"/>
+                      </a:solidFill>
+                      <a:prstDash val="solid"/>
+                      <a:round/>
+                      <a:headEnd type="none" w="med" len="med"/>
+                      <a:tailEnd type="none" w="med" len="med"/>
+                    </a:lnB>
+                    <a:solidFill>
+                      <a:srgbClr val="FFC7CE"/>
+                    </a:solidFill>
+                  </a:tcPr>
+                </a:tc>
+                <a:tc>
+                  <a:txBody>
+                    <a:bodyPr/>
+                    <a:lstStyle/>
+                    <a:p>
+                      <a:pPr algn="ctr" fontAlgn="b"/>
+                      <a:r>
+                        <a:rPr lang="en-US" sz="1400" b="0" i="0" u="none" strike="noStrike">
+                          <a:solidFill>
+                            <a:srgbClr val="000000"/>
+                          </a:solidFill>
+                          <a:effectLst/>
+                          <a:latin typeface="Calibri" panose="020F0502020204030204" pitchFamily="34" charset="0"/>
+                        </a:rPr>
+                        <a:t>0.862069</a:t>
+                      </a:r>
+                    </a:p>
+                  </a:txBody>
+                  <a:tcPr marL="9525" marR="9525" marT="9525" marB="0" anchor="ctr">
+                    <a:lnL w="12700" cap="flat" cmpd="sng" algn="ctr">
+                      <a:noFill/>
+                      <a:prstDash val="solid"/>
+                      <a:round/>
+                      <a:headEnd type="none" w="med" len="med"/>
+                      <a:tailEnd type="none" w="med" len="med"/>
+                    </a:lnL>
+                    <a:lnR w="12700" cap="flat" cmpd="sng" algn="ctr">
+                      <a:noFill/>
+                      <a:prstDash val="solid"/>
+                      <a:round/>
+                      <a:headEnd type="none" w="med" len="med"/>
+                      <a:tailEnd type="none" w="med" len="med"/>
+                    </a:lnR>
+                    <a:lnT w="6350" cap="flat" cmpd="sng" algn="ctr">
+                      <a:solidFill>
+                        <a:schemeClr val="tx1"/>
+                      </a:solidFill>
+                      <a:prstDash val="solid"/>
+                      <a:round/>
+                      <a:headEnd type="none" w="med" len="med"/>
+                      <a:tailEnd type="none" w="med" len="med"/>
+                    </a:lnT>
+                    <a:lnB w="6350" cap="flat" cmpd="sng" algn="ctr">
+                      <a:solidFill>
+                        <a:schemeClr val="tx1"/>
+                      </a:solidFill>
+                      <a:prstDash val="solid"/>
+                      <a:round/>
+                      <a:headEnd type="none" w="med" len="med"/>
+                      <a:tailEnd type="none" w="med" len="med"/>
+                    </a:lnB>
+                  </a:tcPr>
+                </a:tc>
+                <a:tc>
+                  <a:txBody>
+                    <a:bodyPr/>
+                    <a:lstStyle/>
+                    <a:p>
+                      <a:pPr algn="ctr" fontAlgn="b"/>
+                      <a:r>
+                        <a:rPr lang="en-US" sz="1400" b="0" i="0" u="none" strike="noStrike" dirty="0">
+                          <a:solidFill>
+                            <a:srgbClr val="000000"/>
+                          </a:solidFill>
+                          <a:effectLst/>
+                          <a:latin typeface="Calibri" panose="020F0502020204030204" pitchFamily="34" charset="0"/>
+                        </a:rPr>
+                        <a:t>0.440367</a:t>
+                      </a:r>
+                    </a:p>
+                  </a:txBody>
+                  <a:tcPr marL="9525" marR="9525" marT="9525" marB="0" anchor="ctr">
+                    <a:lnL w="12700" cap="flat" cmpd="sng" algn="ctr">
+                      <a:noFill/>
+                      <a:prstDash val="solid"/>
+                      <a:round/>
+                      <a:headEnd type="none" w="med" len="med"/>
+                      <a:tailEnd type="none" w="med" len="med"/>
+                    </a:lnL>
+                    <a:lnR w="12700" cap="flat" cmpd="sng" algn="ctr">
+                      <a:noFill/>
+                      <a:prstDash val="solid"/>
+                      <a:round/>
+                      <a:headEnd type="none" w="med" len="med"/>
+                      <a:tailEnd type="none" w="med" len="med"/>
+                    </a:lnR>
+                    <a:lnT w="6350" cap="flat" cmpd="sng" algn="ctr">
+                      <a:solidFill>
+                        <a:schemeClr val="tx1"/>
+                      </a:solidFill>
+                      <a:prstDash val="solid"/>
+                      <a:round/>
+                      <a:headEnd type="none" w="med" len="med"/>
+                      <a:tailEnd type="none" w="med" len="med"/>
+                    </a:lnT>
+                    <a:lnB w="6350" cap="flat" cmpd="sng" algn="ctr">
+                      <a:solidFill>
+                        <a:schemeClr val="tx1"/>
+                      </a:solidFill>
+                      <a:prstDash val="solid"/>
+                      <a:round/>
+                      <a:headEnd type="none" w="med" len="med"/>
+                      <a:tailEnd type="none" w="med" len="med"/>
+                    </a:lnB>
+                  </a:tcPr>
+                </a:tc>
+                <a:tc>
+                  <a:txBody>
+                    <a:bodyPr/>
+                    <a:lstStyle/>
+                    <a:p>
+                      <a:pPr algn="ctr" fontAlgn="b"/>
+                      <a:r>
+                        <a:rPr lang="en-US" sz="1400" b="0" i="0" u="none" strike="noStrike" dirty="0">
+                          <a:solidFill>
+                            <a:srgbClr val="000000"/>
+                          </a:solidFill>
+                          <a:effectLst/>
+                          <a:latin typeface="Calibri" panose="020F0502020204030204" pitchFamily="34" charset="0"/>
+                        </a:rPr>
+                        <a:t>0.038474</a:t>
+                      </a:r>
+                    </a:p>
+                  </a:txBody>
+                  <a:tcPr marL="9525" marR="9525" marT="9525" marB="0" anchor="ctr">
+                    <a:lnL w="12700" cap="flat" cmpd="sng" algn="ctr">
+                      <a:noFill/>
+                      <a:prstDash val="solid"/>
+                      <a:round/>
+                      <a:headEnd type="none" w="med" len="med"/>
+                      <a:tailEnd type="none" w="med" len="med"/>
+                    </a:lnL>
+                    <a:lnR w="12700" cap="flat" cmpd="sng" algn="ctr">
+                      <a:noFill/>
+                      <a:prstDash val="solid"/>
+                      <a:round/>
+                      <a:headEnd type="none" w="med" len="med"/>
+                      <a:tailEnd type="none" w="med" len="med"/>
+                    </a:lnR>
+                    <a:lnT w="6350" cap="flat" cmpd="sng" algn="ctr">
+                      <a:solidFill>
+                        <a:schemeClr val="tx1"/>
+                      </a:solidFill>
+                      <a:prstDash val="solid"/>
+                      <a:round/>
+                      <a:headEnd type="none" w="med" len="med"/>
+                      <a:tailEnd type="none" w="med" len="med"/>
+                    </a:lnT>
+                    <a:lnB w="6350" cap="flat" cmpd="sng" algn="ctr">
+                      <a:solidFill>
+                        <a:schemeClr val="tx1"/>
+                      </a:solidFill>
+                      <a:prstDash val="solid"/>
+                      <a:round/>
+                      <a:headEnd type="none" w="med" len="med"/>
+                      <a:tailEnd type="none" w="med" len="med"/>
+                    </a:lnB>
+                  </a:tcPr>
+                </a:tc>
+                <a:tc>
+                  <a:txBody>
+                    <a:bodyPr/>
+                    <a:lstStyle/>
+                    <a:p>
+                      <a:pPr algn="ctr" fontAlgn="b"/>
+                      <a:r>
+                        <a:rPr lang="en-US" sz="1400" b="0" i="0" u="none" strike="noStrike">
+                          <a:solidFill>
+                            <a:srgbClr val="000000"/>
+                          </a:solidFill>
+                          <a:effectLst/>
+                          <a:latin typeface="Calibri" panose="020F0502020204030204" pitchFamily="34" charset="0"/>
+                        </a:rPr>
+                        <a:t>0.1</a:t>
+                      </a:r>
+                    </a:p>
+                  </a:txBody>
+                  <a:tcPr marL="9525" marR="9525" marT="9525" marB="0" anchor="ctr">
+                    <a:lnL w="12700" cap="flat" cmpd="sng" algn="ctr">
+                      <a:noFill/>
+                      <a:prstDash val="solid"/>
+                      <a:round/>
+                      <a:headEnd type="none" w="med" len="med"/>
+                      <a:tailEnd type="none" w="med" len="med"/>
+                    </a:lnL>
+                    <a:lnR w="12700" cap="flat" cmpd="sng" algn="ctr">
+                      <a:noFill/>
+                      <a:prstDash val="solid"/>
+                      <a:round/>
+                      <a:headEnd type="none" w="med" len="med"/>
+                      <a:tailEnd type="none" w="med" len="med"/>
+                    </a:lnR>
+                    <a:lnT w="6350" cap="flat" cmpd="sng" algn="ctr">
+                      <a:solidFill>
+                        <a:schemeClr val="tx1"/>
+                      </a:solidFill>
+                      <a:prstDash val="solid"/>
+                      <a:round/>
+                      <a:headEnd type="none" w="med" len="med"/>
+                      <a:tailEnd type="none" w="med" len="med"/>
+                    </a:lnT>
+                    <a:lnB w="6350" cap="flat" cmpd="sng" algn="ctr">
+                      <a:solidFill>
+                        <a:schemeClr val="tx1"/>
+                      </a:solidFill>
+                      <a:prstDash val="solid"/>
+                      <a:round/>
+                      <a:headEnd type="none" w="med" len="med"/>
+                      <a:tailEnd type="none" w="med" len="med"/>
+                    </a:lnB>
+                  </a:tcPr>
+                </a:tc>
+                <a:tc>
+                  <a:txBody>
+                    <a:bodyPr/>
+                    <a:lstStyle/>
+                    <a:p>
+                      <a:pPr algn="ctr" fontAlgn="b"/>
+                      <a:endParaRPr lang="en-US" sz="1400" b="0" i="0" u="none" strike="noStrike">
+                        <a:solidFill>
+                          <a:srgbClr val="000000"/>
+                        </a:solidFill>
+                        <a:effectLst/>
+                        <a:latin typeface="Calibri" panose="020F0502020204030204" pitchFamily="34" charset="0"/>
+                      </a:endParaRPr>
+                    </a:p>
+                  </a:txBody>
+                  <a:tcPr marL="9525" marR="9525" marT="9525" marB="0" anchor="ctr">
+                    <a:lnL w="12700" cap="flat" cmpd="sng" algn="ctr">
+                      <a:noFill/>
+                      <a:prstDash val="solid"/>
+                      <a:round/>
+                      <a:headEnd type="none" w="med" len="med"/>
+                      <a:tailEnd type="none" w="med" len="med"/>
+                    </a:lnL>
+                    <a:lnR>
+                      <a:noFill/>
+                    </a:lnR>
+                    <a:lnT w="6350" cap="flat" cmpd="sng" algn="ctr">
+                      <a:solidFill>
+                        <a:schemeClr val="tx1"/>
+                      </a:solidFill>
+                      <a:prstDash val="solid"/>
+                      <a:round/>
+                      <a:headEnd type="none" w="med" len="med"/>
+                      <a:tailEnd type="none" w="med" len="med"/>
+                    </a:lnT>
+                    <a:lnB w="6350" cap="flat" cmpd="sng" algn="ctr">
+                      <a:solidFill>
+                        <a:schemeClr val="tx1"/>
+                      </a:solidFill>
+                      <a:prstDash val="solid"/>
+                      <a:round/>
+                      <a:headEnd type="none" w="med" len="med"/>
+                      <a:tailEnd type="none" w="med" len="med"/>
+                    </a:lnB>
+                  </a:tcPr>
+                </a:tc>
+                <a:extLst>
+                  <a:ext uri="{0D108BD9-81ED-4DB2-BD59-A6C34878D82A}">
+                    <a16:rowId xmlns:a16="http://schemas.microsoft.com/office/drawing/2014/main" val="3791236457"/>
+                  </a:ext>
+                </a:extLst>
+              </a:tr>
+              <a:tr h="385578">
+                <a:tc>
+                  <a:txBody>
+                    <a:bodyPr/>
+                    <a:lstStyle/>
+                    <a:p>
+                      <a:pPr algn="ctr" fontAlgn="b"/>
+                      <a:r>
+                        <a:rPr lang="en-US" sz="1400" b="0" i="0" u="none" strike="noStrike">
+                          <a:solidFill>
+                            <a:srgbClr val="000000"/>
+                          </a:solidFill>
+                          <a:effectLst/>
+                          <a:latin typeface="Calibri" panose="020F0502020204030204" pitchFamily="34" charset="0"/>
+                        </a:rPr>
+                        <a:t>letter</a:t>
+                      </a:r>
+                    </a:p>
+                  </a:txBody>
+                  <a:tcPr marL="9525" marR="9525" marT="9525" marB="0" anchor="ctr">
+                    <a:lnL>
+                      <a:noFill/>
+                    </a:lnL>
+                    <a:lnR w="12700" cap="flat" cmpd="sng" algn="ctr">
+                      <a:noFill/>
+                      <a:prstDash val="solid"/>
+                      <a:round/>
+                      <a:headEnd type="none" w="med" len="med"/>
+                      <a:tailEnd type="none" w="med" len="med"/>
+                    </a:lnR>
+                    <a:lnT w="6350" cap="flat" cmpd="sng" algn="ctr">
+                      <a:solidFill>
+                        <a:schemeClr val="tx1"/>
+                      </a:solidFill>
+                      <a:prstDash val="solid"/>
+                      <a:round/>
+                      <a:headEnd type="none" w="med" len="med"/>
+                      <a:tailEnd type="none" w="med" len="med"/>
+                    </a:lnT>
+                    <a:lnB w="6350" cap="flat" cmpd="sng" algn="ctr">
+                      <a:solidFill>
+                        <a:schemeClr val="tx1"/>
+                      </a:solidFill>
+                      <a:prstDash val="solid"/>
+                      <a:round/>
+                      <a:headEnd type="none" w="med" len="med"/>
+                      <a:tailEnd type="none" w="med" len="med"/>
+                    </a:lnB>
+                  </a:tcPr>
+                </a:tc>
+                <a:tc>
+                  <a:txBody>
+                    <a:bodyPr/>
+                    <a:lstStyle/>
+                    <a:p>
+                      <a:pPr algn="ctr" fontAlgn="b"/>
+                      <a:r>
+                        <a:rPr lang="en-US" sz="1400" b="0" i="0" u="none" strike="noStrike">
+                          <a:solidFill>
+                            <a:srgbClr val="9C0006"/>
+                          </a:solidFill>
+                          <a:effectLst/>
+                          <a:latin typeface="Calibri" panose="020F0502020204030204" pitchFamily="34" charset="0"/>
+                        </a:rPr>
+                        <a:t>0.890615</a:t>
+                      </a:r>
+                    </a:p>
+                  </a:txBody>
+                  <a:tcPr marL="9525" marR="9525" marT="9525" marB="0" anchor="ctr">
+                    <a:lnL w="12700" cap="flat" cmpd="sng" algn="ctr">
+                      <a:noFill/>
+                      <a:prstDash val="solid"/>
+                      <a:round/>
+                      <a:headEnd type="none" w="med" len="med"/>
+                      <a:tailEnd type="none" w="med" len="med"/>
+                    </a:lnL>
+                    <a:lnR w="12700" cap="flat" cmpd="sng" algn="ctr">
+                      <a:noFill/>
+                      <a:prstDash val="solid"/>
+                      <a:round/>
+                      <a:headEnd type="none" w="med" len="med"/>
+                      <a:tailEnd type="none" w="med" len="med"/>
+                    </a:lnR>
+                    <a:lnT w="6350" cap="flat" cmpd="sng" algn="ctr">
+                      <a:solidFill>
+                        <a:schemeClr val="tx1"/>
+                      </a:solidFill>
+                      <a:prstDash val="solid"/>
+                      <a:round/>
+                      <a:headEnd type="none" w="med" len="med"/>
+                      <a:tailEnd type="none" w="med" len="med"/>
+                    </a:lnT>
+                    <a:lnB w="6350" cap="flat" cmpd="sng" algn="ctr">
+                      <a:solidFill>
+                        <a:schemeClr val="tx1"/>
+                      </a:solidFill>
+                      <a:prstDash val="solid"/>
+                      <a:round/>
+                      <a:headEnd type="none" w="med" len="med"/>
+                      <a:tailEnd type="none" w="med" len="med"/>
+                    </a:lnB>
+                    <a:solidFill>
+                      <a:srgbClr val="FFC7CE"/>
+                    </a:solidFill>
+                  </a:tcPr>
+                </a:tc>
+                <a:tc>
+                  <a:txBody>
+                    <a:bodyPr/>
+                    <a:lstStyle/>
+                    <a:p>
+                      <a:pPr algn="ctr" fontAlgn="b"/>
+                      <a:r>
+                        <a:rPr lang="en-US" sz="1400" b="0" i="0" u="none" strike="noStrike">
+                          <a:solidFill>
+                            <a:srgbClr val="000000"/>
+                          </a:solidFill>
+                          <a:effectLst/>
+                          <a:latin typeface="Calibri" panose="020F0502020204030204" pitchFamily="34" charset="0"/>
+                        </a:rPr>
+                        <a:t>0.760646</a:t>
+                      </a:r>
+                    </a:p>
+                  </a:txBody>
+                  <a:tcPr marL="9525" marR="9525" marT="9525" marB="0" anchor="ctr">
+                    <a:lnL w="12700" cap="flat" cmpd="sng" algn="ctr">
+                      <a:noFill/>
+                      <a:prstDash val="solid"/>
+                      <a:round/>
+                      <a:headEnd type="none" w="med" len="med"/>
+                      <a:tailEnd type="none" w="med" len="med"/>
+                    </a:lnL>
+                    <a:lnR w="12700" cap="flat" cmpd="sng" algn="ctr">
+                      <a:noFill/>
+                      <a:prstDash val="solid"/>
+                      <a:round/>
+                      <a:headEnd type="none" w="med" len="med"/>
+                      <a:tailEnd type="none" w="med" len="med"/>
+                    </a:lnR>
+                    <a:lnT w="6350" cap="flat" cmpd="sng" algn="ctr">
+                      <a:solidFill>
+                        <a:schemeClr val="tx1"/>
+                      </a:solidFill>
+                      <a:prstDash val="solid"/>
+                      <a:round/>
+                      <a:headEnd type="none" w="med" len="med"/>
+                      <a:tailEnd type="none" w="med" len="med"/>
+                    </a:lnT>
+                    <a:lnB w="6350" cap="flat" cmpd="sng" algn="ctr">
+                      <a:solidFill>
+                        <a:schemeClr val="tx1"/>
+                      </a:solidFill>
+                      <a:prstDash val="solid"/>
+                      <a:round/>
+                      <a:headEnd type="none" w="med" len="med"/>
+                      <a:tailEnd type="none" w="med" len="med"/>
+                    </a:lnB>
+                  </a:tcPr>
+                </a:tc>
+                <a:tc>
+                  <a:txBody>
+                    <a:bodyPr/>
+                    <a:lstStyle/>
+                    <a:p>
+                      <a:pPr algn="ctr" fontAlgn="b"/>
+                      <a:r>
+                        <a:rPr lang="en-US" sz="1400" b="0" i="0" u="none" strike="noStrike">
+                          <a:solidFill>
+                            <a:srgbClr val="000000"/>
+                          </a:solidFill>
+                          <a:effectLst/>
+                          <a:latin typeface="Calibri" panose="020F0502020204030204" pitchFamily="34" charset="0"/>
+                        </a:rPr>
+                        <a:t>0.870154</a:t>
+                      </a:r>
+                    </a:p>
+                  </a:txBody>
+                  <a:tcPr marL="9525" marR="9525" marT="9525" marB="0" anchor="ctr">
+                    <a:lnL w="12700" cap="flat" cmpd="sng" algn="ctr">
+                      <a:noFill/>
+                      <a:prstDash val="solid"/>
+                      <a:round/>
+                      <a:headEnd type="none" w="med" len="med"/>
+                      <a:tailEnd type="none" w="med" len="med"/>
+                    </a:lnL>
+                    <a:lnR w="12700" cap="flat" cmpd="sng" algn="ctr">
+                      <a:noFill/>
+                      <a:prstDash val="solid"/>
+                      <a:round/>
+                      <a:headEnd type="none" w="med" len="med"/>
+                      <a:tailEnd type="none" w="med" len="med"/>
+                    </a:lnR>
+                    <a:lnT w="6350" cap="flat" cmpd="sng" algn="ctr">
+                      <a:solidFill>
+                        <a:schemeClr val="tx1"/>
+                      </a:solidFill>
+                      <a:prstDash val="solid"/>
+                      <a:round/>
+                      <a:headEnd type="none" w="med" len="med"/>
+                      <a:tailEnd type="none" w="med" len="med"/>
+                    </a:lnT>
+                    <a:lnB w="6350" cap="flat" cmpd="sng" algn="ctr">
+                      <a:solidFill>
+                        <a:schemeClr val="tx1"/>
+                      </a:solidFill>
+                      <a:prstDash val="solid"/>
+                      <a:round/>
+                      <a:headEnd type="none" w="med" len="med"/>
+                      <a:tailEnd type="none" w="med" len="med"/>
+                    </a:lnB>
+                  </a:tcPr>
+                </a:tc>
+                <a:tc>
+                  <a:txBody>
+                    <a:bodyPr/>
+                    <a:lstStyle/>
+                    <a:p>
+                      <a:pPr algn="ctr" fontAlgn="b"/>
+                      <a:r>
+                        <a:rPr lang="en-US" sz="1400" b="0" i="0" u="none" strike="noStrike">
+                          <a:solidFill>
+                            <a:srgbClr val="000000"/>
+                          </a:solidFill>
+                          <a:effectLst/>
+                          <a:latin typeface="Calibri" panose="020F0502020204030204" pitchFamily="34" charset="0"/>
+                        </a:rPr>
+                        <a:t>0.883957</a:t>
+                      </a:r>
+                    </a:p>
+                  </a:txBody>
+                  <a:tcPr marL="9525" marR="9525" marT="9525" marB="0" anchor="ctr">
+                    <a:lnL w="12700" cap="flat" cmpd="sng" algn="ctr">
+                      <a:noFill/>
+                      <a:prstDash val="solid"/>
+                      <a:round/>
+                      <a:headEnd type="none" w="med" len="med"/>
+                      <a:tailEnd type="none" w="med" len="med"/>
+                    </a:lnL>
+                    <a:lnR w="12700" cap="flat" cmpd="sng" algn="ctr">
+                      <a:noFill/>
+                      <a:prstDash val="solid"/>
+                      <a:round/>
+                      <a:headEnd type="none" w="med" len="med"/>
+                      <a:tailEnd type="none" w="med" len="med"/>
+                    </a:lnR>
+                    <a:lnT w="6350" cap="flat" cmpd="sng" algn="ctr">
+                      <a:solidFill>
+                        <a:schemeClr val="tx1"/>
+                      </a:solidFill>
+                      <a:prstDash val="solid"/>
+                      <a:round/>
+                      <a:headEnd type="none" w="med" len="med"/>
+                      <a:tailEnd type="none" w="med" len="med"/>
+                    </a:lnT>
+                    <a:lnB w="6350" cap="flat" cmpd="sng" algn="ctr">
+                      <a:solidFill>
+                        <a:schemeClr val="tx1"/>
+                      </a:solidFill>
+                      <a:prstDash val="solid"/>
+                      <a:round/>
+                      <a:headEnd type="none" w="med" len="med"/>
+                      <a:tailEnd type="none" w="med" len="med"/>
+                    </a:lnB>
+                  </a:tcPr>
+                </a:tc>
+                <a:tc>
+                  <a:txBody>
+                    <a:bodyPr/>
+                    <a:lstStyle/>
+                    <a:p>
+                      <a:pPr algn="ctr" fontAlgn="b"/>
+                      <a:r>
+                        <a:rPr lang="en-US" sz="1400" b="0" i="0" u="none" strike="noStrike" dirty="0">
+                          <a:solidFill>
+                            <a:srgbClr val="000000"/>
+                          </a:solidFill>
+                          <a:effectLst/>
+                          <a:latin typeface="Calibri" panose="020F0502020204030204" pitchFamily="34" charset="0"/>
+                        </a:rPr>
+                        <a:t>0.657214</a:t>
+                      </a:r>
+                    </a:p>
+                  </a:txBody>
+                  <a:tcPr marL="9525" marR="9525" marT="9525" marB="0" anchor="ctr">
+                    <a:lnL w="12700" cap="flat" cmpd="sng" algn="ctr">
+                      <a:noFill/>
+                      <a:prstDash val="solid"/>
+                      <a:round/>
+                      <a:headEnd type="none" w="med" len="med"/>
+                      <a:tailEnd type="none" w="med" len="med"/>
+                    </a:lnL>
+                    <a:lnR w="12700" cap="flat" cmpd="sng" algn="ctr">
+                      <a:noFill/>
+                      <a:prstDash val="solid"/>
+                      <a:round/>
+                      <a:headEnd type="none" w="med" len="med"/>
+                      <a:tailEnd type="none" w="med" len="med"/>
+                    </a:lnR>
+                    <a:lnT w="6350" cap="flat" cmpd="sng" algn="ctr">
+                      <a:solidFill>
+                        <a:schemeClr val="tx1"/>
+                      </a:solidFill>
+                      <a:prstDash val="solid"/>
+                      <a:round/>
+                      <a:headEnd type="none" w="med" len="med"/>
+                      <a:tailEnd type="none" w="med" len="med"/>
+                    </a:lnT>
+                    <a:lnB w="6350" cap="flat" cmpd="sng" algn="ctr">
+                      <a:solidFill>
+                        <a:schemeClr val="tx1"/>
+                      </a:solidFill>
+                      <a:prstDash val="solid"/>
+                      <a:round/>
+                      <a:headEnd type="none" w="med" len="med"/>
+                      <a:tailEnd type="none" w="med" len="med"/>
+                    </a:lnB>
+                  </a:tcPr>
+                </a:tc>
+                <a:tc>
+                  <a:txBody>
+                    <a:bodyPr/>
+                    <a:lstStyle/>
+                    <a:p>
+                      <a:pPr algn="ctr" fontAlgn="b"/>
+                      <a:r>
+                        <a:rPr lang="en-US" sz="1400" b="0" i="0" u="none" strike="noStrike" dirty="0">
+                          <a:solidFill>
+                            <a:srgbClr val="000000"/>
+                          </a:solidFill>
+                          <a:effectLst/>
+                          <a:latin typeface="Calibri" panose="020F0502020204030204" pitchFamily="34" charset="0"/>
+                        </a:rPr>
+                        <a:t>0.03945</a:t>
+                      </a:r>
+                    </a:p>
+                  </a:txBody>
+                  <a:tcPr marL="9525" marR="9525" marT="9525" marB="0" anchor="ctr">
+                    <a:lnL w="12700" cap="flat" cmpd="sng" algn="ctr">
+                      <a:noFill/>
+                      <a:prstDash val="solid"/>
+                      <a:round/>
+                      <a:headEnd type="none" w="med" len="med"/>
+                      <a:tailEnd type="none" w="med" len="med"/>
+                    </a:lnL>
+                    <a:lnR w="12700" cap="flat" cmpd="sng" algn="ctr">
+                      <a:noFill/>
+                      <a:prstDash val="solid"/>
+                      <a:round/>
+                      <a:headEnd type="none" w="med" len="med"/>
+                      <a:tailEnd type="none" w="med" len="med"/>
+                    </a:lnR>
+                    <a:lnT w="6350" cap="flat" cmpd="sng" algn="ctr">
+                      <a:solidFill>
+                        <a:schemeClr val="tx1"/>
+                      </a:solidFill>
+                      <a:prstDash val="solid"/>
+                      <a:round/>
+                      <a:headEnd type="none" w="med" len="med"/>
+                      <a:tailEnd type="none" w="med" len="med"/>
+                    </a:lnT>
+                    <a:lnB w="6350" cap="flat" cmpd="sng" algn="ctr">
+                      <a:solidFill>
+                        <a:schemeClr val="tx1"/>
+                      </a:solidFill>
+                      <a:prstDash val="solid"/>
+                      <a:round/>
+                      <a:headEnd type="none" w="med" len="med"/>
+                      <a:tailEnd type="none" w="med" len="med"/>
+                    </a:lnB>
+                  </a:tcPr>
+                </a:tc>
+                <a:tc>
+                  <a:txBody>
+                    <a:bodyPr/>
+                    <a:lstStyle/>
+                    <a:p>
+                      <a:pPr algn="ctr" fontAlgn="b"/>
+                      <a:r>
+                        <a:rPr lang="en-US" sz="1400" b="0" i="0" u="none" strike="noStrike">
+                          <a:solidFill>
+                            <a:srgbClr val="000000"/>
+                          </a:solidFill>
+                          <a:effectLst/>
+                          <a:latin typeface="Calibri" panose="020F0502020204030204" pitchFamily="34" charset="0"/>
+                        </a:rPr>
+                        <a:t>0.008872</a:t>
+                      </a:r>
+                    </a:p>
+                  </a:txBody>
+                  <a:tcPr marL="9525" marR="9525" marT="9525" marB="0" anchor="ctr">
+                    <a:lnL w="12700" cap="flat" cmpd="sng" algn="ctr">
+                      <a:noFill/>
+                      <a:prstDash val="solid"/>
+                      <a:round/>
+                      <a:headEnd type="none" w="med" len="med"/>
+                      <a:tailEnd type="none" w="med" len="med"/>
+                    </a:lnL>
+                    <a:lnR w="12700" cap="flat" cmpd="sng" algn="ctr">
+                      <a:noFill/>
+                      <a:prstDash val="solid"/>
+                      <a:round/>
+                      <a:headEnd type="none" w="med" len="med"/>
+                      <a:tailEnd type="none" w="med" len="med"/>
+                    </a:lnR>
+                    <a:lnT w="6350" cap="flat" cmpd="sng" algn="ctr">
+                      <a:solidFill>
+                        <a:schemeClr val="tx1"/>
+                      </a:solidFill>
+                      <a:prstDash val="solid"/>
+                      <a:round/>
+                      <a:headEnd type="none" w="med" len="med"/>
+                      <a:tailEnd type="none" w="med" len="med"/>
+                    </a:lnT>
+                    <a:lnB w="6350" cap="flat" cmpd="sng" algn="ctr">
+                      <a:solidFill>
+                        <a:schemeClr val="tx1"/>
+                      </a:solidFill>
+                      <a:prstDash val="solid"/>
+                      <a:round/>
+                      <a:headEnd type="none" w="med" len="med"/>
+                      <a:tailEnd type="none" w="med" len="med"/>
+                    </a:lnB>
+                  </a:tcPr>
+                </a:tc>
+                <a:tc>
+                  <a:txBody>
+                    <a:bodyPr/>
+                    <a:lstStyle/>
+                    <a:p>
+                      <a:pPr algn="ctr" fontAlgn="b"/>
+                      <a:endParaRPr lang="en-US" sz="1400" b="0" i="0" u="none" strike="noStrike" dirty="0">
+                        <a:solidFill>
+                          <a:srgbClr val="000000"/>
+                        </a:solidFill>
+                        <a:effectLst/>
+                        <a:latin typeface="Calibri" panose="020F0502020204030204" pitchFamily="34" charset="0"/>
+                      </a:endParaRPr>
+                    </a:p>
+                  </a:txBody>
+                  <a:tcPr marL="9525" marR="9525" marT="9525" marB="0" anchor="ctr">
+                    <a:lnL w="12700" cap="flat" cmpd="sng" algn="ctr">
+                      <a:noFill/>
+                      <a:prstDash val="solid"/>
+                      <a:round/>
+                      <a:headEnd type="none" w="med" len="med"/>
+                      <a:tailEnd type="none" w="med" len="med"/>
+                    </a:lnL>
+                    <a:lnR>
+                      <a:noFill/>
+                    </a:lnR>
+                    <a:lnT w="6350" cap="flat" cmpd="sng" algn="ctr">
+                      <a:solidFill>
+                        <a:schemeClr val="tx1"/>
+                      </a:solidFill>
+                      <a:prstDash val="solid"/>
+                      <a:round/>
+                      <a:headEnd type="none" w="med" len="med"/>
+                      <a:tailEnd type="none" w="med" len="med"/>
+                    </a:lnT>
+                    <a:lnB w="6350" cap="flat" cmpd="sng" algn="ctr">
+                      <a:solidFill>
+                        <a:schemeClr val="tx1"/>
+                      </a:solidFill>
+                      <a:prstDash val="solid"/>
+                      <a:round/>
+                      <a:headEnd type="none" w="med" len="med"/>
+                      <a:tailEnd type="none" w="med" len="med"/>
+                    </a:lnB>
+                  </a:tcPr>
+                </a:tc>
+                <a:extLst>
+                  <a:ext uri="{0D108BD9-81ED-4DB2-BD59-A6C34878D82A}">
+                    <a16:rowId xmlns:a16="http://schemas.microsoft.com/office/drawing/2014/main" val="1618645081"/>
+                  </a:ext>
+                </a:extLst>
+              </a:tr>
+              <a:tr h="385578">
+                <a:tc>
+                  <a:txBody>
+                    <a:bodyPr/>
+                    <a:lstStyle/>
+                    <a:p>
+                      <a:pPr algn="ctr" fontAlgn="b"/>
+                      <a:r>
+                        <a:rPr lang="en-US" sz="1400" b="0" i="0" u="none" strike="noStrike">
+                          <a:solidFill>
+                            <a:srgbClr val="000000"/>
+                          </a:solidFill>
+                          <a:effectLst/>
+                          <a:latin typeface="Calibri" panose="020F0502020204030204" pitchFamily="34" charset="0"/>
+                        </a:rPr>
+                        <a:t>mf-mor</a:t>
+                      </a:r>
+                    </a:p>
+                  </a:txBody>
+                  <a:tcPr marL="9525" marR="9525" marT="9525" marB="0" anchor="ctr">
+                    <a:lnL>
+                      <a:noFill/>
+                    </a:lnL>
+                    <a:lnR w="12700" cap="flat" cmpd="sng" algn="ctr">
+                      <a:noFill/>
+                      <a:prstDash val="solid"/>
+                      <a:round/>
+                      <a:headEnd type="none" w="med" len="med"/>
+                      <a:tailEnd type="none" w="med" len="med"/>
+                    </a:lnR>
+                    <a:lnT w="6350" cap="flat" cmpd="sng" algn="ctr">
+                      <a:solidFill>
+                        <a:schemeClr val="tx1"/>
+                      </a:solidFill>
+                      <a:prstDash val="solid"/>
+                      <a:round/>
+                      <a:headEnd type="none" w="med" len="med"/>
+                      <a:tailEnd type="none" w="med" len="med"/>
+                    </a:lnT>
+                    <a:lnB w="6350" cap="flat" cmpd="sng" algn="ctr">
+                      <a:solidFill>
+                        <a:schemeClr val="tx1"/>
+                      </a:solidFill>
+                      <a:prstDash val="solid"/>
+                      <a:round/>
+                      <a:headEnd type="none" w="med" len="med"/>
+                      <a:tailEnd type="none" w="med" len="med"/>
+                    </a:lnB>
+                  </a:tcPr>
+                </a:tc>
+                <a:tc>
+                  <a:txBody>
+                    <a:bodyPr/>
+                    <a:lstStyle/>
+                    <a:p>
+                      <a:pPr algn="ctr" fontAlgn="b"/>
+                      <a:r>
+                        <a:rPr lang="en-US" sz="1400" b="0" i="0" u="none" strike="noStrike">
+                          <a:solidFill>
+                            <a:srgbClr val="9C0006"/>
+                          </a:solidFill>
+                          <a:effectLst/>
+                          <a:latin typeface="Calibri" panose="020F0502020204030204" pitchFamily="34" charset="0"/>
+                        </a:rPr>
+                        <a:t>0.98995</a:t>
+                      </a:r>
+                    </a:p>
+                  </a:txBody>
+                  <a:tcPr marL="9525" marR="9525" marT="9525" marB="0" anchor="ctr">
+                    <a:lnL w="12700" cap="flat" cmpd="sng" algn="ctr">
+                      <a:noFill/>
+                      <a:prstDash val="solid"/>
+                      <a:round/>
+                      <a:headEnd type="none" w="med" len="med"/>
+                      <a:tailEnd type="none" w="med" len="med"/>
+                    </a:lnL>
+                    <a:lnR w="12700" cap="flat" cmpd="sng" algn="ctr">
+                      <a:noFill/>
+                      <a:prstDash val="solid"/>
+                      <a:round/>
+                      <a:headEnd type="none" w="med" len="med"/>
+                      <a:tailEnd type="none" w="med" len="med"/>
+                    </a:lnR>
+                    <a:lnT w="6350" cap="flat" cmpd="sng" algn="ctr">
+                      <a:solidFill>
+                        <a:schemeClr val="tx1"/>
+                      </a:solidFill>
+                      <a:prstDash val="solid"/>
+                      <a:round/>
+                      <a:headEnd type="none" w="med" len="med"/>
+                      <a:tailEnd type="none" w="med" len="med"/>
+                    </a:lnT>
+                    <a:lnB w="6350" cap="flat" cmpd="sng" algn="ctr">
+                      <a:solidFill>
+                        <a:schemeClr val="tx1"/>
+                      </a:solidFill>
+                      <a:prstDash val="solid"/>
+                      <a:round/>
+                      <a:headEnd type="none" w="med" len="med"/>
+                      <a:tailEnd type="none" w="med" len="med"/>
+                    </a:lnB>
+                    <a:solidFill>
+                      <a:srgbClr val="FFC7CE"/>
+                    </a:solidFill>
+                  </a:tcPr>
+                </a:tc>
+                <a:tc>
+                  <a:txBody>
+                    <a:bodyPr/>
+                    <a:lstStyle/>
+                    <a:p>
+                      <a:pPr algn="ctr" fontAlgn="b"/>
+                      <a:r>
+                        <a:rPr lang="en-US" sz="1400" b="0" i="0" u="none" strike="noStrike">
+                          <a:solidFill>
+                            <a:srgbClr val="000000"/>
+                          </a:solidFill>
+                          <a:effectLst/>
+                          <a:latin typeface="Calibri" panose="020F0502020204030204" pitchFamily="34" charset="0"/>
+                        </a:rPr>
+                        <a:t>0.963855</a:t>
+                      </a:r>
+                    </a:p>
+                  </a:txBody>
+                  <a:tcPr marL="9525" marR="9525" marT="9525" marB="0" anchor="ctr">
+                    <a:lnL w="12700" cap="flat" cmpd="sng" algn="ctr">
+                      <a:noFill/>
+                      <a:prstDash val="solid"/>
+                      <a:round/>
+                      <a:headEnd type="none" w="med" len="med"/>
+                      <a:tailEnd type="none" w="med" len="med"/>
+                    </a:lnL>
+                    <a:lnR w="12700" cap="flat" cmpd="sng" algn="ctr">
+                      <a:noFill/>
+                      <a:prstDash val="solid"/>
+                      <a:round/>
+                      <a:headEnd type="none" w="med" len="med"/>
+                      <a:tailEnd type="none" w="med" len="med"/>
+                    </a:lnR>
+                    <a:lnT w="6350" cap="flat" cmpd="sng" algn="ctr">
+                      <a:solidFill>
+                        <a:schemeClr val="tx1"/>
+                      </a:solidFill>
+                      <a:prstDash val="solid"/>
+                      <a:round/>
+                      <a:headEnd type="none" w="med" len="med"/>
+                      <a:tailEnd type="none" w="med" len="med"/>
+                    </a:lnT>
+                    <a:lnB w="6350" cap="flat" cmpd="sng" algn="ctr">
+                      <a:solidFill>
+                        <a:schemeClr val="tx1"/>
+                      </a:solidFill>
+                      <a:prstDash val="solid"/>
+                      <a:round/>
+                      <a:headEnd type="none" w="med" len="med"/>
+                      <a:tailEnd type="none" w="med" len="med"/>
+                    </a:lnB>
+                  </a:tcPr>
+                </a:tc>
+                <a:tc>
+                  <a:txBody>
+                    <a:bodyPr/>
+                    <a:lstStyle/>
+                    <a:p>
+                      <a:pPr algn="ctr" fontAlgn="b"/>
+                      <a:r>
+                        <a:rPr lang="en-US" sz="1400" b="0" i="0" u="none" strike="noStrike" dirty="0">
+                          <a:solidFill>
+                            <a:srgbClr val="9C0006"/>
+                          </a:solidFill>
+                          <a:effectLst/>
+                          <a:latin typeface="Calibri" panose="020F0502020204030204" pitchFamily="34" charset="0"/>
+                        </a:rPr>
+                        <a:t>0.98995</a:t>
+                      </a:r>
+                    </a:p>
+                  </a:txBody>
+                  <a:tcPr marL="9525" marR="9525" marT="9525" marB="0" anchor="ctr">
+                    <a:lnL w="12700" cap="flat" cmpd="sng" algn="ctr">
+                      <a:noFill/>
+                      <a:prstDash val="solid"/>
+                      <a:round/>
+                      <a:headEnd type="none" w="med" len="med"/>
+                      <a:tailEnd type="none" w="med" len="med"/>
+                    </a:lnL>
+                    <a:lnR w="12700" cap="flat" cmpd="sng" algn="ctr">
+                      <a:noFill/>
+                      <a:prstDash val="solid"/>
+                      <a:round/>
+                      <a:headEnd type="none" w="med" len="med"/>
+                      <a:tailEnd type="none" w="med" len="med"/>
+                    </a:lnR>
+                    <a:lnT w="6350" cap="flat" cmpd="sng" algn="ctr">
+                      <a:solidFill>
+                        <a:schemeClr val="tx1"/>
+                      </a:solidFill>
+                      <a:prstDash val="solid"/>
+                      <a:round/>
+                      <a:headEnd type="none" w="med" len="med"/>
+                      <a:tailEnd type="none" w="med" len="med"/>
+                    </a:lnT>
+                    <a:lnB w="6350" cap="flat" cmpd="sng" algn="ctr">
+                      <a:solidFill>
+                        <a:schemeClr val="tx1"/>
+                      </a:solidFill>
+                      <a:prstDash val="solid"/>
+                      <a:round/>
+                      <a:headEnd type="none" w="med" len="med"/>
+                      <a:tailEnd type="none" w="med" len="med"/>
+                    </a:lnB>
+                    <a:solidFill>
+                      <a:srgbClr val="FFC7CE"/>
+                    </a:solidFill>
+                  </a:tcPr>
+                </a:tc>
+                <a:tc>
+                  <a:txBody>
+                    <a:bodyPr/>
+                    <a:lstStyle/>
+                    <a:p>
+                      <a:pPr algn="ctr" fontAlgn="b"/>
+                      <a:r>
+                        <a:rPr lang="en-US" sz="1400" b="0" i="0" u="none" strike="noStrike" dirty="0">
+                          <a:solidFill>
+                            <a:srgbClr val="000000"/>
+                          </a:solidFill>
+                          <a:effectLst/>
+                          <a:latin typeface="Calibri" panose="020F0502020204030204" pitchFamily="34" charset="0"/>
+                        </a:rPr>
+                        <a:t>0.987469</a:t>
+                      </a:r>
+                    </a:p>
+                  </a:txBody>
+                  <a:tcPr marL="9525" marR="9525" marT="9525" marB="0" anchor="ctr">
+                    <a:lnL w="12700" cap="flat" cmpd="sng" algn="ctr">
+                      <a:noFill/>
+                      <a:prstDash val="solid"/>
+                      <a:round/>
+                      <a:headEnd type="none" w="med" len="med"/>
+                      <a:tailEnd type="none" w="med" len="med"/>
+                    </a:lnL>
+                    <a:lnR w="12700" cap="flat" cmpd="sng" algn="ctr">
+                      <a:noFill/>
+                      <a:prstDash val="solid"/>
+                      <a:round/>
+                      <a:headEnd type="none" w="med" len="med"/>
+                      <a:tailEnd type="none" w="med" len="med"/>
+                    </a:lnR>
+                    <a:lnT w="6350" cap="flat" cmpd="sng" algn="ctr">
+                      <a:solidFill>
+                        <a:schemeClr val="tx1"/>
+                      </a:solidFill>
+                      <a:prstDash val="solid"/>
+                      <a:round/>
+                      <a:headEnd type="none" w="med" len="med"/>
+                      <a:tailEnd type="none" w="med" len="med"/>
+                    </a:lnT>
+                    <a:lnB w="6350" cap="flat" cmpd="sng" algn="ctr">
+                      <a:solidFill>
+                        <a:schemeClr val="tx1"/>
+                      </a:solidFill>
+                      <a:prstDash val="solid"/>
+                      <a:round/>
+                      <a:headEnd type="none" w="med" len="med"/>
+                      <a:tailEnd type="none" w="med" len="med"/>
+                    </a:lnB>
+                  </a:tcPr>
+                </a:tc>
+                <a:tc>
+                  <a:txBody>
+                    <a:bodyPr/>
+                    <a:lstStyle/>
+                    <a:p>
+                      <a:pPr algn="ctr" fontAlgn="b"/>
+                      <a:r>
+                        <a:rPr lang="en-US" sz="1400" b="0" i="0" u="none" strike="noStrike">
+                          <a:solidFill>
+                            <a:srgbClr val="000000"/>
+                          </a:solidFill>
+                          <a:effectLst/>
+                          <a:latin typeface="Calibri" panose="020F0502020204030204" pitchFamily="34" charset="0"/>
+                        </a:rPr>
+                        <a:t>0.857143</a:t>
+                      </a:r>
+                    </a:p>
+                  </a:txBody>
+                  <a:tcPr marL="9525" marR="9525" marT="9525" marB="0" anchor="ctr">
+                    <a:lnL w="12700" cap="flat" cmpd="sng" algn="ctr">
+                      <a:noFill/>
+                      <a:prstDash val="solid"/>
+                      <a:round/>
+                      <a:headEnd type="none" w="med" len="med"/>
+                      <a:tailEnd type="none" w="med" len="med"/>
+                    </a:lnL>
+                    <a:lnR w="12700" cap="flat" cmpd="sng" algn="ctr">
+                      <a:noFill/>
+                      <a:prstDash val="solid"/>
+                      <a:round/>
+                      <a:headEnd type="none" w="med" len="med"/>
+                      <a:tailEnd type="none" w="med" len="med"/>
+                    </a:lnR>
+                    <a:lnT w="6350" cap="flat" cmpd="sng" algn="ctr">
+                      <a:solidFill>
+                        <a:schemeClr val="tx1"/>
+                      </a:solidFill>
+                      <a:prstDash val="solid"/>
+                      <a:round/>
+                      <a:headEnd type="none" w="med" len="med"/>
+                      <a:tailEnd type="none" w="med" len="med"/>
+                    </a:lnT>
+                    <a:lnB w="6350" cap="flat" cmpd="sng" algn="ctr">
+                      <a:solidFill>
+                        <a:schemeClr val="tx1"/>
+                      </a:solidFill>
+                      <a:prstDash val="solid"/>
+                      <a:round/>
+                      <a:headEnd type="none" w="med" len="med"/>
+                      <a:tailEnd type="none" w="med" len="med"/>
+                    </a:lnB>
+                  </a:tcPr>
+                </a:tc>
+                <a:tc>
+                  <a:txBody>
+                    <a:bodyPr/>
+                    <a:lstStyle/>
+                    <a:p>
+                      <a:pPr algn="ctr" fontAlgn="b"/>
+                      <a:r>
+                        <a:rPr lang="en-US" sz="1400" b="0" i="0" u="none" strike="noStrike" dirty="0">
+                          <a:solidFill>
+                            <a:srgbClr val="000000"/>
+                          </a:solidFill>
+                          <a:effectLst/>
+                          <a:latin typeface="Calibri" panose="020F0502020204030204" pitchFamily="34" charset="0"/>
+                        </a:rPr>
+                        <a:t>0.1</a:t>
+                      </a:r>
+                    </a:p>
+                  </a:txBody>
+                  <a:tcPr marL="9525" marR="9525" marT="9525" marB="0" anchor="ctr">
+                    <a:lnL w="12700" cap="flat" cmpd="sng" algn="ctr">
+                      <a:noFill/>
+                      <a:prstDash val="solid"/>
+                      <a:round/>
+                      <a:headEnd type="none" w="med" len="med"/>
+                      <a:tailEnd type="none" w="med" len="med"/>
+                    </a:lnL>
+                    <a:lnR w="12700" cap="flat" cmpd="sng" algn="ctr">
+                      <a:noFill/>
+                      <a:prstDash val="solid"/>
+                      <a:round/>
+                      <a:headEnd type="none" w="med" len="med"/>
+                      <a:tailEnd type="none" w="med" len="med"/>
+                    </a:lnR>
+                    <a:lnT w="6350" cap="flat" cmpd="sng" algn="ctr">
+                      <a:solidFill>
+                        <a:schemeClr val="tx1"/>
+                      </a:solidFill>
+                      <a:prstDash val="solid"/>
+                      <a:round/>
+                      <a:headEnd type="none" w="med" len="med"/>
+                      <a:tailEnd type="none" w="med" len="med"/>
+                    </a:lnT>
+                    <a:lnB w="6350" cap="flat" cmpd="sng" algn="ctr">
+                      <a:solidFill>
+                        <a:schemeClr val="tx1"/>
+                      </a:solidFill>
+                      <a:prstDash val="solid"/>
+                      <a:round/>
+                      <a:headEnd type="none" w="med" len="med"/>
+                      <a:tailEnd type="none" w="med" len="med"/>
+                    </a:lnB>
+                  </a:tcPr>
+                </a:tc>
+                <a:tc>
+                  <a:txBody>
+                    <a:bodyPr/>
+                    <a:lstStyle/>
+                    <a:p>
+                      <a:pPr algn="ctr" fontAlgn="b"/>
+                      <a:r>
+                        <a:rPr lang="en-US" sz="1400" b="0" i="0" u="none" strike="noStrike">
+                          <a:solidFill>
+                            <a:srgbClr val="000000"/>
+                          </a:solidFill>
+                          <a:effectLst/>
+                          <a:latin typeface="Calibri" panose="020F0502020204030204" pitchFamily="34" charset="0"/>
+                        </a:rPr>
+                        <a:t>0.015</a:t>
+                      </a:r>
+                    </a:p>
+                  </a:txBody>
+                  <a:tcPr marL="9525" marR="9525" marT="9525" marB="0" anchor="ctr">
+                    <a:lnL w="12700" cap="flat" cmpd="sng" algn="ctr">
+                      <a:noFill/>
+                      <a:prstDash val="solid"/>
+                      <a:round/>
+                      <a:headEnd type="none" w="med" len="med"/>
+                      <a:tailEnd type="none" w="med" len="med"/>
+                    </a:lnL>
+                    <a:lnR w="12700" cap="flat" cmpd="sng" algn="ctr">
+                      <a:noFill/>
+                      <a:prstDash val="solid"/>
+                      <a:round/>
+                      <a:headEnd type="none" w="med" len="med"/>
+                      <a:tailEnd type="none" w="med" len="med"/>
+                    </a:lnR>
+                    <a:lnT w="6350" cap="flat" cmpd="sng" algn="ctr">
+                      <a:solidFill>
+                        <a:schemeClr val="tx1"/>
+                      </a:solidFill>
+                      <a:prstDash val="solid"/>
+                      <a:round/>
+                      <a:headEnd type="none" w="med" len="med"/>
+                      <a:tailEnd type="none" w="med" len="med"/>
+                    </a:lnT>
+                    <a:lnB w="6350" cap="flat" cmpd="sng" algn="ctr">
+                      <a:solidFill>
+                        <a:schemeClr val="tx1"/>
+                      </a:solidFill>
+                      <a:prstDash val="solid"/>
+                      <a:round/>
+                      <a:headEnd type="none" w="med" len="med"/>
+                      <a:tailEnd type="none" w="med" len="med"/>
+                    </a:lnB>
+                  </a:tcPr>
+                </a:tc>
+                <a:tc>
+                  <a:txBody>
+                    <a:bodyPr/>
+                    <a:lstStyle/>
+                    <a:p>
+                      <a:pPr algn="ctr" fontAlgn="b"/>
+                      <a:endParaRPr lang="en-US" sz="1400" b="0" i="0" u="none" strike="noStrike">
+                        <a:solidFill>
+                          <a:srgbClr val="000000"/>
+                        </a:solidFill>
+                        <a:effectLst/>
+                        <a:latin typeface="Calibri" panose="020F0502020204030204" pitchFamily="34" charset="0"/>
+                      </a:endParaRPr>
+                    </a:p>
+                  </a:txBody>
+                  <a:tcPr marL="9525" marR="9525" marT="9525" marB="0" anchor="ctr">
+                    <a:lnL w="12700" cap="flat" cmpd="sng" algn="ctr">
+                      <a:noFill/>
+                      <a:prstDash val="solid"/>
+                      <a:round/>
+                      <a:headEnd type="none" w="med" len="med"/>
+                      <a:tailEnd type="none" w="med" len="med"/>
+                    </a:lnL>
+                    <a:lnR>
+                      <a:noFill/>
+                    </a:lnR>
+                    <a:lnT w="6350" cap="flat" cmpd="sng" algn="ctr">
+                      <a:solidFill>
+                        <a:schemeClr val="tx1"/>
+                      </a:solidFill>
+                      <a:prstDash val="solid"/>
+                      <a:round/>
+                      <a:headEnd type="none" w="med" len="med"/>
+                      <a:tailEnd type="none" w="med" len="med"/>
+                    </a:lnT>
+                    <a:lnB w="6350" cap="flat" cmpd="sng" algn="ctr">
+                      <a:solidFill>
+                        <a:schemeClr val="tx1"/>
+                      </a:solidFill>
+                      <a:prstDash val="solid"/>
+                      <a:round/>
+                      <a:headEnd type="none" w="med" len="med"/>
+                      <a:tailEnd type="none" w="med" len="med"/>
+                    </a:lnB>
+                  </a:tcPr>
+                </a:tc>
+                <a:extLst>
+                  <a:ext uri="{0D108BD9-81ED-4DB2-BD59-A6C34878D82A}">
+                    <a16:rowId xmlns:a16="http://schemas.microsoft.com/office/drawing/2014/main" val="4145498615"/>
+                  </a:ext>
+                </a:extLst>
+              </a:tr>
+              <a:tr h="385578">
+                <a:tc>
+                  <a:txBody>
+                    <a:bodyPr/>
+                    <a:lstStyle/>
+                    <a:p>
+                      <a:pPr algn="ctr" fontAlgn="b"/>
+                      <a:r>
+                        <a:rPr lang="en-US" sz="1400" b="0" i="0" u="none" strike="noStrike">
+                          <a:solidFill>
+                            <a:srgbClr val="000000"/>
+                          </a:solidFill>
+                          <a:effectLst/>
+                          <a:latin typeface="Calibri" panose="020F0502020204030204" pitchFamily="34" charset="0"/>
+                        </a:rPr>
+                        <a:t>mf-zer</a:t>
+                      </a:r>
+                    </a:p>
+                  </a:txBody>
+                  <a:tcPr marL="9525" marR="9525" marT="9525" marB="0" anchor="ctr">
+                    <a:lnL>
+                      <a:noFill/>
+                    </a:lnL>
+                    <a:lnR w="12700" cap="flat" cmpd="sng" algn="ctr">
+                      <a:noFill/>
+                      <a:prstDash val="solid"/>
+                      <a:round/>
+                      <a:headEnd type="none" w="med" len="med"/>
+                      <a:tailEnd type="none" w="med" len="med"/>
+                    </a:lnR>
+                    <a:lnT w="6350" cap="flat" cmpd="sng" algn="ctr">
+                      <a:solidFill>
+                        <a:schemeClr val="tx1"/>
+                      </a:solidFill>
+                      <a:prstDash val="solid"/>
+                      <a:round/>
+                      <a:headEnd type="none" w="med" len="med"/>
+                      <a:tailEnd type="none" w="med" len="med"/>
+                    </a:lnT>
+                    <a:lnB w="6350" cap="flat" cmpd="sng" algn="ctr">
+                      <a:solidFill>
+                        <a:schemeClr val="tx1"/>
+                      </a:solidFill>
+                      <a:prstDash val="solid"/>
+                      <a:round/>
+                      <a:headEnd type="none" w="med" len="med"/>
+                      <a:tailEnd type="none" w="med" len="med"/>
+                    </a:lnB>
+                  </a:tcPr>
+                </a:tc>
+                <a:tc>
+                  <a:txBody>
+                    <a:bodyPr/>
+                    <a:lstStyle/>
+                    <a:p>
+                      <a:pPr algn="ctr" fontAlgn="b"/>
+                      <a:r>
+                        <a:rPr lang="en-US" sz="1400" b="0" i="0" u="none" strike="noStrike">
+                          <a:solidFill>
+                            <a:srgbClr val="000000"/>
+                          </a:solidFill>
+                          <a:effectLst/>
+                          <a:latin typeface="Calibri" panose="020F0502020204030204" pitchFamily="34" charset="0"/>
+                        </a:rPr>
+                        <a:t>0.943878</a:t>
+                      </a:r>
+                    </a:p>
+                  </a:txBody>
+                  <a:tcPr marL="9525" marR="9525" marT="9525" marB="0" anchor="ctr">
+                    <a:lnL w="12700" cap="flat" cmpd="sng" algn="ctr">
+                      <a:noFill/>
+                      <a:prstDash val="solid"/>
+                      <a:round/>
+                      <a:headEnd type="none" w="med" len="med"/>
+                      <a:tailEnd type="none" w="med" len="med"/>
+                    </a:lnL>
+                    <a:lnR w="12700" cap="flat" cmpd="sng" algn="ctr">
+                      <a:noFill/>
+                      <a:prstDash val="solid"/>
+                      <a:round/>
+                      <a:headEnd type="none" w="med" len="med"/>
+                      <a:tailEnd type="none" w="med" len="med"/>
+                    </a:lnR>
+                    <a:lnT w="6350" cap="flat" cmpd="sng" algn="ctr">
+                      <a:solidFill>
+                        <a:schemeClr val="tx1"/>
+                      </a:solidFill>
+                      <a:prstDash val="solid"/>
+                      <a:round/>
+                      <a:headEnd type="none" w="med" len="med"/>
+                      <a:tailEnd type="none" w="med" len="med"/>
+                    </a:lnT>
+                    <a:lnB w="6350" cap="flat" cmpd="sng" algn="ctr">
+                      <a:solidFill>
+                        <a:schemeClr val="tx1"/>
+                      </a:solidFill>
+                      <a:prstDash val="solid"/>
+                      <a:round/>
+                      <a:headEnd type="none" w="med" len="med"/>
+                      <a:tailEnd type="none" w="med" len="med"/>
+                    </a:lnB>
+                  </a:tcPr>
+                </a:tc>
+                <a:tc>
+                  <a:txBody>
+                    <a:bodyPr/>
+                    <a:lstStyle/>
+                    <a:p>
+                      <a:pPr algn="ctr" fontAlgn="b"/>
+                      <a:r>
+                        <a:rPr lang="en-US" sz="1400" b="0" i="0" u="none" strike="noStrike">
+                          <a:solidFill>
+                            <a:srgbClr val="9C0006"/>
+                          </a:solidFill>
+                          <a:effectLst/>
+                          <a:latin typeface="Calibri" panose="020F0502020204030204" pitchFamily="34" charset="0"/>
+                        </a:rPr>
+                        <a:t>0.949881</a:t>
+                      </a:r>
+                    </a:p>
+                  </a:txBody>
+                  <a:tcPr marL="9525" marR="9525" marT="9525" marB="0" anchor="ctr">
+                    <a:lnL w="12700" cap="flat" cmpd="sng" algn="ctr">
+                      <a:noFill/>
+                      <a:prstDash val="solid"/>
+                      <a:round/>
+                      <a:headEnd type="none" w="med" len="med"/>
+                      <a:tailEnd type="none" w="med" len="med"/>
+                    </a:lnL>
+                    <a:lnR w="12700" cap="flat" cmpd="sng" algn="ctr">
+                      <a:noFill/>
+                      <a:prstDash val="solid"/>
+                      <a:round/>
+                      <a:headEnd type="none" w="med" len="med"/>
+                      <a:tailEnd type="none" w="med" len="med"/>
+                    </a:lnR>
+                    <a:lnT w="6350" cap="flat" cmpd="sng" algn="ctr">
+                      <a:solidFill>
+                        <a:schemeClr val="tx1"/>
+                      </a:solidFill>
+                      <a:prstDash val="solid"/>
+                      <a:round/>
+                      <a:headEnd type="none" w="med" len="med"/>
+                      <a:tailEnd type="none" w="med" len="med"/>
+                    </a:lnT>
+                    <a:lnB w="6350" cap="flat" cmpd="sng" algn="ctr">
+                      <a:solidFill>
+                        <a:schemeClr val="tx1"/>
+                      </a:solidFill>
+                      <a:prstDash val="solid"/>
+                      <a:round/>
+                      <a:headEnd type="none" w="med" len="med"/>
+                      <a:tailEnd type="none" w="med" len="med"/>
+                    </a:lnB>
+                    <a:solidFill>
+                      <a:srgbClr val="FFC7CE"/>
+                    </a:solidFill>
+                  </a:tcPr>
+                </a:tc>
+                <a:tc>
+                  <a:txBody>
+                    <a:bodyPr/>
+                    <a:lstStyle/>
+                    <a:p>
+                      <a:pPr algn="ctr" fontAlgn="b"/>
+                      <a:r>
+                        <a:rPr lang="en-US" sz="1400" b="0" i="0" u="none" strike="noStrike">
+                          <a:solidFill>
+                            <a:srgbClr val="000000"/>
+                          </a:solidFill>
+                          <a:effectLst/>
+                          <a:latin typeface="Calibri" panose="020F0502020204030204" pitchFamily="34" charset="0"/>
+                        </a:rPr>
+                        <a:t>0.942356</a:t>
+                      </a:r>
+                    </a:p>
+                  </a:txBody>
+                  <a:tcPr marL="9525" marR="9525" marT="9525" marB="0" anchor="ctr">
+                    <a:lnL w="12700" cap="flat" cmpd="sng" algn="ctr">
+                      <a:noFill/>
+                      <a:prstDash val="solid"/>
+                      <a:round/>
+                      <a:headEnd type="none" w="med" len="med"/>
+                      <a:tailEnd type="none" w="med" len="med"/>
+                    </a:lnL>
+                    <a:lnR w="12700" cap="flat" cmpd="sng" algn="ctr">
+                      <a:noFill/>
+                      <a:prstDash val="solid"/>
+                      <a:round/>
+                      <a:headEnd type="none" w="med" len="med"/>
+                      <a:tailEnd type="none" w="med" len="med"/>
+                    </a:lnR>
+                    <a:lnT w="6350" cap="flat" cmpd="sng" algn="ctr">
+                      <a:solidFill>
+                        <a:schemeClr val="tx1"/>
+                      </a:solidFill>
+                      <a:prstDash val="solid"/>
+                      <a:round/>
+                      <a:headEnd type="none" w="med" len="med"/>
+                      <a:tailEnd type="none" w="med" len="med"/>
+                    </a:lnT>
+                    <a:lnB w="6350" cap="flat" cmpd="sng" algn="ctr">
+                      <a:solidFill>
+                        <a:schemeClr val="tx1"/>
+                      </a:solidFill>
+                      <a:prstDash val="solid"/>
+                      <a:round/>
+                      <a:headEnd type="none" w="med" len="med"/>
+                      <a:tailEnd type="none" w="med" len="med"/>
+                    </a:lnB>
+                  </a:tcPr>
+                </a:tc>
+                <a:tc>
+                  <a:txBody>
+                    <a:bodyPr/>
+                    <a:lstStyle/>
+                    <a:p>
+                      <a:pPr algn="ctr" fontAlgn="b"/>
+                      <a:r>
+                        <a:rPr lang="en-US" sz="1400" b="0" i="0" u="none" strike="noStrike" dirty="0">
+                          <a:solidFill>
+                            <a:srgbClr val="000000"/>
+                          </a:solidFill>
+                          <a:effectLst/>
+                          <a:latin typeface="Calibri" panose="020F0502020204030204" pitchFamily="34" charset="0"/>
+                        </a:rPr>
+                        <a:t>0.944724</a:t>
+                      </a:r>
+                    </a:p>
+                  </a:txBody>
+                  <a:tcPr marL="9525" marR="9525" marT="9525" marB="0" anchor="ctr">
+                    <a:lnL w="12700" cap="flat" cmpd="sng" algn="ctr">
+                      <a:noFill/>
+                      <a:prstDash val="solid"/>
+                      <a:round/>
+                      <a:headEnd type="none" w="med" len="med"/>
+                      <a:tailEnd type="none" w="med" len="med"/>
+                    </a:lnL>
+                    <a:lnR w="12700" cap="flat" cmpd="sng" algn="ctr">
+                      <a:noFill/>
+                      <a:prstDash val="solid"/>
+                      <a:round/>
+                      <a:headEnd type="none" w="med" len="med"/>
+                      <a:tailEnd type="none" w="med" len="med"/>
+                    </a:lnR>
+                    <a:lnT w="6350" cap="flat" cmpd="sng" algn="ctr">
+                      <a:solidFill>
+                        <a:schemeClr val="tx1"/>
+                      </a:solidFill>
+                      <a:prstDash val="solid"/>
+                      <a:round/>
+                      <a:headEnd type="none" w="med" len="med"/>
+                      <a:tailEnd type="none" w="med" len="med"/>
+                    </a:lnT>
+                    <a:lnB w="6350" cap="flat" cmpd="sng" algn="ctr">
+                      <a:solidFill>
+                        <a:schemeClr val="tx1"/>
+                      </a:solidFill>
+                      <a:prstDash val="solid"/>
+                      <a:round/>
+                      <a:headEnd type="none" w="med" len="med"/>
+                      <a:tailEnd type="none" w="med" len="med"/>
+                    </a:lnB>
+                  </a:tcPr>
+                </a:tc>
+                <a:tc>
+                  <a:txBody>
+                    <a:bodyPr/>
+                    <a:lstStyle/>
+                    <a:p>
+                      <a:pPr algn="ctr" fontAlgn="b"/>
+                      <a:r>
+                        <a:rPr lang="en-US" sz="1400" b="0" i="0" u="none" strike="noStrike">
+                          <a:solidFill>
+                            <a:srgbClr val="000000"/>
+                          </a:solidFill>
+                          <a:effectLst/>
+                          <a:latin typeface="Calibri" panose="020F0502020204030204" pitchFamily="34" charset="0"/>
+                        </a:rPr>
+                        <a:t>0.668874</a:t>
+                      </a:r>
+                    </a:p>
+                  </a:txBody>
+                  <a:tcPr marL="9525" marR="9525" marT="9525" marB="0" anchor="ctr">
+                    <a:lnL w="12700" cap="flat" cmpd="sng" algn="ctr">
+                      <a:noFill/>
+                      <a:prstDash val="solid"/>
+                      <a:round/>
+                      <a:headEnd type="none" w="med" len="med"/>
+                      <a:tailEnd type="none" w="med" len="med"/>
+                    </a:lnL>
+                    <a:lnR w="12700" cap="flat" cmpd="sng" algn="ctr">
+                      <a:noFill/>
+                      <a:prstDash val="solid"/>
+                      <a:round/>
+                      <a:headEnd type="none" w="med" len="med"/>
+                      <a:tailEnd type="none" w="med" len="med"/>
+                    </a:lnR>
+                    <a:lnT w="6350" cap="flat" cmpd="sng" algn="ctr">
+                      <a:solidFill>
+                        <a:schemeClr val="tx1"/>
+                      </a:solidFill>
+                      <a:prstDash val="solid"/>
+                      <a:round/>
+                      <a:headEnd type="none" w="med" len="med"/>
+                      <a:tailEnd type="none" w="med" len="med"/>
+                    </a:lnT>
+                    <a:lnB w="6350" cap="flat" cmpd="sng" algn="ctr">
+                      <a:solidFill>
+                        <a:schemeClr val="tx1"/>
+                      </a:solidFill>
+                      <a:prstDash val="solid"/>
+                      <a:round/>
+                      <a:headEnd type="none" w="med" len="med"/>
+                      <a:tailEnd type="none" w="med" len="med"/>
+                    </a:lnB>
+                  </a:tcPr>
+                </a:tc>
+                <a:tc>
+                  <a:txBody>
+                    <a:bodyPr/>
+                    <a:lstStyle/>
+                    <a:p>
+                      <a:pPr algn="ctr" fontAlgn="b"/>
+                      <a:r>
+                        <a:rPr lang="en-US" sz="1400" b="0" i="0" u="none" strike="noStrike">
+                          <a:solidFill>
+                            <a:srgbClr val="000000"/>
+                          </a:solidFill>
+                          <a:effectLst/>
+                          <a:latin typeface="Calibri" panose="020F0502020204030204" pitchFamily="34" charset="0"/>
+                        </a:rPr>
+                        <a:t>0.1</a:t>
+                      </a:r>
+                    </a:p>
+                  </a:txBody>
+                  <a:tcPr marL="9525" marR="9525" marT="9525" marB="0" anchor="ctr">
+                    <a:lnL w="12700" cap="flat" cmpd="sng" algn="ctr">
+                      <a:noFill/>
+                      <a:prstDash val="solid"/>
+                      <a:round/>
+                      <a:headEnd type="none" w="med" len="med"/>
+                      <a:tailEnd type="none" w="med" len="med"/>
+                    </a:lnL>
+                    <a:lnR w="12700" cap="flat" cmpd="sng" algn="ctr">
+                      <a:noFill/>
+                      <a:prstDash val="solid"/>
+                      <a:round/>
+                      <a:headEnd type="none" w="med" len="med"/>
+                      <a:tailEnd type="none" w="med" len="med"/>
+                    </a:lnR>
+                    <a:lnT w="6350" cap="flat" cmpd="sng" algn="ctr">
+                      <a:solidFill>
+                        <a:schemeClr val="tx1"/>
+                      </a:solidFill>
+                      <a:prstDash val="solid"/>
+                      <a:round/>
+                      <a:headEnd type="none" w="med" len="med"/>
+                      <a:tailEnd type="none" w="med" len="med"/>
+                    </a:lnT>
+                    <a:lnB w="6350" cap="flat" cmpd="sng" algn="ctr">
+                      <a:solidFill>
+                        <a:schemeClr val="tx1"/>
+                      </a:solidFill>
+                      <a:prstDash val="solid"/>
+                      <a:round/>
+                      <a:headEnd type="none" w="med" len="med"/>
+                      <a:tailEnd type="none" w="med" len="med"/>
+                    </a:lnB>
+                  </a:tcPr>
+                </a:tc>
+                <a:tc>
+                  <a:txBody>
+                    <a:bodyPr/>
+                    <a:lstStyle/>
+                    <a:p>
+                      <a:pPr algn="ctr" fontAlgn="b"/>
+                      <a:r>
+                        <a:rPr lang="en-US" sz="1400" b="0" i="0" u="none" strike="noStrike">
+                          <a:solidFill>
+                            <a:srgbClr val="000000"/>
+                          </a:solidFill>
+                          <a:effectLst/>
+                          <a:latin typeface="Calibri" panose="020F0502020204030204" pitchFamily="34" charset="0"/>
+                        </a:rPr>
+                        <a:t>0.03</a:t>
+                      </a:r>
+                    </a:p>
+                  </a:txBody>
+                  <a:tcPr marL="9525" marR="9525" marT="9525" marB="0" anchor="ctr">
+                    <a:lnL w="12700" cap="flat" cmpd="sng" algn="ctr">
+                      <a:noFill/>
+                      <a:prstDash val="solid"/>
+                      <a:round/>
+                      <a:headEnd type="none" w="med" len="med"/>
+                      <a:tailEnd type="none" w="med" len="med"/>
+                    </a:lnL>
+                    <a:lnR w="12700" cap="flat" cmpd="sng" algn="ctr">
+                      <a:noFill/>
+                      <a:prstDash val="solid"/>
+                      <a:round/>
+                      <a:headEnd type="none" w="med" len="med"/>
+                      <a:tailEnd type="none" w="med" len="med"/>
+                    </a:lnR>
+                    <a:lnT w="6350" cap="flat" cmpd="sng" algn="ctr">
+                      <a:solidFill>
+                        <a:schemeClr val="tx1"/>
+                      </a:solidFill>
+                      <a:prstDash val="solid"/>
+                      <a:round/>
+                      <a:headEnd type="none" w="med" len="med"/>
+                      <a:tailEnd type="none" w="med" len="med"/>
+                    </a:lnT>
+                    <a:lnB w="6350" cap="flat" cmpd="sng" algn="ctr">
+                      <a:solidFill>
+                        <a:schemeClr val="tx1"/>
+                      </a:solidFill>
+                      <a:prstDash val="solid"/>
+                      <a:round/>
+                      <a:headEnd type="none" w="med" len="med"/>
+                      <a:tailEnd type="none" w="med" len="med"/>
+                    </a:lnB>
+                  </a:tcPr>
+                </a:tc>
+                <a:tc>
+                  <a:txBody>
+                    <a:bodyPr/>
+                    <a:lstStyle/>
+                    <a:p>
+                      <a:pPr algn="ctr" fontAlgn="b"/>
+                      <a:endParaRPr lang="en-US" sz="1400" b="0" i="0" u="none" strike="noStrike">
+                        <a:solidFill>
+                          <a:srgbClr val="000000"/>
+                        </a:solidFill>
+                        <a:effectLst/>
+                        <a:latin typeface="Calibri" panose="020F0502020204030204" pitchFamily="34" charset="0"/>
+                      </a:endParaRPr>
+                    </a:p>
+                  </a:txBody>
+                  <a:tcPr marL="9525" marR="9525" marT="9525" marB="0" anchor="ctr">
+                    <a:lnL w="12700" cap="flat" cmpd="sng" algn="ctr">
+                      <a:noFill/>
+                      <a:prstDash val="solid"/>
+                      <a:round/>
+                      <a:headEnd type="none" w="med" len="med"/>
+                      <a:tailEnd type="none" w="med" len="med"/>
+                    </a:lnL>
+                    <a:lnR>
+                      <a:noFill/>
+                    </a:lnR>
+                    <a:lnT w="6350" cap="flat" cmpd="sng" algn="ctr">
+                      <a:solidFill>
+                        <a:schemeClr val="tx1"/>
+                      </a:solidFill>
+                      <a:prstDash val="solid"/>
+                      <a:round/>
+                      <a:headEnd type="none" w="med" len="med"/>
+                      <a:tailEnd type="none" w="med" len="med"/>
+                    </a:lnT>
+                    <a:lnB w="6350" cap="flat" cmpd="sng" algn="ctr">
+                      <a:solidFill>
+                        <a:schemeClr val="tx1"/>
+                      </a:solidFill>
+                      <a:prstDash val="solid"/>
+                      <a:round/>
+                      <a:headEnd type="none" w="med" len="med"/>
+                      <a:tailEnd type="none" w="med" len="med"/>
+                    </a:lnB>
+                  </a:tcPr>
+                </a:tc>
+                <a:extLst>
+                  <a:ext uri="{0D108BD9-81ED-4DB2-BD59-A6C34878D82A}">
+                    <a16:rowId xmlns:a16="http://schemas.microsoft.com/office/drawing/2014/main" val="1188916793"/>
+                  </a:ext>
+                </a:extLst>
+              </a:tr>
+              <a:tr h="385578">
+                <a:tc>
+                  <a:txBody>
+                    <a:bodyPr/>
+                    <a:lstStyle/>
+                    <a:p>
+                      <a:pPr algn="ctr" fontAlgn="b"/>
+                      <a:r>
+                        <a:rPr lang="en-US" sz="1400" b="0" i="0" u="none" strike="noStrike">
+                          <a:solidFill>
+                            <a:srgbClr val="000000"/>
+                          </a:solidFill>
+                          <a:effectLst/>
+                          <a:latin typeface="Calibri" panose="020F0502020204030204" pitchFamily="34" charset="0"/>
+                        </a:rPr>
+                        <a:t>pima</a:t>
+                      </a:r>
+                    </a:p>
+                  </a:txBody>
+                  <a:tcPr marL="9525" marR="9525" marT="9525" marB="0" anchor="ctr">
+                    <a:lnL>
+                      <a:noFill/>
+                    </a:lnL>
+                    <a:lnR w="12700" cap="flat" cmpd="sng" algn="ctr">
+                      <a:noFill/>
+                      <a:prstDash val="solid"/>
+                      <a:round/>
+                      <a:headEnd type="none" w="med" len="med"/>
+                      <a:tailEnd type="none" w="med" len="med"/>
+                    </a:lnR>
+                    <a:lnT w="6350" cap="flat" cmpd="sng" algn="ctr">
+                      <a:solidFill>
+                        <a:schemeClr val="tx1"/>
+                      </a:solidFill>
+                      <a:prstDash val="solid"/>
+                      <a:round/>
+                      <a:headEnd type="none" w="med" len="med"/>
+                      <a:tailEnd type="none" w="med" len="med"/>
+                    </a:lnT>
+                    <a:lnB w="6350" cap="flat" cmpd="sng" algn="ctr">
+                      <a:solidFill>
+                        <a:schemeClr val="tx1"/>
+                      </a:solidFill>
+                      <a:prstDash val="solid"/>
+                      <a:round/>
+                      <a:headEnd type="none" w="med" len="med"/>
+                      <a:tailEnd type="none" w="med" len="med"/>
+                    </a:lnB>
+                  </a:tcPr>
+                </a:tc>
+                <a:tc>
+                  <a:txBody>
+                    <a:bodyPr/>
+                    <a:lstStyle/>
+                    <a:p>
+                      <a:pPr algn="ctr" fontAlgn="b"/>
+                      <a:r>
+                        <a:rPr lang="en-US" sz="1400" b="0" i="0" u="none" strike="noStrike">
+                          <a:solidFill>
+                            <a:srgbClr val="000000"/>
+                          </a:solidFill>
+                          <a:effectLst/>
+                          <a:latin typeface="Calibri" panose="020F0502020204030204" pitchFamily="34" charset="0"/>
+                        </a:rPr>
+                        <a:t>0.633267</a:t>
+                      </a:r>
+                    </a:p>
+                  </a:txBody>
+                  <a:tcPr marL="9525" marR="9525" marT="9525" marB="0" anchor="ctr">
+                    <a:lnL w="12700" cap="flat" cmpd="sng" algn="ctr">
+                      <a:noFill/>
+                      <a:prstDash val="solid"/>
+                      <a:round/>
+                      <a:headEnd type="none" w="med" len="med"/>
+                      <a:tailEnd type="none" w="med" len="med"/>
+                    </a:lnL>
+                    <a:lnR w="12700" cap="flat" cmpd="sng" algn="ctr">
+                      <a:noFill/>
+                      <a:prstDash val="solid"/>
+                      <a:round/>
+                      <a:headEnd type="none" w="med" len="med"/>
+                      <a:tailEnd type="none" w="med" len="med"/>
+                    </a:lnR>
+                    <a:lnT w="6350" cap="flat" cmpd="sng" algn="ctr">
+                      <a:solidFill>
+                        <a:schemeClr val="tx1"/>
+                      </a:solidFill>
+                      <a:prstDash val="solid"/>
+                      <a:round/>
+                      <a:headEnd type="none" w="med" len="med"/>
+                      <a:tailEnd type="none" w="med" len="med"/>
+                    </a:lnT>
+                    <a:lnB w="6350" cap="flat" cmpd="sng" algn="ctr">
+                      <a:solidFill>
+                        <a:schemeClr val="tx1"/>
+                      </a:solidFill>
+                      <a:prstDash val="solid"/>
+                      <a:round/>
+                      <a:headEnd type="none" w="med" len="med"/>
+                      <a:tailEnd type="none" w="med" len="med"/>
+                    </a:lnB>
+                  </a:tcPr>
+                </a:tc>
+                <a:tc>
+                  <a:txBody>
+                    <a:bodyPr/>
+                    <a:lstStyle/>
+                    <a:p>
+                      <a:pPr algn="ctr" fontAlgn="b"/>
+                      <a:r>
+                        <a:rPr lang="en-US" sz="1400" b="0" i="0" u="none" strike="noStrike">
+                          <a:solidFill>
+                            <a:srgbClr val="9C0006"/>
+                          </a:solidFill>
+                          <a:effectLst/>
+                          <a:latin typeface="Calibri" panose="020F0502020204030204" pitchFamily="34" charset="0"/>
+                        </a:rPr>
+                        <a:t>0.715232</a:t>
+                      </a:r>
+                    </a:p>
+                  </a:txBody>
+                  <a:tcPr marL="9525" marR="9525" marT="9525" marB="0" anchor="ctr">
+                    <a:lnL w="12700" cap="flat" cmpd="sng" algn="ctr">
+                      <a:noFill/>
+                      <a:prstDash val="solid"/>
+                      <a:round/>
+                      <a:headEnd type="none" w="med" len="med"/>
+                      <a:tailEnd type="none" w="med" len="med"/>
+                    </a:lnL>
+                    <a:lnR w="12700" cap="flat" cmpd="sng" algn="ctr">
+                      <a:noFill/>
+                      <a:prstDash val="solid"/>
+                      <a:round/>
+                      <a:headEnd type="none" w="med" len="med"/>
+                      <a:tailEnd type="none" w="med" len="med"/>
+                    </a:lnR>
+                    <a:lnT w="6350" cap="flat" cmpd="sng" algn="ctr">
+                      <a:solidFill>
+                        <a:schemeClr val="tx1"/>
+                      </a:solidFill>
+                      <a:prstDash val="solid"/>
+                      <a:round/>
+                      <a:headEnd type="none" w="med" len="med"/>
+                      <a:tailEnd type="none" w="med" len="med"/>
+                    </a:lnT>
+                    <a:lnB w="6350" cap="flat" cmpd="sng" algn="ctr">
+                      <a:solidFill>
+                        <a:schemeClr val="tx1"/>
+                      </a:solidFill>
+                      <a:prstDash val="solid"/>
+                      <a:round/>
+                      <a:headEnd type="none" w="med" len="med"/>
+                      <a:tailEnd type="none" w="med" len="med"/>
+                    </a:lnB>
+                    <a:solidFill>
+                      <a:srgbClr val="FFC7CE"/>
+                    </a:solidFill>
+                  </a:tcPr>
+                </a:tc>
+                <a:tc>
+                  <a:txBody>
+                    <a:bodyPr/>
+                    <a:lstStyle/>
+                    <a:p>
+                      <a:pPr algn="ctr" fontAlgn="b"/>
+                      <a:r>
+                        <a:rPr lang="en-US" sz="1400" b="0" i="0" u="none" strike="noStrike">
+                          <a:solidFill>
+                            <a:srgbClr val="000000"/>
+                          </a:solidFill>
+                          <a:effectLst/>
+                          <a:latin typeface="Calibri" panose="020F0502020204030204" pitchFamily="34" charset="0"/>
+                        </a:rPr>
+                        <a:t>0.656535</a:t>
+                      </a:r>
+                    </a:p>
+                  </a:txBody>
+                  <a:tcPr marL="9525" marR="9525" marT="9525" marB="0" anchor="ctr">
+                    <a:lnL w="12700" cap="flat" cmpd="sng" algn="ctr">
+                      <a:noFill/>
+                      <a:prstDash val="solid"/>
+                      <a:round/>
+                      <a:headEnd type="none" w="med" len="med"/>
+                      <a:tailEnd type="none" w="med" len="med"/>
+                    </a:lnL>
+                    <a:lnR w="12700" cap="flat" cmpd="sng" algn="ctr">
+                      <a:noFill/>
+                      <a:prstDash val="solid"/>
+                      <a:round/>
+                      <a:headEnd type="none" w="med" len="med"/>
+                      <a:tailEnd type="none" w="med" len="med"/>
+                    </a:lnR>
+                    <a:lnT w="6350" cap="flat" cmpd="sng" algn="ctr">
+                      <a:solidFill>
+                        <a:schemeClr val="tx1"/>
+                      </a:solidFill>
+                      <a:prstDash val="solid"/>
+                      <a:round/>
+                      <a:headEnd type="none" w="med" len="med"/>
+                      <a:tailEnd type="none" w="med" len="med"/>
+                    </a:lnT>
+                    <a:lnB w="6350" cap="flat" cmpd="sng" algn="ctr">
+                      <a:solidFill>
+                        <a:schemeClr val="tx1"/>
+                      </a:solidFill>
+                      <a:prstDash val="solid"/>
+                      <a:round/>
+                      <a:headEnd type="none" w="med" len="med"/>
+                      <a:tailEnd type="none" w="med" len="med"/>
+                    </a:lnB>
+                  </a:tcPr>
+                </a:tc>
+                <a:tc>
+                  <a:txBody>
+                    <a:bodyPr/>
+                    <a:lstStyle/>
+                    <a:p>
+                      <a:pPr algn="ctr" fontAlgn="b"/>
+                      <a:r>
+                        <a:rPr lang="en-US" sz="1400" b="0" i="0" u="none" strike="noStrike">
+                          <a:solidFill>
+                            <a:srgbClr val="000000"/>
+                          </a:solidFill>
+                          <a:effectLst/>
+                          <a:latin typeface="Calibri" panose="020F0502020204030204" pitchFamily="34" charset="0"/>
+                        </a:rPr>
+                        <a:t>0.66562</a:t>
+                      </a:r>
+                    </a:p>
+                  </a:txBody>
+                  <a:tcPr marL="9525" marR="9525" marT="9525" marB="0" anchor="ctr">
+                    <a:lnL w="12700" cap="flat" cmpd="sng" algn="ctr">
+                      <a:noFill/>
+                      <a:prstDash val="solid"/>
+                      <a:round/>
+                      <a:headEnd type="none" w="med" len="med"/>
+                      <a:tailEnd type="none" w="med" len="med"/>
+                    </a:lnL>
+                    <a:lnR w="12700" cap="flat" cmpd="sng" algn="ctr">
+                      <a:noFill/>
+                      <a:prstDash val="solid"/>
+                      <a:round/>
+                      <a:headEnd type="none" w="med" len="med"/>
+                      <a:tailEnd type="none" w="med" len="med"/>
+                    </a:lnR>
+                    <a:lnT w="6350" cap="flat" cmpd="sng" algn="ctr">
+                      <a:solidFill>
+                        <a:schemeClr val="tx1"/>
+                      </a:solidFill>
+                      <a:prstDash val="solid"/>
+                      <a:round/>
+                      <a:headEnd type="none" w="med" len="med"/>
+                      <a:tailEnd type="none" w="med" len="med"/>
+                    </a:lnT>
+                    <a:lnB w="6350" cap="flat" cmpd="sng" algn="ctr">
+                      <a:solidFill>
+                        <a:schemeClr val="tx1"/>
+                      </a:solidFill>
+                      <a:prstDash val="solid"/>
+                      <a:round/>
+                      <a:headEnd type="none" w="med" len="med"/>
+                      <a:tailEnd type="none" w="med" len="med"/>
+                    </a:lnB>
+                  </a:tcPr>
+                </a:tc>
+                <a:tc>
+                  <a:txBody>
+                    <a:bodyPr/>
+                    <a:lstStyle/>
+                    <a:p>
+                      <a:pPr algn="ctr" fontAlgn="b"/>
+                      <a:r>
+                        <a:rPr lang="en-US" sz="1400" b="0" i="0" u="none" strike="noStrike" dirty="0">
+                          <a:solidFill>
+                            <a:srgbClr val="000000"/>
+                          </a:solidFill>
+                          <a:effectLst/>
+                          <a:latin typeface="Calibri" panose="020F0502020204030204" pitchFamily="34" charset="0"/>
+                        </a:rPr>
+                        <a:t>0.512658</a:t>
+                      </a:r>
+                    </a:p>
+                  </a:txBody>
+                  <a:tcPr marL="9525" marR="9525" marT="9525" marB="0" anchor="ctr">
+                    <a:lnL w="12700" cap="flat" cmpd="sng" algn="ctr">
+                      <a:noFill/>
+                      <a:prstDash val="solid"/>
+                      <a:round/>
+                      <a:headEnd type="none" w="med" len="med"/>
+                      <a:tailEnd type="none" w="med" len="med"/>
+                    </a:lnL>
+                    <a:lnR w="12700" cap="flat" cmpd="sng" algn="ctr">
+                      <a:noFill/>
+                      <a:prstDash val="solid"/>
+                      <a:round/>
+                      <a:headEnd type="none" w="med" len="med"/>
+                      <a:tailEnd type="none" w="med" len="med"/>
+                    </a:lnR>
+                    <a:lnT w="6350" cap="flat" cmpd="sng" algn="ctr">
+                      <a:solidFill>
+                        <a:schemeClr val="tx1"/>
+                      </a:solidFill>
+                      <a:prstDash val="solid"/>
+                      <a:round/>
+                      <a:headEnd type="none" w="med" len="med"/>
+                      <a:tailEnd type="none" w="med" len="med"/>
+                    </a:lnT>
+                    <a:lnB w="6350" cap="flat" cmpd="sng" algn="ctr">
+                      <a:solidFill>
+                        <a:schemeClr val="tx1"/>
+                      </a:solidFill>
+                      <a:prstDash val="solid"/>
+                      <a:round/>
+                      <a:headEnd type="none" w="med" len="med"/>
+                      <a:tailEnd type="none" w="med" len="med"/>
+                    </a:lnB>
+                  </a:tcPr>
+                </a:tc>
+                <a:tc>
+                  <a:txBody>
+                    <a:bodyPr/>
+                    <a:lstStyle/>
+                    <a:p>
+                      <a:pPr algn="ctr" fontAlgn="b"/>
+                      <a:r>
+                        <a:rPr lang="en-US" sz="1400" b="0" i="0" u="none" strike="noStrike">
+                          <a:solidFill>
+                            <a:srgbClr val="000000"/>
+                          </a:solidFill>
+                          <a:effectLst/>
+                          <a:latin typeface="Calibri" panose="020F0502020204030204" pitchFamily="34" charset="0"/>
+                        </a:rPr>
+                        <a:t>0.348958</a:t>
+                      </a:r>
+                    </a:p>
+                  </a:txBody>
+                  <a:tcPr marL="9525" marR="9525" marT="9525" marB="0" anchor="ctr">
+                    <a:lnL w="12700" cap="flat" cmpd="sng" algn="ctr">
+                      <a:noFill/>
+                      <a:prstDash val="solid"/>
+                      <a:round/>
+                      <a:headEnd type="none" w="med" len="med"/>
+                      <a:tailEnd type="none" w="med" len="med"/>
+                    </a:lnL>
+                    <a:lnR w="12700" cap="flat" cmpd="sng" algn="ctr">
+                      <a:noFill/>
+                      <a:prstDash val="solid"/>
+                      <a:round/>
+                      <a:headEnd type="none" w="med" len="med"/>
+                      <a:tailEnd type="none" w="med" len="med"/>
+                    </a:lnR>
+                    <a:lnT w="6350" cap="flat" cmpd="sng" algn="ctr">
+                      <a:solidFill>
+                        <a:schemeClr val="tx1"/>
+                      </a:solidFill>
+                      <a:prstDash val="solid"/>
+                      <a:round/>
+                      <a:headEnd type="none" w="med" len="med"/>
+                      <a:tailEnd type="none" w="med" len="med"/>
+                    </a:lnT>
+                    <a:lnB w="6350" cap="flat" cmpd="sng" algn="ctr">
+                      <a:solidFill>
+                        <a:schemeClr val="tx1"/>
+                      </a:solidFill>
+                      <a:prstDash val="solid"/>
+                      <a:round/>
+                      <a:headEnd type="none" w="med" len="med"/>
+                      <a:tailEnd type="none" w="med" len="med"/>
+                    </a:lnB>
+                  </a:tcPr>
+                </a:tc>
+                <a:tc>
+                  <a:txBody>
+                    <a:bodyPr/>
+                    <a:lstStyle/>
+                    <a:p>
+                      <a:pPr algn="ctr" fontAlgn="b"/>
+                      <a:r>
+                        <a:rPr lang="en-US" sz="1400" b="0" i="0" u="none" strike="noStrike" dirty="0">
+                          <a:solidFill>
+                            <a:srgbClr val="000000"/>
+                          </a:solidFill>
+                          <a:effectLst/>
+                          <a:latin typeface="Calibri" panose="020F0502020204030204" pitchFamily="34" charset="0"/>
+                        </a:rPr>
+                        <a:t>0.458955</a:t>
+                      </a:r>
+                    </a:p>
+                  </a:txBody>
+                  <a:tcPr marL="9525" marR="9525" marT="9525" marB="0" anchor="ctr">
+                    <a:lnL w="12700" cap="flat" cmpd="sng" algn="ctr">
+                      <a:noFill/>
+                      <a:prstDash val="solid"/>
+                      <a:round/>
+                      <a:headEnd type="none" w="med" len="med"/>
+                      <a:tailEnd type="none" w="med" len="med"/>
+                    </a:lnL>
+                    <a:lnR w="12700" cap="flat" cmpd="sng" algn="ctr">
+                      <a:noFill/>
+                      <a:prstDash val="solid"/>
+                      <a:round/>
+                      <a:headEnd type="none" w="med" len="med"/>
+                      <a:tailEnd type="none" w="med" len="med"/>
+                    </a:lnR>
+                    <a:lnT w="6350" cap="flat" cmpd="sng" algn="ctr">
+                      <a:solidFill>
+                        <a:schemeClr val="tx1"/>
+                      </a:solidFill>
+                      <a:prstDash val="solid"/>
+                      <a:round/>
+                      <a:headEnd type="none" w="med" len="med"/>
+                      <a:tailEnd type="none" w="med" len="med"/>
+                    </a:lnT>
+                    <a:lnB w="6350" cap="flat" cmpd="sng" algn="ctr">
+                      <a:solidFill>
+                        <a:schemeClr val="tx1"/>
+                      </a:solidFill>
+                      <a:prstDash val="solid"/>
+                      <a:round/>
+                      <a:headEnd type="none" w="med" len="med"/>
+                      <a:tailEnd type="none" w="med" len="med"/>
+                    </a:lnB>
+                  </a:tcPr>
+                </a:tc>
+                <a:tc>
+                  <a:txBody>
+                    <a:bodyPr/>
+                    <a:lstStyle/>
+                    <a:p>
+                      <a:pPr algn="ctr" fontAlgn="b"/>
+                      <a:endParaRPr lang="en-US" sz="1400" b="0" i="0" u="none" strike="noStrike" dirty="0">
+                        <a:solidFill>
+                          <a:srgbClr val="000000"/>
+                        </a:solidFill>
+                        <a:effectLst/>
+                        <a:latin typeface="Calibri" panose="020F0502020204030204" pitchFamily="34" charset="0"/>
+                      </a:endParaRPr>
+                    </a:p>
+                  </a:txBody>
+                  <a:tcPr marL="9525" marR="9525" marT="9525" marB="0" anchor="ctr">
+                    <a:lnL w="12700" cap="flat" cmpd="sng" algn="ctr">
+                      <a:noFill/>
+                      <a:prstDash val="solid"/>
+                      <a:round/>
+                      <a:headEnd type="none" w="med" len="med"/>
+                      <a:tailEnd type="none" w="med" len="med"/>
+                    </a:lnL>
+                    <a:lnR>
+                      <a:noFill/>
+                    </a:lnR>
+                    <a:lnT w="6350" cap="flat" cmpd="sng" algn="ctr">
+                      <a:solidFill>
+                        <a:schemeClr val="tx1"/>
+                      </a:solidFill>
+                      <a:prstDash val="solid"/>
+                      <a:round/>
+                      <a:headEnd type="none" w="med" len="med"/>
+                      <a:tailEnd type="none" w="med" len="med"/>
+                    </a:lnT>
+                    <a:lnB w="6350" cap="flat" cmpd="sng" algn="ctr">
+                      <a:solidFill>
+                        <a:schemeClr val="tx1"/>
+                      </a:solidFill>
+                      <a:prstDash val="solid"/>
+                      <a:round/>
+                      <a:headEnd type="none" w="med" len="med"/>
+                      <a:tailEnd type="none" w="med" len="med"/>
+                    </a:lnB>
+                  </a:tcPr>
+                </a:tc>
+                <a:extLst>
+                  <a:ext uri="{0D108BD9-81ED-4DB2-BD59-A6C34878D82A}">
+                    <a16:rowId xmlns:a16="http://schemas.microsoft.com/office/drawing/2014/main" val="3844704284"/>
+                  </a:ext>
+                </a:extLst>
+              </a:tr>
+              <a:tr h="385578">
+                <a:tc>
+                  <a:txBody>
+                    <a:bodyPr/>
+                    <a:lstStyle/>
+                    <a:p>
+                      <a:pPr algn="ctr" fontAlgn="b"/>
+                      <a:r>
+                        <a:rPr lang="en-US" sz="1400" b="0" i="0" u="none" strike="noStrike">
+                          <a:solidFill>
+                            <a:srgbClr val="000000"/>
+                          </a:solidFill>
+                          <a:effectLst/>
+                          <a:latin typeface="Calibri" panose="020F0502020204030204" pitchFamily="34" charset="0"/>
+                        </a:rPr>
+                        <a:t>sat</a:t>
+                      </a:r>
+                    </a:p>
+                  </a:txBody>
+                  <a:tcPr marL="9525" marR="9525" marT="9525" marB="0" anchor="ctr">
+                    <a:lnL>
+                      <a:noFill/>
+                    </a:lnL>
+                    <a:lnR w="12700" cap="flat" cmpd="sng" algn="ctr">
+                      <a:noFill/>
+                      <a:prstDash val="solid"/>
+                      <a:round/>
+                      <a:headEnd type="none" w="med" len="med"/>
+                      <a:tailEnd type="none" w="med" len="med"/>
+                    </a:lnR>
+                    <a:lnT w="6350" cap="flat" cmpd="sng" algn="ctr">
+                      <a:solidFill>
+                        <a:schemeClr val="tx1"/>
+                      </a:solidFill>
+                      <a:prstDash val="solid"/>
+                      <a:round/>
+                      <a:headEnd type="none" w="med" len="med"/>
+                      <a:tailEnd type="none" w="med" len="med"/>
+                    </a:lnT>
+                    <a:lnB w="6350" cap="flat" cmpd="sng" algn="ctr">
+                      <a:solidFill>
+                        <a:schemeClr val="tx1"/>
+                      </a:solidFill>
+                      <a:prstDash val="solid"/>
+                      <a:round/>
+                      <a:headEnd type="none" w="med" len="med"/>
+                      <a:tailEnd type="none" w="med" len="med"/>
+                    </a:lnB>
+                  </a:tcPr>
+                </a:tc>
+                <a:tc>
+                  <a:txBody>
+                    <a:bodyPr/>
+                    <a:lstStyle/>
+                    <a:p>
+                      <a:pPr algn="ctr" fontAlgn="b"/>
+                      <a:r>
+                        <a:rPr lang="en-US" sz="1400" b="0" i="0" u="none" strike="noStrike">
+                          <a:solidFill>
+                            <a:srgbClr val="000000"/>
+                          </a:solidFill>
+                          <a:effectLst/>
+                          <a:latin typeface="Calibri" panose="020F0502020204030204" pitchFamily="34" charset="0"/>
+                        </a:rPr>
+                        <a:t>0.612466</a:t>
+                      </a:r>
+                    </a:p>
+                  </a:txBody>
+                  <a:tcPr marL="9525" marR="9525" marT="9525" marB="0" anchor="ctr">
+                    <a:lnL w="12700" cap="flat" cmpd="sng" algn="ctr">
+                      <a:noFill/>
+                      <a:prstDash val="solid"/>
+                      <a:round/>
+                      <a:headEnd type="none" w="med" len="med"/>
+                      <a:tailEnd type="none" w="med" len="med"/>
+                    </a:lnL>
+                    <a:lnR w="12700" cap="flat" cmpd="sng" algn="ctr">
+                      <a:noFill/>
+                      <a:prstDash val="solid"/>
+                      <a:round/>
+                      <a:headEnd type="none" w="med" len="med"/>
+                      <a:tailEnd type="none" w="med" len="med"/>
+                    </a:lnR>
+                    <a:lnT w="6350" cap="flat" cmpd="sng" algn="ctr">
+                      <a:solidFill>
+                        <a:schemeClr val="tx1"/>
+                      </a:solidFill>
+                      <a:prstDash val="solid"/>
+                      <a:round/>
+                      <a:headEnd type="none" w="med" len="med"/>
+                      <a:tailEnd type="none" w="med" len="med"/>
+                    </a:lnT>
+                    <a:lnB w="6350" cap="flat" cmpd="sng" algn="ctr">
+                      <a:solidFill>
+                        <a:schemeClr val="tx1"/>
+                      </a:solidFill>
+                      <a:prstDash val="solid"/>
+                      <a:round/>
+                      <a:headEnd type="none" w="med" len="med"/>
+                      <a:tailEnd type="none" w="med" len="med"/>
+                    </a:lnB>
+                  </a:tcPr>
+                </a:tc>
+                <a:tc>
+                  <a:txBody>
+                    <a:bodyPr/>
+                    <a:lstStyle/>
+                    <a:p>
+                      <a:pPr algn="ctr" fontAlgn="b"/>
+                      <a:r>
+                        <a:rPr lang="en-US" sz="1400" b="0" i="0" u="none" strike="noStrike">
+                          <a:solidFill>
+                            <a:srgbClr val="000000"/>
+                          </a:solidFill>
+                          <a:effectLst/>
+                          <a:latin typeface="Calibri" panose="020F0502020204030204" pitchFamily="34" charset="0"/>
+                        </a:rPr>
+                        <a:t>0.612179</a:t>
+                      </a:r>
+                    </a:p>
+                  </a:txBody>
+                  <a:tcPr marL="9525" marR="9525" marT="9525" marB="0" anchor="ctr">
+                    <a:lnL w="12700" cap="flat" cmpd="sng" algn="ctr">
+                      <a:noFill/>
+                      <a:prstDash val="solid"/>
+                      <a:round/>
+                      <a:headEnd type="none" w="med" len="med"/>
+                      <a:tailEnd type="none" w="med" len="med"/>
+                    </a:lnL>
+                    <a:lnR w="12700" cap="flat" cmpd="sng" algn="ctr">
+                      <a:noFill/>
+                      <a:prstDash val="solid"/>
+                      <a:round/>
+                      <a:headEnd type="none" w="med" len="med"/>
+                      <a:tailEnd type="none" w="med" len="med"/>
+                    </a:lnR>
+                    <a:lnT w="6350" cap="flat" cmpd="sng" algn="ctr">
+                      <a:solidFill>
+                        <a:schemeClr val="tx1"/>
+                      </a:solidFill>
+                      <a:prstDash val="solid"/>
+                      <a:round/>
+                      <a:headEnd type="none" w="med" len="med"/>
+                      <a:tailEnd type="none" w="med" len="med"/>
+                    </a:lnT>
+                    <a:lnB w="6350" cap="flat" cmpd="sng" algn="ctr">
+                      <a:solidFill>
+                        <a:schemeClr val="tx1"/>
+                      </a:solidFill>
+                      <a:prstDash val="solid"/>
+                      <a:round/>
+                      <a:headEnd type="none" w="med" len="med"/>
+                      <a:tailEnd type="none" w="med" len="med"/>
+                    </a:lnB>
+                  </a:tcPr>
+                </a:tc>
+                <a:tc>
+                  <a:txBody>
+                    <a:bodyPr/>
+                    <a:lstStyle/>
+                    <a:p>
+                      <a:pPr algn="ctr" fontAlgn="b"/>
+                      <a:r>
+                        <a:rPr lang="en-US" sz="1400" b="0" i="0" u="none" strike="noStrike">
+                          <a:solidFill>
+                            <a:srgbClr val="9C0006"/>
+                          </a:solidFill>
+                          <a:effectLst/>
+                          <a:latin typeface="Calibri" panose="020F0502020204030204" pitchFamily="34" charset="0"/>
+                        </a:rPr>
+                        <a:t>0.640288</a:t>
+                      </a:r>
+                    </a:p>
+                  </a:txBody>
+                  <a:tcPr marL="9525" marR="9525" marT="9525" marB="0" anchor="ctr">
+                    <a:lnL w="12700" cap="flat" cmpd="sng" algn="ctr">
+                      <a:noFill/>
+                      <a:prstDash val="solid"/>
+                      <a:round/>
+                      <a:headEnd type="none" w="med" len="med"/>
+                      <a:tailEnd type="none" w="med" len="med"/>
+                    </a:lnL>
+                    <a:lnR w="12700" cap="flat" cmpd="sng" algn="ctr">
+                      <a:noFill/>
+                      <a:prstDash val="solid"/>
+                      <a:round/>
+                      <a:headEnd type="none" w="med" len="med"/>
+                      <a:tailEnd type="none" w="med" len="med"/>
+                    </a:lnR>
+                    <a:lnT w="6350" cap="flat" cmpd="sng" algn="ctr">
+                      <a:solidFill>
+                        <a:schemeClr val="tx1"/>
+                      </a:solidFill>
+                      <a:prstDash val="solid"/>
+                      <a:round/>
+                      <a:headEnd type="none" w="med" len="med"/>
+                      <a:tailEnd type="none" w="med" len="med"/>
+                    </a:lnT>
+                    <a:lnB w="6350" cap="flat" cmpd="sng" algn="ctr">
+                      <a:solidFill>
+                        <a:schemeClr val="tx1"/>
+                      </a:solidFill>
+                      <a:prstDash val="solid"/>
+                      <a:round/>
+                      <a:headEnd type="none" w="med" len="med"/>
+                      <a:tailEnd type="none" w="med" len="med"/>
+                    </a:lnB>
+                    <a:solidFill>
+                      <a:srgbClr val="FFC7CE"/>
+                    </a:solidFill>
+                  </a:tcPr>
+                </a:tc>
+                <a:tc>
+                  <a:txBody>
+                    <a:bodyPr/>
+                    <a:lstStyle/>
+                    <a:p>
+                      <a:pPr algn="ctr" fontAlgn="b"/>
+                      <a:r>
+                        <a:rPr lang="en-US" sz="1400" b="0" i="0" u="none" strike="noStrike">
+                          <a:solidFill>
+                            <a:srgbClr val="000000"/>
+                          </a:solidFill>
+                          <a:effectLst/>
+                          <a:latin typeface="Calibri" panose="020F0502020204030204" pitchFamily="34" charset="0"/>
+                        </a:rPr>
+                        <a:t>0.623009</a:t>
+                      </a:r>
+                    </a:p>
+                  </a:txBody>
+                  <a:tcPr marL="9525" marR="9525" marT="9525" marB="0" anchor="ctr">
+                    <a:lnL w="12700" cap="flat" cmpd="sng" algn="ctr">
+                      <a:noFill/>
+                      <a:prstDash val="solid"/>
+                      <a:round/>
+                      <a:headEnd type="none" w="med" len="med"/>
+                      <a:tailEnd type="none" w="med" len="med"/>
+                    </a:lnL>
+                    <a:lnR w="12700" cap="flat" cmpd="sng" algn="ctr">
+                      <a:noFill/>
+                      <a:prstDash val="solid"/>
+                      <a:round/>
+                      <a:headEnd type="none" w="med" len="med"/>
+                      <a:tailEnd type="none" w="med" len="med"/>
+                    </a:lnR>
+                    <a:lnT w="6350" cap="flat" cmpd="sng" algn="ctr">
+                      <a:solidFill>
+                        <a:schemeClr val="tx1"/>
+                      </a:solidFill>
+                      <a:prstDash val="solid"/>
+                      <a:round/>
+                      <a:headEnd type="none" w="med" len="med"/>
+                      <a:tailEnd type="none" w="med" len="med"/>
+                    </a:lnT>
+                    <a:lnB w="6350" cap="flat" cmpd="sng" algn="ctr">
+                      <a:solidFill>
+                        <a:schemeClr val="tx1"/>
+                      </a:solidFill>
+                      <a:prstDash val="solid"/>
+                      <a:round/>
+                      <a:headEnd type="none" w="med" len="med"/>
+                      <a:tailEnd type="none" w="med" len="med"/>
+                    </a:lnB>
+                  </a:tcPr>
+                </a:tc>
+                <a:tc>
+                  <a:txBody>
+                    <a:bodyPr/>
+                    <a:lstStyle/>
+                    <a:p>
+                      <a:pPr algn="ctr" fontAlgn="b"/>
+                      <a:r>
+                        <a:rPr lang="en-US" sz="1400" b="0" i="0" u="none" strike="noStrike" dirty="0">
+                          <a:solidFill>
+                            <a:srgbClr val="000000"/>
+                          </a:solidFill>
+                          <a:effectLst/>
+                          <a:latin typeface="Calibri" panose="020F0502020204030204" pitchFamily="34" charset="0"/>
+                        </a:rPr>
+                        <a:t>0.632743</a:t>
+                      </a:r>
+                    </a:p>
+                  </a:txBody>
+                  <a:tcPr marL="9525" marR="9525" marT="9525" marB="0" anchor="ctr">
+                    <a:lnL w="12700" cap="flat" cmpd="sng" algn="ctr">
+                      <a:noFill/>
+                      <a:prstDash val="solid"/>
+                      <a:round/>
+                      <a:headEnd type="none" w="med" len="med"/>
+                      <a:tailEnd type="none" w="med" len="med"/>
+                    </a:lnL>
+                    <a:lnR w="12700" cap="flat" cmpd="sng" algn="ctr">
+                      <a:noFill/>
+                      <a:prstDash val="solid"/>
+                      <a:round/>
+                      <a:headEnd type="none" w="med" len="med"/>
+                      <a:tailEnd type="none" w="med" len="med"/>
+                    </a:lnR>
+                    <a:lnT w="6350" cap="flat" cmpd="sng" algn="ctr">
+                      <a:solidFill>
+                        <a:schemeClr val="tx1"/>
+                      </a:solidFill>
+                      <a:prstDash val="solid"/>
+                      <a:round/>
+                      <a:headEnd type="none" w="med" len="med"/>
+                      <a:tailEnd type="none" w="med" len="med"/>
+                    </a:lnT>
+                    <a:lnB w="6350" cap="flat" cmpd="sng" algn="ctr">
+                      <a:solidFill>
+                        <a:schemeClr val="tx1"/>
+                      </a:solidFill>
+                      <a:prstDash val="solid"/>
+                      <a:round/>
+                      <a:headEnd type="none" w="med" len="med"/>
+                      <a:tailEnd type="none" w="med" len="med"/>
+                    </a:lnB>
+                  </a:tcPr>
+                </a:tc>
+                <a:tc>
+                  <a:txBody>
+                    <a:bodyPr/>
+                    <a:lstStyle/>
+                    <a:p>
+                      <a:pPr algn="ctr" fontAlgn="b"/>
+                      <a:r>
+                        <a:rPr lang="en-US" sz="1400" b="0" i="0" u="none" strike="noStrike" dirty="0">
+                          <a:solidFill>
+                            <a:srgbClr val="000000"/>
+                          </a:solidFill>
+                          <a:effectLst/>
+                          <a:latin typeface="Calibri" panose="020F0502020204030204" pitchFamily="34" charset="0"/>
+                        </a:rPr>
+                        <a:t>0.093574</a:t>
+                      </a:r>
+                    </a:p>
+                  </a:txBody>
+                  <a:tcPr marL="9525" marR="9525" marT="9525" marB="0" anchor="ctr">
+                    <a:lnL w="12700" cap="flat" cmpd="sng" algn="ctr">
+                      <a:noFill/>
+                      <a:prstDash val="solid"/>
+                      <a:round/>
+                      <a:headEnd type="none" w="med" len="med"/>
+                      <a:tailEnd type="none" w="med" len="med"/>
+                    </a:lnL>
+                    <a:lnR w="12700" cap="flat" cmpd="sng" algn="ctr">
+                      <a:noFill/>
+                      <a:prstDash val="solid"/>
+                      <a:round/>
+                      <a:headEnd type="none" w="med" len="med"/>
+                      <a:tailEnd type="none" w="med" len="med"/>
+                    </a:lnR>
+                    <a:lnT w="6350" cap="flat" cmpd="sng" algn="ctr">
+                      <a:solidFill>
+                        <a:schemeClr val="tx1"/>
+                      </a:solidFill>
+                      <a:prstDash val="solid"/>
+                      <a:round/>
+                      <a:headEnd type="none" w="med" len="med"/>
+                      <a:tailEnd type="none" w="med" len="med"/>
+                    </a:lnT>
+                    <a:lnB w="6350" cap="flat" cmpd="sng" algn="ctr">
+                      <a:solidFill>
+                        <a:schemeClr val="tx1"/>
+                      </a:solidFill>
+                      <a:prstDash val="solid"/>
+                      <a:round/>
+                      <a:headEnd type="none" w="med" len="med"/>
+                      <a:tailEnd type="none" w="med" len="med"/>
+                    </a:lnB>
+                  </a:tcPr>
+                </a:tc>
+                <a:tc>
+                  <a:txBody>
+                    <a:bodyPr/>
+                    <a:lstStyle/>
+                    <a:p>
+                      <a:pPr algn="ctr" fontAlgn="b"/>
+                      <a:r>
+                        <a:rPr lang="en-US" sz="1400" b="0" i="0" u="none" strike="noStrike">
+                          <a:solidFill>
+                            <a:srgbClr val="000000"/>
+                          </a:solidFill>
+                          <a:effectLst/>
+                          <a:latin typeface="Calibri" panose="020F0502020204030204" pitchFamily="34" charset="0"/>
+                        </a:rPr>
+                        <a:t>0.142169</a:t>
+                      </a:r>
+                    </a:p>
+                  </a:txBody>
+                  <a:tcPr marL="9525" marR="9525" marT="9525" marB="0" anchor="ctr">
+                    <a:lnL w="12700" cap="flat" cmpd="sng" algn="ctr">
+                      <a:noFill/>
+                      <a:prstDash val="solid"/>
+                      <a:round/>
+                      <a:headEnd type="none" w="med" len="med"/>
+                      <a:tailEnd type="none" w="med" len="med"/>
+                    </a:lnL>
+                    <a:lnR w="12700" cap="flat" cmpd="sng" algn="ctr">
+                      <a:noFill/>
+                      <a:prstDash val="solid"/>
+                      <a:round/>
+                      <a:headEnd type="none" w="med" len="med"/>
+                      <a:tailEnd type="none" w="med" len="med"/>
+                    </a:lnR>
+                    <a:lnT w="6350" cap="flat" cmpd="sng" algn="ctr">
+                      <a:solidFill>
+                        <a:schemeClr val="tx1"/>
+                      </a:solidFill>
+                      <a:prstDash val="solid"/>
+                      <a:round/>
+                      <a:headEnd type="none" w="med" len="med"/>
+                      <a:tailEnd type="none" w="med" len="med"/>
+                    </a:lnT>
+                    <a:lnB w="6350" cap="flat" cmpd="sng" algn="ctr">
+                      <a:solidFill>
+                        <a:schemeClr val="tx1"/>
+                      </a:solidFill>
+                      <a:prstDash val="solid"/>
+                      <a:round/>
+                      <a:headEnd type="none" w="med" len="med"/>
+                      <a:tailEnd type="none" w="med" len="med"/>
+                    </a:lnB>
+                  </a:tcPr>
+                </a:tc>
+                <a:tc>
+                  <a:txBody>
+                    <a:bodyPr/>
+                    <a:lstStyle/>
+                    <a:p>
+                      <a:pPr algn="ctr" fontAlgn="b"/>
+                      <a:endParaRPr lang="en-US" sz="1400" b="0" i="0" u="none" strike="noStrike" dirty="0">
+                        <a:solidFill>
+                          <a:srgbClr val="000000"/>
+                        </a:solidFill>
+                        <a:effectLst/>
+                        <a:latin typeface="Calibri" panose="020F0502020204030204" pitchFamily="34" charset="0"/>
+                      </a:endParaRPr>
+                    </a:p>
+                  </a:txBody>
+                  <a:tcPr marL="9525" marR="9525" marT="9525" marB="0" anchor="ctr">
+                    <a:lnL w="12700" cap="flat" cmpd="sng" algn="ctr">
+                      <a:noFill/>
+                      <a:prstDash val="solid"/>
+                      <a:round/>
+                      <a:headEnd type="none" w="med" len="med"/>
+                      <a:tailEnd type="none" w="med" len="med"/>
+                    </a:lnL>
+                    <a:lnR>
+                      <a:noFill/>
+                    </a:lnR>
+                    <a:lnT w="6350" cap="flat" cmpd="sng" algn="ctr">
+                      <a:solidFill>
+                        <a:schemeClr val="tx1"/>
+                      </a:solidFill>
+                      <a:prstDash val="solid"/>
+                      <a:round/>
+                      <a:headEnd type="none" w="med" len="med"/>
+                      <a:tailEnd type="none" w="med" len="med"/>
+                    </a:lnT>
+                    <a:lnB w="6350" cap="flat" cmpd="sng" algn="ctr">
+                      <a:solidFill>
+                        <a:schemeClr val="tx1"/>
+                      </a:solidFill>
+                      <a:prstDash val="solid"/>
+                      <a:round/>
+                      <a:headEnd type="none" w="med" len="med"/>
+                      <a:tailEnd type="none" w="med" len="med"/>
+                    </a:lnB>
+                  </a:tcPr>
+                </a:tc>
+                <a:extLst>
+                  <a:ext uri="{0D108BD9-81ED-4DB2-BD59-A6C34878D82A}">
+                    <a16:rowId xmlns:a16="http://schemas.microsoft.com/office/drawing/2014/main" val="3875833669"/>
+                  </a:ext>
+                </a:extLst>
+              </a:tr>
+              <a:tr h="385578">
+                <a:tc>
+                  <a:txBody>
+                    <a:bodyPr/>
+                    <a:lstStyle/>
+                    <a:p>
+                      <a:pPr algn="ctr" fontAlgn="b"/>
+                      <a:r>
+                        <a:rPr lang="en-US" sz="1400" b="0" i="0" u="none" strike="noStrike">
+                          <a:solidFill>
+                            <a:srgbClr val="000000"/>
+                          </a:solidFill>
+                          <a:effectLst/>
+                          <a:latin typeface="Calibri" panose="020F0502020204030204" pitchFamily="34" charset="0"/>
+                        </a:rPr>
+                        <a:t>sat20</a:t>
+                      </a:r>
+                    </a:p>
+                  </a:txBody>
+                  <a:tcPr marL="9525" marR="9525" marT="9525" marB="0" anchor="ctr">
+                    <a:lnL>
+                      <a:noFill/>
+                    </a:lnL>
+                    <a:lnR w="12700" cap="flat" cmpd="sng" algn="ctr">
+                      <a:noFill/>
+                      <a:prstDash val="solid"/>
+                      <a:round/>
+                      <a:headEnd type="none" w="med" len="med"/>
+                      <a:tailEnd type="none" w="med" len="med"/>
+                    </a:lnR>
+                    <a:lnT w="6350" cap="flat" cmpd="sng" algn="ctr">
+                      <a:solidFill>
+                        <a:schemeClr val="tx1"/>
+                      </a:solidFill>
+                      <a:prstDash val="solid"/>
+                      <a:round/>
+                      <a:headEnd type="none" w="med" len="med"/>
+                      <a:tailEnd type="none" w="med" len="med"/>
+                    </a:lnT>
+                    <a:lnB w="6350" cap="flat" cmpd="sng" algn="ctr">
+                      <a:solidFill>
+                        <a:schemeClr val="tx1"/>
+                      </a:solidFill>
+                      <a:prstDash val="solid"/>
+                      <a:round/>
+                      <a:headEnd type="none" w="med" len="med"/>
+                      <a:tailEnd type="none" w="med" len="med"/>
+                    </a:lnB>
+                  </a:tcPr>
+                </a:tc>
+                <a:tc>
+                  <a:txBody>
+                    <a:bodyPr/>
+                    <a:lstStyle/>
+                    <a:p>
+                      <a:pPr algn="ctr" fontAlgn="b"/>
+                      <a:r>
+                        <a:rPr lang="en-US" sz="1400" b="0" i="0" u="none" strike="noStrike">
+                          <a:solidFill>
+                            <a:srgbClr val="000000"/>
+                          </a:solidFill>
+                          <a:effectLst/>
+                          <a:latin typeface="Calibri" panose="020F0502020204030204" pitchFamily="34" charset="0"/>
+                        </a:rPr>
+                        <a:t>0.547368</a:t>
+                      </a:r>
+                    </a:p>
+                  </a:txBody>
+                  <a:tcPr marL="9525" marR="9525" marT="9525" marB="0" anchor="ctr">
+                    <a:lnL w="12700" cap="flat" cmpd="sng" algn="ctr">
+                      <a:noFill/>
+                      <a:prstDash val="solid"/>
+                      <a:round/>
+                      <a:headEnd type="none" w="med" len="med"/>
+                      <a:tailEnd type="none" w="med" len="med"/>
+                    </a:lnL>
+                    <a:lnR w="12700" cap="flat" cmpd="sng" algn="ctr">
+                      <a:noFill/>
+                      <a:prstDash val="solid"/>
+                      <a:round/>
+                      <a:headEnd type="none" w="med" len="med"/>
+                      <a:tailEnd type="none" w="med" len="med"/>
+                    </a:lnR>
+                    <a:lnT w="6350" cap="flat" cmpd="sng" algn="ctr">
+                      <a:solidFill>
+                        <a:schemeClr val="tx1"/>
+                      </a:solidFill>
+                      <a:prstDash val="solid"/>
+                      <a:round/>
+                      <a:headEnd type="none" w="med" len="med"/>
+                      <a:tailEnd type="none" w="med" len="med"/>
+                    </a:lnT>
+                    <a:lnB w="6350" cap="flat" cmpd="sng" algn="ctr">
+                      <a:solidFill>
+                        <a:schemeClr val="tx1"/>
+                      </a:solidFill>
+                      <a:prstDash val="solid"/>
+                      <a:round/>
+                      <a:headEnd type="none" w="med" len="med"/>
+                      <a:tailEnd type="none" w="med" len="med"/>
+                    </a:lnB>
+                  </a:tcPr>
+                </a:tc>
+                <a:tc>
+                  <a:txBody>
+                    <a:bodyPr/>
+                    <a:lstStyle/>
+                    <a:p>
+                      <a:pPr algn="ctr" fontAlgn="b"/>
+                      <a:r>
+                        <a:rPr lang="en-US" sz="1400" b="0" i="0" u="none" strike="noStrike">
+                          <a:solidFill>
+                            <a:srgbClr val="000000"/>
+                          </a:solidFill>
+                          <a:effectLst/>
+                          <a:latin typeface="Calibri" panose="020F0502020204030204" pitchFamily="34" charset="0"/>
+                        </a:rPr>
+                        <a:t>0.469194</a:t>
+                      </a:r>
+                    </a:p>
+                  </a:txBody>
+                  <a:tcPr marL="9525" marR="9525" marT="9525" marB="0" anchor="ctr">
+                    <a:lnL w="12700" cap="flat" cmpd="sng" algn="ctr">
+                      <a:noFill/>
+                      <a:prstDash val="solid"/>
+                      <a:round/>
+                      <a:headEnd type="none" w="med" len="med"/>
+                      <a:tailEnd type="none" w="med" len="med"/>
+                    </a:lnL>
+                    <a:lnR w="12700" cap="flat" cmpd="sng" algn="ctr">
+                      <a:noFill/>
+                      <a:prstDash val="solid"/>
+                      <a:round/>
+                      <a:headEnd type="none" w="med" len="med"/>
+                      <a:tailEnd type="none" w="med" len="med"/>
+                    </a:lnR>
+                    <a:lnT w="6350" cap="flat" cmpd="sng" algn="ctr">
+                      <a:solidFill>
+                        <a:schemeClr val="tx1"/>
+                      </a:solidFill>
+                      <a:prstDash val="solid"/>
+                      <a:round/>
+                      <a:headEnd type="none" w="med" len="med"/>
+                      <a:tailEnd type="none" w="med" len="med"/>
+                    </a:lnT>
+                    <a:lnB w="6350" cap="flat" cmpd="sng" algn="ctr">
+                      <a:solidFill>
+                        <a:schemeClr val="tx1"/>
+                      </a:solidFill>
+                      <a:prstDash val="solid"/>
+                      <a:round/>
+                      <a:headEnd type="none" w="med" len="med"/>
+                      <a:tailEnd type="none" w="med" len="med"/>
+                    </a:lnB>
+                  </a:tcPr>
+                </a:tc>
+                <a:tc>
+                  <a:txBody>
+                    <a:bodyPr/>
+                    <a:lstStyle/>
+                    <a:p>
+                      <a:pPr algn="ctr" fontAlgn="b"/>
+                      <a:r>
+                        <a:rPr lang="en-US" sz="1400" b="0" i="0" u="none" strike="noStrike">
+                          <a:solidFill>
+                            <a:srgbClr val="000000"/>
+                          </a:solidFill>
+                          <a:effectLst/>
+                          <a:latin typeface="Calibri" panose="020F0502020204030204" pitchFamily="34" charset="0"/>
+                        </a:rPr>
+                        <a:t>0.472131</a:t>
+                      </a:r>
+                    </a:p>
+                  </a:txBody>
+                  <a:tcPr marL="9525" marR="9525" marT="9525" marB="0" anchor="ctr">
+                    <a:lnL w="12700" cap="flat" cmpd="sng" algn="ctr">
+                      <a:noFill/>
+                      <a:prstDash val="solid"/>
+                      <a:round/>
+                      <a:headEnd type="none" w="med" len="med"/>
+                      <a:tailEnd type="none" w="med" len="med"/>
+                    </a:lnL>
+                    <a:lnR w="12700" cap="flat" cmpd="sng" algn="ctr">
+                      <a:noFill/>
+                      <a:prstDash val="solid"/>
+                      <a:round/>
+                      <a:headEnd type="none" w="med" len="med"/>
+                      <a:tailEnd type="none" w="med" len="med"/>
+                    </a:lnR>
+                    <a:lnT w="6350" cap="flat" cmpd="sng" algn="ctr">
+                      <a:solidFill>
+                        <a:schemeClr val="tx1"/>
+                      </a:solidFill>
+                      <a:prstDash val="solid"/>
+                      <a:round/>
+                      <a:headEnd type="none" w="med" len="med"/>
+                      <a:tailEnd type="none" w="med" len="med"/>
+                    </a:lnT>
+                    <a:lnB w="6350" cap="flat" cmpd="sng" algn="ctr">
+                      <a:solidFill>
+                        <a:schemeClr val="tx1"/>
+                      </a:solidFill>
+                      <a:prstDash val="solid"/>
+                      <a:round/>
+                      <a:headEnd type="none" w="med" len="med"/>
+                      <a:tailEnd type="none" w="med" len="med"/>
+                    </a:lnB>
+                  </a:tcPr>
+                </a:tc>
+                <a:tc>
+                  <a:txBody>
+                    <a:bodyPr/>
+                    <a:lstStyle/>
+                    <a:p>
+                      <a:pPr algn="ctr" fontAlgn="b"/>
+                      <a:r>
+                        <a:rPr lang="en-US" sz="1400" b="0" i="0" u="none" strike="noStrike">
+                          <a:solidFill>
+                            <a:srgbClr val="000000"/>
+                          </a:solidFill>
+                          <a:effectLst/>
+                          <a:latin typeface="Calibri" panose="020F0502020204030204" pitchFamily="34" charset="0"/>
+                        </a:rPr>
+                        <a:t>0.504918</a:t>
+                      </a:r>
+                    </a:p>
+                  </a:txBody>
+                  <a:tcPr marL="9525" marR="9525" marT="9525" marB="0" anchor="ctr">
+                    <a:lnL w="12700" cap="flat" cmpd="sng" algn="ctr">
+                      <a:noFill/>
+                      <a:prstDash val="solid"/>
+                      <a:round/>
+                      <a:headEnd type="none" w="med" len="med"/>
+                      <a:tailEnd type="none" w="med" len="med"/>
+                    </a:lnL>
+                    <a:lnR w="12700" cap="flat" cmpd="sng" algn="ctr">
+                      <a:noFill/>
+                      <a:prstDash val="solid"/>
+                      <a:round/>
+                      <a:headEnd type="none" w="med" len="med"/>
+                      <a:tailEnd type="none" w="med" len="med"/>
+                    </a:lnR>
+                    <a:lnT w="6350" cap="flat" cmpd="sng" algn="ctr">
+                      <a:solidFill>
+                        <a:schemeClr val="tx1"/>
+                      </a:solidFill>
+                      <a:prstDash val="solid"/>
+                      <a:round/>
+                      <a:headEnd type="none" w="med" len="med"/>
+                      <a:tailEnd type="none" w="med" len="med"/>
+                    </a:lnT>
+                    <a:lnB w="6350" cap="flat" cmpd="sng" algn="ctr">
+                      <a:solidFill>
+                        <a:schemeClr val="tx1"/>
+                      </a:solidFill>
+                      <a:prstDash val="solid"/>
+                      <a:round/>
+                      <a:headEnd type="none" w="med" len="med"/>
+                      <a:tailEnd type="none" w="med" len="med"/>
+                    </a:lnB>
+                  </a:tcPr>
+                </a:tc>
+                <a:tc>
+                  <a:txBody>
+                    <a:bodyPr/>
+                    <a:lstStyle/>
+                    <a:p>
+                      <a:pPr algn="ctr" fontAlgn="b"/>
+                      <a:r>
+                        <a:rPr lang="en-US" sz="1400" b="0" i="0" u="none" strike="noStrike">
+                          <a:solidFill>
+                            <a:srgbClr val="9C0006"/>
+                          </a:solidFill>
+                          <a:effectLst/>
+                          <a:latin typeface="Calibri" panose="020F0502020204030204" pitchFamily="34" charset="0"/>
+                        </a:rPr>
+                        <a:t>0.596491</a:t>
+                      </a:r>
+                    </a:p>
+                  </a:txBody>
+                  <a:tcPr marL="9525" marR="9525" marT="9525" marB="0" anchor="ctr">
+                    <a:lnL w="12700" cap="flat" cmpd="sng" algn="ctr">
+                      <a:noFill/>
+                      <a:prstDash val="solid"/>
+                      <a:round/>
+                      <a:headEnd type="none" w="med" len="med"/>
+                      <a:tailEnd type="none" w="med" len="med"/>
+                    </a:lnL>
+                    <a:lnR w="12700" cap="flat" cmpd="sng" algn="ctr">
+                      <a:noFill/>
+                      <a:prstDash val="solid"/>
+                      <a:round/>
+                      <a:headEnd type="none" w="med" len="med"/>
+                      <a:tailEnd type="none" w="med" len="med"/>
+                    </a:lnR>
+                    <a:lnT w="6350" cap="flat" cmpd="sng" algn="ctr">
+                      <a:solidFill>
+                        <a:schemeClr val="tx1"/>
+                      </a:solidFill>
+                      <a:prstDash val="solid"/>
+                      <a:round/>
+                      <a:headEnd type="none" w="med" len="med"/>
+                      <a:tailEnd type="none" w="med" len="med"/>
+                    </a:lnT>
+                    <a:lnB w="6350" cap="flat" cmpd="sng" algn="ctr">
+                      <a:solidFill>
+                        <a:schemeClr val="tx1"/>
+                      </a:solidFill>
+                      <a:prstDash val="solid"/>
+                      <a:round/>
+                      <a:headEnd type="none" w="med" len="med"/>
+                      <a:tailEnd type="none" w="med" len="med"/>
+                    </a:lnB>
+                    <a:solidFill>
+                      <a:srgbClr val="FFC7CE"/>
+                    </a:solidFill>
+                  </a:tcPr>
+                </a:tc>
+                <a:tc>
+                  <a:txBody>
+                    <a:bodyPr/>
+                    <a:lstStyle/>
+                    <a:p>
+                      <a:pPr algn="ctr" fontAlgn="b"/>
+                      <a:r>
+                        <a:rPr lang="en-US" sz="1400" b="0" i="0" u="none" strike="noStrike" dirty="0">
+                          <a:solidFill>
+                            <a:srgbClr val="000000"/>
+                          </a:solidFill>
+                          <a:effectLst/>
+                          <a:latin typeface="Calibri" panose="020F0502020204030204" pitchFamily="34" charset="0"/>
+                        </a:rPr>
+                        <a:t>0.053227</a:t>
+                      </a:r>
+                    </a:p>
+                  </a:txBody>
+                  <a:tcPr marL="9525" marR="9525" marT="9525" marB="0" anchor="ctr">
+                    <a:lnL w="12700" cap="flat" cmpd="sng" algn="ctr">
+                      <a:noFill/>
+                      <a:prstDash val="solid"/>
+                      <a:round/>
+                      <a:headEnd type="none" w="med" len="med"/>
+                      <a:tailEnd type="none" w="med" len="med"/>
+                    </a:lnL>
+                    <a:lnR w="12700" cap="flat" cmpd="sng" algn="ctr">
+                      <a:noFill/>
+                      <a:prstDash val="solid"/>
+                      <a:round/>
+                      <a:headEnd type="none" w="med" len="med"/>
+                      <a:tailEnd type="none" w="med" len="med"/>
+                    </a:lnR>
+                    <a:lnT w="6350" cap="flat" cmpd="sng" algn="ctr">
+                      <a:solidFill>
+                        <a:schemeClr val="tx1"/>
+                      </a:solidFill>
+                      <a:prstDash val="solid"/>
+                      <a:round/>
+                      <a:headEnd type="none" w="med" len="med"/>
+                      <a:tailEnd type="none" w="med" len="med"/>
+                    </a:lnT>
+                    <a:lnB w="6350" cap="flat" cmpd="sng" algn="ctr">
+                      <a:solidFill>
+                        <a:schemeClr val="tx1"/>
+                      </a:solidFill>
+                      <a:prstDash val="solid"/>
+                      <a:round/>
+                      <a:headEnd type="none" w="med" len="med"/>
+                      <a:tailEnd type="none" w="med" len="med"/>
+                    </a:lnB>
+                  </a:tcPr>
+                </a:tc>
+                <a:tc>
+                  <a:txBody>
+                    <a:bodyPr/>
+                    <a:lstStyle/>
+                    <a:p>
+                      <a:pPr algn="ctr" fontAlgn="b"/>
+                      <a:r>
+                        <a:rPr lang="en-US" sz="1400" b="0" i="0" u="none" strike="noStrike" dirty="0">
+                          <a:solidFill>
+                            <a:srgbClr val="000000"/>
+                          </a:solidFill>
+                          <a:effectLst/>
+                          <a:latin typeface="Calibri" panose="020F0502020204030204" pitchFamily="34" charset="0"/>
+                        </a:rPr>
+                        <a:t>0.225664</a:t>
+                      </a:r>
+                    </a:p>
+                  </a:txBody>
+                  <a:tcPr marL="9525" marR="9525" marT="9525" marB="0" anchor="ctr">
+                    <a:lnL w="12700" cap="flat" cmpd="sng" algn="ctr">
+                      <a:noFill/>
+                      <a:prstDash val="solid"/>
+                      <a:round/>
+                      <a:headEnd type="none" w="med" len="med"/>
+                      <a:tailEnd type="none" w="med" len="med"/>
+                    </a:lnL>
+                    <a:lnR w="12700" cap="flat" cmpd="sng" algn="ctr">
+                      <a:noFill/>
+                      <a:prstDash val="solid"/>
+                      <a:round/>
+                      <a:headEnd type="none" w="med" len="med"/>
+                      <a:tailEnd type="none" w="med" len="med"/>
+                    </a:lnR>
+                    <a:lnT w="6350" cap="flat" cmpd="sng" algn="ctr">
+                      <a:solidFill>
+                        <a:schemeClr val="tx1"/>
+                      </a:solidFill>
+                      <a:prstDash val="solid"/>
+                      <a:round/>
+                      <a:headEnd type="none" w="med" len="med"/>
+                      <a:tailEnd type="none" w="med" len="med"/>
+                    </a:lnT>
+                    <a:lnB w="6350" cap="flat" cmpd="sng" algn="ctr">
+                      <a:solidFill>
+                        <a:schemeClr val="tx1"/>
+                      </a:solidFill>
+                      <a:prstDash val="solid"/>
+                      <a:round/>
+                      <a:headEnd type="none" w="med" len="med"/>
+                      <a:tailEnd type="none" w="med" len="med"/>
+                    </a:lnB>
+                  </a:tcPr>
+                </a:tc>
+                <a:tc>
+                  <a:txBody>
+                    <a:bodyPr/>
+                    <a:lstStyle/>
+                    <a:p>
+                      <a:pPr algn="ctr" fontAlgn="b"/>
+                      <a:endParaRPr lang="en-US" sz="1400" b="0" i="0" u="none" strike="noStrike" dirty="0">
+                        <a:solidFill>
+                          <a:srgbClr val="000000"/>
+                        </a:solidFill>
+                        <a:effectLst/>
+                        <a:latin typeface="Calibri" panose="020F0502020204030204" pitchFamily="34" charset="0"/>
+                      </a:endParaRPr>
+                    </a:p>
+                  </a:txBody>
+                  <a:tcPr marL="9525" marR="9525" marT="9525" marB="0" anchor="ctr">
+                    <a:lnL w="12700" cap="flat" cmpd="sng" algn="ctr">
+                      <a:noFill/>
+                      <a:prstDash val="solid"/>
+                      <a:round/>
+                      <a:headEnd type="none" w="med" len="med"/>
+                      <a:tailEnd type="none" w="med" len="med"/>
+                    </a:lnL>
+                    <a:lnR>
+                      <a:noFill/>
+                    </a:lnR>
+                    <a:lnT w="6350" cap="flat" cmpd="sng" algn="ctr">
+                      <a:solidFill>
+                        <a:schemeClr val="tx1"/>
+                      </a:solidFill>
+                      <a:prstDash val="solid"/>
+                      <a:round/>
+                      <a:headEnd type="none" w="med" len="med"/>
+                      <a:tailEnd type="none" w="med" len="med"/>
+                    </a:lnT>
+                    <a:lnB w="6350" cap="flat" cmpd="sng" algn="ctr">
+                      <a:solidFill>
+                        <a:schemeClr val="tx1"/>
+                      </a:solidFill>
+                      <a:prstDash val="solid"/>
+                      <a:round/>
+                      <a:headEnd type="none" w="med" len="med"/>
+                      <a:tailEnd type="none" w="med" len="med"/>
+                    </a:lnB>
+                  </a:tcPr>
+                </a:tc>
+                <a:extLst>
+                  <a:ext uri="{0D108BD9-81ED-4DB2-BD59-A6C34878D82A}">
+                    <a16:rowId xmlns:a16="http://schemas.microsoft.com/office/drawing/2014/main" val="2180887027"/>
+                  </a:ext>
+                </a:extLst>
+              </a:tr>
+              <a:tr h="385578">
+                <a:tc>
+                  <a:txBody>
+                    <a:bodyPr/>
+                    <a:lstStyle/>
+                    <a:p>
+                      <a:pPr algn="ctr" fontAlgn="b"/>
+                      <a:r>
+                        <a:rPr lang="en-US" sz="1400" b="0" i="0" u="none" strike="noStrike">
+                          <a:solidFill>
+                            <a:srgbClr val="000000"/>
+                          </a:solidFill>
+                          <a:effectLst/>
+                          <a:latin typeface="Calibri" panose="020F0502020204030204" pitchFamily="34" charset="0"/>
+                        </a:rPr>
+                        <a:t>uair</a:t>
+                      </a:r>
+                    </a:p>
+                  </a:txBody>
+                  <a:tcPr marL="9525" marR="9525" marT="9525" marB="0" anchor="ctr">
+                    <a:lnL>
+                      <a:noFill/>
+                    </a:lnL>
+                    <a:lnR w="12700" cap="flat" cmpd="sng" algn="ctr">
+                      <a:noFill/>
+                      <a:prstDash val="solid"/>
+                      <a:round/>
+                      <a:headEnd type="none" w="med" len="med"/>
+                      <a:tailEnd type="none" w="med" len="med"/>
+                    </a:lnR>
+                    <a:lnT w="6350" cap="flat" cmpd="sng" algn="ctr">
+                      <a:solidFill>
+                        <a:schemeClr val="tx1"/>
+                      </a:solidFill>
+                      <a:prstDash val="solid"/>
+                      <a:round/>
+                      <a:headEnd type="none" w="med" len="med"/>
+                      <a:tailEnd type="none" w="med" len="med"/>
+                    </a:lnT>
+                    <a:lnB w="12700" cap="flat" cmpd="sng" algn="ctr">
+                      <a:solidFill>
+                        <a:schemeClr val="tx1"/>
+                      </a:solidFill>
+                      <a:prstDash val="solid"/>
+                      <a:round/>
+                      <a:headEnd type="none" w="med" len="med"/>
+                      <a:tailEnd type="none" w="med" len="med"/>
+                    </a:lnB>
+                  </a:tcPr>
+                </a:tc>
+                <a:tc>
+                  <a:txBody>
+                    <a:bodyPr/>
+                    <a:lstStyle/>
+                    <a:p>
+                      <a:pPr algn="ctr" fontAlgn="b"/>
+                      <a:r>
+                        <a:rPr lang="en-US" sz="1400" b="0" i="0" u="none" strike="noStrike">
+                          <a:solidFill>
+                            <a:srgbClr val="000000"/>
+                          </a:solidFill>
+                          <a:effectLst/>
+                          <a:latin typeface="Calibri" panose="020F0502020204030204" pitchFamily="34" charset="0"/>
+                        </a:rPr>
+                        <a:t>0.815299</a:t>
+                      </a:r>
+                    </a:p>
+                  </a:txBody>
+                  <a:tcPr marL="9525" marR="9525" marT="9525" marB="0" anchor="ctr">
+                    <a:lnL w="12700" cap="flat" cmpd="sng" algn="ctr">
+                      <a:noFill/>
+                      <a:prstDash val="solid"/>
+                      <a:round/>
+                      <a:headEnd type="none" w="med" len="med"/>
+                      <a:tailEnd type="none" w="med" len="med"/>
+                    </a:lnL>
+                    <a:lnR w="12700" cap="flat" cmpd="sng" algn="ctr">
+                      <a:noFill/>
+                      <a:prstDash val="solid"/>
+                      <a:round/>
+                      <a:headEnd type="none" w="med" len="med"/>
+                      <a:tailEnd type="none" w="med" len="med"/>
+                    </a:lnR>
+                    <a:lnT w="6350" cap="flat" cmpd="sng" algn="ctr">
+                      <a:solidFill>
+                        <a:schemeClr val="tx1"/>
+                      </a:solidFill>
+                      <a:prstDash val="solid"/>
+                      <a:round/>
+                      <a:headEnd type="none" w="med" len="med"/>
+                      <a:tailEnd type="none" w="med" len="med"/>
+                    </a:lnT>
+                    <a:lnB w="12700" cap="flat" cmpd="sng" algn="ctr">
+                      <a:solidFill>
+                        <a:schemeClr val="tx1"/>
+                      </a:solidFill>
+                      <a:prstDash val="solid"/>
+                      <a:round/>
+                      <a:headEnd type="none" w="med" len="med"/>
+                      <a:tailEnd type="none" w="med" len="med"/>
+                    </a:lnB>
+                  </a:tcPr>
+                </a:tc>
+                <a:tc>
+                  <a:txBody>
+                    <a:bodyPr/>
+                    <a:lstStyle/>
+                    <a:p>
+                      <a:pPr algn="ctr" fontAlgn="b"/>
+                      <a:r>
+                        <a:rPr lang="en-US" sz="1400" b="0" i="0" u="none" strike="noStrike">
+                          <a:solidFill>
+                            <a:srgbClr val="000000"/>
+                          </a:solidFill>
+                          <a:effectLst/>
+                          <a:latin typeface="Calibri" panose="020F0502020204030204" pitchFamily="34" charset="0"/>
+                        </a:rPr>
+                        <a:t>0.771706</a:t>
+                      </a:r>
+                    </a:p>
+                  </a:txBody>
+                  <a:tcPr marL="9525" marR="9525" marT="9525" marB="0" anchor="ctr">
+                    <a:lnL w="12700" cap="flat" cmpd="sng" algn="ctr">
+                      <a:noFill/>
+                      <a:prstDash val="solid"/>
+                      <a:round/>
+                      <a:headEnd type="none" w="med" len="med"/>
+                      <a:tailEnd type="none" w="med" len="med"/>
+                    </a:lnL>
+                    <a:lnR w="12700" cap="flat" cmpd="sng" algn="ctr">
+                      <a:noFill/>
+                      <a:prstDash val="solid"/>
+                      <a:round/>
+                      <a:headEnd type="none" w="med" len="med"/>
+                      <a:tailEnd type="none" w="med" len="med"/>
+                    </a:lnR>
+                    <a:lnT w="6350" cap="flat" cmpd="sng" algn="ctr">
+                      <a:solidFill>
+                        <a:schemeClr val="tx1"/>
+                      </a:solidFill>
+                      <a:prstDash val="solid"/>
+                      <a:round/>
+                      <a:headEnd type="none" w="med" len="med"/>
+                      <a:tailEnd type="none" w="med" len="med"/>
+                    </a:lnT>
+                    <a:lnB w="12700" cap="flat" cmpd="sng" algn="ctr">
+                      <a:solidFill>
+                        <a:schemeClr val="tx1"/>
+                      </a:solidFill>
+                      <a:prstDash val="solid"/>
+                      <a:round/>
+                      <a:headEnd type="none" w="med" len="med"/>
+                      <a:tailEnd type="none" w="med" len="med"/>
+                    </a:lnB>
+                  </a:tcPr>
+                </a:tc>
+                <a:tc>
+                  <a:txBody>
+                    <a:bodyPr/>
+                    <a:lstStyle/>
+                    <a:p>
+                      <a:pPr algn="ctr" fontAlgn="b"/>
+                      <a:r>
+                        <a:rPr lang="en-US" sz="1400" b="0" i="0" u="none" strike="noStrike">
+                          <a:solidFill>
+                            <a:srgbClr val="000000"/>
+                          </a:solidFill>
+                          <a:effectLst/>
+                          <a:latin typeface="Calibri" panose="020F0502020204030204" pitchFamily="34" charset="0"/>
+                        </a:rPr>
+                        <a:t>0.818854</a:t>
+                      </a:r>
+                    </a:p>
+                  </a:txBody>
+                  <a:tcPr marL="9525" marR="9525" marT="9525" marB="0" anchor="ctr">
+                    <a:lnL w="12700" cap="flat" cmpd="sng" algn="ctr">
+                      <a:noFill/>
+                      <a:prstDash val="solid"/>
+                      <a:round/>
+                      <a:headEnd type="none" w="med" len="med"/>
+                      <a:tailEnd type="none" w="med" len="med"/>
+                    </a:lnL>
+                    <a:lnR w="12700" cap="flat" cmpd="sng" algn="ctr">
+                      <a:noFill/>
+                      <a:prstDash val="solid"/>
+                      <a:round/>
+                      <a:headEnd type="none" w="med" len="med"/>
+                      <a:tailEnd type="none" w="med" len="med"/>
+                    </a:lnR>
+                    <a:lnT w="6350" cap="flat" cmpd="sng" algn="ctr">
+                      <a:solidFill>
+                        <a:schemeClr val="tx1"/>
+                      </a:solidFill>
+                      <a:prstDash val="solid"/>
+                      <a:round/>
+                      <a:headEnd type="none" w="med" len="med"/>
+                      <a:tailEnd type="none" w="med" len="med"/>
+                    </a:lnT>
+                    <a:lnB w="12700" cap="flat" cmpd="sng" algn="ctr">
+                      <a:solidFill>
+                        <a:schemeClr val="tx1"/>
+                      </a:solidFill>
+                      <a:prstDash val="solid"/>
+                      <a:round/>
+                      <a:headEnd type="none" w="med" len="med"/>
+                      <a:tailEnd type="none" w="med" len="med"/>
+                    </a:lnB>
+                  </a:tcPr>
+                </a:tc>
+                <a:tc>
+                  <a:txBody>
+                    <a:bodyPr/>
+                    <a:lstStyle/>
+                    <a:p>
+                      <a:pPr algn="ctr" fontAlgn="b"/>
+                      <a:r>
+                        <a:rPr lang="en-US" sz="1400" b="0" i="0" u="none" strike="noStrike">
+                          <a:solidFill>
+                            <a:srgbClr val="9C0006"/>
+                          </a:solidFill>
+                          <a:effectLst/>
+                          <a:latin typeface="Calibri" panose="020F0502020204030204" pitchFamily="34" charset="0"/>
+                        </a:rPr>
+                        <a:t>0.829068</a:t>
+                      </a:r>
+                    </a:p>
+                  </a:txBody>
+                  <a:tcPr marL="9525" marR="9525" marT="9525" marB="0" anchor="ctr">
+                    <a:lnL w="12700" cap="flat" cmpd="sng" algn="ctr">
+                      <a:noFill/>
+                      <a:prstDash val="solid"/>
+                      <a:round/>
+                      <a:headEnd type="none" w="med" len="med"/>
+                      <a:tailEnd type="none" w="med" len="med"/>
+                    </a:lnL>
+                    <a:lnR w="12700" cap="flat" cmpd="sng" algn="ctr">
+                      <a:noFill/>
+                      <a:prstDash val="solid"/>
+                      <a:round/>
+                      <a:headEnd type="none" w="med" len="med"/>
+                      <a:tailEnd type="none" w="med" len="med"/>
+                    </a:lnR>
+                    <a:lnT w="6350" cap="flat" cmpd="sng" algn="ctr">
+                      <a:solidFill>
+                        <a:schemeClr val="tx1"/>
+                      </a:solidFill>
+                      <a:prstDash val="solid"/>
+                      <a:round/>
+                      <a:headEnd type="none" w="med" len="med"/>
+                      <a:tailEnd type="none" w="med" len="med"/>
+                    </a:lnT>
+                    <a:lnB w="12700" cap="flat" cmpd="sng" algn="ctr">
+                      <a:solidFill>
+                        <a:schemeClr val="tx1"/>
+                      </a:solidFill>
+                      <a:prstDash val="solid"/>
+                      <a:round/>
+                      <a:headEnd type="none" w="med" len="med"/>
+                      <a:tailEnd type="none" w="med" len="med"/>
+                    </a:lnB>
+                    <a:solidFill>
+                      <a:srgbClr val="FFC7CE"/>
+                    </a:solidFill>
+                  </a:tcPr>
+                </a:tc>
+                <a:tc>
+                  <a:txBody>
+                    <a:bodyPr/>
+                    <a:lstStyle/>
+                    <a:p>
+                      <a:pPr algn="ctr" fontAlgn="b"/>
+                      <a:r>
+                        <a:rPr lang="en-US" sz="1400" b="0" i="0" u="none" strike="noStrike">
+                          <a:solidFill>
+                            <a:srgbClr val="000000"/>
+                          </a:solidFill>
+                          <a:effectLst/>
+                          <a:latin typeface="Calibri" panose="020F0502020204030204" pitchFamily="34" charset="0"/>
+                        </a:rPr>
+                        <a:t>0.523206</a:t>
+                      </a:r>
+                    </a:p>
+                  </a:txBody>
+                  <a:tcPr marL="9525" marR="9525" marT="9525" marB="0" anchor="ctr">
+                    <a:lnL w="12700" cap="flat" cmpd="sng" algn="ctr">
+                      <a:noFill/>
+                      <a:prstDash val="solid"/>
+                      <a:round/>
+                      <a:headEnd type="none" w="med" len="med"/>
+                      <a:tailEnd type="none" w="med" len="med"/>
+                    </a:lnL>
+                    <a:lnR w="12700" cap="flat" cmpd="sng" algn="ctr">
+                      <a:noFill/>
+                      <a:prstDash val="solid"/>
+                      <a:round/>
+                      <a:headEnd type="none" w="med" len="med"/>
+                      <a:tailEnd type="none" w="med" len="med"/>
+                    </a:lnR>
+                    <a:lnT w="6350" cap="flat" cmpd="sng" algn="ctr">
+                      <a:solidFill>
+                        <a:schemeClr val="tx1"/>
+                      </a:solidFill>
+                      <a:prstDash val="solid"/>
+                      <a:round/>
+                      <a:headEnd type="none" w="med" len="med"/>
+                      <a:tailEnd type="none" w="med" len="med"/>
+                    </a:lnT>
+                    <a:lnB w="12700" cap="flat" cmpd="sng" algn="ctr">
+                      <a:solidFill>
+                        <a:schemeClr val="tx1"/>
+                      </a:solidFill>
+                      <a:prstDash val="solid"/>
+                      <a:round/>
+                      <a:headEnd type="none" w="med" len="med"/>
+                      <a:tailEnd type="none" w="med" len="med"/>
+                    </a:lnB>
+                  </a:tcPr>
+                </a:tc>
+                <a:tc>
+                  <a:txBody>
+                    <a:bodyPr/>
+                    <a:lstStyle/>
+                    <a:p>
+                      <a:pPr algn="ctr" fontAlgn="b"/>
+                      <a:r>
+                        <a:rPr lang="en-US" sz="1400" b="0" i="0" u="none" strike="noStrike">
+                          <a:solidFill>
+                            <a:srgbClr val="000000"/>
+                          </a:solidFill>
+                          <a:effectLst/>
+                          <a:latin typeface="Calibri" panose="020F0502020204030204" pitchFamily="34" charset="0"/>
+                        </a:rPr>
+                        <a:t>0.117259</a:t>
+                      </a:r>
+                    </a:p>
+                  </a:txBody>
+                  <a:tcPr marL="9525" marR="9525" marT="9525" marB="0" anchor="ctr">
+                    <a:lnL w="12700" cap="flat" cmpd="sng" algn="ctr">
+                      <a:noFill/>
+                      <a:prstDash val="solid"/>
+                      <a:round/>
+                      <a:headEnd type="none" w="med" len="med"/>
+                      <a:tailEnd type="none" w="med" len="med"/>
+                    </a:lnL>
+                    <a:lnR w="12700" cap="flat" cmpd="sng" algn="ctr">
+                      <a:noFill/>
+                      <a:prstDash val="solid"/>
+                      <a:round/>
+                      <a:headEnd type="none" w="med" len="med"/>
+                      <a:tailEnd type="none" w="med" len="med"/>
+                    </a:lnR>
+                    <a:lnT w="6350" cap="flat" cmpd="sng" algn="ctr">
+                      <a:solidFill>
+                        <a:schemeClr val="tx1"/>
+                      </a:solidFill>
+                      <a:prstDash val="solid"/>
+                      <a:round/>
+                      <a:headEnd type="none" w="med" len="med"/>
+                      <a:tailEnd type="none" w="med" len="med"/>
+                    </a:lnT>
+                    <a:lnB w="12700" cap="flat" cmpd="sng" algn="ctr">
+                      <a:solidFill>
+                        <a:schemeClr val="tx1"/>
+                      </a:solidFill>
+                      <a:prstDash val="solid"/>
+                      <a:round/>
+                      <a:headEnd type="none" w="med" len="med"/>
+                      <a:tailEnd type="none" w="med" len="med"/>
+                    </a:lnB>
+                  </a:tcPr>
+                </a:tc>
+                <a:tc>
+                  <a:txBody>
+                    <a:bodyPr/>
+                    <a:lstStyle/>
+                    <a:p>
+                      <a:pPr algn="ctr" fontAlgn="b"/>
+                      <a:r>
+                        <a:rPr lang="en-US" sz="1400" b="0" i="0" u="none" strike="noStrike" dirty="0">
+                          <a:solidFill>
+                            <a:srgbClr val="000000"/>
+                          </a:solidFill>
+                          <a:effectLst/>
+                          <a:latin typeface="Calibri" panose="020F0502020204030204" pitchFamily="34" charset="0"/>
+                        </a:rPr>
+                        <a:t>0.24209</a:t>
+                      </a:r>
+                    </a:p>
+                  </a:txBody>
+                  <a:tcPr marL="9525" marR="9525" marT="9525" marB="0" anchor="ctr">
+                    <a:lnL w="12700" cap="flat" cmpd="sng" algn="ctr">
+                      <a:noFill/>
+                      <a:prstDash val="solid"/>
+                      <a:round/>
+                      <a:headEnd type="none" w="med" len="med"/>
+                      <a:tailEnd type="none" w="med" len="med"/>
+                    </a:lnL>
+                    <a:lnR w="12700" cap="flat" cmpd="sng" algn="ctr">
+                      <a:noFill/>
+                      <a:prstDash val="solid"/>
+                      <a:round/>
+                      <a:headEnd type="none" w="med" len="med"/>
+                      <a:tailEnd type="none" w="med" len="med"/>
+                    </a:lnR>
+                    <a:lnT w="6350" cap="flat" cmpd="sng" algn="ctr">
+                      <a:solidFill>
+                        <a:schemeClr val="tx1"/>
+                      </a:solidFill>
+                      <a:prstDash val="solid"/>
+                      <a:round/>
+                      <a:headEnd type="none" w="med" len="med"/>
+                      <a:tailEnd type="none" w="med" len="med"/>
+                    </a:lnT>
+                    <a:lnB w="12700" cap="flat" cmpd="sng" algn="ctr">
+                      <a:solidFill>
+                        <a:schemeClr val="tx1"/>
+                      </a:solidFill>
+                      <a:prstDash val="solid"/>
+                      <a:round/>
+                      <a:headEnd type="none" w="med" len="med"/>
+                      <a:tailEnd type="none" w="med" len="med"/>
+                    </a:lnB>
+                  </a:tcPr>
+                </a:tc>
+                <a:tc>
+                  <a:txBody>
+                    <a:bodyPr/>
+                    <a:lstStyle/>
+                    <a:p>
+                      <a:pPr algn="ctr" fontAlgn="b"/>
+                      <a:endParaRPr lang="en-US" sz="1400" b="0" i="0" u="none" strike="noStrike" dirty="0">
+                        <a:solidFill>
+                          <a:srgbClr val="000000"/>
+                        </a:solidFill>
+                        <a:effectLst/>
+                        <a:latin typeface="Calibri" panose="020F0502020204030204" pitchFamily="34" charset="0"/>
+                      </a:endParaRPr>
+                    </a:p>
+                  </a:txBody>
+                  <a:tcPr marL="9525" marR="9525" marT="9525" marB="0" anchor="ctr">
+                    <a:lnL w="12700" cap="flat" cmpd="sng" algn="ctr">
+                      <a:noFill/>
+                      <a:prstDash val="solid"/>
+                      <a:round/>
+                      <a:headEnd type="none" w="med" len="med"/>
+                      <a:tailEnd type="none" w="med" len="med"/>
+                    </a:lnL>
+                    <a:lnR>
+                      <a:noFill/>
+                    </a:lnR>
+                    <a:lnT w="6350" cap="flat" cmpd="sng" algn="ctr">
+                      <a:solidFill>
+                        <a:schemeClr val="tx1"/>
+                      </a:solidFill>
+                      <a:prstDash val="solid"/>
+                      <a:round/>
+                      <a:headEnd type="none" w="med" len="med"/>
+                      <a:tailEnd type="none" w="med" len="med"/>
+                    </a:lnT>
+                    <a:lnB w="12700" cap="flat" cmpd="sng" algn="ctr">
+                      <a:solidFill>
+                        <a:schemeClr val="tx1"/>
+                      </a:solidFill>
+                      <a:prstDash val="solid"/>
+                      <a:round/>
+                      <a:headEnd type="none" w="med" len="med"/>
+                      <a:tailEnd type="none" w="med" len="med"/>
+                    </a:lnB>
+                  </a:tcPr>
+                </a:tc>
+                <a:extLst>
+                  <a:ext uri="{0D108BD9-81ED-4DB2-BD59-A6C34878D82A}">
+                    <a16:rowId xmlns:a16="http://schemas.microsoft.com/office/drawing/2014/main" val="988956505"/>
+                  </a:ext>
+                </a:extLst>
+              </a:tr>
+            </a:tbl>
+          </a:graphicData>
+        </a:graphic>
+      </p:graphicFrame>
     </p:spTree>
     <p:extLst>
       <p:ext uri="{BB962C8B-B14F-4D97-AF65-F5344CB8AC3E}">

--- a/slides&notes/Learning on imbalanced data.pptx
+++ b/slides&notes/Learning on imbalanced data.pptx
@@ -5,7 +5,7 @@
     <p:sldMasterId id="2147483648" r:id="rId1"/>
   </p:sldMasterIdLst>
   <p:notesMasterIdLst>
-    <p:notesMasterId r:id="rId21"/>
+    <p:notesMasterId r:id="rId22"/>
   </p:notesMasterIdLst>
   <p:sldIdLst>
     <p:sldId id="256" r:id="rId2"/>
@@ -26,7 +26,8 @@
     <p:sldId id="280" r:id="rId17"/>
     <p:sldId id="283" r:id="rId18"/>
     <p:sldId id="284" r:id="rId19"/>
-    <p:sldId id="270" r:id="rId20"/>
+    <p:sldId id="285" r:id="rId20"/>
+    <p:sldId id="270" r:id="rId21"/>
   </p:sldIdLst>
   <p:sldSz cx="12192000" cy="6858000"/>
   <p:notesSz cx="6858000" cy="9144000"/>
@@ -4357,6 +4358,13 @@
         </dgm:presLayoutVars>
       </dgm:prSet>
       <dgm:spPr/>
+      <dgm:t>
+        <a:bodyPr/>
+        <a:lstStyle/>
+        <a:p>
+          <a:endParaRPr lang="en-US"/>
+        </a:p>
+      </dgm:t>
     </dgm:pt>
     <dgm:pt modelId="{1B408FFD-4C89-4BBC-82F0-F9954B2B1E6C}" type="pres">
       <dgm:prSet presAssocID="{0C582726-98B4-4855-A57B-50896A4071C4}" presName="triangle1" presStyleLbl="node1" presStyleIdx="0" presStyleCnt="4">
@@ -4637,6 +4645,13 @@
         </dgm:presLayoutVars>
       </dgm:prSet>
       <dgm:spPr/>
+      <dgm:t>
+        <a:bodyPr/>
+        <a:lstStyle/>
+        <a:p>
+          <a:endParaRPr lang="en-US"/>
+        </a:p>
+      </dgm:t>
     </dgm:pt>
     <dgm:pt modelId="{1B408FFD-4C89-4BBC-82F0-F9954B2B1E6C}" type="pres">
       <dgm:prSet presAssocID="{0C582726-98B4-4855-A57B-50896A4071C4}" presName="triangle1" presStyleLbl="node1" presStyleIdx="0" presStyleCnt="4">
@@ -4917,6 +4932,13 @@
         </dgm:presLayoutVars>
       </dgm:prSet>
       <dgm:spPr/>
+      <dgm:t>
+        <a:bodyPr/>
+        <a:lstStyle/>
+        <a:p>
+          <a:endParaRPr lang="en-US"/>
+        </a:p>
+      </dgm:t>
     </dgm:pt>
     <dgm:pt modelId="{1B408FFD-4C89-4BBC-82F0-F9954B2B1E6C}" type="pres">
       <dgm:prSet presAssocID="{0C582726-98B4-4855-A57B-50896A4071C4}" presName="triangle1" presStyleLbl="node1" presStyleIdx="0" presStyleCnt="4">
@@ -4983,8 +5005,8 @@
     <dgm:cxn modelId="{3C39EEA1-2FB7-4DB7-811E-E1127BBFDD46}" type="presOf" srcId="{C82C170E-600B-41CC-8830-7214700905A3}" destId="{1B408FFD-4C89-4BBC-82F0-F9954B2B1E6C}" srcOrd="0" destOrd="0" presId="urn:microsoft.com/office/officeart/2005/8/layout/pyramid4"/>
     <dgm:cxn modelId="{46293C21-26B4-449E-8135-665B2142082B}" type="presOf" srcId="{5E93888B-C9A2-4C4B-BDAA-F015B8603DC0}" destId="{8E85E9A3-AE7E-43BB-ACD1-6181B352FA1E}" srcOrd="0" destOrd="0" presId="urn:microsoft.com/office/officeart/2005/8/layout/pyramid4"/>
     <dgm:cxn modelId="{03649179-7D6E-40A7-B935-487C2A47A6B7}" type="presOf" srcId="{0C582726-98B4-4855-A57B-50896A4071C4}" destId="{67DA07FD-BB1A-481F-80BA-EC102D08A350}" srcOrd="0" destOrd="0" presId="urn:microsoft.com/office/officeart/2005/8/layout/pyramid4"/>
+    <dgm:cxn modelId="{279C52D3-3964-4339-BE75-63554F7B6C5D}" srcId="{0C582726-98B4-4855-A57B-50896A4071C4}" destId="{EB8FBA1F-C54D-4C19-9F5B-AE12FB05509C}" srcOrd="3" destOrd="0" parTransId="{692E58B7-135C-4B20-9BFD-897054349CBC}" sibTransId="{84A51B09-B5A3-42A0-A479-48078C22D8C5}"/>
     <dgm:cxn modelId="{6A6550CF-090E-4E12-9B3C-E84519E30C65}" srcId="{0C582726-98B4-4855-A57B-50896A4071C4}" destId="{C82C170E-600B-41CC-8830-7214700905A3}" srcOrd="0" destOrd="0" parTransId="{7087EAB5-9AA2-4794-8E0E-D7829691A415}" sibTransId="{1F9F8915-8416-46AD-B0D3-1620357981F9}"/>
-    <dgm:cxn modelId="{279C52D3-3964-4339-BE75-63554F7B6C5D}" srcId="{0C582726-98B4-4855-A57B-50896A4071C4}" destId="{EB8FBA1F-C54D-4C19-9F5B-AE12FB05509C}" srcOrd="3" destOrd="0" parTransId="{692E58B7-135C-4B20-9BFD-897054349CBC}" sibTransId="{84A51B09-B5A3-42A0-A479-48078C22D8C5}"/>
     <dgm:cxn modelId="{80275648-D35B-46C5-A5D6-B39707599C7B}" type="presOf" srcId="{CF9E07D3-EA7D-4C5A-9711-32D48396B04F}" destId="{A5C8494A-199F-4D1A-B3F4-E4BF5BB67961}" srcOrd="0" destOrd="0" presId="urn:microsoft.com/office/officeart/2005/8/layout/pyramid4"/>
     <dgm:cxn modelId="{9CC5CCA2-34EF-469D-8388-003C38530C80}" type="presOf" srcId="{EB8FBA1F-C54D-4C19-9F5B-AE12FB05509C}" destId="{EDCDA623-A380-4AC5-AA99-7AC65216F1B3}" srcOrd="0" destOrd="0" presId="urn:microsoft.com/office/officeart/2005/8/layout/pyramid4"/>
     <dgm:cxn modelId="{030DC5A1-6056-48D3-8813-CDF64AF1FC82}" srcId="{0C582726-98B4-4855-A57B-50896A4071C4}" destId="{5E93888B-C9A2-4C4B-BDAA-F015B8603DC0}" srcOrd="1" destOrd="0" parTransId="{06CD3AF7-2F8F-407C-96E1-F4F9C8488099}" sibTransId="{85D5532E-7B0C-419D-A4DC-08342F6ED887}"/>
@@ -5197,6 +5219,13 @@
         </dgm:presLayoutVars>
       </dgm:prSet>
       <dgm:spPr/>
+      <dgm:t>
+        <a:bodyPr/>
+        <a:lstStyle/>
+        <a:p>
+          <a:endParaRPr lang="en-US"/>
+        </a:p>
+      </dgm:t>
     </dgm:pt>
     <dgm:pt modelId="{1B408FFD-4C89-4BBC-82F0-F9954B2B1E6C}" type="pres">
       <dgm:prSet presAssocID="{0C582726-98B4-4855-A57B-50896A4071C4}" presName="triangle1" presStyleLbl="node1" presStyleIdx="0" presStyleCnt="4">
@@ -5477,6 +5506,13 @@
         </dgm:presLayoutVars>
       </dgm:prSet>
       <dgm:spPr/>
+      <dgm:t>
+        <a:bodyPr/>
+        <a:lstStyle/>
+        <a:p>
+          <a:endParaRPr lang="en-US"/>
+        </a:p>
+      </dgm:t>
     </dgm:pt>
     <dgm:pt modelId="{1B408FFD-4C89-4BBC-82F0-F9954B2B1E6C}" type="pres">
       <dgm:prSet presAssocID="{0C582726-98B4-4855-A57B-50896A4071C4}" presName="triangle1" presStyleLbl="node1" presStyleIdx="0" presStyleCnt="4">
@@ -17825,10 +17861,6 @@
               </a:rPr>
               <a:t>Tianfu.D.He@outlook.com</a:t>
             </a:r>
-            <a:endParaRPr lang="en-US" sz="1600" dirty="0" smtClean="0">
-              <a:latin typeface="Times New Roman" panose="02020603050405020304" pitchFamily="18" charset="0"/>
-              <a:cs typeface="Times New Roman" panose="02020603050405020304" pitchFamily="18" charset="0"/>
-            </a:endParaRPr>
           </a:p>
           <a:p>
             <a:pPr algn="r"/>
@@ -17933,8 +17965,8 @@
             <a:chExt cx="6050510" cy="3134601"/>
           </a:xfrm>
         </p:grpSpPr>
-        <mc:AlternateContent xmlns:mc="http://schemas.openxmlformats.org/markup-compatibility/2006">
-          <mc:Choice xmlns:a14="http://schemas.microsoft.com/office/drawing/2010/main" Requires="a14">
+        <mc:AlternateContent xmlns:mc="http://schemas.openxmlformats.org/markup-compatibility/2006" xmlns:a14="http://schemas.microsoft.com/office/drawing/2010/main">
+          <mc:Choice Requires="a14">
             <p:sp>
               <p:nvSpPr>
                 <p:cNvPr id="111" name="TextBox 110"/>
@@ -17989,7 +18021,7 @@
               </p:txBody>
             </p:sp>
           </mc:Choice>
-          <mc:Fallback>
+          <mc:Fallback xmlns="">
             <p:sp>
               <p:nvSpPr>
                 <p:cNvPr id="111" name="TextBox 110"/>
@@ -18069,8 +18101,8 @@
             </a:p>
           </p:txBody>
         </p:sp>
-        <mc:AlternateContent xmlns:mc="http://schemas.openxmlformats.org/markup-compatibility/2006">
-          <mc:Choice xmlns:a14="http://schemas.microsoft.com/office/drawing/2010/main" Requires="a14">
+        <mc:AlternateContent xmlns:mc="http://schemas.openxmlformats.org/markup-compatibility/2006" xmlns:a14="http://schemas.microsoft.com/office/drawing/2010/main">
+          <mc:Choice Requires="a14">
             <p:sp>
               <p:nvSpPr>
                 <p:cNvPr id="138" name="TextBox 137"/>
@@ -18152,7 +18184,7 @@
               </p:txBody>
             </p:sp>
           </mc:Choice>
-          <mc:Fallback>
+          <mc:Fallback xmlns="">
             <p:sp>
               <p:nvSpPr>
                 <p:cNvPr id="138" name="TextBox 137"/>
@@ -18375,13 +18407,6 @@
                   </a:rPr>
                   <a:t>or Expert Experience</a:t>
                 </a:r>
-                <a:endParaRPr lang="en-US" sz="1400" i="1" dirty="0">
-                  <a:solidFill>
-                    <a:schemeClr val="bg1">
-                      <a:lumMod val="50000"/>
-                    </a:schemeClr>
-                  </a:solidFill>
-                </a:endParaRPr>
               </a:p>
             </p:txBody>
           </p:sp>
@@ -18466,8 +18491,8 @@
               </a:p>
             </p:txBody>
           </p:sp>
-          <mc:AlternateContent xmlns:mc="http://schemas.openxmlformats.org/markup-compatibility/2006">
-            <mc:Choice xmlns:a14="http://schemas.microsoft.com/office/drawing/2010/main" Requires="a14">
+          <mc:AlternateContent xmlns:mc="http://schemas.openxmlformats.org/markup-compatibility/2006" xmlns:a14="http://schemas.microsoft.com/office/drawing/2010/main">
+            <mc:Choice Requires="a14">
               <p:sp>
                 <p:nvSpPr>
                   <p:cNvPr id="112" name="TextBox 111"/>
@@ -18548,7 +18573,7 @@
                 </p:txBody>
               </p:sp>
             </mc:Choice>
-            <mc:Fallback>
+            <mc:Fallback xmlns="">
               <p:sp>
                 <p:nvSpPr>
                   <p:cNvPr id="112" name="TextBox 111"/>
@@ -18757,8 +18782,8 @@
               </a:p>
             </p:txBody>
           </p:sp>
-          <mc:AlternateContent xmlns:mc="http://schemas.openxmlformats.org/markup-compatibility/2006">
-            <mc:Choice xmlns:a14="http://schemas.microsoft.com/office/drawing/2010/main" Requires="a14">
+          <mc:AlternateContent xmlns:mc="http://schemas.openxmlformats.org/markup-compatibility/2006" xmlns:a14="http://schemas.microsoft.com/office/drawing/2010/main">
+            <mc:Choice Requires="a14">
               <p:sp>
                 <p:nvSpPr>
                   <p:cNvPr id="186" name="TextBox 185"/>
@@ -18818,7 +18843,7 @@
                 </p:txBody>
               </p:sp>
             </mc:Choice>
-            <mc:Fallback>
+            <mc:Fallback xmlns="">
               <p:sp>
                 <p:nvSpPr>
                   <p:cNvPr id="186" name="TextBox 185"/>
@@ -19105,8 +19130,8 @@
           </a:graphicData>
         </a:graphic>
       </p:graphicFrame>
-      <mc:AlternateContent xmlns:mc="http://schemas.openxmlformats.org/markup-compatibility/2006">
-        <mc:Choice xmlns:a14="http://schemas.microsoft.com/office/drawing/2010/main" Requires="a14">
+      <mc:AlternateContent xmlns:mc="http://schemas.openxmlformats.org/markup-compatibility/2006" xmlns:a14="http://schemas.microsoft.com/office/drawing/2010/main">
+        <mc:Choice Requires="a14">
           <p:sp>
             <p:nvSpPr>
               <p:cNvPr id="64" name="TextBox 63"/>
@@ -19149,7 +19174,7 @@
             </p:txBody>
           </p:sp>
         </mc:Choice>
-        <mc:Fallback>
+        <mc:Fallback xmlns="">
           <p:sp>
             <p:nvSpPr>
               <p:cNvPr id="64" name="TextBox 63"/>
@@ -19298,8 +19323,8 @@
             <a:chExt cx="6050510" cy="3134601"/>
           </a:xfrm>
         </p:grpSpPr>
-        <mc:AlternateContent xmlns:mc="http://schemas.openxmlformats.org/markup-compatibility/2006">
-          <mc:Choice xmlns:a14="http://schemas.microsoft.com/office/drawing/2010/main" Requires="a14">
+        <mc:AlternateContent xmlns:mc="http://schemas.openxmlformats.org/markup-compatibility/2006" xmlns:a14="http://schemas.microsoft.com/office/drawing/2010/main">
+          <mc:Choice Requires="a14">
             <p:sp>
               <p:nvSpPr>
                 <p:cNvPr id="111" name="TextBox 110"/>
@@ -19354,7 +19379,7 @@
               </p:txBody>
             </p:sp>
           </mc:Choice>
-          <mc:Fallback>
+          <mc:Fallback xmlns="">
             <p:sp>
               <p:nvSpPr>
                 <p:cNvPr id="111" name="TextBox 110"/>
@@ -19434,8 +19459,8 @@
             </a:p>
           </p:txBody>
         </p:sp>
-        <mc:AlternateContent xmlns:mc="http://schemas.openxmlformats.org/markup-compatibility/2006">
-          <mc:Choice xmlns:a14="http://schemas.microsoft.com/office/drawing/2010/main" Requires="a14">
+        <mc:AlternateContent xmlns:mc="http://schemas.openxmlformats.org/markup-compatibility/2006" xmlns:a14="http://schemas.microsoft.com/office/drawing/2010/main">
+          <mc:Choice Requires="a14">
             <p:sp>
               <p:nvSpPr>
                 <p:cNvPr id="138" name="TextBox 137"/>
@@ -19517,7 +19542,7 @@
               </p:txBody>
             </p:sp>
           </mc:Choice>
-          <mc:Fallback>
+          <mc:Fallback xmlns="">
             <p:sp>
               <p:nvSpPr>
                 <p:cNvPr id="138" name="TextBox 137"/>
@@ -19740,13 +19765,6 @@
                   </a:rPr>
                   <a:t>or Expert Experience</a:t>
                 </a:r>
-                <a:endParaRPr lang="en-US" sz="1400" i="1" dirty="0">
-                  <a:solidFill>
-                    <a:schemeClr val="bg1">
-                      <a:lumMod val="50000"/>
-                    </a:schemeClr>
-                  </a:solidFill>
-                </a:endParaRPr>
               </a:p>
             </p:txBody>
           </p:sp>
@@ -19831,8 +19849,8 @@
               </a:p>
             </p:txBody>
           </p:sp>
-          <mc:AlternateContent xmlns:mc="http://schemas.openxmlformats.org/markup-compatibility/2006">
-            <mc:Choice xmlns:a14="http://schemas.microsoft.com/office/drawing/2010/main" Requires="a14">
+          <mc:AlternateContent xmlns:mc="http://schemas.openxmlformats.org/markup-compatibility/2006" xmlns:a14="http://schemas.microsoft.com/office/drawing/2010/main">
+            <mc:Choice Requires="a14">
               <p:sp>
                 <p:nvSpPr>
                   <p:cNvPr id="112" name="TextBox 111"/>
@@ -19913,7 +19931,7 @@
                 </p:txBody>
               </p:sp>
             </mc:Choice>
-            <mc:Fallback>
+            <mc:Fallback xmlns="">
               <p:sp>
                 <p:nvSpPr>
                   <p:cNvPr id="112" name="TextBox 111"/>
@@ -20122,8 +20140,8 @@
               </a:p>
             </p:txBody>
           </p:sp>
-          <mc:AlternateContent xmlns:mc="http://schemas.openxmlformats.org/markup-compatibility/2006">
-            <mc:Choice xmlns:a14="http://schemas.microsoft.com/office/drawing/2010/main" Requires="a14">
+          <mc:AlternateContent xmlns:mc="http://schemas.openxmlformats.org/markup-compatibility/2006" xmlns:a14="http://schemas.microsoft.com/office/drawing/2010/main">
+            <mc:Choice Requires="a14">
               <p:sp>
                 <p:nvSpPr>
                   <p:cNvPr id="186" name="TextBox 185"/>
@@ -20183,7 +20201,7 @@
                 </p:txBody>
               </p:sp>
             </mc:Choice>
-            <mc:Fallback>
+            <mc:Fallback xmlns="">
               <p:sp>
                 <p:nvSpPr>
                   <p:cNvPr id="186" name="TextBox 185"/>
@@ -20470,8 +20488,8 @@
           </a:graphicData>
         </a:graphic>
       </p:graphicFrame>
-      <mc:AlternateContent xmlns:mc="http://schemas.openxmlformats.org/markup-compatibility/2006">
-        <mc:Choice xmlns:a14="http://schemas.microsoft.com/office/drawing/2010/main" Requires="a14">
+      <mc:AlternateContent xmlns:mc="http://schemas.openxmlformats.org/markup-compatibility/2006" xmlns:a14="http://schemas.microsoft.com/office/drawing/2010/main">
+        <mc:Choice Requires="a14">
           <p:sp>
             <p:nvSpPr>
               <p:cNvPr id="64" name="TextBox 63"/>
@@ -20514,7 +20532,7 @@
             </p:txBody>
           </p:sp>
         </mc:Choice>
-        <mc:Fallback>
+        <mc:Fallback xmlns="">
           <p:sp>
             <p:nvSpPr>
               <p:cNvPr id="64" name="TextBox 63"/>
@@ -20739,8 +20757,8 @@
           </a:prstGeom>
         </p:spPr>
       </p:pic>
-      <mc:AlternateContent xmlns:mc="http://schemas.openxmlformats.org/markup-compatibility/2006">
-        <mc:Choice xmlns:a14="http://schemas.microsoft.com/office/drawing/2010/main" Requires="a14">
+      <mc:AlternateContent xmlns:mc="http://schemas.openxmlformats.org/markup-compatibility/2006" xmlns:a14="http://schemas.microsoft.com/office/drawing/2010/main">
+        <mc:Choice Requires="a14">
           <p:sp>
             <p:nvSpPr>
               <p:cNvPr id="12" name="TextBox 11"/>
@@ -20945,7 +20963,7 @@
             </p:txBody>
           </p:sp>
         </mc:Choice>
-        <mc:Fallback>
+        <mc:Fallback xmlns="">
           <p:sp>
             <p:nvSpPr>
               <p:cNvPr id="12" name="TextBox 11"/>
@@ -21204,8 +21222,8 @@
           </p:txBody>
         </p:sp>
       </p:grpSp>
-      <mc:AlternateContent xmlns:mc="http://schemas.openxmlformats.org/markup-compatibility/2006">
-        <mc:Choice xmlns:a14="http://schemas.microsoft.com/office/drawing/2010/main" Requires="a14">
+      <mc:AlternateContent xmlns:mc="http://schemas.openxmlformats.org/markup-compatibility/2006" xmlns:a14="http://schemas.microsoft.com/office/drawing/2010/main">
+        <mc:Choice Requires="a14">
           <p:sp>
             <p:nvSpPr>
               <p:cNvPr id="19" name="TextBox 18"/>
@@ -21519,7 +21537,7 @@
             </p:txBody>
           </p:sp>
         </mc:Choice>
-        <mc:Fallback>
+        <mc:Fallback xmlns="">
           <p:sp>
             <p:nvSpPr>
               <p:cNvPr id="19" name="TextBox 18"/>
@@ -21778,8 +21796,8 @@
           </p:txBody>
         </p:sp>
       </p:grpSp>
-      <mc:AlternateContent xmlns:mc="http://schemas.openxmlformats.org/markup-compatibility/2006">
-        <mc:Choice xmlns:a14="http://schemas.microsoft.com/office/drawing/2010/main" Requires="a14">
+      <mc:AlternateContent xmlns:mc="http://schemas.openxmlformats.org/markup-compatibility/2006" xmlns:a14="http://schemas.microsoft.com/office/drawing/2010/main">
+        <mc:Choice Requires="a14">
           <p:sp>
             <p:nvSpPr>
               <p:cNvPr id="15" name="TextBox 14"/>
@@ -21860,7 +21878,7 @@
             </p:txBody>
           </p:sp>
         </mc:Choice>
-        <mc:Fallback>
+        <mc:Fallback xmlns="">
           <p:sp>
             <p:nvSpPr>
               <p:cNvPr id="15" name="TextBox 14"/>
@@ -21958,8 +21976,8 @@
           </a:p>
         </p:txBody>
       </p:sp>
-      <mc:AlternateContent xmlns:mc="http://schemas.openxmlformats.org/markup-compatibility/2006">
-        <mc:Choice xmlns:a14="http://schemas.microsoft.com/office/drawing/2010/main" Requires="a14">
+      <mc:AlternateContent xmlns:mc="http://schemas.openxmlformats.org/markup-compatibility/2006" xmlns:a14="http://schemas.microsoft.com/office/drawing/2010/main">
+        <mc:Choice Requires="a14">
           <p:sp>
             <p:nvSpPr>
               <p:cNvPr id="3" name="Content Placeholder 2"/>
@@ -22687,7 +22705,7 @@
             </p:txBody>
           </p:sp>
         </mc:Choice>
-        <mc:Fallback>
+        <mc:Fallback xmlns="">
           <p:sp>
             <p:nvSpPr>
               <p:cNvPr id="3" name="Content Placeholder 2"/>
@@ -22769,8 +22787,8 @@
             </a:prstGeom>
           </p:spPr>
         </p:pic>
-        <mc:AlternateContent xmlns:mc="http://schemas.openxmlformats.org/markup-compatibility/2006">
-          <mc:Choice xmlns:a14="http://schemas.microsoft.com/office/drawing/2010/main" Requires="a14">
+        <mc:AlternateContent xmlns:mc="http://schemas.openxmlformats.org/markup-compatibility/2006" xmlns:a14="http://schemas.microsoft.com/office/drawing/2010/main">
+          <mc:Choice Requires="a14">
             <p:sp>
               <p:nvSpPr>
                 <p:cNvPr id="7" name="TextBox 6"/>
@@ -22846,7 +22864,7 @@
               </p:txBody>
             </p:sp>
           </mc:Choice>
-          <mc:Fallback>
+          <mc:Fallback xmlns="">
             <p:sp>
               <p:nvSpPr>
                 <p:cNvPr id="7" name="TextBox 6"/>
@@ -22930,8 +22948,8 @@
             </a:prstGeom>
           </p:spPr>
         </p:pic>
-        <mc:AlternateContent xmlns:mc="http://schemas.openxmlformats.org/markup-compatibility/2006">
-          <mc:Choice xmlns:a14="http://schemas.microsoft.com/office/drawing/2010/main" Requires="a14">
+        <mc:AlternateContent xmlns:mc="http://schemas.openxmlformats.org/markup-compatibility/2006" xmlns:a14="http://schemas.microsoft.com/office/drawing/2010/main">
+          <mc:Choice Requires="a14">
             <p:sp>
               <p:nvSpPr>
                 <p:cNvPr id="14" name="TextBox 13"/>
@@ -23007,7 +23025,7 @@
               </p:txBody>
             </p:sp>
           </mc:Choice>
-          <mc:Fallback>
+          <mc:Fallback xmlns="">
             <p:sp>
               <p:nvSpPr>
                 <p:cNvPr id="14" name="TextBox 13"/>
@@ -23158,8 +23176,8 @@
             <a:chExt cx="6050510" cy="3134601"/>
           </a:xfrm>
         </p:grpSpPr>
-        <mc:AlternateContent xmlns:mc="http://schemas.openxmlformats.org/markup-compatibility/2006">
-          <mc:Choice xmlns:a14="http://schemas.microsoft.com/office/drawing/2010/main" Requires="a14">
+        <mc:AlternateContent xmlns:mc="http://schemas.openxmlformats.org/markup-compatibility/2006" xmlns:a14="http://schemas.microsoft.com/office/drawing/2010/main">
+          <mc:Choice Requires="a14">
             <p:sp>
               <p:nvSpPr>
                 <p:cNvPr id="111" name="TextBox 110"/>
@@ -23214,7 +23232,7 @@
               </p:txBody>
             </p:sp>
           </mc:Choice>
-          <mc:Fallback>
+          <mc:Fallback xmlns="">
             <p:sp>
               <p:nvSpPr>
                 <p:cNvPr id="111" name="TextBox 110"/>
@@ -23294,8 +23312,8 @@
             </a:p>
           </p:txBody>
         </p:sp>
-        <mc:AlternateContent xmlns:mc="http://schemas.openxmlformats.org/markup-compatibility/2006">
-          <mc:Choice xmlns:a14="http://schemas.microsoft.com/office/drawing/2010/main" Requires="a14">
+        <mc:AlternateContent xmlns:mc="http://schemas.openxmlformats.org/markup-compatibility/2006" xmlns:a14="http://schemas.microsoft.com/office/drawing/2010/main">
+          <mc:Choice Requires="a14">
             <p:sp>
               <p:nvSpPr>
                 <p:cNvPr id="138" name="TextBox 137"/>
@@ -23377,7 +23395,7 @@
               </p:txBody>
             </p:sp>
           </mc:Choice>
-          <mc:Fallback>
+          <mc:Fallback xmlns="">
             <p:sp>
               <p:nvSpPr>
                 <p:cNvPr id="138" name="TextBox 137"/>
@@ -23624,13 +23642,6 @@
                   </a:rPr>
                   <a:t>or Expert Experience</a:t>
                 </a:r>
-                <a:endParaRPr lang="en-US" sz="1400" i="1" dirty="0">
-                  <a:solidFill>
-                    <a:schemeClr val="bg1">
-                      <a:lumMod val="50000"/>
-                    </a:schemeClr>
-                  </a:solidFill>
-                </a:endParaRPr>
               </a:p>
             </p:txBody>
           </p:sp>
@@ -23691,8 +23702,8 @@
               </a:p>
             </p:txBody>
           </p:sp>
-          <mc:AlternateContent xmlns:mc="http://schemas.openxmlformats.org/markup-compatibility/2006">
-            <mc:Choice xmlns:a14="http://schemas.microsoft.com/office/drawing/2010/main" Requires="a14">
+          <mc:AlternateContent xmlns:mc="http://schemas.openxmlformats.org/markup-compatibility/2006" xmlns:a14="http://schemas.microsoft.com/office/drawing/2010/main">
+            <mc:Choice Requires="a14">
               <p:sp>
                 <p:nvSpPr>
                   <p:cNvPr id="112" name="TextBox 111"/>
@@ -23773,7 +23784,7 @@
                 </p:txBody>
               </p:sp>
             </mc:Choice>
-            <mc:Fallback>
+            <mc:Fallback xmlns="">
               <p:sp>
                 <p:nvSpPr>
                   <p:cNvPr id="112" name="TextBox 111"/>
@@ -23982,8 +23993,8 @@
               </a:p>
             </p:txBody>
           </p:sp>
-          <mc:AlternateContent xmlns:mc="http://schemas.openxmlformats.org/markup-compatibility/2006">
-            <mc:Choice xmlns:a14="http://schemas.microsoft.com/office/drawing/2010/main" Requires="a14">
+          <mc:AlternateContent xmlns:mc="http://schemas.openxmlformats.org/markup-compatibility/2006" xmlns:a14="http://schemas.microsoft.com/office/drawing/2010/main">
+            <mc:Choice Requires="a14">
               <p:sp>
                 <p:nvSpPr>
                   <p:cNvPr id="186" name="TextBox 185"/>
@@ -24043,7 +24054,7 @@
                 </p:txBody>
               </p:sp>
             </mc:Choice>
-            <mc:Fallback>
+            <mc:Fallback xmlns="">
               <p:sp>
                 <p:nvSpPr>
                   <p:cNvPr id="186" name="TextBox 185"/>
@@ -24324,8 +24335,8 @@
           </a:p>
         </p:txBody>
       </p:sp>
-      <mc:AlternateContent xmlns:mc="http://schemas.openxmlformats.org/markup-compatibility/2006">
-        <mc:Choice xmlns:a14="http://schemas.microsoft.com/office/drawing/2010/main" Requires="a14">
+      <mc:AlternateContent xmlns:mc="http://schemas.openxmlformats.org/markup-compatibility/2006" xmlns:a14="http://schemas.microsoft.com/office/drawing/2010/main">
+        <mc:Choice Requires="a14">
           <p:sp>
             <p:nvSpPr>
               <p:cNvPr id="65" name="TextBox 64"/>
@@ -24392,7 +24403,7 @@
             </p:txBody>
           </p:sp>
         </mc:Choice>
-        <mc:Fallback>
+        <mc:Fallback xmlns="">
           <p:sp>
             <p:nvSpPr>
               <p:cNvPr id="65" name="TextBox 64"/>
@@ -24571,8 +24582,8 @@
             <a:chExt cx="6050510" cy="3134601"/>
           </a:xfrm>
         </p:grpSpPr>
-        <mc:AlternateContent xmlns:mc="http://schemas.openxmlformats.org/markup-compatibility/2006">
-          <mc:Choice xmlns:a14="http://schemas.microsoft.com/office/drawing/2010/main" Requires="a14">
+        <mc:AlternateContent xmlns:mc="http://schemas.openxmlformats.org/markup-compatibility/2006" xmlns:a14="http://schemas.microsoft.com/office/drawing/2010/main">
+          <mc:Choice Requires="a14">
             <p:sp>
               <p:nvSpPr>
                 <p:cNvPr id="111" name="TextBox 110"/>
@@ -24627,7 +24638,7 @@
               </p:txBody>
             </p:sp>
           </mc:Choice>
-          <mc:Fallback>
+          <mc:Fallback xmlns="">
             <p:sp>
               <p:nvSpPr>
                 <p:cNvPr id="111" name="TextBox 110"/>
@@ -24707,8 +24718,8 @@
             </a:p>
           </p:txBody>
         </p:sp>
-        <mc:AlternateContent xmlns:mc="http://schemas.openxmlformats.org/markup-compatibility/2006">
-          <mc:Choice xmlns:a14="http://schemas.microsoft.com/office/drawing/2010/main" Requires="a14">
+        <mc:AlternateContent xmlns:mc="http://schemas.openxmlformats.org/markup-compatibility/2006" xmlns:a14="http://schemas.microsoft.com/office/drawing/2010/main">
+          <mc:Choice Requires="a14">
             <p:sp>
               <p:nvSpPr>
                 <p:cNvPr id="138" name="TextBox 137"/>
@@ -24790,7 +24801,7 @@
               </p:txBody>
             </p:sp>
           </mc:Choice>
-          <mc:Fallback>
+          <mc:Fallback xmlns="">
             <p:sp>
               <p:nvSpPr>
                 <p:cNvPr id="138" name="TextBox 137"/>
@@ -25037,13 +25048,6 @@
                   </a:rPr>
                   <a:t>or Expert Experience</a:t>
                 </a:r>
-                <a:endParaRPr lang="en-US" sz="1400" i="1" dirty="0">
-                  <a:solidFill>
-                    <a:schemeClr val="bg1">
-                      <a:lumMod val="50000"/>
-                    </a:schemeClr>
-                  </a:solidFill>
-                </a:endParaRPr>
               </a:p>
             </p:txBody>
           </p:sp>
@@ -25104,8 +25108,8 @@
               </a:p>
             </p:txBody>
           </p:sp>
-          <mc:AlternateContent xmlns:mc="http://schemas.openxmlformats.org/markup-compatibility/2006">
-            <mc:Choice xmlns:a14="http://schemas.microsoft.com/office/drawing/2010/main" Requires="a14">
+          <mc:AlternateContent xmlns:mc="http://schemas.openxmlformats.org/markup-compatibility/2006" xmlns:a14="http://schemas.microsoft.com/office/drawing/2010/main">
+            <mc:Choice Requires="a14">
               <p:sp>
                 <p:nvSpPr>
                   <p:cNvPr id="112" name="TextBox 111"/>
@@ -25186,7 +25190,7 @@
                 </p:txBody>
               </p:sp>
             </mc:Choice>
-            <mc:Fallback>
+            <mc:Fallback xmlns="">
               <p:sp>
                 <p:nvSpPr>
                   <p:cNvPr id="112" name="TextBox 111"/>
@@ -25395,8 +25399,8 @@
               </a:p>
             </p:txBody>
           </p:sp>
-          <mc:AlternateContent xmlns:mc="http://schemas.openxmlformats.org/markup-compatibility/2006">
-            <mc:Choice xmlns:a14="http://schemas.microsoft.com/office/drawing/2010/main" Requires="a14">
+          <mc:AlternateContent xmlns:mc="http://schemas.openxmlformats.org/markup-compatibility/2006" xmlns:a14="http://schemas.microsoft.com/office/drawing/2010/main">
+            <mc:Choice Requires="a14">
               <p:sp>
                 <p:nvSpPr>
                   <p:cNvPr id="186" name="TextBox 185"/>
@@ -25456,7 +25460,7 @@
                 </p:txBody>
               </p:sp>
             </mc:Choice>
-            <mc:Fallback>
+            <mc:Fallback xmlns="">
               <p:sp>
                 <p:nvSpPr>
                   <p:cNvPr id="186" name="TextBox 185"/>
@@ -25803,8 +25807,8 @@
           </a:p>
         </p:txBody>
       </p:sp>
-      <mc:AlternateContent xmlns:mc="http://schemas.openxmlformats.org/markup-compatibility/2006">
-        <mc:Choice xmlns:a14="http://schemas.microsoft.com/office/drawing/2010/main" Requires="a14">
+      <mc:AlternateContent xmlns:mc="http://schemas.openxmlformats.org/markup-compatibility/2006" xmlns:a14="http://schemas.microsoft.com/office/drawing/2010/main">
+        <mc:Choice Requires="a14">
           <p:sp>
             <p:nvSpPr>
               <p:cNvPr id="65" name="TextBox 64"/>
@@ -25904,7 +25908,7 @@
             </p:txBody>
           </p:sp>
         </mc:Choice>
-        <mc:Fallback>
+        <mc:Fallback xmlns="">
           <p:sp>
             <p:nvSpPr>
               <p:cNvPr id="65" name="TextBox 64"/>
@@ -26474,7 +26478,7 @@
         <p:spPr>
           <a:xfrm>
             <a:off x="5421086" y="1992086"/>
-            <a:ext cx="7194021" cy="2062103"/>
+            <a:ext cx="5654351" cy="3354765"/>
           </a:xfrm>
           <a:prstGeom prst="rect">
             <a:avLst/>
@@ -26482,7 +26486,7 @@
           <a:noFill/>
         </p:spPr>
         <p:txBody>
-          <a:bodyPr wrap="none" rtlCol="0">
+          <a:bodyPr wrap="square" rtlCol="0">
             <a:spAutoFit/>
           </a:bodyPr>
           <a:lstStyle/>
@@ -26503,8 +26507,21 @@
             </a:pPr>
             <a:r>
               <a:rPr lang="en-US" dirty="0" smtClean="0"/>
-              <a:t>Very popular</a:t>
+              <a:t>Very </a:t>
             </a:r>
+            <a:r>
+              <a:rPr lang="en-US" dirty="0" smtClean="0"/>
+              <a:t>popular, insensitive to small </a:t>
+            </a:r>
+            <a:r>
+              <a:rPr lang="en-US" dirty="0" err="1" smtClean="0"/>
+              <a:t>disjuncts</a:t>
+            </a:r>
+            <a:r>
+              <a:rPr lang="en-US" dirty="0" smtClean="0"/>
+              <a:t>.</a:t>
+            </a:r>
+            <a:endParaRPr lang="en-US" dirty="0" smtClean="0"/>
           </a:p>
           <a:p>
             <a:pPr marL="742950" lvl="1" indent="-285750">
@@ -26513,15 +26530,43 @@
             </a:pPr>
             <a:r>
               <a:rPr lang="en-US" dirty="0" smtClean="0"/>
-              <a:t>Algorithm as follows</a:t>
+              <a:t>Algorithm as demonstrated.</a:t>
             </a:r>
+            <a:endParaRPr lang="en-US" dirty="0" smtClean="0"/>
           </a:p>
           <a:p>
             <a:pPr marL="742950" lvl="1" indent="-285750">
               <a:buFont typeface="Arial" panose="020B0604020202020204" pitchFamily="34" charset="0"/>
               <a:buChar char="•"/>
             </a:pPr>
+            <a:r>
+              <a:rPr lang="en-US" dirty="0" smtClean="0"/>
+              <a:t>How it works? SMOTE </a:t>
+            </a:r>
+            <a:r>
+              <a:rPr lang="en-US" u="sng" dirty="0"/>
+              <a:t>f</a:t>
+            </a:r>
+            <a:r>
+              <a:rPr lang="en-US" u="sng" dirty="0" smtClean="0"/>
+              <a:t>ills up empt</a:t>
+            </a:r>
+            <a:r>
+              <a:rPr lang="en-US" u="sng" dirty="0" smtClean="0"/>
+              <a:t>y space</a:t>
+            </a:r>
+            <a:r>
+              <a:rPr lang="en-US" sz="2000" b="1" dirty="0" smtClean="0"/>
+              <a:t> </a:t>
+            </a:r>
+            <a:r>
+              <a:rPr lang="en-US" dirty="0" smtClean="0"/>
+              <a:t>between positive instances therefore more representative.</a:t>
+            </a:r>
             <a:endParaRPr lang="en-US" dirty="0" smtClean="0"/>
+          </a:p>
+          <a:p>
+            <a:endParaRPr lang="en-US" sz="2800" dirty="0" smtClean="0"/>
           </a:p>
           <a:p>
             <a:pPr marL="285750" indent="-285750">
@@ -26532,6 +26577,7 @@
               <a:rPr lang="en-US" sz="2800" dirty="0" smtClean="0"/>
               <a:t>MWMOTE</a:t>
             </a:r>
+            <a:endParaRPr lang="en-US" sz="2800" dirty="0" smtClean="0"/>
           </a:p>
           <a:p>
             <a:pPr marL="742950" lvl="1" indent="-285750">
@@ -26540,7 +26586,19 @@
             </a:pPr>
             <a:r>
               <a:rPr lang="en-US" dirty="0" smtClean="0"/>
-              <a:t>An improvement of SMOTE, sensitive to noises and small </a:t>
+              <a:t>Similar to </a:t>
+            </a:r>
+            <a:r>
+              <a:rPr lang="en-US" dirty="0" smtClean="0"/>
+              <a:t>SMOTE, </a:t>
+            </a:r>
+            <a:r>
+              <a:rPr lang="en-US" dirty="0" smtClean="0"/>
+              <a:t>but sensitive </a:t>
+            </a:r>
+            <a:r>
+              <a:rPr lang="en-US" dirty="0" smtClean="0"/>
+              <a:t>to noises and small </a:t>
             </a:r>
             <a:r>
               <a:rPr lang="en-US" dirty="0" err="1" smtClean="0"/>
@@ -27053,55 +27111,70 @@
           <a:lstStyle/>
           <a:p>
             <a:r>
-              <a:rPr lang="en-US" dirty="0" smtClean="0"/>
-              <a:t>Results</a:t>
+              <a:rPr lang="en-US" dirty="0"/>
+              <a:t>One Class Learning</a:t>
             </a:r>
-            <a:endParaRPr lang="en-US" dirty="0"/>
           </a:p>
         </p:txBody>
       </p:sp>
-      <p:pic>
-        <p:nvPicPr>
-          <p:cNvPr id="6" name="Content Placeholder 5"/>
-          <p:cNvPicPr>
-            <a:picLocks noGrp="1" noChangeAspect="1"/>
-          </p:cNvPicPr>
+      <p:sp>
+        <p:nvSpPr>
+          <p:cNvPr id="3" name="Content Placeholder 2"/>
+          <p:cNvSpPr>
+            <a:spLocks noGrp="1"/>
+          </p:cNvSpPr>
           <p:nvPr>
             <p:ph idx="1"/>
           </p:nvPr>
-        </p:nvPicPr>
-        <p:blipFill rotWithShape="1">
-          <a:blip r:embed="rId2"/>
-          <a:srcRect l="3367" t="8885" r="3575" b="15939"/>
-          <a:stretch/>
-        </p:blipFill>
+        </p:nvSpPr>
         <p:spPr>
           <a:xfrm>
-            <a:off x="933691" y="2198914"/>
-            <a:ext cx="10324617" cy="3657600"/>
+            <a:off x="838200" y="1825625"/>
+            <a:ext cx="4601547" cy="4351338"/>
           </a:xfrm>
-          <a:prstGeom prst="rect">
-            <a:avLst/>
-          </a:prstGeom>
         </p:spPr>
-      </p:pic>
+        <p:txBody>
+          <a:bodyPr/>
+          <a:lstStyle/>
+          <a:p>
+            <a:r>
+              <a:rPr lang="en-US" dirty="0" smtClean="0"/>
+              <a:t>SVDD</a:t>
+            </a:r>
+          </a:p>
+          <a:p>
+            <a:pPr lvl="1"/>
+            <a:r>
+              <a:rPr lang="en-US" dirty="0" smtClean="0"/>
+              <a:t>Commonly used</a:t>
+            </a:r>
+          </a:p>
+          <a:p>
+            <a:pPr lvl="1"/>
+            <a:r>
+              <a:rPr lang="en-US" dirty="0" smtClean="0"/>
+              <a:t>Designed to grasp one class, which is in truth a hypersphere boundary to cover the training data.</a:t>
+            </a:r>
+          </a:p>
+          <a:p>
+            <a:pPr lvl="1"/>
+            <a:r>
+              <a:rPr lang="en-US" dirty="0" smtClean="0"/>
+              <a:t>The object needs to be well represented by training data</a:t>
+            </a:r>
+          </a:p>
+        </p:txBody>
+      </p:sp>
     </p:spTree>
     <p:extLst>
       <p:ext uri="{BB962C8B-B14F-4D97-AF65-F5344CB8AC3E}">
-        <p14:creationId xmlns:p14="http://schemas.microsoft.com/office/powerpoint/2010/main" val="1907215541"/>
+        <p14:creationId xmlns:p14="http://schemas.microsoft.com/office/powerpoint/2010/main" val="2959977322"/>
       </p:ext>
     </p:extLst>
   </p:cSld>
   <p:clrMapOvr>
     <a:masterClrMapping/>
   </p:clrMapOvr>
-  <p:timing>
-    <p:tnLst>
-      <p:par>
-        <p:cTn id="1" dur="indefinite" restart="never" nodeType="tmRoot"/>
-      </p:par>
-    </p:tnLst>
-  </p:timing>
 </p:sld>
 </file>
 
@@ -27227,6 +27300,91 @@
     <p:extLst>
       <p:ext uri="{BB962C8B-B14F-4D97-AF65-F5344CB8AC3E}">
         <p14:creationId xmlns:p14="http://schemas.microsoft.com/office/powerpoint/2010/main" val="1787377613"/>
+      </p:ext>
+    </p:extLst>
+  </p:cSld>
+  <p:clrMapOvr>
+    <a:masterClrMapping/>
+  </p:clrMapOvr>
+  <p:timing>
+    <p:tnLst>
+      <p:par>
+        <p:cTn id="1" dur="indefinite" restart="never" nodeType="tmRoot"/>
+      </p:par>
+    </p:tnLst>
+  </p:timing>
+</p:sld>
+</file>
+
+<file path=ppt/slides/slide20.xml><?xml version="1.0" encoding="utf-8"?>
+<p:sld xmlns:a="http://schemas.openxmlformats.org/drawingml/2006/main" xmlns:r="http://schemas.openxmlformats.org/officeDocument/2006/relationships" xmlns:p="http://schemas.openxmlformats.org/presentationml/2006/main">
+  <p:cSld>
+    <p:spTree>
+      <p:nvGrpSpPr>
+        <p:cNvPr id="1" name=""/>
+        <p:cNvGrpSpPr/>
+        <p:nvPr/>
+      </p:nvGrpSpPr>
+      <p:grpSpPr>
+        <a:xfrm>
+          <a:off x="0" y="0"/>
+          <a:ext cx="0" cy="0"/>
+          <a:chOff x="0" y="0"/>
+          <a:chExt cx="0" cy="0"/>
+        </a:xfrm>
+      </p:grpSpPr>
+      <p:sp>
+        <p:nvSpPr>
+          <p:cNvPr id="2" name="Title 1"/>
+          <p:cNvSpPr>
+            <a:spLocks noGrp="1"/>
+          </p:cNvSpPr>
+          <p:nvPr>
+            <p:ph type="title"/>
+          </p:nvPr>
+        </p:nvSpPr>
+        <p:spPr/>
+        <p:txBody>
+          <a:bodyPr/>
+          <a:lstStyle/>
+          <a:p>
+            <a:r>
+              <a:rPr lang="en-US" dirty="0" smtClean="0"/>
+              <a:t>Results</a:t>
+            </a:r>
+            <a:endParaRPr lang="en-US" dirty="0"/>
+          </a:p>
+        </p:txBody>
+      </p:sp>
+      <p:pic>
+        <p:nvPicPr>
+          <p:cNvPr id="6" name="Content Placeholder 5"/>
+          <p:cNvPicPr>
+            <a:picLocks noGrp="1" noChangeAspect="1"/>
+          </p:cNvPicPr>
+          <p:nvPr>
+            <p:ph idx="1"/>
+          </p:nvPr>
+        </p:nvPicPr>
+        <p:blipFill rotWithShape="1">
+          <a:blip r:embed="rId2"/>
+          <a:srcRect l="3367" t="8885" r="3575" b="15939"/>
+          <a:stretch/>
+        </p:blipFill>
+        <p:spPr>
+          <a:xfrm>
+            <a:off x="933691" y="2198914"/>
+            <a:ext cx="10324617" cy="3657600"/>
+          </a:xfrm>
+          <a:prstGeom prst="rect">
+            <a:avLst/>
+          </a:prstGeom>
+        </p:spPr>
+      </p:pic>
+    </p:spTree>
+    <p:extLst>
+      <p:ext uri="{BB962C8B-B14F-4D97-AF65-F5344CB8AC3E}">
+        <p14:creationId xmlns:p14="http://schemas.microsoft.com/office/powerpoint/2010/main" val="1907215541"/>
       </p:ext>
     </p:extLst>
   </p:cSld>
@@ -27441,7 +27599,6 @@
               <a:rPr lang="en-US" sz="1200" i="1" dirty="0"/>
               <a:t>, M. (2013). UCI Machine Learning Repository [http://archive.ics.uci.edu/ml]. Irvine, CA: University of California, School of Information and Computer Science.</a:t>
             </a:r>
-            <a:endParaRPr lang="en-US" sz="1200" i="1" dirty="0"/>
           </a:p>
         </p:txBody>
       </p:sp>
@@ -28132,8 +28289,8 @@
           </a:graphicData>
         </a:graphic>
       </p:graphicFrame>
-      <mc:AlternateContent xmlns:mc="http://schemas.openxmlformats.org/markup-compatibility/2006">
-        <mc:Choice xmlns:a14="http://schemas.microsoft.com/office/drawing/2010/main" Requires="a14">
+      <mc:AlternateContent xmlns:mc="http://schemas.openxmlformats.org/markup-compatibility/2006" xmlns:a14="http://schemas.microsoft.com/office/drawing/2010/main">
+        <mc:Choice Requires="a14">
           <p:sp>
             <p:nvSpPr>
               <p:cNvPr id="9" name="TextBox 8"/>
@@ -28192,7 +28349,7 @@
             </p:txBody>
           </p:sp>
         </mc:Choice>
-        <mc:Fallback>
+        <mc:Fallback xmlns="">
           <p:sp>
             <p:nvSpPr>
               <p:cNvPr id="9" name="TextBox 8"/>
@@ -28918,8 +29075,8 @@
           </a:graphicData>
         </a:graphic>
       </p:graphicFrame>
-      <mc:AlternateContent xmlns:mc="http://schemas.openxmlformats.org/markup-compatibility/2006">
-        <mc:Choice xmlns:a14="http://schemas.microsoft.com/office/drawing/2010/main" Requires="a14">
+      <mc:AlternateContent xmlns:mc="http://schemas.openxmlformats.org/markup-compatibility/2006" xmlns:a14="http://schemas.microsoft.com/office/drawing/2010/main">
+        <mc:Choice Requires="a14">
           <p:sp>
             <p:nvSpPr>
               <p:cNvPr id="12" name="TextBox 11"/>
@@ -28998,7 +29155,7 @@
             </p:txBody>
           </p:sp>
         </mc:Choice>
-        <mc:Fallback>
+        <mc:Fallback xmlns="">
           <p:sp>
             <p:nvSpPr>
               <p:cNvPr id="12" name="TextBox 11"/>
@@ -30067,23 +30224,6 @@
               </a:rPr>
               <a:t>C</a:t>
             </a:r>
-            <a:endParaRPr lang="en-US" sz="5400" dirty="0">
-              <a:ln w="0"/>
-              <a:solidFill>
-                <a:schemeClr val="tx1">
-                  <a:lumMod val="50000"/>
-                  <a:lumOff val="50000"/>
-                </a:schemeClr>
-              </a:solidFill>
-              <a:effectLst>
-                <a:outerShdw blurRad="38100" dist="25400" dir="5400000" algn="ctr" rotWithShape="0">
-                  <a:srgbClr val="6E747A">
-                    <a:alpha val="43000"/>
-                  </a:srgbClr>
-                </a:outerShdw>
-              </a:effectLst>
-              <a:latin typeface="Bernard MT Condensed" panose="02050806060905020404" pitchFamily="18" charset="0"/>
-            </a:endParaRPr>
           </a:p>
         </p:txBody>
       </p:sp>
@@ -31086,23 +31226,6 @@
                 </a:rPr>
                 <a:t>C</a:t>
               </a:r>
-              <a:endParaRPr lang="en-US" sz="5400" dirty="0">
-                <a:ln w="0"/>
-                <a:solidFill>
-                  <a:schemeClr val="tx1">
-                    <a:lumMod val="50000"/>
-                    <a:lumOff val="50000"/>
-                  </a:schemeClr>
-                </a:solidFill>
-                <a:effectLst>
-                  <a:outerShdw blurRad="38100" dist="25400" dir="5400000" algn="ctr" rotWithShape="0">
-                    <a:srgbClr val="6E747A">
-                      <a:alpha val="43000"/>
-                    </a:srgbClr>
-                  </a:outerShdw>
-                </a:effectLst>
-                <a:latin typeface="Bernard MT Condensed" panose="02050806060905020404" pitchFamily="18" charset="0"/>
-              </a:endParaRPr>
             </a:p>
           </p:txBody>
         </p:sp>
@@ -32035,23 +32158,6 @@
                 </a:rPr>
                 <a:t>C</a:t>
               </a:r>
-              <a:endParaRPr lang="en-US" sz="5400" dirty="0">
-                <a:ln w="0"/>
-                <a:solidFill>
-                  <a:schemeClr val="tx1">
-                    <a:lumMod val="50000"/>
-                    <a:lumOff val="50000"/>
-                  </a:schemeClr>
-                </a:solidFill>
-                <a:effectLst>
-                  <a:outerShdw blurRad="38100" dist="25400" dir="5400000" algn="ctr" rotWithShape="0">
-                    <a:srgbClr val="6E747A">
-                      <a:alpha val="43000"/>
-                    </a:srgbClr>
-                  </a:outerShdw>
-                </a:effectLst>
-                <a:latin typeface="Bernard MT Condensed" panose="02050806060905020404" pitchFamily="18" charset="0"/>
-              </a:endParaRPr>
             </a:p>
           </p:txBody>
         </p:sp>
@@ -33303,23 +33409,6 @@
                   </a:rPr>
                   <a:t>?</a:t>
                 </a:r>
-                <a:endParaRPr lang="en-US" sz="5400" dirty="0">
-                  <a:ln w="0"/>
-                  <a:solidFill>
-                    <a:schemeClr val="tx1">
-                      <a:lumMod val="50000"/>
-                      <a:lumOff val="50000"/>
-                    </a:schemeClr>
-                  </a:solidFill>
-                  <a:effectLst>
-                    <a:outerShdw blurRad="38100" dist="25400" dir="5400000" algn="ctr" rotWithShape="0">
-                      <a:srgbClr val="6E747A">
-                        <a:alpha val="43000"/>
-                      </a:srgbClr>
-                    </a:outerShdw>
-                  </a:effectLst>
-                  <a:cs typeface="Times New Roman" panose="02020603050405020304" pitchFamily="18" charset="0"/>
-                </a:endParaRPr>
               </a:p>
             </p:txBody>
           </p:sp>
@@ -33370,23 +33459,6 @@
                   </a:rPr>
                   <a:t>?</a:t>
                 </a:r>
-                <a:endParaRPr lang="en-US" sz="5400" dirty="0">
-                  <a:ln w="0"/>
-                  <a:solidFill>
-                    <a:schemeClr val="tx1">
-                      <a:lumMod val="50000"/>
-                      <a:lumOff val="50000"/>
-                    </a:schemeClr>
-                  </a:solidFill>
-                  <a:effectLst>
-                    <a:outerShdw blurRad="38100" dist="25400" dir="5400000" algn="ctr" rotWithShape="0">
-                      <a:srgbClr val="6E747A">
-                        <a:alpha val="43000"/>
-                      </a:srgbClr>
-                    </a:outerShdw>
-                  </a:effectLst>
-                  <a:cs typeface="Times New Roman" panose="02020603050405020304" pitchFamily="18" charset="0"/>
-                </a:endParaRPr>
               </a:p>
             </p:txBody>
           </p:sp>
@@ -33504,23 +33576,6 @@
                   </a:rPr>
                   <a:t>?</a:t>
                 </a:r>
-                <a:endParaRPr lang="en-US" sz="5400" dirty="0">
-                  <a:ln w="0"/>
-                  <a:solidFill>
-                    <a:schemeClr val="tx1">
-                      <a:lumMod val="50000"/>
-                      <a:lumOff val="50000"/>
-                    </a:schemeClr>
-                  </a:solidFill>
-                  <a:effectLst>
-                    <a:outerShdw blurRad="38100" dist="25400" dir="5400000" algn="ctr" rotWithShape="0">
-                      <a:srgbClr val="6E747A">
-                        <a:alpha val="43000"/>
-                      </a:srgbClr>
-                    </a:outerShdw>
-                  </a:effectLst>
-                  <a:cs typeface="Times New Roman" panose="02020603050405020304" pitchFamily="18" charset="0"/>
-                </a:endParaRPr>
               </a:p>
             </p:txBody>
           </p:sp>
@@ -33827,23 +33882,6 @@
                   </a:rPr>
                   <a:t>C</a:t>
                 </a:r>
-                <a:endParaRPr lang="en-US" sz="5400" dirty="0">
-                  <a:ln w="0"/>
-                  <a:solidFill>
-                    <a:schemeClr val="tx1">
-                      <a:lumMod val="50000"/>
-                      <a:lumOff val="50000"/>
-                    </a:schemeClr>
-                  </a:solidFill>
-                  <a:effectLst>
-                    <a:outerShdw blurRad="38100" dist="25400" dir="5400000" algn="ctr" rotWithShape="0">
-                      <a:srgbClr val="6E747A">
-                        <a:alpha val="43000"/>
-                      </a:srgbClr>
-                    </a:outerShdw>
-                  </a:effectLst>
-                  <a:latin typeface="Bernard MT Condensed" panose="02050806060905020404" pitchFamily="18" charset="0"/>
-                </a:endParaRPr>
               </a:p>
             </p:txBody>
           </p:sp>
@@ -35046,23 +35084,6 @@
                   </a:rPr>
                   <a:t>?</a:t>
                 </a:r>
-                <a:endParaRPr lang="en-US" sz="5400" dirty="0">
-                  <a:ln w="0"/>
-                  <a:solidFill>
-                    <a:schemeClr val="tx1">
-                      <a:lumMod val="50000"/>
-                      <a:lumOff val="50000"/>
-                    </a:schemeClr>
-                  </a:solidFill>
-                  <a:effectLst>
-                    <a:outerShdw blurRad="38100" dist="25400" dir="5400000" algn="ctr" rotWithShape="0">
-                      <a:srgbClr val="6E747A">
-                        <a:alpha val="43000"/>
-                      </a:srgbClr>
-                    </a:outerShdw>
-                  </a:effectLst>
-                  <a:cs typeface="Times New Roman" panose="02020603050405020304" pitchFamily="18" charset="0"/>
-                </a:endParaRPr>
               </a:p>
             </p:txBody>
           </p:sp>
@@ -35113,23 +35134,6 @@
                   </a:rPr>
                   <a:t>?</a:t>
                 </a:r>
-                <a:endParaRPr lang="en-US" sz="5400" dirty="0">
-                  <a:ln w="0"/>
-                  <a:solidFill>
-                    <a:schemeClr val="tx1">
-                      <a:lumMod val="50000"/>
-                      <a:lumOff val="50000"/>
-                    </a:schemeClr>
-                  </a:solidFill>
-                  <a:effectLst>
-                    <a:outerShdw blurRad="38100" dist="25400" dir="5400000" algn="ctr" rotWithShape="0">
-                      <a:srgbClr val="6E747A">
-                        <a:alpha val="43000"/>
-                      </a:srgbClr>
-                    </a:outerShdw>
-                  </a:effectLst>
-                  <a:cs typeface="Times New Roman" panose="02020603050405020304" pitchFamily="18" charset="0"/>
-                </a:endParaRPr>
               </a:p>
             </p:txBody>
           </p:sp>
@@ -35247,23 +35251,6 @@
                   </a:rPr>
                   <a:t>?</a:t>
                 </a:r>
-                <a:endParaRPr lang="en-US" sz="5400" dirty="0">
-                  <a:ln w="0"/>
-                  <a:solidFill>
-                    <a:schemeClr val="tx1">
-                      <a:lumMod val="50000"/>
-                      <a:lumOff val="50000"/>
-                    </a:schemeClr>
-                  </a:solidFill>
-                  <a:effectLst>
-                    <a:outerShdw blurRad="38100" dist="25400" dir="5400000" algn="ctr" rotWithShape="0">
-                      <a:srgbClr val="6E747A">
-                        <a:alpha val="43000"/>
-                      </a:srgbClr>
-                    </a:outerShdw>
-                  </a:effectLst>
-                  <a:cs typeface="Times New Roman" panose="02020603050405020304" pitchFamily="18" charset="0"/>
-                </a:endParaRPr>
               </a:p>
             </p:txBody>
           </p:sp>
@@ -35570,23 +35557,6 @@
                   </a:rPr>
                   <a:t>C</a:t>
                 </a:r>
-                <a:endParaRPr lang="en-US" sz="5400" dirty="0">
-                  <a:ln w="0"/>
-                  <a:solidFill>
-                    <a:schemeClr val="tx1">
-                      <a:lumMod val="50000"/>
-                      <a:lumOff val="50000"/>
-                    </a:schemeClr>
-                  </a:solidFill>
-                  <a:effectLst>
-                    <a:outerShdw blurRad="38100" dist="25400" dir="5400000" algn="ctr" rotWithShape="0">
-                      <a:srgbClr val="6E747A">
-                        <a:alpha val="43000"/>
-                      </a:srgbClr>
-                    </a:outerShdw>
-                  </a:effectLst>
-                  <a:latin typeface="Bernard MT Condensed" panose="02050806060905020404" pitchFamily="18" charset="0"/>
-                </a:endParaRPr>
               </a:p>
             </p:txBody>
           </p:sp>
@@ -36492,8 +36462,8 @@
             <a:chExt cx="6050510" cy="3134601"/>
           </a:xfrm>
         </p:grpSpPr>
-        <mc:AlternateContent xmlns:mc="http://schemas.openxmlformats.org/markup-compatibility/2006">
-          <mc:Choice xmlns:a14="http://schemas.microsoft.com/office/drawing/2010/main" Requires="a14">
+        <mc:AlternateContent xmlns:mc="http://schemas.openxmlformats.org/markup-compatibility/2006" xmlns:a14="http://schemas.microsoft.com/office/drawing/2010/main">
+          <mc:Choice Requires="a14">
             <p:sp>
               <p:nvSpPr>
                 <p:cNvPr id="111" name="TextBox 110"/>
@@ -36548,7 +36518,7 @@
               </p:txBody>
             </p:sp>
           </mc:Choice>
-          <mc:Fallback>
+          <mc:Fallback xmlns="">
             <p:sp>
               <p:nvSpPr>
                 <p:cNvPr id="111" name="TextBox 110"/>
@@ -36628,8 +36598,8 @@
             </a:p>
           </p:txBody>
         </p:sp>
-        <mc:AlternateContent xmlns:mc="http://schemas.openxmlformats.org/markup-compatibility/2006">
-          <mc:Choice xmlns:a14="http://schemas.microsoft.com/office/drawing/2010/main" Requires="a14">
+        <mc:AlternateContent xmlns:mc="http://schemas.openxmlformats.org/markup-compatibility/2006" xmlns:a14="http://schemas.microsoft.com/office/drawing/2010/main">
+          <mc:Choice Requires="a14">
             <p:sp>
               <p:nvSpPr>
                 <p:cNvPr id="138" name="TextBox 137"/>
@@ -36711,7 +36681,7 @@
               </p:txBody>
             </p:sp>
           </mc:Choice>
-          <mc:Fallback>
+          <mc:Fallback xmlns="">
             <p:sp>
               <p:nvSpPr>
                 <p:cNvPr id="138" name="TextBox 137"/>
@@ -36934,13 +36904,6 @@
                   </a:rPr>
                   <a:t>or Expert Experience</a:t>
                 </a:r>
-                <a:endParaRPr lang="en-US" sz="1400" i="1" dirty="0">
-                  <a:solidFill>
-                    <a:schemeClr val="bg1">
-                      <a:lumMod val="50000"/>
-                    </a:schemeClr>
-                  </a:solidFill>
-                </a:endParaRPr>
               </a:p>
             </p:txBody>
           </p:sp>
@@ -37001,8 +36964,8 @@
               </a:p>
             </p:txBody>
           </p:sp>
-          <mc:AlternateContent xmlns:mc="http://schemas.openxmlformats.org/markup-compatibility/2006">
-            <mc:Choice xmlns:a14="http://schemas.microsoft.com/office/drawing/2010/main" Requires="a14">
+          <mc:AlternateContent xmlns:mc="http://schemas.openxmlformats.org/markup-compatibility/2006" xmlns:a14="http://schemas.microsoft.com/office/drawing/2010/main">
+            <mc:Choice Requires="a14">
               <p:sp>
                 <p:nvSpPr>
                   <p:cNvPr id="112" name="TextBox 111"/>
@@ -37083,7 +37046,7 @@
                 </p:txBody>
               </p:sp>
             </mc:Choice>
-            <mc:Fallback>
+            <mc:Fallback xmlns="">
               <p:sp>
                 <p:nvSpPr>
                   <p:cNvPr id="112" name="TextBox 111"/>
@@ -37292,8 +37255,8 @@
               </a:p>
             </p:txBody>
           </p:sp>
-          <mc:AlternateContent xmlns:mc="http://schemas.openxmlformats.org/markup-compatibility/2006">
-            <mc:Choice xmlns:a14="http://schemas.microsoft.com/office/drawing/2010/main" Requires="a14">
+          <mc:AlternateContent xmlns:mc="http://schemas.openxmlformats.org/markup-compatibility/2006" xmlns:a14="http://schemas.microsoft.com/office/drawing/2010/main">
+            <mc:Choice Requires="a14">
               <p:sp>
                 <p:nvSpPr>
                   <p:cNvPr id="186" name="TextBox 185"/>
@@ -37353,7 +37316,7 @@
                 </p:txBody>
               </p:sp>
             </mc:Choice>
-            <mc:Fallback>
+            <mc:Fallback xmlns="">
               <p:sp>
                 <p:nvSpPr>
                   <p:cNvPr id="186" name="TextBox 185"/>

--- a/slides&notes/Learning on imbalanced data.pptx
+++ b/slides&notes/Learning on imbalanced data.pptx
@@ -5,7 +5,7 @@
     <p:sldMasterId id="2147483648" r:id="rId1"/>
   </p:sldMasterIdLst>
   <p:notesMasterIdLst>
-    <p:notesMasterId r:id="rId22"/>
+    <p:notesMasterId r:id="rId26"/>
   </p:notesMasterIdLst>
   <p:sldIdLst>
     <p:sldId id="256" r:id="rId2"/>
@@ -27,7 +27,11 @@
     <p:sldId id="283" r:id="rId18"/>
     <p:sldId id="284" r:id="rId19"/>
     <p:sldId id="285" r:id="rId20"/>
-    <p:sldId id="270" r:id="rId21"/>
+    <p:sldId id="286" r:id="rId21"/>
+    <p:sldId id="287" r:id="rId22"/>
+    <p:sldId id="288" r:id="rId23"/>
+    <p:sldId id="289" r:id="rId24"/>
+    <p:sldId id="270" r:id="rId25"/>
   </p:sldIdLst>
   <p:sldSz cx="12192000" cy="6858000"/>
   <p:notesSz cx="6858000" cy="9144000"/>
@@ -14503,7 +14507,7 @@
           <a:p>
             <a:fld id="{EFE6CCCD-BB4B-4C24-B0F8-C4DB08BB7B4F}" type="datetimeFigureOut">
               <a:rPr lang="en-US" smtClean="0"/>
-              <a:t>6/14/2016</a:t>
+              <a:t>6/15/2016</a:t>
             </a:fld>
             <a:endParaRPr lang="en-US"/>
           </a:p>
@@ -15082,7 +15086,7 @@
           <a:p>
             <a:fld id="{E53C87ED-EC79-4D1E-A771-3ECE4BB9BC6B}" type="datetimeFigureOut">
               <a:rPr lang="en-US" smtClean="0"/>
-              <a:t>6/14/2016</a:t>
+              <a:t>6/15/2016</a:t>
             </a:fld>
             <a:endParaRPr lang="en-US"/>
           </a:p>
@@ -15252,7 +15256,7 @@
           <a:p>
             <a:fld id="{E53C87ED-EC79-4D1E-A771-3ECE4BB9BC6B}" type="datetimeFigureOut">
               <a:rPr lang="en-US" smtClean="0"/>
-              <a:t>6/14/2016</a:t>
+              <a:t>6/15/2016</a:t>
             </a:fld>
             <a:endParaRPr lang="en-US"/>
           </a:p>
@@ -15432,7 +15436,7 @@
           <a:p>
             <a:fld id="{E53C87ED-EC79-4D1E-A771-3ECE4BB9BC6B}" type="datetimeFigureOut">
               <a:rPr lang="en-US" smtClean="0"/>
-              <a:t>6/14/2016</a:t>
+              <a:t>6/15/2016</a:t>
             </a:fld>
             <a:endParaRPr lang="en-US"/>
           </a:p>
@@ -15602,7 +15606,7 @@
           <a:p>
             <a:fld id="{E53C87ED-EC79-4D1E-A771-3ECE4BB9BC6B}" type="datetimeFigureOut">
               <a:rPr lang="en-US" smtClean="0"/>
-              <a:t>6/14/2016</a:t>
+              <a:t>6/15/2016</a:t>
             </a:fld>
             <a:endParaRPr lang="en-US"/>
           </a:p>
@@ -15848,7 +15852,7 @@
           <a:p>
             <a:fld id="{E53C87ED-EC79-4D1E-A771-3ECE4BB9BC6B}" type="datetimeFigureOut">
               <a:rPr lang="en-US" smtClean="0"/>
-              <a:t>6/14/2016</a:t>
+              <a:t>6/15/2016</a:t>
             </a:fld>
             <a:endParaRPr lang="en-US"/>
           </a:p>
@@ -16080,7 +16084,7 @@
           <a:p>
             <a:fld id="{E53C87ED-EC79-4D1E-A771-3ECE4BB9BC6B}" type="datetimeFigureOut">
               <a:rPr lang="en-US" smtClean="0"/>
-              <a:t>6/14/2016</a:t>
+              <a:t>6/15/2016</a:t>
             </a:fld>
             <a:endParaRPr lang="en-US"/>
           </a:p>
@@ -16447,7 +16451,7 @@
           <a:p>
             <a:fld id="{E53C87ED-EC79-4D1E-A771-3ECE4BB9BC6B}" type="datetimeFigureOut">
               <a:rPr lang="en-US" smtClean="0"/>
-              <a:t>6/14/2016</a:t>
+              <a:t>6/15/2016</a:t>
             </a:fld>
             <a:endParaRPr lang="en-US"/>
           </a:p>
@@ -16565,7 +16569,7 @@
           <a:p>
             <a:fld id="{E53C87ED-EC79-4D1E-A771-3ECE4BB9BC6B}" type="datetimeFigureOut">
               <a:rPr lang="en-US" smtClean="0"/>
-              <a:t>6/14/2016</a:t>
+              <a:t>6/15/2016</a:t>
             </a:fld>
             <a:endParaRPr lang="en-US"/>
           </a:p>
@@ -16660,7 +16664,7 @@
           <a:p>
             <a:fld id="{E53C87ED-EC79-4D1E-A771-3ECE4BB9BC6B}" type="datetimeFigureOut">
               <a:rPr lang="en-US" smtClean="0"/>
-              <a:t>6/14/2016</a:t>
+              <a:t>6/15/2016</a:t>
             </a:fld>
             <a:endParaRPr lang="en-US"/>
           </a:p>
@@ -16937,7 +16941,7 @@
           <a:p>
             <a:fld id="{E53C87ED-EC79-4D1E-A771-3ECE4BB9BC6B}" type="datetimeFigureOut">
               <a:rPr lang="en-US" smtClean="0"/>
-              <a:t>6/14/2016</a:t>
+              <a:t>6/15/2016</a:t>
             </a:fld>
             <a:endParaRPr lang="en-US"/>
           </a:p>
@@ -17190,7 +17194,7 @@
           <a:p>
             <a:fld id="{E53C87ED-EC79-4D1E-A771-3ECE4BB9BC6B}" type="datetimeFigureOut">
               <a:rPr lang="en-US" smtClean="0"/>
-              <a:t>6/14/2016</a:t>
+              <a:t>6/15/2016</a:t>
             </a:fld>
             <a:endParaRPr lang="en-US"/>
           </a:p>
@@ -17403,7 +17407,7 @@
           <a:p>
             <a:fld id="{E53C87ED-EC79-4D1E-A771-3ECE4BB9BC6B}" type="datetimeFigureOut">
               <a:rPr lang="en-US" smtClean="0"/>
-              <a:t>6/14/2016</a:t>
+              <a:t>6/15/2016</a:t>
             </a:fld>
             <a:endParaRPr lang="en-US"/>
           </a:p>
@@ -17859,7 +17863,7 @@
                 <a:latin typeface="Times New Roman" panose="02020603050405020304" pitchFamily="18" charset="0"/>
                 <a:cs typeface="Times New Roman" panose="02020603050405020304" pitchFamily="18" charset="0"/>
               </a:rPr>
-              <a:t>Tianfu.D.He@outlook.com</a:t>
+              <a:t>Tianfu.He@qq.com</a:t>
             </a:r>
           </a:p>
           <a:p>
@@ -24442,6 +24446,219 @@
           </p:sp>
         </mc:Fallback>
       </mc:AlternateContent>
+      <mc:AlternateContent xmlns:mc="http://schemas.openxmlformats.org/markup-compatibility/2006">
+        <mc:Choice xmlns:a14="http://schemas.microsoft.com/office/drawing/2010/main" Requires="a14">
+          <p:sp>
+            <p:nvSpPr>
+              <p:cNvPr id="2" name="文本框 1"/>
+              <p:cNvSpPr txBox="1"/>
+              <p:nvPr/>
+            </p:nvSpPr>
+            <p:spPr>
+              <a:xfrm>
+                <a:off x="8701864" y="2379685"/>
+                <a:ext cx="1834733" cy="307777"/>
+              </a:xfrm>
+              <a:prstGeom prst="rect">
+                <a:avLst/>
+              </a:prstGeom>
+              <a:noFill/>
+            </p:spPr>
+            <p:txBody>
+              <a:bodyPr wrap="none" rtlCol="0">
+                <a:spAutoFit/>
+              </a:bodyPr>
+              <a:lstStyle/>
+              <a:p>
+                <a14:m>
+                  <m:oMathPara xmlns:m="http://schemas.openxmlformats.org/officeDocument/2006/math">
+                    <m:oMathParaPr>
+                      <m:jc m:val="centerGroup"/>
+                    </m:oMathParaPr>
+                    <m:oMath xmlns:m="http://schemas.openxmlformats.org/officeDocument/2006/math">
+                      <m:r>
+                        <a:rPr lang="en-US" altLang="zh-CN" sz="1400" b="0" i="1" smtClean="0">
+                          <a:solidFill>
+                            <a:srgbClr val="FF0000"/>
+                          </a:solidFill>
+                          <a:latin typeface="Cambria Math" panose="02040503050406030204" pitchFamily="18" charset="0"/>
+                        </a:rPr>
+                        <m:t>&lt;</m:t>
+                      </m:r>
+                      <m:r>
+                        <a:rPr lang="en-US" altLang="zh-CN" sz="1400" b="0" i="1" smtClean="0">
+                          <a:solidFill>
+                            <a:srgbClr val="FF0000"/>
+                          </a:solidFill>
+                          <a:latin typeface="Cambria Math" panose="02040503050406030204" pitchFamily="18" charset="0"/>
+                        </a:rPr>
+                        <m:t>𝑟</m:t>
+                      </m:r>
+                      <m:d>
+                        <m:dPr>
+                          <m:ctrlPr>
+                            <a:rPr lang="en-US" altLang="zh-CN" sz="1400" b="0" i="1" smtClean="0">
+                              <a:solidFill>
+                                <a:srgbClr val="FF0000"/>
+                              </a:solidFill>
+                              <a:latin typeface="Cambria Math" panose="02040503050406030204" pitchFamily="18" charset="0"/>
+                            </a:rPr>
+                          </m:ctrlPr>
+                        </m:dPr>
+                        <m:e>
+                          <m:r>
+                            <a:rPr lang="en-US" altLang="zh-CN" sz="1400" b="0" i="1" smtClean="0">
+                              <a:solidFill>
+                                <a:srgbClr val="FF0000"/>
+                              </a:solidFill>
+                              <a:latin typeface="Cambria Math" panose="02040503050406030204" pitchFamily="18" charset="0"/>
+                            </a:rPr>
+                            <m:t>𝒟</m:t>
+                          </m:r>
+                        </m:e>
+                      </m:d>
+                      <m:r>
+                        <a:rPr lang="en-US" altLang="zh-CN" sz="1400" b="0" i="1" smtClean="0">
+                          <a:solidFill>
+                            <a:srgbClr val="FF0000"/>
+                          </a:solidFill>
+                          <a:latin typeface="Cambria Math" panose="02040503050406030204" pitchFamily="18" charset="0"/>
+                        </a:rPr>
+                        <m:t>,</m:t>
+                      </m:r>
+                      <m:r>
+                        <a:rPr lang="en-US" altLang="zh-CN" sz="1400" b="0" i="1" smtClean="0">
+                          <a:solidFill>
+                            <a:srgbClr val="FF0000"/>
+                          </a:solidFill>
+                          <a:latin typeface="Cambria Math" panose="02040503050406030204" pitchFamily="18" charset="0"/>
+                        </a:rPr>
+                        <m:t>𝑜</m:t>
+                      </m:r>
+                      <m:d>
+                        <m:dPr>
+                          <m:ctrlPr>
+                            <a:rPr lang="en-US" altLang="zh-CN" sz="1400" i="1">
+                              <a:solidFill>
+                                <a:srgbClr val="FF0000"/>
+                              </a:solidFill>
+                              <a:latin typeface="Cambria Math" panose="02040503050406030204" pitchFamily="18" charset="0"/>
+                            </a:rPr>
+                          </m:ctrlPr>
+                        </m:dPr>
+                        <m:e>
+                          <m:r>
+                            <a:rPr lang="en-US" altLang="zh-CN" sz="1400" i="1">
+                              <a:solidFill>
+                                <a:srgbClr val="FF0000"/>
+                              </a:solidFill>
+                              <a:latin typeface="Cambria Math" panose="02040503050406030204" pitchFamily="18" charset="0"/>
+                            </a:rPr>
+                            <m:t>𝒟</m:t>
+                          </m:r>
+                        </m:e>
+                      </m:d>
+                      <m:r>
+                        <a:rPr lang="en-US" altLang="zh-CN" sz="1400" b="0" i="1" smtClean="0">
+                          <a:solidFill>
+                            <a:srgbClr val="FF0000"/>
+                          </a:solidFill>
+                          <a:latin typeface="Cambria Math" panose="02040503050406030204" pitchFamily="18" charset="0"/>
+                        </a:rPr>
+                        <m:t>,</m:t>
+                      </m:r>
+                      <m:r>
+                        <a:rPr lang="en-US" altLang="zh-CN" sz="1400" b="0" i="1" smtClean="0">
+                          <a:solidFill>
+                            <a:srgbClr val="FF0000"/>
+                          </a:solidFill>
+                          <a:latin typeface="Cambria Math" panose="02040503050406030204" pitchFamily="18" charset="0"/>
+                        </a:rPr>
+                        <m:t>𝑝</m:t>
+                      </m:r>
+                      <m:d>
+                        <m:dPr>
+                          <m:ctrlPr>
+                            <a:rPr lang="en-US" altLang="zh-CN" sz="1400" b="0" i="1" smtClean="0">
+                              <a:solidFill>
+                                <a:srgbClr val="FF0000"/>
+                              </a:solidFill>
+                              <a:latin typeface="Cambria Math" panose="02040503050406030204" pitchFamily="18" charset="0"/>
+                            </a:rPr>
+                          </m:ctrlPr>
+                        </m:dPr>
+                        <m:e>
+                          <m:r>
+                            <a:rPr lang="en-US" altLang="zh-CN" sz="1400" b="0" i="1" smtClean="0">
+                              <a:solidFill>
+                                <a:srgbClr val="FF0000"/>
+                              </a:solidFill>
+                              <a:latin typeface="Cambria Math" panose="02040503050406030204" pitchFamily="18" charset="0"/>
+                            </a:rPr>
+                            <m:t>𝛾</m:t>
+                          </m:r>
+                        </m:e>
+                      </m:d>
+                      <m:r>
+                        <a:rPr lang="en-US" altLang="zh-CN" sz="1400" b="0" i="1" smtClean="0">
+                          <a:solidFill>
+                            <a:srgbClr val="FF0000"/>
+                          </a:solidFill>
+                          <a:latin typeface="Cambria Math" panose="02040503050406030204" pitchFamily="18" charset="0"/>
+                        </a:rPr>
+                        <m:t>&gt;</m:t>
+                      </m:r>
+                    </m:oMath>
+                  </m:oMathPara>
+                </a14:m>
+                <a:endParaRPr lang="zh-CN" altLang="en-US" sz="1400" i="1" dirty="0">
+                  <a:solidFill>
+                    <a:srgbClr val="FF0000"/>
+                  </a:solidFill>
+                </a:endParaRPr>
+              </a:p>
+            </p:txBody>
+          </p:sp>
+        </mc:Choice>
+        <mc:Fallback>
+          <p:sp>
+            <p:nvSpPr>
+              <p:cNvPr id="2" name="文本框 1"/>
+              <p:cNvSpPr txBox="1">
+                <a:spLocks noRot="1" noChangeAspect="1" noMove="1" noResize="1" noEditPoints="1" noAdjustHandles="1" noChangeArrowheads="1" noChangeShapeType="1" noTextEdit="1"/>
+              </p:cNvSpPr>
+              <p:nvPr/>
+            </p:nvSpPr>
+            <p:spPr>
+              <a:xfrm>
+                <a:off x="8701864" y="2379685"/>
+                <a:ext cx="1834733" cy="307777"/>
+              </a:xfrm>
+              <a:prstGeom prst="rect">
+                <a:avLst/>
+              </a:prstGeom>
+              <a:blipFill>
+                <a:blip r:embed="rId7"/>
+                <a:stretch>
+                  <a:fillRect/>
+                </a:stretch>
+              </a:blipFill>
+            </p:spPr>
+            <p:txBody>
+              <a:bodyPr/>
+              <a:lstStyle/>
+              <a:p>
+                <a:r>
+                  <a:rPr lang="zh-CN" altLang="en-US">
+                    <a:noFill/>
+                  </a:rPr>
+                  <a:t> </a:t>
+                </a:r>
+              </a:p>
+            </p:txBody>
+          </p:sp>
+        </mc:Fallback>
+      </mc:AlternateContent>
     </p:spTree>
     <p:extLst>
       <p:ext uri="{BB962C8B-B14F-4D97-AF65-F5344CB8AC3E}">
@@ -25791,7 +26008,7 @@
               <a:rPr lang="en-US" sz="3600" dirty="0" smtClean="0">
                 <a:solidFill>
                   <a:schemeClr val="bg1">
-                    <a:lumMod val="50000"/>
+                    <a:lumMod val="65000"/>
                   </a:schemeClr>
                 </a:solidFill>
               </a:rPr>
@@ -25800,7 +26017,7 @@
             <a:endParaRPr lang="en-US" sz="3600" dirty="0">
               <a:solidFill>
                 <a:schemeClr val="bg1">
-                  <a:lumMod val="50000"/>
+                  <a:lumMod val="65000"/>
                 </a:schemeClr>
               </a:solidFill>
             </a:endParaRPr>
@@ -25839,7 +26056,7 @@
                   <a:rPr lang="en-US" sz="2800" dirty="0" smtClean="0">
                     <a:solidFill>
                       <a:schemeClr val="bg1">
-                        <a:lumMod val="50000"/>
+                        <a:lumMod val="65000"/>
                       </a:schemeClr>
                     </a:solidFill>
                   </a:rPr>
@@ -25851,7 +26068,7 @@
                       <a:rPr lang="en-US" sz="2800" b="0" i="1" smtClean="0">
                         <a:solidFill>
                           <a:schemeClr val="bg1">
-                            <a:lumMod val="50000"/>
+                            <a:lumMod val="65000"/>
                           </a:schemeClr>
                         </a:solidFill>
                         <a:latin typeface="Cambria Math" panose="02040503050406030204" pitchFamily="18" charset="0"/>
@@ -25864,7 +26081,7 @@
                           <a:rPr lang="en-US" sz="2800" b="0" i="1" smtClean="0">
                             <a:solidFill>
                               <a:schemeClr val="bg1">
-                                <a:lumMod val="50000"/>
+                                <a:lumMod val="65000"/>
                               </a:schemeClr>
                             </a:solidFill>
                             <a:latin typeface="Cambria Math" panose="02040503050406030204" pitchFamily="18" charset="0"/>
@@ -25876,7 +26093,7 @@
                           <a:rPr lang="en-US" sz="2800" b="0" i="1" smtClean="0">
                             <a:solidFill>
                               <a:schemeClr val="bg1">
-                                <a:lumMod val="50000"/>
+                                <a:lumMod val="65000"/>
                               </a:schemeClr>
                             </a:solidFill>
                             <a:latin typeface="Cambria Math" panose="02040503050406030204" pitchFamily="18" charset="0"/>
@@ -25891,7 +26108,7 @@
                   <a:rPr lang="en-US" sz="2800" dirty="0" smtClean="0">
                     <a:solidFill>
                       <a:schemeClr val="bg1">
-                        <a:lumMod val="50000"/>
+                        <a:lumMod val="65000"/>
                       </a:schemeClr>
                     </a:solidFill>
                   </a:rPr>
@@ -25900,7 +26117,7 @@
                 <a:endParaRPr lang="en-US" sz="2800" dirty="0">
                   <a:solidFill>
                     <a:schemeClr val="bg1">
-                      <a:lumMod val="50000"/>
+                      <a:lumMod val="65000"/>
                     </a:schemeClr>
                   </a:solidFill>
                 </a:endParaRPr>
@@ -25937,7 +26154,220 @@
               <a:lstStyle/>
               <a:p>
                 <a:r>
-                  <a:rPr lang="en-US">
+                  <a:rPr lang="zh-CN" altLang="en-US">
+                    <a:noFill/>
+                  </a:rPr>
+                  <a:t> </a:t>
+                </a:r>
+              </a:p>
+            </p:txBody>
+          </p:sp>
+        </mc:Fallback>
+      </mc:AlternateContent>
+      <mc:AlternateContent xmlns:mc="http://schemas.openxmlformats.org/markup-compatibility/2006">
+        <mc:Choice xmlns:a14="http://schemas.microsoft.com/office/drawing/2010/main" Requires="a14">
+          <p:sp>
+            <p:nvSpPr>
+              <p:cNvPr id="30" name="文本框 29"/>
+              <p:cNvSpPr txBox="1"/>
+              <p:nvPr/>
+            </p:nvSpPr>
+            <p:spPr>
+              <a:xfrm>
+                <a:off x="8701864" y="2379685"/>
+                <a:ext cx="1834733" cy="307777"/>
+              </a:xfrm>
+              <a:prstGeom prst="rect">
+                <a:avLst/>
+              </a:prstGeom>
+              <a:noFill/>
+            </p:spPr>
+            <p:txBody>
+              <a:bodyPr wrap="none" rtlCol="0">
+                <a:spAutoFit/>
+              </a:bodyPr>
+              <a:lstStyle/>
+              <a:p>
+                <a14:m>
+                  <m:oMathPara xmlns:m="http://schemas.openxmlformats.org/officeDocument/2006/math">
+                    <m:oMathParaPr>
+                      <m:jc m:val="centerGroup"/>
+                    </m:oMathParaPr>
+                    <m:oMath xmlns:m="http://schemas.openxmlformats.org/officeDocument/2006/math">
+                      <m:r>
+                        <a:rPr lang="en-US" altLang="zh-CN" sz="1400" b="0" i="1" smtClean="0">
+                          <a:solidFill>
+                            <a:srgbClr val="FF0000"/>
+                          </a:solidFill>
+                          <a:latin typeface="Cambria Math" panose="02040503050406030204" pitchFamily="18" charset="0"/>
+                        </a:rPr>
+                        <m:t>&lt;</m:t>
+                      </m:r>
+                      <m:r>
+                        <a:rPr lang="en-US" altLang="zh-CN" sz="1400" b="0" i="1" smtClean="0">
+                          <a:solidFill>
+                            <a:srgbClr val="FF0000"/>
+                          </a:solidFill>
+                          <a:latin typeface="Cambria Math" panose="02040503050406030204" pitchFamily="18" charset="0"/>
+                        </a:rPr>
+                        <m:t>𝑟</m:t>
+                      </m:r>
+                      <m:d>
+                        <m:dPr>
+                          <m:ctrlPr>
+                            <a:rPr lang="en-US" altLang="zh-CN" sz="1400" b="0" i="1" smtClean="0">
+                              <a:solidFill>
+                                <a:srgbClr val="FF0000"/>
+                              </a:solidFill>
+                              <a:latin typeface="Cambria Math" panose="02040503050406030204" pitchFamily="18" charset="0"/>
+                            </a:rPr>
+                          </m:ctrlPr>
+                        </m:dPr>
+                        <m:e>
+                          <m:r>
+                            <a:rPr lang="en-US" altLang="zh-CN" sz="1400" b="0" i="1" smtClean="0">
+                              <a:solidFill>
+                                <a:srgbClr val="FF0000"/>
+                              </a:solidFill>
+                              <a:latin typeface="Cambria Math" panose="02040503050406030204" pitchFamily="18" charset="0"/>
+                            </a:rPr>
+                            <m:t>𝒟</m:t>
+                          </m:r>
+                        </m:e>
+                      </m:d>
+                      <m:r>
+                        <a:rPr lang="en-US" altLang="zh-CN" sz="1400" b="0" i="1" smtClean="0">
+                          <a:solidFill>
+                            <a:srgbClr val="FF0000"/>
+                          </a:solidFill>
+                          <a:latin typeface="Cambria Math" panose="02040503050406030204" pitchFamily="18" charset="0"/>
+                        </a:rPr>
+                        <m:t>,</m:t>
+                      </m:r>
+                      <m:r>
+                        <a:rPr lang="en-US" altLang="zh-CN" sz="1400" b="0" i="1" smtClean="0">
+                          <a:solidFill>
+                            <a:srgbClr val="FF0000"/>
+                          </a:solidFill>
+                          <a:latin typeface="Cambria Math" panose="02040503050406030204" pitchFamily="18" charset="0"/>
+                        </a:rPr>
+                        <m:t>𝑜</m:t>
+                      </m:r>
+                      <m:d>
+                        <m:dPr>
+                          <m:ctrlPr>
+                            <a:rPr lang="en-US" altLang="zh-CN" sz="1400" i="1">
+                              <a:solidFill>
+                                <a:srgbClr val="FF0000"/>
+                              </a:solidFill>
+                              <a:latin typeface="Cambria Math" panose="02040503050406030204" pitchFamily="18" charset="0"/>
+                            </a:rPr>
+                          </m:ctrlPr>
+                        </m:dPr>
+                        <m:e>
+                          <m:r>
+                            <a:rPr lang="en-US" altLang="zh-CN" sz="1400" i="1">
+                              <a:solidFill>
+                                <a:srgbClr val="FF0000"/>
+                              </a:solidFill>
+                              <a:latin typeface="Cambria Math" panose="02040503050406030204" pitchFamily="18" charset="0"/>
+                            </a:rPr>
+                            <m:t>𝒟</m:t>
+                          </m:r>
+                        </m:e>
+                      </m:d>
+                      <m:r>
+                        <a:rPr lang="en-US" altLang="zh-CN" sz="1400" b="0" i="1" smtClean="0">
+                          <a:solidFill>
+                            <a:srgbClr val="FF0000"/>
+                          </a:solidFill>
+                          <a:latin typeface="Cambria Math" panose="02040503050406030204" pitchFamily="18" charset="0"/>
+                        </a:rPr>
+                        <m:t>,</m:t>
+                      </m:r>
+                      <m:r>
+                        <a:rPr lang="en-US" altLang="zh-CN" sz="1400" b="0" i="1" smtClean="0">
+                          <a:solidFill>
+                            <a:srgbClr val="FF0000"/>
+                          </a:solidFill>
+                          <a:latin typeface="Cambria Math" panose="02040503050406030204" pitchFamily="18" charset="0"/>
+                        </a:rPr>
+                        <m:t>𝑝</m:t>
+                      </m:r>
+                      <m:d>
+                        <m:dPr>
+                          <m:ctrlPr>
+                            <a:rPr lang="en-US" altLang="zh-CN" sz="1400" b="0" i="1" smtClean="0">
+                              <a:solidFill>
+                                <a:srgbClr val="FF0000"/>
+                              </a:solidFill>
+                              <a:latin typeface="Cambria Math" panose="02040503050406030204" pitchFamily="18" charset="0"/>
+                            </a:rPr>
+                          </m:ctrlPr>
+                        </m:dPr>
+                        <m:e>
+                          <m:r>
+                            <a:rPr lang="en-US" altLang="zh-CN" sz="1400" b="0" i="1" smtClean="0">
+                              <a:solidFill>
+                                <a:srgbClr val="FF0000"/>
+                              </a:solidFill>
+                              <a:latin typeface="Cambria Math" panose="02040503050406030204" pitchFamily="18" charset="0"/>
+                            </a:rPr>
+                            <m:t>𝛾</m:t>
+                          </m:r>
+                        </m:e>
+                      </m:d>
+                      <m:r>
+                        <a:rPr lang="en-US" altLang="zh-CN" sz="1400" b="0" i="1" smtClean="0">
+                          <a:solidFill>
+                            <a:srgbClr val="FF0000"/>
+                          </a:solidFill>
+                          <a:latin typeface="Cambria Math" panose="02040503050406030204" pitchFamily="18" charset="0"/>
+                        </a:rPr>
+                        <m:t>&gt;</m:t>
+                      </m:r>
+                    </m:oMath>
+                  </m:oMathPara>
+                </a14:m>
+                <a:endParaRPr lang="zh-CN" altLang="en-US" sz="1400" i="1" dirty="0">
+                  <a:solidFill>
+                    <a:srgbClr val="FF0000"/>
+                  </a:solidFill>
+                </a:endParaRPr>
+              </a:p>
+            </p:txBody>
+          </p:sp>
+        </mc:Choice>
+        <mc:Fallback>
+          <p:sp>
+            <p:nvSpPr>
+              <p:cNvPr id="30" name="文本框 29"/>
+              <p:cNvSpPr txBox="1">
+                <a:spLocks noRot="1" noChangeAspect="1" noMove="1" noResize="1" noEditPoints="1" noAdjustHandles="1" noChangeArrowheads="1" noChangeShapeType="1" noTextEdit="1"/>
+              </p:cNvSpPr>
+              <p:nvPr/>
+            </p:nvSpPr>
+            <p:spPr>
+              <a:xfrm>
+                <a:off x="8701864" y="2379685"/>
+                <a:ext cx="1834733" cy="307777"/>
+              </a:xfrm>
+              <a:prstGeom prst="rect">
+                <a:avLst/>
+              </a:prstGeom>
+              <a:blipFill>
+                <a:blip r:embed="rId6"/>
+                <a:stretch>
+                  <a:fillRect/>
+                </a:stretch>
+              </a:blipFill>
+            </p:spPr>
+            <p:txBody>
+              <a:bodyPr/>
+              <a:lstStyle/>
+              <a:p>
+                <a:r>
+                  <a:rPr lang="zh-CN" altLang="en-US">
                     <a:noFill/>
                   </a:rPr>
                   <a:t> </a:t>
@@ -26507,11 +26937,7 @@
             </a:pPr>
             <a:r>
               <a:rPr lang="en-US" dirty="0" smtClean="0"/>
-              <a:t>Very </a:t>
-            </a:r>
-            <a:r>
-              <a:rPr lang="en-US" dirty="0" smtClean="0"/>
-              <a:t>popular, insensitive to small </a:t>
+              <a:t>Very popular, insensitive to small </a:t>
             </a:r>
             <a:r>
               <a:rPr lang="en-US" dirty="0" err="1" smtClean="0"/>
@@ -26521,7 +26947,6 @@
               <a:rPr lang="en-US" dirty="0" smtClean="0"/>
               <a:t>.</a:t>
             </a:r>
-            <a:endParaRPr lang="en-US" dirty="0" smtClean="0"/>
           </a:p>
           <a:p>
             <a:pPr marL="742950" lvl="1" indent="-285750">
@@ -26532,7 +26957,6 @@
               <a:rPr lang="en-US" dirty="0" smtClean="0"/>
               <a:t>Algorithm as demonstrated.</a:t>
             </a:r>
-            <a:endParaRPr lang="en-US" dirty="0" smtClean="0"/>
           </a:p>
           <a:p>
             <a:pPr marL="742950" lvl="1" indent="-285750">
@@ -26549,11 +26973,7 @@
             </a:r>
             <a:r>
               <a:rPr lang="en-US" u="sng" dirty="0" smtClean="0"/>
-              <a:t>ills up empt</a:t>
-            </a:r>
-            <a:r>
-              <a:rPr lang="en-US" u="sng" dirty="0" smtClean="0"/>
-              <a:t>y space</a:t>
+              <a:t>ills up empty space</a:t>
             </a:r>
             <a:r>
               <a:rPr lang="en-US" sz="2000" b="1" dirty="0" smtClean="0"/>
@@ -26563,7 +26983,6 @@
               <a:rPr lang="en-US" dirty="0" smtClean="0"/>
               <a:t>between positive instances therefore more representative.</a:t>
             </a:r>
-            <a:endParaRPr lang="en-US" dirty="0" smtClean="0"/>
           </a:p>
           <a:p>
             <a:endParaRPr lang="en-US" sz="2800" dirty="0" smtClean="0"/>
@@ -26577,7 +26996,6 @@
               <a:rPr lang="en-US" sz="2800" dirty="0" smtClean="0"/>
               <a:t>MWMOTE</a:t>
             </a:r>
-            <a:endParaRPr lang="en-US" sz="2800" dirty="0" smtClean="0"/>
           </a:p>
           <a:p>
             <a:pPr marL="742950" lvl="1" indent="-285750">
@@ -26586,19 +27004,7 @@
             </a:pPr>
             <a:r>
               <a:rPr lang="en-US" dirty="0" smtClean="0"/>
-              <a:t>Similar to </a:t>
-            </a:r>
-            <a:r>
-              <a:rPr lang="en-US" dirty="0" smtClean="0"/>
-              <a:t>SMOTE, </a:t>
-            </a:r>
-            <a:r>
-              <a:rPr lang="en-US" dirty="0" smtClean="0"/>
-              <a:t>but sensitive </a:t>
-            </a:r>
-            <a:r>
-              <a:rPr lang="en-US" dirty="0" smtClean="0"/>
-              <a:t>to noises and small </a:t>
+              <a:t>Similar to SMOTE, but sensitive to noises and small </a:t>
             </a:r>
             <a:r>
               <a:rPr lang="en-US" dirty="0" err="1" smtClean="0"/>
@@ -27317,6 +27723,3750 @@
 </file>
 
 <file path=ppt/slides/slide20.xml><?xml version="1.0" encoding="utf-8"?>
+<p:sld xmlns:a="http://schemas.openxmlformats.org/drawingml/2006/main" xmlns:r="http://schemas.openxmlformats.org/officeDocument/2006/relationships" xmlns:p="http://schemas.openxmlformats.org/presentationml/2006/main">
+  <p:cSld>
+    <p:spTree>
+      <p:nvGrpSpPr>
+        <p:cNvPr id="1" name=""/>
+        <p:cNvGrpSpPr/>
+        <p:nvPr/>
+      </p:nvGrpSpPr>
+      <p:grpSpPr>
+        <a:xfrm>
+          <a:off x="0" y="0"/>
+          <a:ext cx="0" cy="0"/>
+          <a:chOff x="0" y="0"/>
+          <a:chExt cx="0" cy="0"/>
+        </a:xfrm>
+      </p:grpSpPr>
+      <p:sp>
+        <p:nvSpPr>
+          <p:cNvPr id="2" name="Title 1"/>
+          <p:cNvSpPr>
+            <a:spLocks noGrp="1"/>
+          </p:cNvSpPr>
+          <p:nvPr>
+            <p:ph type="title"/>
+          </p:nvPr>
+        </p:nvSpPr>
+        <p:spPr/>
+        <p:txBody>
+          <a:bodyPr/>
+          <a:lstStyle/>
+          <a:p>
+            <a:r>
+              <a:rPr lang="en-US" dirty="0" smtClean="0"/>
+              <a:t>Ensemble Learning for IDS</a:t>
+            </a:r>
+            <a:endParaRPr lang="en-US" dirty="0"/>
+          </a:p>
+        </p:txBody>
+      </p:sp>
+      <mc:AlternateContent xmlns:mc="http://schemas.openxmlformats.org/markup-compatibility/2006">
+        <mc:Choice xmlns:a14="http://schemas.microsoft.com/office/drawing/2010/main" Requires="a14">
+          <p:sp>
+            <p:nvSpPr>
+              <p:cNvPr id="3" name="Content Placeholder 2"/>
+              <p:cNvSpPr>
+                <a:spLocks noGrp="1"/>
+              </p:cNvSpPr>
+              <p:nvPr>
+                <p:ph idx="1"/>
+              </p:nvPr>
+            </p:nvSpPr>
+            <p:spPr>
+              <a:xfrm>
+                <a:off x="838200" y="1825625"/>
+                <a:ext cx="10515600" cy="4750666"/>
+              </a:xfrm>
+            </p:spPr>
+            <p:txBody>
+              <a:bodyPr>
+                <a:normAutofit/>
+              </a:bodyPr>
+              <a:lstStyle/>
+              <a:p>
+                <a:r>
+                  <a:rPr lang="en-US" dirty="0" smtClean="0"/>
+                  <a:t>Ensemble Learning train multiple sub-models and take certain aggregation strategy.</a:t>
+                </a:r>
+              </a:p>
+              <a:p>
+                <a:pPr marL="0" indent="0">
+                  <a:buNone/>
+                </a:pPr>
+                <a:endParaRPr lang="en-US" dirty="0" smtClean="0"/>
+              </a:p>
+              <a:p>
+                <a:r>
+                  <a:rPr lang="en-US" dirty="0" smtClean="0"/>
+                  <a:t>We investigate in Easy-Ensemble </a:t>
+                </a:r>
+                <a:r>
+                  <a:rPr lang="en-US" dirty="0" smtClean="0"/>
+                  <a:t>method, which</a:t>
+                </a:r>
+                <a:endParaRPr lang="en-US" dirty="0" smtClean="0"/>
+              </a:p>
+              <a:p>
+                <a:pPr lvl="1"/>
+                <a:r>
+                  <a:rPr lang="en-US" dirty="0" smtClean="0"/>
+                  <a:t>Contains </a:t>
+                </a:r>
+                <a14:m>
+                  <m:oMath xmlns:m="http://schemas.openxmlformats.org/officeDocument/2006/math">
+                    <m:r>
+                      <a:rPr lang="en-US" b="0" i="1" smtClean="0">
+                        <a:latin typeface="Cambria Math" panose="02040503050406030204" pitchFamily="18" charset="0"/>
+                      </a:rPr>
+                      <m:t>𝑇</m:t>
+                    </m:r>
+                  </m:oMath>
+                </a14:m>
+                <a:r>
+                  <a:rPr lang="en-US" dirty="0" smtClean="0"/>
+                  <a:t> sub-models</a:t>
+                </a:r>
+              </a:p>
+              <a:p>
+                <a:pPr lvl="1"/>
+                <a:r>
+                  <a:rPr lang="en-US" dirty="0" smtClean="0"/>
+                  <a:t>The </a:t>
+                </a:r>
+                <a14:m>
+                  <m:oMath xmlns:m="http://schemas.openxmlformats.org/officeDocument/2006/math">
+                    <m:sSup>
+                      <m:sSupPr>
+                        <m:ctrlPr>
+                          <a:rPr lang="en-US" b="0" i="1" smtClean="0">
+                            <a:latin typeface="Cambria Math" panose="02040503050406030204" pitchFamily="18" charset="0"/>
+                          </a:rPr>
+                        </m:ctrlPr>
+                      </m:sSupPr>
+                      <m:e>
+                        <m:r>
+                          <a:rPr lang="en-US" b="0" i="1" smtClean="0">
+                            <a:latin typeface="Cambria Math" panose="02040503050406030204" pitchFamily="18" charset="0"/>
+                          </a:rPr>
+                          <m:t>𝑖</m:t>
+                        </m:r>
+                      </m:e>
+                      <m:sup>
+                        <m:r>
+                          <a:rPr lang="en-US" b="0" i="1" smtClean="0">
+                            <a:latin typeface="Cambria Math" panose="02040503050406030204" pitchFamily="18" charset="0"/>
+                          </a:rPr>
+                          <m:t>𝑡h</m:t>
+                        </m:r>
+                      </m:sup>
+                    </m:sSup>
+                  </m:oMath>
+                </a14:m>
+                <a:r>
+                  <a:rPr lang="en-US" dirty="0" smtClean="0"/>
+                  <a:t> model is trained with </a:t>
+                </a:r>
+                <a14:m>
+                  <m:oMath xmlns:m="http://schemas.openxmlformats.org/officeDocument/2006/math">
+                    <m:sSub>
+                      <m:sSubPr>
+                        <m:ctrlPr>
+                          <a:rPr lang="en-US" b="0" i="1" smtClean="0">
+                            <a:latin typeface="Cambria Math" panose="02040503050406030204" pitchFamily="18" charset="0"/>
+                          </a:rPr>
+                        </m:ctrlPr>
+                      </m:sSubPr>
+                      <m:e>
+                        <m:r>
+                          <a:rPr lang="en-US" b="0" i="1" smtClean="0">
+                            <a:latin typeface="Cambria Math" panose="02040503050406030204" pitchFamily="18" charset="0"/>
+                          </a:rPr>
+                          <m:t>𝒟</m:t>
+                        </m:r>
+                      </m:e>
+                      <m:sub>
+                        <m:r>
+                          <a:rPr lang="en-US" b="0" i="1" smtClean="0">
+                            <a:latin typeface="Cambria Math" panose="02040503050406030204" pitchFamily="18" charset="0"/>
+                          </a:rPr>
+                          <m:t>−,</m:t>
+                        </m:r>
+                        <m:r>
+                          <a:rPr lang="en-US" b="0" i="1" smtClean="0">
+                            <a:latin typeface="Cambria Math" panose="02040503050406030204" pitchFamily="18" charset="0"/>
+                          </a:rPr>
+                          <m:t>𝑖</m:t>
+                        </m:r>
+                      </m:sub>
+                    </m:sSub>
+                  </m:oMath>
+                </a14:m>
+                <a:r>
+                  <a:rPr lang="en-US" dirty="0" smtClean="0"/>
+                  <a:t> and </a:t>
+                </a:r>
+                <a14:m>
+                  <m:oMath xmlns:m="http://schemas.openxmlformats.org/officeDocument/2006/math">
+                    <m:sSub>
+                      <m:sSubPr>
+                        <m:ctrlPr>
+                          <a:rPr lang="en-US" b="0" i="1" smtClean="0">
+                            <a:latin typeface="Cambria Math" panose="02040503050406030204" pitchFamily="18" charset="0"/>
+                          </a:rPr>
+                        </m:ctrlPr>
+                      </m:sSubPr>
+                      <m:e>
+                        <m:r>
+                          <a:rPr lang="en-US" b="0" i="1" smtClean="0">
+                            <a:latin typeface="Cambria Math" panose="02040503050406030204" pitchFamily="18" charset="0"/>
+                          </a:rPr>
+                          <m:t>𝒟</m:t>
+                        </m:r>
+                      </m:e>
+                      <m:sub>
+                        <m:r>
+                          <a:rPr lang="en-US" b="0" i="1" smtClean="0">
+                            <a:latin typeface="Cambria Math" panose="02040503050406030204" pitchFamily="18" charset="0"/>
+                          </a:rPr>
+                          <m:t>+</m:t>
+                        </m:r>
+                      </m:sub>
+                    </m:sSub>
+                  </m:oMath>
+                </a14:m>
+                <a:r>
+                  <a:rPr lang="en-US" dirty="0" smtClean="0"/>
+                  <a:t>, where </a:t>
+                </a:r>
+                <a14:m>
+                  <m:oMath xmlns:m="http://schemas.openxmlformats.org/officeDocument/2006/math">
+                    <m:sSub>
+                      <m:sSubPr>
+                        <m:ctrlPr>
+                          <a:rPr lang="en-US" altLang="zh-CN" i="1">
+                            <a:latin typeface="Cambria Math" panose="02040503050406030204" pitchFamily="18" charset="0"/>
+                          </a:rPr>
+                        </m:ctrlPr>
+                      </m:sSubPr>
+                      <m:e>
+                        <m:r>
+                          <a:rPr lang="en-US" altLang="zh-CN" i="1">
+                            <a:latin typeface="Cambria Math" panose="02040503050406030204" pitchFamily="18" charset="0"/>
+                          </a:rPr>
+                          <m:t>𝒟</m:t>
+                        </m:r>
+                      </m:e>
+                      <m:sub>
+                        <m:r>
+                          <a:rPr lang="en-US" altLang="zh-CN" i="1">
+                            <a:latin typeface="Cambria Math" panose="02040503050406030204" pitchFamily="18" charset="0"/>
+                          </a:rPr>
+                          <m:t>−,</m:t>
+                        </m:r>
+                        <m:r>
+                          <a:rPr lang="en-US" altLang="zh-CN" i="1">
+                            <a:latin typeface="Cambria Math" panose="02040503050406030204" pitchFamily="18" charset="0"/>
+                          </a:rPr>
+                          <m:t>𝑖</m:t>
+                        </m:r>
+                      </m:sub>
+                    </m:sSub>
+                    <m:r>
+                      <a:rPr lang="en-US" altLang="zh-CN" b="0" i="1" smtClean="0">
+                        <a:latin typeface="Cambria Math" panose="02040503050406030204" pitchFamily="18" charset="0"/>
+                      </a:rPr>
+                      <m:t>⊂</m:t>
+                    </m:r>
+                    <m:sSub>
+                      <m:sSubPr>
+                        <m:ctrlPr>
+                          <a:rPr lang="en-US" altLang="zh-CN" b="0" i="1" smtClean="0">
+                            <a:latin typeface="Cambria Math" panose="02040503050406030204" pitchFamily="18" charset="0"/>
+                          </a:rPr>
+                        </m:ctrlPr>
+                      </m:sSubPr>
+                      <m:e>
+                        <m:r>
+                          <a:rPr lang="en-US" altLang="zh-CN" b="0" i="1" smtClean="0">
+                            <a:latin typeface="Cambria Math" panose="02040503050406030204" pitchFamily="18" charset="0"/>
+                          </a:rPr>
+                          <m:t>𝒟</m:t>
+                        </m:r>
+                      </m:e>
+                      <m:sub>
+                        <m:r>
+                          <a:rPr lang="en-US" altLang="zh-CN" b="0" i="1" smtClean="0">
+                            <a:latin typeface="Cambria Math" panose="02040503050406030204" pitchFamily="18" charset="0"/>
+                          </a:rPr>
+                          <m:t>−</m:t>
+                        </m:r>
+                      </m:sub>
+                    </m:sSub>
+                  </m:oMath>
+                </a14:m>
+                <a:r>
+                  <a:rPr lang="en-US" dirty="0" smtClean="0"/>
+                  <a:t> and usually</a:t>
+                </a:r>
+              </a:p>
+              <a:p>
+                <a:pPr marL="457200" lvl="1" indent="0">
+                  <a:buNone/>
+                </a:pPr>
+                <a14:m>
+                  <m:oMathPara xmlns:m="http://schemas.openxmlformats.org/officeDocument/2006/math">
+                    <m:oMathParaPr>
+                      <m:jc m:val="centerGroup"/>
+                    </m:oMathParaPr>
+                    <m:oMath xmlns:m="http://schemas.openxmlformats.org/officeDocument/2006/math">
+                      <m:r>
+                        <a:rPr lang="en-US" b="0" i="1" smtClean="0">
+                          <a:latin typeface="Cambria Math" panose="02040503050406030204" pitchFamily="18" charset="0"/>
+                        </a:rPr>
+                        <m:t>∀</m:t>
+                      </m:r>
+                      <m:r>
+                        <a:rPr lang="en-US" b="0" i="1" smtClean="0">
+                          <a:latin typeface="Cambria Math" panose="02040503050406030204" pitchFamily="18" charset="0"/>
+                        </a:rPr>
+                        <m:t>𝑖</m:t>
+                      </m:r>
+                      <m:r>
+                        <a:rPr lang="en-US" b="0" i="1" smtClean="0">
+                          <a:latin typeface="Cambria Math" panose="02040503050406030204" pitchFamily="18" charset="0"/>
+                        </a:rPr>
+                        <m:t>, </m:t>
+                      </m:r>
+                      <m:d>
+                        <m:dPr>
+                          <m:begChr m:val="|"/>
+                          <m:endChr m:val="|"/>
+                          <m:ctrlPr>
+                            <a:rPr lang="en-US" b="0" i="0" smtClean="0">
+                              <a:latin typeface="Cambria Math" panose="02040503050406030204" pitchFamily="18" charset="0"/>
+                            </a:rPr>
+                          </m:ctrlPr>
+                        </m:dPr>
+                        <m:e>
+                          <m:sSub>
+                            <m:sSubPr>
+                              <m:ctrlPr>
+                                <a:rPr lang="en-US" b="0" i="1" smtClean="0">
+                                  <a:latin typeface="Cambria Math" panose="02040503050406030204" pitchFamily="18" charset="0"/>
+                                </a:rPr>
+                              </m:ctrlPr>
+                            </m:sSubPr>
+                            <m:e>
+                              <m:r>
+                                <a:rPr lang="en-US" b="0" i="1" smtClean="0">
+                                  <a:latin typeface="Cambria Math" panose="02040503050406030204" pitchFamily="18" charset="0"/>
+                                </a:rPr>
+                                <m:t>𝒟</m:t>
+                              </m:r>
+                            </m:e>
+                            <m:sub>
+                              <m:r>
+                                <a:rPr lang="en-US" b="0" i="1" smtClean="0">
+                                  <a:latin typeface="Cambria Math" panose="02040503050406030204" pitchFamily="18" charset="0"/>
+                                </a:rPr>
+                                <m:t>−,</m:t>
+                              </m:r>
+                              <m:r>
+                                <a:rPr lang="en-US" b="0" i="1" smtClean="0">
+                                  <a:latin typeface="Cambria Math" panose="02040503050406030204" pitchFamily="18" charset="0"/>
+                                </a:rPr>
+                                <m:t>𝑖</m:t>
+                              </m:r>
+                            </m:sub>
+                          </m:sSub>
+                        </m:e>
+                      </m:d>
+                      <m:r>
+                        <a:rPr lang="en-US" b="0" i="1" smtClean="0">
+                          <a:latin typeface="Cambria Math" panose="02040503050406030204" pitchFamily="18" charset="0"/>
+                        </a:rPr>
+                        <m:t>=</m:t>
+                      </m:r>
+                      <m:d>
+                        <m:dPr>
+                          <m:begChr m:val="|"/>
+                          <m:endChr m:val="|"/>
+                          <m:ctrlPr>
+                            <a:rPr lang="en-US" b="0" i="1" smtClean="0">
+                              <a:latin typeface="Cambria Math" panose="02040503050406030204" pitchFamily="18" charset="0"/>
+                            </a:rPr>
+                          </m:ctrlPr>
+                        </m:dPr>
+                        <m:e>
+                          <m:sSub>
+                            <m:sSubPr>
+                              <m:ctrlPr>
+                                <a:rPr lang="en-US" b="0" i="1" smtClean="0">
+                                  <a:latin typeface="Cambria Math" panose="02040503050406030204" pitchFamily="18" charset="0"/>
+                                </a:rPr>
+                              </m:ctrlPr>
+                            </m:sSubPr>
+                            <m:e>
+                              <m:r>
+                                <a:rPr lang="en-US" b="0" i="1" smtClean="0">
+                                  <a:latin typeface="Cambria Math" panose="02040503050406030204" pitchFamily="18" charset="0"/>
+                                </a:rPr>
+                                <m:t>𝒟</m:t>
+                              </m:r>
+                            </m:e>
+                            <m:sub>
+                              <m:r>
+                                <a:rPr lang="en-US" b="0" i="1" smtClean="0">
+                                  <a:latin typeface="Cambria Math" panose="02040503050406030204" pitchFamily="18" charset="0"/>
+                                </a:rPr>
+                                <m:t>+</m:t>
+                              </m:r>
+                            </m:sub>
+                          </m:sSub>
+                        </m:e>
+                      </m:d>
+                    </m:oMath>
+                  </m:oMathPara>
+                </a14:m>
+                <a:endParaRPr lang="en-US" b="0" dirty="0" smtClean="0"/>
+              </a:p>
+              <a:p>
+                <a:pPr lvl="1"/>
+                <a:r>
+                  <a:rPr lang="en-US" dirty="0" smtClean="0"/>
+                  <a:t>Take the average of the </a:t>
+                </a:r>
+                <a14:m>
+                  <m:oMath xmlns:m="http://schemas.openxmlformats.org/officeDocument/2006/math">
+                    <m:r>
+                      <a:rPr lang="en-US" b="0" i="1" smtClean="0">
+                        <a:latin typeface="Cambria Math" panose="02040503050406030204" pitchFamily="18" charset="0"/>
+                      </a:rPr>
+                      <m:t>𝑇</m:t>
+                    </m:r>
+                  </m:oMath>
+                </a14:m>
+                <a:r>
+                  <a:rPr lang="en-US" dirty="0" smtClean="0"/>
+                  <a:t> predicted results to get the final answer.</a:t>
+                </a:r>
+                <a:endParaRPr lang="en-US" dirty="0"/>
+              </a:p>
+            </p:txBody>
+          </p:sp>
+        </mc:Choice>
+        <mc:Fallback>
+          <p:sp>
+            <p:nvSpPr>
+              <p:cNvPr id="3" name="Content Placeholder 2"/>
+              <p:cNvSpPr>
+                <a:spLocks noGrp="1" noRot="1" noChangeAspect="1" noMove="1" noResize="1" noEditPoints="1" noAdjustHandles="1" noChangeArrowheads="1" noChangeShapeType="1" noTextEdit="1"/>
+              </p:cNvSpPr>
+              <p:nvPr>
+                <p:ph idx="1"/>
+              </p:nvPr>
+            </p:nvSpPr>
+            <p:spPr>
+              <a:xfrm>
+                <a:off x="838200" y="1825625"/>
+                <a:ext cx="10515600" cy="4750666"/>
+              </a:xfrm>
+              <a:blipFill>
+                <a:blip r:embed="rId2"/>
+                <a:stretch>
+                  <a:fillRect l="-1043" t="-2051"/>
+                </a:stretch>
+              </a:blipFill>
+            </p:spPr>
+            <p:txBody>
+              <a:bodyPr/>
+              <a:lstStyle/>
+              <a:p>
+                <a:r>
+                  <a:rPr lang="zh-CN" altLang="en-US">
+                    <a:noFill/>
+                  </a:rPr>
+                  <a:t> </a:t>
+                </a:r>
+              </a:p>
+            </p:txBody>
+          </p:sp>
+        </mc:Fallback>
+      </mc:AlternateContent>
+    </p:spTree>
+    <p:extLst>
+      <p:ext uri="{BB962C8B-B14F-4D97-AF65-F5344CB8AC3E}">
+        <p14:creationId xmlns:p14="http://schemas.microsoft.com/office/powerpoint/2010/main" val="3657885378"/>
+      </p:ext>
+    </p:extLst>
+  </p:cSld>
+  <p:clrMapOvr>
+    <a:masterClrMapping/>
+  </p:clrMapOvr>
+</p:sld>
+</file>
+
+<file path=ppt/slides/slide21.xml><?xml version="1.0" encoding="utf-8"?>
+<p:sld xmlns:a="http://schemas.openxmlformats.org/drawingml/2006/main" xmlns:r="http://schemas.openxmlformats.org/officeDocument/2006/relationships" xmlns:p="http://schemas.openxmlformats.org/presentationml/2006/main">
+  <p:cSld>
+    <p:spTree>
+      <p:nvGrpSpPr>
+        <p:cNvPr id="1" name=""/>
+        <p:cNvGrpSpPr/>
+        <p:nvPr/>
+      </p:nvGrpSpPr>
+      <p:grpSpPr>
+        <a:xfrm>
+          <a:off x="0" y="0"/>
+          <a:ext cx="0" cy="0"/>
+          <a:chOff x="0" y="0"/>
+          <a:chExt cx="0" cy="0"/>
+        </a:xfrm>
+      </p:grpSpPr>
+      <p:sp>
+        <p:nvSpPr>
+          <p:cNvPr id="2" name="Title 1"/>
+          <p:cNvSpPr>
+            <a:spLocks noGrp="1"/>
+          </p:cNvSpPr>
+          <p:nvPr>
+            <p:ph type="title"/>
+          </p:nvPr>
+        </p:nvSpPr>
+        <p:spPr>
+          <a:xfrm>
+            <a:off x="1" y="-2812"/>
+            <a:ext cx="5705296" cy="1325563"/>
+          </a:xfrm>
+        </p:spPr>
+        <p:txBody>
+          <a:bodyPr>
+            <a:noAutofit/>
+          </a:bodyPr>
+          <a:lstStyle/>
+          <a:p>
+            <a:r>
+              <a:rPr lang="en-US" sz="3600" dirty="0">
+                <a:solidFill>
+                  <a:schemeClr val="bg1">
+                    <a:lumMod val="65000"/>
+                  </a:schemeClr>
+                </a:solidFill>
+              </a:rPr>
+              <a:t>Existing Kinds of Imbalanced Learning Techniques</a:t>
+            </a:r>
+          </a:p>
+        </p:txBody>
+      </p:sp>
+      <p:sp>
+        <p:nvSpPr>
+          <p:cNvPr id="104" name="TextBox 103"/>
+          <p:cNvSpPr txBox="1"/>
+          <p:nvPr/>
+        </p:nvSpPr>
+        <p:spPr>
+          <a:xfrm>
+            <a:off x="5980922" y="139958"/>
+            <a:ext cx="6211078" cy="1077218"/>
+          </a:xfrm>
+          <a:prstGeom prst="rect">
+            <a:avLst/>
+          </a:prstGeom>
+          <a:noFill/>
+        </p:spPr>
+        <p:txBody>
+          <a:bodyPr wrap="square" rtlCol="0">
+            <a:spAutoFit/>
+          </a:bodyPr>
+          <a:lstStyle/>
+          <a:p>
+            <a:r>
+              <a:rPr lang="en-US" sz="3200" dirty="0" smtClean="0"/>
+              <a:t>Analysis Based Imbalanced Learning Framework (ABILF)</a:t>
+            </a:r>
+            <a:endParaRPr lang="en-US" sz="3200" dirty="0"/>
+          </a:p>
+        </p:txBody>
+      </p:sp>
+      <p:cxnSp>
+        <p:nvCxnSpPr>
+          <p:cNvPr id="106" name="Straight Connector 105"/>
+          <p:cNvCxnSpPr/>
+          <p:nvPr/>
+        </p:nvCxnSpPr>
+        <p:spPr>
+          <a:xfrm>
+            <a:off x="5705296" y="139958"/>
+            <a:ext cx="0" cy="6522713"/>
+          </a:xfrm>
+          <a:prstGeom prst="line">
+            <a:avLst/>
+          </a:prstGeom>
+        </p:spPr>
+        <p:style>
+          <a:lnRef idx="1">
+            <a:schemeClr val="accent3"/>
+          </a:lnRef>
+          <a:fillRef idx="0">
+            <a:schemeClr val="accent3"/>
+          </a:fillRef>
+          <a:effectRef idx="0">
+            <a:schemeClr val="accent3"/>
+          </a:effectRef>
+          <a:fontRef idx="minor">
+            <a:schemeClr val="tx1"/>
+          </a:fontRef>
+        </p:style>
+      </p:cxnSp>
+      <p:grpSp>
+        <p:nvGrpSpPr>
+          <p:cNvPr id="213" name="Group 212"/>
+          <p:cNvGrpSpPr/>
+          <p:nvPr/>
+        </p:nvGrpSpPr>
+        <p:grpSpPr>
+          <a:xfrm>
+            <a:off x="5898436" y="2243173"/>
+            <a:ext cx="6050510" cy="3134601"/>
+            <a:chOff x="5898436" y="2042005"/>
+            <a:chExt cx="6050510" cy="3134601"/>
+          </a:xfrm>
+        </p:grpSpPr>
+        <mc:AlternateContent xmlns:mc="http://schemas.openxmlformats.org/markup-compatibility/2006" xmlns:a14="http://schemas.microsoft.com/office/drawing/2010/main">
+          <mc:Choice Requires="a14">
+            <p:sp>
+              <p:nvSpPr>
+                <p:cNvPr id="111" name="TextBox 110"/>
+                <p:cNvSpPr txBox="1"/>
+                <p:nvPr/>
+              </p:nvSpPr>
+              <p:spPr>
+                <a:xfrm>
+                  <a:off x="5898437" y="2509161"/>
+                  <a:ext cx="885879" cy="523220"/>
+                </a:xfrm>
+                <a:prstGeom prst="rect">
+                  <a:avLst/>
+                </a:prstGeom>
+              </p:spPr>
+              <p:style>
+                <a:lnRef idx="2">
+                  <a:schemeClr val="accent3"/>
+                </a:lnRef>
+                <a:fillRef idx="1">
+                  <a:schemeClr val="lt1"/>
+                </a:fillRef>
+                <a:effectRef idx="0">
+                  <a:schemeClr val="accent3"/>
+                </a:effectRef>
+                <a:fontRef idx="minor">
+                  <a:schemeClr val="dk1"/>
+                </a:fontRef>
+              </p:style>
+              <p:txBody>
+                <a:bodyPr wrap="square" rtlCol="0">
+                  <a:spAutoFit/>
+                </a:bodyPr>
+                <a:lstStyle/>
+                <a:p>
+                  <a:r>
+                    <a:rPr lang="en-US" sz="1400" dirty="0" smtClean="0"/>
+                    <a:t>Featured IDS </a:t>
+                  </a:r>
+                  <a14:m>
+                    <m:oMath xmlns:m="http://schemas.openxmlformats.org/officeDocument/2006/math">
+                      <m:r>
+                        <a:rPr lang="en-US" sz="1400" b="0" i="1" smtClean="0">
+                          <a:latin typeface="Cambria Math" panose="02040503050406030204" pitchFamily="18" charset="0"/>
+                        </a:rPr>
+                        <m:t>𝒟</m:t>
+                      </m:r>
+                    </m:oMath>
+                  </a14:m>
+                  <a:endParaRPr lang="en-US" sz="1400" dirty="0"/>
+                </a:p>
+              </p:txBody>
+            </p:sp>
+          </mc:Choice>
+          <mc:Fallback xmlns="">
+            <p:sp>
+              <p:nvSpPr>
+                <p:cNvPr id="111" name="TextBox 110"/>
+                <p:cNvSpPr txBox="1">
+                  <a:spLocks noRot="1" noChangeAspect="1" noMove="1" noResize="1" noEditPoints="1" noAdjustHandles="1" noChangeArrowheads="1" noChangeShapeType="1" noTextEdit="1"/>
+                </p:cNvSpPr>
+                <p:nvPr/>
+              </p:nvSpPr>
+              <p:spPr>
+                <a:xfrm>
+                  <a:off x="5898437" y="2509161"/>
+                  <a:ext cx="885879" cy="523220"/>
+                </a:xfrm>
+                <a:prstGeom prst="rect">
+                  <a:avLst/>
+                </a:prstGeom>
+                <a:blipFill>
+                  <a:blip r:embed="rId2"/>
+                  <a:stretch>
+                    <a:fillRect l="-1361" t="-1149" b="-10345"/>
+                  </a:stretch>
+                </a:blipFill>
+              </p:spPr>
+              <p:txBody>
+                <a:bodyPr/>
+                <a:lstStyle/>
+                <a:p>
+                  <a:r>
+                    <a:rPr lang="en-US">
+                      <a:noFill/>
+                    </a:rPr>
+                    <a:t> </a:t>
+                  </a:r>
+                </a:p>
+              </p:txBody>
+            </p:sp>
+          </mc:Fallback>
+        </mc:AlternateContent>
+        <p:sp>
+          <p:nvSpPr>
+            <p:cNvPr id="126" name="Flowchart: Document 125"/>
+            <p:cNvSpPr/>
+            <p:nvPr/>
+          </p:nvSpPr>
+          <p:spPr>
+            <a:xfrm>
+              <a:off x="9107151" y="4298634"/>
+              <a:ext cx="1097498" cy="853863"/>
+            </a:xfrm>
+            <a:prstGeom prst="flowChartDocument">
+              <a:avLst/>
+            </a:prstGeom>
+          </p:spPr>
+          <p:style>
+            <a:lnRef idx="3">
+              <a:schemeClr val="lt1"/>
+            </a:lnRef>
+            <a:fillRef idx="1">
+              <a:schemeClr val="accent3"/>
+            </a:fillRef>
+            <a:effectRef idx="1">
+              <a:schemeClr val="accent3"/>
+            </a:effectRef>
+            <a:fontRef idx="minor">
+              <a:schemeClr val="lt1"/>
+            </a:fontRef>
+          </p:style>
+          <p:txBody>
+            <a:bodyPr rtlCol="0" anchor="ctr"/>
+            <a:lstStyle/>
+            <a:p>
+              <a:pPr algn="ctr"/>
+              <a:r>
+                <a:rPr lang="en-US" sz="1400" dirty="0"/>
+                <a:t>Appropriate Technique</a:t>
+              </a:r>
+            </a:p>
+          </p:txBody>
+        </p:sp>
+        <mc:AlternateContent xmlns:mc="http://schemas.openxmlformats.org/markup-compatibility/2006" xmlns:a14="http://schemas.microsoft.com/office/drawing/2010/main">
+          <mc:Choice Requires="a14">
+            <p:sp>
+              <p:nvSpPr>
+                <p:cNvPr id="138" name="TextBox 137"/>
+                <p:cNvSpPr txBox="1"/>
+                <p:nvPr/>
+              </p:nvSpPr>
+              <p:spPr>
+                <a:xfrm>
+                  <a:off x="9107260" y="2509161"/>
+                  <a:ext cx="1097280" cy="523220"/>
+                </a:xfrm>
+                <a:prstGeom prst="rect">
+                  <a:avLst/>
+                </a:prstGeom>
+              </p:spPr>
+              <p:style>
+                <a:lnRef idx="2">
+                  <a:schemeClr val="accent3"/>
+                </a:lnRef>
+                <a:fillRef idx="1">
+                  <a:schemeClr val="lt1"/>
+                </a:fillRef>
+                <a:effectRef idx="0">
+                  <a:schemeClr val="accent3"/>
+                </a:effectRef>
+                <a:fontRef idx="minor">
+                  <a:schemeClr val="dk1"/>
+                </a:fontRef>
+              </p:style>
+              <p:txBody>
+                <a:bodyPr wrap="square" rtlCol="0">
+                  <a:spAutoFit/>
+                </a:bodyPr>
+                <a:lstStyle/>
+                <a:p>
+                  <a14:m>
+                    <m:oMath xmlns:m="http://schemas.openxmlformats.org/officeDocument/2006/math">
+                      <m:r>
+                        <a:rPr lang="en-US" sz="1400" b="0" i="1" smtClean="0">
+                          <a:latin typeface="Cambria Math" panose="02040503050406030204" pitchFamily="18" charset="0"/>
+                        </a:rPr>
+                        <m:t>𝒟</m:t>
+                      </m:r>
+                    </m:oMath>
+                  </a14:m>
+                  <a:r>
+                    <a:rPr lang="en-US" sz="1400" dirty="0" smtClean="0"/>
+                    <a:t> with </a:t>
+                  </a:r>
+                  <a14:m>
+                    <m:oMath xmlns:m="http://schemas.openxmlformats.org/officeDocument/2006/math">
+                      <m:r>
+                        <a:rPr lang="en-US" sz="1400" b="0" i="1" smtClean="0">
+                          <a:latin typeface="Cambria Math" panose="02040503050406030204" pitchFamily="18" charset="0"/>
+                        </a:rPr>
+                        <m:t>𝑖𝑚𝐴𝑡𝑡𝑟</m:t>
+                      </m:r>
+                      <m:d>
+                        <m:dPr>
+                          <m:ctrlPr>
+                            <a:rPr lang="en-US" sz="1400" b="0" i="1" smtClean="0">
+                              <a:latin typeface="Cambria Math" panose="02040503050406030204" pitchFamily="18" charset="0"/>
+                            </a:rPr>
+                          </m:ctrlPr>
+                        </m:dPr>
+                        <m:e>
+                          <m:r>
+                            <a:rPr lang="en-US" sz="1400" b="0" i="1" smtClean="0">
+                              <a:latin typeface="Cambria Math" panose="02040503050406030204" pitchFamily="18" charset="0"/>
+                            </a:rPr>
+                            <m:t>𝒟</m:t>
+                          </m:r>
+                        </m:e>
+                      </m:d>
+                    </m:oMath>
+                  </a14:m>
+                  <a:endParaRPr lang="en-US" sz="1400" dirty="0"/>
+                </a:p>
+              </p:txBody>
+            </p:sp>
+          </mc:Choice>
+          <mc:Fallback xmlns="">
+            <p:sp>
+              <p:nvSpPr>
+                <p:cNvPr id="138" name="TextBox 137"/>
+                <p:cNvSpPr txBox="1">
+                  <a:spLocks noRot="1" noChangeAspect="1" noMove="1" noResize="1" noEditPoints="1" noAdjustHandles="1" noChangeArrowheads="1" noChangeShapeType="1" noTextEdit="1"/>
+                </p:cNvSpPr>
+                <p:nvPr/>
+              </p:nvSpPr>
+              <p:spPr>
+                <a:xfrm>
+                  <a:off x="9107260" y="2509161"/>
+                  <a:ext cx="1097280" cy="523220"/>
+                </a:xfrm>
+                <a:prstGeom prst="rect">
+                  <a:avLst/>
+                </a:prstGeom>
+                <a:blipFill>
+                  <a:blip r:embed="rId3"/>
+                  <a:stretch>
+                    <a:fillRect t="-1149"/>
+                  </a:stretch>
+                </a:blipFill>
+              </p:spPr>
+              <p:txBody>
+                <a:bodyPr/>
+                <a:lstStyle/>
+                <a:p>
+                  <a:r>
+                    <a:rPr lang="en-US">
+                      <a:noFill/>
+                    </a:rPr>
+                    <a:t> </a:t>
+                  </a:r>
+                </a:p>
+              </p:txBody>
+            </p:sp>
+          </mc:Fallback>
+        </mc:AlternateContent>
+        <p:grpSp>
+          <p:nvGrpSpPr>
+            <p:cNvPr id="210" name="Group 209"/>
+            <p:cNvGrpSpPr/>
+            <p:nvPr/>
+          </p:nvGrpSpPr>
+          <p:grpSpPr>
+            <a:xfrm>
+              <a:off x="10543032" y="2042006"/>
+              <a:ext cx="1405914" cy="3105734"/>
+              <a:chOff x="10515600" y="2042006"/>
+              <a:chExt cx="1405914" cy="3105734"/>
+            </a:xfrm>
+          </p:grpSpPr>
+          <p:sp>
+            <p:nvSpPr>
+              <p:cNvPr id="136" name="Rectangle 135"/>
+              <p:cNvSpPr/>
+              <p:nvPr/>
+            </p:nvSpPr>
+            <p:spPr>
+              <a:xfrm>
+                <a:off x="10515600" y="2042006"/>
+                <a:ext cx="1405568" cy="3105734"/>
+              </a:xfrm>
+              <a:prstGeom prst="rect">
+                <a:avLst/>
+              </a:prstGeom>
+              <a:gradFill flip="none" rotWithShape="1">
+                <a:gsLst>
+                  <a:gs pos="0">
+                    <a:schemeClr val="lt1">
+                      <a:shade val="30000"/>
+                      <a:satMod val="115000"/>
+                    </a:schemeClr>
+                  </a:gs>
+                  <a:gs pos="50000">
+                    <a:schemeClr val="lt1">
+                      <a:shade val="67500"/>
+                      <a:satMod val="115000"/>
+                    </a:schemeClr>
+                  </a:gs>
+                  <a:gs pos="100000">
+                    <a:schemeClr val="lt1">
+                      <a:shade val="100000"/>
+                      <a:satMod val="115000"/>
+                    </a:schemeClr>
+                  </a:gs>
+                </a:gsLst>
+                <a:lin ang="2700000" scaled="1"/>
+                <a:tileRect/>
+              </a:gradFill>
+              <a:ln w="38100"/>
+            </p:spPr>
+            <p:style>
+              <a:lnRef idx="2">
+                <a:schemeClr val="accent3"/>
+              </a:lnRef>
+              <a:fillRef idx="1">
+                <a:schemeClr val="lt1"/>
+              </a:fillRef>
+              <a:effectRef idx="0">
+                <a:schemeClr val="accent3"/>
+              </a:effectRef>
+              <a:fontRef idx="minor">
+                <a:schemeClr val="dk1"/>
+              </a:fontRef>
+            </p:style>
+            <p:txBody>
+              <a:bodyPr vert="horz" rtlCol="0" anchor="t" anchorCtr="0"/>
+              <a:lstStyle/>
+              <a:p>
+                <a:r>
+                  <a:rPr lang="en-US" sz="1400" b="1" dirty="0" smtClean="0"/>
+                  <a:t>Tech. Selection Module</a:t>
+                </a:r>
+                <a:endParaRPr lang="en-US" sz="1400" b="1" dirty="0"/>
+              </a:p>
+            </p:txBody>
+          </p:sp>
+          <p:sp>
+            <p:nvSpPr>
+              <p:cNvPr id="124" name="Flowchart: Multidocument 123"/>
+              <p:cNvSpPr/>
+              <p:nvPr/>
+            </p:nvSpPr>
+            <p:spPr>
+              <a:xfrm>
+                <a:off x="10633383" y="2784968"/>
+                <a:ext cx="1170002" cy="973216"/>
+              </a:xfrm>
+              <a:prstGeom prst="flowChartMultidocument">
+                <a:avLst/>
+              </a:prstGeom>
+              <a:ln w="38100"/>
+            </p:spPr>
+            <p:style>
+              <a:lnRef idx="3">
+                <a:schemeClr val="lt1"/>
+              </a:lnRef>
+              <a:fillRef idx="1">
+                <a:schemeClr val="accent3"/>
+              </a:fillRef>
+              <a:effectRef idx="1">
+                <a:schemeClr val="accent3"/>
+              </a:effectRef>
+              <a:fontRef idx="minor">
+                <a:schemeClr val="lt1"/>
+              </a:fontRef>
+            </p:style>
+            <p:txBody>
+              <a:bodyPr rtlCol="0" anchor="ctr"/>
+              <a:lstStyle/>
+              <a:p>
+                <a:pPr algn="ctr"/>
+                <a:r>
+                  <a:rPr lang="en-US" sz="1400" dirty="0" smtClean="0"/>
+                  <a:t>Existing Techniques for IDS</a:t>
+                </a:r>
+                <a:endParaRPr lang="en-US" sz="1400" dirty="0"/>
+              </a:p>
+            </p:txBody>
+          </p:sp>
+          <p:sp>
+            <p:nvSpPr>
+              <p:cNvPr id="143" name="Rectangle 142"/>
+              <p:cNvSpPr/>
+              <p:nvPr/>
+            </p:nvSpPr>
+            <p:spPr>
+              <a:xfrm>
+                <a:off x="10515946" y="3976849"/>
+                <a:ext cx="1405568" cy="1169551"/>
+              </a:xfrm>
+              <a:prstGeom prst="rect">
+                <a:avLst/>
+              </a:prstGeom>
+            </p:spPr>
+            <p:txBody>
+              <a:bodyPr wrap="square">
+                <a:spAutoFit/>
+              </a:bodyPr>
+              <a:lstStyle/>
+              <a:p>
+                <a:pPr algn="ctr"/>
+                <a:r>
+                  <a:rPr lang="en-US" sz="1400" i="1" dirty="0" smtClean="0">
+                    <a:solidFill>
+                      <a:schemeClr val="bg1">
+                        <a:lumMod val="50000"/>
+                      </a:schemeClr>
+                    </a:solidFill>
+                  </a:rPr>
+                  <a:t>Working on</a:t>
+                </a:r>
+              </a:p>
+              <a:p>
+                <a:pPr algn="ctr"/>
+                <a:r>
+                  <a:rPr lang="en-US" sz="1400" i="1" dirty="0" smtClean="0">
+                    <a:solidFill>
+                      <a:schemeClr val="bg1">
+                        <a:lumMod val="50000"/>
+                      </a:schemeClr>
+                    </a:solidFill>
+                  </a:rPr>
+                  <a:t>Summarized </a:t>
+                </a:r>
+                <a:r>
+                  <a:rPr lang="en-US" sz="1400" i="1" dirty="0">
+                    <a:solidFill>
+                      <a:schemeClr val="bg1">
+                        <a:lumMod val="50000"/>
+                      </a:schemeClr>
+                    </a:solidFill>
+                  </a:rPr>
+                  <a:t>Conclusions</a:t>
+                </a:r>
+                <a:r>
+                  <a:rPr lang="en-US" sz="1400" i="1" dirty="0" smtClean="0">
+                    <a:solidFill>
+                      <a:schemeClr val="bg1">
+                        <a:lumMod val="50000"/>
+                      </a:schemeClr>
+                    </a:solidFill>
+                  </a:rPr>
+                  <a:t>,</a:t>
+                </a:r>
+                <a:endParaRPr lang="en-US" sz="1400" i="1" dirty="0">
+                  <a:solidFill>
+                    <a:schemeClr val="bg1">
+                      <a:lumMod val="50000"/>
+                    </a:schemeClr>
+                  </a:solidFill>
+                </a:endParaRPr>
+              </a:p>
+              <a:p>
+                <a:pPr algn="ctr"/>
+                <a:r>
+                  <a:rPr lang="en-US" sz="1400" i="1" dirty="0">
+                    <a:solidFill>
+                      <a:schemeClr val="bg1">
+                        <a:lumMod val="50000"/>
+                      </a:schemeClr>
+                    </a:solidFill>
+                  </a:rPr>
+                  <a:t>or Expert Experience</a:t>
+                </a:r>
+              </a:p>
+            </p:txBody>
+          </p:sp>
+        </p:grpSp>
+        <p:grpSp>
+          <p:nvGrpSpPr>
+            <p:cNvPr id="146" name="Group 145"/>
+            <p:cNvGrpSpPr/>
+            <p:nvPr/>
+          </p:nvGrpSpPr>
+          <p:grpSpPr>
+            <a:xfrm>
+              <a:off x="7086179" y="2042005"/>
+              <a:ext cx="1645920" cy="1485386"/>
+              <a:chOff x="7310590" y="2142096"/>
+              <a:chExt cx="1405568" cy="1541234"/>
+            </a:xfrm>
+          </p:grpSpPr>
+          <p:sp>
+            <p:nvSpPr>
+              <p:cNvPr id="141" name="Rectangle 140"/>
+              <p:cNvSpPr/>
+              <p:nvPr/>
+            </p:nvSpPr>
+            <p:spPr>
+              <a:xfrm>
+                <a:off x="7310590" y="2142096"/>
+                <a:ext cx="1405568" cy="1518048"/>
+              </a:xfrm>
+              <a:prstGeom prst="rect">
+                <a:avLst/>
+              </a:prstGeom>
+              <a:ln w="38100"/>
+            </p:spPr>
+            <p:style>
+              <a:lnRef idx="2">
+                <a:schemeClr val="accent3"/>
+              </a:lnRef>
+              <a:fillRef idx="1">
+                <a:schemeClr val="lt1"/>
+              </a:fillRef>
+              <a:effectRef idx="0">
+                <a:schemeClr val="accent3"/>
+              </a:effectRef>
+              <a:fontRef idx="minor">
+                <a:schemeClr val="dk1"/>
+              </a:fontRef>
+            </p:style>
+            <p:txBody>
+              <a:bodyPr vert="horz" rtlCol="0" anchor="t" anchorCtr="0"/>
+              <a:lstStyle/>
+              <a:p>
+                <a:r>
+                  <a:rPr lang="en-US" sz="1400" b="1" dirty="0" smtClean="0"/>
+                  <a:t>IDS Analysis Module</a:t>
+                </a:r>
+                <a:endParaRPr lang="en-US" sz="1400" b="1" dirty="0"/>
+              </a:p>
+            </p:txBody>
+          </p:sp>
+          <mc:AlternateContent xmlns:mc="http://schemas.openxmlformats.org/markup-compatibility/2006" xmlns:a14="http://schemas.microsoft.com/office/drawing/2010/main">
+            <mc:Choice Requires="a14">
+              <p:sp>
+                <p:nvSpPr>
+                  <p:cNvPr id="112" name="TextBox 111"/>
+                  <p:cNvSpPr txBox="1"/>
+                  <p:nvPr/>
+                </p:nvSpPr>
+                <p:spPr>
+                  <a:xfrm>
+                    <a:off x="7392614" y="2916893"/>
+                    <a:ext cx="1241519" cy="766437"/>
+                  </a:xfrm>
+                  <a:prstGeom prst="rect">
+                    <a:avLst/>
+                  </a:prstGeom>
+                  <a:noFill/>
+                </p:spPr>
+                <p:txBody>
+                  <a:bodyPr wrap="square" rtlCol="0">
+                    <a:spAutoFit/>
+                  </a:bodyPr>
+                  <a:lstStyle/>
+                  <a:p>
+                    <a:pPr algn="ctr"/>
+                    <a:r>
+                      <a:rPr lang="en-US" sz="1400" i="1" dirty="0" smtClean="0">
+                        <a:solidFill>
+                          <a:schemeClr val="bg1">
+                            <a:lumMod val="50000"/>
+                          </a:schemeClr>
+                        </a:solidFill>
+                      </a:rPr>
+                      <a:t>Get Imbalance Attribute </a:t>
+                    </a:r>
+                    <a14:m>
+                      <m:oMath xmlns:m="http://schemas.openxmlformats.org/officeDocument/2006/math">
+                        <m:r>
+                          <a:rPr lang="en-US" sz="1400" b="0" i="1" smtClean="0">
+                            <a:solidFill>
+                              <a:schemeClr val="bg1">
+                                <a:lumMod val="50000"/>
+                              </a:schemeClr>
+                            </a:solidFill>
+                            <a:latin typeface="Cambria Math" panose="02040503050406030204" pitchFamily="18" charset="0"/>
+                          </a:rPr>
+                          <m:t>𝑖𝑚𝐴𝑡𝑡𝑟</m:t>
+                        </m:r>
+                        <m:d>
+                          <m:dPr>
+                            <m:ctrlPr>
+                              <a:rPr lang="en-US" sz="1400" b="0" i="1" smtClean="0">
+                                <a:solidFill>
+                                  <a:schemeClr val="bg1">
+                                    <a:lumMod val="50000"/>
+                                  </a:schemeClr>
+                                </a:solidFill>
+                                <a:latin typeface="Cambria Math" panose="02040503050406030204" pitchFamily="18" charset="0"/>
+                              </a:rPr>
+                            </m:ctrlPr>
+                          </m:dPr>
+                          <m:e>
+                            <m:r>
+                              <a:rPr lang="en-US" sz="1400" b="0" i="1" smtClean="0">
+                                <a:solidFill>
+                                  <a:schemeClr val="bg1">
+                                    <a:lumMod val="50000"/>
+                                  </a:schemeClr>
+                                </a:solidFill>
+                                <a:latin typeface="Cambria Math" panose="02040503050406030204" pitchFamily="18" charset="0"/>
+                              </a:rPr>
+                              <m:t>𝒟</m:t>
+                            </m:r>
+                          </m:e>
+                        </m:d>
+                      </m:oMath>
+                    </a14:m>
+                    <a:endParaRPr lang="en-US" sz="1400" i="1" dirty="0"/>
+                  </a:p>
+                </p:txBody>
+              </p:sp>
+            </mc:Choice>
+            <mc:Fallback xmlns="">
+              <p:sp>
+                <p:nvSpPr>
+                  <p:cNvPr id="112" name="TextBox 111"/>
+                  <p:cNvSpPr txBox="1">
+                    <a:spLocks noRot="1" noChangeAspect="1" noMove="1" noResize="1" noEditPoints="1" noAdjustHandles="1" noChangeArrowheads="1" noChangeShapeType="1" noTextEdit="1"/>
+                  </p:cNvSpPr>
+                  <p:nvPr/>
+                </p:nvSpPr>
+                <p:spPr>
+                  <a:xfrm>
+                    <a:off x="7392614" y="2916893"/>
+                    <a:ext cx="1241519" cy="766437"/>
+                  </a:xfrm>
+                  <a:prstGeom prst="rect">
+                    <a:avLst/>
+                  </a:prstGeom>
+                  <a:blipFill>
+                    <a:blip r:embed="rId4"/>
+                    <a:stretch>
+                      <a:fillRect t="-820"/>
+                    </a:stretch>
+                  </a:blipFill>
+                </p:spPr>
+                <p:txBody>
+                  <a:bodyPr/>
+                  <a:lstStyle/>
+                  <a:p>
+                    <a:r>
+                      <a:rPr lang="en-US">
+                        <a:noFill/>
+                      </a:rPr>
+                      <a:t> </a:t>
+                    </a:r>
+                  </a:p>
+                </p:txBody>
+              </p:sp>
+            </mc:Fallback>
+          </mc:AlternateContent>
+        </p:grpSp>
+        <p:cxnSp>
+          <p:nvCxnSpPr>
+            <p:cNvPr id="152" name="Straight Arrow Connector 151"/>
+            <p:cNvCxnSpPr>
+              <a:stCxn id="111" idx="3"/>
+              <a:endCxn id="141" idx="1"/>
+            </p:cNvCxnSpPr>
+            <p:nvPr/>
+          </p:nvCxnSpPr>
+          <p:spPr>
+            <a:xfrm>
+              <a:off x="6784316" y="2770771"/>
+              <a:ext cx="301863" cy="2754"/>
+            </a:xfrm>
+            <a:prstGeom prst="straightConnector1">
+              <a:avLst/>
+            </a:prstGeom>
+            <a:ln>
+              <a:tailEnd type="triangle"/>
+            </a:ln>
+          </p:spPr>
+          <p:style>
+            <a:lnRef idx="1">
+              <a:schemeClr val="dk1"/>
+            </a:lnRef>
+            <a:fillRef idx="0">
+              <a:schemeClr val="dk1"/>
+            </a:fillRef>
+            <a:effectRef idx="0">
+              <a:schemeClr val="dk1"/>
+            </a:effectRef>
+            <a:fontRef idx="minor">
+              <a:schemeClr val="tx1"/>
+            </a:fontRef>
+          </p:style>
+        </p:cxnSp>
+        <p:cxnSp>
+          <p:nvCxnSpPr>
+            <p:cNvPr id="154" name="Straight Arrow Connector 153"/>
+            <p:cNvCxnSpPr>
+              <a:stCxn id="141" idx="3"/>
+              <a:endCxn id="138" idx="1"/>
+            </p:cNvCxnSpPr>
+            <p:nvPr/>
+          </p:nvCxnSpPr>
+          <p:spPr>
+            <a:xfrm flipV="1">
+              <a:off x="8732099" y="2770771"/>
+              <a:ext cx="375161" cy="2754"/>
+            </a:xfrm>
+            <a:prstGeom prst="straightConnector1">
+              <a:avLst/>
+            </a:prstGeom>
+            <a:ln>
+              <a:tailEnd type="triangle"/>
+            </a:ln>
+          </p:spPr>
+          <p:style>
+            <a:lnRef idx="1">
+              <a:schemeClr val="dk1"/>
+            </a:lnRef>
+            <a:fillRef idx="0">
+              <a:schemeClr val="dk1"/>
+            </a:fillRef>
+            <a:effectRef idx="0">
+              <a:schemeClr val="dk1"/>
+            </a:effectRef>
+            <a:fontRef idx="minor">
+              <a:schemeClr val="tx1"/>
+            </a:fontRef>
+          </p:style>
+        </p:cxnSp>
+        <p:cxnSp>
+          <p:nvCxnSpPr>
+            <p:cNvPr id="176" name="Straight Arrow Connector 175"/>
+            <p:cNvCxnSpPr>
+              <a:stCxn id="138" idx="3"/>
+            </p:cNvCxnSpPr>
+            <p:nvPr/>
+          </p:nvCxnSpPr>
+          <p:spPr>
+            <a:xfrm>
+              <a:off x="10204540" y="2770771"/>
+              <a:ext cx="338492" cy="0"/>
+            </a:xfrm>
+            <a:prstGeom prst="straightConnector1">
+              <a:avLst/>
+            </a:prstGeom>
+            <a:ln>
+              <a:tailEnd type="triangle"/>
+            </a:ln>
+          </p:spPr>
+          <p:style>
+            <a:lnRef idx="1">
+              <a:schemeClr val="dk1"/>
+            </a:lnRef>
+            <a:fillRef idx="0">
+              <a:schemeClr val="dk1"/>
+            </a:fillRef>
+            <a:effectRef idx="0">
+              <a:schemeClr val="dk1"/>
+            </a:effectRef>
+            <a:fontRef idx="minor">
+              <a:schemeClr val="tx1"/>
+            </a:fontRef>
+          </p:style>
+        </p:cxnSp>
+        <p:grpSp>
+          <p:nvGrpSpPr>
+            <p:cNvPr id="184" name="Group 183"/>
+            <p:cNvGrpSpPr/>
+            <p:nvPr/>
+          </p:nvGrpSpPr>
+          <p:grpSpPr>
+            <a:xfrm>
+              <a:off x="7095067" y="3689458"/>
+              <a:ext cx="1645920" cy="1487148"/>
+              <a:chOff x="7303901" y="2147662"/>
+              <a:chExt cx="1687045" cy="1543062"/>
+            </a:xfrm>
+          </p:grpSpPr>
+          <p:sp>
+            <p:nvSpPr>
+              <p:cNvPr id="185" name="Rectangle 184"/>
+              <p:cNvSpPr/>
+              <p:nvPr/>
+            </p:nvSpPr>
+            <p:spPr>
+              <a:xfrm>
+                <a:off x="7307245" y="2147662"/>
+                <a:ext cx="1680356" cy="1518048"/>
+              </a:xfrm>
+              <a:prstGeom prst="rect">
+                <a:avLst/>
+              </a:prstGeom>
+              <a:ln w="38100"/>
+            </p:spPr>
+            <p:style>
+              <a:lnRef idx="2">
+                <a:schemeClr val="accent3"/>
+              </a:lnRef>
+              <a:fillRef idx="1">
+                <a:schemeClr val="lt1"/>
+              </a:fillRef>
+              <a:effectRef idx="0">
+                <a:schemeClr val="accent3"/>
+              </a:effectRef>
+              <a:fontRef idx="minor">
+                <a:schemeClr val="dk1"/>
+              </a:fontRef>
+            </p:style>
+            <p:txBody>
+              <a:bodyPr vert="horz" rtlCol="0" anchor="t" anchorCtr="0"/>
+              <a:lstStyle/>
+              <a:p>
+                <a:r>
+                  <a:rPr lang="en-US" sz="1400" b="1" dirty="0" smtClean="0"/>
+                  <a:t>Training</a:t>
+                </a:r>
+              </a:p>
+              <a:p>
+                <a:r>
+                  <a:rPr lang="en-US" sz="1400" b="1" dirty="0" smtClean="0"/>
+                  <a:t>Module</a:t>
+                </a:r>
+                <a:endParaRPr lang="en-US" sz="1400" b="1" dirty="0"/>
+              </a:p>
+            </p:txBody>
+          </p:sp>
+          <mc:AlternateContent xmlns:mc="http://schemas.openxmlformats.org/markup-compatibility/2006" xmlns:a14="http://schemas.microsoft.com/office/drawing/2010/main">
+            <mc:Choice Requires="a14">
+              <p:sp>
+                <p:nvSpPr>
+                  <p:cNvPr id="186" name="TextBox 185"/>
+                  <p:cNvSpPr txBox="1"/>
+                  <p:nvPr/>
+                </p:nvSpPr>
+                <p:spPr>
+                  <a:xfrm>
+                    <a:off x="7303901" y="2924287"/>
+                    <a:ext cx="1687045" cy="766437"/>
+                  </a:xfrm>
+                  <a:prstGeom prst="rect">
+                    <a:avLst/>
+                  </a:prstGeom>
+                  <a:noFill/>
+                </p:spPr>
+                <p:txBody>
+                  <a:bodyPr wrap="square" rtlCol="0">
+                    <a:spAutoFit/>
+                  </a:bodyPr>
+                  <a:lstStyle/>
+                  <a:p>
+                    <a:pPr algn="ctr"/>
+                    <a:r>
+                      <a:rPr lang="en-US" sz="1400" i="1" dirty="0" smtClean="0">
+                        <a:solidFill>
+                          <a:schemeClr val="bg1">
+                            <a:lumMod val="50000"/>
+                          </a:schemeClr>
+                        </a:solidFill>
+                      </a:rPr>
+                      <a:t>Apply the selected Technique and train model on </a:t>
+                    </a:r>
+                    <a14:m>
+                      <m:oMath xmlns:m="http://schemas.openxmlformats.org/officeDocument/2006/math">
+                        <m:r>
+                          <a:rPr lang="en-US" sz="1400" b="0" i="1" smtClean="0">
+                            <a:solidFill>
+                              <a:schemeClr val="bg1">
+                                <a:lumMod val="50000"/>
+                              </a:schemeClr>
+                            </a:solidFill>
+                            <a:latin typeface="Cambria Math" panose="02040503050406030204" pitchFamily="18" charset="0"/>
+                          </a:rPr>
+                          <m:t>𝒟</m:t>
+                        </m:r>
+                      </m:oMath>
+                    </a14:m>
+                    <a:endParaRPr lang="en-US" sz="1400" i="1" dirty="0">
+                      <a:solidFill>
+                        <a:schemeClr val="bg1">
+                          <a:lumMod val="50000"/>
+                        </a:schemeClr>
+                      </a:solidFill>
+                    </a:endParaRPr>
+                  </a:p>
+                </p:txBody>
+              </p:sp>
+            </mc:Choice>
+            <mc:Fallback xmlns="">
+              <p:sp>
+                <p:nvSpPr>
+                  <p:cNvPr id="186" name="TextBox 185"/>
+                  <p:cNvSpPr txBox="1">
+                    <a:spLocks noRot="1" noChangeAspect="1" noMove="1" noResize="1" noEditPoints="1" noAdjustHandles="1" noChangeArrowheads="1" noChangeShapeType="1" noTextEdit="1"/>
+                  </p:cNvSpPr>
+                  <p:nvPr/>
+                </p:nvSpPr>
+                <p:spPr>
+                  <a:xfrm>
+                    <a:off x="7303901" y="2924287"/>
+                    <a:ext cx="1687045" cy="766437"/>
+                  </a:xfrm>
+                  <a:prstGeom prst="rect">
+                    <a:avLst/>
+                  </a:prstGeom>
+                  <a:blipFill>
+                    <a:blip r:embed="rId5"/>
+                    <a:stretch>
+                      <a:fillRect t="-1653" r="-2222" b="-8264"/>
+                    </a:stretch>
+                  </a:blipFill>
+                </p:spPr>
+                <p:txBody>
+                  <a:bodyPr/>
+                  <a:lstStyle/>
+                  <a:p>
+                    <a:r>
+                      <a:rPr lang="en-US">
+                        <a:noFill/>
+                      </a:rPr>
+                      <a:t> </a:t>
+                    </a:r>
+                  </a:p>
+                </p:txBody>
+              </p:sp>
+            </mc:Fallback>
+          </mc:AlternateContent>
+        </p:grpSp>
+        <p:cxnSp>
+          <p:nvCxnSpPr>
+            <p:cNvPr id="188" name="Elbow Connector 187"/>
+            <p:cNvCxnSpPr>
+              <a:stCxn id="138" idx="2"/>
+            </p:cNvCxnSpPr>
+            <p:nvPr/>
+          </p:nvCxnSpPr>
+          <p:spPr>
+            <a:xfrm rot="5400000">
+              <a:off x="8785451" y="2987920"/>
+              <a:ext cx="825988" cy="914910"/>
+            </a:xfrm>
+            <a:prstGeom prst="bentConnector2">
+              <a:avLst/>
+            </a:prstGeom>
+            <a:ln>
+              <a:tailEnd type="triangle"/>
+            </a:ln>
+          </p:spPr>
+          <p:style>
+            <a:lnRef idx="1">
+              <a:schemeClr val="dk1"/>
+            </a:lnRef>
+            <a:fillRef idx="0">
+              <a:schemeClr val="dk1"/>
+            </a:fillRef>
+            <a:effectRef idx="0">
+              <a:schemeClr val="dk1"/>
+            </a:effectRef>
+            <a:fontRef idx="minor">
+              <a:schemeClr val="tx1"/>
+            </a:fontRef>
+          </p:style>
+        </p:cxnSp>
+        <p:cxnSp>
+          <p:nvCxnSpPr>
+            <p:cNvPr id="193" name="Elbow Connector 192"/>
+            <p:cNvCxnSpPr>
+              <a:stCxn id="126" idx="0"/>
+            </p:cNvCxnSpPr>
+            <p:nvPr/>
+          </p:nvCxnSpPr>
+          <p:spPr>
+            <a:xfrm rot="16200000" flipV="1">
+              <a:off x="9088172" y="3730906"/>
+              <a:ext cx="220546" cy="914910"/>
+            </a:xfrm>
+            <a:prstGeom prst="bentConnector2">
+              <a:avLst/>
+            </a:prstGeom>
+            <a:ln>
+              <a:tailEnd type="triangle"/>
+            </a:ln>
+          </p:spPr>
+          <p:style>
+            <a:lnRef idx="1">
+              <a:schemeClr val="dk1"/>
+            </a:lnRef>
+            <a:fillRef idx="0">
+              <a:schemeClr val="dk1"/>
+            </a:fillRef>
+            <a:effectRef idx="0">
+              <a:schemeClr val="dk1"/>
+            </a:effectRef>
+            <a:fontRef idx="minor">
+              <a:schemeClr val="tx1"/>
+            </a:fontRef>
+          </p:style>
+        </p:cxnSp>
+        <p:cxnSp>
+          <p:nvCxnSpPr>
+            <p:cNvPr id="199" name="Curved Connector 198"/>
+            <p:cNvCxnSpPr>
+              <a:stCxn id="124" idx="1"/>
+              <a:endCxn id="126" idx="3"/>
+            </p:cNvCxnSpPr>
+            <p:nvPr/>
+          </p:nvCxnSpPr>
+          <p:spPr>
+            <a:xfrm rot="10800000" flipV="1">
+              <a:off x="10204649" y="3271576"/>
+              <a:ext cx="456166" cy="1453990"/>
+            </a:xfrm>
+            <a:prstGeom prst="curvedConnector3">
+              <a:avLst/>
+            </a:prstGeom>
+            <a:ln>
+              <a:tailEnd type="triangle"/>
+            </a:ln>
+          </p:spPr>
+          <p:style>
+            <a:lnRef idx="1">
+              <a:schemeClr val="dk1"/>
+            </a:lnRef>
+            <a:fillRef idx="0">
+              <a:schemeClr val="dk1"/>
+            </a:fillRef>
+            <a:effectRef idx="0">
+              <a:schemeClr val="dk1"/>
+            </a:effectRef>
+            <a:fontRef idx="minor">
+              <a:schemeClr val="tx1"/>
+            </a:fontRef>
+          </p:style>
+        </p:cxnSp>
+        <p:sp>
+          <p:nvSpPr>
+            <p:cNvPr id="206" name="TextBox 205"/>
+            <p:cNvSpPr txBox="1"/>
+            <p:nvPr/>
+          </p:nvSpPr>
+          <p:spPr>
+            <a:xfrm>
+              <a:off x="5898436" y="4159367"/>
+              <a:ext cx="885879" cy="523220"/>
+            </a:xfrm>
+            <a:prstGeom prst="rect">
+              <a:avLst/>
+            </a:prstGeom>
+          </p:spPr>
+          <p:style>
+            <a:lnRef idx="2">
+              <a:schemeClr val="accent3"/>
+            </a:lnRef>
+            <a:fillRef idx="1">
+              <a:schemeClr val="lt1"/>
+            </a:fillRef>
+            <a:effectRef idx="0">
+              <a:schemeClr val="accent3"/>
+            </a:effectRef>
+            <a:fontRef idx="minor">
+              <a:schemeClr val="dk1"/>
+            </a:fontRef>
+          </p:style>
+          <p:txBody>
+            <a:bodyPr wrap="square" rtlCol="0">
+              <a:spAutoFit/>
+            </a:bodyPr>
+            <a:lstStyle/>
+            <a:p>
+              <a:r>
+                <a:rPr lang="en-US" sz="1400" dirty="0" smtClean="0"/>
+                <a:t>Trained </a:t>
+              </a:r>
+            </a:p>
+            <a:p>
+              <a:r>
+                <a:rPr lang="en-US" sz="1400" dirty="0" smtClean="0"/>
+                <a:t>Model</a:t>
+              </a:r>
+              <a:endParaRPr lang="en-US" sz="1400" dirty="0"/>
+            </a:p>
+          </p:txBody>
+        </p:sp>
+        <p:cxnSp>
+          <p:nvCxnSpPr>
+            <p:cNvPr id="207" name="Straight Arrow Connector 206"/>
+            <p:cNvCxnSpPr>
+              <a:stCxn id="185" idx="1"/>
+              <a:endCxn id="206" idx="3"/>
+            </p:cNvCxnSpPr>
+            <p:nvPr/>
+          </p:nvCxnSpPr>
+          <p:spPr>
+            <a:xfrm flipH="1">
+              <a:off x="6784315" y="4420977"/>
+              <a:ext cx="314014" cy="0"/>
+            </a:xfrm>
+            <a:prstGeom prst="straightConnector1">
+              <a:avLst/>
+            </a:prstGeom>
+            <a:ln>
+              <a:tailEnd type="triangle"/>
+            </a:ln>
+          </p:spPr>
+          <p:style>
+            <a:lnRef idx="1">
+              <a:schemeClr val="dk1"/>
+            </a:lnRef>
+            <a:fillRef idx="0">
+              <a:schemeClr val="dk1"/>
+            </a:fillRef>
+            <a:effectRef idx="0">
+              <a:schemeClr val="dk1"/>
+            </a:effectRef>
+            <a:fontRef idx="minor">
+              <a:schemeClr val="tx1"/>
+            </a:fontRef>
+          </p:style>
+        </p:cxnSp>
+      </p:grpSp>
+      <p:sp>
+        <p:nvSpPr>
+          <p:cNvPr id="8" name="TextBox 7"/>
+          <p:cNvSpPr txBox="1"/>
+          <p:nvPr/>
+        </p:nvSpPr>
+        <p:spPr>
+          <a:xfrm>
+            <a:off x="702362" y="1322751"/>
+            <a:ext cx="3519040" cy="1384995"/>
+          </a:xfrm>
+          <a:prstGeom prst="rect">
+            <a:avLst/>
+          </a:prstGeom>
+          <a:noFill/>
+        </p:spPr>
+        <p:txBody>
+          <a:bodyPr wrap="none" rtlCol="0">
+            <a:spAutoFit/>
+          </a:bodyPr>
+          <a:lstStyle/>
+          <a:p>
+            <a:pPr marL="285750" indent="-285750">
+              <a:buFont typeface="Arial" panose="020B0604020202020204" pitchFamily="34" charset="0"/>
+              <a:buChar char="•"/>
+            </a:pPr>
+            <a:r>
+              <a:rPr lang="en-US" sz="2800" dirty="0" smtClean="0">
+                <a:solidFill>
+                  <a:schemeClr val="bg1">
+                    <a:lumMod val="65000"/>
+                  </a:schemeClr>
+                </a:solidFill>
+              </a:rPr>
+              <a:t>Sampling Techniques</a:t>
+            </a:r>
+          </a:p>
+          <a:p>
+            <a:pPr marL="285750" indent="-285750">
+              <a:buFont typeface="Arial" panose="020B0604020202020204" pitchFamily="34" charset="0"/>
+              <a:buChar char="•"/>
+            </a:pPr>
+            <a:r>
+              <a:rPr lang="en-US" sz="2800" dirty="0" smtClean="0">
+                <a:solidFill>
+                  <a:schemeClr val="bg1">
+                    <a:lumMod val="65000"/>
+                  </a:schemeClr>
+                </a:solidFill>
+              </a:rPr>
+              <a:t>One Class Learning</a:t>
+            </a:r>
+          </a:p>
+          <a:p>
+            <a:pPr marL="285750" indent="-285750">
+              <a:buFont typeface="Arial" panose="020B0604020202020204" pitchFamily="34" charset="0"/>
+              <a:buChar char="•"/>
+            </a:pPr>
+            <a:r>
+              <a:rPr lang="en-US" sz="2800" dirty="0" smtClean="0">
+                <a:solidFill>
+                  <a:schemeClr val="bg1">
+                    <a:lumMod val="65000"/>
+                  </a:schemeClr>
+                </a:solidFill>
+              </a:rPr>
+              <a:t>Ensemble learning</a:t>
+            </a:r>
+            <a:endParaRPr lang="en-US" sz="2800" dirty="0">
+              <a:solidFill>
+                <a:schemeClr val="bg1">
+                  <a:lumMod val="65000"/>
+                </a:schemeClr>
+              </a:solidFill>
+            </a:endParaRPr>
+          </a:p>
+        </p:txBody>
+      </p:sp>
+      <p:sp>
+        <p:nvSpPr>
+          <p:cNvPr id="63" name="Title 1"/>
+          <p:cNvSpPr txBox="1">
+            <a:spLocks/>
+          </p:cNvSpPr>
+          <p:nvPr/>
+        </p:nvSpPr>
+        <p:spPr>
+          <a:xfrm>
+            <a:off x="1" y="3468694"/>
+            <a:ext cx="5705296" cy="1325563"/>
+          </a:xfrm>
+          <a:prstGeom prst="rect">
+            <a:avLst/>
+          </a:prstGeom>
+        </p:spPr>
+        <p:txBody>
+          <a:bodyPr vert="horz" lIns="91440" tIns="45720" rIns="91440" bIns="45720" rtlCol="0" anchor="ctr">
+            <a:noAutofit/>
+          </a:bodyPr>
+          <a:lstStyle>
+            <a:lvl1pPr algn="l" defTabSz="914400" rtl="0" eaLnBrk="1" latinLnBrk="0" hangingPunct="1">
+              <a:lnSpc>
+                <a:spcPct val="90000"/>
+              </a:lnSpc>
+              <a:spcBef>
+                <a:spcPct val="0"/>
+              </a:spcBef>
+              <a:buNone/>
+              <a:defRPr sz="4400" kern="1200">
+                <a:solidFill>
+                  <a:schemeClr val="tx1"/>
+                </a:solidFill>
+                <a:latin typeface="+mj-lt"/>
+                <a:ea typeface="+mj-ea"/>
+                <a:cs typeface="+mj-cs"/>
+              </a:defRPr>
+            </a:lvl1pPr>
+          </a:lstStyle>
+          <a:p>
+            <a:r>
+              <a:rPr lang="en-US" sz="3600" dirty="0" smtClean="0"/>
+              <a:t>Selecting Strategy</a:t>
+            </a:r>
+            <a:endParaRPr lang="en-US" sz="3600" dirty="0"/>
+          </a:p>
+        </p:txBody>
+      </p:sp>
+      <mc:AlternateContent xmlns:mc="http://schemas.openxmlformats.org/markup-compatibility/2006">
+        <mc:Choice xmlns:a14="http://schemas.microsoft.com/office/drawing/2010/main" Requires="a14">
+          <p:sp>
+            <p:nvSpPr>
+              <p:cNvPr id="65" name="TextBox 64"/>
+              <p:cNvSpPr txBox="1"/>
+              <p:nvPr/>
+            </p:nvSpPr>
+            <p:spPr>
+              <a:xfrm>
+                <a:off x="702361" y="4794257"/>
+                <a:ext cx="4120009" cy="1384995"/>
+              </a:xfrm>
+              <a:prstGeom prst="rect">
+                <a:avLst/>
+              </a:prstGeom>
+              <a:noFill/>
+            </p:spPr>
+            <p:txBody>
+              <a:bodyPr wrap="square" rtlCol="0">
+                <a:spAutoFit/>
+              </a:bodyPr>
+              <a:lstStyle/>
+              <a:p>
+                <a:pPr marL="285750" indent="-285750">
+                  <a:buFont typeface="Arial" panose="020B0604020202020204" pitchFamily="34" charset="0"/>
+                  <a:buChar char="•"/>
+                </a:pPr>
+                <a:r>
+                  <a:rPr lang="en-US" sz="2800" dirty="0" smtClean="0">
+                    <a:solidFill>
+                      <a:schemeClr val="tx1"/>
+                    </a:solidFill>
+                  </a:rPr>
+                  <a:t>On what kind of IDS described by </a:t>
+                </a:r>
+                <a14:m>
+                  <m:oMath xmlns:m="http://schemas.openxmlformats.org/officeDocument/2006/math">
+                    <m:r>
+                      <a:rPr lang="en-US" sz="2800" b="0" i="1" smtClean="0">
+                        <a:solidFill>
+                          <a:schemeClr val="tx1"/>
+                        </a:solidFill>
+                        <a:latin typeface="Cambria Math" panose="02040503050406030204" pitchFamily="18" charset="0"/>
+                      </a:rPr>
+                      <m:t>𝑖𝑚𝐴𝑡𝑡𝑟</m:t>
+                    </m:r>
+                    <m:d>
+                      <m:dPr>
+                        <m:ctrlPr>
+                          <a:rPr lang="en-US" sz="2800" b="0" i="1" smtClean="0">
+                            <a:solidFill>
+                              <a:schemeClr val="tx1"/>
+                            </a:solidFill>
+                            <a:latin typeface="Cambria Math" panose="02040503050406030204" pitchFamily="18" charset="0"/>
+                          </a:rPr>
+                        </m:ctrlPr>
+                      </m:dPr>
+                      <m:e>
+                        <m:r>
+                          <a:rPr lang="en-US" sz="2800" b="0" i="1" smtClean="0">
+                            <a:solidFill>
+                              <a:schemeClr val="tx1"/>
+                            </a:solidFill>
+                            <a:latin typeface="Cambria Math" panose="02040503050406030204" pitchFamily="18" charset="0"/>
+                          </a:rPr>
+                          <m:t>𝒟</m:t>
+                        </m:r>
+                      </m:e>
+                    </m:d>
+                  </m:oMath>
+                </a14:m>
+                <a:r>
+                  <a:rPr lang="en-US" sz="2800" dirty="0" smtClean="0">
+                    <a:solidFill>
+                      <a:schemeClr val="tx1"/>
+                    </a:solidFill>
+                  </a:rPr>
+                  <a:t> they perform better?</a:t>
+                </a:r>
+                <a:endParaRPr lang="en-US" sz="2800" dirty="0">
+                  <a:solidFill>
+                    <a:schemeClr val="tx1"/>
+                  </a:solidFill>
+                </a:endParaRPr>
+              </a:p>
+            </p:txBody>
+          </p:sp>
+        </mc:Choice>
+        <mc:Fallback>
+          <p:sp>
+            <p:nvSpPr>
+              <p:cNvPr id="65" name="TextBox 64"/>
+              <p:cNvSpPr txBox="1">
+                <a:spLocks noRot="1" noChangeAspect="1" noMove="1" noResize="1" noEditPoints="1" noAdjustHandles="1" noChangeArrowheads="1" noChangeShapeType="1" noTextEdit="1"/>
+              </p:cNvSpPr>
+              <p:nvPr/>
+            </p:nvSpPr>
+            <p:spPr>
+              <a:xfrm>
+                <a:off x="702361" y="4794257"/>
+                <a:ext cx="4120009" cy="1384995"/>
+              </a:xfrm>
+              <a:prstGeom prst="rect">
+                <a:avLst/>
+              </a:prstGeom>
+              <a:blipFill>
+                <a:blip r:embed="rId6"/>
+                <a:stretch>
+                  <a:fillRect l="-2663" t="-3947" b="-11404"/>
+                </a:stretch>
+              </a:blipFill>
+            </p:spPr>
+            <p:txBody>
+              <a:bodyPr/>
+              <a:lstStyle/>
+              <a:p>
+                <a:r>
+                  <a:rPr lang="zh-CN" altLang="en-US">
+                    <a:noFill/>
+                  </a:rPr>
+                  <a:t> </a:t>
+                </a:r>
+              </a:p>
+            </p:txBody>
+          </p:sp>
+        </mc:Fallback>
+      </mc:AlternateContent>
+      <mc:AlternateContent xmlns:mc="http://schemas.openxmlformats.org/markup-compatibility/2006">
+        <mc:Choice xmlns:a14="http://schemas.microsoft.com/office/drawing/2010/main" Requires="a14">
+          <p:sp>
+            <p:nvSpPr>
+              <p:cNvPr id="30" name="文本框 29"/>
+              <p:cNvSpPr txBox="1"/>
+              <p:nvPr/>
+            </p:nvSpPr>
+            <p:spPr>
+              <a:xfrm>
+                <a:off x="8701864" y="2379685"/>
+                <a:ext cx="1834733" cy="307777"/>
+              </a:xfrm>
+              <a:prstGeom prst="rect">
+                <a:avLst/>
+              </a:prstGeom>
+              <a:noFill/>
+            </p:spPr>
+            <p:txBody>
+              <a:bodyPr wrap="none" rtlCol="0">
+                <a:spAutoFit/>
+              </a:bodyPr>
+              <a:lstStyle/>
+              <a:p>
+                <a14:m>
+                  <m:oMathPara xmlns:m="http://schemas.openxmlformats.org/officeDocument/2006/math">
+                    <m:oMathParaPr>
+                      <m:jc m:val="centerGroup"/>
+                    </m:oMathParaPr>
+                    <m:oMath xmlns:m="http://schemas.openxmlformats.org/officeDocument/2006/math">
+                      <m:r>
+                        <a:rPr lang="en-US" altLang="zh-CN" sz="1400" b="0" i="1" smtClean="0">
+                          <a:solidFill>
+                            <a:srgbClr val="FF0000"/>
+                          </a:solidFill>
+                          <a:latin typeface="Cambria Math" panose="02040503050406030204" pitchFamily="18" charset="0"/>
+                        </a:rPr>
+                        <m:t>&lt;</m:t>
+                      </m:r>
+                      <m:r>
+                        <a:rPr lang="en-US" altLang="zh-CN" sz="1400" b="0" i="1" smtClean="0">
+                          <a:solidFill>
+                            <a:srgbClr val="FF0000"/>
+                          </a:solidFill>
+                          <a:latin typeface="Cambria Math" panose="02040503050406030204" pitchFamily="18" charset="0"/>
+                        </a:rPr>
+                        <m:t>𝑟</m:t>
+                      </m:r>
+                      <m:d>
+                        <m:dPr>
+                          <m:ctrlPr>
+                            <a:rPr lang="en-US" altLang="zh-CN" sz="1400" b="0" i="1" smtClean="0">
+                              <a:solidFill>
+                                <a:srgbClr val="FF0000"/>
+                              </a:solidFill>
+                              <a:latin typeface="Cambria Math" panose="02040503050406030204" pitchFamily="18" charset="0"/>
+                            </a:rPr>
+                          </m:ctrlPr>
+                        </m:dPr>
+                        <m:e>
+                          <m:r>
+                            <a:rPr lang="en-US" altLang="zh-CN" sz="1400" b="0" i="1" smtClean="0">
+                              <a:solidFill>
+                                <a:srgbClr val="FF0000"/>
+                              </a:solidFill>
+                              <a:latin typeface="Cambria Math" panose="02040503050406030204" pitchFamily="18" charset="0"/>
+                            </a:rPr>
+                            <m:t>𝒟</m:t>
+                          </m:r>
+                        </m:e>
+                      </m:d>
+                      <m:r>
+                        <a:rPr lang="en-US" altLang="zh-CN" sz="1400" b="0" i="1" smtClean="0">
+                          <a:solidFill>
+                            <a:srgbClr val="FF0000"/>
+                          </a:solidFill>
+                          <a:latin typeface="Cambria Math" panose="02040503050406030204" pitchFamily="18" charset="0"/>
+                        </a:rPr>
+                        <m:t>,</m:t>
+                      </m:r>
+                      <m:r>
+                        <a:rPr lang="en-US" altLang="zh-CN" sz="1400" b="0" i="1" smtClean="0">
+                          <a:solidFill>
+                            <a:srgbClr val="FF0000"/>
+                          </a:solidFill>
+                          <a:latin typeface="Cambria Math" panose="02040503050406030204" pitchFamily="18" charset="0"/>
+                        </a:rPr>
+                        <m:t>𝑜</m:t>
+                      </m:r>
+                      <m:d>
+                        <m:dPr>
+                          <m:ctrlPr>
+                            <a:rPr lang="en-US" altLang="zh-CN" sz="1400" i="1">
+                              <a:solidFill>
+                                <a:srgbClr val="FF0000"/>
+                              </a:solidFill>
+                              <a:latin typeface="Cambria Math" panose="02040503050406030204" pitchFamily="18" charset="0"/>
+                            </a:rPr>
+                          </m:ctrlPr>
+                        </m:dPr>
+                        <m:e>
+                          <m:r>
+                            <a:rPr lang="en-US" altLang="zh-CN" sz="1400" i="1">
+                              <a:solidFill>
+                                <a:srgbClr val="FF0000"/>
+                              </a:solidFill>
+                              <a:latin typeface="Cambria Math" panose="02040503050406030204" pitchFamily="18" charset="0"/>
+                            </a:rPr>
+                            <m:t>𝒟</m:t>
+                          </m:r>
+                        </m:e>
+                      </m:d>
+                      <m:r>
+                        <a:rPr lang="en-US" altLang="zh-CN" sz="1400" b="0" i="1" smtClean="0">
+                          <a:solidFill>
+                            <a:srgbClr val="FF0000"/>
+                          </a:solidFill>
+                          <a:latin typeface="Cambria Math" panose="02040503050406030204" pitchFamily="18" charset="0"/>
+                        </a:rPr>
+                        <m:t>,</m:t>
+                      </m:r>
+                      <m:r>
+                        <a:rPr lang="en-US" altLang="zh-CN" sz="1400" b="0" i="1" smtClean="0">
+                          <a:solidFill>
+                            <a:srgbClr val="FF0000"/>
+                          </a:solidFill>
+                          <a:latin typeface="Cambria Math" panose="02040503050406030204" pitchFamily="18" charset="0"/>
+                        </a:rPr>
+                        <m:t>𝑝</m:t>
+                      </m:r>
+                      <m:d>
+                        <m:dPr>
+                          <m:ctrlPr>
+                            <a:rPr lang="en-US" altLang="zh-CN" sz="1400" b="0" i="1" smtClean="0">
+                              <a:solidFill>
+                                <a:srgbClr val="FF0000"/>
+                              </a:solidFill>
+                              <a:latin typeface="Cambria Math" panose="02040503050406030204" pitchFamily="18" charset="0"/>
+                            </a:rPr>
+                          </m:ctrlPr>
+                        </m:dPr>
+                        <m:e>
+                          <m:r>
+                            <a:rPr lang="en-US" altLang="zh-CN" sz="1400" b="0" i="1" smtClean="0">
+                              <a:solidFill>
+                                <a:srgbClr val="FF0000"/>
+                              </a:solidFill>
+                              <a:latin typeface="Cambria Math" panose="02040503050406030204" pitchFamily="18" charset="0"/>
+                            </a:rPr>
+                            <m:t>𝛾</m:t>
+                          </m:r>
+                        </m:e>
+                      </m:d>
+                      <m:r>
+                        <a:rPr lang="en-US" altLang="zh-CN" sz="1400" b="0" i="1" smtClean="0">
+                          <a:solidFill>
+                            <a:srgbClr val="FF0000"/>
+                          </a:solidFill>
+                          <a:latin typeface="Cambria Math" panose="02040503050406030204" pitchFamily="18" charset="0"/>
+                        </a:rPr>
+                        <m:t>&gt;</m:t>
+                      </m:r>
+                    </m:oMath>
+                  </m:oMathPara>
+                </a14:m>
+                <a:endParaRPr lang="zh-CN" altLang="en-US" sz="1400" i="1" dirty="0">
+                  <a:solidFill>
+                    <a:srgbClr val="FF0000"/>
+                  </a:solidFill>
+                </a:endParaRPr>
+              </a:p>
+            </p:txBody>
+          </p:sp>
+        </mc:Choice>
+        <mc:Fallback>
+          <p:sp>
+            <p:nvSpPr>
+              <p:cNvPr id="30" name="文本框 29"/>
+              <p:cNvSpPr txBox="1">
+                <a:spLocks noRot="1" noChangeAspect="1" noMove="1" noResize="1" noEditPoints="1" noAdjustHandles="1" noChangeArrowheads="1" noChangeShapeType="1" noTextEdit="1"/>
+              </p:cNvSpPr>
+              <p:nvPr/>
+            </p:nvSpPr>
+            <p:spPr>
+              <a:xfrm>
+                <a:off x="8701864" y="2379685"/>
+                <a:ext cx="1834733" cy="307777"/>
+              </a:xfrm>
+              <a:prstGeom prst="rect">
+                <a:avLst/>
+              </a:prstGeom>
+              <a:blipFill>
+                <a:blip r:embed="rId7"/>
+                <a:stretch>
+                  <a:fillRect/>
+                </a:stretch>
+              </a:blipFill>
+            </p:spPr>
+            <p:txBody>
+              <a:bodyPr/>
+              <a:lstStyle/>
+              <a:p>
+                <a:r>
+                  <a:rPr lang="zh-CN" altLang="en-US">
+                    <a:noFill/>
+                  </a:rPr>
+                  <a:t> </a:t>
+                </a:r>
+              </a:p>
+            </p:txBody>
+          </p:sp>
+        </mc:Fallback>
+      </mc:AlternateContent>
+    </p:spTree>
+    <p:extLst>
+      <p:ext uri="{BB962C8B-B14F-4D97-AF65-F5344CB8AC3E}">
+        <p14:creationId xmlns:p14="http://schemas.microsoft.com/office/powerpoint/2010/main" val="1697957833"/>
+      </p:ext>
+    </p:extLst>
+  </p:cSld>
+  <p:clrMapOvr>
+    <a:masterClrMapping/>
+  </p:clrMapOvr>
+  <p:timing>
+    <p:tnLst>
+      <p:par>
+        <p:cTn id="1" dur="indefinite" restart="never" nodeType="tmRoot"/>
+      </p:par>
+    </p:tnLst>
+  </p:timing>
+</p:sld>
+</file>
+
+<file path=ppt/slides/slide22.xml><?xml version="1.0" encoding="utf-8"?>
+<p:sld xmlns:a="http://schemas.openxmlformats.org/drawingml/2006/main" xmlns:r="http://schemas.openxmlformats.org/officeDocument/2006/relationships" xmlns:p="http://schemas.openxmlformats.org/presentationml/2006/main">
+  <p:cSld>
+    <p:spTree>
+      <p:nvGrpSpPr>
+        <p:cNvPr id="1" name=""/>
+        <p:cNvGrpSpPr/>
+        <p:nvPr/>
+      </p:nvGrpSpPr>
+      <p:grpSpPr>
+        <a:xfrm>
+          <a:off x="0" y="0"/>
+          <a:ext cx="0" cy="0"/>
+          <a:chOff x="0" y="0"/>
+          <a:chExt cx="0" cy="0"/>
+        </a:xfrm>
+      </p:grpSpPr>
+      <p:sp>
+        <p:nvSpPr>
+          <p:cNvPr id="2" name="标题 1"/>
+          <p:cNvSpPr>
+            <a:spLocks noGrp="1"/>
+          </p:cNvSpPr>
+          <p:nvPr>
+            <p:ph type="title"/>
+          </p:nvPr>
+        </p:nvSpPr>
+        <p:spPr/>
+        <p:txBody>
+          <a:bodyPr/>
+          <a:lstStyle/>
+          <a:p>
+            <a:r>
+              <a:rPr lang="en-US" altLang="zh-CN" dirty="0"/>
+              <a:t>Selecting </a:t>
+            </a:r>
+            <a:r>
+              <a:rPr lang="en-US" altLang="zh-CN" dirty="0" smtClean="0"/>
+              <a:t>Strategy</a:t>
+            </a:r>
+            <a:endParaRPr lang="zh-CN" altLang="en-US" dirty="0"/>
+          </a:p>
+        </p:txBody>
+      </p:sp>
+      <mc:AlternateContent xmlns:mc="http://schemas.openxmlformats.org/markup-compatibility/2006">
+        <mc:Choice xmlns:a14="http://schemas.microsoft.com/office/drawing/2010/main" Requires="a14">
+          <p:sp>
+            <p:nvSpPr>
+              <p:cNvPr id="3" name="内容占位符 2"/>
+              <p:cNvSpPr>
+                <a:spLocks noGrp="1"/>
+              </p:cNvSpPr>
+              <p:nvPr>
+                <p:ph idx="1"/>
+              </p:nvPr>
+            </p:nvSpPr>
+            <p:spPr/>
+            <p:txBody>
+              <a:bodyPr/>
+              <a:lstStyle/>
+              <a:p>
+                <a:r>
+                  <a:rPr lang="en-US" altLang="zh-CN" dirty="0" smtClean="0"/>
+                  <a:t>Our conclusion covers four kinds of IDS with their </a:t>
+                </a:r>
+                <a14:m>
+                  <m:oMath xmlns:m="http://schemas.openxmlformats.org/officeDocument/2006/math">
+                    <m:r>
+                      <a:rPr lang="en-US" altLang="zh-CN" b="0" i="1" smtClean="0">
+                        <a:latin typeface="Cambria Math" panose="02040503050406030204" pitchFamily="18" charset="0"/>
+                      </a:rPr>
+                      <m:t>𝑖𝑚𝐴𝑡𝑡𝑟</m:t>
+                    </m:r>
+                    <m:d>
+                      <m:dPr>
+                        <m:ctrlPr>
+                          <a:rPr lang="en-US" altLang="zh-CN" b="0" i="1" smtClean="0">
+                            <a:latin typeface="Cambria Math" panose="02040503050406030204" pitchFamily="18" charset="0"/>
+                          </a:rPr>
+                        </m:ctrlPr>
+                      </m:dPr>
+                      <m:e>
+                        <m:r>
+                          <a:rPr lang="en-US" altLang="zh-CN" b="0" i="1" smtClean="0">
+                            <a:latin typeface="Cambria Math" panose="02040503050406030204" pitchFamily="18" charset="0"/>
+                          </a:rPr>
+                          <m:t>𝒟</m:t>
+                        </m:r>
+                      </m:e>
+                    </m:d>
+                    <m:r>
+                      <a:rPr lang="en-US" altLang="zh-CN" b="0" i="1" smtClean="0">
+                        <a:latin typeface="Cambria Math" panose="02040503050406030204" pitchFamily="18" charset="0"/>
+                      </a:rPr>
+                      <m:t>=&lt;</m:t>
+                    </m:r>
+                    <m:r>
+                      <a:rPr lang="en-US" altLang="zh-CN" b="0" i="1" smtClean="0">
+                        <a:latin typeface="Cambria Math" panose="02040503050406030204" pitchFamily="18" charset="0"/>
+                      </a:rPr>
+                      <m:t>𝑟</m:t>
+                    </m:r>
+                    <m:d>
+                      <m:dPr>
+                        <m:ctrlPr>
+                          <a:rPr lang="en-US" altLang="zh-CN" b="0" i="1" smtClean="0">
+                            <a:latin typeface="Cambria Math" panose="02040503050406030204" pitchFamily="18" charset="0"/>
+                          </a:rPr>
+                        </m:ctrlPr>
+                      </m:dPr>
+                      <m:e>
+                        <m:r>
+                          <a:rPr lang="en-US" altLang="zh-CN" b="0" i="1" smtClean="0">
+                            <a:latin typeface="Cambria Math" panose="02040503050406030204" pitchFamily="18" charset="0"/>
+                          </a:rPr>
+                          <m:t>𝒟</m:t>
+                        </m:r>
+                      </m:e>
+                    </m:d>
+                    <m:r>
+                      <a:rPr lang="en-US" altLang="zh-CN" b="0" i="1" smtClean="0">
+                        <a:latin typeface="Cambria Math" panose="02040503050406030204" pitchFamily="18" charset="0"/>
+                      </a:rPr>
+                      <m:t>,</m:t>
+                    </m:r>
+                    <m:r>
+                      <a:rPr lang="en-US" altLang="zh-CN" b="0" i="1" smtClean="0">
+                        <a:latin typeface="Cambria Math" panose="02040503050406030204" pitchFamily="18" charset="0"/>
+                      </a:rPr>
+                      <m:t>𝑜</m:t>
+                    </m:r>
+                    <m:d>
+                      <m:dPr>
+                        <m:ctrlPr>
+                          <a:rPr lang="en-US" altLang="zh-CN" i="1">
+                            <a:latin typeface="Cambria Math" panose="02040503050406030204" pitchFamily="18" charset="0"/>
+                          </a:rPr>
+                        </m:ctrlPr>
+                      </m:dPr>
+                      <m:e>
+                        <m:r>
+                          <a:rPr lang="en-US" altLang="zh-CN" i="1">
+                            <a:latin typeface="Cambria Math" panose="02040503050406030204" pitchFamily="18" charset="0"/>
+                          </a:rPr>
+                          <m:t>𝒟</m:t>
+                        </m:r>
+                      </m:e>
+                    </m:d>
+                    <m:r>
+                      <a:rPr lang="en-US" altLang="zh-CN" i="1">
+                        <a:latin typeface="Cambria Math" panose="02040503050406030204" pitchFamily="18" charset="0"/>
+                      </a:rPr>
+                      <m:t>,</m:t>
+                    </m:r>
+                    <m:r>
+                      <a:rPr lang="en-US" altLang="zh-CN" b="0" i="1" smtClean="0">
+                        <a:latin typeface="Cambria Math" panose="02040503050406030204" pitchFamily="18" charset="0"/>
+                      </a:rPr>
+                      <m:t>𝑝</m:t>
+                    </m:r>
+                    <m:d>
+                      <m:dPr>
+                        <m:ctrlPr>
+                          <a:rPr lang="en-US" altLang="zh-CN" b="0" i="1" smtClean="0">
+                            <a:latin typeface="Cambria Math" panose="02040503050406030204" pitchFamily="18" charset="0"/>
+                          </a:rPr>
+                        </m:ctrlPr>
+                      </m:dPr>
+                      <m:e>
+                        <m:r>
+                          <a:rPr lang="en-US" altLang="zh-CN" b="0" i="1" smtClean="0">
+                            <a:latin typeface="Cambria Math" panose="02040503050406030204" pitchFamily="18" charset="0"/>
+                          </a:rPr>
+                          <m:t>𝛾</m:t>
+                        </m:r>
+                      </m:e>
+                    </m:d>
+                    <m:r>
+                      <a:rPr lang="en-US" altLang="zh-CN" b="0" i="1" smtClean="0">
+                        <a:latin typeface="Cambria Math" panose="02040503050406030204" pitchFamily="18" charset="0"/>
+                      </a:rPr>
+                      <m:t>&gt;</m:t>
+                    </m:r>
+                  </m:oMath>
+                </a14:m>
+                <a:r>
+                  <a:rPr lang="zh-CN" altLang="en-US" dirty="0" smtClean="0"/>
+                  <a:t> </a:t>
+                </a:r>
+                <a:r>
+                  <a:rPr lang="en-US" altLang="zh-CN" dirty="0" smtClean="0"/>
+                  <a:t>that we can directly choose the appropriate kind of technique.</a:t>
+                </a:r>
+                <a:endParaRPr lang="zh-CN" altLang="en-US" dirty="0"/>
+              </a:p>
+            </p:txBody>
+          </p:sp>
+        </mc:Choice>
+        <mc:Fallback>
+          <p:sp>
+            <p:nvSpPr>
+              <p:cNvPr id="3" name="内容占位符 2"/>
+              <p:cNvSpPr>
+                <a:spLocks noGrp="1" noRot="1" noChangeAspect="1" noMove="1" noResize="1" noEditPoints="1" noAdjustHandles="1" noChangeArrowheads="1" noChangeShapeType="1" noTextEdit="1"/>
+              </p:cNvSpPr>
+              <p:nvPr>
+                <p:ph idx="1"/>
+              </p:nvPr>
+            </p:nvSpPr>
+            <p:spPr>
+              <a:blipFill>
+                <a:blip r:embed="rId2"/>
+                <a:stretch>
+                  <a:fillRect t="-2241" r="-58"/>
+                </a:stretch>
+              </a:blipFill>
+            </p:spPr>
+            <p:txBody>
+              <a:bodyPr/>
+              <a:lstStyle/>
+              <a:p>
+                <a:r>
+                  <a:rPr lang="zh-CN" altLang="en-US">
+                    <a:noFill/>
+                  </a:rPr>
+                  <a:t> </a:t>
+                </a:r>
+              </a:p>
+            </p:txBody>
+          </p:sp>
+        </mc:Fallback>
+      </mc:AlternateContent>
+      <mc:AlternateContent xmlns:mc="http://schemas.openxmlformats.org/markup-compatibility/2006">
+        <mc:Choice xmlns:a14="http://schemas.microsoft.com/office/drawing/2010/main" Requires="a14">
+          <p:graphicFrame>
+            <p:nvGraphicFramePr>
+              <p:cNvPr id="5" name="表格 4"/>
+              <p:cNvGraphicFramePr>
+                <a:graphicFrameLocks noGrp="1"/>
+              </p:cNvGraphicFramePr>
+              <p:nvPr>
+                <p:extLst>
+                  <p:ext uri="{D42A27DB-BD31-4B8C-83A1-F6EECF244321}">
+                    <p14:modId xmlns:p14="http://schemas.microsoft.com/office/powerpoint/2010/main" val="224405836"/>
+                  </p:ext>
+                </p:extLst>
+              </p:nvPr>
+            </p:nvGraphicFramePr>
+            <p:xfrm>
+              <a:off x="2032000" y="3678021"/>
+              <a:ext cx="8128000" cy="2392680"/>
+            </p:xfrm>
+            <a:graphic>
+              <a:graphicData uri="http://schemas.openxmlformats.org/drawingml/2006/table">
+                <a:tbl>
+                  <a:tblPr firstRow="1" bandRow="1">
+                    <a:tableStyleId>{2D5ABB26-0587-4C30-8999-92F81FD0307C}</a:tableStyleId>
+                  </a:tblPr>
+                  <a:tblGrid>
+                    <a:gridCol w="4064000">
+                      <a:extLst>
+                        <a:ext uri="{9D8B030D-6E8A-4147-A177-3AD203B41FA5}">
+                          <a16:colId xmlns:a16="http://schemas.microsoft.com/office/drawing/2014/main" val="1337587911"/>
+                        </a:ext>
+                      </a:extLst>
+                    </a:gridCol>
+                    <a:gridCol w="4064000">
+                      <a:extLst>
+                        <a:ext uri="{9D8B030D-6E8A-4147-A177-3AD203B41FA5}">
+                          <a16:colId xmlns:a16="http://schemas.microsoft.com/office/drawing/2014/main" val="2024171834"/>
+                        </a:ext>
+                      </a:extLst>
+                    </a:gridCol>
+                  </a:tblGrid>
+                  <a:tr h="370840">
+                    <a:tc>
+                      <a:txBody>
+                        <a:bodyPr/>
+                        <a:lstStyle/>
+                        <a:p>
+                          <a:pPr algn="ctr"/>
+                          <a14:m>
+                            <m:oMathPara xmlns:m="http://schemas.openxmlformats.org/officeDocument/2006/math">
+                              <m:oMathParaPr>
+                                <m:jc m:val="centerGroup"/>
+                              </m:oMathParaPr>
+                              <m:oMath xmlns:m="http://schemas.openxmlformats.org/officeDocument/2006/math">
+                                <m:r>
+                                  <a:rPr lang="en-US" altLang="zh-CN" smtClean="0"/>
+                                  <m:t>𝑖𝑚𝐴𝑡𝑡𝑟</m:t>
+                                </m:r>
+                                <m:d>
+                                  <m:dPr>
+                                    <m:ctrlPr>
+                                      <a:rPr lang="en-US" altLang="zh-CN" smtClean="0"/>
+                                    </m:ctrlPr>
+                                  </m:dPr>
+                                  <m:e>
+                                    <m:r>
+                                      <a:rPr lang="en-US" altLang="zh-CN" smtClean="0"/>
+                                      <m:t>𝒟</m:t>
+                                    </m:r>
+                                  </m:e>
+                                </m:d>
+                                <m:r>
+                                  <a:rPr lang="en-US" altLang="zh-CN" smtClean="0"/>
+                                  <m:t>=&lt;</m:t>
+                                </m:r>
+                                <m:r>
+                                  <a:rPr lang="en-US" altLang="zh-CN" smtClean="0"/>
+                                  <m:t>𝑟</m:t>
+                                </m:r>
+                                <m:d>
+                                  <m:dPr>
+                                    <m:ctrlPr>
+                                      <a:rPr lang="en-US" altLang="zh-CN" smtClean="0"/>
+                                    </m:ctrlPr>
+                                  </m:dPr>
+                                  <m:e>
+                                    <m:r>
+                                      <a:rPr lang="en-US" altLang="zh-CN" smtClean="0"/>
+                                      <m:t>𝒟</m:t>
+                                    </m:r>
+                                  </m:e>
+                                </m:d>
+                                <m:r>
+                                  <a:rPr lang="en-US" altLang="zh-CN" smtClean="0"/>
+                                  <m:t>,</m:t>
+                                </m:r>
+                                <m:r>
+                                  <a:rPr lang="en-US" altLang="zh-CN" smtClean="0"/>
+                                  <m:t>𝑜</m:t>
+                                </m:r>
+                                <m:d>
+                                  <m:dPr>
+                                    <m:ctrlPr>
+                                      <a:rPr lang="en-US" altLang="zh-CN"/>
+                                    </m:ctrlPr>
+                                  </m:dPr>
+                                  <m:e>
+                                    <m:r>
+                                      <a:rPr lang="en-US" altLang="zh-CN"/>
+                                      <m:t>𝒟</m:t>
+                                    </m:r>
+                                  </m:e>
+                                </m:d>
+                                <m:r>
+                                  <a:rPr lang="en-US" altLang="zh-CN"/>
+                                  <m:t>,</m:t>
+                                </m:r>
+                                <m:r>
+                                  <a:rPr lang="en-US" altLang="zh-CN" smtClean="0"/>
+                                  <m:t>𝑝</m:t>
+                                </m:r>
+                                <m:d>
+                                  <m:dPr>
+                                    <m:ctrlPr>
+                                      <a:rPr lang="en-US" altLang="zh-CN" smtClean="0"/>
+                                    </m:ctrlPr>
+                                  </m:dPr>
+                                  <m:e>
+                                    <m:r>
+                                      <a:rPr lang="en-US" altLang="zh-CN" smtClean="0"/>
+                                      <m:t>𝛾</m:t>
+                                    </m:r>
+                                  </m:e>
+                                </m:d>
+                                <m:r>
+                                  <a:rPr lang="en-US" altLang="zh-CN" smtClean="0"/>
+                                  <m:t>&gt;</m:t>
+                                </m:r>
+                              </m:oMath>
+                            </m:oMathPara>
+                          </a14:m>
+                          <a:endParaRPr lang="zh-CN" altLang="en-US" dirty="0"/>
+                        </a:p>
+                      </a:txBody>
+                      <a:tcPr>
+                        <a:lnB w="28575" cap="flat" cmpd="sng" algn="ctr">
+                          <a:solidFill>
+                            <a:schemeClr val="tx1"/>
+                          </a:solidFill>
+                          <a:prstDash val="solid"/>
+                          <a:round/>
+                          <a:headEnd type="none" w="med" len="med"/>
+                          <a:tailEnd type="none" w="med" len="med"/>
+                        </a:lnB>
+                      </a:tcPr>
+                    </a:tc>
+                    <a:tc>
+                      <a:txBody>
+                        <a:bodyPr/>
+                        <a:lstStyle/>
+                        <a:p>
+                          <a:pPr algn="ctr"/>
+                          <a:r>
+                            <a:rPr lang="en-US" altLang="zh-CN" dirty="0" smtClean="0"/>
+                            <a:t>Strategy</a:t>
+                          </a:r>
+                          <a:endParaRPr lang="zh-CN" altLang="en-US" dirty="0"/>
+                        </a:p>
+                      </a:txBody>
+                      <a:tcPr>
+                        <a:lnB w="28575" cap="flat" cmpd="sng" algn="ctr">
+                          <a:solidFill>
+                            <a:schemeClr val="tx1"/>
+                          </a:solidFill>
+                          <a:prstDash val="solid"/>
+                          <a:round/>
+                          <a:headEnd type="none" w="med" len="med"/>
+                          <a:tailEnd type="none" w="med" len="med"/>
+                        </a:lnB>
+                      </a:tcPr>
+                    </a:tc>
+                    <a:extLst>
+                      <a:ext uri="{0D108BD9-81ED-4DB2-BD59-A6C34878D82A}">
+                        <a16:rowId xmlns:a16="http://schemas.microsoft.com/office/drawing/2014/main" val="2807305740"/>
+                      </a:ext>
+                    </a:extLst>
+                  </a:tr>
+                  <a:tr h="370840">
+                    <a:tc>
+                      <a:txBody>
+                        <a:bodyPr/>
+                        <a:lstStyle/>
+                        <a:p>
+                          <a:pPr algn="ctr"/>
+                          <a14:m>
+                            <m:oMath xmlns:m="http://schemas.openxmlformats.org/officeDocument/2006/math">
+                              <m:r>
+                                <a:rPr lang="en-US" altLang="zh-CN" smtClean="0"/>
+                                <m:t>𝑜</m:t>
+                              </m:r>
+                              <m:d>
+                                <m:dPr>
+                                  <m:ctrlPr>
+                                    <a:rPr lang="en-US" altLang="zh-CN" smtClean="0"/>
+                                  </m:ctrlPr>
+                                </m:dPr>
+                                <m:e>
+                                  <m:r>
+                                    <a:rPr lang="en-US" altLang="zh-CN" smtClean="0"/>
+                                    <m:t>𝒟</m:t>
+                                  </m:r>
+                                </m:e>
+                              </m:d>
+                            </m:oMath>
+                          </a14:m>
+                          <a:r>
+                            <a:rPr lang="zh-CN" altLang="en-US" dirty="0" smtClean="0"/>
+                            <a:t> </a:t>
+                          </a:r>
+                          <a:r>
+                            <a:rPr lang="en-US" altLang="zh-CN" dirty="0" smtClean="0"/>
+                            <a:t>is extremely small, and </a:t>
+                          </a:r>
+                          <a14:m>
+                            <m:oMath xmlns:m="http://schemas.openxmlformats.org/officeDocument/2006/math">
+                              <m:r>
+                                <a:rPr lang="en-US" altLang="zh-CN" smtClean="0"/>
+                                <m:t>𝑝</m:t>
+                              </m:r>
+                              <m:d>
+                                <m:dPr>
+                                  <m:ctrlPr>
+                                    <a:rPr lang="en-US" altLang="zh-CN" smtClean="0"/>
+                                  </m:ctrlPr>
+                                </m:dPr>
+                                <m:e>
+                                  <m:r>
+                                    <a:rPr lang="en-US" altLang="zh-CN" smtClean="0"/>
+                                    <m:t>𝛾</m:t>
+                                  </m:r>
+                                </m:e>
+                              </m:d>
+                            </m:oMath>
+                          </a14:m>
+                          <a:r>
+                            <a:rPr lang="zh-CN" altLang="en-US" dirty="0" smtClean="0"/>
+                            <a:t> </a:t>
+                          </a:r>
+                          <a:r>
+                            <a:rPr lang="en-US" altLang="zh-CN" dirty="0" smtClean="0"/>
+                            <a:t>is gathered around </a:t>
+                          </a:r>
+                          <a14:m>
+                            <m:oMath xmlns:m="http://schemas.openxmlformats.org/officeDocument/2006/math">
+                              <m:r>
+                                <a:rPr lang="en-US" altLang="zh-CN" smtClean="0"/>
+                                <m:t>𝛾</m:t>
+                              </m:r>
+                              <m:r>
+                                <a:rPr lang="en-US" altLang="zh-CN" smtClean="0"/>
+                                <m:t>=1</m:t>
+                              </m:r>
+                            </m:oMath>
+                          </a14:m>
+                          <a:r>
+                            <a:rPr lang="en-US" altLang="zh-CN" dirty="0" smtClean="0"/>
+                            <a:t>;</a:t>
+                          </a:r>
+                          <a:endParaRPr lang="zh-CN" altLang="en-US" dirty="0"/>
+                        </a:p>
+                      </a:txBody>
+                      <a:tcPr>
+                        <a:lnT w="28575" cap="flat" cmpd="sng" algn="ctr">
+                          <a:solidFill>
+                            <a:schemeClr val="tx1"/>
+                          </a:solidFill>
+                          <a:prstDash val="solid"/>
+                          <a:round/>
+                          <a:headEnd type="none" w="med" len="med"/>
+                          <a:tailEnd type="none" w="med" len="med"/>
+                        </a:lnT>
+                        <a:lnB w="6350" cap="flat" cmpd="sng" algn="ctr">
+                          <a:solidFill>
+                            <a:schemeClr val="tx1"/>
+                          </a:solidFill>
+                          <a:prstDash val="solid"/>
+                          <a:round/>
+                          <a:headEnd type="none" w="med" len="med"/>
+                          <a:tailEnd type="none" w="med" len="med"/>
+                        </a:lnB>
+                      </a:tcPr>
+                    </a:tc>
+                    <a:tc>
+                      <a:txBody>
+                        <a:bodyPr/>
+                        <a:lstStyle/>
+                        <a:p>
+                          <a:pPr algn="ctr"/>
+                          <a:r>
+                            <a:rPr lang="en-US" altLang="zh-CN" dirty="0" smtClean="0"/>
+                            <a:t>No</a:t>
+                          </a:r>
+                          <a:r>
+                            <a:rPr lang="en-US" altLang="zh-CN" baseline="0" dirty="0" smtClean="0"/>
+                            <a:t> need any IDS technique.</a:t>
+                          </a:r>
+                          <a:endParaRPr lang="zh-CN" altLang="en-US" dirty="0"/>
+                        </a:p>
+                      </a:txBody>
+                      <a:tcPr>
+                        <a:lnT w="28575" cap="flat" cmpd="sng" algn="ctr">
+                          <a:solidFill>
+                            <a:schemeClr val="tx1"/>
+                          </a:solidFill>
+                          <a:prstDash val="solid"/>
+                          <a:round/>
+                          <a:headEnd type="none" w="med" len="med"/>
+                          <a:tailEnd type="none" w="med" len="med"/>
+                        </a:lnT>
+                        <a:lnB w="6350" cap="flat" cmpd="sng" algn="ctr">
+                          <a:solidFill>
+                            <a:schemeClr val="tx1"/>
+                          </a:solidFill>
+                          <a:prstDash val="solid"/>
+                          <a:round/>
+                          <a:headEnd type="none" w="med" len="med"/>
+                          <a:tailEnd type="none" w="med" len="med"/>
+                        </a:lnB>
+                      </a:tcPr>
+                    </a:tc>
+                    <a:extLst>
+                      <a:ext uri="{0D108BD9-81ED-4DB2-BD59-A6C34878D82A}">
+                        <a16:rowId xmlns:a16="http://schemas.microsoft.com/office/drawing/2014/main" val="26526444"/>
+                      </a:ext>
+                    </a:extLst>
+                  </a:tr>
+                  <a:tr h="370840">
+                    <a:tc>
+                      <a:txBody>
+                        <a:bodyPr/>
+                        <a:lstStyle/>
+                        <a:p>
+                          <a:pPr algn="ctr"/>
+                          <a:r>
+                            <a:rPr lang="en-US" altLang="zh-CN" dirty="0" smtClean="0"/>
+                            <a:t>Both High </a:t>
+                          </a:r>
+                          <a14:m>
+                            <m:oMath xmlns:m="http://schemas.openxmlformats.org/officeDocument/2006/math">
+                              <m:r>
+                                <a:rPr lang="en-US" altLang="zh-CN"/>
+                                <m:t>𝑟</m:t>
+                              </m:r>
+                              <m:d>
+                                <m:dPr>
+                                  <m:ctrlPr>
+                                    <a:rPr lang="en-US" altLang="zh-CN"/>
+                                  </m:ctrlPr>
+                                </m:dPr>
+                                <m:e>
+                                  <m:r>
+                                    <a:rPr lang="en-US" altLang="zh-CN"/>
+                                    <m:t>𝒟</m:t>
+                                  </m:r>
+                                </m:e>
+                              </m:d>
+                            </m:oMath>
+                          </a14:m>
+                          <a:r>
+                            <a:rPr lang="zh-CN" altLang="en-US" dirty="0" smtClean="0"/>
+                            <a:t> </a:t>
+                          </a:r>
+                          <a:r>
+                            <a:rPr lang="en-US" altLang="zh-CN" dirty="0" smtClean="0"/>
+                            <a:t>and </a:t>
+                          </a:r>
+                          <a14:m>
+                            <m:oMath xmlns:m="http://schemas.openxmlformats.org/officeDocument/2006/math">
+                              <m:r>
+                                <a:rPr lang="en-US" altLang="zh-CN"/>
+                                <m:t>𝑜</m:t>
+                              </m:r>
+                              <m:d>
+                                <m:dPr>
+                                  <m:ctrlPr>
+                                    <a:rPr lang="en-US" altLang="zh-CN"/>
+                                  </m:ctrlPr>
+                                </m:dPr>
+                                <m:e>
+                                  <m:r>
+                                    <a:rPr lang="en-US" altLang="zh-CN"/>
+                                    <m:t>𝒟</m:t>
+                                  </m:r>
+                                </m:e>
+                              </m:d>
+                            </m:oMath>
+                          </a14:m>
+                          <a:endParaRPr lang="zh-CN" altLang="en-US" dirty="0"/>
+                        </a:p>
+                      </a:txBody>
+                      <a:tcPr>
+                        <a:lnT w="6350" cap="flat" cmpd="sng" algn="ctr">
+                          <a:solidFill>
+                            <a:schemeClr val="tx1"/>
+                          </a:solidFill>
+                          <a:prstDash val="solid"/>
+                          <a:round/>
+                          <a:headEnd type="none" w="med" len="med"/>
+                          <a:tailEnd type="none" w="med" len="med"/>
+                        </a:lnT>
+                        <a:lnB w="6350" cap="flat" cmpd="sng" algn="ctr">
+                          <a:solidFill>
+                            <a:schemeClr val="tx1"/>
+                          </a:solidFill>
+                          <a:prstDash val="solid"/>
+                          <a:round/>
+                          <a:headEnd type="none" w="med" len="med"/>
+                          <a:tailEnd type="none" w="med" len="med"/>
+                        </a:lnB>
+                      </a:tcPr>
+                    </a:tc>
+                    <a:tc>
+                      <a:txBody>
+                        <a:bodyPr/>
+                        <a:lstStyle/>
+                        <a:p>
+                          <a:pPr algn="ctr"/>
+                          <a:r>
+                            <a:rPr lang="en-US" altLang="zh-CN" dirty="0" smtClean="0"/>
+                            <a:t>Sampling</a:t>
+                          </a:r>
+                          <a:r>
+                            <a:rPr lang="en-US" altLang="zh-CN" baseline="0" dirty="0" smtClean="0"/>
+                            <a:t> Technique, and leverage </a:t>
+                          </a:r>
+                          <a14:m>
+                            <m:oMath xmlns:m="http://schemas.openxmlformats.org/officeDocument/2006/math">
+                              <m:r>
+                                <a:rPr lang="en-US" altLang="zh-CN" b="0" i="1" baseline="0" smtClean="0">
+                                  <a:latin typeface="Cambria Math" panose="02040503050406030204" pitchFamily="18" charset="0"/>
+                                </a:rPr>
+                                <m:t>𝑝</m:t>
+                              </m:r>
+                              <m:r>
+                                <a:rPr lang="en-US" altLang="zh-CN" b="0" i="1" baseline="0" smtClean="0">
+                                  <a:latin typeface="Cambria Math" panose="02040503050406030204" pitchFamily="18" charset="0"/>
+                                </a:rPr>
+                                <m:t>(</m:t>
+                              </m:r>
+                              <m:r>
+                                <a:rPr lang="en-US" altLang="zh-CN" b="0" i="1" baseline="0" smtClean="0">
+                                  <a:latin typeface="Cambria Math" panose="02040503050406030204" pitchFamily="18" charset="0"/>
+                                </a:rPr>
+                                <m:t>𝛾</m:t>
+                              </m:r>
+                              <m:r>
+                                <a:rPr lang="en-US" altLang="zh-CN" b="0" i="1" baseline="0" smtClean="0">
+                                  <a:latin typeface="Cambria Math" panose="02040503050406030204" pitchFamily="18" charset="0"/>
+                                </a:rPr>
+                                <m:t>)</m:t>
+                              </m:r>
+                            </m:oMath>
+                          </a14:m>
+                          <a:r>
+                            <a:rPr lang="zh-CN" altLang="en-US" dirty="0" smtClean="0"/>
+                            <a:t> </a:t>
+                          </a:r>
+                          <a:r>
+                            <a:rPr lang="en-US" altLang="zh-CN" dirty="0" smtClean="0"/>
+                            <a:t>to</a:t>
+                          </a:r>
+                          <a:r>
+                            <a:rPr lang="en-US" altLang="zh-CN" baseline="0" dirty="0" smtClean="0"/>
+                            <a:t> decide the detailed method</a:t>
+                          </a:r>
+                          <a:endParaRPr lang="zh-CN" altLang="en-US" dirty="0"/>
+                        </a:p>
+                      </a:txBody>
+                      <a:tcPr>
+                        <a:lnT w="6350" cap="flat" cmpd="sng" algn="ctr">
+                          <a:solidFill>
+                            <a:schemeClr val="tx1"/>
+                          </a:solidFill>
+                          <a:prstDash val="solid"/>
+                          <a:round/>
+                          <a:headEnd type="none" w="med" len="med"/>
+                          <a:tailEnd type="none" w="med" len="med"/>
+                        </a:lnT>
+                        <a:lnB w="6350" cap="flat" cmpd="sng" algn="ctr">
+                          <a:solidFill>
+                            <a:schemeClr val="tx1"/>
+                          </a:solidFill>
+                          <a:prstDash val="solid"/>
+                          <a:round/>
+                          <a:headEnd type="none" w="med" len="med"/>
+                          <a:tailEnd type="none" w="med" len="med"/>
+                        </a:lnB>
+                      </a:tcPr>
+                    </a:tc>
+                    <a:extLst>
+                      <a:ext uri="{0D108BD9-81ED-4DB2-BD59-A6C34878D82A}">
+                        <a16:rowId xmlns:a16="http://schemas.microsoft.com/office/drawing/2014/main" val="1579795000"/>
+                      </a:ext>
+                    </a:extLst>
+                  </a:tr>
+                  <a:tr h="370840">
+                    <a:tc>
+                      <a:txBody>
+                        <a:bodyPr/>
+                        <a:lstStyle/>
+                        <a:p>
+                          <a:pPr algn="ctr"/>
+                          <a:r>
+                            <a:rPr lang="en-US" altLang="zh-CN" dirty="0" smtClean="0"/>
+                            <a:t>Low </a:t>
+                          </a:r>
+                          <a14:m>
+                            <m:oMath xmlns:m="http://schemas.openxmlformats.org/officeDocument/2006/math">
+                              <m:r>
+                                <a:rPr lang="en-US" altLang="zh-CN" b="0" i="1" smtClean="0">
+                                  <a:latin typeface="Cambria Math" panose="02040503050406030204" pitchFamily="18" charset="0"/>
+                                </a:rPr>
+                                <m:t>𝑟</m:t>
+                              </m:r>
+                              <m:r>
+                                <a:rPr lang="en-US" altLang="zh-CN" b="0" i="1" smtClean="0">
+                                  <a:latin typeface="Cambria Math" panose="02040503050406030204" pitchFamily="18" charset="0"/>
+                                </a:rPr>
+                                <m:t>(</m:t>
+                              </m:r>
+                              <m:r>
+                                <a:rPr lang="en-US" altLang="zh-CN" b="0" i="1" smtClean="0">
+                                  <a:latin typeface="Cambria Math" panose="02040503050406030204" pitchFamily="18" charset="0"/>
+                                </a:rPr>
+                                <m:t>𝒟</m:t>
+                              </m:r>
+                              <m:r>
+                                <a:rPr lang="en-US" altLang="zh-CN" b="0" i="1" smtClean="0">
+                                  <a:latin typeface="Cambria Math" panose="02040503050406030204" pitchFamily="18" charset="0"/>
+                                </a:rPr>
+                                <m:t>)</m:t>
+                              </m:r>
+                            </m:oMath>
+                          </a14:m>
+                          <a:r>
+                            <a:rPr lang="zh-CN" altLang="en-US" dirty="0" smtClean="0"/>
+                            <a:t> </a:t>
+                          </a:r>
+                          <a:r>
+                            <a:rPr lang="en-US" altLang="zh-CN" dirty="0" smtClean="0"/>
+                            <a:t>with</a:t>
+                          </a:r>
+                          <a:r>
+                            <a:rPr lang="en-US" altLang="zh-CN" baseline="0" dirty="0" smtClean="0"/>
+                            <a:t> high </a:t>
+                          </a:r>
+                          <a14:m>
+                            <m:oMath xmlns:m="http://schemas.openxmlformats.org/officeDocument/2006/math">
+                              <m:r>
+                                <a:rPr lang="en-US" altLang="zh-CN" b="0" i="1" baseline="0" smtClean="0">
+                                  <a:latin typeface="Cambria Math" panose="02040503050406030204" pitchFamily="18" charset="0"/>
+                                </a:rPr>
+                                <m:t>𝑜</m:t>
+                              </m:r>
+                              <m:d>
+                                <m:dPr>
+                                  <m:ctrlPr>
+                                    <a:rPr lang="en-US" altLang="zh-CN" b="0" i="1" baseline="0" smtClean="0">
+                                      <a:latin typeface="Cambria Math" panose="02040503050406030204" pitchFamily="18" charset="0"/>
+                                    </a:rPr>
+                                  </m:ctrlPr>
+                                </m:dPr>
+                                <m:e>
+                                  <m:r>
+                                    <a:rPr lang="en-US" altLang="zh-CN" b="0" i="1" baseline="0" smtClean="0">
+                                      <a:latin typeface="Cambria Math" panose="02040503050406030204" pitchFamily="18" charset="0"/>
+                                    </a:rPr>
+                                    <m:t>𝒟</m:t>
+                                  </m:r>
+                                </m:e>
+                              </m:d>
+                            </m:oMath>
+                          </a14:m>
+                          <a:endParaRPr lang="zh-CN" altLang="en-US" dirty="0"/>
+                        </a:p>
+                      </a:txBody>
+                      <a:tcPr>
+                        <a:lnT w="6350" cap="flat" cmpd="sng" algn="ctr">
+                          <a:solidFill>
+                            <a:schemeClr val="tx1"/>
+                          </a:solidFill>
+                          <a:prstDash val="solid"/>
+                          <a:round/>
+                          <a:headEnd type="none" w="med" len="med"/>
+                          <a:tailEnd type="none" w="med" len="med"/>
+                        </a:lnT>
+                        <a:lnB w="6350" cap="flat" cmpd="sng" algn="ctr">
+                          <a:solidFill>
+                            <a:schemeClr val="tx1"/>
+                          </a:solidFill>
+                          <a:prstDash val="solid"/>
+                          <a:round/>
+                          <a:headEnd type="none" w="med" len="med"/>
+                          <a:tailEnd type="none" w="med" len="med"/>
+                        </a:lnB>
+                      </a:tcPr>
+                    </a:tc>
+                    <a:tc>
+                      <a:txBody>
+                        <a:bodyPr/>
+                        <a:lstStyle/>
+                        <a:p>
+                          <a:pPr algn="ctr"/>
+                          <a:r>
+                            <a:rPr lang="en-US" altLang="zh-CN" dirty="0" smtClean="0"/>
+                            <a:t>Ensemble Learning</a:t>
+                          </a:r>
+                          <a:endParaRPr lang="zh-CN" altLang="en-US" dirty="0"/>
+                        </a:p>
+                      </a:txBody>
+                      <a:tcPr>
+                        <a:lnT w="6350" cap="flat" cmpd="sng" algn="ctr">
+                          <a:solidFill>
+                            <a:schemeClr val="tx1"/>
+                          </a:solidFill>
+                          <a:prstDash val="solid"/>
+                          <a:round/>
+                          <a:headEnd type="none" w="med" len="med"/>
+                          <a:tailEnd type="none" w="med" len="med"/>
+                        </a:lnT>
+                        <a:lnB w="6350" cap="flat" cmpd="sng" algn="ctr">
+                          <a:solidFill>
+                            <a:schemeClr val="tx1"/>
+                          </a:solidFill>
+                          <a:prstDash val="solid"/>
+                          <a:round/>
+                          <a:headEnd type="none" w="med" len="med"/>
+                          <a:tailEnd type="none" w="med" len="med"/>
+                        </a:lnB>
+                      </a:tcPr>
+                    </a:tc>
+                    <a:extLst>
+                      <a:ext uri="{0D108BD9-81ED-4DB2-BD59-A6C34878D82A}">
+                        <a16:rowId xmlns:a16="http://schemas.microsoft.com/office/drawing/2014/main" val="3801810042"/>
+                      </a:ext>
+                    </a:extLst>
+                  </a:tr>
+                  <a:tr h="370840">
+                    <a:tc>
+                      <a:txBody>
+                        <a:bodyPr/>
+                        <a:lstStyle/>
+                        <a:p>
+                          <a:pPr algn="ctr"/>
+                          <a14:m>
+                            <m:oMath xmlns:m="http://schemas.openxmlformats.org/officeDocument/2006/math">
+                              <m:r>
+                                <a:rPr lang="en-US" altLang="zh-CN" smtClean="0"/>
+                                <m:t>𝑟</m:t>
+                              </m:r>
+                              <m:d>
+                                <m:dPr>
+                                  <m:ctrlPr>
+                                    <a:rPr lang="en-US" altLang="zh-CN" smtClean="0"/>
+                                  </m:ctrlPr>
+                                </m:dPr>
+                                <m:e>
+                                  <m:r>
+                                    <a:rPr lang="en-US" altLang="zh-CN" smtClean="0"/>
+                                    <m:t>𝒟</m:t>
+                                  </m:r>
+                                </m:e>
+                              </m:d>
+                            </m:oMath>
+                          </a14:m>
+                          <a:r>
+                            <a:rPr lang="zh-CN" altLang="en-US" dirty="0" smtClean="0"/>
+                            <a:t> </a:t>
+                          </a:r>
+                          <a:r>
+                            <a:rPr lang="en-US" altLang="zh-CN" dirty="0" smtClean="0"/>
+                            <a:t>is extremely high</a:t>
+                          </a:r>
+                          <a:endParaRPr lang="zh-CN" altLang="en-US" dirty="0"/>
+                        </a:p>
+                      </a:txBody>
+                      <a:tcPr>
+                        <a:lnT w="6350" cap="flat" cmpd="sng" algn="ctr">
+                          <a:solidFill>
+                            <a:schemeClr val="tx1"/>
+                          </a:solidFill>
+                          <a:prstDash val="solid"/>
+                          <a:round/>
+                          <a:headEnd type="none" w="med" len="med"/>
+                          <a:tailEnd type="none" w="med" len="med"/>
+                        </a:lnT>
+                      </a:tcPr>
+                    </a:tc>
+                    <a:tc>
+                      <a:txBody>
+                        <a:bodyPr/>
+                        <a:lstStyle/>
+                        <a:p>
+                          <a:pPr algn="ctr"/>
+                          <a:r>
+                            <a:rPr lang="en-US" altLang="zh-CN" dirty="0" smtClean="0"/>
+                            <a:t>One Class Learning</a:t>
+                          </a:r>
+                          <a:endParaRPr lang="zh-CN" altLang="en-US" dirty="0"/>
+                        </a:p>
+                      </a:txBody>
+                      <a:tcPr>
+                        <a:lnT w="6350" cap="flat" cmpd="sng" algn="ctr">
+                          <a:solidFill>
+                            <a:schemeClr val="tx1"/>
+                          </a:solidFill>
+                          <a:prstDash val="solid"/>
+                          <a:round/>
+                          <a:headEnd type="none" w="med" len="med"/>
+                          <a:tailEnd type="none" w="med" len="med"/>
+                        </a:lnT>
+                      </a:tcPr>
+                    </a:tc>
+                    <a:extLst>
+                      <a:ext uri="{0D108BD9-81ED-4DB2-BD59-A6C34878D82A}">
+                        <a16:rowId xmlns:a16="http://schemas.microsoft.com/office/drawing/2014/main" val="2812140898"/>
+                      </a:ext>
+                    </a:extLst>
+                  </a:tr>
+                </a:tbl>
+              </a:graphicData>
+            </a:graphic>
+          </p:graphicFrame>
+        </mc:Choice>
+        <mc:Fallback>
+          <p:graphicFrame>
+            <p:nvGraphicFramePr>
+              <p:cNvPr id="5" name="表格 4"/>
+              <p:cNvGraphicFramePr>
+                <a:graphicFrameLocks noGrp="1"/>
+              </p:cNvGraphicFramePr>
+              <p:nvPr>
+                <p:extLst>
+                  <p:ext uri="{D42A27DB-BD31-4B8C-83A1-F6EECF244321}">
+                    <p14:modId xmlns:p14="http://schemas.microsoft.com/office/powerpoint/2010/main" val="224405836"/>
+                  </p:ext>
+                </p:extLst>
+              </p:nvPr>
+            </p:nvGraphicFramePr>
+            <p:xfrm>
+              <a:off x="2032000" y="3678021"/>
+              <a:ext cx="8128000" cy="2392680"/>
+            </p:xfrm>
+            <a:graphic>
+              <a:graphicData uri="http://schemas.openxmlformats.org/drawingml/2006/table">
+                <a:tbl>
+                  <a:tblPr firstRow="1" bandRow="1">
+                    <a:tableStyleId>{2D5ABB26-0587-4C30-8999-92F81FD0307C}</a:tableStyleId>
+                  </a:tblPr>
+                  <a:tblGrid>
+                    <a:gridCol w="4064000">
+                      <a:extLst>
+                        <a:ext uri="{9D8B030D-6E8A-4147-A177-3AD203B41FA5}">
+                          <a16:colId xmlns:a16="http://schemas.microsoft.com/office/drawing/2014/main" val="1337587911"/>
+                        </a:ext>
+                      </a:extLst>
+                    </a:gridCol>
+                    <a:gridCol w="4064000">
+                      <a:extLst>
+                        <a:ext uri="{9D8B030D-6E8A-4147-A177-3AD203B41FA5}">
+                          <a16:colId xmlns:a16="http://schemas.microsoft.com/office/drawing/2014/main" val="2024171834"/>
+                        </a:ext>
+                      </a:extLst>
+                    </a:gridCol>
+                  </a:tblGrid>
+                  <a:tr h="370840">
+                    <a:tc>
+                      <a:txBody>
+                        <a:bodyPr/>
+                        <a:lstStyle/>
+                        <a:p>
+                          <a:endParaRPr lang="zh-CN"/>
+                        </a:p>
+                      </a:txBody>
+                      <a:tcPr>
+                        <a:lnB w="28575" cap="flat" cmpd="sng" algn="ctr">
+                          <a:solidFill>
+                            <a:schemeClr val="tx1"/>
+                          </a:solidFill>
+                          <a:prstDash val="solid"/>
+                          <a:round/>
+                          <a:headEnd type="none" w="med" len="med"/>
+                          <a:tailEnd type="none" w="med" len="med"/>
+                        </a:lnB>
+                        <a:blipFill>
+                          <a:blip r:embed="rId3"/>
+                          <a:stretch>
+                            <a:fillRect t="-8197" r="-100450" b="-568852"/>
+                          </a:stretch>
+                        </a:blipFill>
+                      </a:tcPr>
+                    </a:tc>
+                    <a:tc>
+                      <a:txBody>
+                        <a:bodyPr/>
+                        <a:lstStyle/>
+                        <a:p>
+                          <a:pPr algn="ctr"/>
+                          <a:r>
+                            <a:rPr lang="en-US" altLang="zh-CN" dirty="0" smtClean="0"/>
+                            <a:t>Strategy</a:t>
+                          </a:r>
+                          <a:endParaRPr lang="zh-CN" altLang="en-US" dirty="0"/>
+                        </a:p>
+                      </a:txBody>
+                      <a:tcPr>
+                        <a:lnB w="28575" cap="flat" cmpd="sng" algn="ctr">
+                          <a:solidFill>
+                            <a:schemeClr val="tx1"/>
+                          </a:solidFill>
+                          <a:prstDash val="solid"/>
+                          <a:round/>
+                          <a:headEnd type="none" w="med" len="med"/>
+                          <a:tailEnd type="none" w="med" len="med"/>
+                        </a:lnB>
+                      </a:tcPr>
+                    </a:tc>
+                    <a:extLst>
+                      <a:ext uri="{0D108BD9-81ED-4DB2-BD59-A6C34878D82A}">
+                        <a16:rowId xmlns:a16="http://schemas.microsoft.com/office/drawing/2014/main" val="2807305740"/>
+                      </a:ext>
+                    </a:extLst>
+                  </a:tr>
+                  <a:tr h="640080">
+                    <a:tc>
+                      <a:txBody>
+                        <a:bodyPr/>
+                        <a:lstStyle/>
+                        <a:p>
+                          <a:endParaRPr lang="zh-CN"/>
+                        </a:p>
+                      </a:txBody>
+                      <a:tcPr>
+                        <a:lnT w="28575" cap="flat" cmpd="sng" algn="ctr">
+                          <a:solidFill>
+                            <a:schemeClr val="tx1"/>
+                          </a:solidFill>
+                          <a:prstDash val="solid"/>
+                          <a:round/>
+                          <a:headEnd type="none" w="med" len="med"/>
+                          <a:tailEnd type="none" w="med" len="med"/>
+                        </a:lnT>
+                        <a:lnB w="6350" cap="flat" cmpd="sng" algn="ctr">
+                          <a:solidFill>
+                            <a:schemeClr val="tx1"/>
+                          </a:solidFill>
+                          <a:prstDash val="solid"/>
+                          <a:round/>
+                          <a:headEnd type="none" w="med" len="med"/>
+                          <a:tailEnd type="none" w="med" len="med"/>
+                        </a:lnB>
+                        <a:blipFill>
+                          <a:blip r:embed="rId3"/>
+                          <a:stretch>
+                            <a:fillRect t="-62857" r="-100450" b="-230476"/>
+                          </a:stretch>
+                        </a:blipFill>
+                      </a:tcPr>
+                    </a:tc>
+                    <a:tc>
+                      <a:txBody>
+                        <a:bodyPr/>
+                        <a:lstStyle/>
+                        <a:p>
+                          <a:pPr algn="ctr"/>
+                          <a:r>
+                            <a:rPr lang="en-US" altLang="zh-CN" dirty="0" smtClean="0"/>
+                            <a:t>No</a:t>
+                          </a:r>
+                          <a:r>
+                            <a:rPr lang="en-US" altLang="zh-CN" baseline="0" dirty="0" smtClean="0"/>
+                            <a:t> need any IDS technique.</a:t>
+                          </a:r>
+                          <a:endParaRPr lang="zh-CN" altLang="en-US" dirty="0"/>
+                        </a:p>
+                      </a:txBody>
+                      <a:tcPr>
+                        <a:lnT w="28575" cap="flat" cmpd="sng" algn="ctr">
+                          <a:solidFill>
+                            <a:schemeClr val="tx1"/>
+                          </a:solidFill>
+                          <a:prstDash val="solid"/>
+                          <a:round/>
+                          <a:headEnd type="none" w="med" len="med"/>
+                          <a:tailEnd type="none" w="med" len="med"/>
+                        </a:lnT>
+                        <a:lnB w="6350" cap="flat" cmpd="sng" algn="ctr">
+                          <a:solidFill>
+                            <a:schemeClr val="tx1"/>
+                          </a:solidFill>
+                          <a:prstDash val="solid"/>
+                          <a:round/>
+                          <a:headEnd type="none" w="med" len="med"/>
+                          <a:tailEnd type="none" w="med" len="med"/>
+                        </a:lnB>
+                      </a:tcPr>
+                    </a:tc>
+                    <a:extLst>
+                      <a:ext uri="{0D108BD9-81ED-4DB2-BD59-A6C34878D82A}">
+                        <a16:rowId xmlns:a16="http://schemas.microsoft.com/office/drawing/2014/main" val="26526444"/>
+                      </a:ext>
+                    </a:extLst>
+                  </a:tr>
+                  <a:tr h="640080">
+                    <a:tc>
+                      <a:txBody>
+                        <a:bodyPr/>
+                        <a:lstStyle/>
+                        <a:p>
+                          <a:endParaRPr lang="zh-CN"/>
+                        </a:p>
+                      </a:txBody>
+                      <a:tcPr>
+                        <a:lnT w="6350" cap="flat" cmpd="sng" algn="ctr">
+                          <a:solidFill>
+                            <a:schemeClr val="tx1"/>
+                          </a:solidFill>
+                          <a:prstDash val="solid"/>
+                          <a:round/>
+                          <a:headEnd type="none" w="med" len="med"/>
+                          <a:tailEnd type="none" w="med" len="med"/>
+                        </a:lnT>
+                        <a:lnB w="6350" cap="flat" cmpd="sng" algn="ctr">
+                          <a:solidFill>
+                            <a:schemeClr val="tx1"/>
+                          </a:solidFill>
+                          <a:prstDash val="solid"/>
+                          <a:round/>
+                          <a:headEnd type="none" w="med" len="med"/>
+                          <a:tailEnd type="none" w="med" len="med"/>
+                        </a:lnB>
+                        <a:blipFill>
+                          <a:blip r:embed="rId3"/>
+                          <a:stretch>
+                            <a:fillRect t="-162857" r="-100450" b="-130476"/>
+                          </a:stretch>
+                        </a:blipFill>
+                      </a:tcPr>
+                    </a:tc>
+                    <a:tc>
+                      <a:txBody>
+                        <a:bodyPr/>
+                        <a:lstStyle/>
+                        <a:p>
+                          <a:endParaRPr lang="zh-CN"/>
+                        </a:p>
+                      </a:txBody>
+                      <a:tcPr>
+                        <a:lnT w="6350" cap="flat" cmpd="sng" algn="ctr">
+                          <a:solidFill>
+                            <a:schemeClr val="tx1"/>
+                          </a:solidFill>
+                          <a:prstDash val="solid"/>
+                          <a:round/>
+                          <a:headEnd type="none" w="med" len="med"/>
+                          <a:tailEnd type="none" w="med" len="med"/>
+                        </a:lnT>
+                        <a:lnB w="6350" cap="flat" cmpd="sng" algn="ctr">
+                          <a:solidFill>
+                            <a:schemeClr val="tx1"/>
+                          </a:solidFill>
+                          <a:prstDash val="solid"/>
+                          <a:round/>
+                          <a:headEnd type="none" w="med" len="med"/>
+                          <a:tailEnd type="none" w="med" len="med"/>
+                        </a:lnB>
+                        <a:blipFill>
+                          <a:blip r:embed="rId3"/>
+                          <a:stretch>
+                            <a:fillRect l="-100000" t="-162857" r="-450" b="-130476"/>
+                          </a:stretch>
+                        </a:blipFill>
+                      </a:tcPr>
+                    </a:tc>
+                    <a:extLst>
+                      <a:ext uri="{0D108BD9-81ED-4DB2-BD59-A6C34878D82A}">
+                        <a16:rowId xmlns:a16="http://schemas.microsoft.com/office/drawing/2014/main" val="1579795000"/>
+                      </a:ext>
+                    </a:extLst>
+                  </a:tr>
+                  <a:tr h="370840">
+                    <a:tc>
+                      <a:txBody>
+                        <a:bodyPr/>
+                        <a:lstStyle/>
+                        <a:p>
+                          <a:endParaRPr lang="zh-CN"/>
+                        </a:p>
+                      </a:txBody>
+                      <a:tcPr>
+                        <a:lnT w="6350" cap="flat" cmpd="sng" algn="ctr">
+                          <a:solidFill>
+                            <a:schemeClr val="tx1"/>
+                          </a:solidFill>
+                          <a:prstDash val="solid"/>
+                          <a:round/>
+                          <a:headEnd type="none" w="med" len="med"/>
+                          <a:tailEnd type="none" w="med" len="med"/>
+                        </a:lnT>
+                        <a:lnB w="6350" cap="flat" cmpd="sng" algn="ctr">
+                          <a:solidFill>
+                            <a:schemeClr val="tx1"/>
+                          </a:solidFill>
+                          <a:prstDash val="solid"/>
+                          <a:round/>
+                          <a:headEnd type="none" w="med" len="med"/>
+                          <a:tailEnd type="none" w="med" len="med"/>
+                        </a:lnB>
+                        <a:blipFill>
+                          <a:blip r:embed="rId3"/>
+                          <a:stretch>
+                            <a:fillRect t="-452459" r="-100450" b="-124590"/>
+                          </a:stretch>
+                        </a:blipFill>
+                      </a:tcPr>
+                    </a:tc>
+                    <a:tc>
+                      <a:txBody>
+                        <a:bodyPr/>
+                        <a:lstStyle/>
+                        <a:p>
+                          <a:pPr algn="ctr"/>
+                          <a:r>
+                            <a:rPr lang="en-US" altLang="zh-CN" dirty="0" smtClean="0"/>
+                            <a:t>Ensemble Learning</a:t>
+                          </a:r>
+                          <a:endParaRPr lang="zh-CN" altLang="en-US" dirty="0"/>
+                        </a:p>
+                      </a:txBody>
+                      <a:tcPr>
+                        <a:lnT w="6350" cap="flat" cmpd="sng" algn="ctr">
+                          <a:solidFill>
+                            <a:schemeClr val="tx1"/>
+                          </a:solidFill>
+                          <a:prstDash val="solid"/>
+                          <a:round/>
+                          <a:headEnd type="none" w="med" len="med"/>
+                          <a:tailEnd type="none" w="med" len="med"/>
+                        </a:lnT>
+                        <a:lnB w="6350" cap="flat" cmpd="sng" algn="ctr">
+                          <a:solidFill>
+                            <a:schemeClr val="tx1"/>
+                          </a:solidFill>
+                          <a:prstDash val="solid"/>
+                          <a:round/>
+                          <a:headEnd type="none" w="med" len="med"/>
+                          <a:tailEnd type="none" w="med" len="med"/>
+                        </a:lnB>
+                      </a:tcPr>
+                    </a:tc>
+                    <a:extLst>
+                      <a:ext uri="{0D108BD9-81ED-4DB2-BD59-A6C34878D82A}">
+                        <a16:rowId xmlns:a16="http://schemas.microsoft.com/office/drawing/2014/main" val="3801810042"/>
+                      </a:ext>
+                    </a:extLst>
+                  </a:tr>
+                  <a:tr h="370840">
+                    <a:tc>
+                      <a:txBody>
+                        <a:bodyPr/>
+                        <a:lstStyle/>
+                        <a:p>
+                          <a:endParaRPr lang="zh-CN"/>
+                        </a:p>
+                      </a:txBody>
+                      <a:tcPr>
+                        <a:lnT w="6350" cap="flat" cmpd="sng" algn="ctr">
+                          <a:solidFill>
+                            <a:schemeClr val="tx1"/>
+                          </a:solidFill>
+                          <a:prstDash val="solid"/>
+                          <a:round/>
+                          <a:headEnd type="none" w="med" len="med"/>
+                          <a:tailEnd type="none" w="med" len="med"/>
+                        </a:lnT>
+                        <a:blipFill>
+                          <a:blip r:embed="rId3"/>
+                          <a:stretch>
+                            <a:fillRect t="-552459" r="-100450" b="-24590"/>
+                          </a:stretch>
+                        </a:blipFill>
+                      </a:tcPr>
+                    </a:tc>
+                    <a:tc>
+                      <a:txBody>
+                        <a:bodyPr/>
+                        <a:lstStyle/>
+                        <a:p>
+                          <a:pPr algn="ctr"/>
+                          <a:r>
+                            <a:rPr lang="en-US" altLang="zh-CN" dirty="0" smtClean="0"/>
+                            <a:t>One Class Learning</a:t>
+                          </a:r>
+                          <a:endParaRPr lang="zh-CN" altLang="en-US" dirty="0"/>
+                        </a:p>
+                      </a:txBody>
+                      <a:tcPr>
+                        <a:lnT w="6350" cap="flat" cmpd="sng" algn="ctr">
+                          <a:solidFill>
+                            <a:schemeClr val="tx1"/>
+                          </a:solidFill>
+                          <a:prstDash val="solid"/>
+                          <a:round/>
+                          <a:headEnd type="none" w="med" len="med"/>
+                          <a:tailEnd type="none" w="med" len="med"/>
+                        </a:lnT>
+                      </a:tcPr>
+                    </a:tc>
+                    <a:extLst>
+                      <a:ext uri="{0D108BD9-81ED-4DB2-BD59-A6C34878D82A}">
+                        <a16:rowId xmlns:a16="http://schemas.microsoft.com/office/drawing/2014/main" val="2812140898"/>
+                      </a:ext>
+                    </a:extLst>
+                  </a:tr>
+                </a:tbl>
+              </a:graphicData>
+            </a:graphic>
+          </p:graphicFrame>
+        </mc:Fallback>
+      </mc:AlternateContent>
+    </p:spTree>
+    <p:extLst>
+      <p:ext uri="{BB962C8B-B14F-4D97-AF65-F5344CB8AC3E}">
+        <p14:creationId xmlns:p14="http://schemas.microsoft.com/office/powerpoint/2010/main" val="158303477"/>
+      </p:ext>
+    </p:extLst>
+  </p:cSld>
+  <p:clrMapOvr>
+    <a:masterClrMapping/>
+  </p:clrMapOvr>
+</p:sld>
+</file>
+
+<file path=ppt/slides/slide23.xml><?xml version="1.0" encoding="utf-8"?>
+<p:sld xmlns:a="http://schemas.openxmlformats.org/drawingml/2006/main" xmlns:r="http://schemas.openxmlformats.org/officeDocument/2006/relationships" xmlns:p="http://schemas.openxmlformats.org/presentationml/2006/main">
+  <p:cSld>
+    <p:spTree>
+      <p:nvGrpSpPr>
+        <p:cNvPr id="1" name=""/>
+        <p:cNvGrpSpPr/>
+        <p:nvPr/>
+      </p:nvGrpSpPr>
+      <p:grpSpPr>
+        <a:xfrm>
+          <a:off x="0" y="0"/>
+          <a:ext cx="0" cy="0"/>
+          <a:chOff x="0" y="0"/>
+          <a:chExt cx="0" cy="0"/>
+        </a:xfrm>
+      </p:grpSpPr>
+      <p:sp>
+        <p:nvSpPr>
+          <p:cNvPr id="2" name="标题 1"/>
+          <p:cNvSpPr>
+            <a:spLocks noGrp="1"/>
+          </p:cNvSpPr>
+          <p:nvPr>
+            <p:ph type="title"/>
+          </p:nvPr>
+        </p:nvSpPr>
+        <p:spPr/>
+        <p:txBody>
+          <a:bodyPr/>
+          <a:lstStyle/>
+          <a:p>
+            <a:r>
+              <a:rPr lang="en-US" altLang="zh-CN" dirty="0" smtClean="0"/>
+              <a:t>Experiment</a:t>
+            </a:r>
+            <a:endParaRPr lang="zh-CN" altLang="en-US" dirty="0"/>
+          </a:p>
+        </p:txBody>
+      </p:sp>
+      <mc:AlternateContent xmlns:mc="http://schemas.openxmlformats.org/markup-compatibility/2006">
+        <mc:Choice xmlns:a14="http://schemas.microsoft.com/office/drawing/2010/main" Requires="a14">
+          <p:sp>
+            <p:nvSpPr>
+              <p:cNvPr id="3" name="内容占位符 2"/>
+              <p:cNvSpPr>
+                <a:spLocks noGrp="1"/>
+              </p:cNvSpPr>
+              <p:nvPr>
+                <p:ph idx="1"/>
+              </p:nvPr>
+            </p:nvSpPr>
+            <p:spPr/>
+            <p:txBody>
+              <a:bodyPr/>
+              <a:lstStyle/>
+              <a:p>
+                <a:r>
+                  <a:rPr lang="en-US" altLang="zh-CN" smtClean="0"/>
+                  <a:t>Dataset</a:t>
+                </a:r>
+                <a:endParaRPr lang="en-US" altLang="zh-CN" dirty="0" smtClean="0"/>
+              </a:p>
+              <a:p>
+                <a:r>
+                  <a:rPr lang="en-US" altLang="zh-CN" dirty="0" smtClean="0"/>
+                  <a:t>Evaluation Metric</a:t>
+                </a:r>
+              </a:p>
+              <a:p>
+                <a:pPr lvl="1"/>
+                <a:r>
+                  <a:rPr lang="en-US" altLang="zh-CN" dirty="0" smtClean="0"/>
+                  <a:t>F-1 Score</a:t>
+                </a:r>
+              </a:p>
+              <a:p>
+                <a:pPr lvl="1"/>
+                <a:r>
+                  <a:rPr lang="en-US" altLang="zh-CN" dirty="0" smtClean="0"/>
+                  <a:t>Because of the equal account taken between </a:t>
+                </a:r>
+                <a14:m>
+                  <m:oMath xmlns:m="http://schemas.openxmlformats.org/officeDocument/2006/math">
+                    <m:r>
+                      <a:rPr lang="en-US" altLang="zh-CN" i="1" dirty="0" smtClean="0">
+                        <a:latin typeface="Cambria Math" panose="02040503050406030204" pitchFamily="18" charset="0"/>
+                      </a:rPr>
+                      <m:t>𝐹𝑁</m:t>
+                    </m:r>
+                  </m:oMath>
+                </a14:m>
+                <a:r>
+                  <a:rPr lang="en-US" altLang="zh-CN" dirty="0" smtClean="0"/>
+                  <a:t> and </a:t>
+                </a:r>
+                <a14:m>
+                  <m:oMath xmlns:m="http://schemas.openxmlformats.org/officeDocument/2006/math">
+                    <m:r>
+                      <a:rPr lang="en-US" altLang="zh-CN" i="1" dirty="0" smtClean="0">
+                        <a:latin typeface="Cambria Math" panose="02040503050406030204" pitchFamily="18" charset="0"/>
+                      </a:rPr>
+                      <m:t>𝑇𝑁</m:t>
+                    </m:r>
+                  </m:oMath>
+                </a14:m>
+                <a:endParaRPr lang="zh-CN" altLang="en-US" dirty="0"/>
+              </a:p>
+            </p:txBody>
+          </p:sp>
+        </mc:Choice>
+        <mc:Fallback>
+          <p:sp>
+            <p:nvSpPr>
+              <p:cNvPr id="3" name="内容占位符 2"/>
+              <p:cNvSpPr>
+                <a:spLocks noGrp="1" noRot="1" noChangeAspect="1" noMove="1" noResize="1" noEditPoints="1" noAdjustHandles="1" noChangeArrowheads="1" noChangeShapeType="1" noTextEdit="1"/>
+              </p:cNvSpPr>
+              <p:nvPr>
+                <p:ph idx="1"/>
+              </p:nvPr>
+            </p:nvSpPr>
+            <p:spPr>
+              <a:blipFill>
+                <a:blip r:embed="rId2"/>
+                <a:stretch>
+                  <a:fillRect l="-1043" t="-2241"/>
+                </a:stretch>
+              </a:blipFill>
+            </p:spPr>
+            <p:txBody>
+              <a:bodyPr/>
+              <a:lstStyle/>
+              <a:p>
+                <a:r>
+                  <a:rPr lang="zh-CN" altLang="en-US">
+                    <a:noFill/>
+                  </a:rPr>
+                  <a:t> </a:t>
+                </a:r>
+              </a:p>
+            </p:txBody>
+          </p:sp>
+        </mc:Fallback>
+      </mc:AlternateContent>
+    </p:spTree>
+    <p:extLst>
+      <p:ext uri="{BB962C8B-B14F-4D97-AF65-F5344CB8AC3E}">
+        <p14:creationId xmlns:p14="http://schemas.microsoft.com/office/powerpoint/2010/main" val="1984162361"/>
+      </p:ext>
+    </p:extLst>
+  </p:cSld>
+  <p:clrMapOvr>
+    <a:masterClrMapping/>
+  </p:clrMapOvr>
+</p:sld>
+</file>
+
+<file path=ppt/slides/slide24.xml><?xml version="1.0" encoding="utf-8"?>
 <p:sld xmlns:a="http://schemas.openxmlformats.org/drawingml/2006/main" xmlns:r="http://schemas.openxmlformats.org/officeDocument/2006/relationships" xmlns:p="http://schemas.openxmlformats.org/presentationml/2006/main">
   <p:cSld>
     <p:spTree>

--- a/slides&notes/Learning on imbalanced data.pptx
+++ b/slides&notes/Learning on imbalanced data.pptx
@@ -5,7 +5,7 @@
     <p:sldMasterId id="2147483648" r:id="rId1"/>
   </p:sldMasterIdLst>
   <p:notesMasterIdLst>
-    <p:notesMasterId r:id="rId26"/>
+    <p:notesMasterId r:id="rId27"/>
   </p:notesMasterIdLst>
   <p:sldIdLst>
     <p:sldId id="256" r:id="rId2"/>
@@ -32,6 +32,7 @@
     <p:sldId id="288" r:id="rId23"/>
     <p:sldId id="289" r:id="rId24"/>
     <p:sldId id="270" r:id="rId25"/>
+    <p:sldId id="290" r:id="rId26"/>
   </p:sldIdLst>
   <p:sldSz cx="12192000" cy="6858000"/>
   <p:notesSz cx="6858000" cy="9144000"/>
@@ -21707,99 +21708,36 @@
           </a:p>
         </p:txBody>
       </p:sp>
-      <p:grpSp>
-        <p:nvGrpSpPr>
-          <p:cNvPr id="10" name="Group 9"/>
-          <p:cNvGrpSpPr/>
+      <p:pic>
+        <p:nvPicPr>
+          <p:cNvPr id="12" name="Picture 11"/>
+          <p:cNvPicPr>
+            <a:picLocks noChangeAspect="1"/>
+          </p:cNvPicPr>
           <p:nvPr/>
-        </p:nvGrpSpPr>
-        <p:grpSpPr>
+        </p:nvPicPr>
+        <p:blipFill>
+          <a:blip r:embed="rId7">
+            <a:extLst>
+              <a:ext uri="{28A0092B-C50C-407E-A947-70E740481C1C}">
+                <a14:useLocalDpi xmlns:a14="http://schemas.microsoft.com/office/drawing/2010/main" val="0"/>
+              </a:ext>
+            </a:extLst>
+          </a:blip>
+          <a:stretch>
+            <a:fillRect/>
+          </a:stretch>
+        </p:blipFill>
+        <p:spPr>
           <a:xfrm>
             <a:off x="6185413" y="1380931"/>
             <a:ext cx="5486411" cy="4094234"/>
-            <a:chOff x="5617017" y="4012710"/>
-            <a:chExt cx="5486411" cy="4094234"/>
           </a:xfrm>
-        </p:grpSpPr>
-        <p:pic>
-          <p:nvPicPr>
-            <p:cNvPr id="12" name="Picture 11"/>
-            <p:cNvPicPr>
-              <a:picLocks noChangeAspect="1"/>
-            </p:cNvPicPr>
-            <p:nvPr/>
-          </p:nvPicPr>
-          <p:blipFill>
-            <a:blip r:embed="rId7">
-              <a:extLst>
-                <a:ext uri="{28A0092B-C50C-407E-A947-70E740481C1C}">
-                  <a14:useLocalDpi xmlns:a14="http://schemas.microsoft.com/office/drawing/2010/main" val="0"/>
-                </a:ext>
-              </a:extLst>
-            </a:blip>
-            <a:stretch>
-              <a:fillRect/>
-            </a:stretch>
-          </p:blipFill>
-          <p:spPr>
-            <a:xfrm>
-              <a:off x="5617017" y="4012710"/>
-              <a:ext cx="5486411" cy="4094234"/>
-            </a:xfrm>
-            <a:prstGeom prst="rect">
-              <a:avLst/>
-            </a:prstGeom>
-          </p:spPr>
-        </p:pic>
-        <p:sp>
-          <p:nvSpPr>
-            <p:cNvPr id="13" name="Oval 12"/>
-            <p:cNvSpPr/>
-            <p:nvPr/>
-          </p:nvSpPr>
-          <p:spPr>
-            <a:xfrm rot="19164963">
-              <a:off x="8788597" y="4409987"/>
-              <a:ext cx="1580297" cy="1901258"/>
-            </a:xfrm>
-            <a:prstGeom prst="ellipse">
-              <a:avLst/>
-            </a:prstGeom>
-            <a:noFill/>
-            <a:ln w="12700" cap="flat" cmpd="sng" algn="ctr">
-              <a:solidFill>
-                <a:schemeClr val="dk1"/>
-              </a:solidFill>
-              <a:prstDash val="dash"/>
-              <a:round/>
-              <a:headEnd type="none" w="med" len="med"/>
-              <a:tailEnd type="none" w="med" len="med"/>
-            </a:ln>
-          </p:spPr>
-          <p:style>
-            <a:lnRef idx="0">
-              <a:scrgbClr r="0" g="0" b="0"/>
-            </a:lnRef>
-            <a:fillRef idx="0">
-              <a:scrgbClr r="0" g="0" b="0"/>
-            </a:fillRef>
-            <a:effectRef idx="0">
-              <a:scrgbClr r="0" g="0" b="0"/>
-            </a:effectRef>
-            <a:fontRef idx="minor">
-              <a:schemeClr val="dk1"/>
-            </a:fontRef>
-          </p:style>
-          <p:txBody>
-            <a:bodyPr rtlCol="0" anchor="ctr"/>
-            <a:lstStyle/>
-            <a:p>
-              <a:pPr algn="ctr"/>
-              <a:endParaRPr lang="en-US" dirty="0"/>
-            </a:p>
-          </p:txBody>
-        </p:sp>
-      </p:grpSp>
+          <a:prstGeom prst="rect">
+            <a:avLst/>
+          </a:prstGeom>
+        </p:spPr>
+      </p:pic>
       <mc:AlternateContent xmlns:mc="http://schemas.openxmlformats.org/markup-compatibility/2006" xmlns:a14="http://schemas.microsoft.com/office/drawing/2010/main">
         <mc:Choice Requires="a14">
           <p:sp>
@@ -21921,6 +21859,190 @@
           </p:sp>
         </mc:Fallback>
       </mc:AlternateContent>
+      <p:sp>
+        <p:nvSpPr>
+          <p:cNvPr id="11" name="五角星 10"/>
+          <p:cNvSpPr/>
+          <p:nvPr/>
+        </p:nvSpPr>
+        <p:spPr>
+          <a:xfrm>
+            <a:off x="8839200" y="4517708"/>
+            <a:ext cx="182880" cy="182880"/>
+          </a:xfrm>
+          <a:prstGeom prst="star5">
+            <a:avLst/>
+          </a:prstGeom>
+          <a:solidFill>
+            <a:srgbClr val="008000"/>
+          </a:solidFill>
+          <a:ln>
+            <a:noFill/>
+          </a:ln>
+        </p:spPr>
+        <p:style>
+          <a:lnRef idx="2">
+            <a:schemeClr val="accent1">
+              <a:shade val="50000"/>
+            </a:schemeClr>
+          </a:lnRef>
+          <a:fillRef idx="1">
+            <a:schemeClr val="accent1"/>
+          </a:fillRef>
+          <a:effectRef idx="0">
+            <a:schemeClr val="accent1"/>
+          </a:effectRef>
+          <a:fontRef idx="minor">
+            <a:schemeClr val="lt1"/>
+          </a:fontRef>
+        </p:style>
+        <p:txBody>
+          <a:bodyPr rtlCol="0" anchor="ctr"/>
+          <a:lstStyle/>
+          <a:p>
+            <a:pPr algn="ctr"/>
+            <a:endParaRPr lang="zh-CN" altLang="en-US"/>
+          </a:p>
+        </p:txBody>
+      </p:sp>
+      <p:sp>
+        <p:nvSpPr>
+          <p:cNvPr id="14" name="五角星 13"/>
+          <p:cNvSpPr/>
+          <p:nvPr/>
+        </p:nvSpPr>
+        <p:spPr>
+          <a:xfrm>
+            <a:off x="9418320" y="4752861"/>
+            <a:ext cx="182880" cy="182880"/>
+          </a:xfrm>
+          <a:prstGeom prst="star5">
+            <a:avLst/>
+          </a:prstGeom>
+          <a:solidFill>
+            <a:srgbClr val="008000"/>
+          </a:solidFill>
+          <a:ln>
+            <a:noFill/>
+          </a:ln>
+        </p:spPr>
+        <p:style>
+          <a:lnRef idx="2">
+            <a:schemeClr val="accent1">
+              <a:shade val="50000"/>
+            </a:schemeClr>
+          </a:lnRef>
+          <a:fillRef idx="1">
+            <a:schemeClr val="accent1"/>
+          </a:fillRef>
+          <a:effectRef idx="0">
+            <a:schemeClr val="accent1"/>
+          </a:effectRef>
+          <a:fontRef idx="minor">
+            <a:schemeClr val="lt1"/>
+          </a:fontRef>
+        </p:style>
+        <p:txBody>
+          <a:bodyPr rtlCol="0" anchor="ctr"/>
+          <a:lstStyle/>
+          <a:p>
+            <a:pPr algn="ctr"/>
+            <a:endParaRPr lang="zh-CN" altLang="en-US"/>
+          </a:p>
+        </p:txBody>
+      </p:sp>
+      <p:sp>
+        <p:nvSpPr>
+          <p:cNvPr id="16" name="五角星 15"/>
+          <p:cNvSpPr/>
+          <p:nvPr/>
+        </p:nvSpPr>
+        <p:spPr>
+          <a:xfrm>
+            <a:off x="8988570" y="4761548"/>
+            <a:ext cx="182880" cy="182880"/>
+          </a:xfrm>
+          <a:prstGeom prst="star5">
+            <a:avLst/>
+          </a:prstGeom>
+          <a:solidFill>
+            <a:srgbClr val="008000"/>
+          </a:solidFill>
+          <a:ln>
+            <a:noFill/>
+          </a:ln>
+        </p:spPr>
+        <p:style>
+          <a:lnRef idx="2">
+            <a:schemeClr val="accent1">
+              <a:shade val="50000"/>
+            </a:schemeClr>
+          </a:lnRef>
+          <a:fillRef idx="1">
+            <a:schemeClr val="accent1"/>
+          </a:fillRef>
+          <a:effectRef idx="0">
+            <a:schemeClr val="accent1"/>
+          </a:effectRef>
+          <a:fontRef idx="minor">
+            <a:schemeClr val="lt1"/>
+          </a:fontRef>
+        </p:style>
+        <p:txBody>
+          <a:bodyPr rtlCol="0" anchor="ctr"/>
+          <a:lstStyle/>
+          <a:p>
+            <a:pPr algn="ctr"/>
+            <a:endParaRPr lang="zh-CN" altLang="en-US"/>
+          </a:p>
+        </p:txBody>
+      </p:sp>
+      <p:sp>
+        <p:nvSpPr>
+          <p:cNvPr id="17" name="五角星 16"/>
+          <p:cNvSpPr/>
+          <p:nvPr/>
+        </p:nvSpPr>
+        <p:spPr>
+          <a:xfrm>
+            <a:off x="7396998" y="2523614"/>
+            <a:ext cx="182880" cy="182880"/>
+          </a:xfrm>
+          <a:prstGeom prst="star5">
+            <a:avLst/>
+          </a:prstGeom>
+          <a:solidFill>
+            <a:srgbClr val="008000"/>
+          </a:solidFill>
+          <a:ln>
+            <a:noFill/>
+          </a:ln>
+        </p:spPr>
+        <p:style>
+          <a:lnRef idx="2">
+            <a:schemeClr val="accent1">
+              <a:shade val="50000"/>
+            </a:schemeClr>
+          </a:lnRef>
+          <a:fillRef idx="1">
+            <a:schemeClr val="accent1"/>
+          </a:fillRef>
+          <a:effectRef idx="0">
+            <a:schemeClr val="accent1"/>
+          </a:effectRef>
+          <a:fontRef idx="minor">
+            <a:schemeClr val="lt1"/>
+          </a:fontRef>
+        </p:style>
+        <p:txBody>
+          <a:bodyPr rtlCol="0" anchor="ctr"/>
+          <a:lstStyle/>
+          <a:p>
+            <a:pPr algn="ctr"/>
+            <a:endParaRPr lang="zh-CN" altLang="en-US"/>
+          </a:p>
+        </p:txBody>
+      </p:sp>
     </p:spTree>
     <p:extLst>
       <p:ext uri="{BB962C8B-B14F-4D97-AF65-F5344CB8AC3E}">
@@ -24446,8 +24568,8 @@
           </p:sp>
         </mc:Fallback>
       </mc:AlternateContent>
-      <mc:AlternateContent xmlns:mc="http://schemas.openxmlformats.org/markup-compatibility/2006">
-        <mc:Choice xmlns:a14="http://schemas.microsoft.com/office/drawing/2010/main" Requires="a14">
+      <mc:AlternateContent xmlns:mc="http://schemas.openxmlformats.org/markup-compatibility/2006" xmlns:a14="http://schemas.microsoft.com/office/drawing/2010/main">
+        <mc:Choice Requires="a14">
           <p:sp>
             <p:nvSpPr>
               <p:cNvPr id="2" name="文本框 1"/>
@@ -24470,6 +24592,7 @@
               </a:bodyPr>
               <a:lstStyle/>
               <a:p>
+                <a:pPr/>
                 <a14:m>
                   <m:oMathPara xmlns:m="http://schemas.openxmlformats.org/officeDocument/2006/math">
                     <m:oMathParaPr>
@@ -24620,7 +24743,7 @@
             </p:txBody>
           </p:sp>
         </mc:Choice>
-        <mc:Fallback>
+        <mc:Fallback xmlns="">
           <p:sp>
             <p:nvSpPr>
               <p:cNvPr id="2" name="文本框 1"/>
@@ -26164,8 +26287,8 @@
           </p:sp>
         </mc:Fallback>
       </mc:AlternateContent>
-      <mc:AlternateContent xmlns:mc="http://schemas.openxmlformats.org/markup-compatibility/2006">
-        <mc:Choice xmlns:a14="http://schemas.microsoft.com/office/drawing/2010/main" Requires="a14">
+      <mc:AlternateContent xmlns:mc="http://schemas.openxmlformats.org/markup-compatibility/2006" xmlns:a14="http://schemas.microsoft.com/office/drawing/2010/main">
+        <mc:Choice Requires="a14">
           <p:sp>
             <p:nvSpPr>
               <p:cNvPr id="30" name="文本框 29"/>
@@ -26188,6 +26311,7 @@
               </a:bodyPr>
               <a:lstStyle/>
               <a:p>
+                <a:pPr/>
                 <a14:m>
                   <m:oMathPara xmlns:m="http://schemas.openxmlformats.org/officeDocument/2006/math">
                     <m:oMathParaPr>
@@ -26338,7 +26462,7 @@
             </p:txBody>
           </p:sp>
         </mc:Choice>
-        <mc:Fallback>
+        <mc:Fallback xmlns="">
           <p:sp>
             <p:nvSpPr>
               <p:cNvPr id="30" name="文本框 29"/>
@@ -27762,8 +27886,8 @@
           </a:p>
         </p:txBody>
       </p:sp>
-      <mc:AlternateContent xmlns:mc="http://schemas.openxmlformats.org/markup-compatibility/2006">
-        <mc:Choice xmlns:a14="http://schemas.microsoft.com/office/drawing/2010/main" Requires="a14">
+      <mc:AlternateContent xmlns:mc="http://schemas.openxmlformats.org/markup-compatibility/2006" xmlns:a14="http://schemas.microsoft.com/office/drawing/2010/main">
+        <mc:Choice Requires="a14">
           <p:sp>
             <p:nvSpPr>
               <p:cNvPr id="3" name="Content Placeholder 2"/>
@@ -27800,13 +27924,8 @@
               <a:p>
                 <a:r>
                   <a:rPr lang="en-US" dirty="0" smtClean="0"/>
-                  <a:t>We investigate in Easy-Ensemble </a:t>
+                  <a:t>We investigate in Easy-Ensemble method, which</a:t>
                 </a:r>
-                <a:r>
-                  <a:rPr lang="en-US" dirty="0" smtClean="0"/>
-                  <a:t>method, which</a:t>
-                </a:r>
-                <a:endParaRPr lang="en-US" dirty="0" smtClean="0"/>
               </a:p>
               <a:p>
                 <a:pPr lvl="1"/>
@@ -28044,7 +28163,7 @@
                           <m:begChr m:val="|"/>
                           <m:endChr m:val="|"/>
                           <m:ctrlPr>
-                            <a:rPr lang="en-US" b="0" i="0" smtClean="0">
+                            <a:rPr lang="en-US" b="0" i="1" smtClean="0">
                               <a:latin typeface="Cambria Math" panose="02040503050406030204" pitchFamily="18" charset="0"/>
                             </a:rPr>
                           </m:ctrlPr>
@@ -28157,7 +28276,7 @@
             </p:txBody>
           </p:sp>
         </mc:Choice>
-        <mc:Fallback>
+        <mc:Fallback xmlns="">
           <p:sp>
             <p:nvSpPr>
               <p:cNvPr id="3" name="Content Placeholder 2"/>
@@ -29571,8 +29690,8 @@
           </a:p>
         </p:txBody>
       </p:sp>
-      <mc:AlternateContent xmlns:mc="http://schemas.openxmlformats.org/markup-compatibility/2006">
-        <mc:Choice xmlns:a14="http://schemas.microsoft.com/office/drawing/2010/main" Requires="a14">
+      <mc:AlternateContent xmlns:mc="http://schemas.openxmlformats.org/markup-compatibility/2006" xmlns:a14="http://schemas.microsoft.com/office/drawing/2010/main">
+        <mc:Choice Requires="a14">
           <p:sp>
             <p:nvSpPr>
               <p:cNvPr id="65" name="TextBox 64"/>
@@ -29660,7 +29779,7 @@
             </p:txBody>
           </p:sp>
         </mc:Choice>
-        <mc:Fallback>
+        <mc:Fallback xmlns="">
           <p:sp>
             <p:nvSpPr>
               <p:cNvPr id="65" name="TextBox 64"/>
@@ -29699,8 +29818,8 @@
           </p:sp>
         </mc:Fallback>
       </mc:AlternateContent>
-      <mc:AlternateContent xmlns:mc="http://schemas.openxmlformats.org/markup-compatibility/2006">
-        <mc:Choice xmlns:a14="http://schemas.microsoft.com/office/drawing/2010/main" Requires="a14">
+      <mc:AlternateContent xmlns:mc="http://schemas.openxmlformats.org/markup-compatibility/2006" xmlns:a14="http://schemas.microsoft.com/office/drawing/2010/main">
+        <mc:Choice Requires="a14">
           <p:sp>
             <p:nvSpPr>
               <p:cNvPr id="30" name="文本框 29"/>
@@ -29723,6 +29842,7 @@
               </a:bodyPr>
               <a:lstStyle/>
               <a:p>
+                <a:pPr/>
                 <a14:m>
                   <m:oMathPara xmlns:m="http://schemas.openxmlformats.org/officeDocument/2006/math">
                     <m:oMathParaPr>
@@ -29873,7 +29993,7 @@
             </p:txBody>
           </p:sp>
         </mc:Choice>
-        <mc:Fallback>
+        <mc:Fallback xmlns="">
           <p:sp>
             <p:nvSpPr>
               <p:cNvPr id="30" name="文本框 29"/>
@@ -29976,8 +30096,8 @@
           </a:p>
         </p:txBody>
       </p:sp>
-      <mc:AlternateContent xmlns:mc="http://schemas.openxmlformats.org/markup-compatibility/2006">
-        <mc:Choice xmlns:a14="http://schemas.microsoft.com/office/drawing/2010/main" Requires="a14">
+      <mc:AlternateContent xmlns:mc="http://schemas.openxmlformats.org/markup-compatibility/2006" xmlns:a14="http://schemas.microsoft.com/office/drawing/2010/main">
+        <mc:Choice Requires="a14">
           <p:sp>
             <p:nvSpPr>
               <p:cNvPr id="3" name="内容占位符 2"/>
@@ -30130,7 +30250,7 @@
             </p:txBody>
           </p:sp>
         </mc:Choice>
-        <mc:Fallback>
+        <mc:Fallback xmlns="">
           <p:sp>
             <p:nvSpPr>
               <p:cNvPr id="3" name="内容占位符 2"/>
@@ -30164,8 +30284,8 @@
           </p:sp>
         </mc:Fallback>
       </mc:AlternateContent>
-      <mc:AlternateContent xmlns:mc="http://schemas.openxmlformats.org/markup-compatibility/2006">
-        <mc:Choice xmlns:a14="http://schemas.microsoft.com/office/drawing/2010/main" Requires="a14">
+      <mc:AlternateContent xmlns:mc="http://schemas.openxmlformats.org/markup-compatibility/2006" xmlns:a14="http://schemas.microsoft.com/office/drawing/2010/main">
+        <mc:Choice Requires="a14">
           <p:graphicFrame>
             <p:nvGraphicFramePr>
               <p:cNvPr id="5" name="表格 4"/>
@@ -30220,87 +30340,119 @@
                               </m:oMathParaPr>
                               <m:oMath xmlns:m="http://schemas.openxmlformats.org/officeDocument/2006/math">
                                 <m:r>
-                                  <a:rPr lang="en-US" altLang="zh-CN" smtClean="0"/>
+                                  <a:rPr lang="en-US" altLang="zh-CN" smtClean="0">
+                                    <a:latin typeface="Cambria Math" panose="02040503050406030204" pitchFamily="18" charset="0"/>
+                                  </a:rPr>
                                   <m:t>𝑖𝑚𝐴𝑡𝑡𝑟</m:t>
                                 </m:r>
                                 <m:d>
                                   <m:dPr>
                                     <m:ctrlPr>
-                                      <a:rPr lang="en-US" altLang="zh-CN" smtClean="0"/>
+                                      <a:rPr lang="en-US" altLang="zh-CN" i="1" smtClean="0">
+                                        <a:latin typeface="Cambria Math" panose="02040503050406030204" pitchFamily="18" charset="0"/>
+                                      </a:rPr>
                                     </m:ctrlPr>
                                   </m:dPr>
                                   <m:e>
                                     <m:r>
-                                      <a:rPr lang="en-US" altLang="zh-CN" smtClean="0"/>
+                                      <a:rPr lang="en-US" altLang="zh-CN" smtClean="0">
+                                        <a:latin typeface="Cambria Math" panose="02040503050406030204" pitchFamily="18" charset="0"/>
+                                      </a:rPr>
                                       <m:t>𝒟</m:t>
                                     </m:r>
                                   </m:e>
                                 </m:d>
                                 <m:r>
-                                  <a:rPr lang="en-US" altLang="zh-CN" smtClean="0"/>
+                                  <a:rPr lang="en-US" altLang="zh-CN" smtClean="0">
+                                    <a:latin typeface="Cambria Math" panose="02040503050406030204" pitchFamily="18" charset="0"/>
+                                  </a:rPr>
                                   <m:t>=&lt;</m:t>
                                 </m:r>
                                 <m:r>
-                                  <a:rPr lang="en-US" altLang="zh-CN" smtClean="0"/>
+                                  <a:rPr lang="en-US" altLang="zh-CN" smtClean="0">
+                                    <a:latin typeface="Cambria Math" panose="02040503050406030204" pitchFamily="18" charset="0"/>
+                                  </a:rPr>
                                   <m:t>𝑟</m:t>
                                 </m:r>
                                 <m:d>
                                   <m:dPr>
                                     <m:ctrlPr>
-                                      <a:rPr lang="en-US" altLang="zh-CN" smtClean="0"/>
+                                      <a:rPr lang="en-US" altLang="zh-CN" i="1" smtClean="0">
+                                        <a:latin typeface="Cambria Math" panose="02040503050406030204" pitchFamily="18" charset="0"/>
+                                      </a:rPr>
                                     </m:ctrlPr>
                                   </m:dPr>
                                   <m:e>
                                     <m:r>
-                                      <a:rPr lang="en-US" altLang="zh-CN" smtClean="0"/>
+                                      <a:rPr lang="en-US" altLang="zh-CN" smtClean="0">
+                                        <a:latin typeface="Cambria Math" panose="02040503050406030204" pitchFamily="18" charset="0"/>
+                                      </a:rPr>
                                       <m:t>𝒟</m:t>
                                     </m:r>
                                   </m:e>
                                 </m:d>
                                 <m:r>
-                                  <a:rPr lang="en-US" altLang="zh-CN" smtClean="0"/>
+                                  <a:rPr lang="en-US" altLang="zh-CN" smtClean="0">
+                                    <a:latin typeface="Cambria Math" panose="02040503050406030204" pitchFamily="18" charset="0"/>
+                                  </a:rPr>
                                   <m:t>,</m:t>
                                 </m:r>
                                 <m:r>
-                                  <a:rPr lang="en-US" altLang="zh-CN" smtClean="0"/>
+                                  <a:rPr lang="en-US" altLang="zh-CN" smtClean="0">
+                                    <a:latin typeface="Cambria Math" panose="02040503050406030204" pitchFamily="18" charset="0"/>
+                                  </a:rPr>
                                   <m:t>𝑜</m:t>
                                 </m:r>
                                 <m:d>
                                   <m:dPr>
                                     <m:ctrlPr>
-                                      <a:rPr lang="en-US" altLang="zh-CN"/>
+                                      <a:rPr lang="en-US" altLang="zh-CN" i="1">
+                                        <a:latin typeface="Cambria Math" panose="02040503050406030204" pitchFamily="18" charset="0"/>
+                                      </a:rPr>
                                     </m:ctrlPr>
                                   </m:dPr>
                                   <m:e>
                                     <m:r>
-                                      <a:rPr lang="en-US" altLang="zh-CN"/>
+                                      <a:rPr lang="en-US" altLang="zh-CN">
+                                        <a:latin typeface="Cambria Math" panose="02040503050406030204" pitchFamily="18" charset="0"/>
+                                      </a:rPr>
                                       <m:t>𝒟</m:t>
                                     </m:r>
                                   </m:e>
                                 </m:d>
                                 <m:r>
-                                  <a:rPr lang="en-US" altLang="zh-CN"/>
+                                  <a:rPr lang="en-US" altLang="zh-CN">
+                                    <a:latin typeface="Cambria Math" panose="02040503050406030204" pitchFamily="18" charset="0"/>
+                                  </a:rPr>
                                   <m:t>,</m:t>
                                 </m:r>
                                 <m:r>
-                                  <a:rPr lang="en-US" altLang="zh-CN" smtClean="0"/>
+                                  <a:rPr lang="en-US" altLang="zh-CN" smtClean="0">
+                                    <a:latin typeface="Cambria Math" panose="02040503050406030204" pitchFamily="18" charset="0"/>
+                                  </a:rPr>
                                   <m:t>𝑝</m:t>
                                 </m:r>
                                 <m:d>
                                   <m:dPr>
                                     <m:ctrlPr>
-                                      <a:rPr lang="en-US" altLang="zh-CN" smtClean="0"/>
+                                      <a:rPr lang="en-US" altLang="zh-CN" i="1" smtClean="0">
+                                        <a:latin typeface="Cambria Math" panose="02040503050406030204" pitchFamily="18" charset="0"/>
+                                      </a:rPr>
                                     </m:ctrlPr>
                                   </m:dPr>
                                   <m:e>
                                     <m:r>
-                                      <a:rPr lang="en-US" altLang="zh-CN" smtClean="0"/>
+                                      <a:rPr lang="en-US" altLang="zh-CN" smtClean="0">
+                                        <a:latin typeface="Cambria Math" panose="02040503050406030204" pitchFamily="18" charset="0"/>
+                                      </a:rPr>
                                       <m:t>𝛾</m:t>
                                     </m:r>
                                   </m:e>
                                 </m:d>
                                 <m:r>
-                                  <a:rPr lang="en-US" altLang="zh-CN" smtClean="0"/>
+                                  <a:rPr lang="en-US" altLang="zh-CN" smtClean="0">
+                                    <a:latin typeface="Cambria Math" panose="02040503050406030204" pitchFamily="18" charset="0"/>
+                                  </a:rPr>
                                   <m:t>&gt;</m:t>
                                 </m:r>
                               </m:oMath>
@@ -30362,18 +30514,24 @@
                           <a14:m>
                             <m:oMath xmlns:m="http://schemas.openxmlformats.org/officeDocument/2006/math">
                               <m:r>
-                                <a:rPr lang="en-US" altLang="zh-CN" smtClean="0"/>
+                                <a:rPr lang="en-US" altLang="zh-CN" smtClean="0">
+                                  <a:latin typeface="Cambria Math" panose="02040503050406030204" pitchFamily="18" charset="0"/>
+                                </a:rPr>
                                 <m:t>𝑜</m:t>
                               </m:r>
                               <m:d>
                                 <m:dPr>
                                   <m:ctrlPr>
-                                    <a:rPr lang="en-US" altLang="zh-CN" smtClean="0"/>
+                                    <a:rPr lang="en-US" altLang="zh-CN" i="1" smtClean="0">
+                                      <a:latin typeface="Cambria Math" panose="02040503050406030204" pitchFamily="18" charset="0"/>
+                                    </a:rPr>
                                   </m:ctrlPr>
                                 </m:dPr>
                                 <m:e>
                                   <m:r>
-                                    <a:rPr lang="en-US" altLang="zh-CN" smtClean="0"/>
+                                    <a:rPr lang="en-US" altLang="zh-CN" smtClean="0">
+                                      <a:latin typeface="Cambria Math" panose="02040503050406030204" pitchFamily="18" charset="0"/>
+                                    </a:rPr>
                                     <m:t>𝒟</m:t>
                                   </m:r>
                                 </m:e>
@@ -30391,18 +30549,24 @@
                           <a14:m>
                             <m:oMath xmlns:m="http://schemas.openxmlformats.org/officeDocument/2006/math">
                               <m:r>
-                                <a:rPr lang="en-US" altLang="zh-CN" smtClean="0"/>
+                                <a:rPr lang="en-US" altLang="zh-CN" smtClean="0">
+                                  <a:latin typeface="Cambria Math" panose="02040503050406030204" pitchFamily="18" charset="0"/>
+                                </a:rPr>
                                 <m:t>𝑝</m:t>
                               </m:r>
                               <m:d>
                                 <m:dPr>
                                   <m:ctrlPr>
-                                    <a:rPr lang="en-US" altLang="zh-CN" smtClean="0"/>
+                                    <a:rPr lang="en-US" altLang="zh-CN" i="1" smtClean="0">
+                                      <a:latin typeface="Cambria Math" panose="02040503050406030204" pitchFamily="18" charset="0"/>
+                                    </a:rPr>
                                   </m:ctrlPr>
                                 </m:dPr>
                                 <m:e>
                                   <m:r>
-                                    <a:rPr lang="en-US" altLang="zh-CN" smtClean="0"/>
+                                    <a:rPr lang="en-US" altLang="zh-CN" smtClean="0">
+                                      <a:latin typeface="Cambria Math" panose="02040503050406030204" pitchFamily="18" charset="0"/>
+                                    </a:rPr>
                                     <m:t>𝛾</m:t>
                                   </m:r>
                                 </m:e>
@@ -30420,11 +30584,15 @@
                           <a14:m>
                             <m:oMath xmlns:m="http://schemas.openxmlformats.org/officeDocument/2006/math">
                               <m:r>
-                                <a:rPr lang="en-US" altLang="zh-CN" smtClean="0"/>
+                                <a:rPr lang="en-US" altLang="zh-CN" smtClean="0">
+                                  <a:latin typeface="Cambria Math" panose="02040503050406030204" pitchFamily="18" charset="0"/>
+                                </a:rPr>
                                 <m:t>𝛾</m:t>
                               </m:r>
                               <m:r>
-                                <a:rPr lang="en-US" altLang="zh-CN" smtClean="0"/>
+                                <a:rPr lang="en-US" altLang="zh-CN" smtClean="0">
+                                  <a:latin typeface="Cambria Math" panose="02040503050406030204" pitchFamily="18" charset="0"/>
+                                </a:rPr>
                                 <m:t>=1</m:t>
                               </m:r>
                             </m:oMath>
@@ -30515,18 +30683,24 @@
                           <a14:m>
                             <m:oMath xmlns:m="http://schemas.openxmlformats.org/officeDocument/2006/math">
                               <m:r>
-                                <a:rPr lang="en-US" altLang="zh-CN"/>
+                                <a:rPr lang="en-US" altLang="zh-CN">
+                                  <a:latin typeface="Cambria Math" panose="02040503050406030204" pitchFamily="18" charset="0"/>
+                                </a:rPr>
                                 <m:t>𝑟</m:t>
                               </m:r>
                               <m:d>
                                 <m:dPr>
                                   <m:ctrlPr>
-                                    <a:rPr lang="en-US" altLang="zh-CN"/>
+                                    <a:rPr lang="en-US" altLang="zh-CN" i="1">
+                                      <a:latin typeface="Cambria Math" panose="02040503050406030204" pitchFamily="18" charset="0"/>
+                                    </a:rPr>
                                   </m:ctrlPr>
                                 </m:dPr>
                                 <m:e>
                                   <m:r>
-                                    <a:rPr lang="en-US" altLang="zh-CN"/>
+                                    <a:rPr lang="en-US" altLang="zh-CN">
+                                      <a:latin typeface="Cambria Math" panose="02040503050406030204" pitchFamily="18" charset="0"/>
+                                    </a:rPr>
                                     <m:t>𝒟</m:t>
                                   </m:r>
                                 </m:e>
@@ -30544,18 +30718,24 @@
                           <a14:m>
                             <m:oMath xmlns:m="http://schemas.openxmlformats.org/officeDocument/2006/math">
                               <m:r>
-                                <a:rPr lang="en-US" altLang="zh-CN"/>
+                                <a:rPr lang="en-US" altLang="zh-CN">
+                                  <a:latin typeface="Cambria Math" panose="02040503050406030204" pitchFamily="18" charset="0"/>
+                                </a:rPr>
                                 <m:t>𝑜</m:t>
                               </m:r>
                               <m:d>
                                 <m:dPr>
                                   <m:ctrlPr>
-                                    <a:rPr lang="en-US" altLang="zh-CN"/>
+                                    <a:rPr lang="en-US" altLang="zh-CN" i="1">
+                                      <a:latin typeface="Cambria Math" panose="02040503050406030204" pitchFamily="18" charset="0"/>
+                                    </a:rPr>
                                   </m:ctrlPr>
                                 </m:dPr>
                                 <m:e>
                                   <m:r>
-                                    <a:rPr lang="en-US" altLang="zh-CN"/>
+                                    <a:rPr lang="en-US" altLang="zh-CN">
+                                      <a:latin typeface="Cambria Math" panose="02040503050406030204" pitchFamily="18" charset="0"/>
+                                    </a:rPr>
                                     <m:t>𝒟</m:t>
                                   </m:r>
                                 </m:e>
@@ -30822,18 +31002,24 @@
                           <a14:m>
                             <m:oMath xmlns:m="http://schemas.openxmlformats.org/officeDocument/2006/math">
                               <m:r>
-                                <a:rPr lang="en-US" altLang="zh-CN" smtClean="0"/>
+                                <a:rPr lang="en-US" altLang="zh-CN" smtClean="0">
+                                  <a:latin typeface="Cambria Math" panose="02040503050406030204" pitchFamily="18" charset="0"/>
+                                </a:rPr>
                                 <m:t>𝑟</m:t>
                               </m:r>
                               <m:d>
                                 <m:dPr>
                                   <m:ctrlPr>
-                                    <a:rPr lang="en-US" altLang="zh-CN" smtClean="0"/>
+                                    <a:rPr lang="en-US" altLang="zh-CN" i="1" smtClean="0">
+                                      <a:latin typeface="Cambria Math" panose="02040503050406030204" pitchFamily="18" charset="0"/>
+                                    </a:rPr>
                                   </m:ctrlPr>
                                 </m:dPr>
                                 <m:e>
                                   <m:r>
-                                    <a:rPr lang="en-US" altLang="zh-CN" smtClean="0"/>
+                                    <a:rPr lang="en-US" altLang="zh-CN" smtClean="0">
+                                      <a:latin typeface="Cambria Math" panose="02040503050406030204" pitchFamily="18" charset="0"/>
+                                    </a:rPr>
                                     <m:t>𝒟</m:t>
                                   </m:r>
                                 </m:e>
@@ -30899,7 +31085,7 @@
             </a:graphic>
           </p:graphicFrame>
         </mc:Choice>
-        <mc:Fallback>
+        <mc:Fallback xmlns="">
           <p:graphicFrame>
             <p:nvGraphicFramePr>
               <p:cNvPr id="5" name="表格 4"/>
@@ -31335,7 +31521,12 @@
             <p:ph type="title"/>
           </p:nvPr>
         </p:nvSpPr>
-        <p:spPr/>
+        <p:spPr>
+          <a:xfrm>
+            <a:off x="838199" y="-41511"/>
+            <a:ext cx="10515600" cy="1325563"/>
+          </a:xfrm>
+        </p:spPr>
         <p:txBody>
           <a:bodyPr/>
           <a:lstStyle/>
@@ -31348,52 +31539,84 @@
           </a:p>
         </p:txBody>
       </p:sp>
+      <p:pic>
+        <p:nvPicPr>
+          <p:cNvPr id="5" name="图片 4"/>
+          <p:cNvPicPr>
+            <a:picLocks noChangeAspect="1"/>
+          </p:cNvPicPr>
+          <p:nvPr/>
+        </p:nvPicPr>
+        <p:blipFill rotWithShape="1">
+          <a:blip r:embed="rId2"/>
+          <a:srcRect l="8383" r="8186" b="6784"/>
+          <a:stretch/>
+        </p:blipFill>
+        <p:spPr>
+          <a:xfrm>
+            <a:off x="5334000" y="1021404"/>
+            <a:ext cx="6858000" cy="3881335"/>
+          </a:xfrm>
+          <a:prstGeom prst="rect">
+            <a:avLst/>
+          </a:prstGeom>
+        </p:spPr>
+      </p:pic>
       <mc:AlternateContent xmlns:mc="http://schemas.openxmlformats.org/markup-compatibility/2006">
         <mc:Choice xmlns:a14="http://schemas.microsoft.com/office/drawing/2010/main" Requires="a14">
           <p:sp>
             <p:nvSpPr>
-              <p:cNvPr id="3" name="内容占位符 2"/>
-              <p:cNvSpPr>
-                <a:spLocks noGrp="1"/>
-              </p:cNvSpPr>
-              <p:nvPr>
-                <p:ph idx="1"/>
-              </p:nvPr>
+              <p:cNvPr id="6" name="矩形 5"/>
+              <p:cNvSpPr/>
+              <p:nvPr/>
             </p:nvSpPr>
-            <p:spPr/>
+            <p:spPr>
+              <a:xfrm>
+                <a:off x="838199" y="5559938"/>
+                <a:ext cx="10515600" cy="1077218"/>
+              </a:xfrm>
+              <a:prstGeom prst="rect">
+                <a:avLst/>
+              </a:prstGeom>
+            </p:spPr>
             <p:txBody>
-              <a:bodyPr/>
+              <a:bodyPr wrap="square">
+                <a:spAutoFit/>
+              </a:bodyPr>
               <a:lstStyle/>
               <a:p>
+                <a:pPr marL="285750" indent="-285750">
+                  <a:buFont typeface="Arial" panose="020B0604020202020204" pitchFamily="34" charset="0"/>
+                  <a:buChar char="•"/>
+                </a:pPr>
                 <a:r>
-                  <a:rPr lang="en-US" altLang="zh-CN" smtClean="0"/>
-                  <a:t>Dataset</a:t>
-                </a:r>
-                <a:endParaRPr lang="en-US" altLang="zh-CN" dirty="0" smtClean="0"/>
-              </a:p>
-              <a:p>
-                <a:r>
-                  <a:rPr lang="en-US" altLang="zh-CN" dirty="0" smtClean="0"/>
+                  <a:rPr lang="en-US" altLang="zh-CN" sz="2800" dirty="0"/>
                   <a:t>Evaluation Metric</a:t>
                 </a:r>
               </a:p>
               <a:p>
-                <a:pPr lvl="1"/>
+                <a:pPr marL="742950" lvl="1" indent="-285750">
+                  <a:buFont typeface="Arial" panose="020B0604020202020204" pitchFamily="34" charset="0"/>
+                  <a:buChar char="•"/>
+                </a:pPr>
                 <a:r>
-                  <a:rPr lang="en-US" altLang="zh-CN" dirty="0" smtClean="0"/>
+                  <a:rPr lang="en-US" altLang="zh-CN" dirty="0"/>
                   <a:t>F-1 Score</a:t>
                 </a:r>
               </a:p>
               <a:p>
-                <a:pPr lvl="1"/>
+                <a:pPr marL="742950" lvl="1" indent="-285750">
+                  <a:buFont typeface="Arial" panose="020B0604020202020204" pitchFamily="34" charset="0"/>
+                  <a:buChar char="•"/>
+                </a:pPr>
                 <a:r>
-                  <a:rPr lang="en-US" altLang="zh-CN" dirty="0" smtClean="0"/>
+                  <a:rPr lang="en-US" altLang="zh-CN" dirty="0"/>
                   <a:t>Because of the equal account taken between </a:t>
                 </a:r>
                 <a14:m>
                   <m:oMath xmlns:m="http://schemas.openxmlformats.org/officeDocument/2006/math">
                     <m:r>
-                      <a:rPr lang="en-US" altLang="zh-CN" i="1" dirty="0" smtClean="0">
+                      <a:rPr lang="en-US" altLang="zh-CN" i="1" dirty="0">
                         <a:latin typeface="Cambria Math" panose="02040503050406030204" pitchFamily="18" charset="0"/>
                       </a:rPr>
                       <m:t>𝐹𝑁</m:t>
@@ -31401,13 +31624,13 @@
                   </m:oMath>
                 </a14:m>
                 <a:r>
-                  <a:rPr lang="en-US" altLang="zh-CN" dirty="0" smtClean="0"/>
+                  <a:rPr lang="en-US" altLang="zh-CN" dirty="0"/>
                   <a:t> and </a:t>
                 </a:r>
                 <a14:m>
                   <m:oMath xmlns:m="http://schemas.openxmlformats.org/officeDocument/2006/math">
                     <m:r>
-                      <a:rPr lang="en-US" altLang="zh-CN" i="1" dirty="0" smtClean="0">
+                      <a:rPr lang="en-US" altLang="zh-CN" i="1" dirty="0">
                         <a:latin typeface="Cambria Math" panose="02040503050406030204" pitchFamily="18" charset="0"/>
                       </a:rPr>
                       <m:t>𝑇𝑁</m:t>
@@ -31422,19 +31645,24 @@
         <mc:Fallback>
           <p:sp>
             <p:nvSpPr>
-              <p:cNvPr id="3" name="内容占位符 2"/>
+              <p:cNvPr id="6" name="矩形 5"/>
               <p:cNvSpPr>
-                <a:spLocks noGrp="1" noRot="1" noChangeAspect="1" noMove="1" noResize="1" noEditPoints="1" noAdjustHandles="1" noChangeArrowheads="1" noChangeShapeType="1" noTextEdit="1"/>
+                <a:spLocks noRot="1" noChangeAspect="1" noMove="1" noResize="1" noEditPoints="1" noAdjustHandles="1" noChangeArrowheads="1" noChangeShapeType="1" noTextEdit="1"/>
               </p:cNvSpPr>
-              <p:nvPr>
-                <p:ph idx="1"/>
-              </p:nvPr>
+              <p:nvPr/>
             </p:nvSpPr>
             <p:spPr>
+              <a:xfrm>
+                <a:off x="838199" y="5559938"/>
+                <a:ext cx="10515600" cy="1077218"/>
+              </a:xfrm>
+              <a:prstGeom prst="rect">
+                <a:avLst/>
+              </a:prstGeom>
               <a:blipFill>
-                <a:blip r:embed="rId2"/>
+                <a:blip r:embed="rId3"/>
                 <a:stretch>
-                  <a:fillRect l="-1043" t="-2241"/>
+                  <a:fillRect l="-986" t="-5085" b="-7910"/>
                 </a:stretch>
               </a:blipFill>
             </p:spPr>
@@ -31453,6 +31681,62 @@
           </p:sp>
         </mc:Fallback>
       </mc:AlternateContent>
+      <p:sp>
+        <p:nvSpPr>
+          <p:cNvPr id="8" name="矩形 7"/>
+          <p:cNvSpPr/>
+          <p:nvPr/>
+        </p:nvSpPr>
+        <p:spPr>
+          <a:xfrm>
+            <a:off x="838198" y="1021404"/>
+            <a:ext cx="4495802" cy="3539430"/>
+          </a:xfrm>
+          <a:prstGeom prst="rect">
+            <a:avLst/>
+          </a:prstGeom>
+        </p:spPr>
+        <p:txBody>
+          <a:bodyPr wrap="square">
+            <a:spAutoFit/>
+          </a:bodyPr>
+          <a:lstStyle/>
+          <a:p>
+            <a:pPr marL="285750" indent="-285750">
+              <a:buFont typeface="Arial" panose="020B0604020202020204" pitchFamily="34" charset="0"/>
+              <a:buChar char="•"/>
+            </a:pPr>
+            <a:r>
+              <a:rPr lang="en-US" altLang="zh-CN" sz="2800" dirty="0" smtClean="0"/>
+              <a:t>Dataset</a:t>
+            </a:r>
+            <a:endParaRPr lang="en-US" altLang="zh-CN" sz="2800" dirty="0"/>
+          </a:p>
+          <a:p>
+            <a:pPr marL="742950" lvl="1" indent="-285750">
+              <a:buFont typeface="Arial" panose="020B0604020202020204" pitchFamily="34" charset="0"/>
+              <a:buChar char="•"/>
+            </a:pPr>
+            <a:r>
+              <a:rPr lang="en-US" altLang="zh-CN" sz="2800" dirty="0" smtClean="0"/>
+              <a:t>U-AIR contains PM2.5 records of 35 AQI stations in Beijing </a:t>
+            </a:r>
+            <a:r>
+              <a:rPr lang="en-US" altLang="zh-CN" sz="2800" smtClean="0"/>
+              <a:t>from 2014/05 to 2015/07, </a:t>
+            </a:r>
+            <a:r>
+              <a:rPr lang="en-US" altLang="zh-CN" sz="2800" dirty="0" smtClean="0"/>
+              <a:t>as well as spatial and temporal features </a:t>
+            </a:r>
+            <a:r>
+              <a:rPr lang="en-US" altLang="zh-CN" sz="2800" smtClean="0"/>
+              <a:t>extracted. </a:t>
+            </a:r>
+            <a:endParaRPr lang="en-US" altLang="zh-CN" sz="2800" dirty="0"/>
+          </a:p>
+        </p:txBody>
+      </p:sp>
     </p:spTree>
     <p:extLst>
       <p:ext uri="{BB962C8B-B14F-4D97-AF65-F5344CB8AC3E}">
@@ -31463,6 +31747,13 @@
   <p:clrMapOvr>
     <a:masterClrMapping/>
   </p:clrMapOvr>
+  <p:timing>
+    <p:tnLst>
+      <p:par>
+        <p:cTn id="1" dur="indefinite" restart="never" nodeType="tmRoot"/>
+      </p:par>
+    </p:tnLst>
+  </p:timing>
 </p:sld>
 </file>
 
@@ -31483,58 +31774,1435 @@
           <a:chExt cx="0" cy="0"/>
         </a:xfrm>
       </p:grpSpPr>
+      <p:grpSp>
+        <p:nvGrpSpPr>
+          <p:cNvPr id="39" name="组合 38"/>
+          <p:cNvGrpSpPr/>
+          <p:nvPr/>
+        </p:nvGrpSpPr>
+        <p:grpSpPr>
+          <a:xfrm>
+            <a:off x="623953" y="213016"/>
+            <a:ext cx="7517019" cy="3901778"/>
+            <a:chOff x="0" y="311284"/>
+            <a:chExt cx="7517019" cy="3901778"/>
+          </a:xfrm>
+        </p:grpSpPr>
+        <p:pic>
+          <p:nvPicPr>
+            <p:cNvPr id="35" name="图片 34"/>
+            <p:cNvPicPr>
+              <a:picLocks noChangeAspect="1"/>
+            </p:cNvPicPr>
+            <p:nvPr/>
+          </p:nvPicPr>
+          <p:blipFill>
+            <a:blip r:embed="rId2"/>
+            <a:stretch>
+              <a:fillRect/>
+            </a:stretch>
+          </p:blipFill>
+          <p:spPr>
+            <a:xfrm>
+              <a:off x="0" y="311284"/>
+              <a:ext cx="7517019" cy="3901778"/>
+            </a:xfrm>
+            <a:prstGeom prst="rect">
+              <a:avLst/>
+            </a:prstGeom>
+          </p:spPr>
+        </p:pic>
+        <p:cxnSp>
+          <p:nvCxnSpPr>
+            <p:cNvPr id="11" name="直接连接符 10"/>
+            <p:cNvCxnSpPr/>
+            <p:nvPr/>
+          </p:nvCxnSpPr>
+          <p:spPr>
+            <a:xfrm>
+              <a:off x="142229" y="2696579"/>
+              <a:ext cx="729673" cy="0"/>
+            </a:xfrm>
+            <a:prstGeom prst="line">
+              <a:avLst/>
+            </a:prstGeom>
+            <a:ln w="38100">
+              <a:solidFill>
+                <a:srgbClr val="FF0000"/>
+              </a:solidFill>
+            </a:ln>
+          </p:spPr>
+          <p:style>
+            <a:lnRef idx="1">
+              <a:schemeClr val="accent1"/>
+            </a:lnRef>
+            <a:fillRef idx="0">
+              <a:schemeClr val="accent1"/>
+            </a:fillRef>
+            <a:effectRef idx="0">
+              <a:schemeClr val="accent1"/>
+            </a:effectRef>
+            <a:fontRef idx="minor">
+              <a:schemeClr val="tx1"/>
+            </a:fontRef>
+          </p:style>
+        </p:cxnSp>
+        <p:cxnSp>
+          <p:nvCxnSpPr>
+            <p:cNvPr id="12" name="直接连接符 11"/>
+            <p:cNvCxnSpPr/>
+            <p:nvPr/>
+          </p:nvCxnSpPr>
+          <p:spPr>
+            <a:xfrm>
+              <a:off x="142229" y="2987525"/>
+              <a:ext cx="729673" cy="0"/>
+            </a:xfrm>
+            <a:prstGeom prst="line">
+              <a:avLst/>
+            </a:prstGeom>
+            <a:ln w="38100">
+              <a:solidFill>
+                <a:srgbClr val="FF0000"/>
+              </a:solidFill>
+            </a:ln>
+          </p:spPr>
+          <p:style>
+            <a:lnRef idx="1">
+              <a:schemeClr val="accent1"/>
+            </a:lnRef>
+            <a:fillRef idx="0">
+              <a:schemeClr val="accent1"/>
+            </a:fillRef>
+            <a:effectRef idx="0">
+              <a:schemeClr val="accent1"/>
+            </a:effectRef>
+            <a:fontRef idx="minor">
+              <a:schemeClr val="tx1"/>
+            </a:fontRef>
+          </p:style>
+        </p:cxnSp>
+        <p:cxnSp>
+          <p:nvCxnSpPr>
+            <p:cNvPr id="13" name="直接连接符 12"/>
+            <p:cNvCxnSpPr/>
+            <p:nvPr/>
+          </p:nvCxnSpPr>
+          <p:spPr>
+            <a:xfrm>
+              <a:off x="142229" y="2377924"/>
+              <a:ext cx="729673" cy="0"/>
+            </a:xfrm>
+            <a:prstGeom prst="line">
+              <a:avLst/>
+            </a:prstGeom>
+            <a:ln w="38100">
+              <a:solidFill>
+                <a:srgbClr val="FF0000"/>
+              </a:solidFill>
+            </a:ln>
+          </p:spPr>
+          <p:style>
+            <a:lnRef idx="1">
+              <a:schemeClr val="accent1"/>
+            </a:lnRef>
+            <a:fillRef idx="0">
+              <a:schemeClr val="accent1"/>
+            </a:fillRef>
+            <a:effectRef idx="0">
+              <a:schemeClr val="accent1"/>
+            </a:effectRef>
+            <a:fontRef idx="minor">
+              <a:schemeClr val="tx1"/>
+            </a:fontRef>
+          </p:style>
+        </p:cxnSp>
+        <p:cxnSp>
+          <p:nvCxnSpPr>
+            <p:cNvPr id="14" name="直接连接符 13"/>
+            <p:cNvCxnSpPr/>
+            <p:nvPr/>
+          </p:nvCxnSpPr>
+          <p:spPr>
+            <a:xfrm>
+              <a:off x="142229" y="2077743"/>
+              <a:ext cx="729673" cy="0"/>
+            </a:xfrm>
+            <a:prstGeom prst="line">
+              <a:avLst/>
+            </a:prstGeom>
+            <a:ln w="38100">
+              <a:solidFill>
+                <a:srgbClr val="FF0000"/>
+              </a:solidFill>
+            </a:ln>
+          </p:spPr>
+          <p:style>
+            <a:lnRef idx="1">
+              <a:schemeClr val="accent1"/>
+            </a:lnRef>
+            <a:fillRef idx="0">
+              <a:schemeClr val="accent1"/>
+            </a:fillRef>
+            <a:effectRef idx="0">
+              <a:schemeClr val="accent1"/>
+            </a:effectRef>
+            <a:fontRef idx="minor">
+              <a:schemeClr val="tx1"/>
+            </a:fontRef>
+          </p:style>
+        </p:cxnSp>
+        <p:sp>
+          <p:nvSpPr>
+            <p:cNvPr id="18" name="矩形 17"/>
+            <p:cNvSpPr/>
+            <p:nvPr/>
+          </p:nvSpPr>
+          <p:spPr>
+            <a:xfrm>
+              <a:off x="1075102" y="1874543"/>
+              <a:ext cx="766618" cy="1112982"/>
+            </a:xfrm>
+            <a:prstGeom prst="rect">
+              <a:avLst/>
+            </a:prstGeom>
+            <a:noFill/>
+            <a:ln w="19050" cap="flat" cmpd="sng" algn="ctr">
+              <a:solidFill>
+                <a:schemeClr val="dk1"/>
+              </a:solidFill>
+              <a:prstDash val="dash"/>
+              <a:round/>
+              <a:headEnd type="none" w="med" len="med"/>
+              <a:tailEnd type="none" w="med" len="med"/>
+            </a:ln>
+          </p:spPr>
+          <p:style>
+            <a:lnRef idx="0">
+              <a:scrgbClr r="0" g="0" b="0"/>
+            </a:lnRef>
+            <a:fillRef idx="0">
+              <a:scrgbClr r="0" g="0" b="0"/>
+            </a:fillRef>
+            <a:effectRef idx="0">
+              <a:scrgbClr r="0" g="0" b="0"/>
+            </a:effectRef>
+            <a:fontRef idx="minor">
+              <a:schemeClr val="dk1"/>
+            </a:fontRef>
+          </p:style>
+          <p:txBody>
+            <a:bodyPr rtlCol="0" anchor="ctr"/>
+            <a:lstStyle/>
+            <a:p>
+              <a:pPr algn="ctr"/>
+              <a:endParaRPr lang="zh-CN" altLang="en-US"/>
+            </a:p>
+          </p:txBody>
+        </p:sp>
+        <p:sp>
+          <p:nvSpPr>
+            <p:cNvPr id="19" name="矩形 18"/>
+            <p:cNvSpPr/>
+            <p:nvPr/>
+          </p:nvSpPr>
+          <p:spPr>
+            <a:xfrm>
+              <a:off x="3241030" y="1874543"/>
+              <a:ext cx="766618" cy="1112982"/>
+            </a:xfrm>
+            <a:prstGeom prst="rect">
+              <a:avLst/>
+            </a:prstGeom>
+            <a:noFill/>
+            <a:ln w="19050" cap="flat" cmpd="sng" algn="ctr">
+              <a:solidFill>
+                <a:schemeClr val="dk1"/>
+              </a:solidFill>
+              <a:prstDash val="dash"/>
+              <a:round/>
+              <a:headEnd type="none" w="med" len="med"/>
+              <a:tailEnd type="none" w="med" len="med"/>
+            </a:ln>
+          </p:spPr>
+          <p:style>
+            <a:lnRef idx="0">
+              <a:scrgbClr r="0" g="0" b="0"/>
+            </a:lnRef>
+            <a:fillRef idx="0">
+              <a:scrgbClr r="0" g="0" b="0"/>
+            </a:fillRef>
+            <a:effectRef idx="0">
+              <a:scrgbClr r="0" g="0" b="0"/>
+            </a:effectRef>
+            <a:fontRef idx="minor">
+              <a:schemeClr val="dk1"/>
+            </a:fontRef>
+          </p:style>
+          <p:txBody>
+            <a:bodyPr rtlCol="0" anchor="ctr"/>
+            <a:lstStyle/>
+            <a:p>
+              <a:pPr algn="ctr"/>
+              <a:endParaRPr lang="zh-CN" altLang="en-US"/>
+            </a:p>
+          </p:txBody>
+        </p:sp>
+        <p:sp>
+          <p:nvSpPr>
+            <p:cNvPr id="20" name="矩形 19"/>
+            <p:cNvSpPr/>
+            <p:nvPr/>
+          </p:nvSpPr>
+          <p:spPr>
+            <a:xfrm>
+              <a:off x="4178521" y="1874543"/>
+              <a:ext cx="766618" cy="1112982"/>
+            </a:xfrm>
+            <a:prstGeom prst="rect">
+              <a:avLst/>
+            </a:prstGeom>
+            <a:noFill/>
+            <a:ln w="19050" cap="flat" cmpd="sng" algn="ctr">
+              <a:solidFill>
+                <a:schemeClr val="dk1"/>
+              </a:solidFill>
+              <a:prstDash val="dash"/>
+              <a:round/>
+              <a:headEnd type="none" w="med" len="med"/>
+              <a:tailEnd type="none" w="med" len="med"/>
+            </a:ln>
+          </p:spPr>
+          <p:style>
+            <a:lnRef idx="0">
+              <a:scrgbClr r="0" g="0" b="0"/>
+            </a:lnRef>
+            <a:fillRef idx="0">
+              <a:scrgbClr r="0" g="0" b="0"/>
+            </a:fillRef>
+            <a:effectRef idx="0">
+              <a:scrgbClr r="0" g="0" b="0"/>
+            </a:effectRef>
+            <a:fontRef idx="minor">
+              <a:schemeClr val="dk1"/>
+            </a:fontRef>
+          </p:style>
+          <p:txBody>
+            <a:bodyPr rtlCol="0" anchor="ctr"/>
+            <a:lstStyle/>
+            <a:p>
+              <a:pPr algn="ctr"/>
+              <a:endParaRPr lang="zh-CN" altLang="en-US"/>
+            </a:p>
+          </p:txBody>
+        </p:sp>
+      </p:grpSp>
+      <p:grpSp>
+        <p:nvGrpSpPr>
+          <p:cNvPr id="40" name="组合 39"/>
+          <p:cNvGrpSpPr/>
+          <p:nvPr/>
+        </p:nvGrpSpPr>
+        <p:grpSpPr>
+          <a:xfrm>
+            <a:off x="8140972" y="1158572"/>
+            <a:ext cx="3657608" cy="2743206"/>
+            <a:chOff x="8316070" y="0"/>
+            <a:chExt cx="3657608" cy="2743206"/>
+          </a:xfrm>
+        </p:grpSpPr>
+        <p:pic>
+          <p:nvPicPr>
+            <p:cNvPr id="25" name="图片 24"/>
+            <p:cNvPicPr>
+              <a:picLocks noChangeAspect="1"/>
+            </p:cNvPicPr>
+            <p:nvPr/>
+          </p:nvPicPr>
+          <p:blipFill>
+            <a:blip r:embed="rId3">
+              <a:extLst>
+                <a:ext uri="{28A0092B-C50C-407E-A947-70E740481C1C}">
+                  <a14:useLocalDpi xmlns:a14="http://schemas.microsoft.com/office/drawing/2010/main" val="0"/>
+                </a:ext>
+              </a:extLst>
+            </a:blip>
+            <a:stretch>
+              <a:fillRect/>
+            </a:stretch>
+          </p:blipFill>
+          <p:spPr>
+            <a:xfrm>
+              <a:off x="8316070" y="0"/>
+              <a:ext cx="3657608" cy="2743206"/>
+            </a:xfrm>
+            <a:prstGeom prst="rect">
+              <a:avLst/>
+            </a:prstGeom>
+          </p:spPr>
+        </p:pic>
+        <p:sp>
+          <p:nvSpPr>
+            <p:cNvPr id="38" name="文本框 37"/>
+            <p:cNvSpPr txBox="1"/>
+            <p:nvPr/>
+          </p:nvSpPr>
+          <p:spPr>
+            <a:xfrm>
+              <a:off x="9007813" y="1109993"/>
+              <a:ext cx="981359" cy="523220"/>
+            </a:xfrm>
+            <a:prstGeom prst="rect">
+              <a:avLst/>
+            </a:prstGeom>
+            <a:noFill/>
+          </p:spPr>
+          <p:txBody>
+            <a:bodyPr wrap="none" rtlCol="0">
+              <a:spAutoFit/>
+            </a:bodyPr>
+            <a:lstStyle/>
+            <a:p>
+              <a:r>
+                <a:rPr lang="en-US" altLang="zh-CN" sz="2800" i="1" dirty="0" err="1" smtClean="0">
+                  <a:latin typeface="Times New Roman" panose="02020603050405020304" pitchFamily="18" charset="0"/>
+                  <a:cs typeface="Times New Roman" panose="02020603050405020304" pitchFamily="18" charset="0"/>
+                </a:rPr>
+                <a:t>Isolet</a:t>
+              </a:r>
+              <a:endParaRPr lang="zh-CN" altLang="en-US" sz="2800" i="1" dirty="0">
+                <a:latin typeface="Times New Roman" panose="02020603050405020304" pitchFamily="18" charset="0"/>
+                <a:cs typeface="Times New Roman" panose="02020603050405020304" pitchFamily="18" charset="0"/>
+              </a:endParaRPr>
+            </a:p>
+          </p:txBody>
+        </p:sp>
+      </p:grpSp>
+      <p:grpSp>
+        <p:nvGrpSpPr>
+          <p:cNvPr id="47" name="组合 46"/>
+          <p:cNvGrpSpPr/>
+          <p:nvPr/>
+        </p:nvGrpSpPr>
+        <p:grpSpPr>
+          <a:xfrm>
+            <a:off x="142229" y="4114794"/>
+            <a:ext cx="3657608" cy="2743206"/>
+            <a:chOff x="142229" y="4114794"/>
+            <a:chExt cx="3657608" cy="2743206"/>
+          </a:xfrm>
+        </p:grpSpPr>
+        <p:pic>
+          <p:nvPicPr>
+            <p:cNvPr id="41" name="图片 40"/>
+            <p:cNvPicPr>
+              <a:picLocks noChangeAspect="1"/>
+            </p:cNvPicPr>
+            <p:nvPr/>
+          </p:nvPicPr>
+          <p:blipFill>
+            <a:blip r:embed="rId4">
+              <a:extLst>
+                <a:ext uri="{28A0092B-C50C-407E-A947-70E740481C1C}">
+                  <a14:useLocalDpi xmlns:a14="http://schemas.microsoft.com/office/drawing/2010/main" val="0"/>
+                </a:ext>
+              </a:extLst>
+            </a:blip>
+            <a:stretch>
+              <a:fillRect/>
+            </a:stretch>
+          </p:blipFill>
+          <p:spPr>
+            <a:xfrm>
+              <a:off x="142229" y="4114794"/>
+              <a:ext cx="3657608" cy="2743206"/>
+            </a:xfrm>
+            <a:prstGeom prst="rect">
+              <a:avLst/>
+            </a:prstGeom>
+          </p:spPr>
+        </p:pic>
+        <p:sp>
+          <p:nvSpPr>
+            <p:cNvPr id="44" name="文本框 43"/>
+            <p:cNvSpPr txBox="1"/>
+            <p:nvPr/>
+          </p:nvSpPr>
+          <p:spPr>
+            <a:xfrm>
+              <a:off x="856341" y="5255001"/>
+              <a:ext cx="1045864" cy="523220"/>
+            </a:xfrm>
+            <a:prstGeom prst="rect">
+              <a:avLst/>
+            </a:prstGeom>
+            <a:noFill/>
+          </p:spPr>
+          <p:txBody>
+            <a:bodyPr wrap="none" rtlCol="0">
+              <a:spAutoFit/>
+            </a:bodyPr>
+            <a:lstStyle/>
+            <a:p>
+              <a:r>
+                <a:rPr lang="en-US" altLang="zh-CN" sz="2800" i="1" dirty="0" smtClean="0">
+                  <a:latin typeface="Times New Roman" panose="02020603050405020304" pitchFamily="18" charset="0"/>
+                  <a:cs typeface="Times New Roman" panose="02020603050405020304" pitchFamily="18" charset="0"/>
+                </a:rPr>
+                <a:t>Letter</a:t>
+              </a:r>
+              <a:endParaRPr lang="zh-CN" altLang="en-US" sz="2800" i="1" dirty="0">
+                <a:latin typeface="Times New Roman" panose="02020603050405020304" pitchFamily="18" charset="0"/>
+                <a:cs typeface="Times New Roman" panose="02020603050405020304" pitchFamily="18" charset="0"/>
+              </a:endParaRPr>
+            </a:p>
+          </p:txBody>
+        </p:sp>
+      </p:grpSp>
+      <p:grpSp>
+        <p:nvGrpSpPr>
+          <p:cNvPr id="50" name="组合 49"/>
+          <p:cNvGrpSpPr/>
+          <p:nvPr/>
+        </p:nvGrpSpPr>
+        <p:grpSpPr>
+          <a:xfrm>
+            <a:off x="4141600" y="4114794"/>
+            <a:ext cx="3657608" cy="2743206"/>
+            <a:chOff x="4141600" y="4114794"/>
+            <a:chExt cx="3657608" cy="2743206"/>
+          </a:xfrm>
+        </p:grpSpPr>
+        <p:pic>
+          <p:nvPicPr>
+            <p:cNvPr id="42" name="图片 41"/>
+            <p:cNvPicPr>
+              <a:picLocks noChangeAspect="1"/>
+            </p:cNvPicPr>
+            <p:nvPr/>
+          </p:nvPicPr>
+          <p:blipFill>
+            <a:blip r:embed="rId5">
+              <a:extLst>
+                <a:ext uri="{28A0092B-C50C-407E-A947-70E740481C1C}">
+                  <a14:useLocalDpi xmlns:a14="http://schemas.microsoft.com/office/drawing/2010/main" val="0"/>
+                </a:ext>
+              </a:extLst>
+            </a:blip>
+            <a:stretch>
+              <a:fillRect/>
+            </a:stretch>
+          </p:blipFill>
+          <p:spPr>
+            <a:xfrm>
+              <a:off x="4141600" y="4114794"/>
+              <a:ext cx="3657608" cy="2743206"/>
+            </a:xfrm>
+            <a:prstGeom prst="rect">
+              <a:avLst/>
+            </a:prstGeom>
+          </p:spPr>
+        </p:pic>
+        <p:sp>
+          <p:nvSpPr>
+            <p:cNvPr id="48" name="文本框 47"/>
+            <p:cNvSpPr txBox="1"/>
+            <p:nvPr/>
+          </p:nvSpPr>
+          <p:spPr>
+            <a:xfrm>
+              <a:off x="4828745" y="5224787"/>
+              <a:ext cx="1141659" cy="523220"/>
+            </a:xfrm>
+            <a:prstGeom prst="rect">
+              <a:avLst/>
+            </a:prstGeom>
+            <a:noFill/>
+          </p:spPr>
+          <p:txBody>
+            <a:bodyPr wrap="none" rtlCol="0">
+              <a:spAutoFit/>
+            </a:bodyPr>
+            <a:lstStyle/>
+            <a:p>
+              <a:r>
+                <a:rPr lang="en-US" altLang="zh-CN" sz="2800" i="1" dirty="0">
+                  <a:latin typeface="Times New Roman" panose="02020603050405020304" pitchFamily="18" charset="0"/>
+                  <a:cs typeface="Times New Roman" panose="02020603050405020304" pitchFamily="18" charset="0"/>
+                </a:rPr>
+                <a:t>Mf-</a:t>
+              </a:r>
+              <a:r>
+                <a:rPr lang="en-US" altLang="zh-CN" sz="2800" i="1" dirty="0" err="1">
+                  <a:latin typeface="Times New Roman" panose="02020603050405020304" pitchFamily="18" charset="0"/>
+                  <a:cs typeface="Times New Roman" panose="02020603050405020304" pitchFamily="18" charset="0"/>
+                </a:rPr>
+                <a:t>zer</a:t>
+              </a:r>
+              <a:endParaRPr lang="zh-CN" altLang="en-US" sz="2800" i="1" dirty="0">
+                <a:latin typeface="Times New Roman" panose="02020603050405020304" pitchFamily="18" charset="0"/>
+                <a:cs typeface="Times New Roman" panose="02020603050405020304" pitchFamily="18" charset="0"/>
+              </a:endParaRPr>
+            </a:p>
+          </p:txBody>
+        </p:sp>
+      </p:grpSp>
+      <p:grpSp>
+        <p:nvGrpSpPr>
+          <p:cNvPr id="51" name="组合 50"/>
+          <p:cNvGrpSpPr/>
+          <p:nvPr/>
+        </p:nvGrpSpPr>
+        <p:grpSpPr>
+          <a:xfrm>
+            <a:off x="8140972" y="4114794"/>
+            <a:ext cx="3657608" cy="2743206"/>
+            <a:chOff x="8140972" y="4114794"/>
+            <a:chExt cx="3657608" cy="2743206"/>
+          </a:xfrm>
+        </p:grpSpPr>
+        <p:pic>
+          <p:nvPicPr>
+            <p:cNvPr id="43" name="图片 42"/>
+            <p:cNvPicPr>
+              <a:picLocks noChangeAspect="1"/>
+            </p:cNvPicPr>
+            <p:nvPr/>
+          </p:nvPicPr>
+          <p:blipFill>
+            <a:blip r:embed="rId6">
+              <a:extLst>
+                <a:ext uri="{28A0092B-C50C-407E-A947-70E740481C1C}">
+                  <a14:useLocalDpi xmlns:a14="http://schemas.microsoft.com/office/drawing/2010/main" val="0"/>
+                </a:ext>
+              </a:extLst>
+            </a:blip>
+            <a:stretch>
+              <a:fillRect/>
+            </a:stretch>
+          </p:blipFill>
+          <p:spPr>
+            <a:xfrm>
+              <a:off x="8140972" y="4114794"/>
+              <a:ext cx="3657608" cy="2743206"/>
+            </a:xfrm>
+            <a:prstGeom prst="rect">
+              <a:avLst/>
+            </a:prstGeom>
+          </p:spPr>
+        </p:pic>
+        <p:sp>
+          <p:nvSpPr>
+            <p:cNvPr id="49" name="矩形 48"/>
+            <p:cNvSpPr/>
+            <p:nvPr/>
+          </p:nvSpPr>
+          <p:spPr>
+            <a:xfrm>
+              <a:off x="8828117" y="5253967"/>
+              <a:ext cx="1282723" cy="523220"/>
+            </a:xfrm>
+            <a:prstGeom prst="rect">
+              <a:avLst/>
+            </a:prstGeom>
+          </p:spPr>
+          <p:txBody>
+            <a:bodyPr wrap="none">
+              <a:spAutoFit/>
+            </a:bodyPr>
+            <a:lstStyle/>
+            <a:p>
+              <a:r>
+                <a:rPr lang="en-US" altLang="zh-CN" sz="2800" i="1" dirty="0" smtClean="0">
+                  <a:latin typeface="Times New Roman" panose="02020603050405020304" pitchFamily="18" charset="0"/>
+                  <a:cs typeface="Times New Roman" panose="02020603050405020304" pitchFamily="18" charset="0"/>
+                </a:rPr>
+                <a:t>Mf-</a:t>
+              </a:r>
+              <a:r>
+                <a:rPr lang="en-US" altLang="zh-CN" sz="2800" i="1" dirty="0" err="1" smtClean="0">
+                  <a:latin typeface="Times New Roman" panose="02020603050405020304" pitchFamily="18" charset="0"/>
+                  <a:cs typeface="Times New Roman" panose="02020603050405020304" pitchFamily="18" charset="0"/>
+                </a:rPr>
+                <a:t>mor</a:t>
+              </a:r>
+              <a:endParaRPr lang="zh-CN" altLang="en-US" sz="2800" i="1" dirty="0">
+                <a:latin typeface="Times New Roman" panose="02020603050405020304" pitchFamily="18" charset="0"/>
+                <a:cs typeface="Times New Roman" panose="02020603050405020304" pitchFamily="18" charset="0"/>
+              </a:endParaRPr>
+            </a:p>
+          </p:txBody>
+        </p:sp>
+      </p:grpSp>
       <p:sp>
         <p:nvSpPr>
-          <p:cNvPr id="2" name="Title 1"/>
-          <p:cNvSpPr>
-            <a:spLocks noGrp="1"/>
-          </p:cNvSpPr>
-          <p:nvPr>
-            <p:ph type="title"/>
-          </p:nvPr>
+          <p:cNvPr id="52" name="文本框 51"/>
+          <p:cNvSpPr txBox="1"/>
+          <p:nvPr/>
         </p:nvSpPr>
-        <p:spPr/>
-        <p:txBody>
-          <a:bodyPr/>
-          <a:lstStyle/>
-          <a:p>
-            <a:r>
-              <a:rPr lang="en-US" dirty="0" smtClean="0"/>
-              <a:t>Results</a:t>
-            </a:r>
-            <a:endParaRPr lang="en-US" dirty="0"/>
-          </a:p>
-        </p:txBody>
-      </p:sp>
-      <p:pic>
-        <p:nvPicPr>
-          <p:cNvPr id="6" name="Content Placeholder 5"/>
-          <p:cNvPicPr>
-            <a:picLocks noGrp="1" noChangeAspect="1"/>
-          </p:cNvPicPr>
-          <p:nvPr>
-            <p:ph idx="1"/>
-          </p:nvPr>
-        </p:nvPicPr>
-        <p:blipFill rotWithShape="1">
-          <a:blip r:embed="rId2"/>
-          <a:srcRect l="3367" t="8885" r="3575" b="15939"/>
-          <a:stretch/>
-        </p:blipFill>
         <p:spPr>
           <a:xfrm>
-            <a:off x="933691" y="2198914"/>
-            <a:ext cx="10324617" cy="3657600"/>
+            <a:off x="9060071" y="176115"/>
+            <a:ext cx="1819409" cy="769441"/>
           </a:xfrm>
           <a:prstGeom prst="rect">
             <a:avLst/>
           </a:prstGeom>
+          <a:noFill/>
         </p:spPr>
-      </p:pic>
+        <p:txBody>
+          <a:bodyPr wrap="none" rtlCol="0">
+            <a:spAutoFit/>
+          </a:bodyPr>
+          <a:lstStyle/>
+          <a:p>
+            <a:r>
+              <a:rPr lang="en-US" altLang="zh-CN" sz="4400" dirty="0" smtClean="0">
+                <a:latin typeface="+mj-lt"/>
+              </a:rPr>
+              <a:t>Results</a:t>
+            </a:r>
+            <a:endParaRPr lang="zh-CN" altLang="en-US" sz="4400" dirty="0">
+              <a:latin typeface="+mj-lt"/>
+            </a:endParaRPr>
+          </a:p>
+        </p:txBody>
+      </p:sp>
     </p:spTree>
     <p:extLst>
       <p:ext uri="{BB962C8B-B14F-4D97-AF65-F5344CB8AC3E}">
         <p14:creationId xmlns:p14="http://schemas.microsoft.com/office/powerpoint/2010/main" val="1907215541"/>
+      </p:ext>
+    </p:extLst>
+  </p:cSld>
+  <p:clrMapOvr>
+    <a:masterClrMapping/>
+  </p:clrMapOvr>
+  <p:timing>
+    <p:tnLst>
+      <p:par>
+        <p:cTn id="1" dur="indefinite" restart="never" nodeType="tmRoot"/>
+      </p:par>
+    </p:tnLst>
+  </p:timing>
+</p:sld>
+</file>
+
+<file path=ppt/slides/slide25.xml><?xml version="1.0" encoding="utf-8"?>
+<p:sld xmlns:a="http://schemas.openxmlformats.org/drawingml/2006/main" xmlns:r="http://schemas.openxmlformats.org/officeDocument/2006/relationships" xmlns:p="http://schemas.openxmlformats.org/presentationml/2006/main">
+  <p:cSld>
+    <p:spTree>
+      <p:nvGrpSpPr>
+        <p:cNvPr id="1" name=""/>
+        <p:cNvGrpSpPr/>
+        <p:nvPr/>
+      </p:nvGrpSpPr>
+      <p:grpSpPr>
+        <a:xfrm>
+          <a:off x="0" y="0"/>
+          <a:ext cx="0" cy="0"/>
+          <a:chOff x="0" y="0"/>
+          <a:chExt cx="0" cy="0"/>
+        </a:xfrm>
+      </p:grpSpPr>
+      <p:grpSp>
+        <p:nvGrpSpPr>
+          <p:cNvPr id="39" name="组合 38"/>
+          <p:cNvGrpSpPr/>
+          <p:nvPr/>
+        </p:nvGrpSpPr>
+        <p:grpSpPr>
+          <a:xfrm>
+            <a:off x="623953" y="213016"/>
+            <a:ext cx="7517019" cy="3901778"/>
+            <a:chOff x="0" y="311284"/>
+            <a:chExt cx="7517019" cy="3901778"/>
+          </a:xfrm>
+        </p:grpSpPr>
+        <p:pic>
+          <p:nvPicPr>
+            <p:cNvPr id="35" name="图片 34"/>
+            <p:cNvPicPr>
+              <a:picLocks noChangeAspect="1"/>
+            </p:cNvPicPr>
+            <p:nvPr/>
+          </p:nvPicPr>
+          <p:blipFill>
+            <a:blip r:embed="rId2"/>
+            <a:stretch>
+              <a:fillRect/>
+            </a:stretch>
+          </p:blipFill>
+          <p:spPr>
+            <a:xfrm>
+              <a:off x="0" y="311284"/>
+              <a:ext cx="7517019" cy="3901778"/>
+            </a:xfrm>
+            <a:prstGeom prst="rect">
+              <a:avLst/>
+            </a:prstGeom>
+          </p:spPr>
+        </p:pic>
+        <p:cxnSp>
+          <p:nvCxnSpPr>
+            <p:cNvPr id="11" name="直接连接符 10"/>
+            <p:cNvCxnSpPr/>
+            <p:nvPr/>
+          </p:nvCxnSpPr>
+          <p:spPr>
+            <a:xfrm>
+              <a:off x="142229" y="2696579"/>
+              <a:ext cx="729673" cy="0"/>
+            </a:xfrm>
+            <a:prstGeom prst="line">
+              <a:avLst/>
+            </a:prstGeom>
+            <a:ln w="38100">
+              <a:solidFill>
+                <a:srgbClr val="FF0000"/>
+              </a:solidFill>
+            </a:ln>
+          </p:spPr>
+          <p:style>
+            <a:lnRef idx="1">
+              <a:schemeClr val="accent1"/>
+            </a:lnRef>
+            <a:fillRef idx="0">
+              <a:schemeClr val="accent1"/>
+            </a:fillRef>
+            <a:effectRef idx="0">
+              <a:schemeClr val="accent1"/>
+            </a:effectRef>
+            <a:fontRef idx="minor">
+              <a:schemeClr val="tx1"/>
+            </a:fontRef>
+          </p:style>
+        </p:cxnSp>
+        <p:cxnSp>
+          <p:nvCxnSpPr>
+            <p:cNvPr id="12" name="直接连接符 11"/>
+            <p:cNvCxnSpPr/>
+            <p:nvPr/>
+          </p:nvCxnSpPr>
+          <p:spPr>
+            <a:xfrm>
+              <a:off x="142229" y="2987525"/>
+              <a:ext cx="729673" cy="0"/>
+            </a:xfrm>
+            <a:prstGeom prst="line">
+              <a:avLst/>
+            </a:prstGeom>
+            <a:ln w="38100">
+              <a:solidFill>
+                <a:srgbClr val="FF0000"/>
+              </a:solidFill>
+            </a:ln>
+          </p:spPr>
+          <p:style>
+            <a:lnRef idx="1">
+              <a:schemeClr val="accent1"/>
+            </a:lnRef>
+            <a:fillRef idx="0">
+              <a:schemeClr val="accent1"/>
+            </a:fillRef>
+            <a:effectRef idx="0">
+              <a:schemeClr val="accent1"/>
+            </a:effectRef>
+            <a:fontRef idx="minor">
+              <a:schemeClr val="tx1"/>
+            </a:fontRef>
+          </p:style>
+        </p:cxnSp>
+        <p:cxnSp>
+          <p:nvCxnSpPr>
+            <p:cNvPr id="13" name="直接连接符 12"/>
+            <p:cNvCxnSpPr/>
+            <p:nvPr/>
+          </p:nvCxnSpPr>
+          <p:spPr>
+            <a:xfrm>
+              <a:off x="142229" y="2377924"/>
+              <a:ext cx="729673" cy="0"/>
+            </a:xfrm>
+            <a:prstGeom prst="line">
+              <a:avLst/>
+            </a:prstGeom>
+            <a:ln w="38100">
+              <a:solidFill>
+                <a:srgbClr val="FF0000"/>
+              </a:solidFill>
+            </a:ln>
+          </p:spPr>
+          <p:style>
+            <a:lnRef idx="1">
+              <a:schemeClr val="accent1"/>
+            </a:lnRef>
+            <a:fillRef idx="0">
+              <a:schemeClr val="accent1"/>
+            </a:fillRef>
+            <a:effectRef idx="0">
+              <a:schemeClr val="accent1"/>
+            </a:effectRef>
+            <a:fontRef idx="minor">
+              <a:schemeClr val="tx1"/>
+            </a:fontRef>
+          </p:style>
+        </p:cxnSp>
+        <p:cxnSp>
+          <p:nvCxnSpPr>
+            <p:cNvPr id="14" name="直接连接符 13"/>
+            <p:cNvCxnSpPr/>
+            <p:nvPr/>
+          </p:nvCxnSpPr>
+          <p:spPr>
+            <a:xfrm>
+              <a:off x="142229" y="2077743"/>
+              <a:ext cx="729673" cy="0"/>
+            </a:xfrm>
+            <a:prstGeom prst="line">
+              <a:avLst/>
+            </a:prstGeom>
+            <a:ln w="38100">
+              <a:solidFill>
+                <a:srgbClr val="FF0000"/>
+              </a:solidFill>
+            </a:ln>
+          </p:spPr>
+          <p:style>
+            <a:lnRef idx="1">
+              <a:schemeClr val="accent1"/>
+            </a:lnRef>
+            <a:fillRef idx="0">
+              <a:schemeClr val="accent1"/>
+            </a:fillRef>
+            <a:effectRef idx="0">
+              <a:schemeClr val="accent1"/>
+            </a:effectRef>
+            <a:fontRef idx="minor">
+              <a:schemeClr val="tx1"/>
+            </a:fontRef>
+          </p:style>
+        </p:cxnSp>
+        <p:sp>
+          <p:nvSpPr>
+            <p:cNvPr id="18" name="矩形 17"/>
+            <p:cNvSpPr/>
+            <p:nvPr/>
+          </p:nvSpPr>
+          <p:spPr>
+            <a:xfrm>
+              <a:off x="1075102" y="1874543"/>
+              <a:ext cx="766618" cy="1112982"/>
+            </a:xfrm>
+            <a:prstGeom prst="rect">
+              <a:avLst/>
+            </a:prstGeom>
+            <a:noFill/>
+            <a:ln w="19050" cap="flat" cmpd="sng" algn="ctr">
+              <a:solidFill>
+                <a:schemeClr val="dk1"/>
+              </a:solidFill>
+              <a:prstDash val="dash"/>
+              <a:round/>
+              <a:headEnd type="none" w="med" len="med"/>
+              <a:tailEnd type="none" w="med" len="med"/>
+            </a:ln>
+          </p:spPr>
+          <p:style>
+            <a:lnRef idx="0">
+              <a:scrgbClr r="0" g="0" b="0"/>
+            </a:lnRef>
+            <a:fillRef idx="0">
+              <a:scrgbClr r="0" g="0" b="0"/>
+            </a:fillRef>
+            <a:effectRef idx="0">
+              <a:scrgbClr r="0" g="0" b="0"/>
+            </a:effectRef>
+            <a:fontRef idx="minor">
+              <a:schemeClr val="dk1"/>
+            </a:fontRef>
+          </p:style>
+          <p:txBody>
+            <a:bodyPr rtlCol="0" anchor="ctr"/>
+            <a:lstStyle/>
+            <a:p>
+              <a:pPr algn="ctr"/>
+              <a:endParaRPr lang="zh-CN" altLang="en-US"/>
+            </a:p>
+          </p:txBody>
+        </p:sp>
+        <p:sp>
+          <p:nvSpPr>
+            <p:cNvPr id="19" name="矩形 18"/>
+            <p:cNvSpPr/>
+            <p:nvPr/>
+          </p:nvSpPr>
+          <p:spPr>
+            <a:xfrm>
+              <a:off x="3241030" y="1874543"/>
+              <a:ext cx="766618" cy="1112982"/>
+            </a:xfrm>
+            <a:prstGeom prst="rect">
+              <a:avLst/>
+            </a:prstGeom>
+            <a:noFill/>
+            <a:ln w="19050" cap="flat" cmpd="sng" algn="ctr">
+              <a:solidFill>
+                <a:schemeClr val="dk1"/>
+              </a:solidFill>
+              <a:prstDash val="dash"/>
+              <a:round/>
+              <a:headEnd type="none" w="med" len="med"/>
+              <a:tailEnd type="none" w="med" len="med"/>
+            </a:ln>
+          </p:spPr>
+          <p:style>
+            <a:lnRef idx="0">
+              <a:scrgbClr r="0" g="0" b="0"/>
+            </a:lnRef>
+            <a:fillRef idx="0">
+              <a:scrgbClr r="0" g="0" b="0"/>
+            </a:fillRef>
+            <a:effectRef idx="0">
+              <a:scrgbClr r="0" g="0" b="0"/>
+            </a:effectRef>
+            <a:fontRef idx="minor">
+              <a:schemeClr val="dk1"/>
+            </a:fontRef>
+          </p:style>
+          <p:txBody>
+            <a:bodyPr rtlCol="0" anchor="ctr"/>
+            <a:lstStyle/>
+            <a:p>
+              <a:pPr algn="ctr"/>
+              <a:endParaRPr lang="zh-CN" altLang="en-US"/>
+            </a:p>
+          </p:txBody>
+        </p:sp>
+        <p:sp>
+          <p:nvSpPr>
+            <p:cNvPr id="20" name="矩形 19"/>
+            <p:cNvSpPr/>
+            <p:nvPr/>
+          </p:nvSpPr>
+          <p:spPr>
+            <a:xfrm>
+              <a:off x="4178521" y="1874543"/>
+              <a:ext cx="766618" cy="1112982"/>
+            </a:xfrm>
+            <a:prstGeom prst="rect">
+              <a:avLst/>
+            </a:prstGeom>
+            <a:noFill/>
+            <a:ln w="19050" cap="flat" cmpd="sng" algn="ctr">
+              <a:solidFill>
+                <a:schemeClr val="dk1"/>
+              </a:solidFill>
+              <a:prstDash val="dash"/>
+              <a:round/>
+              <a:headEnd type="none" w="med" len="med"/>
+              <a:tailEnd type="none" w="med" len="med"/>
+            </a:ln>
+          </p:spPr>
+          <p:style>
+            <a:lnRef idx="0">
+              <a:scrgbClr r="0" g="0" b="0"/>
+            </a:lnRef>
+            <a:fillRef idx="0">
+              <a:scrgbClr r="0" g="0" b="0"/>
+            </a:fillRef>
+            <a:effectRef idx="0">
+              <a:scrgbClr r="0" g="0" b="0"/>
+            </a:effectRef>
+            <a:fontRef idx="minor">
+              <a:schemeClr val="dk1"/>
+            </a:fontRef>
+          </p:style>
+          <p:txBody>
+            <a:bodyPr rtlCol="0" anchor="ctr"/>
+            <a:lstStyle/>
+            <a:p>
+              <a:pPr algn="ctr"/>
+              <a:endParaRPr lang="zh-CN" altLang="en-US"/>
+            </a:p>
+          </p:txBody>
+        </p:sp>
+      </p:grpSp>
+      <p:grpSp>
+        <p:nvGrpSpPr>
+          <p:cNvPr id="40" name="组合 39"/>
+          <p:cNvGrpSpPr/>
+          <p:nvPr/>
+        </p:nvGrpSpPr>
+        <p:grpSpPr>
+          <a:xfrm>
+            <a:off x="8140972" y="1158572"/>
+            <a:ext cx="3657608" cy="2743206"/>
+            <a:chOff x="8316070" y="0"/>
+            <a:chExt cx="3657608" cy="2743206"/>
+          </a:xfrm>
+        </p:grpSpPr>
+        <p:pic>
+          <p:nvPicPr>
+            <p:cNvPr id="25" name="图片 24"/>
+            <p:cNvPicPr>
+              <a:picLocks noChangeAspect="1"/>
+            </p:cNvPicPr>
+            <p:nvPr/>
+          </p:nvPicPr>
+          <p:blipFill>
+            <a:blip r:embed="rId3">
+              <a:extLst>
+                <a:ext uri="{28A0092B-C50C-407E-A947-70E740481C1C}">
+                  <a14:useLocalDpi xmlns:a14="http://schemas.microsoft.com/office/drawing/2010/main" val="0"/>
+                </a:ext>
+              </a:extLst>
+            </a:blip>
+            <a:stretch>
+              <a:fillRect/>
+            </a:stretch>
+          </p:blipFill>
+          <p:spPr>
+            <a:xfrm>
+              <a:off x="8316070" y="0"/>
+              <a:ext cx="3657608" cy="2743206"/>
+            </a:xfrm>
+            <a:prstGeom prst="rect">
+              <a:avLst/>
+            </a:prstGeom>
+          </p:spPr>
+        </p:pic>
+        <p:sp>
+          <p:nvSpPr>
+            <p:cNvPr id="38" name="文本框 37"/>
+            <p:cNvSpPr txBox="1"/>
+            <p:nvPr/>
+          </p:nvSpPr>
+          <p:spPr>
+            <a:xfrm>
+              <a:off x="9007813" y="1109993"/>
+              <a:ext cx="981359" cy="523220"/>
+            </a:xfrm>
+            <a:prstGeom prst="rect">
+              <a:avLst/>
+            </a:prstGeom>
+            <a:noFill/>
+          </p:spPr>
+          <p:txBody>
+            <a:bodyPr wrap="none" rtlCol="0">
+              <a:spAutoFit/>
+            </a:bodyPr>
+            <a:lstStyle/>
+            <a:p>
+              <a:r>
+                <a:rPr lang="en-US" altLang="zh-CN" sz="2800" i="1" dirty="0" err="1" smtClean="0">
+                  <a:latin typeface="Times New Roman" panose="02020603050405020304" pitchFamily="18" charset="0"/>
+                  <a:cs typeface="Times New Roman" panose="02020603050405020304" pitchFamily="18" charset="0"/>
+                </a:rPr>
+                <a:t>Isolet</a:t>
+              </a:r>
+              <a:endParaRPr lang="zh-CN" altLang="en-US" sz="2800" i="1" dirty="0">
+                <a:latin typeface="Times New Roman" panose="02020603050405020304" pitchFamily="18" charset="0"/>
+                <a:cs typeface="Times New Roman" panose="02020603050405020304" pitchFamily="18" charset="0"/>
+              </a:endParaRPr>
+            </a:p>
+          </p:txBody>
+        </p:sp>
+      </p:grpSp>
+      <p:grpSp>
+        <p:nvGrpSpPr>
+          <p:cNvPr id="47" name="组合 46"/>
+          <p:cNvGrpSpPr/>
+          <p:nvPr/>
+        </p:nvGrpSpPr>
+        <p:grpSpPr>
+          <a:xfrm>
+            <a:off x="142229" y="4114794"/>
+            <a:ext cx="3657608" cy="2743206"/>
+            <a:chOff x="142229" y="4114794"/>
+            <a:chExt cx="3657608" cy="2743206"/>
+          </a:xfrm>
+        </p:grpSpPr>
+        <p:pic>
+          <p:nvPicPr>
+            <p:cNvPr id="41" name="图片 40"/>
+            <p:cNvPicPr>
+              <a:picLocks noChangeAspect="1"/>
+            </p:cNvPicPr>
+            <p:nvPr/>
+          </p:nvPicPr>
+          <p:blipFill>
+            <a:blip r:embed="rId4">
+              <a:extLst>
+                <a:ext uri="{28A0092B-C50C-407E-A947-70E740481C1C}">
+                  <a14:useLocalDpi xmlns:a14="http://schemas.microsoft.com/office/drawing/2010/main" val="0"/>
+                </a:ext>
+              </a:extLst>
+            </a:blip>
+            <a:stretch>
+              <a:fillRect/>
+            </a:stretch>
+          </p:blipFill>
+          <p:spPr>
+            <a:xfrm>
+              <a:off x="142229" y="4114794"/>
+              <a:ext cx="3657608" cy="2743206"/>
+            </a:xfrm>
+            <a:prstGeom prst="rect">
+              <a:avLst/>
+            </a:prstGeom>
+          </p:spPr>
+        </p:pic>
+        <p:sp>
+          <p:nvSpPr>
+            <p:cNvPr id="44" name="文本框 43"/>
+            <p:cNvSpPr txBox="1"/>
+            <p:nvPr/>
+          </p:nvSpPr>
+          <p:spPr>
+            <a:xfrm>
+              <a:off x="856341" y="5255001"/>
+              <a:ext cx="1045864" cy="523220"/>
+            </a:xfrm>
+            <a:prstGeom prst="rect">
+              <a:avLst/>
+            </a:prstGeom>
+            <a:noFill/>
+          </p:spPr>
+          <p:txBody>
+            <a:bodyPr wrap="none" rtlCol="0">
+              <a:spAutoFit/>
+            </a:bodyPr>
+            <a:lstStyle/>
+            <a:p>
+              <a:r>
+                <a:rPr lang="en-US" altLang="zh-CN" sz="2800" i="1" dirty="0" smtClean="0">
+                  <a:latin typeface="Times New Roman" panose="02020603050405020304" pitchFamily="18" charset="0"/>
+                  <a:cs typeface="Times New Roman" panose="02020603050405020304" pitchFamily="18" charset="0"/>
+                </a:rPr>
+                <a:t>Letter</a:t>
+              </a:r>
+              <a:endParaRPr lang="zh-CN" altLang="en-US" sz="2800" i="1" dirty="0">
+                <a:latin typeface="Times New Roman" panose="02020603050405020304" pitchFamily="18" charset="0"/>
+                <a:cs typeface="Times New Roman" panose="02020603050405020304" pitchFamily="18" charset="0"/>
+              </a:endParaRPr>
+            </a:p>
+          </p:txBody>
+        </p:sp>
+      </p:grpSp>
+      <p:grpSp>
+        <p:nvGrpSpPr>
+          <p:cNvPr id="50" name="组合 49"/>
+          <p:cNvGrpSpPr/>
+          <p:nvPr/>
+        </p:nvGrpSpPr>
+        <p:grpSpPr>
+          <a:xfrm>
+            <a:off x="4141600" y="4114794"/>
+            <a:ext cx="3657608" cy="2743206"/>
+            <a:chOff x="4141600" y="4114794"/>
+            <a:chExt cx="3657608" cy="2743206"/>
+          </a:xfrm>
+        </p:grpSpPr>
+        <p:pic>
+          <p:nvPicPr>
+            <p:cNvPr id="42" name="图片 41"/>
+            <p:cNvPicPr>
+              <a:picLocks noChangeAspect="1"/>
+            </p:cNvPicPr>
+            <p:nvPr/>
+          </p:nvPicPr>
+          <p:blipFill>
+            <a:blip r:embed="rId5">
+              <a:extLst>
+                <a:ext uri="{28A0092B-C50C-407E-A947-70E740481C1C}">
+                  <a14:useLocalDpi xmlns:a14="http://schemas.microsoft.com/office/drawing/2010/main" val="0"/>
+                </a:ext>
+              </a:extLst>
+            </a:blip>
+            <a:stretch>
+              <a:fillRect/>
+            </a:stretch>
+          </p:blipFill>
+          <p:spPr>
+            <a:xfrm>
+              <a:off x="4141600" y="4114794"/>
+              <a:ext cx="3657608" cy="2743206"/>
+            </a:xfrm>
+            <a:prstGeom prst="rect">
+              <a:avLst/>
+            </a:prstGeom>
+          </p:spPr>
+        </p:pic>
+        <p:sp>
+          <p:nvSpPr>
+            <p:cNvPr id="48" name="文本框 47"/>
+            <p:cNvSpPr txBox="1"/>
+            <p:nvPr/>
+          </p:nvSpPr>
+          <p:spPr>
+            <a:xfrm>
+              <a:off x="4828745" y="5224787"/>
+              <a:ext cx="1141659" cy="523220"/>
+            </a:xfrm>
+            <a:prstGeom prst="rect">
+              <a:avLst/>
+            </a:prstGeom>
+            <a:noFill/>
+          </p:spPr>
+          <p:txBody>
+            <a:bodyPr wrap="none" rtlCol="0">
+              <a:spAutoFit/>
+            </a:bodyPr>
+            <a:lstStyle/>
+            <a:p>
+              <a:r>
+                <a:rPr lang="en-US" altLang="zh-CN" sz="2800" i="1" dirty="0">
+                  <a:latin typeface="Times New Roman" panose="02020603050405020304" pitchFamily="18" charset="0"/>
+                  <a:cs typeface="Times New Roman" panose="02020603050405020304" pitchFamily="18" charset="0"/>
+                </a:rPr>
+                <a:t>Mf-</a:t>
+              </a:r>
+              <a:r>
+                <a:rPr lang="en-US" altLang="zh-CN" sz="2800" i="1" dirty="0" err="1">
+                  <a:latin typeface="Times New Roman" panose="02020603050405020304" pitchFamily="18" charset="0"/>
+                  <a:cs typeface="Times New Roman" panose="02020603050405020304" pitchFamily="18" charset="0"/>
+                </a:rPr>
+                <a:t>zer</a:t>
+              </a:r>
+              <a:endParaRPr lang="zh-CN" altLang="en-US" sz="2800" i="1" dirty="0">
+                <a:latin typeface="Times New Roman" panose="02020603050405020304" pitchFamily="18" charset="0"/>
+                <a:cs typeface="Times New Roman" panose="02020603050405020304" pitchFamily="18" charset="0"/>
+              </a:endParaRPr>
+            </a:p>
+          </p:txBody>
+        </p:sp>
+      </p:grpSp>
+      <p:grpSp>
+        <p:nvGrpSpPr>
+          <p:cNvPr id="51" name="组合 50"/>
+          <p:cNvGrpSpPr/>
+          <p:nvPr/>
+        </p:nvGrpSpPr>
+        <p:grpSpPr>
+          <a:xfrm>
+            <a:off x="8140972" y="4114794"/>
+            <a:ext cx="3657608" cy="2743206"/>
+            <a:chOff x="8140972" y="4114794"/>
+            <a:chExt cx="3657608" cy="2743206"/>
+          </a:xfrm>
+        </p:grpSpPr>
+        <p:pic>
+          <p:nvPicPr>
+            <p:cNvPr id="43" name="图片 42"/>
+            <p:cNvPicPr>
+              <a:picLocks noChangeAspect="1"/>
+            </p:cNvPicPr>
+            <p:nvPr/>
+          </p:nvPicPr>
+          <p:blipFill>
+            <a:blip r:embed="rId6">
+              <a:extLst>
+                <a:ext uri="{28A0092B-C50C-407E-A947-70E740481C1C}">
+                  <a14:useLocalDpi xmlns:a14="http://schemas.microsoft.com/office/drawing/2010/main" val="0"/>
+                </a:ext>
+              </a:extLst>
+            </a:blip>
+            <a:stretch>
+              <a:fillRect/>
+            </a:stretch>
+          </p:blipFill>
+          <p:spPr>
+            <a:xfrm>
+              <a:off x="8140972" y="4114794"/>
+              <a:ext cx="3657608" cy="2743206"/>
+            </a:xfrm>
+            <a:prstGeom prst="rect">
+              <a:avLst/>
+            </a:prstGeom>
+          </p:spPr>
+        </p:pic>
+        <p:sp>
+          <p:nvSpPr>
+            <p:cNvPr id="49" name="矩形 48"/>
+            <p:cNvSpPr/>
+            <p:nvPr/>
+          </p:nvSpPr>
+          <p:spPr>
+            <a:xfrm>
+              <a:off x="8828117" y="5253967"/>
+              <a:ext cx="1282723" cy="523220"/>
+            </a:xfrm>
+            <a:prstGeom prst="rect">
+              <a:avLst/>
+            </a:prstGeom>
+          </p:spPr>
+          <p:txBody>
+            <a:bodyPr wrap="none">
+              <a:spAutoFit/>
+            </a:bodyPr>
+            <a:lstStyle/>
+            <a:p>
+              <a:r>
+                <a:rPr lang="en-US" altLang="zh-CN" sz="2800" i="1" dirty="0" smtClean="0">
+                  <a:latin typeface="Times New Roman" panose="02020603050405020304" pitchFamily="18" charset="0"/>
+                  <a:cs typeface="Times New Roman" panose="02020603050405020304" pitchFamily="18" charset="0"/>
+                </a:rPr>
+                <a:t>Mf-</a:t>
+              </a:r>
+              <a:r>
+                <a:rPr lang="en-US" altLang="zh-CN" sz="2800" i="1" dirty="0" err="1" smtClean="0">
+                  <a:latin typeface="Times New Roman" panose="02020603050405020304" pitchFamily="18" charset="0"/>
+                  <a:cs typeface="Times New Roman" panose="02020603050405020304" pitchFamily="18" charset="0"/>
+                </a:rPr>
+                <a:t>mor</a:t>
+              </a:r>
+              <a:endParaRPr lang="zh-CN" altLang="en-US" sz="2800" i="1" dirty="0">
+                <a:latin typeface="Times New Roman" panose="02020603050405020304" pitchFamily="18" charset="0"/>
+                <a:cs typeface="Times New Roman" panose="02020603050405020304" pitchFamily="18" charset="0"/>
+              </a:endParaRPr>
+            </a:p>
+          </p:txBody>
+        </p:sp>
+      </p:grpSp>
+      <p:sp>
+        <p:nvSpPr>
+          <p:cNvPr id="52" name="文本框 51"/>
+          <p:cNvSpPr txBox="1"/>
+          <p:nvPr/>
+        </p:nvSpPr>
+        <p:spPr>
+          <a:xfrm>
+            <a:off x="9060071" y="176115"/>
+            <a:ext cx="1819409" cy="769441"/>
+          </a:xfrm>
+          <a:prstGeom prst="rect">
+            <a:avLst/>
+          </a:prstGeom>
+          <a:noFill/>
+        </p:spPr>
+        <p:txBody>
+          <a:bodyPr wrap="none" rtlCol="0">
+            <a:spAutoFit/>
+          </a:bodyPr>
+          <a:lstStyle/>
+          <a:p>
+            <a:r>
+              <a:rPr lang="en-US" altLang="zh-CN" sz="4400" dirty="0" smtClean="0">
+                <a:latin typeface="+mj-lt"/>
+              </a:rPr>
+              <a:t>Results</a:t>
+            </a:r>
+            <a:endParaRPr lang="zh-CN" altLang="en-US" sz="4400" dirty="0">
+              <a:latin typeface="+mj-lt"/>
+            </a:endParaRPr>
+          </a:p>
+        </p:txBody>
+      </p:sp>
+    </p:spTree>
+    <p:extLst>
+      <p:ext uri="{BB962C8B-B14F-4D97-AF65-F5344CB8AC3E}">
+        <p14:creationId xmlns:p14="http://schemas.microsoft.com/office/powerpoint/2010/main" val="2251369496"/>
       </p:ext>
     </p:extLst>
   </p:cSld>

--- a/slides&notes/Learning on imbalanced data.pptx
+++ b/slides&notes/Learning on imbalanced data.pptx
@@ -5,7 +5,7 @@
     <p:sldMasterId id="2147483648" r:id="rId1"/>
   </p:sldMasterIdLst>
   <p:notesMasterIdLst>
-    <p:notesMasterId r:id="rId27"/>
+    <p:notesMasterId r:id="rId35"/>
   </p:notesMasterIdLst>
   <p:sldIdLst>
     <p:sldId id="256" r:id="rId2"/>
@@ -17,22 +17,30 @@
     <p:sldId id="264" r:id="rId8"/>
     <p:sldId id="277" r:id="rId9"/>
     <p:sldId id="263" r:id="rId10"/>
-    <p:sldId id="276" r:id="rId11"/>
-    <p:sldId id="278" r:id="rId12"/>
-    <p:sldId id="265" r:id="rId13"/>
-    <p:sldId id="268" r:id="rId14"/>
-    <p:sldId id="269" r:id="rId15"/>
-    <p:sldId id="282" r:id="rId16"/>
-    <p:sldId id="280" r:id="rId17"/>
-    <p:sldId id="283" r:id="rId18"/>
-    <p:sldId id="284" r:id="rId19"/>
-    <p:sldId id="285" r:id="rId20"/>
-    <p:sldId id="286" r:id="rId21"/>
-    <p:sldId id="287" r:id="rId22"/>
-    <p:sldId id="288" r:id="rId23"/>
-    <p:sldId id="289" r:id="rId24"/>
-    <p:sldId id="270" r:id="rId25"/>
-    <p:sldId id="290" r:id="rId26"/>
+    <p:sldId id="296" r:id="rId11"/>
+    <p:sldId id="276" r:id="rId12"/>
+    <p:sldId id="278" r:id="rId13"/>
+    <p:sldId id="265" r:id="rId14"/>
+    <p:sldId id="268" r:id="rId15"/>
+    <p:sldId id="269" r:id="rId16"/>
+    <p:sldId id="295" r:id="rId17"/>
+    <p:sldId id="282" r:id="rId18"/>
+    <p:sldId id="297" r:id="rId19"/>
+    <p:sldId id="280" r:id="rId20"/>
+    <p:sldId id="283" r:id="rId21"/>
+    <p:sldId id="284" r:id="rId22"/>
+    <p:sldId id="285" r:id="rId23"/>
+    <p:sldId id="286" r:id="rId24"/>
+    <p:sldId id="287" r:id="rId25"/>
+    <p:sldId id="298" r:id="rId26"/>
+    <p:sldId id="288" r:id="rId27"/>
+    <p:sldId id="299" r:id="rId28"/>
+    <p:sldId id="289" r:id="rId29"/>
+    <p:sldId id="270" r:id="rId30"/>
+    <p:sldId id="294" r:id="rId31"/>
+    <p:sldId id="291" r:id="rId32"/>
+    <p:sldId id="293" r:id="rId33"/>
+    <p:sldId id="292" r:id="rId34"/>
   </p:sldIdLst>
   <p:sldSz cx="12192000" cy="6858000"/>
   <p:notesSz cx="6858000" cy="9144000"/>
@@ -14845,7 +14853,7 @@
           <a:p>
             <a:fld id="{73AA34B6-7285-4A51-B61C-142C8C922848}" type="slidenum">
               <a:rPr lang="en-US" smtClean="0"/>
-              <a:t>12</a:t>
+              <a:t>13</a:t>
             </a:fld>
             <a:endParaRPr lang="en-US"/>
           </a:p>
@@ -14937,7 +14945,7 @@
           <a:p>
             <a:fld id="{73AA34B6-7285-4A51-B61C-142C8C922848}" type="slidenum">
               <a:rPr lang="en-US" smtClean="0"/>
-              <a:t>13</a:t>
+              <a:t>14</a:t>
             </a:fld>
             <a:endParaRPr lang="en-US"/>
           </a:p>
@@ -14947,6 +14955,90 @@
     <p:extLst>
       <p:ext uri="{BB962C8B-B14F-4D97-AF65-F5344CB8AC3E}">
         <p14:creationId xmlns:p14="http://schemas.microsoft.com/office/powerpoint/2010/main" val="1021273962"/>
+      </p:ext>
+    </p:extLst>
+  </p:cSld>
+  <p:clrMapOvr>
+    <a:masterClrMapping/>
+  </p:clrMapOvr>
+</p:notes>
+</file>
+
+<file path=ppt/notesSlides/notesSlide3.xml><?xml version="1.0" encoding="utf-8"?>
+<p:notes xmlns:a="http://schemas.openxmlformats.org/drawingml/2006/main" xmlns:r="http://schemas.openxmlformats.org/officeDocument/2006/relationships" xmlns:p="http://schemas.openxmlformats.org/presentationml/2006/main">
+  <p:cSld>
+    <p:spTree>
+      <p:nvGrpSpPr>
+        <p:cNvPr id="1" name=""/>
+        <p:cNvGrpSpPr/>
+        <p:nvPr/>
+      </p:nvGrpSpPr>
+      <p:grpSpPr>
+        <a:xfrm>
+          <a:off x="0" y="0"/>
+          <a:ext cx="0" cy="0"/>
+          <a:chOff x="0" y="0"/>
+          <a:chExt cx="0" cy="0"/>
+        </a:xfrm>
+      </p:grpSpPr>
+      <p:sp>
+        <p:nvSpPr>
+          <p:cNvPr id="2" name="Slide Image Placeholder 1"/>
+          <p:cNvSpPr>
+            <a:spLocks noGrp="1" noRot="1" noChangeAspect="1"/>
+          </p:cNvSpPr>
+          <p:nvPr>
+            <p:ph type="sldImg"/>
+          </p:nvPr>
+        </p:nvSpPr>
+        <p:spPr/>
+      </p:sp>
+      <p:sp>
+        <p:nvSpPr>
+          <p:cNvPr id="3" name="Notes Placeholder 2"/>
+          <p:cNvSpPr>
+            <a:spLocks noGrp="1"/>
+          </p:cNvSpPr>
+          <p:nvPr>
+            <p:ph type="body" idx="1"/>
+          </p:nvPr>
+        </p:nvSpPr>
+        <p:spPr/>
+        <p:txBody>
+          <a:bodyPr/>
+          <a:lstStyle/>
+          <a:p>
+            <a:endParaRPr lang="en-US" dirty="0"/>
+          </a:p>
+        </p:txBody>
+      </p:sp>
+      <p:sp>
+        <p:nvSpPr>
+          <p:cNvPr id="4" name="Slide Number Placeholder 3"/>
+          <p:cNvSpPr>
+            <a:spLocks noGrp="1"/>
+          </p:cNvSpPr>
+          <p:nvPr>
+            <p:ph type="sldNum" sz="quarter" idx="10"/>
+          </p:nvPr>
+        </p:nvSpPr>
+        <p:spPr/>
+        <p:txBody>
+          <a:bodyPr/>
+          <a:lstStyle/>
+          <a:p>
+            <a:fld id="{73AA34B6-7285-4A51-B61C-142C8C922848}" type="slidenum">
+              <a:rPr lang="en-US" smtClean="0"/>
+              <a:t>32</a:t>
+            </a:fld>
+            <a:endParaRPr lang="en-US"/>
+          </a:p>
+        </p:txBody>
+      </p:sp>
+    </p:spTree>
+    <p:extLst>
+      <p:ext uri="{BB962C8B-B14F-4D97-AF65-F5344CB8AC3E}">
+        <p14:creationId xmlns:p14="http://schemas.microsoft.com/office/powerpoint/2010/main" val="1845469513"/>
       </p:ext>
     </p:extLst>
   </p:cSld>
@@ -17928,6 +18020,143 @@
       </p:grpSpPr>
       <p:sp>
         <p:nvSpPr>
+          <p:cNvPr id="2" name="Title 1"/>
+          <p:cNvSpPr>
+            <a:spLocks noGrp="1"/>
+          </p:cNvSpPr>
+          <p:nvPr>
+            <p:ph type="title"/>
+          </p:nvPr>
+        </p:nvSpPr>
+        <p:spPr/>
+        <p:txBody>
+          <a:bodyPr/>
+          <a:lstStyle/>
+          <a:p>
+            <a:r>
+              <a:rPr lang="en-US" dirty="0" smtClean="0"/>
+              <a:t>Outline</a:t>
+            </a:r>
+            <a:endParaRPr lang="en-US" dirty="0"/>
+          </a:p>
+        </p:txBody>
+      </p:sp>
+      <p:sp>
+        <p:nvSpPr>
+          <p:cNvPr id="3" name="Content Placeholder 2"/>
+          <p:cNvSpPr>
+            <a:spLocks noGrp="1"/>
+          </p:cNvSpPr>
+          <p:nvPr>
+            <p:ph idx="1"/>
+          </p:nvPr>
+        </p:nvSpPr>
+        <p:spPr/>
+        <p:txBody>
+          <a:bodyPr/>
+          <a:lstStyle/>
+          <a:p>
+            <a:r>
+              <a:rPr lang="en-US" dirty="0" smtClean="0">
+                <a:solidFill>
+                  <a:schemeClr val="bg1">
+                    <a:lumMod val="65000"/>
+                  </a:schemeClr>
+                </a:solidFill>
+              </a:rPr>
+              <a:t>Motivation and Our Framework</a:t>
+            </a:r>
+          </a:p>
+          <a:p>
+            <a:r>
+              <a:rPr lang="en-US" dirty="0" smtClean="0"/>
+              <a:t>How IDS impacts on learning</a:t>
+            </a:r>
+          </a:p>
+          <a:p>
+            <a:r>
+              <a:rPr lang="en-US" dirty="0" smtClean="0">
+                <a:solidFill>
+                  <a:schemeClr val="bg1">
+                    <a:lumMod val="65000"/>
+                  </a:schemeClr>
+                </a:solidFill>
+              </a:rPr>
+              <a:t>Existing Kinds of Imbalanced Learning Techniques</a:t>
+            </a:r>
+          </a:p>
+          <a:p>
+            <a:r>
+              <a:rPr lang="en-US" dirty="0" smtClean="0">
+                <a:solidFill>
+                  <a:schemeClr val="bg1">
+                    <a:lumMod val="65000"/>
+                  </a:schemeClr>
+                </a:solidFill>
+              </a:rPr>
+              <a:t>Proposal: A Strategy to select technique</a:t>
+            </a:r>
+          </a:p>
+          <a:p>
+            <a:r>
+              <a:rPr lang="en-US" altLang="zh-CN" dirty="0">
+                <a:solidFill>
+                  <a:schemeClr val="bg1">
+                    <a:lumMod val="65000"/>
+                  </a:schemeClr>
+                </a:solidFill>
+              </a:rPr>
+              <a:t>Experiments to verify proposal</a:t>
+            </a:r>
+            <a:endParaRPr lang="en-US" dirty="0">
+              <a:solidFill>
+                <a:schemeClr val="bg1">
+                  <a:lumMod val="65000"/>
+                </a:schemeClr>
+              </a:solidFill>
+            </a:endParaRPr>
+          </a:p>
+        </p:txBody>
+      </p:sp>
+    </p:spTree>
+    <p:extLst>
+      <p:ext uri="{BB962C8B-B14F-4D97-AF65-F5344CB8AC3E}">
+        <p14:creationId xmlns:p14="http://schemas.microsoft.com/office/powerpoint/2010/main" val="17715505"/>
+      </p:ext>
+    </p:extLst>
+  </p:cSld>
+  <p:clrMapOvr>
+    <a:masterClrMapping/>
+  </p:clrMapOvr>
+  <p:timing>
+    <p:tnLst>
+      <p:par>
+        <p:cTn id="1" dur="indefinite" restart="never" nodeType="tmRoot"/>
+      </p:par>
+    </p:tnLst>
+  </p:timing>
+</p:sld>
+</file>
+
+<file path=ppt/slides/slide11.xml><?xml version="1.0" encoding="utf-8"?>
+<p:sld xmlns:a="http://schemas.openxmlformats.org/drawingml/2006/main" xmlns:r="http://schemas.openxmlformats.org/officeDocument/2006/relationships" xmlns:p="http://schemas.openxmlformats.org/presentationml/2006/main">
+  <p:cSld>
+    <p:spTree>
+      <p:nvGrpSpPr>
+        <p:cNvPr id="1" name=""/>
+        <p:cNvGrpSpPr/>
+        <p:nvPr/>
+      </p:nvGrpSpPr>
+      <p:grpSpPr>
+        <a:xfrm>
+          <a:off x="0" y="0"/>
+          <a:ext cx="0" cy="0"/>
+          <a:chOff x="0" y="0"/>
+          <a:chExt cx="0" cy="0"/>
+        </a:xfrm>
+      </p:grpSpPr>
+      <p:sp>
+        <p:nvSpPr>
           <p:cNvPr id="104" name="TextBox 103"/>
           <p:cNvSpPr txBox="1"/>
           <p:nvPr/>
@@ -19267,7 +19496,7 @@
 </p:sld>
 </file>
 
-<file path=ppt/slides/slide11.xml><?xml version="1.0" encoding="utf-8"?>
+<file path=ppt/slides/slide12.xml><?xml version="1.0" encoding="utf-8"?>
 <p:sld xmlns:a="http://schemas.openxmlformats.org/drawingml/2006/main" xmlns:r="http://schemas.openxmlformats.org/officeDocument/2006/relationships" xmlns:p="http://schemas.openxmlformats.org/presentationml/2006/main">
   <p:cSld>
     <p:spTree>
@@ -20625,7 +20854,7 @@
 </p:sld>
 </file>
 
-<file path=ppt/slides/slide12.xml><?xml version="1.0" encoding="utf-8"?>
+<file path=ppt/slides/slide13.xml><?xml version="1.0" encoding="utf-8"?>
 <p:sld xmlns:a="http://schemas.openxmlformats.org/drawingml/2006/main" xmlns:r="http://schemas.openxmlformats.org/officeDocument/2006/relationships" xmlns:p="http://schemas.openxmlformats.org/presentationml/2006/main">
   <p:cSld>
     <p:spTree>
@@ -21027,7 +21256,7 @@
 </p:sld>
 </file>
 
-<file path=ppt/slides/slide13.xml><?xml version="1.0" encoding="utf-8"?>
+<file path=ppt/slides/slide14.xml><?xml version="1.0" encoding="utf-8"?>
 <p:sld xmlns:a="http://schemas.openxmlformats.org/drawingml/2006/main" xmlns:r="http://schemas.openxmlformats.org/officeDocument/2006/relationships" xmlns:p="http://schemas.openxmlformats.org/presentationml/2006/main">
   <p:cSld>
     <p:spTree>
@@ -21601,7 +21830,7 @@
 </p:sld>
 </file>
 
-<file path=ppt/slides/slide14.xml><?xml version="1.0" encoding="utf-8"?>
+<file path=ppt/slides/slide15.xml><?xml version="1.0" encoding="utf-8"?>
 <p:sld xmlns:a="http://schemas.openxmlformats.org/drawingml/2006/main" xmlns:r="http://schemas.openxmlformats.org/officeDocument/2006/relationships" xmlns:p="http://schemas.openxmlformats.org/presentationml/2006/main">
   <p:cSld>
     <p:spTree>
@@ -21708,36 +21937,6 @@
           </a:p>
         </p:txBody>
       </p:sp>
-      <p:pic>
-        <p:nvPicPr>
-          <p:cNvPr id="12" name="Picture 11"/>
-          <p:cNvPicPr>
-            <a:picLocks noChangeAspect="1"/>
-          </p:cNvPicPr>
-          <p:nvPr/>
-        </p:nvPicPr>
-        <p:blipFill>
-          <a:blip r:embed="rId7">
-            <a:extLst>
-              <a:ext uri="{28A0092B-C50C-407E-A947-70E740481C1C}">
-                <a14:useLocalDpi xmlns:a14="http://schemas.microsoft.com/office/drawing/2010/main" val="0"/>
-              </a:ext>
-            </a:extLst>
-          </a:blip>
-          <a:stretch>
-            <a:fillRect/>
-          </a:stretch>
-        </p:blipFill>
-        <p:spPr>
-          <a:xfrm>
-            <a:off x="6185413" y="1380931"/>
-            <a:ext cx="5486411" cy="4094234"/>
-          </a:xfrm>
-          <a:prstGeom prst="rect">
-            <a:avLst/>
-          </a:prstGeom>
-        </p:spPr>
-      </p:pic>
       <mc:AlternateContent xmlns:mc="http://schemas.openxmlformats.org/markup-compatibility/2006" xmlns:a14="http://schemas.microsoft.com/office/drawing/2010/main">
         <mc:Choice Requires="a14">
           <p:sp>
@@ -21859,16 +22058,1410 @@
           </p:sp>
         </mc:Fallback>
       </mc:AlternateContent>
+      <p:grpSp>
+        <p:nvGrpSpPr>
+          <p:cNvPr id="7" name="Group 6"/>
+          <p:cNvGrpSpPr/>
+          <p:nvPr/>
+        </p:nvGrpSpPr>
+        <p:grpSpPr>
+          <a:xfrm>
+            <a:off x="5395700" y="1380931"/>
+            <a:ext cx="5486411" cy="4094234"/>
+            <a:chOff x="6185413" y="1380931"/>
+            <a:chExt cx="5486411" cy="4094234"/>
+          </a:xfrm>
+        </p:grpSpPr>
+        <p:sp>
+          <p:nvSpPr>
+            <p:cNvPr id="11" name="五角星 10"/>
+            <p:cNvSpPr/>
+            <p:nvPr/>
+          </p:nvSpPr>
+          <p:spPr>
+            <a:xfrm>
+              <a:off x="8839200" y="4517708"/>
+              <a:ext cx="182880" cy="182880"/>
+            </a:xfrm>
+            <a:prstGeom prst="star5">
+              <a:avLst/>
+            </a:prstGeom>
+            <a:solidFill>
+              <a:srgbClr val="008000"/>
+            </a:solidFill>
+            <a:ln>
+              <a:noFill/>
+            </a:ln>
+          </p:spPr>
+          <p:style>
+            <a:lnRef idx="2">
+              <a:schemeClr val="accent1">
+                <a:shade val="50000"/>
+              </a:schemeClr>
+            </a:lnRef>
+            <a:fillRef idx="1">
+              <a:schemeClr val="accent1"/>
+            </a:fillRef>
+            <a:effectRef idx="0">
+              <a:schemeClr val="accent1"/>
+            </a:effectRef>
+            <a:fontRef idx="minor">
+              <a:schemeClr val="lt1"/>
+            </a:fontRef>
+          </p:style>
+          <p:txBody>
+            <a:bodyPr rtlCol="0" anchor="ctr"/>
+            <a:lstStyle/>
+            <a:p>
+              <a:pPr algn="ctr"/>
+              <a:endParaRPr lang="zh-CN" altLang="en-US"/>
+            </a:p>
+          </p:txBody>
+        </p:sp>
+        <p:sp>
+          <p:nvSpPr>
+            <p:cNvPr id="14" name="五角星 13"/>
+            <p:cNvSpPr/>
+            <p:nvPr/>
+          </p:nvSpPr>
+          <p:spPr>
+            <a:xfrm>
+              <a:off x="9418320" y="4752861"/>
+              <a:ext cx="182880" cy="182880"/>
+            </a:xfrm>
+            <a:prstGeom prst="star5">
+              <a:avLst/>
+            </a:prstGeom>
+            <a:solidFill>
+              <a:srgbClr val="008000"/>
+            </a:solidFill>
+            <a:ln>
+              <a:noFill/>
+            </a:ln>
+          </p:spPr>
+          <p:style>
+            <a:lnRef idx="2">
+              <a:schemeClr val="accent1">
+                <a:shade val="50000"/>
+              </a:schemeClr>
+            </a:lnRef>
+            <a:fillRef idx="1">
+              <a:schemeClr val="accent1"/>
+            </a:fillRef>
+            <a:effectRef idx="0">
+              <a:schemeClr val="accent1"/>
+            </a:effectRef>
+            <a:fontRef idx="minor">
+              <a:schemeClr val="lt1"/>
+            </a:fontRef>
+          </p:style>
+          <p:txBody>
+            <a:bodyPr rtlCol="0" anchor="ctr"/>
+            <a:lstStyle/>
+            <a:p>
+              <a:pPr algn="ctr"/>
+              <a:endParaRPr lang="zh-CN" altLang="en-US"/>
+            </a:p>
+          </p:txBody>
+        </p:sp>
+        <p:sp>
+          <p:nvSpPr>
+            <p:cNvPr id="16" name="五角星 15"/>
+            <p:cNvSpPr/>
+            <p:nvPr/>
+          </p:nvSpPr>
+          <p:spPr>
+            <a:xfrm>
+              <a:off x="8988570" y="4761548"/>
+              <a:ext cx="182880" cy="182880"/>
+            </a:xfrm>
+            <a:prstGeom prst="star5">
+              <a:avLst/>
+            </a:prstGeom>
+            <a:solidFill>
+              <a:srgbClr val="008000"/>
+            </a:solidFill>
+            <a:ln>
+              <a:noFill/>
+            </a:ln>
+          </p:spPr>
+          <p:style>
+            <a:lnRef idx="2">
+              <a:schemeClr val="accent1">
+                <a:shade val="50000"/>
+              </a:schemeClr>
+            </a:lnRef>
+            <a:fillRef idx="1">
+              <a:schemeClr val="accent1"/>
+            </a:fillRef>
+            <a:effectRef idx="0">
+              <a:schemeClr val="accent1"/>
+            </a:effectRef>
+            <a:fontRef idx="minor">
+              <a:schemeClr val="lt1"/>
+            </a:fontRef>
+          </p:style>
+          <p:txBody>
+            <a:bodyPr rtlCol="0" anchor="ctr"/>
+            <a:lstStyle/>
+            <a:p>
+              <a:pPr algn="ctr"/>
+              <a:endParaRPr lang="zh-CN" altLang="en-US"/>
+            </a:p>
+          </p:txBody>
+        </p:sp>
+        <p:sp>
+          <p:nvSpPr>
+            <p:cNvPr id="17" name="五角星 16"/>
+            <p:cNvSpPr/>
+            <p:nvPr/>
+          </p:nvSpPr>
+          <p:spPr>
+            <a:xfrm>
+              <a:off x="7396998" y="2523614"/>
+              <a:ext cx="182880" cy="182880"/>
+            </a:xfrm>
+            <a:prstGeom prst="star5">
+              <a:avLst/>
+            </a:prstGeom>
+            <a:solidFill>
+              <a:srgbClr val="008000"/>
+            </a:solidFill>
+            <a:ln>
+              <a:noFill/>
+            </a:ln>
+          </p:spPr>
+          <p:style>
+            <a:lnRef idx="2">
+              <a:schemeClr val="accent1">
+                <a:shade val="50000"/>
+              </a:schemeClr>
+            </a:lnRef>
+            <a:fillRef idx="1">
+              <a:schemeClr val="accent1"/>
+            </a:fillRef>
+            <a:effectRef idx="0">
+              <a:schemeClr val="accent1"/>
+            </a:effectRef>
+            <a:fontRef idx="minor">
+              <a:schemeClr val="lt1"/>
+            </a:fontRef>
+          </p:style>
+          <p:txBody>
+            <a:bodyPr rtlCol="0" anchor="ctr"/>
+            <a:lstStyle/>
+            <a:p>
+              <a:pPr algn="ctr"/>
+              <a:endParaRPr lang="zh-CN" altLang="en-US"/>
+            </a:p>
+          </p:txBody>
+        </p:sp>
+        <p:pic>
+          <p:nvPicPr>
+            <p:cNvPr id="12" name="Picture 11"/>
+            <p:cNvPicPr>
+              <a:picLocks noChangeAspect="1"/>
+            </p:cNvPicPr>
+            <p:nvPr/>
+          </p:nvPicPr>
+          <p:blipFill>
+            <a:blip r:embed="rId9">
+              <a:extLst>
+                <a:ext uri="{28A0092B-C50C-407E-A947-70E740481C1C}">
+                  <a14:useLocalDpi xmlns:a14="http://schemas.microsoft.com/office/drawing/2010/main" val="0"/>
+                </a:ext>
+              </a:extLst>
+            </a:blip>
+            <a:stretch>
+              <a:fillRect/>
+            </a:stretch>
+          </p:blipFill>
+          <p:spPr>
+            <a:xfrm>
+              <a:off x="6185413" y="1380931"/>
+              <a:ext cx="5486411" cy="4094234"/>
+            </a:xfrm>
+            <a:prstGeom prst="rect">
+              <a:avLst/>
+            </a:prstGeom>
+          </p:spPr>
+        </p:pic>
+        <p:sp>
+          <p:nvSpPr>
+            <p:cNvPr id="3" name="Rectangle 2"/>
+            <p:cNvSpPr/>
+            <p:nvPr/>
+          </p:nvSpPr>
+          <p:spPr>
+            <a:xfrm>
+              <a:off x="8562110" y="4343400"/>
+              <a:ext cx="1278082" cy="716973"/>
+            </a:xfrm>
+            <a:prstGeom prst="rect">
+              <a:avLst/>
+            </a:prstGeom>
+            <a:noFill/>
+            <a:ln w="12700" cap="flat" cmpd="sng" algn="ctr">
+              <a:solidFill>
+                <a:schemeClr val="dk1"/>
+              </a:solidFill>
+              <a:prstDash val="dash"/>
+              <a:round/>
+              <a:headEnd type="none" w="med" len="med"/>
+              <a:tailEnd type="none" w="med" len="med"/>
+            </a:ln>
+          </p:spPr>
+          <p:style>
+            <a:lnRef idx="0">
+              <a:scrgbClr r="0" g="0" b="0"/>
+            </a:lnRef>
+            <a:fillRef idx="0">
+              <a:scrgbClr r="0" g="0" b="0"/>
+            </a:fillRef>
+            <a:effectRef idx="0">
+              <a:scrgbClr r="0" g="0" b="0"/>
+            </a:effectRef>
+            <a:fontRef idx="minor">
+              <a:schemeClr val="dk1"/>
+            </a:fontRef>
+          </p:style>
+          <p:txBody>
+            <a:bodyPr rtlCol="0" anchor="ctr"/>
+            <a:lstStyle/>
+            <a:p>
+              <a:pPr algn="ctr"/>
+              <a:endParaRPr lang="en-US"/>
+            </a:p>
+          </p:txBody>
+        </p:sp>
+        <p:sp>
+          <p:nvSpPr>
+            <p:cNvPr id="4" name="Rectangle 3"/>
+            <p:cNvSpPr/>
+            <p:nvPr/>
+          </p:nvSpPr>
+          <p:spPr>
+            <a:xfrm>
+              <a:off x="8738755" y="4517708"/>
+              <a:ext cx="862445" cy="426720"/>
+            </a:xfrm>
+            <a:prstGeom prst="rect">
+              <a:avLst/>
+            </a:prstGeom>
+            <a:noFill/>
+            <a:ln w="28575" cap="flat" cmpd="sng" algn="ctr">
+              <a:solidFill>
+                <a:schemeClr val="dk1"/>
+              </a:solidFill>
+              <a:prstDash val="solid"/>
+              <a:round/>
+              <a:headEnd type="none" w="med" len="med"/>
+              <a:tailEnd type="none" w="med" len="med"/>
+            </a:ln>
+          </p:spPr>
+          <p:style>
+            <a:lnRef idx="0">
+              <a:scrgbClr r="0" g="0" b="0"/>
+            </a:lnRef>
+            <a:fillRef idx="0">
+              <a:scrgbClr r="0" g="0" b="0"/>
+            </a:fillRef>
+            <a:effectRef idx="0">
+              <a:scrgbClr r="0" g="0" b="0"/>
+            </a:effectRef>
+            <a:fontRef idx="minor">
+              <a:schemeClr val="dk1"/>
+            </a:fontRef>
+          </p:style>
+          <p:txBody>
+            <a:bodyPr rtlCol="0" anchor="ctr"/>
+            <a:lstStyle/>
+            <a:p>
+              <a:pPr algn="ctr"/>
+              <a:endParaRPr lang="en-US"/>
+            </a:p>
+          </p:txBody>
+        </p:sp>
+      </p:grpSp>
+      <p:grpSp>
+        <p:nvGrpSpPr>
+          <p:cNvPr id="21" name="Group 20"/>
+          <p:cNvGrpSpPr/>
+          <p:nvPr/>
+        </p:nvGrpSpPr>
+        <p:grpSpPr>
+          <a:xfrm>
+            <a:off x="10480965" y="1729709"/>
+            <a:ext cx="1579572" cy="1770690"/>
+            <a:chOff x="10491356" y="2230928"/>
+            <a:chExt cx="1579572" cy="1770690"/>
+          </a:xfrm>
+        </p:grpSpPr>
+        <p:grpSp>
+          <p:nvGrpSpPr>
+            <p:cNvPr id="10" name="Group 9"/>
+            <p:cNvGrpSpPr/>
+            <p:nvPr/>
+          </p:nvGrpSpPr>
+          <p:grpSpPr>
+            <a:xfrm>
+              <a:off x="10491356" y="2230928"/>
+              <a:ext cx="1579572" cy="646331"/>
+              <a:chOff x="10491356" y="2230928"/>
+              <a:chExt cx="1579572" cy="646331"/>
+            </a:xfrm>
+          </p:grpSpPr>
+          <p:sp>
+            <p:nvSpPr>
+              <p:cNvPr id="18" name="Rectangle 17"/>
+              <p:cNvSpPr/>
+              <p:nvPr/>
+            </p:nvSpPr>
+            <p:spPr>
+              <a:xfrm>
+                <a:off x="10491356" y="2401694"/>
+                <a:ext cx="390756" cy="304800"/>
+              </a:xfrm>
+              <a:prstGeom prst="rect">
+                <a:avLst/>
+              </a:prstGeom>
+              <a:noFill/>
+              <a:ln w="28575" cap="flat" cmpd="sng" algn="ctr">
+                <a:solidFill>
+                  <a:schemeClr val="dk1"/>
+                </a:solidFill>
+                <a:prstDash val="solid"/>
+                <a:round/>
+                <a:headEnd type="none" w="med" len="med"/>
+                <a:tailEnd type="none" w="med" len="med"/>
+              </a:ln>
+            </p:spPr>
+            <p:style>
+              <a:lnRef idx="0">
+                <a:scrgbClr r="0" g="0" b="0"/>
+              </a:lnRef>
+              <a:fillRef idx="0">
+                <a:scrgbClr r="0" g="0" b="0"/>
+              </a:fillRef>
+              <a:effectRef idx="0">
+                <a:scrgbClr r="0" g="0" b="0"/>
+              </a:effectRef>
+              <a:fontRef idx="minor">
+                <a:schemeClr val="dk1"/>
+              </a:fontRef>
+            </p:style>
+            <p:txBody>
+              <a:bodyPr rtlCol="0" anchor="ctr"/>
+              <a:lstStyle/>
+              <a:p>
+                <a:pPr algn="ctr"/>
+                <a:endParaRPr lang="en-US"/>
+              </a:p>
+            </p:txBody>
+          </p:sp>
+          <p:sp>
+            <p:nvSpPr>
+              <p:cNvPr id="8" name="TextBox 7"/>
+              <p:cNvSpPr txBox="1"/>
+              <p:nvPr/>
+            </p:nvSpPr>
+            <p:spPr>
+              <a:xfrm>
+                <a:off x="10977808" y="2230928"/>
+                <a:ext cx="1093120" cy="646331"/>
+              </a:xfrm>
+              <a:prstGeom prst="rect">
+                <a:avLst/>
+              </a:prstGeom>
+              <a:noFill/>
+            </p:spPr>
+            <p:txBody>
+              <a:bodyPr wrap="none" rtlCol="0">
+                <a:spAutoFit/>
+              </a:bodyPr>
+              <a:lstStyle/>
+              <a:p>
+                <a:r>
+                  <a:rPr lang="en-US" dirty="0" smtClean="0"/>
+                  <a:t>Learned</a:t>
+                </a:r>
+              </a:p>
+              <a:p>
+                <a:r>
+                  <a:rPr lang="en-US" dirty="0" smtClean="0"/>
+                  <a:t>Boundary</a:t>
+                </a:r>
+                <a:endParaRPr lang="en-US" dirty="0"/>
+              </a:p>
+            </p:txBody>
+          </p:sp>
+        </p:grpSp>
+        <p:grpSp>
+          <p:nvGrpSpPr>
+            <p:cNvPr id="13" name="Group 12"/>
+            <p:cNvGrpSpPr/>
+            <p:nvPr/>
+          </p:nvGrpSpPr>
+          <p:grpSpPr>
+            <a:xfrm>
+              <a:off x="10491356" y="3355287"/>
+              <a:ext cx="1579572" cy="646331"/>
+              <a:chOff x="10491356" y="3355287"/>
+              <a:chExt cx="1579572" cy="646331"/>
+            </a:xfrm>
+          </p:grpSpPr>
+          <p:sp>
+            <p:nvSpPr>
+              <p:cNvPr id="19" name="Rectangle 18"/>
+              <p:cNvSpPr/>
+              <p:nvPr/>
+            </p:nvSpPr>
+            <p:spPr>
+              <a:xfrm>
+                <a:off x="10491356" y="3526053"/>
+                <a:ext cx="390756" cy="304800"/>
+              </a:xfrm>
+              <a:prstGeom prst="rect">
+                <a:avLst/>
+              </a:prstGeom>
+              <a:noFill/>
+              <a:ln w="12700" cap="flat" cmpd="sng" algn="ctr">
+                <a:solidFill>
+                  <a:schemeClr val="dk1"/>
+                </a:solidFill>
+                <a:prstDash val="dash"/>
+                <a:round/>
+                <a:headEnd type="none" w="med" len="med"/>
+                <a:tailEnd type="none" w="med" len="med"/>
+              </a:ln>
+            </p:spPr>
+            <p:style>
+              <a:lnRef idx="0">
+                <a:scrgbClr r="0" g="0" b="0"/>
+              </a:lnRef>
+              <a:fillRef idx="0">
+                <a:scrgbClr r="0" g="0" b="0"/>
+              </a:fillRef>
+              <a:effectRef idx="0">
+                <a:scrgbClr r="0" g="0" b="0"/>
+              </a:effectRef>
+              <a:fontRef idx="minor">
+                <a:schemeClr val="dk1"/>
+              </a:fontRef>
+            </p:style>
+            <p:txBody>
+              <a:bodyPr rtlCol="0" anchor="ctr"/>
+              <a:lstStyle/>
+              <a:p>
+                <a:pPr algn="ctr"/>
+                <a:endParaRPr lang="en-US"/>
+              </a:p>
+            </p:txBody>
+          </p:sp>
+          <p:sp>
+            <p:nvSpPr>
+              <p:cNvPr id="20" name="TextBox 19"/>
+              <p:cNvSpPr txBox="1"/>
+              <p:nvPr/>
+            </p:nvSpPr>
+            <p:spPr>
+              <a:xfrm>
+                <a:off x="10977808" y="3355287"/>
+                <a:ext cx="1093120" cy="646331"/>
+              </a:xfrm>
+              <a:prstGeom prst="rect">
+                <a:avLst/>
+              </a:prstGeom>
+              <a:noFill/>
+            </p:spPr>
+            <p:txBody>
+              <a:bodyPr wrap="none" rtlCol="0">
+                <a:spAutoFit/>
+              </a:bodyPr>
+              <a:lstStyle/>
+              <a:p>
+                <a:r>
+                  <a:rPr lang="en-US" dirty="0" smtClean="0"/>
+                  <a:t>True</a:t>
+                </a:r>
+              </a:p>
+              <a:p>
+                <a:r>
+                  <a:rPr lang="en-US" dirty="0" smtClean="0"/>
+                  <a:t>Boundary</a:t>
+                </a:r>
+                <a:endParaRPr lang="en-US" dirty="0"/>
+              </a:p>
+            </p:txBody>
+          </p:sp>
+        </p:grpSp>
+      </p:grpSp>
+    </p:spTree>
+    <p:extLst>
+      <p:ext uri="{BB962C8B-B14F-4D97-AF65-F5344CB8AC3E}">
+        <p14:creationId xmlns:p14="http://schemas.microsoft.com/office/powerpoint/2010/main" val="3257359179"/>
+      </p:ext>
+    </p:extLst>
+  </p:cSld>
+  <p:clrMapOvr>
+    <a:masterClrMapping/>
+  </p:clrMapOvr>
+  <p:timing>
+    <p:tnLst>
+      <p:par>
+        <p:cTn id="1" dur="indefinite" restart="never" nodeType="tmRoot"/>
+      </p:par>
+    </p:tnLst>
+  </p:timing>
+</p:sld>
+</file>
+
+<file path=ppt/slides/slide16.xml><?xml version="1.0" encoding="utf-8"?>
+<p:sld xmlns:a="http://schemas.openxmlformats.org/drawingml/2006/main" xmlns:r="http://schemas.openxmlformats.org/officeDocument/2006/relationships" xmlns:p="http://schemas.openxmlformats.org/presentationml/2006/main">
+  <p:cSld>
+    <p:spTree>
+      <p:nvGrpSpPr>
+        <p:cNvPr id="1" name=""/>
+        <p:cNvGrpSpPr/>
+        <p:nvPr/>
+      </p:nvGrpSpPr>
+      <p:grpSpPr>
+        <a:xfrm>
+          <a:off x="0" y="0"/>
+          <a:ext cx="0" cy="0"/>
+          <a:chOff x="0" y="0"/>
+          <a:chExt cx="0" cy="0"/>
+        </a:xfrm>
+      </p:grpSpPr>
       <p:sp>
         <p:nvSpPr>
-          <p:cNvPr id="11" name="五角星 10"/>
+          <p:cNvPr id="2" name="Title 1"/>
+          <p:cNvSpPr>
+            <a:spLocks noGrp="1"/>
+          </p:cNvSpPr>
+          <p:nvPr>
+            <p:ph type="title"/>
+          </p:nvPr>
+        </p:nvSpPr>
+        <p:spPr/>
+        <p:txBody>
+          <a:bodyPr/>
+          <a:lstStyle/>
+          <a:p>
+            <a:r>
+              <a:rPr lang="en-US" dirty="0"/>
+              <a:t>Imbalance Attribute 3</a:t>
+            </a:r>
+          </a:p>
+        </p:txBody>
+      </p:sp>
+      <mc:AlternateContent xmlns:mc="http://schemas.openxmlformats.org/markup-compatibility/2006" xmlns:a14="http://schemas.microsoft.com/office/drawing/2010/main">
+        <mc:Choice Requires="a14">
+          <p:sp>
+            <p:nvSpPr>
+              <p:cNvPr id="3" name="Content Placeholder 2"/>
+              <p:cNvSpPr>
+                <a:spLocks noGrp="1"/>
+              </p:cNvSpPr>
+              <p:nvPr>
+                <p:ph idx="1"/>
+              </p:nvPr>
+            </p:nvSpPr>
+            <p:spPr>
+              <a:xfrm>
+                <a:off x="838200" y="1690688"/>
+                <a:ext cx="5041055" cy="4859396"/>
+              </a:xfrm>
+            </p:spPr>
+            <p:txBody>
+              <a:bodyPr>
+                <a:normAutofit/>
+              </a:bodyPr>
+              <a:lstStyle/>
+              <a:p>
+                <a:pPr algn="just"/>
+                <a:r>
+                  <a:rPr lang="en-US" dirty="0" smtClean="0"/>
+                  <a:t>Extent of Small </a:t>
+                </a:r>
+                <a:r>
+                  <a:rPr lang="en-US" dirty="0" err="1" smtClean="0"/>
+                  <a:t>Disjuncts</a:t>
+                </a:r>
+                <a:r>
+                  <a:rPr lang="en-US" dirty="0"/>
+                  <a:t> </a:t>
+                </a:r>
+                <a14:m>
+                  <m:oMath xmlns:m="http://schemas.openxmlformats.org/officeDocument/2006/math">
+                    <m:r>
+                      <a:rPr lang="en-US" i="1">
+                        <a:latin typeface="Cambria Math" panose="02040503050406030204" pitchFamily="18" charset="0"/>
+                      </a:rPr>
+                      <m:t>𝑝</m:t>
+                    </m:r>
+                    <m:r>
+                      <a:rPr lang="en-US" i="1">
+                        <a:latin typeface="Cambria Math" panose="02040503050406030204" pitchFamily="18" charset="0"/>
+                      </a:rPr>
+                      <m:t>(</m:t>
+                    </m:r>
+                    <m:r>
+                      <a:rPr lang="en-US" i="1">
+                        <a:latin typeface="Cambria Math" panose="02040503050406030204" pitchFamily="18" charset="0"/>
+                      </a:rPr>
+                      <m:t>𝛾</m:t>
+                    </m:r>
+                    <m:r>
+                      <a:rPr lang="en-US" b="0" i="1" smtClean="0">
+                        <a:latin typeface="Cambria Math" panose="02040503050406030204" pitchFamily="18" charset="0"/>
+                      </a:rPr>
+                      <m:t>)</m:t>
+                    </m:r>
+                  </m:oMath>
+                </a14:m>
+                <a:endParaRPr lang="en-US" dirty="0" smtClean="0"/>
+              </a:p>
+              <a:p>
+                <a:pPr lvl="1" algn="just"/>
+                <a:r>
+                  <a:rPr lang="en-US" b="0" dirty="0" smtClean="0"/>
+                  <a:t>Define </a:t>
+                </a:r>
+                <a14:m>
+                  <m:oMath xmlns:m="http://schemas.openxmlformats.org/officeDocument/2006/math">
+                    <m:r>
+                      <a:rPr lang="en-US" b="0" i="1" smtClean="0">
+                        <a:latin typeface="Cambria Math" panose="02040503050406030204" pitchFamily="18" charset="0"/>
+                      </a:rPr>
+                      <m:t>𝛾</m:t>
+                    </m:r>
+                    <m:d>
+                      <m:dPr>
+                        <m:ctrlPr>
+                          <a:rPr lang="en-US" b="0" i="1" smtClean="0">
+                            <a:latin typeface="Cambria Math" panose="02040503050406030204" pitchFamily="18" charset="0"/>
+                          </a:rPr>
+                        </m:ctrlPr>
+                      </m:dPr>
+                      <m:e>
+                        <m:r>
+                          <a:rPr lang="en-US" b="0" i="1" smtClean="0">
+                            <a:latin typeface="Cambria Math" panose="02040503050406030204" pitchFamily="18" charset="0"/>
+                          </a:rPr>
+                          <m:t>𝑥</m:t>
+                        </m:r>
+                      </m:e>
+                    </m:d>
+                  </m:oMath>
+                </a14:m>
+                <a:r>
+                  <a:rPr lang="en-US" dirty="0" smtClean="0"/>
+                  <a:t> that</a:t>
+                </a:r>
+              </a:p>
+              <a:p>
+                <a:pPr marL="457200" lvl="1" indent="0" algn="just">
+                  <a:buNone/>
+                </a:pPr>
+                <a14:m>
+                  <m:oMathPara xmlns:m="http://schemas.openxmlformats.org/officeDocument/2006/math">
+                    <m:oMathParaPr>
+                      <m:jc m:val="centerGroup"/>
+                    </m:oMathParaPr>
+                    <m:oMath xmlns:m="http://schemas.openxmlformats.org/officeDocument/2006/math">
+                      <m:r>
+                        <a:rPr lang="en-US" b="0" i="1" smtClean="0">
+                          <a:latin typeface="Cambria Math" panose="02040503050406030204" pitchFamily="18" charset="0"/>
+                        </a:rPr>
+                        <m:t>𝛾</m:t>
+                      </m:r>
+                      <m:d>
+                        <m:dPr>
+                          <m:ctrlPr>
+                            <a:rPr lang="en-US" b="0" i="1" smtClean="0">
+                              <a:latin typeface="Cambria Math" panose="02040503050406030204" pitchFamily="18" charset="0"/>
+                            </a:rPr>
+                          </m:ctrlPr>
+                        </m:dPr>
+                        <m:e>
+                          <m:r>
+                            <a:rPr lang="en-US" b="0" i="1" smtClean="0">
+                              <a:latin typeface="Cambria Math" panose="02040503050406030204" pitchFamily="18" charset="0"/>
+                            </a:rPr>
+                            <m:t>𝑥</m:t>
+                          </m:r>
+                        </m:e>
+                      </m:d>
+                      <m:r>
+                        <a:rPr lang="en-US" b="0" i="1" smtClean="0">
+                          <a:latin typeface="Cambria Math" panose="02040503050406030204" pitchFamily="18" charset="0"/>
+                        </a:rPr>
+                        <m:t>=</m:t>
+                      </m:r>
+                      <m:rad>
+                        <m:radPr>
+                          <m:degHide m:val="on"/>
+                          <m:ctrlPr>
+                            <a:rPr lang="en-US" b="0" i="1" smtClean="0">
+                              <a:latin typeface="Cambria Math" panose="02040503050406030204" pitchFamily="18" charset="0"/>
+                            </a:rPr>
+                          </m:ctrlPr>
+                        </m:radPr>
+                        <m:deg/>
+                        <m:e>
+                          <m:f>
+                            <m:fPr>
+                              <m:ctrlPr>
+                                <a:rPr lang="en-US" i="1">
+                                  <a:latin typeface="Cambria Math" panose="02040503050406030204" pitchFamily="18" charset="0"/>
+                                </a:rPr>
+                              </m:ctrlPr>
+                            </m:fPr>
+                            <m:num>
+                              <m:nary>
+                                <m:naryPr>
+                                  <m:chr m:val="∑"/>
+                                  <m:supHide m:val="on"/>
+                                  <m:ctrlPr>
+                                    <a:rPr lang="en-US" i="1">
+                                      <a:latin typeface="Cambria Math" panose="02040503050406030204" pitchFamily="18" charset="0"/>
+                                    </a:rPr>
+                                  </m:ctrlPr>
+                                </m:naryPr>
+                                <m:sub>
+                                  <m:sSup>
+                                    <m:sSupPr>
+                                      <m:ctrlPr>
+                                        <a:rPr lang="en-US" i="1">
+                                          <a:latin typeface="Cambria Math" panose="02040503050406030204" pitchFamily="18" charset="0"/>
+                                        </a:rPr>
+                                      </m:ctrlPr>
+                                    </m:sSupPr>
+                                    <m:e>
+                                      <m:r>
+                                        <a:rPr lang="en-US" i="1">
+                                          <a:latin typeface="Cambria Math" panose="02040503050406030204" pitchFamily="18" charset="0"/>
+                                        </a:rPr>
+                                        <m:t>𝑥</m:t>
+                                      </m:r>
+                                    </m:e>
+                                    <m:sup>
+                                      <m:r>
+                                        <a:rPr lang="en-US" i="1">
+                                          <a:latin typeface="Cambria Math" panose="02040503050406030204" pitchFamily="18" charset="0"/>
+                                        </a:rPr>
+                                        <m:t>′</m:t>
+                                      </m:r>
+                                    </m:sup>
+                                  </m:sSup>
+                                  <m:r>
+                                    <a:rPr lang="en-US" i="1">
+                                      <a:latin typeface="Cambria Math" panose="02040503050406030204" pitchFamily="18" charset="0"/>
+                                    </a:rPr>
+                                    <m:t>∈</m:t>
+                                  </m:r>
+                                  <m:r>
+                                    <a:rPr lang="en-US" i="1">
+                                      <a:latin typeface="Cambria Math" panose="02040503050406030204" pitchFamily="18" charset="0"/>
+                                    </a:rPr>
+                                    <m:t>𝑁𝑁</m:t>
+                                  </m:r>
+                                  <m:d>
+                                    <m:dPr>
+                                      <m:ctrlPr>
+                                        <a:rPr lang="en-US" i="1">
+                                          <a:latin typeface="Cambria Math" panose="02040503050406030204" pitchFamily="18" charset="0"/>
+                                        </a:rPr>
+                                      </m:ctrlPr>
+                                    </m:dPr>
+                                    <m:e>
+                                      <m:r>
+                                        <a:rPr lang="en-US" i="1">
+                                          <a:latin typeface="Cambria Math" panose="02040503050406030204" pitchFamily="18" charset="0"/>
+                                        </a:rPr>
+                                        <m:t>𝑥</m:t>
+                                      </m:r>
+                                    </m:e>
+                                  </m:d>
+                                </m:sub>
+                                <m:sup/>
+                                <m:e>
+                                  <m:sSubSup>
+                                    <m:sSubSupPr>
+                                      <m:ctrlPr>
+                                        <a:rPr lang="en-US" i="1">
+                                          <a:latin typeface="Cambria Math" panose="02040503050406030204" pitchFamily="18" charset="0"/>
+                                        </a:rPr>
+                                      </m:ctrlPr>
+                                    </m:sSubSupPr>
+                                    <m:e>
+                                      <m:d>
+                                        <m:dPr>
+                                          <m:begChr m:val="|"/>
+                                          <m:endChr m:val="|"/>
+                                          <m:ctrlPr>
+                                            <a:rPr lang="en-US" i="1">
+                                              <a:latin typeface="Cambria Math" panose="02040503050406030204" pitchFamily="18" charset="0"/>
+                                            </a:rPr>
+                                          </m:ctrlPr>
+                                        </m:dPr>
+                                        <m:e>
+                                          <m:d>
+                                            <m:dPr>
+                                              <m:begChr m:val="|"/>
+                                              <m:endChr m:val="|"/>
+                                              <m:ctrlPr>
+                                                <a:rPr lang="en-US" b="0" i="1" smtClean="0">
+                                                  <a:latin typeface="Cambria Math" panose="02040503050406030204" pitchFamily="18" charset="0"/>
+                                                </a:rPr>
+                                              </m:ctrlPr>
+                                            </m:dPr>
+                                            <m:e>
+                                              <m:r>
+                                                <a:rPr lang="en-US" b="0" i="1" smtClean="0">
+                                                  <a:latin typeface="Cambria Math" panose="02040503050406030204" pitchFamily="18" charset="0"/>
+                                                </a:rPr>
+                                                <m:t>𝑥</m:t>
+                                              </m:r>
+                                              <m:r>
+                                                <a:rPr lang="en-US" b="0" i="1" smtClean="0">
+                                                  <a:latin typeface="Cambria Math" panose="02040503050406030204" pitchFamily="18" charset="0"/>
+                                                </a:rPr>
+                                                <m:t>−</m:t>
+                                              </m:r>
+                                              <m:sSup>
+                                                <m:sSupPr>
+                                                  <m:ctrlPr>
+                                                    <a:rPr lang="en-US" b="0" i="1" smtClean="0">
+                                                      <a:latin typeface="Cambria Math" panose="02040503050406030204" pitchFamily="18" charset="0"/>
+                                                    </a:rPr>
+                                                  </m:ctrlPr>
+                                                </m:sSupPr>
+                                                <m:e>
+                                                  <m:r>
+                                                    <a:rPr lang="en-US" b="0" i="1" smtClean="0">
+                                                      <a:latin typeface="Cambria Math" panose="02040503050406030204" pitchFamily="18" charset="0"/>
+                                                    </a:rPr>
+                                                    <m:t>𝑥</m:t>
+                                                  </m:r>
+                                                </m:e>
+                                                <m:sup>
+                                                  <m:r>
+                                                    <a:rPr lang="en-US" b="0" i="1" smtClean="0">
+                                                      <a:latin typeface="Cambria Math" panose="02040503050406030204" pitchFamily="18" charset="0"/>
+                                                    </a:rPr>
+                                                    <m:t>′</m:t>
+                                                  </m:r>
+                                                </m:sup>
+                                              </m:sSup>
+                                            </m:e>
+                                          </m:d>
+                                        </m:e>
+                                      </m:d>
+                                    </m:e>
+                                    <m:sub>
+                                      <m:r>
+                                        <a:rPr lang="en-US" i="1">
+                                          <a:latin typeface="Cambria Math" panose="02040503050406030204" pitchFamily="18" charset="0"/>
+                                        </a:rPr>
+                                        <m:t>2</m:t>
+                                      </m:r>
+                                    </m:sub>
+                                    <m:sup>
+                                      <m:r>
+                                        <a:rPr lang="en-US" i="1">
+                                          <a:latin typeface="Cambria Math" panose="02040503050406030204" pitchFamily="18" charset="0"/>
+                                        </a:rPr>
+                                        <m:t>2</m:t>
+                                      </m:r>
+                                    </m:sup>
+                                  </m:sSubSup>
+                                </m:e>
+                              </m:nary>
+                            </m:num>
+                            <m:den>
+                              <m:nary>
+                                <m:naryPr>
+                                  <m:chr m:val="∑"/>
+                                  <m:supHide m:val="on"/>
+                                  <m:ctrlPr>
+                                    <a:rPr lang="en-US" i="1">
+                                      <a:latin typeface="Cambria Math" panose="02040503050406030204" pitchFamily="18" charset="0"/>
+                                    </a:rPr>
+                                  </m:ctrlPr>
+                                </m:naryPr>
+                                <m:sub>
+                                  <m:sSup>
+                                    <m:sSupPr>
+                                      <m:ctrlPr>
+                                        <a:rPr lang="en-US" i="1">
+                                          <a:latin typeface="Cambria Math" panose="02040503050406030204" pitchFamily="18" charset="0"/>
+                                        </a:rPr>
+                                      </m:ctrlPr>
+                                    </m:sSupPr>
+                                    <m:e>
+                                      <m:r>
+                                        <a:rPr lang="en-US" i="1">
+                                          <a:latin typeface="Cambria Math" panose="02040503050406030204" pitchFamily="18" charset="0"/>
+                                        </a:rPr>
+                                        <m:t>𝑥</m:t>
+                                      </m:r>
+                                    </m:e>
+                                    <m:sup>
+                                      <m:r>
+                                        <a:rPr lang="en-US" i="1">
+                                          <a:latin typeface="Cambria Math" panose="02040503050406030204" pitchFamily="18" charset="0"/>
+                                        </a:rPr>
+                                        <m:t>′</m:t>
+                                      </m:r>
+                                    </m:sup>
+                                  </m:sSup>
+                                  <m:r>
+                                    <a:rPr lang="en-US" i="1">
+                                      <a:latin typeface="Cambria Math" panose="02040503050406030204" pitchFamily="18" charset="0"/>
+                                    </a:rPr>
+                                    <m:t>∈</m:t>
+                                  </m:r>
+                                  <m:r>
+                                    <a:rPr lang="en-US" i="1">
+                                      <a:latin typeface="Cambria Math" panose="02040503050406030204" pitchFamily="18" charset="0"/>
+                                    </a:rPr>
+                                    <m:t>𝑁</m:t>
+                                  </m:r>
+                                  <m:sSub>
+                                    <m:sSubPr>
+                                      <m:ctrlPr>
+                                        <a:rPr lang="en-US" i="1">
+                                          <a:latin typeface="Cambria Math" panose="02040503050406030204" pitchFamily="18" charset="0"/>
+                                        </a:rPr>
+                                      </m:ctrlPr>
+                                    </m:sSubPr>
+                                    <m:e>
+                                      <m:r>
+                                        <a:rPr lang="en-US" i="1">
+                                          <a:latin typeface="Cambria Math" panose="02040503050406030204" pitchFamily="18" charset="0"/>
+                                        </a:rPr>
+                                        <m:t>𝑁</m:t>
+                                      </m:r>
+                                    </m:e>
+                                    <m:sub>
+                                      <m:r>
+                                        <a:rPr lang="en-US" i="1">
+                                          <a:latin typeface="Cambria Math" panose="02040503050406030204" pitchFamily="18" charset="0"/>
+                                        </a:rPr>
+                                        <m:t>+</m:t>
+                                      </m:r>
+                                    </m:sub>
+                                  </m:sSub>
+                                  <m:d>
+                                    <m:dPr>
+                                      <m:ctrlPr>
+                                        <a:rPr lang="en-US" i="1">
+                                          <a:latin typeface="Cambria Math" panose="02040503050406030204" pitchFamily="18" charset="0"/>
+                                        </a:rPr>
+                                      </m:ctrlPr>
+                                    </m:dPr>
+                                    <m:e>
+                                      <m:r>
+                                        <a:rPr lang="en-US" i="1">
+                                          <a:latin typeface="Cambria Math" panose="02040503050406030204" pitchFamily="18" charset="0"/>
+                                        </a:rPr>
+                                        <m:t>𝑥</m:t>
+                                      </m:r>
+                                    </m:e>
+                                  </m:d>
+                                </m:sub>
+                                <m:sup/>
+                                <m:e>
+                                  <m:sSubSup>
+                                    <m:sSubSupPr>
+                                      <m:ctrlPr>
+                                        <a:rPr lang="en-US" i="1">
+                                          <a:latin typeface="Cambria Math" panose="02040503050406030204" pitchFamily="18" charset="0"/>
+                                        </a:rPr>
+                                      </m:ctrlPr>
+                                    </m:sSubSupPr>
+                                    <m:e>
+                                      <m:d>
+                                        <m:dPr>
+                                          <m:begChr m:val="|"/>
+                                          <m:endChr m:val="|"/>
+                                          <m:ctrlPr>
+                                            <a:rPr lang="en-US" i="1">
+                                              <a:latin typeface="Cambria Math" panose="02040503050406030204" pitchFamily="18" charset="0"/>
+                                            </a:rPr>
+                                          </m:ctrlPr>
+                                        </m:dPr>
+                                        <m:e>
+                                          <m:d>
+                                            <m:dPr>
+                                              <m:begChr m:val="|"/>
+                                              <m:endChr m:val="|"/>
+                                              <m:ctrlPr>
+                                                <a:rPr lang="en-US" i="1">
+                                                  <a:latin typeface="Cambria Math" panose="02040503050406030204" pitchFamily="18" charset="0"/>
+                                                </a:rPr>
+                                              </m:ctrlPr>
+                                            </m:dPr>
+                                            <m:e>
+                                              <m:r>
+                                                <a:rPr lang="en-US" i="1">
+                                                  <a:latin typeface="Cambria Math" panose="02040503050406030204" pitchFamily="18" charset="0"/>
+                                                </a:rPr>
+                                                <m:t>𝑥</m:t>
+                                              </m:r>
+                                              <m:r>
+                                                <a:rPr lang="en-US" i="1">
+                                                  <a:latin typeface="Cambria Math" panose="02040503050406030204" pitchFamily="18" charset="0"/>
+                                                </a:rPr>
+                                                <m:t>−</m:t>
+                                              </m:r>
+                                              <m:sSup>
+                                                <m:sSupPr>
+                                                  <m:ctrlPr>
+                                                    <a:rPr lang="en-US" i="1">
+                                                      <a:latin typeface="Cambria Math" panose="02040503050406030204" pitchFamily="18" charset="0"/>
+                                                    </a:rPr>
+                                                  </m:ctrlPr>
+                                                </m:sSupPr>
+                                                <m:e>
+                                                  <m:r>
+                                                    <a:rPr lang="en-US" i="1">
+                                                      <a:latin typeface="Cambria Math" panose="02040503050406030204" pitchFamily="18" charset="0"/>
+                                                    </a:rPr>
+                                                    <m:t>𝑥</m:t>
+                                                  </m:r>
+                                                </m:e>
+                                                <m:sup>
+                                                  <m:r>
+                                                    <a:rPr lang="en-US" i="1">
+                                                      <a:latin typeface="Cambria Math" panose="02040503050406030204" pitchFamily="18" charset="0"/>
+                                                    </a:rPr>
+                                                    <m:t>′</m:t>
+                                                  </m:r>
+                                                </m:sup>
+                                              </m:sSup>
+                                            </m:e>
+                                          </m:d>
+                                        </m:e>
+                                      </m:d>
+                                    </m:e>
+                                    <m:sub>
+                                      <m:r>
+                                        <a:rPr lang="en-US" i="1">
+                                          <a:latin typeface="Cambria Math" panose="02040503050406030204" pitchFamily="18" charset="0"/>
+                                        </a:rPr>
+                                        <m:t>2</m:t>
+                                      </m:r>
+                                    </m:sub>
+                                    <m:sup>
+                                      <m:r>
+                                        <a:rPr lang="en-US" i="1">
+                                          <a:latin typeface="Cambria Math" panose="02040503050406030204" pitchFamily="18" charset="0"/>
+                                        </a:rPr>
+                                        <m:t>2</m:t>
+                                      </m:r>
+                                    </m:sup>
+                                  </m:sSubSup>
+                                </m:e>
+                              </m:nary>
+                            </m:den>
+                          </m:f>
+                        </m:e>
+                      </m:rad>
+                    </m:oMath>
+                  </m:oMathPara>
+                </a14:m>
+                <a:endParaRPr lang="en-US" i="1" dirty="0" smtClean="0"/>
+              </a:p>
+              <a:p>
+                <a:pPr lvl="1" algn="just"/>
+                <a:r>
+                  <a:rPr lang="en-US" dirty="0" smtClean="0"/>
+                  <a:t>Where set </a:t>
+                </a:r>
+                <a14:m>
+                  <m:oMath xmlns:m="http://schemas.openxmlformats.org/officeDocument/2006/math">
+                    <m:r>
+                      <a:rPr lang="en-US" i="1" smtClean="0">
+                        <a:latin typeface="Cambria Math" panose="02040503050406030204" pitchFamily="18" charset="0"/>
+                      </a:rPr>
+                      <m:t>𝑁𝑁</m:t>
+                    </m:r>
+                    <m:d>
+                      <m:dPr>
+                        <m:ctrlPr>
+                          <a:rPr lang="en-US" i="1">
+                            <a:latin typeface="Cambria Math" panose="02040503050406030204" pitchFamily="18" charset="0"/>
+                          </a:rPr>
+                        </m:ctrlPr>
+                      </m:dPr>
+                      <m:e>
+                        <m:r>
+                          <a:rPr lang="en-US" i="1" smtClean="0">
+                            <a:latin typeface="Cambria Math" panose="02040503050406030204" pitchFamily="18" charset="0"/>
+                          </a:rPr>
+                          <m:t>𝑥</m:t>
+                        </m:r>
+                      </m:e>
+                    </m:d>
+                  </m:oMath>
+                </a14:m>
+                <a:r>
+                  <a:rPr lang="en-US" dirty="0" smtClean="0"/>
+                  <a:t> contains </a:t>
+                </a:r>
+                <a14:m>
+                  <m:oMath xmlns:m="http://schemas.openxmlformats.org/officeDocument/2006/math">
+                    <m:r>
+                      <a:rPr lang="en-US" b="0" i="1" smtClean="0">
+                        <a:latin typeface="Cambria Math" panose="02040503050406030204" pitchFamily="18" charset="0"/>
+                      </a:rPr>
+                      <m:t>𝑘</m:t>
+                    </m:r>
+                  </m:oMath>
+                </a14:m>
+                <a:r>
+                  <a:rPr lang="en-US" dirty="0" smtClean="0"/>
+                  <a:t> nearest neighbors of </a:t>
+                </a:r>
+                <a14:m>
+                  <m:oMath xmlns:m="http://schemas.openxmlformats.org/officeDocument/2006/math">
+                    <m:r>
+                      <a:rPr lang="en-US" b="0" i="1" smtClean="0">
+                        <a:latin typeface="Cambria Math" panose="02040503050406030204" pitchFamily="18" charset="0"/>
+                      </a:rPr>
+                      <m:t>𝑥</m:t>
+                    </m:r>
+                  </m:oMath>
+                </a14:m>
+                <a:r>
+                  <a:rPr lang="en-US" dirty="0" smtClean="0"/>
+                  <a:t>, and </a:t>
+                </a:r>
+                <a14:m>
+                  <m:oMath xmlns:m="http://schemas.openxmlformats.org/officeDocument/2006/math">
+                    <m:r>
+                      <a:rPr lang="en-US" i="1">
+                        <a:latin typeface="Cambria Math" panose="02040503050406030204" pitchFamily="18" charset="0"/>
+                      </a:rPr>
+                      <m:t>𝑁</m:t>
+                    </m:r>
+                    <m:sSub>
+                      <m:sSubPr>
+                        <m:ctrlPr>
+                          <a:rPr lang="en-US" b="0" i="1" smtClean="0">
+                            <a:latin typeface="Cambria Math" panose="02040503050406030204" pitchFamily="18" charset="0"/>
+                          </a:rPr>
+                        </m:ctrlPr>
+                      </m:sSubPr>
+                      <m:e>
+                        <m:r>
+                          <a:rPr lang="en-US" i="1">
+                            <a:latin typeface="Cambria Math" panose="02040503050406030204" pitchFamily="18" charset="0"/>
+                          </a:rPr>
+                          <m:t>𝑁</m:t>
+                        </m:r>
+                      </m:e>
+                      <m:sub>
+                        <m:r>
+                          <a:rPr lang="en-US" b="0" i="1" smtClean="0">
+                            <a:latin typeface="Cambria Math" panose="02040503050406030204" pitchFamily="18" charset="0"/>
+                          </a:rPr>
+                          <m:t>+</m:t>
+                        </m:r>
+                      </m:sub>
+                    </m:sSub>
+                    <m:d>
+                      <m:dPr>
+                        <m:ctrlPr>
+                          <a:rPr lang="en-US" i="1">
+                            <a:latin typeface="Cambria Math" panose="02040503050406030204" pitchFamily="18" charset="0"/>
+                          </a:rPr>
+                        </m:ctrlPr>
+                      </m:dPr>
+                      <m:e>
+                        <m:r>
+                          <a:rPr lang="en-US" i="1">
+                            <a:latin typeface="Cambria Math" panose="02040503050406030204" pitchFamily="18" charset="0"/>
+                          </a:rPr>
+                          <m:t>𝑥</m:t>
+                        </m:r>
+                      </m:e>
+                    </m:d>
+                  </m:oMath>
+                </a14:m>
+                <a:r>
+                  <a:rPr lang="en-US" dirty="0" smtClean="0"/>
+                  <a:t> the </a:t>
+                </a:r>
+                <a14:m>
+                  <m:oMath xmlns:m="http://schemas.openxmlformats.org/officeDocument/2006/math">
+                    <m:r>
+                      <a:rPr lang="en-US" b="0" i="1" smtClean="0">
+                        <a:latin typeface="Cambria Math" panose="02040503050406030204" pitchFamily="18" charset="0"/>
+                      </a:rPr>
+                      <m:t>𝑘</m:t>
+                    </m:r>
+                  </m:oMath>
+                </a14:m>
+                <a:r>
+                  <a:rPr lang="en-US" dirty="0" smtClean="0"/>
+                  <a:t> positive nearest neighbors.</a:t>
+                </a:r>
+              </a:p>
+              <a:p>
+                <a:pPr lvl="1" algn="just"/>
+                <a:r>
+                  <a:rPr lang="en-US" dirty="0" smtClean="0"/>
+                  <a:t>Evaluate </a:t>
+                </a:r>
+                <a14:m>
+                  <m:oMath xmlns:m="http://schemas.openxmlformats.org/officeDocument/2006/math">
+                    <m:r>
+                      <a:rPr lang="en-US" b="0" i="1" smtClean="0">
+                        <a:latin typeface="Cambria Math" panose="02040503050406030204" pitchFamily="18" charset="0"/>
+                      </a:rPr>
+                      <m:t>𝛾</m:t>
+                    </m:r>
+                    <m:d>
+                      <m:dPr>
+                        <m:ctrlPr>
+                          <a:rPr lang="en-US" b="0" i="1" smtClean="0">
+                            <a:latin typeface="Cambria Math" panose="02040503050406030204" pitchFamily="18" charset="0"/>
+                          </a:rPr>
+                        </m:ctrlPr>
+                      </m:dPr>
+                      <m:e>
+                        <m:r>
+                          <a:rPr lang="en-US" b="0" i="1" smtClean="0">
+                            <a:latin typeface="Cambria Math" panose="02040503050406030204" pitchFamily="18" charset="0"/>
+                          </a:rPr>
+                          <m:t>𝑥</m:t>
+                        </m:r>
+                      </m:e>
+                    </m:d>
+                  </m:oMath>
+                </a14:m>
+                <a:r>
+                  <a:rPr lang="en-US" dirty="0" smtClean="0"/>
+                  <a:t> on each positive instance, then estimate the density </a:t>
+                </a:r>
+                <a14:m>
+                  <m:oMath xmlns:m="http://schemas.openxmlformats.org/officeDocument/2006/math">
+                    <m:r>
+                      <a:rPr lang="en-US" b="0" i="1" smtClean="0">
+                        <a:latin typeface="Cambria Math" panose="02040503050406030204" pitchFamily="18" charset="0"/>
+                      </a:rPr>
+                      <m:t>𝑝</m:t>
+                    </m:r>
+                    <m:r>
+                      <a:rPr lang="en-US" b="0" i="1" smtClean="0">
+                        <a:latin typeface="Cambria Math" panose="02040503050406030204" pitchFamily="18" charset="0"/>
+                      </a:rPr>
+                      <m:t>(</m:t>
+                    </m:r>
+                    <m:r>
+                      <a:rPr lang="en-US" b="0" i="1" smtClean="0">
+                        <a:latin typeface="Cambria Math" panose="02040503050406030204" pitchFamily="18" charset="0"/>
+                      </a:rPr>
+                      <m:t>𝛾</m:t>
+                    </m:r>
+                    <m:r>
+                      <a:rPr lang="en-US" b="0" i="1" smtClean="0">
+                        <a:latin typeface="Cambria Math" panose="02040503050406030204" pitchFamily="18" charset="0"/>
+                      </a:rPr>
+                      <m:t>)</m:t>
+                    </m:r>
+                  </m:oMath>
+                </a14:m>
+                <a:r>
+                  <a:rPr lang="en-US" dirty="0" smtClean="0"/>
+                  <a:t>.</a:t>
+                </a:r>
+              </a:p>
+            </p:txBody>
+          </p:sp>
+        </mc:Choice>
+        <mc:Fallback xmlns="">
+          <p:sp>
+            <p:nvSpPr>
+              <p:cNvPr id="3" name="Content Placeholder 2"/>
+              <p:cNvSpPr>
+                <a:spLocks noGrp="1" noRot="1" noChangeAspect="1" noMove="1" noResize="1" noEditPoints="1" noAdjustHandles="1" noChangeArrowheads="1" noChangeShapeType="1" noTextEdit="1"/>
+              </p:cNvSpPr>
+              <p:nvPr>
+                <p:ph idx="1"/>
+              </p:nvPr>
+            </p:nvSpPr>
+            <p:spPr>
+              <a:xfrm>
+                <a:off x="838200" y="1690688"/>
+                <a:ext cx="5041055" cy="4859396"/>
+              </a:xfrm>
+              <a:blipFill>
+                <a:blip r:embed="rId2"/>
+                <a:stretch>
+                  <a:fillRect l="-2179" t="-2008" r="-1937"/>
+                </a:stretch>
+              </a:blipFill>
+            </p:spPr>
+            <p:txBody>
+              <a:bodyPr/>
+              <a:lstStyle/>
+              <a:p>
+                <a:r>
+                  <a:rPr lang="en-US">
+                    <a:noFill/>
+                  </a:rPr>
+                  <a:t> </a:t>
+                </a:r>
+              </a:p>
+            </p:txBody>
+          </p:sp>
+        </mc:Fallback>
+      </mc:AlternateContent>
+      <p:pic>
+        <p:nvPicPr>
+          <p:cNvPr id="12" name="Picture 11"/>
+          <p:cNvPicPr>
+            <a:picLocks noChangeAspect="1"/>
+          </p:cNvPicPr>
+          <p:nvPr/>
+        </p:nvPicPr>
+        <p:blipFill>
+          <a:blip r:embed="rId3">
+            <a:extLst>
+              <a:ext uri="{28A0092B-C50C-407E-A947-70E740481C1C}">
+                <a14:useLocalDpi xmlns:a14="http://schemas.microsoft.com/office/drawing/2010/main" val="0"/>
+              </a:ext>
+            </a:extLst>
+          </a:blip>
+          <a:stretch>
+            <a:fillRect/>
+          </a:stretch>
+        </p:blipFill>
+        <p:spPr>
+          <a:xfrm>
+            <a:off x="6096000" y="365125"/>
+            <a:ext cx="6031208" cy="4500789"/>
+          </a:xfrm>
+          <a:prstGeom prst="rect">
+            <a:avLst/>
+          </a:prstGeom>
+        </p:spPr>
+      </p:pic>
+      <p:sp>
+        <p:nvSpPr>
+          <p:cNvPr id="13" name="五角星 10"/>
           <p:cNvSpPr/>
           <p:nvPr/>
         </p:nvSpPr>
         <p:spPr>
           <a:xfrm>
-            <a:off x="8839200" y="4517708"/>
-            <a:ext cx="182880" cy="182880"/>
+            <a:off x="9013306" y="3813382"/>
+            <a:ext cx="201040" cy="201040"/>
           </a:xfrm>
           <a:prstGeom prst="star5">
             <a:avLst/>
@@ -21907,20 +23500,20 @@
       </p:sp>
       <p:sp>
         <p:nvSpPr>
-          <p:cNvPr id="14" name="五角星 13"/>
+          <p:cNvPr id="15" name="五角星 13"/>
           <p:cNvSpPr/>
           <p:nvPr/>
         </p:nvSpPr>
         <p:spPr>
           <a:xfrm>
-            <a:off x="9418320" y="4752861"/>
-            <a:ext cx="182880" cy="182880"/>
+            <a:off x="9649933" y="4071886"/>
+            <a:ext cx="201040" cy="201040"/>
           </a:xfrm>
           <a:prstGeom prst="star5">
             <a:avLst/>
           </a:prstGeom>
           <a:solidFill>
-            <a:srgbClr val="008000"/>
+            <a:srgbClr val="FF0000"/>
           </a:solidFill>
           <a:ln>
             <a:noFill/>
@@ -21959,8 +23552,8 @@
         </p:nvSpPr>
         <p:spPr>
           <a:xfrm>
-            <a:off x="8988570" y="4761548"/>
-            <a:ext cx="182880" cy="182880"/>
+            <a:off x="9177509" y="4081435"/>
+            <a:ext cx="201040" cy="201040"/>
           </a:xfrm>
           <a:prstGeom prst="star5">
             <a:avLst/>
@@ -22005,8 +23598,8 @@
         </p:nvSpPr>
         <p:spPr>
           <a:xfrm>
-            <a:off x="7396998" y="2523614"/>
-            <a:ext cx="182880" cy="182880"/>
+            <a:off x="7427895" y="1621276"/>
+            <a:ext cx="201040" cy="201040"/>
           </a:xfrm>
           <a:prstGeom prst="star5">
             <a:avLst/>
@@ -22043,10 +23636,1869 @@
           </a:p>
         </p:txBody>
       </p:sp>
+      <p:cxnSp>
+        <p:nvCxnSpPr>
+          <p:cNvPr id="24" name="Straight Connector 23"/>
+          <p:cNvCxnSpPr>
+            <a:stCxn id="15" idx="1"/>
+            <a:endCxn id="16" idx="4"/>
+          </p:cNvCxnSpPr>
+          <p:nvPr/>
+        </p:nvCxnSpPr>
+        <p:spPr>
+          <a:xfrm flipH="1">
+            <a:off x="9378549" y="4148676"/>
+            <a:ext cx="271384" cy="9549"/>
+          </a:xfrm>
+          <a:prstGeom prst="line">
+            <a:avLst/>
+          </a:prstGeom>
+          <a:ln w="12700">
+            <a:solidFill>
+              <a:schemeClr val="tx1"/>
+            </a:solidFill>
+          </a:ln>
+        </p:spPr>
+        <p:style>
+          <a:lnRef idx="1">
+            <a:schemeClr val="accent1"/>
+          </a:lnRef>
+          <a:fillRef idx="0">
+            <a:schemeClr val="accent1"/>
+          </a:fillRef>
+          <a:effectRef idx="0">
+            <a:schemeClr val="accent1"/>
+          </a:effectRef>
+          <a:fontRef idx="minor">
+            <a:schemeClr val="tx1"/>
+          </a:fontRef>
+        </p:style>
+      </p:cxnSp>
+      <p:cxnSp>
+        <p:nvCxnSpPr>
+          <p:cNvPr id="27" name="Straight Connector 26"/>
+          <p:cNvCxnSpPr>
+            <a:stCxn id="13" idx="4"/>
+            <a:endCxn id="15" idx="1"/>
+          </p:cNvCxnSpPr>
+          <p:nvPr/>
+        </p:nvCxnSpPr>
+        <p:spPr>
+          <a:xfrm>
+            <a:off x="9214346" y="3890172"/>
+            <a:ext cx="435587" cy="258504"/>
+          </a:xfrm>
+          <a:prstGeom prst="line">
+            <a:avLst/>
+          </a:prstGeom>
+          <a:ln w="12700">
+            <a:solidFill>
+              <a:schemeClr val="tx1"/>
+            </a:solidFill>
+          </a:ln>
+        </p:spPr>
+        <p:style>
+          <a:lnRef idx="1">
+            <a:schemeClr val="accent1"/>
+          </a:lnRef>
+          <a:fillRef idx="0">
+            <a:schemeClr val="accent1"/>
+          </a:fillRef>
+          <a:effectRef idx="0">
+            <a:schemeClr val="accent1"/>
+          </a:effectRef>
+          <a:fontRef idx="minor">
+            <a:schemeClr val="tx1"/>
+          </a:fontRef>
+        </p:style>
+      </p:cxnSp>
+      <p:cxnSp>
+        <p:nvCxnSpPr>
+          <p:cNvPr id="30" name="Straight Connector 29"/>
+          <p:cNvCxnSpPr>
+            <a:stCxn id="15" idx="0"/>
+          </p:cNvCxnSpPr>
+          <p:nvPr/>
+        </p:nvCxnSpPr>
+        <p:spPr>
+          <a:xfrm flipV="1">
+            <a:off x="9750453" y="3600450"/>
+            <a:ext cx="85432" cy="471436"/>
+          </a:xfrm>
+          <a:prstGeom prst="line">
+            <a:avLst/>
+          </a:prstGeom>
+          <a:ln w="12700">
+            <a:solidFill>
+              <a:schemeClr val="tx1"/>
+            </a:solidFill>
+          </a:ln>
+        </p:spPr>
+        <p:style>
+          <a:lnRef idx="1">
+            <a:schemeClr val="accent1"/>
+          </a:lnRef>
+          <a:fillRef idx="0">
+            <a:schemeClr val="accent1"/>
+          </a:fillRef>
+          <a:effectRef idx="0">
+            <a:schemeClr val="accent1"/>
+          </a:effectRef>
+          <a:fontRef idx="minor">
+            <a:schemeClr val="tx1"/>
+          </a:fontRef>
+        </p:style>
+      </p:cxnSp>
+      <p:cxnSp>
+        <p:nvCxnSpPr>
+          <p:cNvPr id="33" name="Straight Connector 32"/>
+          <p:cNvCxnSpPr>
+            <a:stCxn id="15" idx="0"/>
+          </p:cNvCxnSpPr>
+          <p:nvPr/>
+        </p:nvCxnSpPr>
+        <p:spPr>
+          <a:xfrm flipV="1">
+            <a:off x="9750453" y="3714750"/>
+            <a:ext cx="170864" cy="357136"/>
+          </a:xfrm>
+          <a:prstGeom prst="line">
+            <a:avLst/>
+          </a:prstGeom>
+          <a:ln w="12700">
+            <a:solidFill>
+              <a:schemeClr val="tx1"/>
+            </a:solidFill>
+          </a:ln>
+        </p:spPr>
+        <p:style>
+          <a:lnRef idx="1">
+            <a:schemeClr val="accent1"/>
+          </a:lnRef>
+          <a:fillRef idx="0">
+            <a:schemeClr val="accent1"/>
+          </a:fillRef>
+          <a:effectRef idx="0">
+            <a:schemeClr val="accent1"/>
+          </a:effectRef>
+          <a:fontRef idx="minor">
+            <a:schemeClr val="tx1"/>
+          </a:fontRef>
+        </p:style>
+      </p:cxnSp>
+      <p:cxnSp>
+        <p:nvCxnSpPr>
+          <p:cNvPr id="37" name="Straight Connector 36"/>
+          <p:cNvCxnSpPr>
+            <a:stCxn id="15" idx="0"/>
+          </p:cNvCxnSpPr>
+          <p:nvPr/>
+        </p:nvCxnSpPr>
+        <p:spPr>
+          <a:xfrm flipV="1">
+            <a:off x="9750453" y="3714750"/>
+            <a:ext cx="371904" cy="357136"/>
+          </a:xfrm>
+          <a:prstGeom prst="line">
+            <a:avLst/>
+          </a:prstGeom>
+          <a:ln w="12700">
+            <a:solidFill>
+              <a:schemeClr val="tx1"/>
+            </a:solidFill>
+          </a:ln>
+        </p:spPr>
+        <p:style>
+          <a:lnRef idx="1">
+            <a:schemeClr val="accent1"/>
+          </a:lnRef>
+          <a:fillRef idx="0">
+            <a:schemeClr val="accent1"/>
+          </a:fillRef>
+          <a:effectRef idx="0">
+            <a:schemeClr val="accent1"/>
+          </a:effectRef>
+          <a:fontRef idx="minor">
+            <a:schemeClr val="tx1"/>
+          </a:fontRef>
+        </p:style>
+      </p:cxnSp>
+      <p:grpSp>
+        <p:nvGrpSpPr>
+          <p:cNvPr id="57" name="Group 56"/>
+          <p:cNvGrpSpPr/>
+          <p:nvPr/>
+        </p:nvGrpSpPr>
+        <p:grpSpPr>
+          <a:xfrm>
+            <a:off x="6659960" y="4892762"/>
+            <a:ext cx="2026709" cy="1770339"/>
+            <a:chOff x="6550232" y="4892762"/>
+            <a:chExt cx="2026709" cy="1770339"/>
+          </a:xfrm>
+        </p:grpSpPr>
+        <p:sp>
+          <p:nvSpPr>
+            <p:cNvPr id="44" name="五角星 10"/>
+            <p:cNvSpPr/>
+            <p:nvPr/>
+          </p:nvSpPr>
+          <p:spPr>
+            <a:xfrm>
+              <a:off x="7062652" y="5337382"/>
+              <a:ext cx="201040" cy="201040"/>
+            </a:xfrm>
+            <a:prstGeom prst="star5">
+              <a:avLst/>
+            </a:prstGeom>
+            <a:solidFill>
+              <a:srgbClr val="008000"/>
+            </a:solidFill>
+            <a:ln>
+              <a:noFill/>
+            </a:ln>
+          </p:spPr>
+          <p:style>
+            <a:lnRef idx="2">
+              <a:schemeClr val="accent1">
+                <a:shade val="50000"/>
+              </a:schemeClr>
+            </a:lnRef>
+            <a:fillRef idx="1">
+              <a:schemeClr val="accent1"/>
+            </a:fillRef>
+            <a:effectRef idx="0">
+              <a:schemeClr val="accent1"/>
+            </a:effectRef>
+            <a:fontRef idx="minor">
+              <a:schemeClr val="lt1"/>
+            </a:fontRef>
+          </p:style>
+          <p:txBody>
+            <a:bodyPr rtlCol="0" anchor="ctr"/>
+            <a:lstStyle/>
+            <a:p>
+              <a:pPr algn="ctr"/>
+              <a:endParaRPr lang="zh-CN" altLang="en-US"/>
+            </a:p>
+          </p:txBody>
+        </p:sp>
+        <p:sp>
+          <p:nvSpPr>
+            <p:cNvPr id="45" name="五角星 13"/>
+            <p:cNvSpPr/>
+            <p:nvPr/>
+          </p:nvSpPr>
+          <p:spPr>
+            <a:xfrm>
+              <a:off x="7699279" y="5595886"/>
+              <a:ext cx="201040" cy="201040"/>
+            </a:xfrm>
+            <a:prstGeom prst="star5">
+              <a:avLst/>
+            </a:prstGeom>
+            <a:solidFill>
+              <a:srgbClr val="FF0000"/>
+            </a:solidFill>
+            <a:ln>
+              <a:noFill/>
+            </a:ln>
+          </p:spPr>
+          <p:style>
+            <a:lnRef idx="2">
+              <a:schemeClr val="accent1">
+                <a:shade val="50000"/>
+              </a:schemeClr>
+            </a:lnRef>
+            <a:fillRef idx="1">
+              <a:schemeClr val="accent1"/>
+            </a:fillRef>
+            <a:effectRef idx="0">
+              <a:schemeClr val="accent1"/>
+            </a:effectRef>
+            <a:fontRef idx="minor">
+              <a:schemeClr val="lt1"/>
+            </a:fontRef>
+          </p:style>
+          <p:txBody>
+            <a:bodyPr rtlCol="0" anchor="ctr"/>
+            <a:lstStyle/>
+            <a:p>
+              <a:pPr algn="ctr"/>
+              <a:endParaRPr lang="zh-CN" altLang="en-US"/>
+            </a:p>
+          </p:txBody>
+        </p:sp>
+        <p:sp>
+          <p:nvSpPr>
+            <p:cNvPr id="46" name="五角星 15"/>
+            <p:cNvSpPr/>
+            <p:nvPr/>
+          </p:nvSpPr>
+          <p:spPr>
+            <a:xfrm>
+              <a:off x="7226855" y="5605435"/>
+              <a:ext cx="201040" cy="201040"/>
+            </a:xfrm>
+            <a:prstGeom prst="star5">
+              <a:avLst/>
+            </a:prstGeom>
+            <a:solidFill>
+              <a:srgbClr val="008000"/>
+            </a:solidFill>
+            <a:ln>
+              <a:noFill/>
+            </a:ln>
+          </p:spPr>
+          <p:style>
+            <a:lnRef idx="2">
+              <a:schemeClr val="accent1">
+                <a:shade val="50000"/>
+              </a:schemeClr>
+            </a:lnRef>
+            <a:fillRef idx="1">
+              <a:schemeClr val="accent1"/>
+            </a:fillRef>
+            <a:effectRef idx="0">
+              <a:schemeClr val="accent1"/>
+            </a:effectRef>
+            <a:fontRef idx="minor">
+              <a:schemeClr val="lt1"/>
+            </a:fontRef>
+          </p:style>
+          <p:txBody>
+            <a:bodyPr rtlCol="0" anchor="ctr"/>
+            <a:lstStyle/>
+            <a:p>
+              <a:pPr algn="ctr"/>
+              <a:endParaRPr lang="zh-CN" altLang="en-US"/>
+            </a:p>
+          </p:txBody>
+        </p:sp>
+        <p:cxnSp>
+          <p:nvCxnSpPr>
+            <p:cNvPr id="47" name="Straight Connector 46"/>
+            <p:cNvCxnSpPr>
+              <a:stCxn id="45" idx="1"/>
+              <a:endCxn id="46" idx="4"/>
+            </p:cNvCxnSpPr>
+            <p:nvPr/>
+          </p:nvCxnSpPr>
+          <p:spPr>
+            <a:xfrm flipH="1">
+              <a:off x="7427895" y="5672676"/>
+              <a:ext cx="271384" cy="9549"/>
+            </a:xfrm>
+            <a:prstGeom prst="line">
+              <a:avLst/>
+            </a:prstGeom>
+            <a:ln w="12700">
+              <a:solidFill>
+                <a:schemeClr val="tx1"/>
+              </a:solidFill>
+            </a:ln>
+          </p:spPr>
+          <p:style>
+            <a:lnRef idx="1">
+              <a:schemeClr val="accent1"/>
+            </a:lnRef>
+            <a:fillRef idx="0">
+              <a:schemeClr val="accent1"/>
+            </a:fillRef>
+            <a:effectRef idx="0">
+              <a:schemeClr val="accent1"/>
+            </a:effectRef>
+            <a:fontRef idx="minor">
+              <a:schemeClr val="tx1"/>
+            </a:fontRef>
+          </p:style>
+        </p:cxnSp>
+        <p:cxnSp>
+          <p:nvCxnSpPr>
+            <p:cNvPr id="48" name="Straight Connector 47"/>
+            <p:cNvCxnSpPr>
+              <a:stCxn id="44" idx="4"/>
+              <a:endCxn id="45" idx="1"/>
+            </p:cNvCxnSpPr>
+            <p:nvPr/>
+          </p:nvCxnSpPr>
+          <p:spPr>
+            <a:xfrm>
+              <a:off x="7263692" y="5414172"/>
+              <a:ext cx="435587" cy="258504"/>
+            </a:xfrm>
+            <a:prstGeom prst="line">
+              <a:avLst/>
+            </a:prstGeom>
+            <a:ln w="12700">
+              <a:solidFill>
+                <a:schemeClr val="tx1"/>
+              </a:solidFill>
+            </a:ln>
+          </p:spPr>
+          <p:style>
+            <a:lnRef idx="1">
+              <a:schemeClr val="accent1"/>
+            </a:lnRef>
+            <a:fillRef idx="0">
+              <a:schemeClr val="accent1"/>
+            </a:fillRef>
+            <a:effectRef idx="0">
+              <a:schemeClr val="accent1"/>
+            </a:effectRef>
+            <a:fontRef idx="minor">
+              <a:schemeClr val="tx1"/>
+            </a:fontRef>
+          </p:style>
+        </p:cxnSp>
+        <p:cxnSp>
+          <p:nvCxnSpPr>
+            <p:cNvPr id="49" name="Straight Connector 48"/>
+            <p:cNvCxnSpPr>
+              <a:stCxn id="45" idx="0"/>
+            </p:cNvCxnSpPr>
+            <p:nvPr/>
+          </p:nvCxnSpPr>
+          <p:spPr>
+            <a:xfrm flipV="1">
+              <a:off x="7799799" y="5124450"/>
+              <a:ext cx="85432" cy="471436"/>
+            </a:xfrm>
+            <a:prstGeom prst="line">
+              <a:avLst/>
+            </a:prstGeom>
+            <a:ln w="12700">
+              <a:solidFill>
+                <a:schemeClr val="tx1"/>
+              </a:solidFill>
+            </a:ln>
+          </p:spPr>
+          <p:style>
+            <a:lnRef idx="1">
+              <a:schemeClr val="accent1"/>
+            </a:lnRef>
+            <a:fillRef idx="0">
+              <a:schemeClr val="accent1"/>
+            </a:fillRef>
+            <a:effectRef idx="0">
+              <a:schemeClr val="accent1"/>
+            </a:effectRef>
+            <a:fontRef idx="minor">
+              <a:schemeClr val="tx1"/>
+            </a:fontRef>
+          </p:style>
+        </p:cxnSp>
+        <p:cxnSp>
+          <p:nvCxnSpPr>
+            <p:cNvPr id="50" name="Straight Connector 49"/>
+            <p:cNvCxnSpPr>
+              <a:stCxn id="45" idx="0"/>
+            </p:cNvCxnSpPr>
+            <p:nvPr/>
+          </p:nvCxnSpPr>
+          <p:spPr>
+            <a:xfrm flipV="1">
+              <a:off x="7799799" y="5238750"/>
+              <a:ext cx="170864" cy="357136"/>
+            </a:xfrm>
+            <a:prstGeom prst="line">
+              <a:avLst/>
+            </a:prstGeom>
+            <a:ln w="12700">
+              <a:solidFill>
+                <a:schemeClr val="tx1"/>
+              </a:solidFill>
+            </a:ln>
+          </p:spPr>
+          <p:style>
+            <a:lnRef idx="1">
+              <a:schemeClr val="accent1"/>
+            </a:lnRef>
+            <a:fillRef idx="0">
+              <a:schemeClr val="accent1"/>
+            </a:fillRef>
+            <a:effectRef idx="0">
+              <a:schemeClr val="accent1"/>
+            </a:effectRef>
+            <a:fontRef idx="minor">
+              <a:schemeClr val="tx1"/>
+            </a:fontRef>
+          </p:style>
+        </p:cxnSp>
+        <p:cxnSp>
+          <p:nvCxnSpPr>
+            <p:cNvPr id="51" name="Straight Connector 50"/>
+            <p:cNvCxnSpPr>
+              <a:stCxn id="45" idx="0"/>
+            </p:cNvCxnSpPr>
+            <p:nvPr/>
+          </p:nvCxnSpPr>
+          <p:spPr>
+            <a:xfrm flipV="1">
+              <a:off x="7799799" y="5238750"/>
+              <a:ext cx="371904" cy="357136"/>
+            </a:xfrm>
+            <a:prstGeom prst="line">
+              <a:avLst/>
+            </a:prstGeom>
+            <a:ln w="12700">
+              <a:solidFill>
+                <a:schemeClr val="tx1"/>
+              </a:solidFill>
+            </a:ln>
+          </p:spPr>
+          <p:style>
+            <a:lnRef idx="1">
+              <a:schemeClr val="accent1"/>
+            </a:lnRef>
+            <a:fillRef idx="0">
+              <a:schemeClr val="accent1"/>
+            </a:fillRef>
+            <a:effectRef idx="0">
+              <a:schemeClr val="accent1"/>
+            </a:effectRef>
+            <a:fontRef idx="minor">
+              <a:schemeClr val="tx1"/>
+            </a:fontRef>
+          </p:style>
+        </p:cxnSp>
+        <p:sp>
+          <p:nvSpPr>
+            <p:cNvPr id="52" name="Oval 51"/>
+            <p:cNvSpPr/>
+            <p:nvPr/>
+          </p:nvSpPr>
+          <p:spPr>
+            <a:xfrm>
+              <a:off x="7787606" y="4892762"/>
+              <a:ext cx="225425" cy="225425"/>
+            </a:xfrm>
+            <a:prstGeom prst="ellipse">
+              <a:avLst/>
+            </a:prstGeom>
+            <a:solidFill>
+              <a:srgbClr val="0000FF"/>
+            </a:solidFill>
+            <a:ln>
+              <a:noFill/>
+            </a:ln>
+          </p:spPr>
+          <p:style>
+            <a:lnRef idx="2">
+              <a:schemeClr val="accent1">
+                <a:shade val="50000"/>
+              </a:schemeClr>
+            </a:lnRef>
+            <a:fillRef idx="1">
+              <a:schemeClr val="accent1"/>
+            </a:fillRef>
+            <a:effectRef idx="0">
+              <a:schemeClr val="accent1"/>
+            </a:effectRef>
+            <a:fontRef idx="minor">
+              <a:schemeClr val="lt1"/>
+            </a:fontRef>
+          </p:style>
+          <p:txBody>
+            <a:bodyPr rtlCol="0" anchor="ctr"/>
+            <a:lstStyle/>
+            <a:p>
+              <a:pPr algn="ctr"/>
+              <a:endParaRPr lang="en-US"/>
+            </a:p>
+          </p:txBody>
+        </p:sp>
+        <p:sp>
+          <p:nvSpPr>
+            <p:cNvPr id="53" name="Oval 52"/>
+            <p:cNvSpPr/>
+            <p:nvPr/>
+          </p:nvSpPr>
+          <p:spPr>
+            <a:xfrm>
+              <a:off x="7900318" y="5032322"/>
+              <a:ext cx="225425" cy="225425"/>
+            </a:xfrm>
+            <a:prstGeom prst="ellipse">
+              <a:avLst/>
+            </a:prstGeom>
+            <a:solidFill>
+              <a:srgbClr val="0000FF"/>
+            </a:solidFill>
+            <a:ln>
+              <a:noFill/>
+            </a:ln>
+          </p:spPr>
+          <p:style>
+            <a:lnRef idx="2">
+              <a:schemeClr val="accent1">
+                <a:shade val="50000"/>
+              </a:schemeClr>
+            </a:lnRef>
+            <a:fillRef idx="1">
+              <a:schemeClr val="accent1"/>
+            </a:fillRef>
+            <a:effectRef idx="0">
+              <a:schemeClr val="accent1"/>
+            </a:effectRef>
+            <a:fontRef idx="minor">
+              <a:schemeClr val="lt1"/>
+            </a:fontRef>
+          </p:style>
+          <p:txBody>
+            <a:bodyPr rtlCol="0" anchor="ctr"/>
+            <a:lstStyle/>
+            <a:p>
+              <a:pPr algn="ctr"/>
+              <a:endParaRPr lang="en-US"/>
+            </a:p>
+          </p:txBody>
+        </p:sp>
+        <p:sp>
+          <p:nvSpPr>
+            <p:cNvPr id="54" name="Oval 53"/>
+            <p:cNvSpPr/>
+            <p:nvPr/>
+          </p:nvSpPr>
+          <p:spPr>
+            <a:xfrm>
+              <a:off x="8147310" y="5032322"/>
+              <a:ext cx="225425" cy="225425"/>
+            </a:xfrm>
+            <a:prstGeom prst="ellipse">
+              <a:avLst/>
+            </a:prstGeom>
+            <a:solidFill>
+              <a:srgbClr val="0000FF"/>
+            </a:solidFill>
+            <a:ln>
+              <a:noFill/>
+            </a:ln>
+          </p:spPr>
+          <p:style>
+            <a:lnRef idx="2">
+              <a:schemeClr val="accent1">
+                <a:shade val="50000"/>
+              </a:schemeClr>
+            </a:lnRef>
+            <a:fillRef idx="1">
+              <a:schemeClr val="accent1"/>
+            </a:fillRef>
+            <a:effectRef idx="0">
+              <a:schemeClr val="accent1"/>
+            </a:effectRef>
+            <a:fontRef idx="minor">
+              <a:schemeClr val="lt1"/>
+            </a:fontRef>
+          </p:style>
+          <p:txBody>
+            <a:bodyPr rtlCol="0" anchor="ctr"/>
+            <a:lstStyle/>
+            <a:p>
+              <a:pPr algn="ctr"/>
+              <a:endParaRPr lang="en-US"/>
+            </a:p>
+          </p:txBody>
+        </p:sp>
+        <mc:AlternateContent xmlns:mc="http://schemas.openxmlformats.org/markup-compatibility/2006" xmlns:a14="http://schemas.microsoft.com/office/drawing/2010/main">
+          <mc:Choice Requires="a14">
+            <p:sp>
+              <p:nvSpPr>
+                <p:cNvPr id="56" name="Rectangle 55"/>
+                <p:cNvSpPr/>
+                <p:nvPr/>
+              </p:nvSpPr>
+              <p:spPr>
+                <a:xfrm>
+                  <a:off x="6550232" y="5860765"/>
+                  <a:ext cx="2026709" cy="802336"/>
+                </a:xfrm>
+                <a:prstGeom prst="rect">
+                  <a:avLst/>
+                </a:prstGeom>
+              </p:spPr>
+              <p:txBody>
+                <a:bodyPr wrap="none">
+                  <a:spAutoFit/>
+                </a:bodyPr>
+                <a:lstStyle/>
+                <a:p>
+                  <a:pPr/>
+                  <a14:m>
+                    <m:oMathPara xmlns:m="http://schemas.openxmlformats.org/officeDocument/2006/math">
+                      <m:oMathParaPr>
+                        <m:jc m:val="centerGroup"/>
+                      </m:oMathParaPr>
+                      <m:oMath xmlns:m="http://schemas.openxmlformats.org/officeDocument/2006/math">
+                        <m:nary>
+                          <m:naryPr>
+                            <m:chr m:val="∑"/>
+                            <m:supHide m:val="on"/>
+                            <m:ctrlPr>
+                              <a:rPr lang="en-US" i="1">
+                                <a:latin typeface="Cambria Math" panose="02040503050406030204" pitchFamily="18" charset="0"/>
+                              </a:rPr>
+                            </m:ctrlPr>
+                          </m:naryPr>
+                          <m:sub>
+                            <m:sSup>
+                              <m:sSupPr>
+                                <m:ctrlPr>
+                                  <a:rPr lang="en-US" i="1">
+                                    <a:latin typeface="Cambria Math" panose="02040503050406030204" pitchFamily="18" charset="0"/>
+                                  </a:rPr>
+                                </m:ctrlPr>
+                              </m:sSupPr>
+                              <m:e>
+                                <m:r>
+                                  <a:rPr lang="en-US" i="1">
+                                    <a:latin typeface="Cambria Math" panose="02040503050406030204" pitchFamily="18" charset="0"/>
+                                  </a:rPr>
+                                  <m:t>𝑥</m:t>
+                                </m:r>
+                              </m:e>
+                              <m:sup>
+                                <m:r>
+                                  <a:rPr lang="en-US" i="1">
+                                    <a:latin typeface="Cambria Math" panose="02040503050406030204" pitchFamily="18" charset="0"/>
+                                  </a:rPr>
+                                  <m:t>′</m:t>
+                                </m:r>
+                              </m:sup>
+                            </m:sSup>
+                            <m:r>
+                              <a:rPr lang="en-US" i="1">
+                                <a:latin typeface="Cambria Math" panose="02040503050406030204" pitchFamily="18" charset="0"/>
+                              </a:rPr>
+                              <m:t>∈</m:t>
+                            </m:r>
+                            <m:r>
+                              <a:rPr lang="en-US" i="1">
+                                <a:latin typeface="Cambria Math" panose="02040503050406030204" pitchFamily="18" charset="0"/>
+                              </a:rPr>
+                              <m:t>𝑁𝑁</m:t>
+                            </m:r>
+                            <m:d>
+                              <m:dPr>
+                                <m:ctrlPr>
+                                  <a:rPr lang="en-US" i="1">
+                                    <a:latin typeface="Cambria Math" panose="02040503050406030204" pitchFamily="18" charset="0"/>
+                                  </a:rPr>
+                                </m:ctrlPr>
+                              </m:dPr>
+                              <m:e>
+                                <m:r>
+                                  <a:rPr lang="en-US" i="1">
+                                    <a:latin typeface="Cambria Math" panose="02040503050406030204" pitchFamily="18" charset="0"/>
+                                  </a:rPr>
+                                  <m:t>𝑥</m:t>
+                                </m:r>
+                              </m:e>
+                            </m:d>
+                          </m:sub>
+                          <m:sup/>
+                          <m:e>
+                            <m:sSubSup>
+                              <m:sSubSupPr>
+                                <m:ctrlPr>
+                                  <a:rPr lang="en-US" i="1">
+                                    <a:latin typeface="Cambria Math" panose="02040503050406030204" pitchFamily="18" charset="0"/>
+                                  </a:rPr>
+                                </m:ctrlPr>
+                              </m:sSubSupPr>
+                              <m:e>
+                                <m:d>
+                                  <m:dPr>
+                                    <m:begChr m:val="|"/>
+                                    <m:endChr m:val="|"/>
+                                    <m:ctrlPr>
+                                      <a:rPr lang="en-US" i="1">
+                                        <a:latin typeface="Cambria Math" panose="02040503050406030204" pitchFamily="18" charset="0"/>
+                                      </a:rPr>
+                                    </m:ctrlPr>
+                                  </m:dPr>
+                                  <m:e>
+                                    <m:d>
+                                      <m:dPr>
+                                        <m:begChr m:val="|"/>
+                                        <m:endChr m:val="|"/>
+                                        <m:ctrlPr>
+                                          <a:rPr lang="en-US" i="1">
+                                            <a:latin typeface="Cambria Math" panose="02040503050406030204" pitchFamily="18" charset="0"/>
+                                          </a:rPr>
+                                        </m:ctrlPr>
+                                      </m:dPr>
+                                      <m:e>
+                                        <m:r>
+                                          <a:rPr lang="en-US" i="1">
+                                            <a:latin typeface="Cambria Math" panose="02040503050406030204" pitchFamily="18" charset="0"/>
+                                          </a:rPr>
+                                          <m:t>𝑥</m:t>
+                                        </m:r>
+                                        <m:r>
+                                          <a:rPr lang="en-US" i="1">
+                                            <a:latin typeface="Cambria Math" panose="02040503050406030204" pitchFamily="18" charset="0"/>
+                                          </a:rPr>
+                                          <m:t>−</m:t>
+                                        </m:r>
+                                        <m:sSup>
+                                          <m:sSupPr>
+                                            <m:ctrlPr>
+                                              <a:rPr lang="en-US" i="1">
+                                                <a:latin typeface="Cambria Math" panose="02040503050406030204" pitchFamily="18" charset="0"/>
+                                              </a:rPr>
+                                            </m:ctrlPr>
+                                          </m:sSupPr>
+                                          <m:e>
+                                            <m:r>
+                                              <a:rPr lang="en-US" i="1">
+                                                <a:latin typeface="Cambria Math" panose="02040503050406030204" pitchFamily="18" charset="0"/>
+                                              </a:rPr>
+                                              <m:t>𝑥</m:t>
+                                            </m:r>
+                                          </m:e>
+                                          <m:sup>
+                                            <m:r>
+                                              <a:rPr lang="en-US" i="1">
+                                                <a:latin typeface="Cambria Math" panose="02040503050406030204" pitchFamily="18" charset="0"/>
+                                              </a:rPr>
+                                              <m:t>′</m:t>
+                                            </m:r>
+                                          </m:sup>
+                                        </m:sSup>
+                                      </m:e>
+                                    </m:d>
+                                  </m:e>
+                                </m:d>
+                              </m:e>
+                              <m:sub>
+                                <m:r>
+                                  <a:rPr lang="en-US" i="1">
+                                    <a:latin typeface="Cambria Math" panose="02040503050406030204" pitchFamily="18" charset="0"/>
+                                  </a:rPr>
+                                  <m:t>2</m:t>
+                                </m:r>
+                              </m:sub>
+                              <m:sup>
+                                <m:r>
+                                  <a:rPr lang="en-US" i="1">
+                                    <a:latin typeface="Cambria Math" panose="02040503050406030204" pitchFamily="18" charset="0"/>
+                                  </a:rPr>
+                                  <m:t>2</m:t>
+                                </m:r>
+                              </m:sup>
+                            </m:sSubSup>
+                          </m:e>
+                        </m:nary>
+                      </m:oMath>
+                    </m:oMathPara>
+                  </a14:m>
+                  <a:endParaRPr lang="en-US" dirty="0"/>
+                </a:p>
+              </p:txBody>
+            </p:sp>
+          </mc:Choice>
+          <mc:Fallback xmlns="">
+            <p:sp>
+              <p:nvSpPr>
+                <p:cNvPr id="56" name="Rectangle 55"/>
+                <p:cNvSpPr>
+                  <a:spLocks noRot="1" noChangeAspect="1" noMove="1" noResize="1" noEditPoints="1" noAdjustHandles="1" noChangeArrowheads="1" noChangeShapeType="1" noTextEdit="1"/>
+                </p:cNvSpPr>
+                <p:nvPr/>
+              </p:nvSpPr>
+              <p:spPr>
+                <a:xfrm>
+                  <a:off x="6550232" y="5860765"/>
+                  <a:ext cx="2026709" cy="802336"/>
+                </a:xfrm>
+                <a:prstGeom prst="rect">
+                  <a:avLst/>
+                </a:prstGeom>
+                <a:blipFill>
+                  <a:blip r:embed="rId4"/>
+                  <a:stretch>
+                    <a:fillRect/>
+                  </a:stretch>
+                </a:blipFill>
+              </p:spPr>
+              <p:txBody>
+                <a:bodyPr/>
+                <a:lstStyle/>
+                <a:p>
+                  <a:r>
+                    <a:rPr lang="en-US">
+                      <a:noFill/>
+                    </a:rPr>
+                    <a:t> </a:t>
+                  </a:r>
+                </a:p>
+              </p:txBody>
+            </p:sp>
+          </mc:Fallback>
+        </mc:AlternateContent>
+      </p:grpSp>
+      <p:cxnSp>
+        <p:nvCxnSpPr>
+          <p:cNvPr id="59" name="Straight Connector 58"/>
+          <p:cNvCxnSpPr>
+            <a:stCxn id="16" idx="4"/>
+            <a:endCxn id="15" idx="1"/>
+          </p:cNvCxnSpPr>
+          <p:nvPr/>
+        </p:nvCxnSpPr>
+        <p:spPr>
+          <a:xfrm flipV="1">
+            <a:off x="9378549" y="4148676"/>
+            <a:ext cx="271384" cy="9549"/>
+          </a:xfrm>
+          <a:prstGeom prst="line">
+            <a:avLst/>
+          </a:prstGeom>
+          <a:ln w="28575">
+            <a:solidFill>
+              <a:schemeClr val="bg1">
+                <a:lumMod val="50000"/>
+              </a:schemeClr>
+            </a:solidFill>
+            <a:prstDash val="dash"/>
+          </a:ln>
+        </p:spPr>
+        <p:style>
+          <a:lnRef idx="1">
+            <a:schemeClr val="accent1"/>
+          </a:lnRef>
+          <a:fillRef idx="0">
+            <a:schemeClr val="accent1"/>
+          </a:fillRef>
+          <a:effectRef idx="0">
+            <a:schemeClr val="accent1"/>
+          </a:effectRef>
+          <a:fontRef idx="minor">
+            <a:schemeClr val="tx1"/>
+          </a:fontRef>
+        </p:style>
+      </p:cxnSp>
+      <p:cxnSp>
+        <p:nvCxnSpPr>
+          <p:cNvPr id="62" name="Straight Connector 61"/>
+          <p:cNvCxnSpPr>
+            <a:stCxn id="15" idx="1"/>
+            <a:endCxn id="13" idx="4"/>
+          </p:cNvCxnSpPr>
+          <p:nvPr/>
+        </p:nvCxnSpPr>
+        <p:spPr>
+          <a:xfrm flipH="1" flipV="1">
+            <a:off x="9214346" y="3890172"/>
+            <a:ext cx="435587" cy="258504"/>
+          </a:xfrm>
+          <a:prstGeom prst="line">
+            <a:avLst/>
+          </a:prstGeom>
+          <a:ln w="28575">
+            <a:solidFill>
+              <a:schemeClr val="bg1">
+                <a:lumMod val="50000"/>
+              </a:schemeClr>
+            </a:solidFill>
+            <a:prstDash val="dash"/>
+          </a:ln>
+        </p:spPr>
+        <p:style>
+          <a:lnRef idx="1">
+            <a:schemeClr val="accent1"/>
+          </a:lnRef>
+          <a:fillRef idx="0">
+            <a:schemeClr val="accent1"/>
+          </a:fillRef>
+          <a:effectRef idx="0">
+            <a:schemeClr val="accent1"/>
+          </a:effectRef>
+          <a:fontRef idx="minor">
+            <a:schemeClr val="tx1"/>
+          </a:fontRef>
+        </p:style>
+      </p:cxnSp>
+      <p:cxnSp>
+        <p:nvCxnSpPr>
+          <p:cNvPr id="65" name="Straight Connector 64"/>
+          <p:cNvCxnSpPr>
+            <a:endCxn id="15" idx="0"/>
+          </p:cNvCxnSpPr>
+          <p:nvPr/>
+        </p:nvCxnSpPr>
+        <p:spPr>
+          <a:xfrm flipH="1">
+            <a:off x="9750453" y="2273300"/>
+            <a:ext cx="387609" cy="1798586"/>
+          </a:xfrm>
+          <a:prstGeom prst="line">
+            <a:avLst/>
+          </a:prstGeom>
+          <a:ln w="28575">
+            <a:solidFill>
+              <a:schemeClr val="bg1">
+                <a:lumMod val="50000"/>
+              </a:schemeClr>
+            </a:solidFill>
+            <a:prstDash val="dash"/>
+          </a:ln>
+        </p:spPr>
+        <p:style>
+          <a:lnRef idx="1">
+            <a:schemeClr val="accent1"/>
+          </a:lnRef>
+          <a:fillRef idx="0">
+            <a:schemeClr val="accent1"/>
+          </a:fillRef>
+          <a:effectRef idx="0">
+            <a:schemeClr val="accent1"/>
+          </a:effectRef>
+          <a:fontRef idx="minor">
+            <a:schemeClr val="tx1"/>
+          </a:fontRef>
+        </p:style>
+      </p:cxnSp>
+      <p:cxnSp>
+        <p:nvCxnSpPr>
+          <p:cNvPr id="68" name="Straight Connector 67"/>
+          <p:cNvCxnSpPr>
+            <a:endCxn id="15" idx="0"/>
+          </p:cNvCxnSpPr>
+          <p:nvPr/>
+        </p:nvCxnSpPr>
+        <p:spPr>
+          <a:xfrm flipH="1">
+            <a:off x="9750453" y="2246452"/>
+            <a:ext cx="42716" cy="1825434"/>
+          </a:xfrm>
+          <a:prstGeom prst="line">
+            <a:avLst/>
+          </a:prstGeom>
+          <a:ln w="28575">
+            <a:solidFill>
+              <a:schemeClr val="bg1">
+                <a:lumMod val="50000"/>
+              </a:schemeClr>
+            </a:solidFill>
+            <a:prstDash val="dash"/>
+          </a:ln>
+        </p:spPr>
+        <p:style>
+          <a:lnRef idx="1">
+            <a:schemeClr val="accent1"/>
+          </a:lnRef>
+          <a:fillRef idx="0">
+            <a:schemeClr val="accent1"/>
+          </a:fillRef>
+          <a:effectRef idx="0">
+            <a:schemeClr val="accent1"/>
+          </a:effectRef>
+          <a:fontRef idx="minor">
+            <a:schemeClr val="tx1"/>
+          </a:fontRef>
+        </p:style>
+      </p:cxnSp>
+      <p:cxnSp>
+        <p:nvCxnSpPr>
+          <p:cNvPr id="71" name="Straight Connector 70"/>
+          <p:cNvCxnSpPr>
+            <a:endCxn id="15" idx="0"/>
+          </p:cNvCxnSpPr>
+          <p:nvPr/>
+        </p:nvCxnSpPr>
+        <p:spPr>
+          <a:xfrm flipH="1">
+            <a:off x="9750453" y="2273300"/>
+            <a:ext cx="588650" cy="1798586"/>
+          </a:xfrm>
+          <a:prstGeom prst="line">
+            <a:avLst/>
+          </a:prstGeom>
+          <a:ln w="28575">
+            <a:solidFill>
+              <a:schemeClr val="bg1">
+                <a:lumMod val="50000"/>
+              </a:schemeClr>
+            </a:solidFill>
+            <a:prstDash val="dash"/>
+          </a:ln>
+        </p:spPr>
+        <p:style>
+          <a:lnRef idx="1">
+            <a:schemeClr val="accent1"/>
+          </a:lnRef>
+          <a:fillRef idx="0">
+            <a:schemeClr val="accent1"/>
+          </a:fillRef>
+          <a:effectRef idx="0">
+            <a:schemeClr val="accent1"/>
+          </a:effectRef>
+          <a:fontRef idx="minor">
+            <a:schemeClr val="tx1"/>
+          </a:fontRef>
+        </p:style>
+      </p:cxnSp>
+      <p:grpSp>
+        <p:nvGrpSpPr>
+          <p:cNvPr id="92" name="Group 91"/>
+          <p:cNvGrpSpPr/>
+          <p:nvPr/>
+        </p:nvGrpSpPr>
+        <p:grpSpPr>
+          <a:xfrm>
+            <a:off x="9230052" y="4638543"/>
+            <a:ext cx="2912126" cy="2200552"/>
+            <a:chOff x="9230052" y="4638543"/>
+            <a:chExt cx="2912126" cy="2200552"/>
+          </a:xfrm>
+        </p:grpSpPr>
+        <p:cxnSp>
+          <p:nvCxnSpPr>
+            <p:cNvPr id="85" name="Straight Connector 84"/>
+            <p:cNvCxnSpPr>
+              <a:endCxn id="76" idx="0"/>
+            </p:cNvCxnSpPr>
+            <p:nvPr/>
+          </p:nvCxnSpPr>
+          <p:spPr>
+            <a:xfrm flipH="1">
+              <a:off x="9967199" y="4829920"/>
+              <a:ext cx="387609" cy="1798586"/>
+            </a:xfrm>
+            <a:prstGeom prst="line">
+              <a:avLst/>
+            </a:prstGeom>
+            <a:ln w="28575">
+              <a:solidFill>
+                <a:schemeClr val="bg1">
+                  <a:lumMod val="50000"/>
+                </a:schemeClr>
+              </a:solidFill>
+              <a:prstDash val="dash"/>
+            </a:ln>
+          </p:spPr>
+          <p:style>
+            <a:lnRef idx="1">
+              <a:schemeClr val="accent1"/>
+            </a:lnRef>
+            <a:fillRef idx="0">
+              <a:schemeClr val="accent1"/>
+            </a:fillRef>
+            <a:effectRef idx="0">
+              <a:schemeClr val="accent1"/>
+            </a:effectRef>
+            <a:fontRef idx="minor">
+              <a:schemeClr val="tx1"/>
+            </a:fontRef>
+          </p:style>
+        </p:cxnSp>
+        <p:cxnSp>
+          <p:nvCxnSpPr>
+            <p:cNvPr id="83" name="Straight Connector 82"/>
+            <p:cNvCxnSpPr>
+              <a:stCxn id="77" idx="4"/>
+              <a:endCxn id="76" idx="1"/>
+            </p:cNvCxnSpPr>
+            <p:nvPr/>
+          </p:nvCxnSpPr>
+          <p:spPr>
+            <a:xfrm flipV="1">
+              <a:off x="9595295" y="6705296"/>
+              <a:ext cx="271384" cy="9549"/>
+            </a:xfrm>
+            <a:prstGeom prst="line">
+              <a:avLst/>
+            </a:prstGeom>
+            <a:ln w="28575">
+              <a:solidFill>
+                <a:schemeClr val="bg1">
+                  <a:lumMod val="50000"/>
+                </a:schemeClr>
+              </a:solidFill>
+              <a:prstDash val="dash"/>
+            </a:ln>
+          </p:spPr>
+          <p:style>
+            <a:lnRef idx="1">
+              <a:schemeClr val="accent1"/>
+            </a:lnRef>
+            <a:fillRef idx="0">
+              <a:schemeClr val="accent1"/>
+            </a:fillRef>
+            <a:effectRef idx="0">
+              <a:schemeClr val="accent1"/>
+            </a:effectRef>
+            <a:fontRef idx="minor">
+              <a:schemeClr val="tx1"/>
+            </a:fontRef>
+          </p:style>
+        </p:cxnSp>
+        <p:cxnSp>
+          <p:nvCxnSpPr>
+            <p:cNvPr id="84" name="Straight Connector 83"/>
+            <p:cNvCxnSpPr>
+              <a:stCxn id="76" idx="1"/>
+              <a:endCxn id="75" idx="4"/>
+            </p:cNvCxnSpPr>
+            <p:nvPr/>
+          </p:nvCxnSpPr>
+          <p:spPr>
+            <a:xfrm flipH="1" flipV="1">
+              <a:off x="9431092" y="6446792"/>
+              <a:ext cx="435587" cy="258504"/>
+            </a:xfrm>
+            <a:prstGeom prst="line">
+              <a:avLst/>
+            </a:prstGeom>
+            <a:ln w="28575">
+              <a:solidFill>
+                <a:schemeClr val="bg1">
+                  <a:lumMod val="50000"/>
+                </a:schemeClr>
+              </a:solidFill>
+              <a:prstDash val="dash"/>
+            </a:ln>
+          </p:spPr>
+          <p:style>
+            <a:lnRef idx="1">
+              <a:schemeClr val="accent1"/>
+            </a:lnRef>
+            <a:fillRef idx="0">
+              <a:schemeClr val="accent1"/>
+            </a:fillRef>
+            <a:effectRef idx="0">
+              <a:schemeClr val="accent1"/>
+            </a:effectRef>
+            <a:fontRef idx="minor">
+              <a:schemeClr val="tx1"/>
+            </a:fontRef>
+          </p:style>
+        </p:cxnSp>
+        <p:sp>
+          <p:nvSpPr>
+            <p:cNvPr id="75" name="五角星 10"/>
+            <p:cNvSpPr/>
+            <p:nvPr/>
+          </p:nvSpPr>
+          <p:spPr>
+            <a:xfrm>
+              <a:off x="9230052" y="6370002"/>
+              <a:ext cx="201040" cy="201040"/>
+            </a:xfrm>
+            <a:prstGeom prst="star5">
+              <a:avLst/>
+            </a:prstGeom>
+            <a:solidFill>
+              <a:srgbClr val="008000"/>
+            </a:solidFill>
+            <a:ln>
+              <a:noFill/>
+            </a:ln>
+          </p:spPr>
+          <p:style>
+            <a:lnRef idx="2">
+              <a:schemeClr val="accent1">
+                <a:shade val="50000"/>
+              </a:schemeClr>
+            </a:lnRef>
+            <a:fillRef idx="1">
+              <a:schemeClr val="accent1"/>
+            </a:fillRef>
+            <a:effectRef idx="0">
+              <a:schemeClr val="accent1"/>
+            </a:effectRef>
+            <a:fontRef idx="minor">
+              <a:schemeClr val="lt1"/>
+            </a:fontRef>
+          </p:style>
+          <p:txBody>
+            <a:bodyPr rtlCol="0" anchor="ctr"/>
+            <a:lstStyle/>
+            <a:p>
+              <a:pPr algn="ctr"/>
+              <a:endParaRPr lang="zh-CN" altLang="en-US"/>
+            </a:p>
+          </p:txBody>
+        </p:sp>
+        <p:sp>
+          <p:nvSpPr>
+            <p:cNvPr id="76" name="五角星 13"/>
+            <p:cNvSpPr/>
+            <p:nvPr/>
+          </p:nvSpPr>
+          <p:spPr>
+            <a:xfrm>
+              <a:off x="9866679" y="6628506"/>
+              <a:ext cx="201040" cy="201040"/>
+            </a:xfrm>
+            <a:prstGeom prst="star5">
+              <a:avLst/>
+            </a:prstGeom>
+            <a:solidFill>
+              <a:srgbClr val="FF0000"/>
+            </a:solidFill>
+            <a:ln>
+              <a:noFill/>
+            </a:ln>
+          </p:spPr>
+          <p:style>
+            <a:lnRef idx="2">
+              <a:schemeClr val="accent1">
+                <a:shade val="50000"/>
+              </a:schemeClr>
+            </a:lnRef>
+            <a:fillRef idx="1">
+              <a:schemeClr val="accent1"/>
+            </a:fillRef>
+            <a:effectRef idx="0">
+              <a:schemeClr val="accent1"/>
+            </a:effectRef>
+            <a:fontRef idx="minor">
+              <a:schemeClr val="lt1"/>
+            </a:fontRef>
+          </p:style>
+          <p:txBody>
+            <a:bodyPr rtlCol="0" anchor="ctr"/>
+            <a:lstStyle/>
+            <a:p>
+              <a:pPr algn="ctr"/>
+              <a:endParaRPr lang="zh-CN" altLang="en-US"/>
+            </a:p>
+          </p:txBody>
+        </p:sp>
+        <p:sp>
+          <p:nvSpPr>
+            <p:cNvPr id="77" name="五角星 15"/>
+            <p:cNvSpPr/>
+            <p:nvPr/>
+          </p:nvSpPr>
+          <p:spPr>
+            <a:xfrm>
+              <a:off x="9394255" y="6638055"/>
+              <a:ext cx="201040" cy="201040"/>
+            </a:xfrm>
+            <a:prstGeom prst="star5">
+              <a:avLst/>
+            </a:prstGeom>
+            <a:solidFill>
+              <a:srgbClr val="008000"/>
+            </a:solidFill>
+            <a:ln>
+              <a:noFill/>
+            </a:ln>
+          </p:spPr>
+          <p:style>
+            <a:lnRef idx="2">
+              <a:schemeClr val="accent1">
+                <a:shade val="50000"/>
+              </a:schemeClr>
+            </a:lnRef>
+            <a:fillRef idx="1">
+              <a:schemeClr val="accent1"/>
+            </a:fillRef>
+            <a:effectRef idx="0">
+              <a:schemeClr val="accent1"/>
+            </a:effectRef>
+            <a:fontRef idx="minor">
+              <a:schemeClr val="lt1"/>
+            </a:fontRef>
+          </p:style>
+          <p:txBody>
+            <a:bodyPr rtlCol="0" anchor="ctr"/>
+            <a:lstStyle/>
+            <a:p>
+              <a:pPr algn="ctr"/>
+              <a:endParaRPr lang="zh-CN" altLang="en-US"/>
+            </a:p>
+          </p:txBody>
+        </p:sp>
+        <p:cxnSp>
+          <p:nvCxnSpPr>
+            <p:cNvPr id="86" name="Straight Connector 85"/>
+            <p:cNvCxnSpPr>
+              <a:endCxn id="76" idx="0"/>
+            </p:cNvCxnSpPr>
+            <p:nvPr/>
+          </p:nvCxnSpPr>
+          <p:spPr>
+            <a:xfrm flipH="1">
+              <a:off x="9967199" y="4803072"/>
+              <a:ext cx="42716" cy="1825434"/>
+            </a:xfrm>
+            <a:prstGeom prst="line">
+              <a:avLst/>
+            </a:prstGeom>
+            <a:ln w="28575">
+              <a:solidFill>
+                <a:schemeClr val="bg1">
+                  <a:lumMod val="50000"/>
+                </a:schemeClr>
+              </a:solidFill>
+              <a:prstDash val="dash"/>
+            </a:ln>
+          </p:spPr>
+          <p:style>
+            <a:lnRef idx="1">
+              <a:schemeClr val="accent1"/>
+            </a:lnRef>
+            <a:fillRef idx="0">
+              <a:schemeClr val="accent1"/>
+            </a:fillRef>
+            <a:effectRef idx="0">
+              <a:schemeClr val="accent1"/>
+            </a:effectRef>
+            <a:fontRef idx="minor">
+              <a:schemeClr val="tx1"/>
+            </a:fontRef>
+          </p:style>
+        </p:cxnSp>
+        <p:cxnSp>
+          <p:nvCxnSpPr>
+            <p:cNvPr id="87" name="Straight Connector 86"/>
+            <p:cNvCxnSpPr>
+              <a:endCxn id="76" idx="0"/>
+            </p:cNvCxnSpPr>
+            <p:nvPr/>
+          </p:nvCxnSpPr>
+          <p:spPr>
+            <a:xfrm flipH="1">
+              <a:off x="9967199" y="4829920"/>
+              <a:ext cx="588650" cy="1798586"/>
+            </a:xfrm>
+            <a:prstGeom prst="line">
+              <a:avLst/>
+            </a:prstGeom>
+            <a:ln w="28575">
+              <a:solidFill>
+                <a:schemeClr val="bg1">
+                  <a:lumMod val="50000"/>
+                </a:schemeClr>
+              </a:solidFill>
+              <a:prstDash val="dash"/>
+            </a:ln>
+          </p:spPr>
+          <p:style>
+            <a:lnRef idx="1">
+              <a:schemeClr val="accent1"/>
+            </a:lnRef>
+            <a:fillRef idx="0">
+              <a:schemeClr val="accent1"/>
+            </a:fillRef>
+            <a:effectRef idx="0">
+              <a:schemeClr val="accent1"/>
+            </a:effectRef>
+            <a:fontRef idx="minor">
+              <a:schemeClr val="tx1"/>
+            </a:fontRef>
+          </p:style>
+        </p:cxnSp>
+        <p:sp>
+          <p:nvSpPr>
+            <p:cNvPr id="88" name="五角星 10"/>
+            <p:cNvSpPr/>
+            <p:nvPr/>
+          </p:nvSpPr>
+          <p:spPr>
+            <a:xfrm>
+              <a:off x="9921317" y="4638543"/>
+              <a:ext cx="201040" cy="201040"/>
+            </a:xfrm>
+            <a:prstGeom prst="star5">
+              <a:avLst/>
+            </a:prstGeom>
+            <a:solidFill>
+              <a:srgbClr val="008000"/>
+            </a:solidFill>
+            <a:ln>
+              <a:noFill/>
+            </a:ln>
+          </p:spPr>
+          <p:style>
+            <a:lnRef idx="2">
+              <a:schemeClr val="accent1">
+                <a:shade val="50000"/>
+              </a:schemeClr>
+            </a:lnRef>
+            <a:fillRef idx="1">
+              <a:schemeClr val="accent1"/>
+            </a:fillRef>
+            <a:effectRef idx="0">
+              <a:schemeClr val="accent1"/>
+            </a:effectRef>
+            <a:fontRef idx="minor">
+              <a:schemeClr val="lt1"/>
+            </a:fontRef>
+          </p:style>
+          <p:txBody>
+            <a:bodyPr rtlCol="0" anchor="ctr"/>
+            <a:lstStyle/>
+            <a:p>
+              <a:pPr algn="ctr"/>
+              <a:endParaRPr lang="zh-CN" altLang="en-US"/>
+            </a:p>
+          </p:txBody>
+        </p:sp>
+        <p:sp>
+          <p:nvSpPr>
+            <p:cNvPr id="89" name="五角星 10"/>
+            <p:cNvSpPr/>
+            <p:nvPr/>
+          </p:nvSpPr>
+          <p:spPr>
+            <a:xfrm>
+              <a:off x="10263543" y="4664874"/>
+              <a:ext cx="201040" cy="201040"/>
+            </a:xfrm>
+            <a:prstGeom prst="star5">
+              <a:avLst/>
+            </a:prstGeom>
+            <a:solidFill>
+              <a:srgbClr val="008000"/>
+            </a:solidFill>
+            <a:ln>
+              <a:noFill/>
+            </a:ln>
+          </p:spPr>
+          <p:style>
+            <a:lnRef idx="2">
+              <a:schemeClr val="accent1">
+                <a:shade val="50000"/>
+              </a:schemeClr>
+            </a:lnRef>
+            <a:fillRef idx="1">
+              <a:schemeClr val="accent1"/>
+            </a:fillRef>
+            <a:effectRef idx="0">
+              <a:schemeClr val="accent1"/>
+            </a:effectRef>
+            <a:fontRef idx="minor">
+              <a:schemeClr val="lt1"/>
+            </a:fontRef>
+          </p:style>
+          <p:txBody>
+            <a:bodyPr rtlCol="0" anchor="ctr"/>
+            <a:lstStyle/>
+            <a:p>
+              <a:pPr algn="ctr"/>
+              <a:endParaRPr lang="zh-CN" altLang="en-US"/>
+            </a:p>
+          </p:txBody>
+        </p:sp>
+        <p:sp>
+          <p:nvSpPr>
+            <p:cNvPr id="90" name="五角星 10"/>
+            <p:cNvSpPr/>
+            <p:nvPr/>
+          </p:nvSpPr>
+          <p:spPr>
+            <a:xfrm>
+              <a:off x="10507560" y="4678298"/>
+              <a:ext cx="201040" cy="201040"/>
+            </a:xfrm>
+            <a:prstGeom prst="star5">
+              <a:avLst/>
+            </a:prstGeom>
+            <a:solidFill>
+              <a:srgbClr val="008000"/>
+            </a:solidFill>
+            <a:ln>
+              <a:noFill/>
+            </a:ln>
+          </p:spPr>
+          <p:style>
+            <a:lnRef idx="2">
+              <a:schemeClr val="accent1">
+                <a:shade val="50000"/>
+              </a:schemeClr>
+            </a:lnRef>
+            <a:fillRef idx="1">
+              <a:schemeClr val="accent1"/>
+            </a:fillRef>
+            <a:effectRef idx="0">
+              <a:schemeClr val="accent1"/>
+            </a:effectRef>
+            <a:fontRef idx="minor">
+              <a:schemeClr val="lt1"/>
+            </a:fontRef>
+          </p:style>
+          <p:txBody>
+            <a:bodyPr rtlCol="0" anchor="ctr"/>
+            <a:lstStyle/>
+            <a:p>
+              <a:pPr algn="ctr"/>
+              <a:endParaRPr lang="zh-CN" altLang="en-US"/>
+            </a:p>
+          </p:txBody>
+        </p:sp>
+        <mc:AlternateContent xmlns:mc="http://schemas.openxmlformats.org/markup-compatibility/2006" xmlns:a14="http://schemas.microsoft.com/office/drawing/2010/main">
+          <mc:Choice Requires="a14">
+            <p:sp>
+              <p:nvSpPr>
+                <p:cNvPr id="91" name="Rectangle 90"/>
+                <p:cNvSpPr/>
+                <p:nvPr/>
+              </p:nvSpPr>
+              <p:spPr>
+                <a:xfrm>
+                  <a:off x="10013325" y="5860765"/>
+                  <a:ext cx="2128853" cy="809068"/>
+                </a:xfrm>
+                <a:prstGeom prst="rect">
+                  <a:avLst/>
+                </a:prstGeom>
+              </p:spPr>
+              <p:txBody>
+                <a:bodyPr wrap="none">
+                  <a:spAutoFit/>
+                </a:bodyPr>
+                <a:lstStyle/>
+                <a:p>
+                  <a:pPr/>
+                  <a14:m>
+                    <m:oMathPara xmlns:m="http://schemas.openxmlformats.org/officeDocument/2006/math">
+                      <m:oMathParaPr>
+                        <m:jc m:val="centerGroup"/>
+                      </m:oMathParaPr>
+                      <m:oMath xmlns:m="http://schemas.openxmlformats.org/officeDocument/2006/math">
+                        <m:nary>
+                          <m:naryPr>
+                            <m:chr m:val="∑"/>
+                            <m:supHide m:val="on"/>
+                            <m:ctrlPr>
+                              <a:rPr lang="en-US" i="1">
+                                <a:latin typeface="Cambria Math" panose="02040503050406030204" pitchFamily="18" charset="0"/>
+                              </a:rPr>
+                            </m:ctrlPr>
+                          </m:naryPr>
+                          <m:sub>
+                            <m:sSup>
+                              <m:sSupPr>
+                                <m:ctrlPr>
+                                  <a:rPr lang="en-US" i="1">
+                                    <a:latin typeface="Cambria Math" panose="02040503050406030204" pitchFamily="18" charset="0"/>
+                                  </a:rPr>
+                                </m:ctrlPr>
+                              </m:sSupPr>
+                              <m:e>
+                                <m:r>
+                                  <a:rPr lang="en-US" i="1">
+                                    <a:latin typeface="Cambria Math" panose="02040503050406030204" pitchFamily="18" charset="0"/>
+                                  </a:rPr>
+                                  <m:t>𝑥</m:t>
+                                </m:r>
+                              </m:e>
+                              <m:sup>
+                                <m:r>
+                                  <a:rPr lang="en-US" i="1">
+                                    <a:latin typeface="Cambria Math" panose="02040503050406030204" pitchFamily="18" charset="0"/>
+                                  </a:rPr>
+                                  <m:t>′</m:t>
+                                </m:r>
+                              </m:sup>
+                            </m:sSup>
+                            <m:r>
+                              <a:rPr lang="en-US" i="1">
+                                <a:latin typeface="Cambria Math" panose="02040503050406030204" pitchFamily="18" charset="0"/>
+                              </a:rPr>
+                              <m:t>∈</m:t>
+                            </m:r>
+                            <m:r>
+                              <a:rPr lang="en-US" i="1">
+                                <a:latin typeface="Cambria Math" panose="02040503050406030204" pitchFamily="18" charset="0"/>
+                              </a:rPr>
+                              <m:t>𝑁</m:t>
+                            </m:r>
+                            <m:sSub>
+                              <m:sSubPr>
+                                <m:ctrlPr>
+                                  <a:rPr lang="en-US" i="1">
+                                    <a:latin typeface="Cambria Math" panose="02040503050406030204" pitchFamily="18" charset="0"/>
+                                  </a:rPr>
+                                </m:ctrlPr>
+                              </m:sSubPr>
+                              <m:e>
+                                <m:r>
+                                  <a:rPr lang="en-US" i="1">
+                                    <a:latin typeface="Cambria Math" panose="02040503050406030204" pitchFamily="18" charset="0"/>
+                                  </a:rPr>
+                                  <m:t>𝑁</m:t>
+                                </m:r>
+                              </m:e>
+                              <m:sub>
+                                <m:r>
+                                  <a:rPr lang="en-US" i="1">
+                                    <a:latin typeface="Cambria Math" panose="02040503050406030204" pitchFamily="18" charset="0"/>
+                                  </a:rPr>
+                                  <m:t>+</m:t>
+                                </m:r>
+                              </m:sub>
+                            </m:sSub>
+                            <m:d>
+                              <m:dPr>
+                                <m:ctrlPr>
+                                  <a:rPr lang="en-US" i="1">
+                                    <a:latin typeface="Cambria Math" panose="02040503050406030204" pitchFamily="18" charset="0"/>
+                                  </a:rPr>
+                                </m:ctrlPr>
+                              </m:dPr>
+                              <m:e>
+                                <m:r>
+                                  <a:rPr lang="en-US" i="1">
+                                    <a:latin typeface="Cambria Math" panose="02040503050406030204" pitchFamily="18" charset="0"/>
+                                  </a:rPr>
+                                  <m:t>𝑥</m:t>
+                                </m:r>
+                              </m:e>
+                            </m:d>
+                          </m:sub>
+                          <m:sup/>
+                          <m:e>
+                            <m:sSubSup>
+                              <m:sSubSupPr>
+                                <m:ctrlPr>
+                                  <a:rPr lang="en-US" i="1">
+                                    <a:latin typeface="Cambria Math" panose="02040503050406030204" pitchFamily="18" charset="0"/>
+                                  </a:rPr>
+                                </m:ctrlPr>
+                              </m:sSubSupPr>
+                              <m:e>
+                                <m:d>
+                                  <m:dPr>
+                                    <m:begChr m:val="|"/>
+                                    <m:endChr m:val="|"/>
+                                    <m:ctrlPr>
+                                      <a:rPr lang="en-US" i="1">
+                                        <a:latin typeface="Cambria Math" panose="02040503050406030204" pitchFamily="18" charset="0"/>
+                                      </a:rPr>
+                                    </m:ctrlPr>
+                                  </m:dPr>
+                                  <m:e>
+                                    <m:d>
+                                      <m:dPr>
+                                        <m:begChr m:val="|"/>
+                                        <m:endChr m:val="|"/>
+                                        <m:ctrlPr>
+                                          <a:rPr lang="en-US" i="1">
+                                            <a:latin typeface="Cambria Math" panose="02040503050406030204" pitchFamily="18" charset="0"/>
+                                          </a:rPr>
+                                        </m:ctrlPr>
+                                      </m:dPr>
+                                      <m:e>
+                                        <m:r>
+                                          <a:rPr lang="en-US" i="1">
+                                            <a:latin typeface="Cambria Math" panose="02040503050406030204" pitchFamily="18" charset="0"/>
+                                          </a:rPr>
+                                          <m:t>𝑥</m:t>
+                                        </m:r>
+                                        <m:r>
+                                          <a:rPr lang="en-US" i="1">
+                                            <a:latin typeface="Cambria Math" panose="02040503050406030204" pitchFamily="18" charset="0"/>
+                                          </a:rPr>
+                                          <m:t>−</m:t>
+                                        </m:r>
+                                        <m:sSup>
+                                          <m:sSupPr>
+                                            <m:ctrlPr>
+                                              <a:rPr lang="en-US" i="1">
+                                                <a:latin typeface="Cambria Math" panose="02040503050406030204" pitchFamily="18" charset="0"/>
+                                              </a:rPr>
+                                            </m:ctrlPr>
+                                          </m:sSupPr>
+                                          <m:e>
+                                            <m:r>
+                                              <a:rPr lang="en-US" i="1">
+                                                <a:latin typeface="Cambria Math" panose="02040503050406030204" pitchFamily="18" charset="0"/>
+                                              </a:rPr>
+                                              <m:t>𝑥</m:t>
+                                            </m:r>
+                                          </m:e>
+                                          <m:sup>
+                                            <m:r>
+                                              <a:rPr lang="en-US" i="1">
+                                                <a:latin typeface="Cambria Math" panose="02040503050406030204" pitchFamily="18" charset="0"/>
+                                              </a:rPr>
+                                              <m:t>′</m:t>
+                                            </m:r>
+                                          </m:sup>
+                                        </m:sSup>
+                                      </m:e>
+                                    </m:d>
+                                  </m:e>
+                                </m:d>
+                              </m:e>
+                              <m:sub>
+                                <m:r>
+                                  <a:rPr lang="en-US" i="1">
+                                    <a:latin typeface="Cambria Math" panose="02040503050406030204" pitchFamily="18" charset="0"/>
+                                  </a:rPr>
+                                  <m:t>2</m:t>
+                                </m:r>
+                              </m:sub>
+                              <m:sup>
+                                <m:r>
+                                  <a:rPr lang="en-US" i="1">
+                                    <a:latin typeface="Cambria Math" panose="02040503050406030204" pitchFamily="18" charset="0"/>
+                                  </a:rPr>
+                                  <m:t>2</m:t>
+                                </m:r>
+                              </m:sup>
+                            </m:sSubSup>
+                          </m:e>
+                        </m:nary>
+                      </m:oMath>
+                    </m:oMathPara>
+                  </a14:m>
+                  <a:endParaRPr lang="en-US" dirty="0"/>
+                </a:p>
+              </p:txBody>
+            </p:sp>
+          </mc:Choice>
+          <mc:Fallback xmlns="">
+            <p:sp>
+              <p:nvSpPr>
+                <p:cNvPr id="91" name="Rectangle 90"/>
+                <p:cNvSpPr>
+                  <a:spLocks noRot="1" noChangeAspect="1" noMove="1" noResize="1" noEditPoints="1" noAdjustHandles="1" noChangeArrowheads="1" noChangeShapeType="1" noTextEdit="1"/>
+                </p:cNvSpPr>
+                <p:nvPr/>
+              </p:nvSpPr>
+              <p:spPr>
+                <a:xfrm>
+                  <a:off x="10013325" y="5860765"/>
+                  <a:ext cx="2128853" cy="809068"/>
+                </a:xfrm>
+                <a:prstGeom prst="rect">
+                  <a:avLst/>
+                </a:prstGeom>
+                <a:blipFill>
+                  <a:blip r:embed="rId5"/>
+                  <a:stretch>
+                    <a:fillRect/>
+                  </a:stretch>
+                </a:blipFill>
+              </p:spPr>
+              <p:txBody>
+                <a:bodyPr/>
+                <a:lstStyle/>
+                <a:p>
+                  <a:r>
+                    <a:rPr lang="en-US">
+                      <a:noFill/>
+                    </a:rPr>
+                    <a:t> </a:t>
+                  </a:r>
+                </a:p>
+              </p:txBody>
+            </p:sp>
+          </mc:Fallback>
+        </mc:AlternateContent>
+      </p:grpSp>
     </p:spTree>
     <p:extLst>
       <p:ext uri="{BB962C8B-B14F-4D97-AF65-F5344CB8AC3E}">
-        <p14:creationId xmlns:p14="http://schemas.microsoft.com/office/powerpoint/2010/main" val="3257359179"/>
+        <p14:creationId xmlns:p14="http://schemas.microsoft.com/office/powerpoint/2010/main" val="935748492"/>
       </p:ext>
     </p:extLst>
   </p:cSld>
@@ -22056,14 +25508,667 @@
   <p:timing>
     <p:tnLst>
       <p:par>
-        <p:cTn id="1" dur="indefinite" restart="never" nodeType="tmRoot"/>
+        <p:cTn id="1" dur="indefinite" restart="never" nodeType="tmRoot">
+          <p:childTnLst>
+            <p:seq concurrent="1" nextAc="seek">
+              <p:cTn id="2" dur="indefinite" nodeType="mainSeq">
+                <p:childTnLst>
+                  <p:par>
+                    <p:cTn id="3" fill="hold">
+                      <p:stCondLst>
+                        <p:cond delay="indefinite"/>
+                        <p:cond evt="onBegin" delay="0">
+                          <p:tn val="2"/>
+                        </p:cond>
+                      </p:stCondLst>
+                      <p:childTnLst>
+                        <p:par>
+                          <p:cTn id="4" fill="hold">
+                            <p:stCondLst>
+                              <p:cond delay="0"/>
+                            </p:stCondLst>
+                            <p:childTnLst>
+                              <p:par>
+                                <p:cTn id="5" presetID="10" presetClass="entr" presetSubtype="0" fill="hold" nodeType="withEffect">
+                                  <p:stCondLst>
+                                    <p:cond delay="0"/>
+                                  </p:stCondLst>
+                                  <p:childTnLst>
+                                    <p:set>
+                                      <p:cBhvr>
+                                        <p:cTn id="6" dur="1" fill="hold">
+                                          <p:stCondLst>
+                                            <p:cond delay="0"/>
+                                          </p:stCondLst>
+                                        </p:cTn>
+                                        <p:tgtEl>
+                                          <p:spTgt spid="33"/>
+                                        </p:tgtEl>
+                                        <p:attrNameLst>
+                                          <p:attrName>style.visibility</p:attrName>
+                                        </p:attrNameLst>
+                                      </p:cBhvr>
+                                      <p:to>
+                                        <p:strVal val="visible"/>
+                                      </p:to>
+                                    </p:set>
+                                    <p:animEffect transition="in" filter="fade">
+                                      <p:cBhvr>
+                                        <p:cTn id="7" dur="500"/>
+                                        <p:tgtEl>
+                                          <p:spTgt spid="33"/>
+                                        </p:tgtEl>
+                                      </p:cBhvr>
+                                    </p:animEffect>
+                                  </p:childTnLst>
+                                </p:cTn>
+                              </p:par>
+                              <p:par>
+                                <p:cTn id="8" presetID="10" presetClass="entr" presetSubtype="0" fill="hold" nodeType="withEffect">
+                                  <p:stCondLst>
+                                    <p:cond delay="0"/>
+                                  </p:stCondLst>
+                                  <p:childTnLst>
+                                    <p:set>
+                                      <p:cBhvr>
+                                        <p:cTn id="9" dur="1" fill="hold">
+                                          <p:stCondLst>
+                                            <p:cond delay="0"/>
+                                          </p:stCondLst>
+                                        </p:cTn>
+                                        <p:tgtEl>
+                                          <p:spTgt spid="27"/>
+                                        </p:tgtEl>
+                                        <p:attrNameLst>
+                                          <p:attrName>style.visibility</p:attrName>
+                                        </p:attrNameLst>
+                                      </p:cBhvr>
+                                      <p:to>
+                                        <p:strVal val="visible"/>
+                                      </p:to>
+                                    </p:set>
+                                    <p:animEffect transition="in" filter="fade">
+                                      <p:cBhvr>
+                                        <p:cTn id="10" dur="500"/>
+                                        <p:tgtEl>
+                                          <p:spTgt spid="27"/>
+                                        </p:tgtEl>
+                                      </p:cBhvr>
+                                    </p:animEffect>
+                                  </p:childTnLst>
+                                </p:cTn>
+                              </p:par>
+                              <p:par>
+                                <p:cTn id="11" presetID="10" presetClass="entr" presetSubtype="0" fill="hold" nodeType="withEffect">
+                                  <p:stCondLst>
+                                    <p:cond delay="0"/>
+                                  </p:stCondLst>
+                                  <p:childTnLst>
+                                    <p:set>
+                                      <p:cBhvr>
+                                        <p:cTn id="12" dur="1" fill="hold">
+                                          <p:stCondLst>
+                                            <p:cond delay="0"/>
+                                          </p:stCondLst>
+                                        </p:cTn>
+                                        <p:tgtEl>
+                                          <p:spTgt spid="30"/>
+                                        </p:tgtEl>
+                                        <p:attrNameLst>
+                                          <p:attrName>style.visibility</p:attrName>
+                                        </p:attrNameLst>
+                                      </p:cBhvr>
+                                      <p:to>
+                                        <p:strVal val="visible"/>
+                                      </p:to>
+                                    </p:set>
+                                    <p:animEffect transition="in" filter="fade">
+                                      <p:cBhvr>
+                                        <p:cTn id="13" dur="500"/>
+                                        <p:tgtEl>
+                                          <p:spTgt spid="30"/>
+                                        </p:tgtEl>
+                                      </p:cBhvr>
+                                    </p:animEffect>
+                                  </p:childTnLst>
+                                </p:cTn>
+                              </p:par>
+                              <p:par>
+                                <p:cTn id="14" presetID="10" presetClass="entr" presetSubtype="0" fill="hold" nodeType="withEffect">
+                                  <p:stCondLst>
+                                    <p:cond delay="0"/>
+                                  </p:stCondLst>
+                                  <p:childTnLst>
+                                    <p:set>
+                                      <p:cBhvr>
+                                        <p:cTn id="15" dur="1" fill="hold">
+                                          <p:stCondLst>
+                                            <p:cond delay="0"/>
+                                          </p:stCondLst>
+                                        </p:cTn>
+                                        <p:tgtEl>
+                                          <p:spTgt spid="37"/>
+                                        </p:tgtEl>
+                                        <p:attrNameLst>
+                                          <p:attrName>style.visibility</p:attrName>
+                                        </p:attrNameLst>
+                                      </p:cBhvr>
+                                      <p:to>
+                                        <p:strVal val="visible"/>
+                                      </p:to>
+                                    </p:set>
+                                    <p:animEffect transition="in" filter="fade">
+                                      <p:cBhvr>
+                                        <p:cTn id="16" dur="500"/>
+                                        <p:tgtEl>
+                                          <p:spTgt spid="37"/>
+                                        </p:tgtEl>
+                                      </p:cBhvr>
+                                    </p:animEffect>
+                                  </p:childTnLst>
+                                </p:cTn>
+                              </p:par>
+                              <p:par>
+                                <p:cTn id="17" presetID="10" presetClass="entr" presetSubtype="0" fill="hold" nodeType="withEffect">
+                                  <p:stCondLst>
+                                    <p:cond delay="0"/>
+                                  </p:stCondLst>
+                                  <p:childTnLst>
+                                    <p:set>
+                                      <p:cBhvr>
+                                        <p:cTn id="18" dur="1" fill="hold">
+                                          <p:stCondLst>
+                                            <p:cond delay="0"/>
+                                          </p:stCondLst>
+                                        </p:cTn>
+                                        <p:tgtEl>
+                                          <p:spTgt spid="24"/>
+                                        </p:tgtEl>
+                                        <p:attrNameLst>
+                                          <p:attrName>style.visibility</p:attrName>
+                                        </p:attrNameLst>
+                                      </p:cBhvr>
+                                      <p:to>
+                                        <p:strVal val="visible"/>
+                                      </p:to>
+                                    </p:set>
+                                    <p:animEffect transition="in" filter="fade">
+                                      <p:cBhvr>
+                                        <p:cTn id="19" dur="500"/>
+                                        <p:tgtEl>
+                                          <p:spTgt spid="24"/>
+                                        </p:tgtEl>
+                                      </p:cBhvr>
+                                    </p:animEffect>
+                                  </p:childTnLst>
+                                </p:cTn>
+                              </p:par>
+                            </p:childTnLst>
+                          </p:cTn>
+                        </p:par>
+                      </p:childTnLst>
+                    </p:cTn>
+                  </p:par>
+                  <p:par>
+                    <p:cTn id="20" fill="hold">
+                      <p:stCondLst>
+                        <p:cond delay="indefinite"/>
+                      </p:stCondLst>
+                      <p:childTnLst>
+                        <p:par>
+                          <p:cTn id="21" fill="hold">
+                            <p:stCondLst>
+                              <p:cond delay="0"/>
+                            </p:stCondLst>
+                            <p:childTnLst>
+                              <p:par>
+                                <p:cTn id="22" presetID="10" presetClass="entr" presetSubtype="0" fill="hold" nodeType="clickEffect">
+                                  <p:stCondLst>
+                                    <p:cond delay="0"/>
+                                  </p:stCondLst>
+                                  <p:childTnLst>
+                                    <p:set>
+                                      <p:cBhvr>
+                                        <p:cTn id="23" dur="1" fill="hold">
+                                          <p:stCondLst>
+                                            <p:cond delay="0"/>
+                                          </p:stCondLst>
+                                        </p:cTn>
+                                        <p:tgtEl>
+                                          <p:spTgt spid="57"/>
+                                        </p:tgtEl>
+                                        <p:attrNameLst>
+                                          <p:attrName>style.visibility</p:attrName>
+                                        </p:attrNameLst>
+                                      </p:cBhvr>
+                                      <p:to>
+                                        <p:strVal val="visible"/>
+                                      </p:to>
+                                    </p:set>
+                                    <p:animEffect transition="in" filter="fade">
+                                      <p:cBhvr>
+                                        <p:cTn id="24" dur="500"/>
+                                        <p:tgtEl>
+                                          <p:spTgt spid="57"/>
+                                        </p:tgtEl>
+                                      </p:cBhvr>
+                                    </p:animEffect>
+                                  </p:childTnLst>
+                                </p:cTn>
+                              </p:par>
+                            </p:childTnLst>
+                          </p:cTn>
+                        </p:par>
+                      </p:childTnLst>
+                    </p:cTn>
+                  </p:par>
+                  <p:par>
+                    <p:cTn id="25" fill="hold">
+                      <p:stCondLst>
+                        <p:cond delay="indefinite"/>
+                      </p:stCondLst>
+                      <p:childTnLst>
+                        <p:par>
+                          <p:cTn id="26" fill="hold">
+                            <p:stCondLst>
+                              <p:cond delay="0"/>
+                            </p:stCondLst>
+                            <p:childTnLst>
+                              <p:par>
+                                <p:cTn id="27" presetID="1" presetClass="exit" presetSubtype="0" fill="hold" nodeType="clickEffect">
+                                  <p:stCondLst>
+                                    <p:cond delay="0"/>
+                                  </p:stCondLst>
+                                  <p:childTnLst>
+                                    <p:set>
+                                      <p:cBhvr>
+                                        <p:cTn id="28" dur="1" fill="hold">
+                                          <p:stCondLst>
+                                            <p:cond delay="0"/>
+                                          </p:stCondLst>
+                                        </p:cTn>
+                                        <p:tgtEl>
+                                          <p:spTgt spid="33"/>
+                                        </p:tgtEl>
+                                        <p:attrNameLst>
+                                          <p:attrName>style.visibility</p:attrName>
+                                        </p:attrNameLst>
+                                      </p:cBhvr>
+                                      <p:to>
+                                        <p:strVal val="hidden"/>
+                                      </p:to>
+                                    </p:set>
+                                  </p:childTnLst>
+                                </p:cTn>
+                              </p:par>
+                              <p:par>
+                                <p:cTn id="29" presetID="1" presetClass="exit" presetSubtype="0" fill="hold" nodeType="withEffect">
+                                  <p:stCondLst>
+                                    <p:cond delay="0"/>
+                                  </p:stCondLst>
+                                  <p:childTnLst>
+                                    <p:set>
+                                      <p:cBhvr>
+                                        <p:cTn id="30" dur="1" fill="hold">
+                                          <p:stCondLst>
+                                            <p:cond delay="0"/>
+                                          </p:stCondLst>
+                                        </p:cTn>
+                                        <p:tgtEl>
+                                          <p:spTgt spid="27"/>
+                                        </p:tgtEl>
+                                        <p:attrNameLst>
+                                          <p:attrName>style.visibility</p:attrName>
+                                        </p:attrNameLst>
+                                      </p:cBhvr>
+                                      <p:to>
+                                        <p:strVal val="hidden"/>
+                                      </p:to>
+                                    </p:set>
+                                  </p:childTnLst>
+                                </p:cTn>
+                              </p:par>
+                              <p:par>
+                                <p:cTn id="31" presetID="1" presetClass="exit" presetSubtype="0" fill="hold" nodeType="withEffect">
+                                  <p:stCondLst>
+                                    <p:cond delay="0"/>
+                                  </p:stCondLst>
+                                  <p:childTnLst>
+                                    <p:set>
+                                      <p:cBhvr>
+                                        <p:cTn id="32" dur="1" fill="hold">
+                                          <p:stCondLst>
+                                            <p:cond delay="0"/>
+                                          </p:stCondLst>
+                                        </p:cTn>
+                                        <p:tgtEl>
+                                          <p:spTgt spid="30"/>
+                                        </p:tgtEl>
+                                        <p:attrNameLst>
+                                          <p:attrName>style.visibility</p:attrName>
+                                        </p:attrNameLst>
+                                      </p:cBhvr>
+                                      <p:to>
+                                        <p:strVal val="hidden"/>
+                                      </p:to>
+                                    </p:set>
+                                  </p:childTnLst>
+                                </p:cTn>
+                              </p:par>
+                              <p:par>
+                                <p:cTn id="33" presetID="1" presetClass="exit" presetSubtype="0" fill="hold" nodeType="withEffect">
+                                  <p:stCondLst>
+                                    <p:cond delay="0"/>
+                                  </p:stCondLst>
+                                  <p:childTnLst>
+                                    <p:set>
+                                      <p:cBhvr>
+                                        <p:cTn id="34" dur="1" fill="hold">
+                                          <p:stCondLst>
+                                            <p:cond delay="0"/>
+                                          </p:stCondLst>
+                                        </p:cTn>
+                                        <p:tgtEl>
+                                          <p:spTgt spid="37"/>
+                                        </p:tgtEl>
+                                        <p:attrNameLst>
+                                          <p:attrName>style.visibility</p:attrName>
+                                        </p:attrNameLst>
+                                      </p:cBhvr>
+                                      <p:to>
+                                        <p:strVal val="hidden"/>
+                                      </p:to>
+                                    </p:set>
+                                  </p:childTnLst>
+                                </p:cTn>
+                              </p:par>
+                              <p:par>
+                                <p:cTn id="35" presetID="1" presetClass="exit" presetSubtype="0" fill="hold" nodeType="withEffect">
+                                  <p:stCondLst>
+                                    <p:cond delay="0"/>
+                                  </p:stCondLst>
+                                  <p:childTnLst>
+                                    <p:set>
+                                      <p:cBhvr>
+                                        <p:cTn id="36" dur="1" fill="hold">
+                                          <p:stCondLst>
+                                            <p:cond delay="0"/>
+                                          </p:stCondLst>
+                                        </p:cTn>
+                                        <p:tgtEl>
+                                          <p:spTgt spid="24"/>
+                                        </p:tgtEl>
+                                        <p:attrNameLst>
+                                          <p:attrName>style.visibility</p:attrName>
+                                        </p:attrNameLst>
+                                      </p:cBhvr>
+                                      <p:to>
+                                        <p:strVal val="hidden"/>
+                                      </p:to>
+                                    </p:set>
+                                  </p:childTnLst>
+                                </p:cTn>
+                              </p:par>
+                              <p:par>
+                                <p:cTn id="37" presetID="10" presetClass="entr" presetSubtype="0" fill="hold" nodeType="withEffect">
+                                  <p:stCondLst>
+                                    <p:cond delay="0"/>
+                                  </p:stCondLst>
+                                  <p:childTnLst>
+                                    <p:set>
+                                      <p:cBhvr>
+                                        <p:cTn id="38" dur="1" fill="hold">
+                                          <p:stCondLst>
+                                            <p:cond delay="0"/>
+                                          </p:stCondLst>
+                                        </p:cTn>
+                                        <p:tgtEl>
+                                          <p:spTgt spid="71"/>
+                                        </p:tgtEl>
+                                        <p:attrNameLst>
+                                          <p:attrName>style.visibility</p:attrName>
+                                        </p:attrNameLst>
+                                      </p:cBhvr>
+                                      <p:to>
+                                        <p:strVal val="visible"/>
+                                      </p:to>
+                                    </p:set>
+                                    <p:animEffect transition="in" filter="fade">
+                                      <p:cBhvr>
+                                        <p:cTn id="39" dur="500"/>
+                                        <p:tgtEl>
+                                          <p:spTgt spid="71"/>
+                                        </p:tgtEl>
+                                      </p:cBhvr>
+                                    </p:animEffect>
+                                  </p:childTnLst>
+                                </p:cTn>
+                              </p:par>
+                              <p:par>
+                                <p:cTn id="40" presetID="10" presetClass="entr" presetSubtype="0" fill="hold" nodeType="withEffect">
+                                  <p:stCondLst>
+                                    <p:cond delay="0"/>
+                                  </p:stCondLst>
+                                  <p:childTnLst>
+                                    <p:set>
+                                      <p:cBhvr>
+                                        <p:cTn id="41" dur="1" fill="hold">
+                                          <p:stCondLst>
+                                            <p:cond delay="0"/>
+                                          </p:stCondLst>
+                                        </p:cTn>
+                                        <p:tgtEl>
+                                          <p:spTgt spid="65"/>
+                                        </p:tgtEl>
+                                        <p:attrNameLst>
+                                          <p:attrName>style.visibility</p:attrName>
+                                        </p:attrNameLst>
+                                      </p:cBhvr>
+                                      <p:to>
+                                        <p:strVal val="visible"/>
+                                      </p:to>
+                                    </p:set>
+                                    <p:animEffect transition="in" filter="fade">
+                                      <p:cBhvr>
+                                        <p:cTn id="42" dur="500"/>
+                                        <p:tgtEl>
+                                          <p:spTgt spid="65"/>
+                                        </p:tgtEl>
+                                      </p:cBhvr>
+                                    </p:animEffect>
+                                  </p:childTnLst>
+                                </p:cTn>
+                              </p:par>
+                              <p:par>
+                                <p:cTn id="43" presetID="10" presetClass="entr" presetSubtype="0" fill="hold" nodeType="withEffect">
+                                  <p:stCondLst>
+                                    <p:cond delay="0"/>
+                                  </p:stCondLst>
+                                  <p:childTnLst>
+                                    <p:set>
+                                      <p:cBhvr>
+                                        <p:cTn id="44" dur="1" fill="hold">
+                                          <p:stCondLst>
+                                            <p:cond delay="0"/>
+                                          </p:stCondLst>
+                                        </p:cTn>
+                                        <p:tgtEl>
+                                          <p:spTgt spid="68"/>
+                                        </p:tgtEl>
+                                        <p:attrNameLst>
+                                          <p:attrName>style.visibility</p:attrName>
+                                        </p:attrNameLst>
+                                      </p:cBhvr>
+                                      <p:to>
+                                        <p:strVal val="visible"/>
+                                      </p:to>
+                                    </p:set>
+                                    <p:animEffect transition="in" filter="fade">
+                                      <p:cBhvr>
+                                        <p:cTn id="45" dur="500"/>
+                                        <p:tgtEl>
+                                          <p:spTgt spid="68"/>
+                                        </p:tgtEl>
+                                      </p:cBhvr>
+                                    </p:animEffect>
+                                  </p:childTnLst>
+                                </p:cTn>
+                              </p:par>
+                              <p:par>
+                                <p:cTn id="46" presetID="10" presetClass="entr" presetSubtype="0" fill="hold" nodeType="withEffect">
+                                  <p:stCondLst>
+                                    <p:cond delay="0"/>
+                                  </p:stCondLst>
+                                  <p:childTnLst>
+                                    <p:set>
+                                      <p:cBhvr>
+                                        <p:cTn id="47" dur="1" fill="hold">
+                                          <p:stCondLst>
+                                            <p:cond delay="0"/>
+                                          </p:stCondLst>
+                                        </p:cTn>
+                                        <p:tgtEl>
+                                          <p:spTgt spid="59"/>
+                                        </p:tgtEl>
+                                        <p:attrNameLst>
+                                          <p:attrName>style.visibility</p:attrName>
+                                        </p:attrNameLst>
+                                      </p:cBhvr>
+                                      <p:to>
+                                        <p:strVal val="visible"/>
+                                      </p:to>
+                                    </p:set>
+                                    <p:animEffect transition="in" filter="fade">
+                                      <p:cBhvr>
+                                        <p:cTn id="48" dur="500"/>
+                                        <p:tgtEl>
+                                          <p:spTgt spid="59"/>
+                                        </p:tgtEl>
+                                      </p:cBhvr>
+                                    </p:animEffect>
+                                  </p:childTnLst>
+                                </p:cTn>
+                              </p:par>
+                              <p:par>
+                                <p:cTn id="49" presetID="10" presetClass="entr" presetSubtype="0" fill="hold" nodeType="withEffect">
+                                  <p:stCondLst>
+                                    <p:cond delay="0"/>
+                                  </p:stCondLst>
+                                  <p:childTnLst>
+                                    <p:set>
+                                      <p:cBhvr>
+                                        <p:cTn id="50" dur="1" fill="hold">
+                                          <p:stCondLst>
+                                            <p:cond delay="0"/>
+                                          </p:stCondLst>
+                                        </p:cTn>
+                                        <p:tgtEl>
+                                          <p:spTgt spid="62"/>
+                                        </p:tgtEl>
+                                        <p:attrNameLst>
+                                          <p:attrName>style.visibility</p:attrName>
+                                        </p:attrNameLst>
+                                      </p:cBhvr>
+                                      <p:to>
+                                        <p:strVal val="visible"/>
+                                      </p:to>
+                                    </p:set>
+                                    <p:animEffect transition="in" filter="fade">
+                                      <p:cBhvr>
+                                        <p:cTn id="51" dur="500"/>
+                                        <p:tgtEl>
+                                          <p:spTgt spid="62"/>
+                                        </p:tgtEl>
+                                      </p:cBhvr>
+                                    </p:animEffect>
+                                  </p:childTnLst>
+                                </p:cTn>
+                              </p:par>
+                            </p:childTnLst>
+                          </p:cTn>
+                        </p:par>
+                      </p:childTnLst>
+                    </p:cTn>
+                  </p:par>
+                  <p:par>
+                    <p:cTn id="52" fill="hold">
+                      <p:stCondLst>
+                        <p:cond delay="indefinite"/>
+                      </p:stCondLst>
+                      <p:childTnLst>
+                        <p:par>
+                          <p:cTn id="53" fill="hold">
+                            <p:stCondLst>
+                              <p:cond delay="0"/>
+                            </p:stCondLst>
+                            <p:childTnLst>
+                              <p:par>
+                                <p:cTn id="54" presetID="10" presetClass="entr" presetSubtype="0" fill="hold" nodeType="clickEffect">
+                                  <p:stCondLst>
+                                    <p:cond delay="0"/>
+                                  </p:stCondLst>
+                                  <p:childTnLst>
+                                    <p:set>
+                                      <p:cBhvr>
+                                        <p:cTn id="55" dur="1" fill="hold">
+                                          <p:stCondLst>
+                                            <p:cond delay="0"/>
+                                          </p:stCondLst>
+                                        </p:cTn>
+                                        <p:tgtEl>
+                                          <p:spTgt spid="92"/>
+                                        </p:tgtEl>
+                                        <p:attrNameLst>
+                                          <p:attrName>style.visibility</p:attrName>
+                                        </p:attrNameLst>
+                                      </p:cBhvr>
+                                      <p:to>
+                                        <p:strVal val="visible"/>
+                                      </p:to>
+                                    </p:set>
+                                    <p:animEffect transition="in" filter="fade">
+                                      <p:cBhvr>
+                                        <p:cTn id="56" dur="500"/>
+                                        <p:tgtEl>
+                                          <p:spTgt spid="92"/>
+                                        </p:tgtEl>
+                                      </p:cBhvr>
+                                    </p:animEffect>
+                                  </p:childTnLst>
+                                </p:cTn>
+                              </p:par>
+                            </p:childTnLst>
+                          </p:cTn>
+                        </p:par>
+                      </p:childTnLst>
+                    </p:cTn>
+                  </p:par>
+                </p:childTnLst>
+              </p:cTn>
+              <p:prevCondLst>
+                <p:cond evt="onPrev" delay="0">
+                  <p:tgtEl>
+                    <p:sldTgt/>
+                  </p:tgtEl>
+                </p:cond>
+              </p:prevCondLst>
+              <p:nextCondLst>
+                <p:cond evt="onNext" delay="0">
+                  <p:tgtEl>
+                    <p:sldTgt/>
+                  </p:tgtEl>
+                </p:cond>
+              </p:nextCondLst>
+            </p:seq>
+          </p:childTnLst>
+        </p:cTn>
       </p:par>
     </p:tnLst>
   </p:timing>
 </p:sld>
 </file>
 
-<file path=ppt/slides/slide15.xml><?xml version="1.0" encoding="utf-8"?>
+<file path=ppt/slides/slide17.xml><?xml version="1.0" encoding="utf-8"?>
 <p:sld xmlns:a="http://schemas.openxmlformats.org/drawingml/2006/main" xmlns:r="http://schemas.openxmlformats.org/officeDocument/2006/relationships" xmlns:p="http://schemas.openxmlformats.org/presentationml/2006/main">
   <p:cSld>
     <p:spTree>
@@ -23211,7 +27316,144 @@
 </p:sld>
 </file>
 
-<file path=ppt/slides/slide16.xml><?xml version="1.0" encoding="utf-8"?>
+<file path=ppt/slides/slide18.xml><?xml version="1.0" encoding="utf-8"?>
+<p:sld xmlns:a="http://schemas.openxmlformats.org/drawingml/2006/main" xmlns:r="http://schemas.openxmlformats.org/officeDocument/2006/relationships" xmlns:p="http://schemas.openxmlformats.org/presentationml/2006/main">
+  <p:cSld>
+    <p:spTree>
+      <p:nvGrpSpPr>
+        <p:cNvPr id="1" name=""/>
+        <p:cNvGrpSpPr/>
+        <p:nvPr/>
+      </p:nvGrpSpPr>
+      <p:grpSpPr>
+        <a:xfrm>
+          <a:off x="0" y="0"/>
+          <a:ext cx="0" cy="0"/>
+          <a:chOff x="0" y="0"/>
+          <a:chExt cx="0" cy="0"/>
+        </a:xfrm>
+      </p:grpSpPr>
+      <p:sp>
+        <p:nvSpPr>
+          <p:cNvPr id="2" name="Title 1"/>
+          <p:cNvSpPr>
+            <a:spLocks noGrp="1"/>
+          </p:cNvSpPr>
+          <p:nvPr>
+            <p:ph type="title"/>
+          </p:nvPr>
+        </p:nvSpPr>
+        <p:spPr/>
+        <p:txBody>
+          <a:bodyPr/>
+          <a:lstStyle/>
+          <a:p>
+            <a:r>
+              <a:rPr lang="en-US" dirty="0" smtClean="0"/>
+              <a:t>Outline</a:t>
+            </a:r>
+            <a:endParaRPr lang="en-US" dirty="0"/>
+          </a:p>
+        </p:txBody>
+      </p:sp>
+      <p:sp>
+        <p:nvSpPr>
+          <p:cNvPr id="3" name="Content Placeholder 2"/>
+          <p:cNvSpPr>
+            <a:spLocks noGrp="1"/>
+          </p:cNvSpPr>
+          <p:nvPr>
+            <p:ph idx="1"/>
+          </p:nvPr>
+        </p:nvSpPr>
+        <p:spPr/>
+        <p:txBody>
+          <a:bodyPr/>
+          <a:lstStyle/>
+          <a:p>
+            <a:r>
+              <a:rPr lang="en-US" dirty="0" smtClean="0">
+                <a:solidFill>
+                  <a:schemeClr val="bg1">
+                    <a:lumMod val="65000"/>
+                  </a:schemeClr>
+                </a:solidFill>
+              </a:rPr>
+              <a:t>Motivation and Our Framework</a:t>
+            </a:r>
+          </a:p>
+          <a:p>
+            <a:r>
+              <a:rPr lang="en-US" dirty="0" smtClean="0">
+                <a:solidFill>
+                  <a:schemeClr val="bg1">
+                    <a:lumMod val="65000"/>
+                  </a:schemeClr>
+                </a:solidFill>
+              </a:rPr>
+              <a:t>How IDS impacts on learning</a:t>
+            </a:r>
+          </a:p>
+          <a:p>
+            <a:r>
+              <a:rPr lang="en-US" dirty="0"/>
+              <a:t>Existing Kinds of Imbalanced Learning Techniques</a:t>
+            </a:r>
+          </a:p>
+          <a:p>
+            <a:r>
+              <a:rPr lang="en-US" dirty="0" smtClean="0">
+                <a:solidFill>
+                  <a:schemeClr val="bg1">
+                    <a:lumMod val="65000"/>
+                  </a:schemeClr>
+                </a:solidFill>
+              </a:rPr>
+              <a:t>Proposal: A Strategy to select technique</a:t>
+            </a:r>
+          </a:p>
+          <a:p>
+            <a:r>
+              <a:rPr lang="en-US" altLang="zh-CN" dirty="0">
+                <a:solidFill>
+                  <a:schemeClr val="bg1">
+                    <a:lumMod val="65000"/>
+                  </a:schemeClr>
+                </a:solidFill>
+              </a:rPr>
+              <a:t>Experiments to verify proposal</a:t>
+            </a:r>
+            <a:endParaRPr lang="en-US" dirty="0">
+              <a:solidFill>
+                <a:schemeClr val="bg1">
+                  <a:lumMod val="65000"/>
+                </a:schemeClr>
+              </a:solidFill>
+            </a:endParaRPr>
+          </a:p>
+        </p:txBody>
+      </p:sp>
+    </p:spTree>
+    <p:extLst>
+      <p:ext uri="{BB962C8B-B14F-4D97-AF65-F5344CB8AC3E}">
+        <p14:creationId xmlns:p14="http://schemas.microsoft.com/office/powerpoint/2010/main" val="2952427134"/>
+      </p:ext>
+    </p:extLst>
+  </p:cSld>
+  <p:clrMapOvr>
+    <a:masterClrMapping/>
+  </p:clrMapOvr>
+  <p:timing>
+    <p:tnLst>
+      <p:par>
+        <p:cTn id="1" dur="indefinite" restart="never" nodeType="tmRoot"/>
+      </p:par>
+    </p:tnLst>
+  </p:timing>
+</p:sld>
+</file>
+
+<file path=ppt/slides/slide19.xml><?xml version="1.0" encoding="utf-8"?>
 <p:sld xmlns:a="http://schemas.openxmlformats.org/drawingml/2006/main" xmlns:r="http://schemas.openxmlformats.org/officeDocument/2006/relationships" xmlns:p="http://schemas.openxmlformats.org/presentationml/2006/main">
   <p:cSld>
     <p:spTree>
@@ -24802,7 +29044,145 @@
 </p:sld>
 </file>
 
-<file path=ppt/slides/slide17.xml><?xml version="1.0" encoding="utf-8"?>
+<file path=ppt/slides/slide2.xml><?xml version="1.0" encoding="utf-8"?>
+<p:sld xmlns:a="http://schemas.openxmlformats.org/drawingml/2006/main" xmlns:r="http://schemas.openxmlformats.org/officeDocument/2006/relationships" xmlns:p="http://schemas.openxmlformats.org/presentationml/2006/main">
+  <p:cSld>
+    <p:spTree>
+      <p:nvGrpSpPr>
+        <p:cNvPr id="1" name=""/>
+        <p:cNvGrpSpPr/>
+        <p:nvPr/>
+      </p:nvGrpSpPr>
+      <p:grpSpPr>
+        <a:xfrm>
+          <a:off x="0" y="0"/>
+          <a:ext cx="0" cy="0"/>
+          <a:chOff x="0" y="0"/>
+          <a:chExt cx="0" cy="0"/>
+        </a:xfrm>
+      </p:grpSpPr>
+      <p:sp>
+        <p:nvSpPr>
+          <p:cNvPr id="2" name="Title 1"/>
+          <p:cNvSpPr>
+            <a:spLocks noGrp="1"/>
+          </p:cNvSpPr>
+          <p:nvPr>
+            <p:ph type="title"/>
+          </p:nvPr>
+        </p:nvSpPr>
+        <p:spPr/>
+        <p:txBody>
+          <a:bodyPr/>
+          <a:lstStyle/>
+          <a:p>
+            <a:r>
+              <a:rPr lang="en-US" dirty="0" smtClean="0"/>
+              <a:t>Imbalanced Data</a:t>
+            </a:r>
+            <a:endParaRPr lang="en-US" dirty="0"/>
+          </a:p>
+        </p:txBody>
+      </p:sp>
+      <p:sp>
+        <p:nvSpPr>
+          <p:cNvPr id="3" name="Content Placeholder 2"/>
+          <p:cNvSpPr>
+            <a:spLocks noGrp="1"/>
+          </p:cNvSpPr>
+          <p:nvPr>
+            <p:ph idx="1"/>
+          </p:nvPr>
+        </p:nvSpPr>
+        <p:spPr/>
+        <p:txBody>
+          <a:bodyPr/>
+          <a:lstStyle/>
+          <a:p>
+            <a:r>
+              <a:rPr lang="en-US" dirty="0" smtClean="0"/>
+              <a:t>The data distribution is imbalanced between classes.</a:t>
+            </a:r>
+          </a:p>
+          <a:p>
+            <a:r>
+              <a:rPr lang="en-US" dirty="0" smtClean="0"/>
+              <a:t>Imbalanced data is getting much attention.</a:t>
+            </a:r>
+          </a:p>
+          <a:p>
+            <a:pPr lvl="1"/>
+            <a:r>
+              <a:rPr lang="en-US" dirty="0" smtClean="0"/>
+              <a:t>Clinic Analysis</a:t>
+            </a:r>
+          </a:p>
+          <a:p>
+            <a:pPr lvl="1"/>
+            <a:r>
+              <a:rPr lang="en-US" altLang="zh-CN" dirty="0" smtClean="0"/>
+              <a:t>Fraud Detection</a:t>
+            </a:r>
+          </a:p>
+          <a:p>
+            <a:endParaRPr lang="en-US" altLang="zh-CN" dirty="0"/>
+          </a:p>
+          <a:p>
+            <a:r>
+              <a:rPr lang="en-US" altLang="zh-CN" dirty="0" smtClean="0"/>
+              <a:t>Why problem comes?</a:t>
+            </a:r>
+          </a:p>
+          <a:p>
+            <a:pPr lvl="1"/>
+            <a:r>
+              <a:rPr lang="en-US" altLang="zh-CN" dirty="0" smtClean="0"/>
+              <a:t>Traditional models for classification are designed assuming the data is balanced.</a:t>
+            </a:r>
+            <a:endParaRPr lang="en-US" altLang="zh-CN" dirty="0"/>
+          </a:p>
+          <a:p>
+            <a:pPr lvl="1"/>
+            <a:r>
+              <a:rPr lang="en-US" altLang="zh-CN" dirty="0" smtClean="0"/>
+              <a:t>We call this </a:t>
+            </a:r>
+            <a:r>
+              <a:rPr lang="en-US" altLang="zh-CN" dirty="0" smtClean="0">
+                <a:solidFill>
+                  <a:srgbClr val="FF0000"/>
+                </a:solidFill>
+              </a:rPr>
+              <a:t>Imbalanced Data Set(IDS) problem</a:t>
+            </a:r>
+            <a:r>
+              <a:rPr lang="en-US" altLang="zh-CN" dirty="0" smtClean="0"/>
+              <a:t>.</a:t>
+            </a:r>
+          </a:p>
+        </p:txBody>
+      </p:sp>
+    </p:spTree>
+    <p:extLst>
+      <p:ext uri="{BB962C8B-B14F-4D97-AF65-F5344CB8AC3E}">
+        <p14:creationId xmlns:p14="http://schemas.microsoft.com/office/powerpoint/2010/main" val="1787377613"/>
+      </p:ext>
+    </p:extLst>
+  </p:cSld>
+  <p:clrMapOvr>
+    <a:masterClrMapping/>
+  </p:clrMapOvr>
+  <p:timing>
+    <p:tnLst>
+      <p:par>
+        <p:cTn id="1" dur="indefinite" restart="never" nodeType="tmRoot"/>
+      </p:par>
+    </p:tnLst>
+  </p:timing>
+</p:sld>
+</file>
+
+<file path=ppt/slides/slide20.xml><?xml version="1.0" encoding="utf-8"?>
 <p:sld xmlns:a="http://schemas.openxmlformats.org/drawingml/2006/main" xmlns:r="http://schemas.openxmlformats.org/officeDocument/2006/relationships" xmlns:p="http://schemas.openxmlformats.org/presentationml/2006/main">
   <p:cSld>
     <p:spTree>
@@ -26521,7 +30901,7 @@
 </p:sld>
 </file>
 
-<file path=ppt/slides/slide18.xml><?xml version="1.0" encoding="utf-8"?>
+<file path=ppt/slides/slide21.xml><?xml version="1.0" encoding="utf-8"?>
 <p:sld xmlns:a="http://schemas.openxmlformats.org/drawingml/2006/main" xmlns:r="http://schemas.openxmlformats.org/officeDocument/2006/relationships" xmlns:p="http://schemas.openxmlformats.org/presentationml/2006/main">
   <p:cSld>
     <p:spTree>
@@ -27608,7 +31988,7 @@
 </p:sld>
 </file>
 
-<file path=ppt/slides/slide19.xml><?xml version="1.0" encoding="utf-8"?>
+<file path=ppt/slides/slide22.xml><?xml version="1.0" encoding="utf-8"?>
 <p:sld xmlns:a="http://schemas.openxmlformats.org/drawingml/2006/main" xmlns:r="http://schemas.openxmlformats.org/officeDocument/2006/relationships" xmlns:p="http://schemas.openxmlformats.org/presentationml/2006/main">
   <p:cSld>
     <p:spTree>
@@ -27660,34 +32040,35 @@
         <p:spPr>
           <a:xfrm>
             <a:off x="838200" y="1825625"/>
-            <a:ext cx="4601547" cy="4351338"/>
+            <a:ext cx="4680857" cy="4351338"/>
           </a:xfrm>
         </p:spPr>
         <p:txBody>
           <a:bodyPr/>
           <a:lstStyle/>
           <a:p>
+            <a:pPr algn="just"/>
             <a:r>
               <a:rPr lang="en-US" dirty="0" smtClean="0"/>
               <a:t>SVDD</a:t>
             </a:r>
           </a:p>
           <a:p>
-            <a:pPr lvl="1"/>
+            <a:pPr lvl="1" algn="just"/>
             <a:r>
               <a:rPr lang="en-US" dirty="0" smtClean="0"/>
               <a:t>Commonly used</a:t>
             </a:r>
           </a:p>
           <a:p>
-            <a:pPr lvl="1"/>
+            <a:pPr lvl="1" algn="just"/>
             <a:r>
               <a:rPr lang="en-US" dirty="0" smtClean="0"/>
-              <a:t>Designed to grasp one class, which is in truth a hypersphere boundary to cover the training data.</a:t>
+              <a:t>Designed to grasp one class, which is in truth a hyper sphere boundary to cover the training data.</a:t>
             </a:r>
           </a:p>
           <a:p>
-            <a:pPr lvl="1"/>
+            <a:pPr lvl="1" algn="just"/>
             <a:r>
               <a:rPr lang="en-US" dirty="0" smtClean="0"/>
               <a:t>The object needs to be well represented by training data</a:t>
@@ -27695,141 +32076,171 @@
           </a:p>
         </p:txBody>
       </p:sp>
-    </p:spTree>
-    <p:extLst>
-      <p:ext uri="{BB962C8B-B14F-4D97-AF65-F5344CB8AC3E}">
-        <p14:creationId xmlns:p14="http://schemas.microsoft.com/office/powerpoint/2010/main" val="2959977322"/>
-      </p:ext>
-    </p:extLst>
-  </p:cSld>
-  <p:clrMapOvr>
-    <a:masterClrMapping/>
-  </p:clrMapOvr>
-</p:sld>
-</file>
-
-<file path=ppt/slides/slide2.xml><?xml version="1.0" encoding="utf-8"?>
-<p:sld xmlns:a="http://schemas.openxmlformats.org/drawingml/2006/main" xmlns:r="http://schemas.openxmlformats.org/officeDocument/2006/relationships" xmlns:p="http://schemas.openxmlformats.org/presentationml/2006/main">
-  <p:cSld>
-    <p:spTree>
-      <p:nvGrpSpPr>
-        <p:cNvPr id="1" name=""/>
-        <p:cNvGrpSpPr/>
-        <p:nvPr/>
-      </p:nvGrpSpPr>
-      <p:grpSpPr>
-        <a:xfrm>
-          <a:off x="0" y="0"/>
-          <a:ext cx="0" cy="0"/>
-          <a:chOff x="0" y="0"/>
-          <a:chExt cx="0" cy="0"/>
-        </a:xfrm>
-      </p:grpSpPr>
       <p:sp>
         <p:nvSpPr>
-          <p:cNvPr id="2" name="Title 1"/>
-          <p:cNvSpPr>
-            <a:spLocks noGrp="1"/>
-          </p:cNvSpPr>
-          <p:nvPr>
-            <p:ph type="title"/>
-          </p:nvPr>
+          <p:cNvPr id="6" name="Rectangle 5"/>
+          <p:cNvSpPr/>
+          <p:nvPr/>
         </p:nvSpPr>
-        <p:spPr/>
+        <p:spPr>
+          <a:xfrm>
+            <a:off x="0" y="6581001"/>
+            <a:ext cx="11876314" cy="276999"/>
+          </a:xfrm>
+          <a:prstGeom prst="rect">
+            <a:avLst/>
+          </a:prstGeom>
+        </p:spPr>
         <p:txBody>
-          <a:bodyPr/>
+          <a:bodyPr wrap="square">
+            <a:spAutoFit/>
+          </a:bodyPr>
           <a:lstStyle/>
           <a:p>
+            <a:pPr lvl="0"/>
             <a:r>
-              <a:rPr lang="en-US" dirty="0" smtClean="0"/>
-              <a:t>Imbalanced Data</a:t>
-            </a:r>
-            <a:endParaRPr lang="en-US" dirty="0"/>
-          </a:p>
-        </p:txBody>
-      </p:sp>
-      <p:sp>
-        <p:nvSpPr>
-          <p:cNvPr id="3" name="Content Placeholder 2"/>
-          <p:cNvSpPr>
-            <a:spLocks noGrp="1"/>
-          </p:cNvSpPr>
-          <p:nvPr>
-            <p:ph idx="1"/>
-          </p:nvPr>
-        </p:nvSpPr>
-        <p:spPr/>
-        <p:txBody>
-          <a:bodyPr/>
-          <a:lstStyle/>
-          <a:p>
-            <a:r>
-              <a:rPr lang="en-US" dirty="0" smtClean="0"/>
-              <a:t>The data distribution is imbalanced between classes.</a:t>
-            </a:r>
-          </a:p>
-          <a:p>
-            <a:r>
-              <a:rPr lang="en-US" dirty="0" smtClean="0"/>
-              <a:t>Imbalanced data is getting much attention.</a:t>
-            </a:r>
-          </a:p>
-          <a:p>
-            <a:pPr lvl="1"/>
-            <a:r>
-              <a:rPr lang="en-US" dirty="0" smtClean="0"/>
-              <a:t>Clinic Analysis</a:t>
-            </a:r>
-          </a:p>
-          <a:p>
-            <a:pPr lvl="1"/>
-            <a:r>
-              <a:rPr lang="en-US" altLang="zh-CN" dirty="0" smtClean="0"/>
-              <a:t>Fraud Detection</a:t>
-            </a:r>
-          </a:p>
-          <a:p>
-            <a:endParaRPr lang="en-US" altLang="zh-CN" dirty="0"/>
-          </a:p>
-          <a:p>
-            <a:r>
-              <a:rPr lang="en-US" altLang="zh-CN" dirty="0" smtClean="0"/>
-              <a:t>Why problem comes?</a:t>
-            </a:r>
-          </a:p>
-          <a:p>
-            <a:pPr lvl="1"/>
-            <a:r>
-              <a:rPr lang="en-US" altLang="zh-CN" dirty="0" smtClean="0"/>
-              <a:t>Traditional models for classification are designed assuming the data is balanced.</a:t>
-            </a:r>
-            <a:endParaRPr lang="en-US" altLang="zh-CN" dirty="0"/>
-          </a:p>
-          <a:p>
-            <a:pPr lvl="1"/>
-            <a:r>
-              <a:rPr lang="en-US" altLang="zh-CN" dirty="0" smtClean="0"/>
-              <a:t>We call this </a:t>
+              <a:rPr lang="en-US" sz="1200" i="1" dirty="0" smtClean="0">
+                <a:solidFill>
+                  <a:prstClr val="black"/>
+                </a:solidFill>
+              </a:rPr>
+              <a:t>Using </a:t>
             </a:r>
             <a:r>
-              <a:rPr lang="en-US" altLang="zh-CN" dirty="0" smtClean="0">
+              <a:rPr lang="en-US" sz="1200" i="1" dirty="0">
                 <a:solidFill>
-                  <a:srgbClr val="FF0000"/>
+                  <a:prstClr val="black"/>
                 </a:solidFill>
               </a:rPr>
-              <a:t>Imbalanced Data Set(IDS) problem</a:t>
+              <a:t>SVDD in </a:t>
             </a:r>
             <a:r>
-              <a:rPr lang="en-US" altLang="zh-CN" dirty="0" smtClean="0"/>
+              <a:rPr lang="en-US" sz="1200" i="1" dirty="0" err="1">
+                <a:solidFill>
+                  <a:prstClr val="black"/>
+                </a:solidFill>
+              </a:rPr>
+              <a:t>SimpleMKL</a:t>
+            </a:r>
+            <a:r>
+              <a:rPr lang="en-US" sz="1200" i="1" dirty="0">
+                <a:solidFill>
+                  <a:prstClr val="black"/>
+                </a:solidFill>
+              </a:rPr>
+              <a:t> for 3D-Shapes Filtering [http://gaelle.loosli.fr/using-svdd-in-simplemkl-for-3d-shapes-filtering</a:t>
+            </a:r>
+            <a:r>
+              <a:rPr lang="en-US" sz="1200" i="1" dirty="0" smtClean="0">
+                <a:solidFill>
+                  <a:prstClr val="black"/>
+                </a:solidFill>
+              </a:rPr>
+              <a:t>/] </a:t>
+            </a:r>
+            <a:r>
+              <a:rPr lang="en-US" sz="1200" i="1" dirty="0">
+                <a:solidFill>
+                  <a:prstClr val="black"/>
+                </a:solidFill>
+              </a:rPr>
+              <a:t>by </a:t>
+            </a:r>
+            <a:r>
+              <a:rPr lang="en-US" sz="1200" i="1" dirty="0" err="1">
+                <a:solidFill>
+                  <a:prstClr val="black"/>
+                </a:solidFill>
+              </a:rPr>
+              <a:t>Gaëlle</a:t>
+            </a:r>
+            <a:r>
+              <a:rPr lang="en-US" sz="1200" i="1" dirty="0">
+                <a:solidFill>
+                  <a:prstClr val="black"/>
+                </a:solidFill>
+              </a:rPr>
+              <a:t> </a:t>
+            </a:r>
+            <a:r>
+              <a:rPr lang="en-US" sz="1200" i="1" dirty="0" err="1">
+                <a:solidFill>
+                  <a:prstClr val="black"/>
+                </a:solidFill>
+              </a:rPr>
+              <a:t>Loosli</a:t>
+            </a:r>
+            <a:r>
+              <a:rPr lang="en-US" sz="1200" i="1" dirty="0">
+                <a:solidFill>
+                  <a:prstClr val="black"/>
+                </a:solidFill>
+              </a:rPr>
+              <a:t> and </a:t>
+            </a:r>
+            <a:r>
+              <a:rPr lang="en-US" sz="1200" i="1" dirty="0" err="1">
+                <a:solidFill>
+                  <a:prstClr val="black"/>
+                </a:solidFill>
+              </a:rPr>
+              <a:t>Hattoibe</a:t>
+            </a:r>
+            <a:r>
+              <a:rPr lang="en-US" sz="1200" i="1" dirty="0">
+                <a:solidFill>
+                  <a:prstClr val="black"/>
+                </a:solidFill>
+              </a:rPr>
+              <a:t> </a:t>
+            </a:r>
+            <a:r>
+              <a:rPr lang="en-US" sz="1200" i="1" dirty="0" err="1">
+                <a:solidFill>
+                  <a:prstClr val="black"/>
+                </a:solidFill>
+              </a:rPr>
+              <a:t>Aboubacar</a:t>
+            </a:r>
+            <a:r>
+              <a:rPr lang="en-US" sz="1200" i="1" dirty="0">
+                <a:solidFill>
+                  <a:prstClr val="black"/>
+                </a:solidFill>
+              </a:rPr>
               <a:t>.</a:t>
             </a:r>
           </a:p>
         </p:txBody>
       </p:sp>
+      <p:pic>
+        <p:nvPicPr>
+          <p:cNvPr id="7" name="Picture 6"/>
+          <p:cNvPicPr>
+            <a:picLocks noChangeAspect="1"/>
+          </p:cNvPicPr>
+          <p:nvPr/>
+        </p:nvPicPr>
+        <p:blipFill>
+          <a:blip r:embed="rId2"/>
+          <a:stretch>
+            <a:fillRect/>
+          </a:stretch>
+        </p:blipFill>
+        <p:spPr>
+          <a:xfrm>
+            <a:off x="6096000" y="1690688"/>
+            <a:ext cx="5468401" cy="3721372"/>
+          </a:xfrm>
+          <a:prstGeom prst="rect">
+            <a:avLst/>
+          </a:prstGeom>
+        </p:spPr>
+      </p:pic>
     </p:spTree>
     <p:extLst>
       <p:ext uri="{BB962C8B-B14F-4D97-AF65-F5344CB8AC3E}">
-        <p14:creationId xmlns:p14="http://schemas.microsoft.com/office/powerpoint/2010/main" val="1787377613"/>
+        <p14:creationId xmlns:p14="http://schemas.microsoft.com/office/powerpoint/2010/main" val="2959977322"/>
       </p:ext>
     </p:extLst>
   </p:cSld>
@@ -27846,7 +32257,7 @@
 </p:sld>
 </file>
 
-<file path=ppt/slides/slide20.xml><?xml version="1.0" encoding="utf-8"?>
+<file path=ppt/slides/slide23.xml><?xml version="1.0" encoding="utf-8"?>
 <p:sld xmlns:a="http://schemas.openxmlformats.org/drawingml/2006/main" xmlns:r="http://schemas.openxmlformats.org/officeDocument/2006/relationships" xmlns:p="http://schemas.openxmlformats.org/presentationml/2006/main">
   <p:cSld>
     <p:spTree>
@@ -27886,8 +32297,8 @@
           </a:p>
         </p:txBody>
       </p:sp>
-      <mc:AlternateContent xmlns:mc="http://schemas.openxmlformats.org/markup-compatibility/2006" xmlns:a14="http://schemas.microsoft.com/office/drawing/2010/main">
-        <mc:Choice Requires="a14">
+      <mc:AlternateContent xmlns:mc="http://schemas.openxmlformats.org/markup-compatibility/2006">
+        <mc:Choice xmlns:a14="http://schemas.microsoft.com/office/drawing/2010/main" Requires="a14">
           <p:sp>
             <p:nvSpPr>
               <p:cNvPr id="3" name="Content Placeholder 2"/>
@@ -27901,7 +32312,7 @@
             <p:spPr>
               <a:xfrm>
                 <a:off x="838200" y="1825625"/>
-                <a:ext cx="10515600" cy="4750666"/>
+                <a:ext cx="10957560" cy="4750666"/>
               </a:xfrm>
             </p:spPr>
             <p:txBody>
@@ -27922,9 +32333,19 @@
                 <a:endParaRPr lang="en-US" dirty="0" smtClean="0"/>
               </a:p>
               <a:p>
+                <a:endParaRPr lang="en-US" dirty="0" smtClean="0"/>
+              </a:p>
+              <a:p>
+                <a:endParaRPr lang="en-US" dirty="0"/>
+              </a:p>
+              <a:p>
                 <a:r>
                   <a:rPr lang="en-US" dirty="0" smtClean="0"/>
-                  <a:t>We investigate in Easy-Ensemble method, which</a:t>
+                  <a:t>We </a:t>
+                </a:r>
+                <a:r>
+                  <a:rPr lang="en-US" dirty="0" smtClean="0"/>
+                  <a:t>investigate in Easy-Ensemble method, which</a:t>
                 </a:r>
               </a:p>
               <a:p>
@@ -28276,7 +32697,7 @@
             </p:txBody>
           </p:sp>
         </mc:Choice>
-        <mc:Fallback xmlns="">
+        <mc:Fallback>
           <p:sp>
             <p:nvSpPr>
               <p:cNvPr id="3" name="Content Placeholder 2"/>
@@ -28290,12 +32711,12 @@
             <p:spPr>
               <a:xfrm>
                 <a:off x="838200" y="1825625"/>
-                <a:ext cx="10515600" cy="4750666"/>
+                <a:ext cx="10957560" cy="4750666"/>
               </a:xfrm>
               <a:blipFill>
                 <a:blip r:embed="rId2"/>
                 <a:stretch>
-                  <a:fillRect l="-1043" t="-2051"/>
+                  <a:fillRect l="-1002" t="-2051"/>
                 </a:stretch>
               </a:blipFill>
             </p:spPr>
@@ -28304,7 +32725,7 @@
               <a:lstStyle/>
               <a:p>
                 <a:r>
-                  <a:rPr lang="zh-CN" altLang="en-US">
+                  <a:rPr lang="en-US">
                     <a:noFill/>
                   </a:rPr>
                   <a:t> </a:t>
@@ -28314,6 +32735,36 @@
           </p:sp>
         </mc:Fallback>
       </mc:AlternateContent>
+      <p:pic>
+        <p:nvPicPr>
+          <p:cNvPr id="5" name="Picture 4"/>
+          <p:cNvPicPr>
+            <a:picLocks noChangeAspect="1"/>
+          </p:cNvPicPr>
+          <p:nvPr/>
+        </p:nvPicPr>
+        <p:blipFill>
+          <a:blip r:embed="rId3">
+            <a:extLst>
+              <a:ext uri="{28A0092B-C50C-407E-A947-70E740481C1C}">
+                <a14:useLocalDpi xmlns:a14="http://schemas.microsoft.com/office/drawing/2010/main" val="0"/>
+              </a:ext>
+            </a:extLst>
+          </a:blip>
+          <a:stretch>
+            <a:fillRect/>
+          </a:stretch>
+        </p:blipFill>
+        <p:spPr>
+          <a:xfrm>
+            <a:off x="4109760" y="2648166"/>
+            <a:ext cx="3972479" cy="1552792"/>
+          </a:xfrm>
+          <a:prstGeom prst="rect">
+            <a:avLst/>
+          </a:prstGeom>
+        </p:spPr>
+      </p:pic>
     </p:spTree>
     <p:extLst>
       <p:ext uri="{BB962C8B-B14F-4D97-AF65-F5344CB8AC3E}">
@@ -28324,10 +32775,17 @@
   <p:clrMapOvr>
     <a:masterClrMapping/>
   </p:clrMapOvr>
+  <p:timing>
+    <p:tnLst>
+      <p:par>
+        <p:cTn id="1" dur="indefinite" restart="never" nodeType="tmRoot"/>
+      </p:par>
+    </p:tnLst>
+  </p:timing>
 </p:sld>
 </file>
 
-<file path=ppt/slides/slide21.xml><?xml version="1.0" encoding="utf-8"?>
+<file path=ppt/slides/slide24.xml><?xml version="1.0" encoding="utf-8"?>
 <p:sld xmlns:a="http://schemas.openxmlformats.org/drawingml/2006/main" xmlns:r="http://schemas.openxmlformats.org/officeDocument/2006/relationships" xmlns:p="http://schemas.openxmlformats.org/presentationml/2006/main">
   <p:cSld>
     <p:spTree>
@@ -30052,7 +34510,144 @@
 </p:sld>
 </file>
 
-<file path=ppt/slides/slide22.xml><?xml version="1.0" encoding="utf-8"?>
+<file path=ppt/slides/slide25.xml><?xml version="1.0" encoding="utf-8"?>
+<p:sld xmlns:a="http://schemas.openxmlformats.org/drawingml/2006/main" xmlns:r="http://schemas.openxmlformats.org/officeDocument/2006/relationships" xmlns:p="http://schemas.openxmlformats.org/presentationml/2006/main">
+  <p:cSld>
+    <p:spTree>
+      <p:nvGrpSpPr>
+        <p:cNvPr id="1" name=""/>
+        <p:cNvGrpSpPr/>
+        <p:nvPr/>
+      </p:nvGrpSpPr>
+      <p:grpSpPr>
+        <a:xfrm>
+          <a:off x="0" y="0"/>
+          <a:ext cx="0" cy="0"/>
+          <a:chOff x="0" y="0"/>
+          <a:chExt cx="0" cy="0"/>
+        </a:xfrm>
+      </p:grpSpPr>
+      <p:sp>
+        <p:nvSpPr>
+          <p:cNvPr id="2" name="Title 1"/>
+          <p:cNvSpPr>
+            <a:spLocks noGrp="1"/>
+          </p:cNvSpPr>
+          <p:nvPr>
+            <p:ph type="title"/>
+          </p:nvPr>
+        </p:nvSpPr>
+        <p:spPr/>
+        <p:txBody>
+          <a:bodyPr/>
+          <a:lstStyle/>
+          <a:p>
+            <a:r>
+              <a:rPr lang="en-US" dirty="0" smtClean="0"/>
+              <a:t>Outline</a:t>
+            </a:r>
+            <a:endParaRPr lang="en-US" dirty="0"/>
+          </a:p>
+        </p:txBody>
+      </p:sp>
+      <p:sp>
+        <p:nvSpPr>
+          <p:cNvPr id="3" name="Content Placeholder 2"/>
+          <p:cNvSpPr>
+            <a:spLocks noGrp="1"/>
+          </p:cNvSpPr>
+          <p:nvPr>
+            <p:ph idx="1"/>
+          </p:nvPr>
+        </p:nvSpPr>
+        <p:spPr/>
+        <p:txBody>
+          <a:bodyPr/>
+          <a:lstStyle/>
+          <a:p>
+            <a:r>
+              <a:rPr lang="en-US" dirty="0" smtClean="0">
+                <a:solidFill>
+                  <a:schemeClr val="bg1">
+                    <a:lumMod val="65000"/>
+                  </a:schemeClr>
+                </a:solidFill>
+              </a:rPr>
+              <a:t>Motivation and Our Framework</a:t>
+            </a:r>
+          </a:p>
+          <a:p>
+            <a:r>
+              <a:rPr lang="en-US" dirty="0" smtClean="0">
+                <a:solidFill>
+                  <a:schemeClr val="bg1">
+                    <a:lumMod val="65000"/>
+                  </a:schemeClr>
+                </a:solidFill>
+              </a:rPr>
+              <a:t>How IDS impacts on learning</a:t>
+            </a:r>
+          </a:p>
+          <a:p>
+            <a:r>
+              <a:rPr lang="en-US" dirty="0">
+                <a:solidFill>
+                  <a:schemeClr val="bg1">
+                    <a:lumMod val="50000"/>
+                  </a:schemeClr>
+                </a:solidFill>
+              </a:rPr>
+              <a:t>Existing Kinds of Imbalanced Learning Techniques</a:t>
+            </a:r>
+          </a:p>
+          <a:p>
+            <a:r>
+              <a:rPr lang="en-US" dirty="0" smtClean="0"/>
+              <a:t>Proposal: A Strategy to select technique</a:t>
+            </a:r>
+          </a:p>
+          <a:p>
+            <a:r>
+              <a:rPr lang="en-US" altLang="zh-CN" dirty="0">
+                <a:solidFill>
+                  <a:schemeClr val="bg1">
+                    <a:lumMod val="65000"/>
+                  </a:schemeClr>
+                </a:solidFill>
+              </a:rPr>
+              <a:t>Experiments to verify proposal</a:t>
+            </a:r>
+            <a:endParaRPr lang="en-US" dirty="0">
+              <a:solidFill>
+                <a:schemeClr val="bg1">
+                  <a:lumMod val="65000"/>
+                </a:schemeClr>
+              </a:solidFill>
+            </a:endParaRPr>
+          </a:p>
+        </p:txBody>
+      </p:sp>
+    </p:spTree>
+    <p:extLst>
+      <p:ext uri="{BB962C8B-B14F-4D97-AF65-F5344CB8AC3E}">
+        <p14:creationId xmlns:p14="http://schemas.microsoft.com/office/powerpoint/2010/main" val="3616807815"/>
+      </p:ext>
+    </p:extLst>
+  </p:cSld>
+  <p:clrMapOvr>
+    <a:masterClrMapping/>
+  </p:clrMapOvr>
+  <p:timing>
+    <p:tnLst>
+      <p:par>
+        <p:cTn id="1" dur="indefinite" restart="never" nodeType="tmRoot"/>
+      </p:par>
+    </p:tnLst>
+  </p:timing>
+</p:sld>
+</file>
+
+<file path=ppt/slides/slide26.xml><?xml version="1.0" encoding="utf-8"?>
 <p:sld xmlns:a="http://schemas.openxmlformats.org/drawingml/2006/main" xmlns:r="http://schemas.openxmlformats.org/officeDocument/2006/relationships" xmlns:p="http://schemas.openxmlformats.org/presentationml/2006/main">
   <p:cSld>
     <p:spTree>
@@ -30295,7 +34890,7 @@
               <p:nvPr>
                 <p:extLst>
                   <p:ext uri="{D42A27DB-BD31-4B8C-83A1-F6EECF244321}">
-                    <p14:modId xmlns:p14="http://schemas.microsoft.com/office/powerpoint/2010/main" val="224405836"/>
+                    <p14:modId xmlns:p14="http://schemas.microsoft.com/office/powerpoint/2010/main" val="187990704"/>
                   </p:ext>
                 </p:extLst>
               </p:nvPr>
@@ -30632,14 +35227,14 @@
                         <a:p>
                           <a:pPr algn="ctr"/>
                           <a:r>
-                            <a:rPr lang="en-US" altLang="zh-CN" dirty="0" smtClean="0"/>
-                            <a:t>No</a:t>
+                            <a:rPr lang="en-US" altLang="zh-CN" i="1" dirty="0" smtClean="0"/>
+                            <a:t>(1) No</a:t>
                           </a:r>
                           <a:r>
-                            <a:rPr lang="en-US" altLang="zh-CN" baseline="0" dirty="0" smtClean="0"/>
+                            <a:rPr lang="en-US" altLang="zh-CN" i="1" baseline="0" dirty="0" smtClean="0"/>
                             <a:t> need any IDS technique.</a:t>
                           </a:r>
-                          <a:endParaRPr lang="zh-CN" altLang="en-US" dirty="0"/>
+                          <a:endParaRPr lang="zh-CN" altLang="en-US" i="1" dirty="0"/>
                         </a:p>
                       </a:txBody>
                       <a:tcPr>
@@ -30773,11 +35368,11 @@
                         <a:p>
                           <a:pPr algn="ctr"/>
                           <a:r>
-                            <a:rPr lang="en-US" altLang="zh-CN" dirty="0" smtClean="0"/>
-                            <a:t>Sampling</a:t>
+                            <a:rPr lang="en-US" altLang="zh-CN" i="1" dirty="0" smtClean="0"/>
+                            <a:t>(2) Sampling</a:t>
                           </a:r>
                           <a:r>
-                            <a:rPr lang="en-US" altLang="zh-CN" baseline="0" dirty="0" smtClean="0"/>
+                            <a:rPr lang="en-US" altLang="zh-CN" i="1" baseline="0" dirty="0" smtClean="0"/>
                             <a:t> Technique, and leverage </a:t>
                           </a:r>
                           <a14:m>
@@ -30809,18 +35404,18 @@
                             </m:oMath>
                           </a14:m>
                           <a:r>
-                            <a:rPr lang="zh-CN" altLang="en-US" dirty="0" smtClean="0"/>
+                            <a:rPr lang="zh-CN" altLang="en-US" i="1" dirty="0" smtClean="0"/>
                             <a:t> </a:t>
                           </a:r>
                           <a:r>
-                            <a:rPr lang="en-US" altLang="zh-CN" dirty="0" smtClean="0"/>
+                            <a:rPr lang="en-US" altLang="zh-CN" i="1" dirty="0" smtClean="0"/>
                             <a:t>to</a:t>
                           </a:r>
                           <a:r>
-                            <a:rPr lang="en-US" altLang="zh-CN" baseline="0" dirty="0" smtClean="0"/>
+                            <a:rPr lang="en-US" altLang="zh-CN" i="1" baseline="0" dirty="0" smtClean="0"/>
                             <a:t> decide the detailed method</a:t>
                           </a:r>
-                          <a:endParaRPr lang="zh-CN" altLang="en-US" dirty="0"/>
+                          <a:endParaRPr lang="zh-CN" altLang="en-US" i="1" dirty="0"/>
                         </a:p>
                       </a:txBody>
                       <a:tcPr>
@@ -30959,10 +35554,10 @@
                         <a:p>
                           <a:pPr algn="ctr"/>
                           <a:r>
-                            <a:rPr lang="en-US" altLang="zh-CN" dirty="0" smtClean="0"/>
-                            <a:t>Ensemble Learning</a:t>
+                            <a:rPr lang="en-US" altLang="zh-CN" i="1" dirty="0" smtClean="0"/>
+                            <a:t>(3) Ensemble Learning</a:t>
                           </a:r>
-                          <a:endParaRPr lang="zh-CN" altLang="en-US" dirty="0"/>
+                          <a:endParaRPr lang="zh-CN" altLang="en-US" i="1" dirty="0"/>
                         </a:p>
                       </a:txBody>
                       <a:tcPr>
@@ -31056,10 +35651,10 @@
                         <a:p>
                           <a:pPr algn="ctr"/>
                           <a:r>
-                            <a:rPr lang="en-US" altLang="zh-CN" dirty="0" smtClean="0"/>
-                            <a:t>One Class Learning</a:t>
+                            <a:rPr lang="en-US" altLang="zh-CN" i="1" dirty="0" smtClean="0"/>
+                            <a:t>(4) One Class Learning</a:t>
                           </a:r>
-                          <a:endParaRPr lang="zh-CN" altLang="en-US" dirty="0"/>
+                          <a:endParaRPr lang="zh-CN" altLang="en-US" i="1" dirty="0"/>
                         </a:p>
                       </a:txBody>
                       <a:tcPr>
@@ -31095,7 +35690,7 @@
               <p:nvPr>
                 <p:extLst>
                   <p:ext uri="{D42A27DB-BD31-4B8C-83A1-F6EECF244321}">
-                    <p14:modId xmlns:p14="http://schemas.microsoft.com/office/powerpoint/2010/main" val="224405836"/>
+                    <p14:modId xmlns:p14="http://schemas.microsoft.com/office/powerpoint/2010/main" val="187990704"/>
                   </p:ext>
                 </p:extLst>
               </p:nvPr>
@@ -31132,7 +35727,7 @@
                         <a:bodyPr/>
                         <a:lstStyle/>
                         <a:p>
-                          <a:endParaRPr lang="zh-CN"/>
+                          <a:endParaRPr lang="en-US"/>
                         </a:p>
                       </a:txBody>
                       <a:tcPr>
@@ -31190,7 +35785,7 @@
                         <a:bodyPr/>
                         <a:lstStyle/>
                         <a:p>
-                          <a:endParaRPr lang="zh-CN"/>
+                          <a:endParaRPr lang="en-US"/>
                         </a:p>
                       </a:txBody>
                       <a:tcPr>
@@ -31227,14 +35822,18 @@
                         <a:p>
                           <a:pPr algn="ctr"/>
                           <a:r>
-                            <a:rPr lang="en-US" altLang="zh-CN" dirty="0" smtClean="0"/>
-                            <a:t>No</a:t>
+                            <a:rPr lang="en-US" altLang="zh-CN" i="1" dirty="0" smtClean="0"/>
+                            <a:t>(1) No</a:t>
                           </a:r>
                           <a:r>
-                            <a:rPr lang="en-US" altLang="zh-CN" baseline="0" dirty="0" smtClean="0"/>
-                            <a:t> need any IDS technique.</a:t>
+                            <a:rPr lang="en-US" altLang="zh-CN" i="1" baseline="0" dirty="0" smtClean="0"/>
+                            <a:t> </a:t>
                           </a:r>
-                          <a:endParaRPr lang="zh-CN" altLang="en-US" dirty="0"/>
+                          <a:r>
+                            <a:rPr lang="en-US" altLang="zh-CN" i="1" baseline="0" dirty="0" smtClean="0"/>
+                            <a:t>need any IDS technique.</a:t>
+                          </a:r>
+                          <a:endParaRPr lang="zh-CN" altLang="en-US" i="1" dirty="0"/>
                         </a:p>
                       </a:txBody>
                       <a:tcPr>
@@ -31270,7 +35869,7 @@
                         <a:bodyPr/>
                         <a:lstStyle/>
                         <a:p>
-                          <a:endParaRPr lang="zh-CN"/>
+                          <a:endParaRPr lang="en-US"/>
                         </a:p>
                       </a:txBody>
                       <a:tcPr>
@@ -31305,7 +35904,7 @@
                         <a:bodyPr/>
                         <a:lstStyle/>
                         <a:p>
-                          <a:endParaRPr lang="zh-CN"/>
+                          <a:endParaRPr lang="en-US"/>
                         </a:p>
                       </a:txBody>
                       <a:tcPr>
@@ -31347,7 +35946,7 @@
                         <a:bodyPr/>
                         <a:lstStyle/>
                         <a:p>
-                          <a:endParaRPr lang="zh-CN"/>
+                          <a:endParaRPr lang="en-US"/>
                         </a:p>
                       </a:txBody>
                       <a:tcPr>
@@ -31384,10 +35983,14 @@
                         <a:p>
                           <a:pPr algn="ctr"/>
                           <a:r>
-                            <a:rPr lang="en-US" altLang="zh-CN" dirty="0" smtClean="0"/>
-                            <a:t>Ensemble Learning</a:t>
+                            <a:rPr lang="en-US" altLang="zh-CN" i="1" dirty="0" smtClean="0"/>
+                            <a:t>(3) Ensemble </a:t>
                           </a:r>
-                          <a:endParaRPr lang="zh-CN" altLang="en-US" dirty="0"/>
+                          <a:r>
+                            <a:rPr lang="en-US" altLang="zh-CN" i="1" dirty="0" smtClean="0"/>
+                            <a:t>Learning</a:t>
+                          </a:r>
+                          <a:endParaRPr lang="zh-CN" altLang="en-US" i="1" dirty="0"/>
                         </a:p>
                       </a:txBody>
                       <a:tcPr>
@@ -31423,7 +36026,7 @@
                         <a:bodyPr/>
                         <a:lstStyle/>
                         <a:p>
-                          <a:endParaRPr lang="zh-CN"/>
+                          <a:endParaRPr lang="en-US"/>
                         </a:p>
                       </a:txBody>
                       <a:tcPr>
@@ -31451,10 +36054,14 @@
                         <a:p>
                           <a:pPr algn="ctr"/>
                           <a:r>
-                            <a:rPr lang="en-US" altLang="zh-CN" dirty="0" smtClean="0"/>
-                            <a:t>One Class Learning</a:t>
+                            <a:rPr lang="en-US" altLang="zh-CN" i="1" dirty="0" smtClean="0"/>
+                            <a:t>(4) One </a:t>
                           </a:r>
-                          <a:endParaRPr lang="zh-CN" altLang="en-US" dirty="0"/>
+                          <a:r>
+                            <a:rPr lang="en-US" altLang="zh-CN" i="1" dirty="0" smtClean="0"/>
+                            <a:t>Class Learning</a:t>
+                          </a:r>
+                          <a:endParaRPr lang="zh-CN" altLang="en-US" i="1" dirty="0"/>
                         </a:p>
                       </a:txBody>
                       <a:tcPr>
@@ -31491,10 +36098,148 @@
   <p:clrMapOvr>
     <a:masterClrMapping/>
   </p:clrMapOvr>
+  <p:timing>
+    <p:tnLst>
+      <p:par>
+        <p:cTn id="1" dur="indefinite" restart="never" nodeType="tmRoot"/>
+      </p:par>
+    </p:tnLst>
+  </p:timing>
 </p:sld>
 </file>
 
-<file path=ppt/slides/slide23.xml><?xml version="1.0" encoding="utf-8"?>
+<file path=ppt/slides/slide27.xml><?xml version="1.0" encoding="utf-8"?>
+<p:sld xmlns:a="http://schemas.openxmlformats.org/drawingml/2006/main" xmlns:r="http://schemas.openxmlformats.org/officeDocument/2006/relationships" xmlns:p="http://schemas.openxmlformats.org/presentationml/2006/main">
+  <p:cSld>
+    <p:spTree>
+      <p:nvGrpSpPr>
+        <p:cNvPr id="1" name=""/>
+        <p:cNvGrpSpPr/>
+        <p:nvPr/>
+      </p:nvGrpSpPr>
+      <p:grpSpPr>
+        <a:xfrm>
+          <a:off x="0" y="0"/>
+          <a:ext cx="0" cy="0"/>
+          <a:chOff x="0" y="0"/>
+          <a:chExt cx="0" cy="0"/>
+        </a:xfrm>
+      </p:grpSpPr>
+      <p:sp>
+        <p:nvSpPr>
+          <p:cNvPr id="2" name="Title 1"/>
+          <p:cNvSpPr>
+            <a:spLocks noGrp="1"/>
+          </p:cNvSpPr>
+          <p:nvPr>
+            <p:ph type="title"/>
+          </p:nvPr>
+        </p:nvSpPr>
+        <p:spPr/>
+        <p:txBody>
+          <a:bodyPr/>
+          <a:lstStyle/>
+          <a:p>
+            <a:r>
+              <a:rPr lang="en-US" dirty="0" smtClean="0"/>
+              <a:t>Outline</a:t>
+            </a:r>
+            <a:endParaRPr lang="en-US" dirty="0"/>
+          </a:p>
+        </p:txBody>
+      </p:sp>
+      <p:sp>
+        <p:nvSpPr>
+          <p:cNvPr id="3" name="Content Placeholder 2"/>
+          <p:cNvSpPr>
+            <a:spLocks noGrp="1"/>
+          </p:cNvSpPr>
+          <p:nvPr>
+            <p:ph idx="1"/>
+          </p:nvPr>
+        </p:nvSpPr>
+        <p:spPr/>
+        <p:txBody>
+          <a:bodyPr/>
+          <a:lstStyle/>
+          <a:p>
+            <a:r>
+              <a:rPr lang="en-US" dirty="0" smtClean="0">
+                <a:solidFill>
+                  <a:schemeClr val="bg1">
+                    <a:lumMod val="65000"/>
+                  </a:schemeClr>
+                </a:solidFill>
+              </a:rPr>
+              <a:t>Motivation and Our Framework</a:t>
+            </a:r>
+          </a:p>
+          <a:p>
+            <a:r>
+              <a:rPr lang="en-US" dirty="0" smtClean="0">
+                <a:solidFill>
+                  <a:schemeClr val="bg1">
+                    <a:lumMod val="65000"/>
+                  </a:schemeClr>
+                </a:solidFill>
+              </a:rPr>
+              <a:t>How IDS impacts on learning</a:t>
+            </a:r>
+          </a:p>
+          <a:p>
+            <a:r>
+              <a:rPr lang="en-US" dirty="0">
+                <a:solidFill>
+                  <a:schemeClr val="bg1">
+                    <a:lumMod val="50000"/>
+                  </a:schemeClr>
+                </a:solidFill>
+              </a:rPr>
+              <a:t>Existing Kinds of Imbalanced Learning Techniques</a:t>
+            </a:r>
+          </a:p>
+          <a:p>
+            <a:r>
+              <a:rPr lang="en-US" dirty="0" smtClean="0">
+                <a:solidFill>
+                  <a:schemeClr val="bg1">
+                    <a:lumMod val="50000"/>
+                  </a:schemeClr>
+                </a:solidFill>
+              </a:rPr>
+              <a:t>Proposal: A Strategy to select technique</a:t>
+            </a:r>
+          </a:p>
+          <a:p>
+            <a:r>
+              <a:rPr lang="en-US" altLang="zh-CN" dirty="0"/>
+              <a:t>Experiments to verify proposal</a:t>
+            </a:r>
+            <a:endParaRPr lang="en-US" dirty="0"/>
+          </a:p>
+        </p:txBody>
+      </p:sp>
+    </p:spTree>
+    <p:extLst>
+      <p:ext uri="{BB962C8B-B14F-4D97-AF65-F5344CB8AC3E}">
+        <p14:creationId xmlns:p14="http://schemas.microsoft.com/office/powerpoint/2010/main" val="1593346362"/>
+      </p:ext>
+    </p:extLst>
+  </p:cSld>
+  <p:clrMapOvr>
+    <a:masterClrMapping/>
+  </p:clrMapOvr>
+  <p:timing>
+    <p:tnLst>
+      <p:par>
+        <p:cTn id="1" dur="indefinite" restart="never" nodeType="tmRoot"/>
+      </p:par>
+    </p:tnLst>
+  </p:timing>
+</p:sld>
+</file>
+
+<file path=ppt/slides/slide28.xml><?xml version="1.0" encoding="utf-8"?>
 <p:sld xmlns:a="http://schemas.openxmlformats.org/drawingml/2006/main" xmlns:r="http://schemas.openxmlformats.org/officeDocument/2006/relationships" xmlns:p="http://schemas.openxmlformats.org/presentationml/2006/main">
   <p:cSld>
     <p:spTree>
@@ -31533,7 +36278,7 @@
           <a:p>
             <a:r>
               <a:rPr lang="en-US" altLang="zh-CN" dirty="0" smtClean="0"/>
-              <a:t>Experiment</a:t>
+              <a:t>Experiments to verify proposal</a:t>
             </a:r>
             <a:endParaRPr lang="zh-CN" altLang="en-US" dirty="0"/>
           </a:p>
@@ -31554,7 +36299,7 @@
         </p:blipFill>
         <p:spPr>
           <a:xfrm>
-            <a:off x="5334000" y="1021404"/>
+            <a:off x="4495799" y="1284052"/>
             <a:ext cx="6858000" cy="3881335"/>
           </a:xfrm>
           <a:prstGeom prst="rect">
@@ -31562,8 +36307,8 @@
           </a:prstGeom>
         </p:spPr>
       </p:pic>
-      <mc:AlternateContent xmlns:mc="http://schemas.openxmlformats.org/markup-compatibility/2006">
-        <mc:Choice xmlns:a14="http://schemas.microsoft.com/office/drawing/2010/main" Requires="a14">
+      <mc:AlternateContent xmlns:mc="http://schemas.openxmlformats.org/markup-compatibility/2006" xmlns:a14="http://schemas.microsoft.com/office/drawing/2010/main">
+        <mc:Choice Requires="a14">
           <p:sp>
             <p:nvSpPr>
               <p:cNvPr id="6" name="矩形 5"/>
@@ -31572,7 +36317,7 @@
             </p:nvSpPr>
             <p:spPr>
               <a:xfrm>
-                <a:off x="838199" y="5559938"/>
+                <a:off x="838199" y="5287271"/>
                 <a:ext cx="10515600" cy="1077218"/>
               </a:xfrm>
               <a:prstGeom prst="rect">
@@ -31642,7 +36387,7 @@
             </p:txBody>
           </p:sp>
         </mc:Choice>
-        <mc:Fallback>
+        <mc:Fallback xmlns="">
           <p:sp>
             <p:nvSpPr>
               <p:cNvPr id="6" name="矩形 5"/>
@@ -31653,7 +36398,7 @@
             </p:nvSpPr>
             <p:spPr>
               <a:xfrm>
-                <a:off x="838199" y="5559938"/>
+                <a:off x="838199" y="5287271"/>
                 <a:ext cx="10515600" cy="1077218"/>
               </a:xfrm>
               <a:prstGeom prst="rect">
@@ -31671,7 +36416,7 @@
               <a:lstStyle/>
               <a:p>
                 <a:r>
-                  <a:rPr lang="zh-CN" altLang="en-US">
+                  <a:rPr lang="en-US">
                     <a:noFill/>
                   </a:rPr>
                   <a:t> </a:t>
@@ -31689,8 +36434,8 @@
         </p:nvSpPr>
         <p:spPr>
           <a:xfrm>
-            <a:off x="838198" y="1021404"/>
-            <a:ext cx="4495802" cy="3539430"/>
+            <a:off x="838199" y="1284052"/>
+            <a:ext cx="3194306" cy="2677656"/>
           </a:xfrm>
           <a:prstGeom prst="rect">
             <a:avLst/>
@@ -31702,7 +36447,7 @@
           </a:bodyPr>
           <a:lstStyle/>
           <a:p>
-            <a:pPr marL="285750" indent="-285750">
+            <a:pPr marL="285750" indent="-285750" algn="just">
               <a:buFont typeface="Arial" panose="020B0604020202020204" pitchFamily="34" charset="0"/>
               <a:buChar char="•"/>
             </a:pPr>
@@ -31713,25 +36458,46 @@
             <a:endParaRPr lang="en-US" altLang="zh-CN" sz="2800" dirty="0"/>
           </a:p>
           <a:p>
-            <a:pPr marL="742950" lvl="1" indent="-285750">
+            <a:pPr marL="742950" lvl="1" indent="-285750" algn="just">
               <a:buFont typeface="Arial" panose="020B0604020202020204" pitchFamily="34" charset="0"/>
               <a:buChar char="•"/>
             </a:pPr>
             <a:r>
-              <a:rPr lang="en-US" altLang="zh-CN" sz="2800" dirty="0" smtClean="0"/>
-              <a:t>U-AIR contains PM2.5 records of 35 AQI stations in Beijing </a:t>
+              <a:rPr lang="en-US" altLang="zh-CN" sz="2000" dirty="0" smtClean="0"/>
+              <a:t>U-AIR contains PM2.5 records of </a:t>
             </a:r>
             <a:r>
-              <a:rPr lang="en-US" altLang="zh-CN" sz="2800" smtClean="0"/>
-              <a:t>from 2014/05 to 2015/07, </a:t>
+              <a:rPr lang="en-US" altLang="zh-CN" sz="2000" dirty="0" smtClean="0">
+                <a:latin typeface="Times New Roman" panose="02020603050405020304" pitchFamily="18" charset="0"/>
+                <a:cs typeface="Times New Roman" panose="02020603050405020304" pitchFamily="18" charset="0"/>
+              </a:rPr>
+              <a:t>35</a:t>
             </a:r>
             <a:r>
-              <a:rPr lang="en-US" altLang="zh-CN" sz="2800" dirty="0" smtClean="0"/>
-              <a:t>as well as spatial and temporal features </a:t>
+              <a:rPr lang="en-US" altLang="zh-CN" sz="2000" dirty="0" smtClean="0"/>
+              <a:t> AQI stations in Beijing from </a:t>
             </a:r>
             <a:r>
-              <a:rPr lang="en-US" altLang="zh-CN" sz="2800" smtClean="0"/>
-              <a:t>extracted. </a:t>
+              <a:rPr lang="en-US" altLang="zh-CN" sz="2000" dirty="0" smtClean="0">
+                <a:latin typeface="Times New Roman" panose="02020603050405020304" pitchFamily="18" charset="0"/>
+                <a:cs typeface="Times New Roman" panose="02020603050405020304" pitchFamily="18" charset="0"/>
+              </a:rPr>
+              <a:t>2014/05</a:t>
+            </a:r>
+            <a:r>
+              <a:rPr lang="en-US" altLang="zh-CN" sz="2000" dirty="0" smtClean="0"/>
+              <a:t> to </a:t>
+            </a:r>
+            <a:r>
+              <a:rPr lang="en-US" altLang="zh-CN" sz="2000" dirty="0" smtClean="0">
+                <a:latin typeface="Times New Roman" panose="02020603050405020304" pitchFamily="18" charset="0"/>
+                <a:cs typeface="Times New Roman" panose="02020603050405020304" pitchFamily="18" charset="0"/>
+              </a:rPr>
+              <a:t>2015/07</a:t>
+            </a:r>
+            <a:r>
+              <a:rPr lang="en-US" altLang="zh-CN" sz="2000" dirty="0" smtClean="0"/>
+              <a:t>, as well as spatial and temporal features extracted.</a:t>
             </a:r>
             <a:endParaRPr lang="en-US" altLang="zh-CN" sz="2800" dirty="0"/>
           </a:p>
@@ -31757,7 +36523,7 @@
 </p:sld>
 </file>
 
-<file path=ppt/slides/slide24.xml><?xml version="1.0" encoding="utf-8"?>
+<file path=ppt/slides/slide29.xml><?xml version="1.0" encoding="utf-8"?>
 <p:sld xmlns:a="http://schemas.openxmlformats.org/drawingml/2006/main" xmlns:r="http://schemas.openxmlformats.org/officeDocument/2006/relationships" xmlns:p="http://schemas.openxmlformats.org/presentationml/2006/main">
   <p:cSld>
     <p:spTree>
@@ -32443,7 +37209,7 @@
         <p:spPr>
           <a:xfrm>
             <a:off x="9060071" y="176115"/>
-            <a:ext cx="1819409" cy="769441"/>
+            <a:ext cx="2542299" cy="1077218"/>
           </a:xfrm>
           <a:prstGeom prst="rect">
             <a:avLst/>
@@ -32462,7 +37228,21 @@
               </a:rPr>
               <a:t>Results</a:t>
             </a:r>
-            <a:endParaRPr lang="zh-CN" altLang="en-US" sz="4400" dirty="0">
+          </a:p>
+          <a:p>
+            <a:r>
+              <a:rPr lang="en-US" altLang="zh-CN" sz="2000" dirty="0" smtClean="0">
+                <a:latin typeface="+mj-lt"/>
+              </a:rPr>
+              <a:t>supporting </a:t>
+            </a:r>
+            <a:r>
+              <a:rPr lang="en-US" altLang="zh-CN" sz="2000" i="1" dirty="0" smtClean="0">
+                <a:latin typeface="+mj-lt"/>
+              </a:rPr>
+              <a:t>Strategy (1)</a:t>
+            </a:r>
+            <a:endParaRPr lang="zh-CN" altLang="en-US" sz="4400" i="1" dirty="0">
               <a:latin typeface="+mj-lt"/>
             </a:endParaRPr>
           </a:p>
@@ -32472,737 +37252,6 @@
     <p:extLst>
       <p:ext uri="{BB962C8B-B14F-4D97-AF65-F5344CB8AC3E}">
         <p14:creationId xmlns:p14="http://schemas.microsoft.com/office/powerpoint/2010/main" val="1907215541"/>
-      </p:ext>
-    </p:extLst>
-  </p:cSld>
-  <p:clrMapOvr>
-    <a:masterClrMapping/>
-  </p:clrMapOvr>
-  <p:timing>
-    <p:tnLst>
-      <p:par>
-        <p:cTn id="1" dur="indefinite" restart="never" nodeType="tmRoot"/>
-      </p:par>
-    </p:tnLst>
-  </p:timing>
-</p:sld>
-</file>
-
-<file path=ppt/slides/slide25.xml><?xml version="1.0" encoding="utf-8"?>
-<p:sld xmlns:a="http://schemas.openxmlformats.org/drawingml/2006/main" xmlns:r="http://schemas.openxmlformats.org/officeDocument/2006/relationships" xmlns:p="http://schemas.openxmlformats.org/presentationml/2006/main">
-  <p:cSld>
-    <p:spTree>
-      <p:nvGrpSpPr>
-        <p:cNvPr id="1" name=""/>
-        <p:cNvGrpSpPr/>
-        <p:nvPr/>
-      </p:nvGrpSpPr>
-      <p:grpSpPr>
-        <a:xfrm>
-          <a:off x="0" y="0"/>
-          <a:ext cx="0" cy="0"/>
-          <a:chOff x="0" y="0"/>
-          <a:chExt cx="0" cy="0"/>
-        </a:xfrm>
-      </p:grpSpPr>
-      <p:grpSp>
-        <p:nvGrpSpPr>
-          <p:cNvPr id="39" name="组合 38"/>
-          <p:cNvGrpSpPr/>
-          <p:nvPr/>
-        </p:nvGrpSpPr>
-        <p:grpSpPr>
-          <a:xfrm>
-            <a:off x="623953" y="213016"/>
-            <a:ext cx="7517019" cy="3901778"/>
-            <a:chOff x="0" y="311284"/>
-            <a:chExt cx="7517019" cy="3901778"/>
-          </a:xfrm>
-        </p:grpSpPr>
-        <p:pic>
-          <p:nvPicPr>
-            <p:cNvPr id="35" name="图片 34"/>
-            <p:cNvPicPr>
-              <a:picLocks noChangeAspect="1"/>
-            </p:cNvPicPr>
-            <p:nvPr/>
-          </p:nvPicPr>
-          <p:blipFill>
-            <a:blip r:embed="rId2"/>
-            <a:stretch>
-              <a:fillRect/>
-            </a:stretch>
-          </p:blipFill>
-          <p:spPr>
-            <a:xfrm>
-              <a:off x="0" y="311284"/>
-              <a:ext cx="7517019" cy="3901778"/>
-            </a:xfrm>
-            <a:prstGeom prst="rect">
-              <a:avLst/>
-            </a:prstGeom>
-          </p:spPr>
-        </p:pic>
-        <p:cxnSp>
-          <p:nvCxnSpPr>
-            <p:cNvPr id="11" name="直接连接符 10"/>
-            <p:cNvCxnSpPr/>
-            <p:nvPr/>
-          </p:nvCxnSpPr>
-          <p:spPr>
-            <a:xfrm>
-              <a:off x="142229" y="2696579"/>
-              <a:ext cx="729673" cy="0"/>
-            </a:xfrm>
-            <a:prstGeom prst="line">
-              <a:avLst/>
-            </a:prstGeom>
-            <a:ln w="38100">
-              <a:solidFill>
-                <a:srgbClr val="FF0000"/>
-              </a:solidFill>
-            </a:ln>
-          </p:spPr>
-          <p:style>
-            <a:lnRef idx="1">
-              <a:schemeClr val="accent1"/>
-            </a:lnRef>
-            <a:fillRef idx="0">
-              <a:schemeClr val="accent1"/>
-            </a:fillRef>
-            <a:effectRef idx="0">
-              <a:schemeClr val="accent1"/>
-            </a:effectRef>
-            <a:fontRef idx="minor">
-              <a:schemeClr val="tx1"/>
-            </a:fontRef>
-          </p:style>
-        </p:cxnSp>
-        <p:cxnSp>
-          <p:nvCxnSpPr>
-            <p:cNvPr id="12" name="直接连接符 11"/>
-            <p:cNvCxnSpPr/>
-            <p:nvPr/>
-          </p:nvCxnSpPr>
-          <p:spPr>
-            <a:xfrm>
-              <a:off x="142229" y="2987525"/>
-              <a:ext cx="729673" cy="0"/>
-            </a:xfrm>
-            <a:prstGeom prst="line">
-              <a:avLst/>
-            </a:prstGeom>
-            <a:ln w="38100">
-              <a:solidFill>
-                <a:srgbClr val="FF0000"/>
-              </a:solidFill>
-            </a:ln>
-          </p:spPr>
-          <p:style>
-            <a:lnRef idx="1">
-              <a:schemeClr val="accent1"/>
-            </a:lnRef>
-            <a:fillRef idx="0">
-              <a:schemeClr val="accent1"/>
-            </a:fillRef>
-            <a:effectRef idx="0">
-              <a:schemeClr val="accent1"/>
-            </a:effectRef>
-            <a:fontRef idx="minor">
-              <a:schemeClr val="tx1"/>
-            </a:fontRef>
-          </p:style>
-        </p:cxnSp>
-        <p:cxnSp>
-          <p:nvCxnSpPr>
-            <p:cNvPr id="13" name="直接连接符 12"/>
-            <p:cNvCxnSpPr/>
-            <p:nvPr/>
-          </p:nvCxnSpPr>
-          <p:spPr>
-            <a:xfrm>
-              <a:off x="142229" y="2377924"/>
-              <a:ext cx="729673" cy="0"/>
-            </a:xfrm>
-            <a:prstGeom prst="line">
-              <a:avLst/>
-            </a:prstGeom>
-            <a:ln w="38100">
-              <a:solidFill>
-                <a:srgbClr val="FF0000"/>
-              </a:solidFill>
-            </a:ln>
-          </p:spPr>
-          <p:style>
-            <a:lnRef idx="1">
-              <a:schemeClr val="accent1"/>
-            </a:lnRef>
-            <a:fillRef idx="0">
-              <a:schemeClr val="accent1"/>
-            </a:fillRef>
-            <a:effectRef idx="0">
-              <a:schemeClr val="accent1"/>
-            </a:effectRef>
-            <a:fontRef idx="minor">
-              <a:schemeClr val="tx1"/>
-            </a:fontRef>
-          </p:style>
-        </p:cxnSp>
-        <p:cxnSp>
-          <p:nvCxnSpPr>
-            <p:cNvPr id="14" name="直接连接符 13"/>
-            <p:cNvCxnSpPr/>
-            <p:nvPr/>
-          </p:nvCxnSpPr>
-          <p:spPr>
-            <a:xfrm>
-              <a:off x="142229" y="2077743"/>
-              <a:ext cx="729673" cy="0"/>
-            </a:xfrm>
-            <a:prstGeom prst="line">
-              <a:avLst/>
-            </a:prstGeom>
-            <a:ln w="38100">
-              <a:solidFill>
-                <a:srgbClr val="FF0000"/>
-              </a:solidFill>
-            </a:ln>
-          </p:spPr>
-          <p:style>
-            <a:lnRef idx="1">
-              <a:schemeClr val="accent1"/>
-            </a:lnRef>
-            <a:fillRef idx="0">
-              <a:schemeClr val="accent1"/>
-            </a:fillRef>
-            <a:effectRef idx="0">
-              <a:schemeClr val="accent1"/>
-            </a:effectRef>
-            <a:fontRef idx="minor">
-              <a:schemeClr val="tx1"/>
-            </a:fontRef>
-          </p:style>
-        </p:cxnSp>
-        <p:sp>
-          <p:nvSpPr>
-            <p:cNvPr id="18" name="矩形 17"/>
-            <p:cNvSpPr/>
-            <p:nvPr/>
-          </p:nvSpPr>
-          <p:spPr>
-            <a:xfrm>
-              <a:off x="1075102" y="1874543"/>
-              <a:ext cx="766618" cy="1112982"/>
-            </a:xfrm>
-            <a:prstGeom prst="rect">
-              <a:avLst/>
-            </a:prstGeom>
-            <a:noFill/>
-            <a:ln w="19050" cap="flat" cmpd="sng" algn="ctr">
-              <a:solidFill>
-                <a:schemeClr val="dk1"/>
-              </a:solidFill>
-              <a:prstDash val="dash"/>
-              <a:round/>
-              <a:headEnd type="none" w="med" len="med"/>
-              <a:tailEnd type="none" w="med" len="med"/>
-            </a:ln>
-          </p:spPr>
-          <p:style>
-            <a:lnRef idx="0">
-              <a:scrgbClr r="0" g="0" b="0"/>
-            </a:lnRef>
-            <a:fillRef idx="0">
-              <a:scrgbClr r="0" g="0" b="0"/>
-            </a:fillRef>
-            <a:effectRef idx="0">
-              <a:scrgbClr r="0" g="0" b="0"/>
-            </a:effectRef>
-            <a:fontRef idx="minor">
-              <a:schemeClr val="dk1"/>
-            </a:fontRef>
-          </p:style>
-          <p:txBody>
-            <a:bodyPr rtlCol="0" anchor="ctr"/>
-            <a:lstStyle/>
-            <a:p>
-              <a:pPr algn="ctr"/>
-              <a:endParaRPr lang="zh-CN" altLang="en-US"/>
-            </a:p>
-          </p:txBody>
-        </p:sp>
-        <p:sp>
-          <p:nvSpPr>
-            <p:cNvPr id="19" name="矩形 18"/>
-            <p:cNvSpPr/>
-            <p:nvPr/>
-          </p:nvSpPr>
-          <p:spPr>
-            <a:xfrm>
-              <a:off x="3241030" y="1874543"/>
-              <a:ext cx="766618" cy="1112982"/>
-            </a:xfrm>
-            <a:prstGeom prst="rect">
-              <a:avLst/>
-            </a:prstGeom>
-            <a:noFill/>
-            <a:ln w="19050" cap="flat" cmpd="sng" algn="ctr">
-              <a:solidFill>
-                <a:schemeClr val="dk1"/>
-              </a:solidFill>
-              <a:prstDash val="dash"/>
-              <a:round/>
-              <a:headEnd type="none" w="med" len="med"/>
-              <a:tailEnd type="none" w="med" len="med"/>
-            </a:ln>
-          </p:spPr>
-          <p:style>
-            <a:lnRef idx="0">
-              <a:scrgbClr r="0" g="0" b="0"/>
-            </a:lnRef>
-            <a:fillRef idx="0">
-              <a:scrgbClr r="0" g="0" b="0"/>
-            </a:fillRef>
-            <a:effectRef idx="0">
-              <a:scrgbClr r="0" g="0" b="0"/>
-            </a:effectRef>
-            <a:fontRef idx="minor">
-              <a:schemeClr val="dk1"/>
-            </a:fontRef>
-          </p:style>
-          <p:txBody>
-            <a:bodyPr rtlCol="0" anchor="ctr"/>
-            <a:lstStyle/>
-            <a:p>
-              <a:pPr algn="ctr"/>
-              <a:endParaRPr lang="zh-CN" altLang="en-US"/>
-            </a:p>
-          </p:txBody>
-        </p:sp>
-        <p:sp>
-          <p:nvSpPr>
-            <p:cNvPr id="20" name="矩形 19"/>
-            <p:cNvSpPr/>
-            <p:nvPr/>
-          </p:nvSpPr>
-          <p:spPr>
-            <a:xfrm>
-              <a:off x="4178521" y="1874543"/>
-              <a:ext cx="766618" cy="1112982"/>
-            </a:xfrm>
-            <a:prstGeom prst="rect">
-              <a:avLst/>
-            </a:prstGeom>
-            <a:noFill/>
-            <a:ln w="19050" cap="flat" cmpd="sng" algn="ctr">
-              <a:solidFill>
-                <a:schemeClr val="dk1"/>
-              </a:solidFill>
-              <a:prstDash val="dash"/>
-              <a:round/>
-              <a:headEnd type="none" w="med" len="med"/>
-              <a:tailEnd type="none" w="med" len="med"/>
-            </a:ln>
-          </p:spPr>
-          <p:style>
-            <a:lnRef idx="0">
-              <a:scrgbClr r="0" g="0" b="0"/>
-            </a:lnRef>
-            <a:fillRef idx="0">
-              <a:scrgbClr r="0" g="0" b="0"/>
-            </a:fillRef>
-            <a:effectRef idx="0">
-              <a:scrgbClr r="0" g="0" b="0"/>
-            </a:effectRef>
-            <a:fontRef idx="minor">
-              <a:schemeClr val="dk1"/>
-            </a:fontRef>
-          </p:style>
-          <p:txBody>
-            <a:bodyPr rtlCol="0" anchor="ctr"/>
-            <a:lstStyle/>
-            <a:p>
-              <a:pPr algn="ctr"/>
-              <a:endParaRPr lang="zh-CN" altLang="en-US"/>
-            </a:p>
-          </p:txBody>
-        </p:sp>
-      </p:grpSp>
-      <p:grpSp>
-        <p:nvGrpSpPr>
-          <p:cNvPr id="40" name="组合 39"/>
-          <p:cNvGrpSpPr/>
-          <p:nvPr/>
-        </p:nvGrpSpPr>
-        <p:grpSpPr>
-          <a:xfrm>
-            <a:off x="8140972" y="1158572"/>
-            <a:ext cx="3657608" cy="2743206"/>
-            <a:chOff x="8316070" y="0"/>
-            <a:chExt cx="3657608" cy="2743206"/>
-          </a:xfrm>
-        </p:grpSpPr>
-        <p:pic>
-          <p:nvPicPr>
-            <p:cNvPr id="25" name="图片 24"/>
-            <p:cNvPicPr>
-              <a:picLocks noChangeAspect="1"/>
-            </p:cNvPicPr>
-            <p:nvPr/>
-          </p:nvPicPr>
-          <p:blipFill>
-            <a:blip r:embed="rId3">
-              <a:extLst>
-                <a:ext uri="{28A0092B-C50C-407E-A947-70E740481C1C}">
-                  <a14:useLocalDpi xmlns:a14="http://schemas.microsoft.com/office/drawing/2010/main" val="0"/>
-                </a:ext>
-              </a:extLst>
-            </a:blip>
-            <a:stretch>
-              <a:fillRect/>
-            </a:stretch>
-          </p:blipFill>
-          <p:spPr>
-            <a:xfrm>
-              <a:off x="8316070" y="0"/>
-              <a:ext cx="3657608" cy="2743206"/>
-            </a:xfrm>
-            <a:prstGeom prst="rect">
-              <a:avLst/>
-            </a:prstGeom>
-          </p:spPr>
-        </p:pic>
-        <p:sp>
-          <p:nvSpPr>
-            <p:cNvPr id="38" name="文本框 37"/>
-            <p:cNvSpPr txBox="1"/>
-            <p:nvPr/>
-          </p:nvSpPr>
-          <p:spPr>
-            <a:xfrm>
-              <a:off x="9007813" y="1109993"/>
-              <a:ext cx="981359" cy="523220"/>
-            </a:xfrm>
-            <a:prstGeom prst="rect">
-              <a:avLst/>
-            </a:prstGeom>
-            <a:noFill/>
-          </p:spPr>
-          <p:txBody>
-            <a:bodyPr wrap="none" rtlCol="0">
-              <a:spAutoFit/>
-            </a:bodyPr>
-            <a:lstStyle/>
-            <a:p>
-              <a:r>
-                <a:rPr lang="en-US" altLang="zh-CN" sz="2800" i="1" dirty="0" err="1" smtClean="0">
-                  <a:latin typeface="Times New Roman" panose="02020603050405020304" pitchFamily="18" charset="0"/>
-                  <a:cs typeface="Times New Roman" panose="02020603050405020304" pitchFamily="18" charset="0"/>
-                </a:rPr>
-                <a:t>Isolet</a:t>
-              </a:r>
-              <a:endParaRPr lang="zh-CN" altLang="en-US" sz="2800" i="1" dirty="0">
-                <a:latin typeface="Times New Roman" panose="02020603050405020304" pitchFamily="18" charset="0"/>
-                <a:cs typeface="Times New Roman" panose="02020603050405020304" pitchFamily="18" charset="0"/>
-              </a:endParaRPr>
-            </a:p>
-          </p:txBody>
-        </p:sp>
-      </p:grpSp>
-      <p:grpSp>
-        <p:nvGrpSpPr>
-          <p:cNvPr id="47" name="组合 46"/>
-          <p:cNvGrpSpPr/>
-          <p:nvPr/>
-        </p:nvGrpSpPr>
-        <p:grpSpPr>
-          <a:xfrm>
-            <a:off x="142229" y="4114794"/>
-            <a:ext cx="3657608" cy="2743206"/>
-            <a:chOff x="142229" y="4114794"/>
-            <a:chExt cx="3657608" cy="2743206"/>
-          </a:xfrm>
-        </p:grpSpPr>
-        <p:pic>
-          <p:nvPicPr>
-            <p:cNvPr id="41" name="图片 40"/>
-            <p:cNvPicPr>
-              <a:picLocks noChangeAspect="1"/>
-            </p:cNvPicPr>
-            <p:nvPr/>
-          </p:nvPicPr>
-          <p:blipFill>
-            <a:blip r:embed="rId4">
-              <a:extLst>
-                <a:ext uri="{28A0092B-C50C-407E-A947-70E740481C1C}">
-                  <a14:useLocalDpi xmlns:a14="http://schemas.microsoft.com/office/drawing/2010/main" val="0"/>
-                </a:ext>
-              </a:extLst>
-            </a:blip>
-            <a:stretch>
-              <a:fillRect/>
-            </a:stretch>
-          </p:blipFill>
-          <p:spPr>
-            <a:xfrm>
-              <a:off x="142229" y="4114794"/>
-              <a:ext cx="3657608" cy="2743206"/>
-            </a:xfrm>
-            <a:prstGeom prst="rect">
-              <a:avLst/>
-            </a:prstGeom>
-          </p:spPr>
-        </p:pic>
-        <p:sp>
-          <p:nvSpPr>
-            <p:cNvPr id="44" name="文本框 43"/>
-            <p:cNvSpPr txBox="1"/>
-            <p:nvPr/>
-          </p:nvSpPr>
-          <p:spPr>
-            <a:xfrm>
-              <a:off x="856341" y="5255001"/>
-              <a:ext cx="1045864" cy="523220"/>
-            </a:xfrm>
-            <a:prstGeom prst="rect">
-              <a:avLst/>
-            </a:prstGeom>
-            <a:noFill/>
-          </p:spPr>
-          <p:txBody>
-            <a:bodyPr wrap="none" rtlCol="0">
-              <a:spAutoFit/>
-            </a:bodyPr>
-            <a:lstStyle/>
-            <a:p>
-              <a:r>
-                <a:rPr lang="en-US" altLang="zh-CN" sz="2800" i="1" dirty="0" smtClean="0">
-                  <a:latin typeface="Times New Roman" panose="02020603050405020304" pitchFamily="18" charset="0"/>
-                  <a:cs typeface="Times New Roman" panose="02020603050405020304" pitchFamily="18" charset="0"/>
-                </a:rPr>
-                <a:t>Letter</a:t>
-              </a:r>
-              <a:endParaRPr lang="zh-CN" altLang="en-US" sz="2800" i="1" dirty="0">
-                <a:latin typeface="Times New Roman" panose="02020603050405020304" pitchFamily="18" charset="0"/>
-                <a:cs typeface="Times New Roman" panose="02020603050405020304" pitchFamily="18" charset="0"/>
-              </a:endParaRPr>
-            </a:p>
-          </p:txBody>
-        </p:sp>
-      </p:grpSp>
-      <p:grpSp>
-        <p:nvGrpSpPr>
-          <p:cNvPr id="50" name="组合 49"/>
-          <p:cNvGrpSpPr/>
-          <p:nvPr/>
-        </p:nvGrpSpPr>
-        <p:grpSpPr>
-          <a:xfrm>
-            <a:off x="4141600" y="4114794"/>
-            <a:ext cx="3657608" cy="2743206"/>
-            <a:chOff x="4141600" y="4114794"/>
-            <a:chExt cx="3657608" cy="2743206"/>
-          </a:xfrm>
-        </p:grpSpPr>
-        <p:pic>
-          <p:nvPicPr>
-            <p:cNvPr id="42" name="图片 41"/>
-            <p:cNvPicPr>
-              <a:picLocks noChangeAspect="1"/>
-            </p:cNvPicPr>
-            <p:nvPr/>
-          </p:nvPicPr>
-          <p:blipFill>
-            <a:blip r:embed="rId5">
-              <a:extLst>
-                <a:ext uri="{28A0092B-C50C-407E-A947-70E740481C1C}">
-                  <a14:useLocalDpi xmlns:a14="http://schemas.microsoft.com/office/drawing/2010/main" val="0"/>
-                </a:ext>
-              </a:extLst>
-            </a:blip>
-            <a:stretch>
-              <a:fillRect/>
-            </a:stretch>
-          </p:blipFill>
-          <p:spPr>
-            <a:xfrm>
-              <a:off x="4141600" y="4114794"/>
-              <a:ext cx="3657608" cy="2743206"/>
-            </a:xfrm>
-            <a:prstGeom prst="rect">
-              <a:avLst/>
-            </a:prstGeom>
-          </p:spPr>
-        </p:pic>
-        <p:sp>
-          <p:nvSpPr>
-            <p:cNvPr id="48" name="文本框 47"/>
-            <p:cNvSpPr txBox="1"/>
-            <p:nvPr/>
-          </p:nvSpPr>
-          <p:spPr>
-            <a:xfrm>
-              <a:off x="4828745" y="5224787"/>
-              <a:ext cx="1141659" cy="523220"/>
-            </a:xfrm>
-            <a:prstGeom prst="rect">
-              <a:avLst/>
-            </a:prstGeom>
-            <a:noFill/>
-          </p:spPr>
-          <p:txBody>
-            <a:bodyPr wrap="none" rtlCol="0">
-              <a:spAutoFit/>
-            </a:bodyPr>
-            <a:lstStyle/>
-            <a:p>
-              <a:r>
-                <a:rPr lang="en-US" altLang="zh-CN" sz="2800" i="1" dirty="0">
-                  <a:latin typeface="Times New Roman" panose="02020603050405020304" pitchFamily="18" charset="0"/>
-                  <a:cs typeface="Times New Roman" panose="02020603050405020304" pitchFamily="18" charset="0"/>
-                </a:rPr>
-                <a:t>Mf-</a:t>
-              </a:r>
-              <a:r>
-                <a:rPr lang="en-US" altLang="zh-CN" sz="2800" i="1" dirty="0" err="1">
-                  <a:latin typeface="Times New Roman" panose="02020603050405020304" pitchFamily="18" charset="0"/>
-                  <a:cs typeface="Times New Roman" panose="02020603050405020304" pitchFamily="18" charset="0"/>
-                </a:rPr>
-                <a:t>zer</a:t>
-              </a:r>
-              <a:endParaRPr lang="zh-CN" altLang="en-US" sz="2800" i="1" dirty="0">
-                <a:latin typeface="Times New Roman" panose="02020603050405020304" pitchFamily="18" charset="0"/>
-                <a:cs typeface="Times New Roman" panose="02020603050405020304" pitchFamily="18" charset="0"/>
-              </a:endParaRPr>
-            </a:p>
-          </p:txBody>
-        </p:sp>
-      </p:grpSp>
-      <p:grpSp>
-        <p:nvGrpSpPr>
-          <p:cNvPr id="51" name="组合 50"/>
-          <p:cNvGrpSpPr/>
-          <p:nvPr/>
-        </p:nvGrpSpPr>
-        <p:grpSpPr>
-          <a:xfrm>
-            <a:off x="8140972" y="4114794"/>
-            <a:ext cx="3657608" cy="2743206"/>
-            <a:chOff x="8140972" y="4114794"/>
-            <a:chExt cx="3657608" cy="2743206"/>
-          </a:xfrm>
-        </p:grpSpPr>
-        <p:pic>
-          <p:nvPicPr>
-            <p:cNvPr id="43" name="图片 42"/>
-            <p:cNvPicPr>
-              <a:picLocks noChangeAspect="1"/>
-            </p:cNvPicPr>
-            <p:nvPr/>
-          </p:nvPicPr>
-          <p:blipFill>
-            <a:blip r:embed="rId6">
-              <a:extLst>
-                <a:ext uri="{28A0092B-C50C-407E-A947-70E740481C1C}">
-                  <a14:useLocalDpi xmlns:a14="http://schemas.microsoft.com/office/drawing/2010/main" val="0"/>
-                </a:ext>
-              </a:extLst>
-            </a:blip>
-            <a:stretch>
-              <a:fillRect/>
-            </a:stretch>
-          </p:blipFill>
-          <p:spPr>
-            <a:xfrm>
-              <a:off x="8140972" y="4114794"/>
-              <a:ext cx="3657608" cy="2743206"/>
-            </a:xfrm>
-            <a:prstGeom prst="rect">
-              <a:avLst/>
-            </a:prstGeom>
-          </p:spPr>
-        </p:pic>
-        <p:sp>
-          <p:nvSpPr>
-            <p:cNvPr id="49" name="矩形 48"/>
-            <p:cNvSpPr/>
-            <p:nvPr/>
-          </p:nvSpPr>
-          <p:spPr>
-            <a:xfrm>
-              <a:off x="8828117" y="5253967"/>
-              <a:ext cx="1282723" cy="523220"/>
-            </a:xfrm>
-            <a:prstGeom prst="rect">
-              <a:avLst/>
-            </a:prstGeom>
-          </p:spPr>
-          <p:txBody>
-            <a:bodyPr wrap="none">
-              <a:spAutoFit/>
-            </a:bodyPr>
-            <a:lstStyle/>
-            <a:p>
-              <a:r>
-                <a:rPr lang="en-US" altLang="zh-CN" sz="2800" i="1" dirty="0" smtClean="0">
-                  <a:latin typeface="Times New Roman" panose="02020603050405020304" pitchFamily="18" charset="0"/>
-                  <a:cs typeface="Times New Roman" panose="02020603050405020304" pitchFamily="18" charset="0"/>
-                </a:rPr>
-                <a:t>Mf-</a:t>
-              </a:r>
-              <a:r>
-                <a:rPr lang="en-US" altLang="zh-CN" sz="2800" i="1" dirty="0" err="1" smtClean="0">
-                  <a:latin typeface="Times New Roman" panose="02020603050405020304" pitchFamily="18" charset="0"/>
-                  <a:cs typeface="Times New Roman" panose="02020603050405020304" pitchFamily="18" charset="0"/>
-                </a:rPr>
-                <a:t>mor</a:t>
-              </a:r>
-              <a:endParaRPr lang="zh-CN" altLang="en-US" sz="2800" i="1" dirty="0">
-                <a:latin typeface="Times New Roman" panose="02020603050405020304" pitchFamily="18" charset="0"/>
-                <a:cs typeface="Times New Roman" panose="02020603050405020304" pitchFamily="18" charset="0"/>
-              </a:endParaRPr>
-            </a:p>
-          </p:txBody>
-        </p:sp>
-      </p:grpSp>
-      <p:sp>
-        <p:nvSpPr>
-          <p:cNvPr id="52" name="文本框 51"/>
-          <p:cNvSpPr txBox="1"/>
-          <p:nvPr/>
-        </p:nvSpPr>
-        <p:spPr>
-          <a:xfrm>
-            <a:off x="9060071" y="176115"/>
-            <a:ext cx="1819409" cy="769441"/>
-          </a:xfrm>
-          <a:prstGeom prst="rect">
-            <a:avLst/>
-          </a:prstGeom>
-          <a:noFill/>
-        </p:spPr>
-        <p:txBody>
-          <a:bodyPr wrap="none" rtlCol="0">
-            <a:spAutoFit/>
-          </a:bodyPr>
-          <a:lstStyle/>
-          <a:p>
-            <a:r>
-              <a:rPr lang="en-US" altLang="zh-CN" sz="4400" dirty="0" smtClean="0">
-                <a:latin typeface="+mj-lt"/>
-              </a:rPr>
-              <a:t>Results</a:t>
-            </a:r>
-            <a:endParaRPr lang="zh-CN" altLang="en-US" sz="4400" dirty="0">
-              <a:latin typeface="+mj-lt"/>
-            </a:endParaRPr>
-          </a:p>
-        </p:txBody>
-      </p:sp>
-    </p:spTree>
-    <p:extLst>
-      <p:ext uri="{BB962C8B-B14F-4D97-AF65-F5344CB8AC3E}">
-        <p14:creationId xmlns:p14="http://schemas.microsoft.com/office/powerpoint/2010/main" val="2251369496"/>
       </p:ext>
     </p:extLst>
   </p:cSld>
@@ -35348,6 +39397,1849 @@
 </p:sld>
 </file>
 
+<file path=ppt/slides/slide30.xml><?xml version="1.0" encoding="utf-8"?>
+<p:sld xmlns:a="http://schemas.openxmlformats.org/drawingml/2006/main" xmlns:r="http://schemas.openxmlformats.org/officeDocument/2006/relationships" xmlns:p="http://schemas.openxmlformats.org/presentationml/2006/main">
+  <p:cSld>
+    <p:spTree>
+      <p:nvGrpSpPr>
+        <p:cNvPr id="1" name=""/>
+        <p:cNvGrpSpPr/>
+        <p:nvPr/>
+      </p:nvGrpSpPr>
+      <p:grpSpPr>
+        <a:xfrm>
+          <a:off x="0" y="0"/>
+          <a:ext cx="0" cy="0"/>
+          <a:chOff x="0" y="0"/>
+          <a:chExt cx="0" cy="0"/>
+        </a:xfrm>
+      </p:grpSpPr>
+      <p:pic>
+        <p:nvPicPr>
+          <p:cNvPr id="15" name="Picture 14"/>
+          <p:cNvPicPr>
+            <a:picLocks noChangeAspect="1"/>
+          </p:cNvPicPr>
+          <p:nvPr/>
+        </p:nvPicPr>
+        <p:blipFill>
+          <a:blip r:embed="rId2">
+            <a:extLst>
+              <a:ext uri="{28A0092B-C50C-407E-A947-70E740481C1C}">
+                <a14:useLocalDpi xmlns:a14="http://schemas.microsoft.com/office/drawing/2010/main" val="0"/>
+              </a:ext>
+            </a:extLst>
+          </a:blip>
+          <a:stretch>
+            <a:fillRect/>
+          </a:stretch>
+        </p:blipFill>
+        <p:spPr>
+          <a:xfrm>
+            <a:off x="8140972" y="4114794"/>
+            <a:ext cx="3657608" cy="2743206"/>
+          </a:xfrm>
+          <a:prstGeom prst="rect">
+            <a:avLst/>
+          </a:prstGeom>
+        </p:spPr>
+      </p:pic>
+      <p:grpSp>
+        <p:nvGrpSpPr>
+          <p:cNvPr id="39" name="组合 38"/>
+          <p:cNvGrpSpPr/>
+          <p:nvPr/>
+        </p:nvGrpSpPr>
+        <p:grpSpPr>
+          <a:xfrm>
+            <a:off x="623953" y="213016"/>
+            <a:ext cx="7517019" cy="3901778"/>
+            <a:chOff x="0" y="311284"/>
+            <a:chExt cx="7517019" cy="3901778"/>
+          </a:xfrm>
+        </p:grpSpPr>
+        <p:pic>
+          <p:nvPicPr>
+            <p:cNvPr id="35" name="图片 34"/>
+            <p:cNvPicPr>
+              <a:picLocks noChangeAspect="1"/>
+            </p:cNvPicPr>
+            <p:nvPr/>
+          </p:nvPicPr>
+          <p:blipFill>
+            <a:blip r:embed="rId3"/>
+            <a:stretch>
+              <a:fillRect/>
+            </a:stretch>
+          </p:blipFill>
+          <p:spPr>
+            <a:xfrm>
+              <a:off x="0" y="311284"/>
+              <a:ext cx="7517019" cy="3901778"/>
+            </a:xfrm>
+            <a:prstGeom prst="rect">
+              <a:avLst/>
+            </a:prstGeom>
+          </p:spPr>
+        </p:pic>
+        <p:cxnSp>
+          <p:nvCxnSpPr>
+            <p:cNvPr id="11" name="直接连接符 10"/>
+            <p:cNvCxnSpPr/>
+            <p:nvPr/>
+          </p:nvCxnSpPr>
+          <p:spPr>
+            <a:xfrm>
+              <a:off x="142229" y="1805259"/>
+              <a:ext cx="729673" cy="0"/>
+            </a:xfrm>
+            <a:prstGeom prst="line">
+              <a:avLst/>
+            </a:prstGeom>
+            <a:ln w="38100">
+              <a:solidFill>
+                <a:srgbClr val="FF0000"/>
+              </a:solidFill>
+            </a:ln>
+          </p:spPr>
+          <p:style>
+            <a:lnRef idx="1">
+              <a:schemeClr val="accent1"/>
+            </a:lnRef>
+            <a:fillRef idx="0">
+              <a:schemeClr val="accent1"/>
+            </a:fillRef>
+            <a:effectRef idx="0">
+              <a:schemeClr val="accent1"/>
+            </a:effectRef>
+            <a:fontRef idx="minor">
+              <a:schemeClr val="tx1"/>
+            </a:fontRef>
+          </p:style>
+        </p:cxnSp>
+        <p:cxnSp>
+          <p:nvCxnSpPr>
+            <p:cNvPr id="12" name="直接连接符 11"/>
+            <p:cNvCxnSpPr/>
+            <p:nvPr/>
+          </p:nvCxnSpPr>
+          <p:spPr>
+            <a:xfrm>
+              <a:off x="142229" y="3248776"/>
+              <a:ext cx="729673" cy="0"/>
+            </a:xfrm>
+            <a:prstGeom prst="line">
+              <a:avLst/>
+            </a:prstGeom>
+            <a:ln w="38100">
+              <a:solidFill>
+                <a:srgbClr val="FF0000"/>
+              </a:solidFill>
+            </a:ln>
+          </p:spPr>
+          <p:style>
+            <a:lnRef idx="1">
+              <a:schemeClr val="accent1"/>
+            </a:lnRef>
+            <a:fillRef idx="0">
+              <a:schemeClr val="accent1"/>
+            </a:fillRef>
+            <a:effectRef idx="0">
+              <a:schemeClr val="accent1"/>
+            </a:effectRef>
+            <a:fontRef idx="minor">
+              <a:schemeClr val="tx1"/>
+            </a:fontRef>
+          </p:style>
+        </p:cxnSp>
+        <p:cxnSp>
+          <p:nvCxnSpPr>
+            <p:cNvPr id="14" name="直接连接符 13"/>
+            <p:cNvCxnSpPr/>
+            <p:nvPr/>
+          </p:nvCxnSpPr>
+          <p:spPr>
+            <a:xfrm>
+              <a:off x="142229" y="1475543"/>
+              <a:ext cx="729673" cy="0"/>
+            </a:xfrm>
+            <a:prstGeom prst="line">
+              <a:avLst/>
+            </a:prstGeom>
+            <a:ln w="38100">
+              <a:solidFill>
+                <a:srgbClr val="FF0000"/>
+              </a:solidFill>
+            </a:ln>
+          </p:spPr>
+          <p:style>
+            <a:lnRef idx="1">
+              <a:schemeClr val="accent1"/>
+            </a:lnRef>
+            <a:fillRef idx="0">
+              <a:schemeClr val="accent1"/>
+            </a:fillRef>
+            <a:effectRef idx="0">
+              <a:schemeClr val="accent1"/>
+            </a:effectRef>
+            <a:fontRef idx="minor">
+              <a:schemeClr val="tx1"/>
+            </a:fontRef>
+          </p:style>
+        </p:cxnSp>
+      </p:grpSp>
+      <p:grpSp>
+        <p:nvGrpSpPr>
+          <p:cNvPr id="9" name="Group 8"/>
+          <p:cNvGrpSpPr/>
+          <p:nvPr/>
+        </p:nvGrpSpPr>
+        <p:grpSpPr>
+          <a:xfrm>
+            <a:off x="142228" y="4114794"/>
+            <a:ext cx="3657608" cy="2743206"/>
+            <a:chOff x="136605" y="4026569"/>
+            <a:chExt cx="3657608" cy="2743206"/>
+          </a:xfrm>
+        </p:grpSpPr>
+        <p:pic>
+          <p:nvPicPr>
+            <p:cNvPr id="8" name="Picture 7"/>
+            <p:cNvPicPr>
+              <a:picLocks noChangeAspect="1"/>
+            </p:cNvPicPr>
+            <p:nvPr/>
+          </p:nvPicPr>
+          <p:blipFill>
+            <a:blip r:embed="rId4">
+              <a:extLst>
+                <a:ext uri="{28A0092B-C50C-407E-A947-70E740481C1C}">
+                  <a14:useLocalDpi xmlns:a14="http://schemas.microsoft.com/office/drawing/2010/main" val="0"/>
+                </a:ext>
+              </a:extLst>
+            </a:blip>
+            <a:stretch>
+              <a:fillRect/>
+            </a:stretch>
+          </p:blipFill>
+          <p:spPr>
+            <a:xfrm>
+              <a:off x="136605" y="4026569"/>
+              <a:ext cx="3657608" cy="2743206"/>
+            </a:xfrm>
+            <a:prstGeom prst="rect">
+              <a:avLst/>
+            </a:prstGeom>
+          </p:spPr>
+        </p:pic>
+        <p:sp>
+          <p:nvSpPr>
+            <p:cNvPr id="44" name="文本框 43"/>
+            <p:cNvSpPr txBox="1"/>
+            <p:nvPr/>
+          </p:nvSpPr>
+          <p:spPr>
+            <a:xfrm>
+              <a:off x="856341" y="5255001"/>
+              <a:ext cx="1720343" cy="523220"/>
+            </a:xfrm>
+            <a:prstGeom prst="rect">
+              <a:avLst/>
+            </a:prstGeom>
+            <a:noFill/>
+          </p:spPr>
+          <p:txBody>
+            <a:bodyPr wrap="none" rtlCol="0">
+              <a:spAutoFit/>
+            </a:bodyPr>
+            <a:lstStyle/>
+            <a:p>
+              <a:r>
+                <a:rPr lang="en-US" altLang="zh-CN" sz="2800" i="1" dirty="0" err="1" smtClean="0">
+                  <a:latin typeface="Times New Roman" panose="02020603050405020304" pitchFamily="18" charset="0"/>
+                  <a:cs typeface="Times New Roman" panose="02020603050405020304" pitchFamily="18" charset="0"/>
+                </a:rPr>
+                <a:t>Haberman</a:t>
+              </a:r>
+              <a:endParaRPr lang="zh-CN" altLang="en-US" sz="2800" i="1" dirty="0">
+                <a:latin typeface="Times New Roman" panose="02020603050405020304" pitchFamily="18" charset="0"/>
+                <a:cs typeface="Times New Roman" panose="02020603050405020304" pitchFamily="18" charset="0"/>
+              </a:endParaRPr>
+            </a:p>
+          </p:txBody>
+        </p:sp>
+      </p:grpSp>
+      <p:grpSp>
+        <p:nvGrpSpPr>
+          <p:cNvPr id="13" name="Group 12"/>
+          <p:cNvGrpSpPr/>
+          <p:nvPr/>
+        </p:nvGrpSpPr>
+        <p:grpSpPr>
+          <a:xfrm>
+            <a:off x="4152486" y="4114794"/>
+            <a:ext cx="3657608" cy="2743206"/>
+            <a:chOff x="4152486" y="4114794"/>
+            <a:chExt cx="3657608" cy="2743206"/>
+          </a:xfrm>
+        </p:grpSpPr>
+        <p:pic>
+          <p:nvPicPr>
+            <p:cNvPr id="10" name="Picture 9"/>
+            <p:cNvPicPr>
+              <a:picLocks noChangeAspect="1"/>
+            </p:cNvPicPr>
+            <p:nvPr/>
+          </p:nvPicPr>
+          <p:blipFill>
+            <a:blip r:embed="rId5">
+              <a:extLst>
+                <a:ext uri="{28A0092B-C50C-407E-A947-70E740481C1C}">
+                  <a14:useLocalDpi xmlns:a14="http://schemas.microsoft.com/office/drawing/2010/main" val="0"/>
+                </a:ext>
+              </a:extLst>
+            </a:blip>
+            <a:stretch>
+              <a:fillRect/>
+            </a:stretch>
+          </p:blipFill>
+          <p:spPr>
+            <a:xfrm>
+              <a:off x="4152486" y="4114794"/>
+              <a:ext cx="3657608" cy="2743206"/>
+            </a:xfrm>
+            <a:prstGeom prst="rect">
+              <a:avLst/>
+            </a:prstGeom>
+          </p:spPr>
+        </p:pic>
+        <p:sp>
+          <p:nvSpPr>
+            <p:cNvPr id="48" name="文本框 47"/>
+            <p:cNvSpPr txBox="1"/>
+            <p:nvPr/>
+          </p:nvSpPr>
+          <p:spPr>
+            <a:xfrm>
+              <a:off x="4828745" y="5224787"/>
+              <a:ext cx="1785553" cy="523220"/>
+            </a:xfrm>
+            <a:prstGeom prst="rect">
+              <a:avLst/>
+            </a:prstGeom>
+            <a:noFill/>
+          </p:spPr>
+          <p:txBody>
+            <a:bodyPr wrap="none" rtlCol="0">
+              <a:spAutoFit/>
+            </a:bodyPr>
+            <a:lstStyle/>
+            <a:p>
+              <a:r>
+                <a:rPr lang="en-US" altLang="zh-CN" sz="2800" i="1" dirty="0" smtClean="0">
+                  <a:latin typeface="Times New Roman" panose="02020603050405020304" pitchFamily="18" charset="0"/>
+                  <a:cs typeface="Times New Roman" panose="02020603050405020304" pitchFamily="18" charset="0"/>
+                </a:rPr>
+                <a:t>Ionosphere</a:t>
+              </a:r>
+              <a:endParaRPr lang="zh-CN" altLang="en-US" sz="2800" i="1" dirty="0">
+                <a:latin typeface="Times New Roman" panose="02020603050405020304" pitchFamily="18" charset="0"/>
+                <a:cs typeface="Times New Roman" panose="02020603050405020304" pitchFamily="18" charset="0"/>
+              </a:endParaRPr>
+            </a:p>
+          </p:txBody>
+        </p:sp>
+      </p:grpSp>
+      <p:sp>
+        <p:nvSpPr>
+          <p:cNvPr id="49" name="矩形 48"/>
+          <p:cNvSpPr/>
+          <p:nvPr/>
+        </p:nvSpPr>
+        <p:spPr>
+          <a:xfrm>
+            <a:off x="8828117" y="5253967"/>
+            <a:ext cx="942887" cy="523220"/>
+          </a:xfrm>
+          <a:prstGeom prst="rect">
+            <a:avLst/>
+          </a:prstGeom>
+        </p:spPr>
+        <p:txBody>
+          <a:bodyPr wrap="none">
+            <a:spAutoFit/>
+          </a:bodyPr>
+          <a:lstStyle/>
+          <a:p>
+            <a:r>
+              <a:rPr lang="en-US" altLang="zh-CN" sz="2800" i="1" dirty="0" smtClean="0">
+                <a:latin typeface="Times New Roman" panose="02020603050405020304" pitchFamily="18" charset="0"/>
+                <a:cs typeface="Times New Roman" panose="02020603050405020304" pitchFamily="18" charset="0"/>
+              </a:rPr>
+              <a:t>Pima</a:t>
+            </a:r>
+            <a:endParaRPr lang="zh-CN" altLang="en-US" sz="2800" i="1" dirty="0">
+              <a:latin typeface="Times New Roman" panose="02020603050405020304" pitchFamily="18" charset="0"/>
+              <a:cs typeface="Times New Roman" panose="02020603050405020304" pitchFamily="18" charset="0"/>
+            </a:endParaRPr>
+          </a:p>
+        </p:txBody>
+      </p:sp>
+      <mc:AlternateContent xmlns:mc="http://schemas.openxmlformats.org/markup-compatibility/2006" xmlns:a14="http://schemas.microsoft.com/office/drawing/2010/main">
+        <mc:Choice Requires="a14">
+          <p:sp>
+            <p:nvSpPr>
+              <p:cNvPr id="5" name="TextBox 4"/>
+              <p:cNvSpPr txBox="1"/>
+              <p:nvPr/>
+            </p:nvSpPr>
+            <p:spPr>
+              <a:xfrm>
+                <a:off x="8518099" y="1153881"/>
+                <a:ext cx="2903354" cy="1477328"/>
+              </a:xfrm>
+              <a:prstGeom prst="rect">
+                <a:avLst/>
+              </a:prstGeom>
+              <a:noFill/>
+            </p:spPr>
+            <p:txBody>
+              <a:bodyPr wrap="square" rtlCol="0">
+                <a:spAutoFit/>
+              </a:bodyPr>
+              <a:lstStyle/>
+              <a:p>
+                <a:pPr algn="just"/>
+                <a:r>
+                  <a:rPr lang="en-US" dirty="0" smtClean="0"/>
+                  <a:t>Low </a:t>
+                </a:r>
+                <a14:m>
+                  <m:oMath xmlns:m="http://schemas.openxmlformats.org/officeDocument/2006/math">
+                    <m:r>
+                      <a:rPr lang="en-US" b="0" i="1" smtClean="0">
+                        <a:latin typeface="Cambria Math" panose="02040503050406030204" pitchFamily="18" charset="0"/>
+                      </a:rPr>
+                      <m:t>𝑟</m:t>
+                    </m:r>
+                    <m:d>
+                      <m:dPr>
+                        <m:ctrlPr>
+                          <a:rPr lang="en-US" b="0" i="1" smtClean="0">
+                            <a:latin typeface="Cambria Math" panose="02040503050406030204" pitchFamily="18" charset="0"/>
+                          </a:rPr>
+                        </m:ctrlPr>
+                      </m:dPr>
+                      <m:e>
+                        <m:r>
+                          <a:rPr lang="en-US" b="0" i="1" smtClean="0">
+                            <a:latin typeface="Cambria Math" panose="02040503050406030204" pitchFamily="18" charset="0"/>
+                          </a:rPr>
+                          <m:t>𝒟</m:t>
+                        </m:r>
+                      </m:e>
+                    </m:d>
+                  </m:oMath>
+                </a14:m>
+                <a:r>
+                  <a:rPr lang="en-US" dirty="0" smtClean="0"/>
+                  <a:t> can be interpreted that positive class is already represented. Sub-models with balanced data set can be well trained.</a:t>
+                </a:r>
+                <a:endParaRPr lang="en-US" dirty="0"/>
+              </a:p>
+            </p:txBody>
+          </p:sp>
+        </mc:Choice>
+        <mc:Fallback xmlns="">
+          <p:sp>
+            <p:nvSpPr>
+              <p:cNvPr id="5" name="TextBox 4"/>
+              <p:cNvSpPr txBox="1">
+                <a:spLocks noRot="1" noChangeAspect="1" noMove="1" noResize="1" noEditPoints="1" noAdjustHandles="1" noChangeArrowheads="1" noChangeShapeType="1" noTextEdit="1"/>
+              </p:cNvSpPr>
+              <p:nvPr/>
+            </p:nvSpPr>
+            <p:spPr>
+              <a:xfrm>
+                <a:off x="8518099" y="1153881"/>
+                <a:ext cx="2903354" cy="1477328"/>
+              </a:xfrm>
+              <a:prstGeom prst="rect">
+                <a:avLst/>
+              </a:prstGeom>
+              <a:blipFill>
+                <a:blip r:embed="rId6"/>
+                <a:stretch>
+                  <a:fillRect l="-1677" t="-2058" r="-1677" b="-5350"/>
+                </a:stretch>
+              </a:blipFill>
+            </p:spPr>
+            <p:txBody>
+              <a:bodyPr/>
+              <a:lstStyle/>
+              <a:p>
+                <a:r>
+                  <a:rPr lang="en-US">
+                    <a:noFill/>
+                  </a:rPr>
+                  <a:t> </a:t>
+                </a:r>
+              </a:p>
+            </p:txBody>
+          </p:sp>
+        </mc:Fallback>
+      </mc:AlternateContent>
+      <p:pic>
+        <p:nvPicPr>
+          <p:cNvPr id="7" name="Picture 6"/>
+          <p:cNvPicPr>
+            <a:picLocks noChangeAspect="1"/>
+          </p:cNvPicPr>
+          <p:nvPr/>
+        </p:nvPicPr>
+        <p:blipFill rotWithShape="1">
+          <a:blip r:embed="rId7"/>
+          <a:srcRect l="34332" r="34133" b="8316"/>
+          <a:stretch/>
+        </p:blipFill>
+        <p:spPr>
+          <a:xfrm>
+            <a:off x="8628320" y="2621938"/>
+            <a:ext cx="2682909" cy="1410319"/>
+          </a:xfrm>
+          <a:prstGeom prst="rect">
+            <a:avLst/>
+          </a:prstGeom>
+        </p:spPr>
+      </p:pic>
+      <p:sp>
+        <p:nvSpPr>
+          <p:cNvPr id="19" name="文本框 51"/>
+          <p:cNvSpPr txBox="1"/>
+          <p:nvPr/>
+        </p:nvSpPr>
+        <p:spPr>
+          <a:xfrm>
+            <a:off x="9060071" y="176115"/>
+            <a:ext cx="2557175" cy="1077218"/>
+          </a:xfrm>
+          <a:prstGeom prst="rect">
+            <a:avLst/>
+          </a:prstGeom>
+          <a:noFill/>
+        </p:spPr>
+        <p:txBody>
+          <a:bodyPr wrap="none" rtlCol="0">
+            <a:spAutoFit/>
+          </a:bodyPr>
+          <a:lstStyle/>
+          <a:p>
+            <a:r>
+              <a:rPr lang="en-US" altLang="zh-CN" sz="4400" dirty="0" smtClean="0">
+                <a:latin typeface="+mj-lt"/>
+              </a:rPr>
+              <a:t>Results</a:t>
+            </a:r>
+          </a:p>
+          <a:p>
+            <a:r>
+              <a:rPr lang="en-US" altLang="zh-CN" sz="2000" dirty="0" smtClean="0">
+                <a:latin typeface="+mj-lt"/>
+              </a:rPr>
+              <a:t>supporting </a:t>
+            </a:r>
+            <a:r>
+              <a:rPr lang="en-US" altLang="zh-CN" sz="2000" i="1" dirty="0" smtClean="0">
+                <a:latin typeface="+mj-lt"/>
+              </a:rPr>
+              <a:t>Strategy (3)</a:t>
+            </a:r>
+            <a:endParaRPr lang="zh-CN" altLang="en-US" sz="4400" i="1" dirty="0">
+              <a:latin typeface="+mj-lt"/>
+            </a:endParaRPr>
+          </a:p>
+        </p:txBody>
+      </p:sp>
+    </p:spTree>
+    <p:extLst>
+      <p:ext uri="{BB962C8B-B14F-4D97-AF65-F5344CB8AC3E}">
+        <p14:creationId xmlns:p14="http://schemas.microsoft.com/office/powerpoint/2010/main" val="3596796140"/>
+      </p:ext>
+    </p:extLst>
+  </p:cSld>
+  <p:clrMapOvr>
+    <a:masterClrMapping/>
+  </p:clrMapOvr>
+  <p:timing>
+    <p:tnLst>
+      <p:par>
+        <p:cTn id="1" dur="indefinite" restart="never" nodeType="tmRoot"/>
+      </p:par>
+    </p:tnLst>
+  </p:timing>
+</p:sld>
+</file>
+
+<file path=ppt/slides/slide31.xml><?xml version="1.0" encoding="utf-8"?>
+<p:sld xmlns:a="http://schemas.openxmlformats.org/drawingml/2006/main" xmlns:r="http://schemas.openxmlformats.org/officeDocument/2006/relationships" xmlns:p="http://schemas.openxmlformats.org/presentationml/2006/main">
+  <p:cSld>
+    <p:spTree>
+      <p:nvGrpSpPr>
+        <p:cNvPr id="1" name=""/>
+        <p:cNvGrpSpPr/>
+        <p:nvPr/>
+      </p:nvGrpSpPr>
+      <p:grpSpPr>
+        <a:xfrm>
+          <a:off x="0" y="0"/>
+          <a:ext cx="0" cy="0"/>
+          <a:chOff x="0" y="0"/>
+          <a:chExt cx="0" cy="0"/>
+        </a:xfrm>
+      </p:grpSpPr>
+      <p:pic>
+        <p:nvPicPr>
+          <p:cNvPr id="3" name="Picture 2"/>
+          <p:cNvPicPr>
+            <a:picLocks noChangeAspect="1"/>
+          </p:cNvPicPr>
+          <p:nvPr/>
+        </p:nvPicPr>
+        <p:blipFill>
+          <a:blip r:embed="rId2">
+            <a:extLst>
+              <a:ext uri="{28A0092B-C50C-407E-A947-70E740481C1C}">
+                <a14:useLocalDpi xmlns:a14="http://schemas.microsoft.com/office/drawing/2010/main" val="0"/>
+              </a:ext>
+            </a:extLst>
+          </a:blip>
+          <a:stretch>
+            <a:fillRect/>
+          </a:stretch>
+        </p:blipFill>
+        <p:spPr>
+          <a:xfrm>
+            <a:off x="4141600" y="4114794"/>
+            <a:ext cx="3657608" cy="2743206"/>
+          </a:xfrm>
+          <a:prstGeom prst="rect">
+            <a:avLst/>
+          </a:prstGeom>
+        </p:spPr>
+      </p:pic>
+      <p:pic>
+        <p:nvPicPr>
+          <p:cNvPr id="2" name="Picture 1"/>
+          <p:cNvPicPr>
+            <a:picLocks noChangeAspect="1"/>
+          </p:cNvPicPr>
+          <p:nvPr/>
+        </p:nvPicPr>
+        <p:blipFill>
+          <a:blip r:embed="rId3">
+            <a:extLst>
+              <a:ext uri="{28A0092B-C50C-407E-A947-70E740481C1C}">
+                <a14:useLocalDpi xmlns:a14="http://schemas.microsoft.com/office/drawing/2010/main" val="0"/>
+              </a:ext>
+            </a:extLst>
+          </a:blip>
+          <a:stretch>
+            <a:fillRect/>
+          </a:stretch>
+        </p:blipFill>
+        <p:spPr>
+          <a:xfrm>
+            <a:off x="142228" y="4032257"/>
+            <a:ext cx="3657608" cy="2743206"/>
+          </a:xfrm>
+          <a:prstGeom prst="rect">
+            <a:avLst/>
+          </a:prstGeom>
+        </p:spPr>
+      </p:pic>
+      <p:grpSp>
+        <p:nvGrpSpPr>
+          <p:cNvPr id="39" name="组合 38"/>
+          <p:cNvGrpSpPr/>
+          <p:nvPr/>
+        </p:nvGrpSpPr>
+        <p:grpSpPr>
+          <a:xfrm>
+            <a:off x="623953" y="213016"/>
+            <a:ext cx="7517019" cy="3901778"/>
+            <a:chOff x="0" y="311284"/>
+            <a:chExt cx="7517019" cy="3901778"/>
+          </a:xfrm>
+        </p:grpSpPr>
+        <p:pic>
+          <p:nvPicPr>
+            <p:cNvPr id="35" name="图片 34"/>
+            <p:cNvPicPr>
+              <a:picLocks noChangeAspect="1"/>
+            </p:cNvPicPr>
+            <p:nvPr/>
+          </p:nvPicPr>
+          <p:blipFill>
+            <a:blip r:embed="rId4"/>
+            <a:stretch>
+              <a:fillRect/>
+            </a:stretch>
+          </p:blipFill>
+          <p:spPr>
+            <a:xfrm>
+              <a:off x="0" y="311284"/>
+              <a:ext cx="7517019" cy="3901778"/>
+            </a:xfrm>
+            <a:prstGeom prst="rect">
+              <a:avLst/>
+            </a:prstGeom>
+          </p:spPr>
+        </p:pic>
+        <p:cxnSp>
+          <p:nvCxnSpPr>
+            <p:cNvPr id="11" name="直接连接符 10"/>
+            <p:cNvCxnSpPr/>
+            <p:nvPr/>
+          </p:nvCxnSpPr>
+          <p:spPr>
+            <a:xfrm>
+              <a:off x="142229" y="3546971"/>
+              <a:ext cx="729673" cy="0"/>
+            </a:xfrm>
+            <a:prstGeom prst="line">
+              <a:avLst/>
+            </a:prstGeom>
+            <a:ln w="38100">
+              <a:solidFill>
+                <a:srgbClr val="FF0000"/>
+              </a:solidFill>
+            </a:ln>
+          </p:spPr>
+          <p:style>
+            <a:lnRef idx="1">
+              <a:schemeClr val="accent1"/>
+            </a:lnRef>
+            <a:fillRef idx="0">
+              <a:schemeClr val="accent1"/>
+            </a:fillRef>
+            <a:effectRef idx="0">
+              <a:schemeClr val="accent1"/>
+            </a:effectRef>
+            <a:fontRef idx="minor">
+              <a:schemeClr val="tx1"/>
+            </a:fontRef>
+          </p:style>
+        </p:cxnSp>
+        <p:cxnSp>
+          <p:nvCxnSpPr>
+            <p:cNvPr id="12" name="直接连接符 11"/>
+            <p:cNvCxnSpPr/>
+            <p:nvPr/>
+          </p:nvCxnSpPr>
+          <p:spPr>
+            <a:xfrm>
+              <a:off x="142229" y="4130525"/>
+              <a:ext cx="729673" cy="0"/>
+            </a:xfrm>
+            <a:prstGeom prst="line">
+              <a:avLst/>
+            </a:prstGeom>
+            <a:ln w="38100">
+              <a:solidFill>
+                <a:srgbClr val="FF0000"/>
+              </a:solidFill>
+            </a:ln>
+          </p:spPr>
+          <p:style>
+            <a:lnRef idx="1">
+              <a:schemeClr val="accent1"/>
+            </a:lnRef>
+            <a:fillRef idx="0">
+              <a:schemeClr val="accent1"/>
+            </a:fillRef>
+            <a:effectRef idx="0">
+              <a:schemeClr val="accent1"/>
+            </a:effectRef>
+            <a:fontRef idx="minor">
+              <a:schemeClr val="tx1"/>
+            </a:fontRef>
+          </p:style>
+        </p:cxnSp>
+        <p:cxnSp>
+          <p:nvCxnSpPr>
+            <p:cNvPr id="14" name="直接连接符 13"/>
+            <p:cNvCxnSpPr/>
+            <p:nvPr/>
+          </p:nvCxnSpPr>
+          <p:spPr>
+            <a:xfrm>
+              <a:off x="142229" y="1181631"/>
+              <a:ext cx="729673" cy="0"/>
+            </a:xfrm>
+            <a:prstGeom prst="line">
+              <a:avLst/>
+            </a:prstGeom>
+            <a:ln w="38100">
+              <a:solidFill>
+                <a:srgbClr val="FF0000"/>
+              </a:solidFill>
+            </a:ln>
+          </p:spPr>
+          <p:style>
+            <a:lnRef idx="1">
+              <a:schemeClr val="accent1"/>
+            </a:lnRef>
+            <a:fillRef idx="0">
+              <a:schemeClr val="accent1"/>
+            </a:fillRef>
+            <a:effectRef idx="0">
+              <a:schemeClr val="accent1"/>
+            </a:effectRef>
+            <a:fontRef idx="minor">
+              <a:schemeClr val="tx1"/>
+            </a:fontRef>
+          </p:style>
+        </p:cxnSp>
+      </p:grpSp>
+      <p:sp>
+        <p:nvSpPr>
+          <p:cNvPr id="44" name="文本框 43"/>
+          <p:cNvSpPr txBox="1"/>
+          <p:nvPr/>
+        </p:nvSpPr>
+        <p:spPr>
+          <a:xfrm>
+            <a:off x="856341" y="5255001"/>
+            <a:ext cx="1380506" cy="523220"/>
+          </a:xfrm>
+          <a:prstGeom prst="rect">
+            <a:avLst/>
+          </a:prstGeom>
+          <a:noFill/>
+        </p:spPr>
+        <p:txBody>
+          <a:bodyPr wrap="none" rtlCol="0">
+            <a:spAutoFit/>
+          </a:bodyPr>
+          <a:lstStyle/>
+          <a:p>
+            <a:r>
+              <a:rPr lang="en-US" altLang="zh-CN" sz="2800" i="1" dirty="0" smtClean="0">
+                <a:latin typeface="Times New Roman" panose="02020603050405020304" pitchFamily="18" charset="0"/>
+                <a:cs typeface="Times New Roman" panose="02020603050405020304" pitchFamily="18" charset="0"/>
+              </a:rPr>
+              <a:t>Abalone</a:t>
+            </a:r>
+            <a:endParaRPr lang="zh-CN" altLang="en-US" sz="2800" i="1" dirty="0">
+              <a:latin typeface="Times New Roman" panose="02020603050405020304" pitchFamily="18" charset="0"/>
+              <a:cs typeface="Times New Roman" panose="02020603050405020304" pitchFamily="18" charset="0"/>
+            </a:endParaRPr>
+          </a:p>
+        </p:txBody>
+      </p:sp>
+      <p:sp>
+        <p:nvSpPr>
+          <p:cNvPr id="48" name="文本框 47"/>
+          <p:cNvSpPr txBox="1"/>
+          <p:nvPr/>
+        </p:nvSpPr>
+        <p:spPr>
+          <a:xfrm>
+            <a:off x="4828745" y="5224787"/>
+            <a:ext cx="1358064" cy="523220"/>
+          </a:xfrm>
+          <a:prstGeom prst="rect">
+            <a:avLst/>
+          </a:prstGeom>
+          <a:noFill/>
+        </p:spPr>
+        <p:txBody>
+          <a:bodyPr wrap="none" rtlCol="0">
+            <a:spAutoFit/>
+          </a:bodyPr>
+          <a:lstStyle/>
+          <a:p>
+            <a:r>
+              <a:rPr lang="en-US" altLang="zh-CN" sz="2800" i="1" dirty="0" smtClean="0">
+                <a:latin typeface="Times New Roman" panose="02020603050405020304" pitchFamily="18" charset="0"/>
+                <a:cs typeface="Times New Roman" panose="02020603050405020304" pitchFamily="18" charset="0"/>
+              </a:rPr>
+              <a:t>Satellite</a:t>
+            </a:r>
+            <a:endParaRPr lang="zh-CN" altLang="en-US" sz="2800" i="1" dirty="0">
+              <a:latin typeface="Times New Roman" panose="02020603050405020304" pitchFamily="18" charset="0"/>
+              <a:cs typeface="Times New Roman" panose="02020603050405020304" pitchFamily="18" charset="0"/>
+            </a:endParaRPr>
+          </a:p>
+        </p:txBody>
+      </p:sp>
+      <p:sp>
+        <p:nvSpPr>
+          <p:cNvPr id="49" name="矩形 48"/>
+          <p:cNvSpPr/>
+          <p:nvPr/>
+        </p:nvSpPr>
+        <p:spPr>
+          <a:xfrm>
+            <a:off x="8828117" y="5253967"/>
+            <a:ext cx="1124026" cy="523220"/>
+          </a:xfrm>
+          <a:prstGeom prst="rect">
+            <a:avLst/>
+          </a:prstGeom>
+        </p:spPr>
+        <p:txBody>
+          <a:bodyPr wrap="none">
+            <a:spAutoFit/>
+          </a:bodyPr>
+          <a:lstStyle/>
+          <a:p>
+            <a:r>
+              <a:rPr lang="en-US" altLang="zh-CN" sz="2800" i="1" dirty="0" smtClean="0">
+                <a:latin typeface="Times New Roman" panose="02020603050405020304" pitchFamily="18" charset="0"/>
+                <a:cs typeface="Times New Roman" panose="02020603050405020304" pitchFamily="18" charset="0"/>
+              </a:rPr>
+              <a:t>U-AIR</a:t>
+            </a:r>
+            <a:endParaRPr lang="zh-CN" altLang="en-US" sz="2800" i="1" dirty="0">
+              <a:latin typeface="Times New Roman" panose="02020603050405020304" pitchFamily="18" charset="0"/>
+              <a:cs typeface="Times New Roman" panose="02020603050405020304" pitchFamily="18" charset="0"/>
+            </a:endParaRPr>
+          </a:p>
+        </p:txBody>
+      </p:sp>
+      <p:pic>
+        <p:nvPicPr>
+          <p:cNvPr id="4" name="Picture 3"/>
+          <p:cNvPicPr>
+            <a:picLocks noChangeAspect="1"/>
+          </p:cNvPicPr>
+          <p:nvPr/>
+        </p:nvPicPr>
+        <p:blipFill>
+          <a:blip r:embed="rId5">
+            <a:extLst>
+              <a:ext uri="{28A0092B-C50C-407E-A947-70E740481C1C}">
+                <a14:useLocalDpi xmlns:a14="http://schemas.microsoft.com/office/drawing/2010/main" val="0"/>
+              </a:ext>
+            </a:extLst>
+          </a:blip>
+          <a:stretch>
+            <a:fillRect/>
+          </a:stretch>
+        </p:blipFill>
+        <p:spPr>
+          <a:xfrm>
+            <a:off x="8140972" y="4114794"/>
+            <a:ext cx="3657608" cy="2743206"/>
+          </a:xfrm>
+          <a:prstGeom prst="rect">
+            <a:avLst/>
+          </a:prstGeom>
+        </p:spPr>
+      </p:pic>
+      <mc:AlternateContent xmlns:mc="http://schemas.openxmlformats.org/markup-compatibility/2006" xmlns:a14="http://schemas.microsoft.com/office/drawing/2010/main">
+        <mc:Choice Requires="a14">
+          <p:sp>
+            <p:nvSpPr>
+              <p:cNvPr id="5" name="TextBox 4"/>
+              <p:cNvSpPr txBox="1"/>
+              <p:nvPr/>
+            </p:nvSpPr>
+            <p:spPr>
+              <a:xfrm>
+                <a:off x="8428675" y="1556653"/>
+                <a:ext cx="3369905" cy="1477328"/>
+              </a:xfrm>
+              <a:prstGeom prst="rect">
+                <a:avLst/>
+              </a:prstGeom>
+              <a:noFill/>
+            </p:spPr>
+            <p:txBody>
+              <a:bodyPr wrap="square" rtlCol="0">
+                <a:spAutoFit/>
+              </a:bodyPr>
+              <a:lstStyle/>
+              <a:p>
+                <a:pPr algn="just"/>
+                <a:r>
+                  <a:rPr lang="en-US" dirty="0" smtClean="0"/>
+                  <a:t>Compared to </a:t>
+                </a:r>
+                <a:r>
+                  <a:rPr lang="en-US" i="1" dirty="0" smtClean="0">
+                    <a:latin typeface="Times New Roman" panose="02020603050405020304" pitchFamily="18" charset="0"/>
+                    <a:cs typeface="Times New Roman" panose="02020603050405020304" pitchFamily="18" charset="0"/>
+                  </a:rPr>
+                  <a:t>Satellite</a:t>
+                </a:r>
+                <a:r>
+                  <a:rPr lang="en-US" dirty="0" smtClean="0"/>
+                  <a:t> and </a:t>
+                </a:r>
+                <a:r>
+                  <a:rPr lang="en-US" i="1" dirty="0" smtClean="0">
+                    <a:latin typeface="Times New Roman" panose="02020603050405020304" pitchFamily="18" charset="0"/>
+                    <a:cs typeface="Times New Roman" panose="02020603050405020304" pitchFamily="18" charset="0"/>
+                  </a:rPr>
+                  <a:t>U-AIR</a:t>
+                </a:r>
+                <a:r>
+                  <a:rPr lang="en-US" dirty="0" smtClean="0"/>
+                  <a:t> , </a:t>
+                </a:r>
+                <a:r>
+                  <a:rPr lang="en-US" i="1" dirty="0" smtClean="0">
+                    <a:latin typeface="Times New Roman" panose="02020603050405020304" pitchFamily="18" charset="0"/>
+                    <a:cs typeface="Times New Roman" panose="02020603050405020304" pitchFamily="18" charset="0"/>
+                  </a:rPr>
+                  <a:t>Abalone</a:t>
+                </a:r>
+                <a:r>
+                  <a:rPr lang="en-US" dirty="0" smtClean="0"/>
+                  <a:t> with high </a:t>
+                </a:r>
+                <a14:m>
+                  <m:oMath xmlns:m="http://schemas.openxmlformats.org/officeDocument/2006/math">
+                    <m:r>
+                      <a:rPr lang="en-US" b="0" i="1" smtClean="0">
+                        <a:latin typeface="Cambria Math" panose="02040503050406030204" pitchFamily="18" charset="0"/>
+                      </a:rPr>
+                      <m:t>𝑟</m:t>
+                    </m:r>
+                    <m:d>
+                      <m:dPr>
+                        <m:ctrlPr>
+                          <a:rPr lang="en-US" b="0" i="1" smtClean="0">
+                            <a:latin typeface="Cambria Math" panose="02040503050406030204" pitchFamily="18" charset="0"/>
+                          </a:rPr>
+                        </m:ctrlPr>
+                      </m:dPr>
+                      <m:e>
+                        <m:r>
+                          <a:rPr lang="en-US" b="0" i="1" smtClean="0">
+                            <a:latin typeface="Cambria Math" panose="02040503050406030204" pitchFamily="18" charset="0"/>
+                          </a:rPr>
+                          <m:t>𝒟</m:t>
+                        </m:r>
+                      </m:e>
+                    </m:d>
+                  </m:oMath>
+                </a14:m>
+                <a:r>
+                  <a:rPr lang="en-US" dirty="0" smtClean="0"/>
+                  <a:t> and </a:t>
+                </a:r>
+                <a14:m>
+                  <m:oMath xmlns:m="http://schemas.openxmlformats.org/officeDocument/2006/math">
+                    <m:r>
+                      <a:rPr lang="en-US" b="0" i="1" smtClean="0">
+                        <a:latin typeface="Cambria Math" panose="02040503050406030204" pitchFamily="18" charset="0"/>
+                      </a:rPr>
+                      <m:t>𝑜</m:t>
+                    </m:r>
+                    <m:d>
+                      <m:dPr>
+                        <m:ctrlPr>
+                          <a:rPr lang="en-US" b="0" i="1" smtClean="0">
+                            <a:latin typeface="Cambria Math" panose="02040503050406030204" pitchFamily="18" charset="0"/>
+                          </a:rPr>
+                        </m:ctrlPr>
+                      </m:dPr>
+                      <m:e>
+                        <m:r>
+                          <a:rPr lang="en-US" b="0" i="1" smtClean="0">
+                            <a:latin typeface="Cambria Math" panose="02040503050406030204" pitchFamily="18" charset="0"/>
+                          </a:rPr>
+                          <m:t>𝒟</m:t>
+                        </m:r>
+                      </m:e>
+                    </m:d>
+                  </m:oMath>
+                </a14:m>
+                <a:r>
+                  <a:rPr lang="en-US" dirty="0" smtClean="0"/>
+                  <a:t> shows sampling’s superior to other methods due to a </a:t>
+                </a:r>
+                <a:r>
+                  <a:rPr lang="en-US" u="sng" dirty="0" smtClean="0"/>
+                  <a:t>biased trade-off to positive</a:t>
+                </a:r>
+                <a:r>
+                  <a:rPr lang="en-US" dirty="0" smtClean="0"/>
+                  <a:t> examples.</a:t>
+                </a:r>
+                <a:endParaRPr lang="en-US" dirty="0"/>
+              </a:p>
+            </p:txBody>
+          </p:sp>
+        </mc:Choice>
+        <mc:Fallback xmlns="">
+          <p:sp>
+            <p:nvSpPr>
+              <p:cNvPr id="5" name="TextBox 4"/>
+              <p:cNvSpPr txBox="1">
+                <a:spLocks noRot="1" noChangeAspect="1" noMove="1" noResize="1" noEditPoints="1" noAdjustHandles="1" noChangeArrowheads="1" noChangeShapeType="1" noTextEdit="1"/>
+              </p:cNvSpPr>
+              <p:nvPr/>
+            </p:nvSpPr>
+            <p:spPr>
+              <a:xfrm>
+                <a:off x="8428675" y="1556653"/>
+                <a:ext cx="3369905" cy="1477328"/>
+              </a:xfrm>
+              <a:prstGeom prst="rect">
+                <a:avLst/>
+              </a:prstGeom>
+              <a:blipFill>
+                <a:blip r:embed="rId6"/>
+                <a:stretch>
+                  <a:fillRect l="-1630" t="-2469" r="-1630" b="-5350"/>
+                </a:stretch>
+              </a:blipFill>
+            </p:spPr>
+            <p:txBody>
+              <a:bodyPr/>
+              <a:lstStyle/>
+              <a:p>
+                <a:r>
+                  <a:rPr lang="en-US">
+                    <a:noFill/>
+                  </a:rPr>
+                  <a:t> </a:t>
+                </a:r>
+              </a:p>
+            </p:txBody>
+          </p:sp>
+        </mc:Fallback>
+      </mc:AlternateContent>
+      <p:sp>
+        <p:nvSpPr>
+          <p:cNvPr id="31" name="文本框 51"/>
+          <p:cNvSpPr txBox="1"/>
+          <p:nvPr/>
+        </p:nvSpPr>
+        <p:spPr>
+          <a:xfrm>
+            <a:off x="9060071" y="176115"/>
+            <a:ext cx="2542299" cy="1077218"/>
+          </a:xfrm>
+          <a:prstGeom prst="rect">
+            <a:avLst/>
+          </a:prstGeom>
+          <a:noFill/>
+        </p:spPr>
+        <p:txBody>
+          <a:bodyPr wrap="none" rtlCol="0">
+            <a:spAutoFit/>
+          </a:bodyPr>
+          <a:lstStyle/>
+          <a:p>
+            <a:r>
+              <a:rPr lang="en-US" altLang="zh-CN" sz="4400" dirty="0" smtClean="0">
+                <a:latin typeface="+mj-lt"/>
+              </a:rPr>
+              <a:t>Results</a:t>
+            </a:r>
+          </a:p>
+          <a:p>
+            <a:r>
+              <a:rPr lang="en-US" altLang="zh-CN" sz="2000" dirty="0" smtClean="0">
+                <a:latin typeface="+mj-lt"/>
+              </a:rPr>
+              <a:t>supporting </a:t>
+            </a:r>
+            <a:r>
+              <a:rPr lang="en-US" altLang="zh-CN" sz="2000" i="1" dirty="0" smtClean="0">
+                <a:latin typeface="+mj-lt"/>
+              </a:rPr>
+              <a:t>Strategy (2)</a:t>
+            </a:r>
+            <a:endParaRPr lang="zh-CN" altLang="en-US" sz="4400" i="1" dirty="0">
+              <a:latin typeface="+mj-lt"/>
+            </a:endParaRPr>
+          </a:p>
+        </p:txBody>
+      </p:sp>
+    </p:spTree>
+    <p:extLst>
+      <p:ext uri="{BB962C8B-B14F-4D97-AF65-F5344CB8AC3E}">
+        <p14:creationId xmlns:p14="http://schemas.microsoft.com/office/powerpoint/2010/main" val="1398054738"/>
+      </p:ext>
+    </p:extLst>
+  </p:cSld>
+  <p:clrMapOvr>
+    <a:masterClrMapping/>
+  </p:clrMapOvr>
+  <p:timing>
+    <p:tnLst>
+      <p:par>
+        <p:cTn id="1" dur="indefinite" restart="never" nodeType="tmRoot"/>
+      </p:par>
+    </p:tnLst>
+  </p:timing>
+</p:sld>
+</file>
+
+<file path=ppt/slides/slide32.xml><?xml version="1.0" encoding="utf-8"?>
+<p:sld xmlns:a="http://schemas.openxmlformats.org/drawingml/2006/main" xmlns:r="http://schemas.openxmlformats.org/officeDocument/2006/relationships" xmlns:p="http://schemas.openxmlformats.org/presentationml/2006/main">
+  <p:cSld>
+    <p:spTree>
+      <p:nvGrpSpPr>
+        <p:cNvPr id="1" name=""/>
+        <p:cNvGrpSpPr/>
+        <p:nvPr/>
+      </p:nvGrpSpPr>
+      <p:grpSpPr>
+        <a:xfrm>
+          <a:off x="0" y="0"/>
+          <a:ext cx="0" cy="0"/>
+          <a:chOff x="0" y="0"/>
+          <a:chExt cx="0" cy="0"/>
+        </a:xfrm>
+      </p:grpSpPr>
+      <mc:AlternateContent xmlns:mc="http://schemas.openxmlformats.org/markup-compatibility/2006" xmlns:a14="http://schemas.microsoft.com/office/drawing/2010/main">
+        <mc:Choice Requires="a14">
+          <p:sp>
+            <p:nvSpPr>
+              <p:cNvPr id="2" name="Title 1"/>
+              <p:cNvSpPr>
+                <a:spLocks noGrp="1"/>
+              </p:cNvSpPr>
+              <p:nvPr>
+                <p:ph type="title"/>
+              </p:nvPr>
+            </p:nvSpPr>
+            <p:spPr>
+              <a:xfrm>
+                <a:off x="838200" y="0"/>
+                <a:ext cx="10515600" cy="1325563"/>
+              </a:xfrm>
+            </p:spPr>
+            <p:txBody>
+              <a:bodyPr/>
+              <a:lstStyle/>
+              <a:p>
+                <a:r>
+                  <a:rPr lang="en-US" dirty="0" smtClean="0"/>
+                  <a:t>Sampling on </a:t>
+                </a:r>
+                <a:r>
+                  <a:rPr lang="en-US" altLang="zh-CN" dirty="0"/>
+                  <a:t>High </a:t>
+                </a:r>
+                <a14:m>
+                  <m:oMath xmlns:m="http://schemas.openxmlformats.org/officeDocument/2006/math">
+                    <m:r>
+                      <a:rPr lang="en-US" altLang="zh-CN">
+                        <a:latin typeface="Cambria Math" panose="02040503050406030204" pitchFamily="18" charset="0"/>
+                      </a:rPr>
+                      <m:t>𝑟</m:t>
+                    </m:r>
+                    <m:d>
+                      <m:dPr>
+                        <m:ctrlPr>
+                          <a:rPr lang="en-US" altLang="zh-CN" i="1">
+                            <a:latin typeface="Cambria Math" panose="02040503050406030204" pitchFamily="18" charset="0"/>
+                          </a:rPr>
+                        </m:ctrlPr>
+                      </m:dPr>
+                      <m:e>
+                        <m:r>
+                          <a:rPr lang="en-US" altLang="zh-CN">
+                            <a:latin typeface="Cambria Math" panose="02040503050406030204" pitchFamily="18" charset="0"/>
+                          </a:rPr>
+                          <m:t>𝒟</m:t>
+                        </m:r>
+                      </m:e>
+                    </m:d>
+                  </m:oMath>
+                </a14:m>
+                <a:r>
+                  <a:rPr lang="zh-CN" altLang="en-US" dirty="0"/>
+                  <a:t> </a:t>
+                </a:r>
+                <a:r>
+                  <a:rPr lang="en-US" altLang="zh-CN" dirty="0"/>
+                  <a:t>and </a:t>
+                </a:r>
+                <a14:m>
+                  <m:oMath xmlns:m="http://schemas.openxmlformats.org/officeDocument/2006/math">
+                    <m:r>
+                      <a:rPr lang="en-US" altLang="zh-CN">
+                        <a:latin typeface="Cambria Math" panose="02040503050406030204" pitchFamily="18" charset="0"/>
+                      </a:rPr>
+                      <m:t>𝑜</m:t>
+                    </m:r>
+                    <m:d>
+                      <m:dPr>
+                        <m:ctrlPr>
+                          <a:rPr lang="en-US" altLang="zh-CN" i="1">
+                            <a:latin typeface="Cambria Math" panose="02040503050406030204" pitchFamily="18" charset="0"/>
+                          </a:rPr>
+                        </m:ctrlPr>
+                      </m:dPr>
+                      <m:e>
+                        <m:r>
+                          <a:rPr lang="en-US" altLang="zh-CN">
+                            <a:latin typeface="Cambria Math" panose="02040503050406030204" pitchFamily="18" charset="0"/>
+                          </a:rPr>
+                          <m:t>𝒟</m:t>
+                        </m:r>
+                      </m:e>
+                    </m:d>
+                  </m:oMath>
+                </a14:m>
+                <a:endParaRPr lang="en-US" dirty="0"/>
+              </a:p>
+            </p:txBody>
+          </p:sp>
+        </mc:Choice>
+        <mc:Fallback xmlns="">
+          <p:sp>
+            <p:nvSpPr>
+              <p:cNvPr id="2" name="Title 1"/>
+              <p:cNvSpPr>
+                <a:spLocks noGrp="1" noRot="1" noChangeAspect="1" noMove="1" noResize="1" noEditPoints="1" noAdjustHandles="1" noChangeArrowheads="1" noChangeShapeType="1" noTextEdit="1"/>
+              </p:cNvSpPr>
+              <p:nvPr>
+                <p:ph type="title"/>
+              </p:nvPr>
+            </p:nvSpPr>
+            <p:spPr>
+              <a:xfrm>
+                <a:off x="838200" y="0"/>
+                <a:ext cx="10515600" cy="1325563"/>
+              </a:xfrm>
+              <a:blipFill>
+                <a:blip r:embed="rId3"/>
+                <a:stretch>
+                  <a:fillRect l="-2377"/>
+                </a:stretch>
+              </a:blipFill>
+            </p:spPr>
+            <p:txBody>
+              <a:bodyPr/>
+              <a:lstStyle/>
+              <a:p>
+                <a:r>
+                  <a:rPr lang="en-US">
+                    <a:noFill/>
+                  </a:rPr>
+                  <a:t> </a:t>
+                </a:r>
+              </a:p>
+            </p:txBody>
+          </p:sp>
+        </mc:Fallback>
+      </mc:AlternateContent>
+      <p:pic>
+        <p:nvPicPr>
+          <p:cNvPr id="10" name="Picture 9"/>
+          <p:cNvPicPr>
+            <a:picLocks noChangeAspect="1"/>
+          </p:cNvPicPr>
+          <p:nvPr/>
+        </p:nvPicPr>
+        <p:blipFill>
+          <a:blip r:embed="rId4">
+            <a:extLst>
+              <a:ext uri="{28A0092B-C50C-407E-A947-70E740481C1C}">
+                <a14:useLocalDpi xmlns:a14="http://schemas.microsoft.com/office/drawing/2010/main" val="0"/>
+              </a:ext>
+            </a:extLst>
+          </a:blip>
+          <a:stretch>
+            <a:fillRect/>
+          </a:stretch>
+        </p:blipFill>
+        <p:spPr>
+          <a:xfrm>
+            <a:off x="600274" y="1325563"/>
+            <a:ext cx="4586928" cy="4208256"/>
+          </a:xfrm>
+          <a:prstGeom prst="rect">
+            <a:avLst/>
+          </a:prstGeom>
+        </p:spPr>
+      </p:pic>
+      <p:pic>
+        <p:nvPicPr>
+          <p:cNvPr id="12" name="Picture 11"/>
+          <p:cNvPicPr>
+            <a:picLocks noChangeAspect="1"/>
+          </p:cNvPicPr>
+          <p:nvPr/>
+        </p:nvPicPr>
+        <p:blipFill>
+          <a:blip r:embed="rId5">
+            <a:extLst>
+              <a:ext uri="{28A0092B-C50C-407E-A947-70E740481C1C}">
+                <a14:useLocalDpi xmlns:a14="http://schemas.microsoft.com/office/drawing/2010/main" val="0"/>
+              </a:ext>
+            </a:extLst>
+          </a:blip>
+          <a:stretch>
+            <a:fillRect/>
+          </a:stretch>
+        </p:blipFill>
+        <p:spPr>
+          <a:xfrm>
+            <a:off x="6766872" y="1325563"/>
+            <a:ext cx="4586928" cy="4208256"/>
+          </a:xfrm>
+          <a:prstGeom prst="rect">
+            <a:avLst/>
+          </a:prstGeom>
+        </p:spPr>
+      </p:pic>
+      <p:sp>
+        <p:nvSpPr>
+          <p:cNvPr id="13" name="TextBox 12"/>
+          <p:cNvSpPr txBox="1"/>
+          <p:nvPr/>
+        </p:nvSpPr>
+        <p:spPr>
+          <a:xfrm>
+            <a:off x="1447799" y="1325563"/>
+            <a:ext cx="2221698" cy="461665"/>
+          </a:xfrm>
+          <a:prstGeom prst="rect">
+            <a:avLst/>
+          </a:prstGeom>
+          <a:noFill/>
+        </p:spPr>
+        <p:txBody>
+          <a:bodyPr wrap="none" rtlCol="0">
+            <a:spAutoFit/>
+          </a:bodyPr>
+          <a:lstStyle/>
+          <a:p>
+            <a:r>
+              <a:rPr lang="en-US" sz="2400" dirty="0" smtClean="0"/>
+              <a:t>Before Sampling</a:t>
+            </a:r>
+            <a:endParaRPr lang="en-US" sz="2400" dirty="0"/>
+          </a:p>
+        </p:txBody>
+      </p:sp>
+      <p:sp>
+        <p:nvSpPr>
+          <p:cNvPr id="14" name="TextBox 13"/>
+          <p:cNvSpPr txBox="1"/>
+          <p:nvPr/>
+        </p:nvSpPr>
+        <p:spPr>
+          <a:xfrm>
+            <a:off x="7641770" y="1325563"/>
+            <a:ext cx="2029595" cy="461665"/>
+          </a:xfrm>
+          <a:prstGeom prst="rect">
+            <a:avLst/>
+          </a:prstGeom>
+          <a:noFill/>
+        </p:spPr>
+        <p:txBody>
+          <a:bodyPr wrap="none" rtlCol="0">
+            <a:spAutoFit/>
+          </a:bodyPr>
+          <a:lstStyle/>
+          <a:p>
+            <a:r>
+              <a:rPr lang="en-US" sz="2400" dirty="0" smtClean="0"/>
+              <a:t>After Sampling</a:t>
+            </a:r>
+            <a:endParaRPr lang="en-US" sz="2400" dirty="0"/>
+          </a:p>
+        </p:txBody>
+      </p:sp>
+      <p:sp>
+        <p:nvSpPr>
+          <p:cNvPr id="15" name="TextBox 14"/>
+          <p:cNvSpPr txBox="1"/>
+          <p:nvPr/>
+        </p:nvSpPr>
+        <p:spPr>
+          <a:xfrm>
+            <a:off x="2558648" y="5533818"/>
+            <a:ext cx="1507144" cy="646331"/>
+          </a:xfrm>
+          <a:prstGeom prst="rect">
+            <a:avLst/>
+          </a:prstGeom>
+          <a:noFill/>
+        </p:spPr>
+        <p:txBody>
+          <a:bodyPr wrap="none" rtlCol="0">
+            <a:spAutoFit/>
+          </a:bodyPr>
+          <a:lstStyle/>
+          <a:p>
+            <a:r>
+              <a:rPr lang="en-US" dirty="0" smtClean="0"/>
+              <a:t>TP rate:	23%</a:t>
+            </a:r>
+          </a:p>
+          <a:p>
+            <a:r>
+              <a:rPr lang="en-US" dirty="0" smtClean="0"/>
+              <a:t>TN rate:	95%</a:t>
+            </a:r>
+          </a:p>
+        </p:txBody>
+      </p:sp>
+      <p:sp>
+        <p:nvSpPr>
+          <p:cNvPr id="16" name="TextBox 15"/>
+          <p:cNvSpPr txBox="1"/>
+          <p:nvPr/>
+        </p:nvSpPr>
+        <p:spPr>
+          <a:xfrm>
+            <a:off x="8656567" y="5533817"/>
+            <a:ext cx="1507144" cy="646331"/>
+          </a:xfrm>
+          <a:prstGeom prst="rect">
+            <a:avLst/>
+          </a:prstGeom>
+          <a:noFill/>
+        </p:spPr>
+        <p:txBody>
+          <a:bodyPr wrap="none" rtlCol="0">
+            <a:spAutoFit/>
+          </a:bodyPr>
+          <a:lstStyle/>
+          <a:p>
+            <a:r>
+              <a:rPr lang="en-US" dirty="0" smtClean="0"/>
+              <a:t>TP rate:	81%</a:t>
+            </a:r>
+          </a:p>
+          <a:p>
+            <a:r>
+              <a:rPr lang="en-US" dirty="0" smtClean="0"/>
+              <a:t>TN rate:	93%</a:t>
+            </a:r>
+          </a:p>
+        </p:txBody>
+      </p:sp>
+    </p:spTree>
+    <p:extLst>
+      <p:ext uri="{BB962C8B-B14F-4D97-AF65-F5344CB8AC3E}">
+        <p14:creationId xmlns:p14="http://schemas.microsoft.com/office/powerpoint/2010/main" val="3201859437"/>
+      </p:ext>
+    </p:extLst>
+  </p:cSld>
+  <p:clrMapOvr>
+    <a:masterClrMapping/>
+  </p:clrMapOvr>
+  <p:timing>
+    <p:tnLst>
+      <p:par>
+        <p:cTn id="1" dur="indefinite" restart="never" nodeType="tmRoot"/>
+      </p:par>
+    </p:tnLst>
+  </p:timing>
+</p:sld>
+</file>
+
+<file path=ppt/slides/slide33.xml><?xml version="1.0" encoding="utf-8"?>
+<p:sld xmlns:a="http://schemas.openxmlformats.org/drawingml/2006/main" xmlns:r="http://schemas.openxmlformats.org/officeDocument/2006/relationships" xmlns:p="http://schemas.openxmlformats.org/presentationml/2006/main">
+  <p:cSld>
+    <p:spTree>
+      <p:nvGrpSpPr>
+        <p:cNvPr id="1" name=""/>
+        <p:cNvGrpSpPr/>
+        <p:nvPr/>
+      </p:nvGrpSpPr>
+      <p:grpSpPr>
+        <a:xfrm>
+          <a:off x="0" y="0"/>
+          <a:ext cx="0" cy="0"/>
+          <a:chOff x="0" y="0"/>
+          <a:chExt cx="0" cy="0"/>
+        </a:xfrm>
+      </p:grpSpPr>
+      <p:grpSp>
+        <p:nvGrpSpPr>
+          <p:cNvPr id="39" name="组合 38"/>
+          <p:cNvGrpSpPr/>
+          <p:nvPr/>
+        </p:nvGrpSpPr>
+        <p:grpSpPr>
+          <a:xfrm>
+            <a:off x="623953" y="1562844"/>
+            <a:ext cx="7517019" cy="3901778"/>
+            <a:chOff x="0" y="311284"/>
+            <a:chExt cx="7517019" cy="3901778"/>
+          </a:xfrm>
+        </p:grpSpPr>
+        <p:pic>
+          <p:nvPicPr>
+            <p:cNvPr id="35" name="图片 34"/>
+            <p:cNvPicPr>
+              <a:picLocks noChangeAspect="1"/>
+            </p:cNvPicPr>
+            <p:nvPr/>
+          </p:nvPicPr>
+          <p:blipFill>
+            <a:blip r:embed="rId2"/>
+            <a:stretch>
+              <a:fillRect/>
+            </a:stretch>
+          </p:blipFill>
+          <p:spPr>
+            <a:xfrm>
+              <a:off x="0" y="311284"/>
+              <a:ext cx="7517019" cy="3901778"/>
+            </a:xfrm>
+            <a:prstGeom prst="rect">
+              <a:avLst/>
+            </a:prstGeom>
+          </p:spPr>
+        </p:pic>
+        <p:cxnSp>
+          <p:nvCxnSpPr>
+            <p:cNvPr id="14" name="直接连接符 13"/>
+            <p:cNvCxnSpPr/>
+            <p:nvPr/>
+          </p:nvCxnSpPr>
+          <p:spPr>
+            <a:xfrm>
+              <a:off x="142229" y="3841232"/>
+              <a:ext cx="729673" cy="0"/>
+            </a:xfrm>
+            <a:prstGeom prst="line">
+              <a:avLst/>
+            </a:prstGeom>
+            <a:ln w="38100">
+              <a:solidFill>
+                <a:srgbClr val="FF0000"/>
+              </a:solidFill>
+            </a:ln>
+          </p:spPr>
+          <p:style>
+            <a:lnRef idx="1">
+              <a:schemeClr val="accent1"/>
+            </a:lnRef>
+            <a:fillRef idx="0">
+              <a:schemeClr val="accent1"/>
+            </a:fillRef>
+            <a:effectRef idx="0">
+              <a:schemeClr val="accent1"/>
+            </a:effectRef>
+            <a:fontRef idx="minor">
+              <a:schemeClr val="tx1"/>
+            </a:fontRef>
+          </p:style>
+        </p:cxnSp>
+      </p:grpSp>
+      <p:grpSp>
+        <p:nvGrpSpPr>
+          <p:cNvPr id="3" name="Group 2"/>
+          <p:cNvGrpSpPr/>
+          <p:nvPr/>
+        </p:nvGrpSpPr>
+        <p:grpSpPr>
+          <a:xfrm>
+            <a:off x="8140972" y="1158572"/>
+            <a:ext cx="3657608" cy="2743206"/>
+            <a:chOff x="8140972" y="1158572"/>
+            <a:chExt cx="3657608" cy="2743206"/>
+          </a:xfrm>
+        </p:grpSpPr>
+        <p:pic>
+          <p:nvPicPr>
+            <p:cNvPr id="2" name="Picture 1"/>
+            <p:cNvPicPr>
+              <a:picLocks noChangeAspect="1"/>
+            </p:cNvPicPr>
+            <p:nvPr/>
+          </p:nvPicPr>
+          <p:blipFill>
+            <a:blip r:embed="rId3">
+              <a:extLst>
+                <a:ext uri="{28A0092B-C50C-407E-A947-70E740481C1C}">
+                  <a14:useLocalDpi xmlns:a14="http://schemas.microsoft.com/office/drawing/2010/main" val="0"/>
+                </a:ext>
+              </a:extLst>
+            </a:blip>
+            <a:stretch>
+              <a:fillRect/>
+            </a:stretch>
+          </p:blipFill>
+          <p:spPr>
+            <a:xfrm>
+              <a:off x="8140972" y="1158572"/>
+              <a:ext cx="3657608" cy="2743206"/>
+            </a:xfrm>
+            <a:prstGeom prst="rect">
+              <a:avLst/>
+            </a:prstGeom>
+          </p:spPr>
+        </p:pic>
+        <p:sp>
+          <p:nvSpPr>
+            <p:cNvPr id="38" name="文本框 37"/>
+            <p:cNvSpPr txBox="1"/>
+            <p:nvPr/>
+          </p:nvSpPr>
+          <p:spPr>
+            <a:xfrm>
+              <a:off x="8832715" y="2268565"/>
+              <a:ext cx="1837362" cy="523220"/>
+            </a:xfrm>
+            <a:prstGeom prst="rect">
+              <a:avLst/>
+            </a:prstGeom>
+            <a:noFill/>
+          </p:spPr>
+          <p:txBody>
+            <a:bodyPr wrap="none" rtlCol="0">
+              <a:spAutoFit/>
+            </a:bodyPr>
+            <a:lstStyle/>
+            <a:p>
+              <a:r>
+                <a:rPr lang="en-US" altLang="zh-CN" sz="2800" i="1" dirty="0" smtClean="0">
+                  <a:latin typeface="Times New Roman" panose="02020603050405020304" pitchFamily="18" charset="0"/>
+                  <a:cs typeface="Times New Roman" panose="02020603050405020304" pitchFamily="18" charset="0"/>
+                </a:rPr>
+                <a:t>Satellite-20</a:t>
+              </a:r>
+              <a:endParaRPr lang="zh-CN" altLang="en-US" sz="2800" i="1" dirty="0">
+                <a:latin typeface="Times New Roman" panose="02020603050405020304" pitchFamily="18" charset="0"/>
+                <a:cs typeface="Times New Roman" panose="02020603050405020304" pitchFamily="18" charset="0"/>
+              </a:endParaRPr>
+            </a:p>
+          </p:txBody>
+        </p:sp>
+      </p:grpSp>
+      <p:sp>
+        <p:nvSpPr>
+          <p:cNvPr id="4" name="TextBox 3"/>
+          <p:cNvSpPr txBox="1"/>
+          <p:nvPr/>
+        </p:nvSpPr>
+        <p:spPr>
+          <a:xfrm>
+            <a:off x="8338457" y="4386943"/>
+            <a:ext cx="3853543" cy="1200329"/>
+          </a:xfrm>
+          <a:prstGeom prst="rect">
+            <a:avLst/>
+          </a:prstGeom>
+          <a:noFill/>
+        </p:spPr>
+        <p:txBody>
+          <a:bodyPr wrap="square" rtlCol="0">
+            <a:spAutoFit/>
+          </a:bodyPr>
+          <a:lstStyle/>
+          <a:p>
+            <a:r>
+              <a:rPr lang="en-US" dirty="0" smtClean="0"/>
+              <a:t>The comparison between </a:t>
+            </a:r>
+            <a:r>
+              <a:rPr lang="en-US" altLang="zh-CN" i="1" dirty="0" smtClean="0">
+                <a:latin typeface="Times New Roman" panose="02020603050405020304" pitchFamily="18" charset="0"/>
+                <a:cs typeface="Times New Roman" panose="02020603050405020304" pitchFamily="18" charset="0"/>
+              </a:rPr>
+              <a:t>Satellite</a:t>
+            </a:r>
+            <a:r>
+              <a:rPr lang="en-US" altLang="zh-CN" dirty="0" smtClean="0">
+                <a:cs typeface="Times New Roman" panose="02020603050405020304" pitchFamily="18" charset="0"/>
+              </a:rPr>
+              <a:t> and </a:t>
+            </a:r>
+            <a:r>
+              <a:rPr lang="en-US" altLang="zh-CN" i="1" dirty="0" smtClean="0">
+                <a:latin typeface="Times New Roman" panose="02020603050405020304" pitchFamily="18" charset="0"/>
+                <a:cs typeface="Times New Roman" panose="02020603050405020304" pitchFamily="18" charset="0"/>
+              </a:rPr>
+              <a:t>Satellite-20</a:t>
+            </a:r>
+            <a:r>
+              <a:rPr lang="en-US" altLang="zh-CN" dirty="0" smtClean="0">
+                <a:cs typeface="Times New Roman" panose="02020603050405020304" pitchFamily="18" charset="0"/>
+              </a:rPr>
+              <a:t> infers the robustness for SVDD to tackle with the lack of positive data.</a:t>
+            </a:r>
+            <a:endParaRPr lang="en-US" dirty="0"/>
+          </a:p>
+        </p:txBody>
+      </p:sp>
+      <p:sp>
+        <p:nvSpPr>
+          <p:cNvPr id="27" name="文本框 51"/>
+          <p:cNvSpPr txBox="1"/>
+          <p:nvPr/>
+        </p:nvSpPr>
+        <p:spPr>
+          <a:xfrm>
+            <a:off x="9060071" y="176115"/>
+            <a:ext cx="2542299" cy="1077218"/>
+          </a:xfrm>
+          <a:prstGeom prst="rect">
+            <a:avLst/>
+          </a:prstGeom>
+          <a:noFill/>
+        </p:spPr>
+        <p:txBody>
+          <a:bodyPr wrap="none" rtlCol="0">
+            <a:spAutoFit/>
+          </a:bodyPr>
+          <a:lstStyle/>
+          <a:p>
+            <a:r>
+              <a:rPr lang="en-US" altLang="zh-CN" sz="4400" dirty="0" smtClean="0">
+                <a:latin typeface="+mj-lt"/>
+              </a:rPr>
+              <a:t>Results</a:t>
+            </a:r>
+          </a:p>
+          <a:p>
+            <a:r>
+              <a:rPr lang="en-US" altLang="zh-CN" sz="2000" dirty="0" smtClean="0">
+                <a:latin typeface="+mj-lt"/>
+              </a:rPr>
+              <a:t>supporting </a:t>
+            </a:r>
+            <a:r>
+              <a:rPr lang="en-US" altLang="zh-CN" sz="2000" i="1" dirty="0" smtClean="0">
+                <a:latin typeface="+mj-lt"/>
+              </a:rPr>
+              <a:t>Strategy (4)</a:t>
+            </a:r>
+            <a:endParaRPr lang="zh-CN" altLang="en-US" sz="4400" i="1" dirty="0">
+              <a:latin typeface="+mj-lt"/>
+            </a:endParaRPr>
+          </a:p>
+        </p:txBody>
+      </p:sp>
+    </p:spTree>
+    <p:extLst>
+      <p:ext uri="{BB962C8B-B14F-4D97-AF65-F5344CB8AC3E}">
+        <p14:creationId xmlns:p14="http://schemas.microsoft.com/office/powerpoint/2010/main" val="164034727"/>
+      </p:ext>
+    </p:extLst>
+  </p:cSld>
+  <p:clrMapOvr>
+    <a:masterClrMapping/>
+  </p:clrMapOvr>
+  <p:timing>
+    <p:tnLst>
+      <p:par>
+        <p:cTn id="1" dur="indefinite" restart="never" nodeType="tmRoot"/>
+      </p:par>
+    </p:tnLst>
+  </p:timing>
+</p:sld>
+</file>
+
 <file path=ppt/slides/slide4.xml><?xml version="1.0" encoding="utf-8"?>
 <p:sld xmlns:a="http://schemas.openxmlformats.org/drawingml/2006/main" xmlns:r="http://schemas.openxmlformats.org/officeDocument/2006/relationships" xmlns:p="http://schemas.openxmlformats.org/presentationml/2006/main">
   <p:cSld>
@@ -35423,13 +41315,13 @@
           <a:p>
             <a:r>
               <a:rPr lang="en-US" dirty="0" smtClean="0"/>
-              <a:t>Details of the framework</a:t>
+              <a:t>Proposal: A Strategy to select technique</a:t>
             </a:r>
           </a:p>
           <a:p>
             <a:r>
-              <a:rPr lang="en-US" dirty="0" smtClean="0"/>
-              <a:t>Experiments</a:t>
+              <a:rPr lang="en-US" altLang="zh-CN" dirty="0"/>
+              <a:t>Experiments to verify proposal</a:t>
             </a:r>
             <a:endParaRPr lang="en-US" dirty="0"/>
           </a:p>

--- a/slides&notes/Learning on imbalanced data.pptx
+++ b/slides&notes/Learning on imbalanced data.pptx
@@ -5,7 +5,7 @@
     <p:sldMasterId id="2147483648" r:id="rId1"/>
   </p:sldMasterIdLst>
   <p:notesMasterIdLst>
-    <p:notesMasterId r:id="rId35"/>
+    <p:notesMasterId r:id="rId38"/>
   </p:notesMasterIdLst>
   <p:sldIdLst>
     <p:sldId id="256" r:id="rId2"/>
@@ -24,23 +24,26 @@
     <p:sldId id="268" r:id="rId15"/>
     <p:sldId id="269" r:id="rId16"/>
     <p:sldId id="295" r:id="rId17"/>
-    <p:sldId id="282" r:id="rId18"/>
-    <p:sldId id="297" r:id="rId19"/>
-    <p:sldId id="280" r:id="rId20"/>
-    <p:sldId id="283" r:id="rId21"/>
-    <p:sldId id="284" r:id="rId22"/>
-    <p:sldId id="285" r:id="rId23"/>
-    <p:sldId id="286" r:id="rId24"/>
-    <p:sldId id="287" r:id="rId25"/>
-    <p:sldId id="298" r:id="rId26"/>
-    <p:sldId id="288" r:id="rId27"/>
-    <p:sldId id="299" r:id="rId28"/>
-    <p:sldId id="289" r:id="rId29"/>
-    <p:sldId id="270" r:id="rId30"/>
-    <p:sldId id="294" r:id="rId31"/>
-    <p:sldId id="291" r:id="rId32"/>
-    <p:sldId id="293" r:id="rId33"/>
-    <p:sldId id="292" r:id="rId34"/>
+    <p:sldId id="300" r:id="rId18"/>
+    <p:sldId id="302" r:id="rId19"/>
+    <p:sldId id="301" r:id="rId20"/>
+    <p:sldId id="282" r:id="rId21"/>
+    <p:sldId id="297" r:id="rId22"/>
+    <p:sldId id="280" r:id="rId23"/>
+    <p:sldId id="283" r:id="rId24"/>
+    <p:sldId id="284" r:id="rId25"/>
+    <p:sldId id="285" r:id="rId26"/>
+    <p:sldId id="286" r:id="rId27"/>
+    <p:sldId id="287" r:id="rId28"/>
+    <p:sldId id="298" r:id="rId29"/>
+    <p:sldId id="288" r:id="rId30"/>
+    <p:sldId id="299" r:id="rId31"/>
+    <p:sldId id="289" r:id="rId32"/>
+    <p:sldId id="270" r:id="rId33"/>
+    <p:sldId id="294" r:id="rId34"/>
+    <p:sldId id="291" r:id="rId35"/>
+    <p:sldId id="293" r:id="rId36"/>
+    <p:sldId id="292" r:id="rId37"/>
   </p:sldIdLst>
   <p:sldSz cx="12192000" cy="6858000"/>
   <p:notesSz cx="6858000" cy="9144000"/>
@@ -14516,7 +14519,7 @@
           <a:p>
             <a:fld id="{EFE6CCCD-BB4B-4C24-B0F8-C4DB08BB7B4F}" type="datetimeFigureOut">
               <a:rPr lang="en-US" smtClean="0"/>
-              <a:t>6/15/2016</a:t>
+              <a:t>6/17/2016</a:t>
             </a:fld>
             <a:endParaRPr lang="en-US"/>
           </a:p>
@@ -14983,6 +14986,90 @@
       </p:grpSpPr>
       <p:sp>
         <p:nvSpPr>
+          <p:cNvPr id="2" name="幻灯片图像占位符 1"/>
+          <p:cNvSpPr>
+            <a:spLocks noGrp="1" noRot="1" noChangeAspect="1"/>
+          </p:cNvSpPr>
+          <p:nvPr>
+            <p:ph type="sldImg"/>
+          </p:nvPr>
+        </p:nvSpPr>
+        <p:spPr/>
+      </p:sp>
+      <p:sp>
+        <p:nvSpPr>
+          <p:cNvPr id="3" name="备注占位符 2"/>
+          <p:cNvSpPr>
+            <a:spLocks noGrp="1"/>
+          </p:cNvSpPr>
+          <p:nvPr>
+            <p:ph type="body" idx="1"/>
+          </p:nvPr>
+        </p:nvSpPr>
+        <p:spPr/>
+        <p:txBody>
+          <a:bodyPr/>
+          <a:lstStyle/>
+          <a:p>
+            <a:endParaRPr lang="zh-CN" altLang="en-US" dirty="0"/>
+          </a:p>
+        </p:txBody>
+      </p:sp>
+      <p:sp>
+        <p:nvSpPr>
+          <p:cNvPr id="4" name="灯片编号占位符 3"/>
+          <p:cNvSpPr>
+            <a:spLocks noGrp="1"/>
+          </p:cNvSpPr>
+          <p:nvPr>
+            <p:ph type="sldNum" sz="quarter" idx="10"/>
+          </p:nvPr>
+        </p:nvSpPr>
+        <p:spPr/>
+        <p:txBody>
+          <a:bodyPr/>
+          <a:lstStyle/>
+          <a:p>
+            <a:fld id="{73AA34B6-7285-4A51-B61C-142C8C922848}" type="slidenum">
+              <a:rPr lang="en-US" smtClean="0"/>
+              <a:t>16</a:t>
+            </a:fld>
+            <a:endParaRPr lang="en-US"/>
+          </a:p>
+        </p:txBody>
+      </p:sp>
+    </p:spTree>
+    <p:extLst>
+      <p:ext uri="{BB962C8B-B14F-4D97-AF65-F5344CB8AC3E}">
+        <p14:creationId xmlns:p14="http://schemas.microsoft.com/office/powerpoint/2010/main" val="805882578"/>
+      </p:ext>
+    </p:extLst>
+  </p:cSld>
+  <p:clrMapOvr>
+    <a:masterClrMapping/>
+  </p:clrMapOvr>
+</p:notes>
+</file>
+
+<file path=ppt/notesSlides/notesSlide4.xml><?xml version="1.0" encoding="utf-8"?>
+<p:notes xmlns:a="http://schemas.openxmlformats.org/drawingml/2006/main" xmlns:r="http://schemas.openxmlformats.org/officeDocument/2006/relationships" xmlns:p="http://schemas.openxmlformats.org/presentationml/2006/main">
+  <p:cSld>
+    <p:spTree>
+      <p:nvGrpSpPr>
+        <p:cNvPr id="1" name=""/>
+        <p:cNvGrpSpPr/>
+        <p:nvPr/>
+      </p:nvGrpSpPr>
+      <p:grpSpPr>
+        <a:xfrm>
+          <a:off x="0" y="0"/>
+          <a:ext cx="0" cy="0"/>
+          <a:chOff x="0" y="0"/>
+          <a:chExt cx="0" cy="0"/>
+        </a:xfrm>
+      </p:grpSpPr>
+      <p:sp>
+        <p:nvSpPr>
           <p:cNvPr id="2" name="Slide Image Placeholder 1"/>
           <p:cNvSpPr>
             <a:spLocks noGrp="1" noRot="1" noChangeAspect="1"/>
@@ -15029,7 +15116,7 @@
           <a:p>
             <a:fld id="{73AA34B6-7285-4A51-B61C-142C8C922848}" type="slidenum">
               <a:rPr lang="en-US" smtClean="0"/>
-              <a:t>32</a:t>
+              <a:t>35</a:t>
             </a:fld>
             <a:endParaRPr lang="en-US"/>
           </a:p>
@@ -15179,7 +15266,7 @@
           <a:p>
             <a:fld id="{E53C87ED-EC79-4D1E-A771-3ECE4BB9BC6B}" type="datetimeFigureOut">
               <a:rPr lang="en-US" smtClean="0"/>
-              <a:t>6/15/2016</a:t>
+              <a:t>6/17/2016</a:t>
             </a:fld>
             <a:endParaRPr lang="en-US"/>
           </a:p>
@@ -15349,7 +15436,7 @@
           <a:p>
             <a:fld id="{E53C87ED-EC79-4D1E-A771-3ECE4BB9BC6B}" type="datetimeFigureOut">
               <a:rPr lang="en-US" smtClean="0"/>
-              <a:t>6/15/2016</a:t>
+              <a:t>6/17/2016</a:t>
             </a:fld>
             <a:endParaRPr lang="en-US"/>
           </a:p>
@@ -15529,7 +15616,7 @@
           <a:p>
             <a:fld id="{E53C87ED-EC79-4D1E-A771-3ECE4BB9BC6B}" type="datetimeFigureOut">
               <a:rPr lang="en-US" smtClean="0"/>
-              <a:t>6/15/2016</a:t>
+              <a:t>6/17/2016</a:t>
             </a:fld>
             <a:endParaRPr lang="en-US"/>
           </a:p>
@@ -15699,7 +15786,7 @@
           <a:p>
             <a:fld id="{E53C87ED-EC79-4D1E-A771-3ECE4BB9BC6B}" type="datetimeFigureOut">
               <a:rPr lang="en-US" smtClean="0"/>
-              <a:t>6/15/2016</a:t>
+              <a:t>6/17/2016</a:t>
             </a:fld>
             <a:endParaRPr lang="en-US"/>
           </a:p>
@@ -15945,7 +16032,7 @@
           <a:p>
             <a:fld id="{E53C87ED-EC79-4D1E-A771-3ECE4BB9BC6B}" type="datetimeFigureOut">
               <a:rPr lang="en-US" smtClean="0"/>
-              <a:t>6/15/2016</a:t>
+              <a:t>6/17/2016</a:t>
             </a:fld>
             <a:endParaRPr lang="en-US"/>
           </a:p>
@@ -16177,7 +16264,7 @@
           <a:p>
             <a:fld id="{E53C87ED-EC79-4D1E-A771-3ECE4BB9BC6B}" type="datetimeFigureOut">
               <a:rPr lang="en-US" smtClean="0"/>
-              <a:t>6/15/2016</a:t>
+              <a:t>6/17/2016</a:t>
             </a:fld>
             <a:endParaRPr lang="en-US"/>
           </a:p>
@@ -16544,7 +16631,7 @@
           <a:p>
             <a:fld id="{E53C87ED-EC79-4D1E-A771-3ECE4BB9BC6B}" type="datetimeFigureOut">
               <a:rPr lang="en-US" smtClean="0"/>
-              <a:t>6/15/2016</a:t>
+              <a:t>6/17/2016</a:t>
             </a:fld>
             <a:endParaRPr lang="en-US"/>
           </a:p>
@@ -16662,7 +16749,7 @@
           <a:p>
             <a:fld id="{E53C87ED-EC79-4D1E-A771-3ECE4BB9BC6B}" type="datetimeFigureOut">
               <a:rPr lang="en-US" smtClean="0"/>
-              <a:t>6/15/2016</a:t>
+              <a:t>6/17/2016</a:t>
             </a:fld>
             <a:endParaRPr lang="en-US"/>
           </a:p>
@@ -16757,7 +16844,7 @@
           <a:p>
             <a:fld id="{E53C87ED-EC79-4D1E-A771-3ECE4BB9BC6B}" type="datetimeFigureOut">
               <a:rPr lang="en-US" smtClean="0"/>
-              <a:t>6/15/2016</a:t>
+              <a:t>6/17/2016</a:t>
             </a:fld>
             <a:endParaRPr lang="en-US"/>
           </a:p>
@@ -17034,7 +17121,7 @@
           <a:p>
             <a:fld id="{E53C87ED-EC79-4D1E-A771-3ECE4BB9BC6B}" type="datetimeFigureOut">
               <a:rPr lang="en-US" smtClean="0"/>
-              <a:t>6/15/2016</a:t>
+              <a:t>6/17/2016</a:t>
             </a:fld>
             <a:endParaRPr lang="en-US"/>
           </a:p>
@@ -17287,7 +17374,7 @@
           <a:p>
             <a:fld id="{E53C87ED-EC79-4D1E-A771-3ECE4BB9BC6B}" type="datetimeFigureOut">
               <a:rPr lang="en-US" smtClean="0"/>
-              <a:t>6/15/2016</a:t>
+              <a:t>6/17/2016</a:t>
             </a:fld>
             <a:endParaRPr lang="en-US"/>
           </a:p>
@@ -17500,7 +17587,7 @@
           <a:p>
             <a:fld id="{E53C87ED-EC79-4D1E-A771-3ECE4BB9BC6B}" type="datetimeFigureOut">
               <a:rPr lang="en-US" smtClean="0"/>
-              <a:t>6/15/2016</a:t>
+              <a:t>6/17/2016</a:t>
             </a:fld>
             <a:endParaRPr lang="en-US"/>
           </a:p>
@@ -23401,7 +23488,7 @@
                 <a:ext cx="5041055" cy="4859396"/>
               </a:xfrm>
               <a:blipFill>
-                <a:blip r:embed="rId2"/>
+                <a:blip r:embed="rId3"/>
                 <a:stretch>
                   <a:fillRect l="-2179" t="-2008" r="-1937"/>
                 </a:stretch>
@@ -23431,7 +23518,7 @@
           <p:nvPr/>
         </p:nvPicPr>
         <p:blipFill>
-          <a:blip r:embed="rId3">
+          <a:blip r:embed="rId4">
             <a:extLst>
               <a:ext uri="{28A0092B-C50C-407E-A947-70E740481C1C}">
                 <a14:useLocalDpi xmlns:a14="http://schemas.microsoft.com/office/drawing/2010/main" val="0"/>
@@ -23831,7 +23918,7 @@
         </p:nvGrpSpPr>
         <p:grpSpPr>
           <a:xfrm>
-            <a:off x="6659960" y="4892762"/>
+            <a:off x="6517843" y="4803072"/>
             <a:ext cx="2026709" cy="1770339"/>
             <a:chOff x="6550232" y="4892762"/>
             <a:chExt cx="2026709" cy="1770339"/>
@@ -24516,7 +24603,7 @@
                   <a:avLst/>
                 </a:prstGeom>
                 <a:blipFill>
-                  <a:blip r:embed="rId4"/>
+                  <a:blip r:embed="rId5"/>
                   <a:stretch>
                     <a:fillRect/>
                   </a:stretch>
@@ -24748,10 +24835,10 @@
         </p:nvGrpSpPr>
         <p:grpSpPr>
           <a:xfrm>
-            <a:off x="9230052" y="4638543"/>
-            <a:ext cx="2912126" cy="2200552"/>
+            <a:off x="8732812" y="4540979"/>
+            <a:ext cx="2910624" cy="2200552"/>
             <a:chOff x="9230052" y="4638543"/>
-            <a:chExt cx="2912126" cy="2200552"/>
+            <a:chExt cx="2910624" cy="2200552"/>
           </a:xfrm>
         </p:grpSpPr>
         <p:cxnSp>
@@ -25242,7 +25329,7 @@
               </p:nvSpPr>
               <p:spPr>
                 <a:xfrm>
-                  <a:off x="10013325" y="5860765"/>
+                  <a:off x="10011823" y="5804800"/>
                   <a:ext cx="2128853" cy="809068"/>
                 </a:xfrm>
                 <a:prstGeom prst="rect">
@@ -25466,14 +25553,14 @@
               </p:nvSpPr>
               <p:spPr>
                 <a:xfrm>
-                  <a:off x="10013325" y="5860765"/>
+                  <a:off x="10011823" y="5804800"/>
                   <a:ext cx="2128853" cy="809068"/>
                 </a:xfrm>
                 <a:prstGeom prst="rect">
                   <a:avLst/>
                 </a:prstGeom>
                 <a:blipFill>
-                  <a:blip r:embed="rId5"/>
+                  <a:blip r:embed="rId6"/>
                   <a:stretch>
                     <a:fillRect/>
                   </a:stretch>
@@ -25484,7 +25571,7 @@
                 <a:lstStyle/>
                 <a:p>
                   <a:r>
-                    <a:rPr lang="en-US">
+                    <a:rPr lang="zh-CN" altLang="en-US">
                       <a:noFill/>
                     </a:rPr>
                     <a:t> </a:t>
@@ -26169,6 +26256,2889 @@
 </file>
 
 <file path=ppt/slides/slide17.xml><?xml version="1.0" encoding="utf-8"?>
+<p:sld xmlns:a="http://schemas.openxmlformats.org/drawingml/2006/main" xmlns:r="http://schemas.openxmlformats.org/officeDocument/2006/relationships" xmlns:p="http://schemas.openxmlformats.org/presentationml/2006/main">
+  <p:cSld>
+    <p:spTree>
+      <p:nvGrpSpPr>
+        <p:cNvPr id="1" name=""/>
+        <p:cNvGrpSpPr/>
+        <p:nvPr/>
+      </p:nvGrpSpPr>
+      <p:grpSpPr>
+        <a:xfrm>
+          <a:off x="0" y="0"/>
+          <a:ext cx="0" cy="0"/>
+          <a:chOff x="0" y="0"/>
+          <a:chExt cx="0" cy="0"/>
+        </a:xfrm>
+      </p:grpSpPr>
+      <p:grpSp>
+        <p:nvGrpSpPr>
+          <p:cNvPr id="84" name="组合 83"/>
+          <p:cNvGrpSpPr/>
+          <p:nvPr/>
+        </p:nvGrpSpPr>
+        <p:grpSpPr>
+          <a:xfrm>
+            <a:off x="193964" y="281998"/>
+            <a:ext cx="8592050" cy="4500789"/>
+            <a:chOff x="193964" y="281998"/>
+            <a:chExt cx="8592050" cy="4500789"/>
+          </a:xfrm>
+        </p:grpSpPr>
+        <p:grpSp>
+          <p:nvGrpSpPr>
+            <p:cNvPr id="77" name="组合 76"/>
+            <p:cNvGrpSpPr/>
+            <p:nvPr/>
+          </p:nvGrpSpPr>
+          <p:grpSpPr>
+            <a:xfrm>
+              <a:off x="5907978" y="720426"/>
+              <a:ext cx="2775892" cy="1153541"/>
+              <a:chOff x="5907978" y="720426"/>
+              <a:chExt cx="2775892" cy="1153541"/>
+            </a:xfrm>
+          </p:grpSpPr>
+          <p:grpSp>
+            <p:nvGrpSpPr>
+              <p:cNvPr id="74" name="组合 73"/>
+              <p:cNvGrpSpPr/>
+              <p:nvPr/>
+            </p:nvGrpSpPr>
+            <p:grpSpPr>
+              <a:xfrm>
+                <a:off x="5907978" y="720426"/>
+                <a:ext cx="1310083" cy="913713"/>
+                <a:chOff x="5907978" y="720426"/>
+                <a:chExt cx="1310083" cy="913713"/>
+              </a:xfrm>
+            </p:grpSpPr>
+            <p:sp>
+              <p:nvSpPr>
+                <p:cNvPr id="42" name="五角星 10"/>
+                <p:cNvSpPr/>
+                <p:nvPr/>
+              </p:nvSpPr>
+              <p:spPr>
+                <a:xfrm>
+                  <a:off x="5907978" y="1165046"/>
+                  <a:ext cx="201040" cy="201040"/>
+                </a:xfrm>
+                <a:prstGeom prst="star5">
+                  <a:avLst/>
+                </a:prstGeom>
+                <a:solidFill>
+                  <a:srgbClr val="008000"/>
+                </a:solidFill>
+                <a:ln>
+                  <a:noFill/>
+                </a:ln>
+              </p:spPr>
+              <p:style>
+                <a:lnRef idx="2">
+                  <a:schemeClr val="accent1">
+                    <a:shade val="50000"/>
+                  </a:schemeClr>
+                </a:lnRef>
+                <a:fillRef idx="1">
+                  <a:schemeClr val="accent1"/>
+                </a:fillRef>
+                <a:effectRef idx="0">
+                  <a:schemeClr val="accent1"/>
+                </a:effectRef>
+                <a:fontRef idx="minor">
+                  <a:schemeClr val="lt1"/>
+                </a:fontRef>
+              </p:style>
+              <p:txBody>
+                <a:bodyPr rtlCol="0" anchor="ctr"/>
+                <a:lstStyle/>
+                <a:p>
+                  <a:pPr algn="ctr"/>
+                  <a:endParaRPr lang="zh-CN" altLang="en-US"/>
+                </a:p>
+              </p:txBody>
+            </p:sp>
+            <p:sp>
+              <p:nvSpPr>
+                <p:cNvPr id="43" name="五角星 13"/>
+                <p:cNvSpPr/>
+                <p:nvPr/>
+              </p:nvSpPr>
+              <p:spPr>
+                <a:xfrm>
+                  <a:off x="6544605" y="1423550"/>
+                  <a:ext cx="201040" cy="201040"/>
+                </a:xfrm>
+                <a:prstGeom prst="star5">
+                  <a:avLst/>
+                </a:prstGeom>
+                <a:solidFill>
+                  <a:srgbClr val="FF0000"/>
+                </a:solidFill>
+                <a:ln>
+                  <a:noFill/>
+                </a:ln>
+              </p:spPr>
+              <p:style>
+                <a:lnRef idx="2">
+                  <a:schemeClr val="accent1">
+                    <a:shade val="50000"/>
+                  </a:schemeClr>
+                </a:lnRef>
+                <a:fillRef idx="1">
+                  <a:schemeClr val="accent1"/>
+                </a:fillRef>
+                <a:effectRef idx="0">
+                  <a:schemeClr val="accent1"/>
+                </a:effectRef>
+                <a:fontRef idx="minor">
+                  <a:schemeClr val="lt1"/>
+                </a:fontRef>
+              </p:style>
+              <p:txBody>
+                <a:bodyPr rtlCol="0" anchor="ctr"/>
+                <a:lstStyle/>
+                <a:p>
+                  <a:pPr algn="ctr"/>
+                  <a:endParaRPr lang="zh-CN" altLang="en-US"/>
+                </a:p>
+              </p:txBody>
+            </p:sp>
+            <p:sp>
+              <p:nvSpPr>
+                <p:cNvPr id="44" name="五角星 15"/>
+                <p:cNvSpPr/>
+                <p:nvPr/>
+              </p:nvSpPr>
+              <p:spPr>
+                <a:xfrm>
+                  <a:off x="6072181" y="1433099"/>
+                  <a:ext cx="201040" cy="201040"/>
+                </a:xfrm>
+                <a:prstGeom prst="star5">
+                  <a:avLst/>
+                </a:prstGeom>
+                <a:solidFill>
+                  <a:srgbClr val="008000"/>
+                </a:solidFill>
+                <a:ln>
+                  <a:noFill/>
+                </a:ln>
+              </p:spPr>
+              <p:style>
+                <a:lnRef idx="2">
+                  <a:schemeClr val="accent1">
+                    <a:shade val="50000"/>
+                  </a:schemeClr>
+                </a:lnRef>
+                <a:fillRef idx="1">
+                  <a:schemeClr val="accent1"/>
+                </a:fillRef>
+                <a:effectRef idx="0">
+                  <a:schemeClr val="accent1"/>
+                </a:effectRef>
+                <a:fontRef idx="minor">
+                  <a:schemeClr val="lt1"/>
+                </a:fontRef>
+              </p:style>
+              <p:txBody>
+                <a:bodyPr rtlCol="0" anchor="ctr"/>
+                <a:lstStyle/>
+                <a:p>
+                  <a:pPr algn="ctr"/>
+                  <a:endParaRPr lang="zh-CN" altLang="en-US"/>
+                </a:p>
+              </p:txBody>
+            </p:sp>
+            <p:cxnSp>
+              <p:nvCxnSpPr>
+                <p:cNvPr id="45" name="Straight Connector 46"/>
+                <p:cNvCxnSpPr>
+                  <a:stCxn id="43" idx="1"/>
+                  <a:endCxn id="44" idx="4"/>
+                </p:cNvCxnSpPr>
+                <p:nvPr/>
+              </p:nvCxnSpPr>
+              <p:spPr>
+                <a:xfrm flipH="1">
+                  <a:off x="6273221" y="1500340"/>
+                  <a:ext cx="271384" cy="9549"/>
+                </a:xfrm>
+                <a:prstGeom prst="line">
+                  <a:avLst/>
+                </a:prstGeom>
+                <a:ln w="12700">
+                  <a:solidFill>
+                    <a:schemeClr val="tx1"/>
+                  </a:solidFill>
+                </a:ln>
+              </p:spPr>
+              <p:style>
+                <a:lnRef idx="1">
+                  <a:schemeClr val="accent1"/>
+                </a:lnRef>
+                <a:fillRef idx="0">
+                  <a:schemeClr val="accent1"/>
+                </a:fillRef>
+                <a:effectRef idx="0">
+                  <a:schemeClr val="accent1"/>
+                </a:effectRef>
+                <a:fontRef idx="minor">
+                  <a:schemeClr val="tx1"/>
+                </a:fontRef>
+              </p:style>
+            </p:cxnSp>
+            <p:cxnSp>
+              <p:nvCxnSpPr>
+                <p:cNvPr id="46" name="Straight Connector 47"/>
+                <p:cNvCxnSpPr>
+                  <a:stCxn id="42" idx="4"/>
+                  <a:endCxn id="43" idx="1"/>
+                </p:cNvCxnSpPr>
+                <p:nvPr/>
+              </p:nvCxnSpPr>
+              <p:spPr>
+                <a:xfrm>
+                  <a:off x="6109018" y="1241836"/>
+                  <a:ext cx="435587" cy="258504"/>
+                </a:xfrm>
+                <a:prstGeom prst="line">
+                  <a:avLst/>
+                </a:prstGeom>
+                <a:ln w="12700">
+                  <a:solidFill>
+                    <a:schemeClr val="tx1"/>
+                  </a:solidFill>
+                </a:ln>
+              </p:spPr>
+              <p:style>
+                <a:lnRef idx="1">
+                  <a:schemeClr val="accent1"/>
+                </a:lnRef>
+                <a:fillRef idx="0">
+                  <a:schemeClr val="accent1"/>
+                </a:fillRef>
+                <a:effectRef idx="0">
+                  <a:schemeClr val="accent1"/>
+                </a:effectRef>
+                <a:fontRef idx="minor">
+                  <a:schemeClr val="tx1"/>
+                </a:fontRef>
+              </p:style>
+            </p:cxnSp>
+            <p:cxnSp>
+              <p:nvCxnSpPr>
+                <p:cNvPr id="47" name="Straight Connector 48"/>
+                <p:cNvCxnSpPr>
+                  <a:stCxn id="43" idx="0"/>
+                </p:cNvCxnSpPr>
+                <p:nvPr/>
+              </p:nvCxnSpPr>
+              <p:spPr>
+                <a:xfrm flipV="1">
+                  <a:off x="6645125" y="952114"/>
+                  <a:ext cx="85432" cy="471436"/>
+                </a:xfrm>
+                <a:prstGeom prst="line">
+                  <a:avLst/>
+                </a:prstGeom>
+                <a:ln w="12700">
+                  <a:solidFill>
+                    <a:schemeClr val="tx1"/>
+                  </a:solidFill>
+                </a:ln>
+              </p:spPr>
+              <p:style>
+                <a:lnRef idx="1">
+                  <a:schemeClr val="accent1"/>
+                </a:lnRef>
+                <a:fillRef idx="0">
+                  <a:schemeClr val="accent1"/>
+                </a:fillRef>
+                <a:effectRef idx="0">
+                  <a:schemeClr val="accent1"/>
+                </a:effectRef>
+                <a:fontRef idx="minor">
+                  <a:schemeClr val="tx1"/>
+                </a:fontRef>
+              </p:style>
+            </p:cxnSp>
+            <p:cxnSp>
+              <p:nvCxnSpPr>
+                <p:cNvPr id="48" name="Straight Connector 49"/>
+                <p:cNvCxnSpPr>
+                  <a:stCxn id="43" idx="0"/>
+                </p:cNvCxnSpPr>
+                <p:nvPr/>
+              </p:nvCxnSpPr>
+              <p:spPr>
+                <a:xfrm flipV="1">
+                  <a:off x="6645125" y="1066414"/>
+                  <a:ext cx="170864" cy="357136"/>
+                </a:xfrm>
+                <a:prstGeom prst="line">
+                  <a:avLst/>
+                </a:prstGeom>
+                <a:ln w="12700">
+                  <a:solidFill>
+                    <a:schemeClr val="tx1"/>
+                  </a:solidFill>
+                </a:ln>
+              </p:spPr>
+              <p:style>
+                <a:lnRef idx="1">
+                  <a:schemeClr val="accent1"/>
+                </a:lnRef>
+                <a:fillRef idx="0">
+                  <a:schemeClr val="accent1"/>
+                </a:fillRef>
+                <a:effectRef idx="0">
+                  <a:schemeClr val="accent1"/>
+                </a:effectRef>
+                <a:fontRef idx="minor">
+                  <a:schemeClr val="tx1"/>
+                </a:fontRef>
+              </p:style>
+            </p:cxnSp>
+            <p:cxnSp>
+              <p:nvCxnSpPr>
+                <p:cNvPr id="49" name="Straight Connector 50"/>
+                <p:cNvCxnSpPr>
+                  <a:stCxn id="43" idx="0"/>
+                </p:cNvCxnSpPr>
+                <p:nvPr/>
+              </p:nvCxnSpPr>
+              <p:spPr>
+                <a:xfrm flipV="1">
+                  <a:off x="6645125" y="1066414"/>
+                  <a:ext cx="371904" cy="357136"/>
+                </a:xfrm>
+                <a:prstGeom prst="line">
+                  <a:avLst/>
+                </a:prstGeom>
+                <a:ln w="12700">
+                  <a:solidFill>
+                    <a:schemeClr val="tx1"/>
+                  </a:solidFill>
+                </a:ln>
+              </p:spPr>
+              <p:style>
+                <a:lnRef idx="1">
+                  <a:schemeClr val="accent1"/>
+                </a:lnRef>
+                <a:fillRef idx="0">
+                  <a:schemeClr val="accent1"/>
+                </a:fillRef>
+                <a:effectRef idx="0">
+                  <a:schemeClr val="accent1"/>
+                </a:effectRef>
+                <a:fontRef idx="minor">
+                  <a:schemeClr val="tx1"/>
+                </a:fontRef>
+              </p:style>
+            </p:cxnSp>
+            <p:sp>
+              <p:nvSpPr>
+                <p:cNvPr id="50" name="Oval 51"/>
+                <p:cNvSpPr/>
+                <p:nvPr/>
+              </p:nvSpPr>
+              <p:spPr>
+                <a:xfrm>
+                  <a:off x="6632932" y="720426"/>
+                  <a:ext cx="225425" cy="225425"/>
+                </a:xfrm>
+                <a:prstGeom prst="ellipse">
+                  <a:avLst/>
+                </a:prstGeom>
+                <a:solidFill>
+                  <a:srgbClr val="0000FF"/>
+                </a:solidFill>
+                <a:ln>
+                  <a:noFill/>
+                </a:ln>
+              </p:spPr>
+              <p:style>
+                <a:lnRef idx="2">
+                  <a:schemeClr val="accent1">
+                    <a:shade val="50000"/>
+                  </a:schemeClr>
+                </a:lnRef>
+                <a:fillRef idx="1">
+                  <a:schemeClr val="accent1"/>
+                </a:fillRef>
+                <a:effectRef idx="0">
+                  <a:schemeClr val="accent1"/>
+                </a:effectRef>
+                <a:fontRef idx="minor">
+                  <a:schemeClr val="lt1"/>
+                </a:fontRef>
+              </p:style>
+              <p:txBody>
+                <a:bodyPr rtlCol="0" anchor="ctr"/>
+                <a:lstStyle/>
+                <a:p>
+                  <a:pPr algn="ctr"/>
+                  <a:endParaRPr lang="en-US"/>
+                </a:p>
+              </p:txBody>
+            </p:sp>
+            <p:sp>
+              <p:nvSpPr>
+                <p:cNvPr id="51" name="Oval 52"/>
+                <p:cNvSpPr/>
+                <p:nvPr/>
+              </p:nvSpPr>
+              <p:spPr>
+                <a:xfrm>
+                  <a:off x="6745644" y="859986"/>
+                  <a:ext cx="225425" cy="225425"/>
+                </a:xfrm>
+                <a:prstGeom prst="ellipse">
+                  <a:avLst/>
+                </a:prstGeom>
+                <a:solidFill>
+                  <a:srgbClr val="0000FF"/>
+                </a:solidFill>
+                <a:ln>
+                  <a:noFill/>
+                </a:ln>
+              </p:spPr>
+              <p:style>
+                <a:lnRef idx="2">
+                  <a:schemeClr val="accent1">
+                    <a:shade val="50000"/>
+                  </a:schemeClr>
+                </a:lnRef>
+                <a:fillRef idx="1">
+                  <a:schemeClr val="accent1"/>
+                </a:fillRef>
+                <a:effectRef idx="0">
+                  <a:schemeClr val="accent1"/>
+                </a:effectRef>
+                <a:fontRef idx="minor">
+                  <a:schemeClr val="lt1"/>
+                </a:fontRef>
+              </p:style>
+              <p:txBody>
+                <a:bodyPr rtlCol="0" anchor="ctr"/>
+                <a:lstStyle/>
+                <a:p>
+                  <a:pPr algn="ctr"/>
+                  <a:endParaRPr lang="en-US"/>
+                </a:p>
+              </p:txBody>
+            </p:sp>
+            <p:sp>
+              <p:nvSpPr>
+                <p:cNvPr id="52" name="Oval 53"/>
+                <p:cNvSpPr/>
+                <p:nvPr/>
+              </p:nvSpPr>
+              <p:spPr>
+                <a:xfrm>
+                  <a:off x="6992636" y="859986"/>
+                  <a:ext cx="225425" cy="225425"/>
+                </a:xfrm>
+                <a:prstGeom prst="ellipse">
+                  <a:avLst/>
+                </a:prstGeom>
+                <a:solidFill>
+                  <a:srgbClr val="0000FF"/>
+                </a:solidFill>
+                <a:ln>
+                  <a:noFill/>
+                </a:ln>
+              </p:spPr>
+              <p:style>
+                <a:lnRef idx="2">
+                  <a:schemeClr val="accent1">
+                    <a:shade val="50000"/>
+                  </a:schemeClr>
+                </a:lnRef>
+                <a:fillRef idx="1">
+                  <a:schemeClr val="accent1"/>
+                </a:fillRef>
+                <a:effectRef idx="0">
+                  <a:schemeClr val="accent1"/>
+                </a:effectRef>
+                <a:fontRef idx="minor">
+                  <a:schemeClr val="lt1"/>
+                </a:fontRef>
+              </p:style>
+              <p:txBody>
+                <a:bodyPr rtlCol="0" anchor="ctr"/>
+                <a:lstStyle/>
+                <a:p>
+                  <a:pPr algn="ctr"/>
+                  <a:endParaRPr lang="en-US"/>
+                </a:p>
+              </p:txBody>
+            </p:sp>
+          </p:grpSp>
+          <mc:AlternateContent xmlns:mc="http://schemas.openxmlformats.org/markup-compatibility/2006" xmlns:a14="http://schemas.microsoft.com/office/drawing/2010/main">
+            <mc:Choice Requires="a14">
+              <p:sp>
+                <p:nvSpPr>
+                  <p:cNvPr id="53" name="Rectangle 55"/>
+                  <p:cNvSpPr/>
+                  <p:nvPr/>
+                </p:nvSpPr>
+                <p:spPr>
+                  <a:xfrm>
+                    <a:off x="6657161" y="1071631"/>
+                    <a:ext cx="2026709" cy="802336"/>
+                  </a:xfrm>
+                  <a:prstGeom prst="rect">
+                    <a:avLst/>
+                  </a:prstGeom>
+                </p:spPr>
+                <p:txBody>
+                  <a:bodyPr wrap="none">
+                    <a:spAutoFit/>
+                  </a:bodyPr>
+                  <a:lstStyle/>
+                  <a:p>
+                    <a:pPr/>
+                    <a14:m>
+                      <m:oMathPara xmlns:m="http://schemas.openxmlformats.org/officeDocument/2006/math">
+                        <m:oMathParaPr>
+                          <m:jc m:val="centerGroup"/>
+                        </m:oMathParaPr>
+                        <m:oMath xmlns:m="http://schemas.openxmlformats.org/officeDocument/2006/math">
+                          <m:nary>
+                            <m:naryPr>
+                              <m:chr m:val="∑"/>
+                              <m:supHide m:val="on"/>
+                              <m:ctrlPr>
+                                <a:rPr lang="en-US" i="1">
+                                  <a:latin typeface="Cambria Math" panose="02040503050406030204" pitchFamily="18" charset="0"/>
+                                </a:rPr>
+                              </m:ctrlPr>
+                            </m:naryPr>
+                            <m:sub>
+                              <m:sSup>
+                                <m:sSupPr>
+                                  <m:ctrlPr>
+                                    <a:rPr lang="en-US" i="1">
+                                      <a:latin typeface="Cambria Math" panose="02040503050406030204" pitchFamily="18" charset="0"/>
+                                    </a:rPr>
+                                  </m:ctrlPr>
+                                </m:sSupPr>
+                                <m:e>
+                                  <m:r>
+                                    <a:rPr lang="en-US" i="1">
+                                      <a:latin typeface="Cambria Math" panose="02040503050406030204" pitchFamily="18" charset="0"/>
+                                    </a:rPr>
+                                    <m:t>𝑥</m:t>
+                                  </m:r>
+                                </m:e>
+                                <m:sup>
+                                  <m:r>
+                                    <a:rPr lang="en-US" i="1">
+                                      <a:latin typeface="Cambria Math" panose="02040503050406030204" pitchFamily="18" charset="0"/>
+                                    </a:rPr>
+                                    <m:t>′</m:t>
+                                  </m:r>
+                                </m:sup>
+                              </m:sSup>
+                              <m:r>
+                                <a:rPr lang="en-US" i="1">
+                                  <a:latin typeface="Cambria Math" panose="02040503050406030204" pitchFamily="18" charset="0"/>
+                                </a:rPr>
+                                <m:t>∈</m:t>
+                              </m:r>
+                              <m:r>
+                                <a:rPr lang="en-US" i="1">
+                                  <a:latin typeface="Cambria Math" panose="02040503050406030204" pitchFamily="18" charset="0"/>
+                                </a:rPr>
+                                <m:t>𝑁𝑁</m:t>
+                              </m:r>
+                              <m:d>
+                                <m:dPr>
+                                  <m:ctrlPr>
+                                    <a:rPr lang="en-US" i="1">
+                                      <a:latin typeface="Cambria Math" panose="02040503050406030204" pitchFamily="18" charset="0"/>
+                                    </a:rPr>
+                                  </m:ctrlPr>
+                                </m:dPr>
+                                <m:e>
+                                  <m:r>
+                                    <a:rPr lang="en-US" i="1">
+                                      <a:latin typeface="Cambria Math" panose="02040503050406030204" pitchFamily="18" charset="0"/>
+                                    </a:rPr>
+                                    <m:t>𝑥</m:t>
+                                  </m:r>
+                                </m:e>
+                              </m:d>
+                            </m:sub>
+                            <m:sup/>
+                            <m:e>
+                              <m:sSubSup>
+                                <m:sSubSupPr>
+                                  <m:ctrlPr>
+                                    <a:rPr lang="en-US" i="1">
+                                      <a:latin typeface="Cambria Math" panose="02040503050406030204" pitchFamily="18" charset="0"/>
+                                    </a:rPr>
+                                  </m:ctrlPr>
+                                </m:sSubSupPr>
+                                <m:e>
+                                  <m:d>
+                                    <m:dPr>
+                                      <m:begChr m:val="|"/>
+                                      <m:endChr m:val="|"/>
+                                      <m:ctrlPr>
+                                        <a:rPr lang="en-US" i="1">
+                                          <a:latin typeface="Cambria Math" panose="02040503050406030204" pitchFamily="18" charset="0"/>
+                                        </a:rPr>
+                                      </m:ctrlPr>
+                                    </m:dPr>
+                                    <m:e>
+                                      <m:d>
+                                        <m:dPr>
+                                          <m:begChr m:val="|"/>
+                                          <m:endChr m:val="|"/>
+                                          <m:ctrlPr>
+                                            <a:rPr lang="en-US" i="1">
+                                              <a:latin typeface="Cambria Math" panose="02040503050406030204" pitchFamily="18" charset="0"/>
+                                            </a:rPr>
+                                          </m:ctrlPr>
+                                        </m:dPr>
+                                        <m:e>
+                                          <m:r>
+                                            <a:rPr lang="en-US" i="1">
+                                              <a:latin typeface="Cambria Math" panose="02040503050406030204" pitchFamily="18" charset="0"/>
+                                            </a:rPr>
+                                            <m:t>𝑥</m:t>
+                                          </m:r>
+                                          <m:r>
+                                            <a:rPr lang="en-US" i="1">
+                                              <a:latin typeface="Cambria Math" panose="02040503050406030204" pitchFamily="18" charset="0"/>
+                                            </a:rPr>
+                                            <m:t>−</m:t>
+                                          </m:r>
+                                          <m:sSup>
+                                            <m:sSupPr>
+                                              <m:ctrlPr>
+                                                <a:rPr lang="en-US" i="1">
+                                                  <a:latin typeface="Cambria Math" panose="02040503050406030204" pitchFamily="18" charset="0"/>
+                                                </a:rPr>
+                                              </m:ctrlPr>
+                                            </m:sSupPr>
+                                            <m:e>
+                                              <m:r>
+                                                <a:rPr lang="en-US" i="1">
+                                                  <a:latin typeface="Cambria Math" panose="02040503050406030204" pitchFamily="18" charset="0"/>
+                                                </a:rPr>
+                                                <m:t>𝑥</m:t>
+                                              </m:r>
+                                            </m:e>
+                                            <m:sup>
+                                              <m:r>
+                                                <a:rPr lang="en-US" i="1">
+                                                  <a:latin typeface="Cambria Math" panose="02040503050406030204" pitchFamily="18" charset="0"/>
+                                                </a:rPr>
+                                                <m:t>′</m:t>
+                                              </m:r>
+                                            </m:sup>
+                                          </m:sSup>
+                                        </m:e>
+                                      </m:d>
+                                    </m:e>
+                                  </m:d>
+                                </m:e>
+                                <m:sub>
+                                  <m:r>
+                                    <a:rPr lang="en-US" i="1">
+                                      <a:latin typeface="Cambria Math" panose="02040503050406030204" pitchFamily="18" charset="0"/>
+                                    </a:rPr>
+                                    <m:t>2</m:t>
+                                  </m:r>
+                                </m:sub>
+                                <m:sup>
+                                  <m:r>
+                                    <a:rPr lang="en-US" i="1">
+                                      <a:latin typeface="Cambria Math" panose="02040503050406030204" pitchFamily="18" charset="0"/>
+                                    </a:rPr>
+                                    <m:t>2</m:t>
+                                  </m:r>
+                                </m:sup>
+                              </m:sSubSup>
+                            </m:e>
+                          </m:nary>
+                        </m:oMath>
+                      </m:oMathPara>
+                    </a14:m>
+                    <a:endParaRPr lang="en-US" dirty="0"/>
+                  </a:p>
+                </p:txBody>
+              </p:sp>
+            </mc:Choice>
+            <mc:Fallback xmlns="">
+              <p:sp>
+                <p:nvSpPr>
+                  <p:cNvPr id="53" name="Rectangle 55"/>
+                  <p:cNvSpPr>
+                    <a:spLocks noRot="1" noChangeAspect="1" noMove="1" noResize="1" noEditPoints="1" noAdjustHandles="1" noChangeArrowheads="1" noChangeShapeType="1" noTextEdit="1"/>
+                  </p:cNvSpPr>
+                  <p:nvPr/>
+                </p:nvSpPr>
+                <p:spPr>
+                  <a:xfrm>
+                    <a:off x="6657161" y="1071631"/>
+                    <a:ext cx="2026709" cy="802336"/>
+                  </a:xfrm>
+                  <a:prstGeom prst="rect">
+                    <a:avLst/>
+                  </a:prstGeom>
+                  <a:blipFill>
+                    <a:blip r:embed="rId2"/>
+                    <a:stretch>
+                      <a:fillRect/>
+                    </a:stretch>
+                  </a:blipFill>
+                </p:spPr>
+                <p:txBody>
+                  <a:bodyPr/>
+                  <a:lstStyle/>
+                  <a:p>
+                    <a:r>
+                      <a:rPr lang="zh-CN" altLang="en-US">
+                        <a:noFill/>
+                      </a:rPr>
+                      <a:t> </a:t>
+                    </a:r>
+                  </a:p>
+                </p:txBody>
+              </p:sp>
+            </mc:Fallback>
+          </mc:AlternateContent>
+        </p:grpSp>
+        <p:grpSp>
+          <p:nvGrpSpPr>
+            <p:cNvPr id="76" name="组合 75"/>
+            <p:cNvGrpSpPr/>
+            <p:nvPr/>
+          </p:nvGrpSpPr>
+          <p:grpSpPr>
+            <a:xfrm>
+              <a:off x="5907978" y="2163325"/>
+              <a:ext cx="2878036" cy="2200552"/>
+              <a:chOff x="5907978" y="2163325"/>
+              <a:chExt cx="2878036" cy="2200552"/>
+            </a:xfrm>
+          </p:grpSpPr>
+          <p:grpSp>
+            <p:nvGrpSpPr>
+              <p:cNvPr id="75" name="组合 74"/>
+              <p:cNvGrpSpPr/>
+              <p:nvPr/>
+            </p:nvGrpSpPr>
+            <p:grpSpPr>
+              <a:xfrm>
+                <a:off x="5907978" y="2163325"/>
+                <a:ext cx="1478548" cy="2200552"/>
+                <a:chOff x="5907978" y="2163325"/>
+                <a:chExt cx="1478548" cy="2200552"/>
+              </a:xfrm>
+            </p:grpSpPr>
+            <p:cxnSp>
+              <p:nvCxnSpPr>
+                <p:cNvPr id="60" name="Straight Connector 84"/>
+                <p:cNvCxnSpPr>
+                  <a:endCxn id="64" idx="0"/>
+                </p:cNvCxnSpPr>
+                <p:nvPr/>
+              </p:nvCxnSpPr>
+              <p:spPr>
+                <a:xfrm flipH="1">
+                  <a:off x="6645125" y="2354702"/>
+                  <a:ext cx="387610" cy="1798586"/>
+                </a:xfrm>
+                <a:prstGeom prst="line">
+                  <a:avLst/>
+                </a:prstGeom>
+                <a:ln w="28575">
+                  <a:solidFill>
+                    <a:schemeClr val="bg1">
+                      <a:lumMod val="50000"/>
+                    </a:schemeClr>
+                  </a:solidFill>
+                  <a:prstDash val="dash"/>
+                </a:ln>
+              </p:spPr>
+              <p:style>
+                <a:lnRef idx="1">
+                  <a:schemeClr val="accent1"/>
+                </a:lnRef>
+                <a:fillRef idx="0">
+                  <a:schemeClr val="accent1"/>
+                </a:fillRef>
+                <a:effectRef idx="0">
+                  <a:schemeClr val="accent1"/>
+                </a:effectRef>
+                <a:fontRef idx="minor">
+                  <a:schemeClr val="tx1"/>
+                </a:fontRef>
+              </p:style>
+            </p:cxnSp>
+            <p:cxnSp>
+              <p:nvCxnSpPr>
+                <p:cNvPr id="61" name="Straight Connector 82"/>
+                <p:cNvCxnSpPr>
+                  <a:stCxn id="65" idx="4"/>
+                  <a:endCxn id="64" idx="1"/>
+                </p:cNvCxnSpPr>
+                <p:nvPr/>
+              </p:nvCxnSpPr>
+              <p:spPr>
+                <a:xfrm flipV="1">
+                  <a:off x="6273221" y="4230078"/>
+                  <a:ext cx="271384" cy="9549"/>
+                </a:xfrm>
+                <a:prstGeom prst="line">
+                  <a:avLst/>
+                </a:prstGeom>
+                <a:ln w="28575">
+                  <a:solidFill>
+                    <a:schemeClr val="bg1">
+                      <a:lumMod val="50000"/>
+                    </a:schemeClr>
+                  </a:solidFill>
+                  <a:prstDash val="dash"/>
+                </a:ln>
+              </p:spPr>
+              <p:style>
+                <a:lnRef idx="1">
+                  <a:schemeClr val="accent1"/>
+                </a:lnRef>
+                <a:fillRef idx="0">
+                  <a:schemeClr val="accent1"/>
+                </a:fillRef>
+                <a:effectRef idx="0">
+                  <a:schemeClr val="accent1"/>
+                </a:effectRef>
+                <a:fontRef idx="minor">
+                  <a:schemeClr val="tx1"/>
+                </a:fontRef>
+              </p:style>
+            </p:cxnSp>
+            <p:cxnSp>
+              <p:nvCxnSpPr>
+                <p:cNvPr id="62" name="Straight Connector 83"/>
+                <p:cNvCxnSpPr>
+                  <a:stCxn id="64" idx="1"/>
+                  <a:endCxn id="63" idx="4"/>
+                </p:cNvCxnSpPr>
+                <p:nvPr/>
+              </p:nvCxnSpPr>
+              <p:spPr>
+                <a:xfrm flipH="1" flipV="1">
+                  <a:off x="6109018" y="3971574"/>
+                  <a:ext cx="435587" cy="258504"/>
+                </a:xfrm>
+                <a:prstGeom prst="line">
+                  <a:avLst/>
+                </a:prstGeom>
+                <a:ln w="28575">
+                  <a:solidFill>
+                    <a:schemeClr val="bg1">
+                      <a:lumMod val="50000"/>
+                    </a:schemeClr>
+                  </a:solidFill>
+                  <a:prstDash val="dash"/>
+                </a:ln>
+              </p:spPr>
+              <p:style>
+                <a:lnRef idx="1">
+                  <a:schemeClr val="accent1"/>
+                </a:lnRef>
+                <a:fillRef idx="0">
+                  <a:schemeClr val="accent1"/>
+                </a:fillRef>
+                <a:effectRef idx="0">
+                  <a:schemeClr val="accent1"/>
+                </a:effectRef>
+                <a:fontRef idx="minor">
+                  <a:schemeClr val="tx1"/>
+                </a:fontRef>
+              </p:style>
+            </p:cxnSp>
+            <p:sp>
+              <p:nvSpPr>
+                <p:cNvPr id="63" name="五角星 10"/>
+                <p:cNvSpPr/>
+                <p:nvPr/>
+              </p:nvSpPr>
+              <p:spPr>
+                <a:xfrm>
+                  <a:off x="5907978" y="3894784"/>
+                  <a:ext cx="201040" cy="201040"/>
+                </a:xfrm>
+                <a:prstGeom prst="star5">
+                  <a:avLst/>
+                </a:prstGeom>
+                <a:solidFill>
+                  <a:srgbClr val="008000"/>
+                </a:solidFill>
+                <a:ln>
+                  <a:noFill/>
+                </a:ln>
+              </p:spPr>
+              <p:style>
+                <a:lnRef idx="2">
+                  <a:schemeClr val="accent1">
+                    <a:shade val="50000"/>
+                  </a:schemeClr>
+                </a:lnRef>
+                <a:fillRef idx="1">
+                  <a:schemeClr val="accent1"/>
+                </a:fillRef>
+                <a:effectRef idx="0">
+                  <a:schemeClr val="accent1"/>
+                </a:effectRef>
+                <a:fontRef idx="minor">
+                  <a:schemeClr val="lt1"/>
+                </a:fontRef>
+              </p:style>
+              <p:txBody>
+                <a:bodyPr rtlCol="0" anchor="ctr"/>
+                <a:lstStyle/>
+                <a:p>
+                  <a:pPr algn="ctr"/>
+                  <a:endParaRPr lang="zh-CN" altLang="en-US"/>
+                </a:p>
+              </p:txBody>
+            </p:sp>
+            <p:sp>
+              <p:nvSpPr>
+                <p:cNvPr id="64" name="五角星 13"/>
+                <p:cNvSpPr/>
+                <p:nvPr/>
+              </p:nvSpPr>
+              <p:spPr>
+                <a:xfrm>
+                  <a:off x="6544605" y="4153288"/>
+                  <a:ext cx="201040" cy="201040"/>
+                </a:xfrm>
+                <a:prstGeom prst="star5">
+                  <a:avLst/>
+                </a:prstGeom>
+                <a:solidFill>
+                  <a:srgbClr val="FF0000"/>
+                </a:solidFill>
+                <a:ln>
+                  <a:noFill/>
+                </a:ln>
+              </p:spPr>
+              <p:style>
+                <a:lnRef idx="2">
+                  <a:schemeClr val="accent1">
+                    <a:shade val="50000"/>
+                  </a:schemeClr>
+                </a:lnRef>
+                <a:fillRef idx="1">
+                  <a:schemeClr val="accent1"/>
+                </a:fillRef>
+                <a:effectRef idx="0">
+                  <a:schemeClr val="accent1"/>
+                </a:effectRef>
+                <a:fontRef idx="minor">
+                  <a:schemeClr val="lt1"/>
+                </a:fontRef>
+              </p:style>
+              <p:txBody>
+                <a:bodyPr rtlCol="0" anchor="ctr"/>
+                <a:lstStyle/>
+                <a:p>
+                  <a:pPr algn="ctr"/>
+                  <a:endParaRPr lang="zh-CN" altLang="en-US"/>
+                </a:p>
+              </p:txBody>
+            </p:sp>
+            <p:sp>
+              <p:nvSpPr>
+                <p:cNvPr id="65" name="五角星 15"/>
+                <p:cNvSpPr/>
+                <p:nvPr/>
+              </p:nvSpPr>
+              <p:spPr>
+                <a:xfrm>
+                  <a:off x="6072181" y="4162837"/>
+                  <a:ext cx="201040" cy="201040"/>
+                </a:xfrm>
+                <a:prstGeom prst="star5">
+                  <a:avLst/>
+                </a:prstGeom>
+                <a:solidFill>
+                  <a:srgbClr val="008000"/>
+                </a:solidFill>
+                <a:ln>
+                  <a:noFill/>
+                </a:ln>
+              </p:spPr>
+              <p:style>
+                <a:lnRef idx="2">
+                  <a:schemeClr val="accent1">
+                    <a:shade val="50000"/>
+                  </a:schemeClr>
+                </a:lnRef>
+                <a:fillRef idx="1">
+                  <a:schemeClr val="accent1"/>
+                </a:fillRef>
+                <a:effectRef idx="0">
+                  <a:schemeClr val="accent1"/>
+                </a:effectRef>
+                <a:fontRef idx="minor">
+                  <a:schemeClr val="lt1"/>
+                </a:fontRef>
+              </p:style>
+              <p:txBody>
+                <a:bodyPr rtlCol="0" anchor="ctr"/>
+                <a:lstStyle/>
+                <a:p>
+                  <a:pPr algn="ctr"/>
+                  <a:endParaRPr lang="zh-CN" altLang="en-US"/>
+                </a:p>
+              </p:txBody>
+            </p:sp>
+            <p:cxnSp>
+              <p:nvCxnSpPr>
+                <p:cNvPr id="66" name="Straight Connector 85"/>
+                <p:cNvCxnSpPr>
+                  <a:endCxn id="64" idx="0"/>
+                </p:cNvCxnSpPr>
+                <p:nvPr/>
+              </p:nvCxnSpPr>
+              <p:spPr>
+                <a:xfrm flipH="1">
+                  <a:off x="6645125" y="2327854"/>
+                  <a:ext cx="42716" cy="1825434"/>
+                </a:xfrm>
+                <a:prstGeom prst="line">
+                  <a:avLst/>
+                </a:prstGeom>
+                <a:ln w="28575">
+                  <a:solidFill>
+                    <a:schemeClr val="bg1">
+                      <a:lumMod val="50000"/>
+                    </a:schemeClr>
+                  </a:solidFill>
+                  <a:prstDash val="dash"/>
+                </a:ln>
+              </p:spPr>
+              <p:style>
+                <a:lnRef idx="1">
+                  <a:schemeClr val="accent1"/>
+                </a:lnRef>
+                <a:fillRef idx="0">
+                  <a:schemeClr val="accent1"/>
+                </a:fillRef>
+                <a:effectRef idx="0">
+                  <a:schemeClr val="accent1"/>
+                </a:effectRef>
+                <a:fontRef idx="minor">
+                  <a:schemeClr val="tx1"/>
+                </a:fontRef>
+              </p:style>
+            </p:cxnSp>
+            <p:cxnSp>
+              <p:nvCxnSpPr>
+                <p:cNvPr id="67" name="Straight Connector 86"/>
+                <p:cNvCxnSpPr>
+                  <a:endCxn id="64" idx="0"/>
+                </p:cNvCxnSpPr>
+                <p:nvPr/>
+              </p:nvCxnSpPr>
+              <p:spPr>
+                <a:xfrm flipH="1">
+                  <a:off x="6645125" y="2354702"/>
+                  <a:ext cx="588650" cy="1798586"/>
+                </a:xfrm>
+                <a:prstGeom prst="line">
+                  <a:avLst/>
+                </a:prstGeom>
+                <a:ln w="28575">
+                  <a:solidFill>
+                    <a:schemeClr val="bg1">
+                      <a:lumMod val="50000"/>
+                    </a:schemeClr>
+                  </a:solidFill>
+                  <a:prstDash val="dash"/>
+                </a:ln>
+              </p:spPr>
+              <p:style>
+                <a:lnRef idx="1">
+                  <a:schemeClr val="accent1"/>
+                </a:lnRef>
+                <a:fillRef idx="0">
+                  <a:schemeClr val="accent1"/>
+                </a:fillRef>
+                <a:effectRef idx="0">
+                  <a:schemeClr val="accent1"/>
+                </a:effectRef>
+                <a:fontRef idx="minor">
+                  <a:schemeClr val="tx1"/>
+                </a:fontRef>
+              </p:style>
+            </p:cxnSp>
+            <p:sp>
+              <p:nvSpPr>
+                <p:cNvPr id="68" name="五角星 10"/>
+                <p:cNvSpPr/>
+                <p:nvPr/>
+              </p:nvSpPr>
+              <p:spPr>
+                <a:xfrm>
+                  <a:off x="6599243" y="2163325"/>
+                  <a:ext cx="201040" cy="201040"/>
+                </a:xfrm>
+                <a:prstGeom prst="star5">
+                  <a:avLst/>
+                </a:prstGeom>
+                <a:solidFill>
+                  <a:srgbClr val="008000"/>
+                </a:solidFill>
+                <a:ln>
+                  <a:noFill/>
+                </a:ln>
+              </p:spPr>
+              <p:style>
+                <a:lnRef idx="2">
+                  <a:schemeClr val="accent1">
+                    <a:shade val="50000"/>
+                  </a:schemeClr>
+                </a:lnRef>
+                <a:fillRef idx="1">
+                  <a:schemeClr val="accent1"/>
+                </a:fillRef>
+                <a:effectRef idx="0">
+                  <a:schemeClr val="accent1"/>
+                </a:effectRef>
+                <a:fontRef idx="minor">
+                  <a:schemeClr val="lt1"/>
+                </a:fontRef>
+              </p:style>
+              <p:txBody>
+                <a:bodyPr rtlCol="0" anchor="ctr"/>
+                <a:lstStyle/>
+                <a:p>
+                  <a:pPr algn="ctr"/>
+                  <a:endParaRPr lang="zh-CN" altLang="en-US"/>
+                </a:p>
+              </p:txBody>
+            </p:sp>
+            <p:sp>
+              <p:nvSpPr>
+                <p:cNvPr id="69" name="五角星 10"/>
+                <p:cNvSpPr/>
+                <p:nvPr/>
+              </p:nvSpPr>
+              <p:spPr>
+                <a:xfrm>
+                  <a:off x="6941469" y="2189656"/>
+                  <a:ext cx="201040" cy="201040"/>
+                </a:xfrm>
+                <a:prstGeom prst="star5">
+                  <a:avLst/>
+                </a:prstGeom>
+                <a:solidFill>
+                  <a:srgbClr val="008000"/>
+                </a:solidFill>
+                <a:ln>
+                  <a:noFill/>
+                </a:ln>
+              </p:spPr>
+              <p:style>
+                <a:lnRef idx="2">
+                  <a:schemeClr val="accent1">
+                    <a:shade val="50000"/>
+                  </a:schemeClr>
+                </a:lnRef>
+                <a:fillRef idx="1">
+                  <a:schemeClr val="accent1"/>
+                </a:fillRef>
+                <a:effectRef idx="0">
+                  <a:schemeClr val="accent1"/>
+                </a:effectRef>
+                <a:fontRef idx="minor">
+                  <a:schemeClr val="lt1"/>
+                </a:fontRef>
+              </p:style>
+              <p:txBody>
+                <a:bodyPr rtlCol="0" anchor="ctr"/>
+                <a:lstStyle/>
+                <a:p>
+                  <a:pPr algn="ctr"/>
+                  <a:endParaRPr lang="zh-CN" altLang="en-US"/>
+                </a:p>
+              </p:txBody>
+            </p:sp>
+            <p:sp>
+              <p:nvSpPr>
+                <p:cNvPr id="70" name="五角星 10"/>
+                <p:cNvSpPr/>
+                <p:nvPr/>
+              </p:nvSpPr>
+              <p:spPr>
+                <a:xfrm>
+                  <a:off x="7185486" y="2203080"/>
+                  <a:ext cx="201040" cy="201040"/>
+                </a:xfrm>
+                <a:prstGeom prst="star5">
+                  <a:avLst/>
+                </a:prstGeom>
+                <a:solidFill>
+                  <a:srgbClr val="008000"/>
+                </a:solidFill>
+                <a:ln>
+                  <a:noFill/>
+                </a:ln>
+              </p:spPr>
+              <p:style>
+                <a:lnRef idx="2">
+                  <a:schemeClr val="accent1">
+                    <a:shade val="50000"/>
+                  </a:schemeClr>
+                </a:lnRef>
+                <a:fillRef idx="1">
+                  <a:schemeClr val="accent1"/>
+                </a:fillRef>
+                <a:effectRef idx="0">
+                  <a:schemeClr val="accent1"/>
+                </a:effectRef>
+                <a:fontRef idx="minor">
+                  <a:schemeClr val="lt1"/>
+                </a:fontRef>
+              </p:style>
+              <p:txBody>
+                <a:bodyPr rtlCol="0" anchor="ctr"/>
+                <a:lstStyle/>
+                <a:p>
+                  <a:pPr algn="ctr"/>
+                  <a:endParaRPr lang="zh-CN" altLang="en-US"/>
+                </a:p>
+              </p:txBody>
+            </p:sp>
+          </p:grpSp>
+          <mc:AlternateContent xmlns:mc="http://schemas.openxmlformats.org/markup-compatibility/2006" xmlns:a14="http://schemas.microsoft.com/office/drawing/2010/main">
+            <mc:Choice Requires="a14">
+              <p:sp>
+                <p:nvSpPr>
+                  <p:cNvPr id="71" name="Rectangle 90"/>
+                  <p:cNvSpPr/>
+                  <p:nvPr/>
+                </p:nvSpPr>
+                <p:spPr>
+                  <a:xfrm>
+                    <a:off x="6657161" y="3545260"/>
+                    <a:ext cx="2128853" cy="809068"/>
+                  </a:xfrm>
+                  <a:prstGeom prst="rect">
+                    <a:avLst/>
+                  </a:prstGeom>
+                </p:spPr>
+                <p:txBody>
+                  <a:bodyPr wrap="none">
+                    <a:spAutoFit/>
+                  </a:bodyPr>
+                  <a:lstStyle/>
+                  <a:p>
+                    <a:pPr/>
+                    <a14:m>
+                      <m:oMathPara xmlns:m="http://schemas.openxmlformats.org/officeDocument/2006/math">
+                        <m:oMathParaPr>
+                          <m:jc m:val="centerGroup"/>
+                        </m:oMathParaPr>
+                        <m:oMath xmlns:m="http://schemas.openxmlformats.org/officeDocument/2006/math">
+                          <m:nary>
+                            <m:naryPr>
+                              <m:chr m:val="∑"/>
+                              <m:supHide m:val="on"/>
+                              <m:ctrlPr>
+                                <a:rPr lang="en-US" i="1">
+                                  <a:latin typeface="Cambria Math" panose="02040503050406030204" pitchFamily="18" charset="0"/>
+                                </a:rPr>
+                              </m:ctrlPr>
+                            </m:naryPr>
+                            <m:sub>
+                              <m:sSup>
+                                <m:sSupPr>
+                                  <m:ctrlPr>
+                                    <a:rPr lang="en-US" i="1">
+                                      <a:latin typeface="Cambria Math" panose="02040503050406030204" pitchFamily="18" charset="0"/>
+                                    </a:rPr>
+                                  </m:ctrlPr>
+                                </m:sSupPr>
+                                <m:e>
+                                  <m:r>
+                                    <a:rPr lang="en-US" i="1">
+                                      <a:latin typeface="Cambria Math" panose="02040503050406030204" pitchFamily="18" charset="0"/>
+                                    </a:rPr>
+                                    <m:t>𝑥</m:t>
+                                  </m:r>
+                                </m:e>
+                                <m:sup>
+                                  <m:r>
+                                    <a:rPr lang="en-US" i="1">
+                                      <a:latin typeface="Cambria Math" panose="02040503050406030204" pitchFamily="18" charset="0"/>
+                                    </a:rPr>
+                                    <m:t>′</m:t>
+                                  </m:r>
+                                </m:sup>
+                              </m:sSup>
+                              <m:r>
+                                <a:rPr lang="en-US" i="1">
+                                  <a:latin typeface="Cambria Math" panose="02040503050406030204" pitchFamily="18" charset="0"/>
+                                </a:rPr>
+                                <m:t>∈</m:t>
+                              </m:r>
+                              <m:r>
+                                <a:rPr lang="en-US" i="1">
+                                  <a:latin typeface="Cambria Math" panose="02040503050406030204" pitchFamily="18" charset="0"/>
+                                </a:rPr>
+                                <m:t>𝑁</m:t>
+                              </m:r>
+                              <m:sSub>
+                                <m:sSubPr>
+                                  <m:ctrlPr>
+                                    <a:rPr lang="en-US" i="1">
+                                      <a:latin typeface="Cambria Math" panose="02040503050406030204" pitchFamily="18" charset="0"/>
+                                    </a:rPr>
+                                  </m:ctrlPr>
+                                </m:sSubPr>
+                                <m:e>
+                                  <m:r>
+                                    <a:rPr lang="en-US" i="1">
+                                      <a:latin typeface="Cambria Math" panose="02040503050406030204" pitchFamily="18" charset="0"/>
+                                    </a:rPr>
+                                    <m:t>𝑁</m:t>
+                                  </m:r>
+                                </m:e>
+                                <m:sub>
+                                  <m:r>
+                                    <a:rPr lang="en-US" i="1">
+                                      <a:latin typeface="Cambria Math" panose="02040503050406030204" pitchFamily="18" charset="0"/>
+                                    </a:rPr>
+                                    <m:t>+</m:t>
+                                  </m:r>
+                                </m:sub>
+                              </m:sSub>
+                              <m:d>
+                                <m:dPr>
+                                  <m:ctrlPr>
+                                    <a:rPr lang="en-US" i="1">
+                                      <a:latin typeface="Cambria Math" panose="02040503050406030204" pitchFamily="18" charset="0"/>
+                                    </a:rPr>
+                                  </m:ctrlPr>
+                                </m:dPr>
+                                <m:e>
+                                  <m:r>
+                                    <a:rPr lang="en-US" i="1">
+                                      <a:latin typeface="Cambria Math" panose="02040503050406030204" pitchFamily="18" charset="0"/>
+                                    </a:rPr>
+                                    <m:t>𝑥</m:t>
+                                  </m:r>
+                                </m:e>
+                              </m:d>
+                            </m:sub>
+                            <m:sup/>
+                            <m:e>
+                              <m:sSubSup>
+                                <m:sSubSupPr>
+                                  <m:ctrlPr>
+                                    <a:rPr lang="en-US" i="1">
+                                      <a:latin typeface="Cambria Math" panose="02040503050406030204" pitchFamily="18" charset="0"/>
+                                    </a:rPr>
+                                  </m:ctrlPr>
+                                </m:sSubSupPr>
+                                <m:e>
+                                  <m:d>
+                                    <m:dPr>
+                                      <m:begChr m:val="|"/>
+                                      <m:endChr m:val="|"/>
+                                      <m:ctrlPr>
+                                        <a:rPr lang="en-US" i="1">
+                                          <a:latin typeface="Cambria Math" panose="02040503050406030204" pitchFamily="18" charset="0"/>
+                                        </a:rPr>
+                                      </m:ctrlPr>
+                                    </m:dPr>
+                                    <m:e>
+                                      <m:d>
+                                        <m:dPr>
+                                          <m:begChr m:val="|"/>
+                                          <m:endChr m:val="|"/>
+                                          <m:ctrlPr>
+                                            <a:rPr lang="en-US" i="1">
+                                              <a:latin typeface="Cambria Math" panose="02040503050406030204" pitchFamily="18" charset="0"/>
+                                            </a:rPr>
+                                          </m:ctrlPr>
+                                        </m:dPr>
+                                        <m:e>
+                                          <m:r>
+                                            <a:rPr lang="en-US" i="1">
+                                              <a:latin typeface="Cambria Math" panose="02040503050406030204" pitchFamily="18" charset="0"/>
+                                            </a:rPr>
+                                            <m:t>𝑥</m:t>
+                                          </m:r>
+                                          <m:r>
+                                            <a:rPr lang="en-US" i="1">
+                                              <a:latin typeface="Cambria Math" panose="02040503050406030204" pitchFamily="18" charset="0"/>
+                                            </a:rPr>
+                                            <m:t>−</m:t>
+                                          </m:r>
+                                          <m:sSup>
+                                            <m:sSupPr>
+                                              <m:ctrlPr>
+                                                <a:rPr lang="en-US" i="1">
+                                                  <a:latin typeface="Cambria Math" panose="02040503050406030204" pitchFamily="18" charset="0"/>
+                                                </a:rPr>
+                                              </m:ctrlPr>
+                                            </m:sSupPr>
+                                            <m:e>
+                                              <m:r>
+                                                <a:rPr lang="en-US" i="1">
+                                                  <a:latin typeface="Cambria Math" panose="02040503050406030204" pitchFamily="18" charset="0"/>
+                                                </a:rPr>
+                                                <m:t>𝑥</m:t>
+                                              </m:r>
+                                            </m:e>
+                                            <m:sup>
+                                              <m:r>
+                                                <a:rPr lang="en-US" i="1">
+                                                  <a:latin typeface="Cambria Math" panose="02040503050406030204" pitchFamily="18" charset="0"/>
+                                                </a:rPr>
+                                                <m:t>′</m:t>
+                                              </m:r>
+                                            </m:sup>
+                                          </m:sSup>
+                                        </m:e>
+                                      </m:d>
+                                    </m:e>
+                                  </m:d>
+                                </m:e>
+                                <m:sub>
+                                  <m:r>
+                                    <a:rPr lang="en-US" i="1">
+                                      <a:latin typeface="Cambria Math" panose="02040503050406030204" pitchFamily="18" charset="0"/>
+                                    </a:rPr>
+                                    <m:t>2</m:t>
+                                  </m:r>
+                                </m:sub>
+                                <m:sup>
+                                  <m:r>
+                                    <a:rPr lang="en-US" i="1">
+                                      <a:latin typeface="Cambria Math" panose="02040503050406030204" pitchFamily="18" charset="0"/>
+                                    </a:rPr>
+                                    <m:t>2</m:t>
+                                  </m:r>
+                                </m:sup>
+                              </m:sSubSup>
+                            </m:e>
+                          </m:nary>
+                        </m:oMath>
+                      </m:oMathPara>
+                    </a14:m>
+                    <a:endParaRPr lang="en-US" dirty="0"/>
+                  </a:p>
+                </p:txBody>
+              </p:sp>
+            </mc:Choice>
+            <mc:Fallback xmlns="">
+              <p:sp>
+                <p:nvSpPr>
+                  <p:cNvPr id="71" name="Rectangle 90"/>
+                  <p:cNvSpPr>
+                    <a:spLocks noRot="1" noChangeAspect="1" noMove="1" noResize="1" noEditPoints="1" noAdjustHandles="1" noChangeArrowheads="1" noChangeShapeType="1" noTextEdit="1"/>
+                  </p:cNvSpPr>
+                  <p:nvPr/>
+                </p:nvSpPr>
+                <p:spPr>
+                  <a:xfrm>
+                    <a:off x="6657161" y="3545260"/>
+                    <a:ext cx="2128853" cy="809068"/>
+                  </a:xfrm>
+                  <a:prstGeom prst="rect">
+                    <a:avLst/>
+                  </a:prstGeom>
+                  <a:blipFill>
+                    <a:blip r:embed="rId3"/>
+                    <a:stretch>
+                      <a:fillRect/>
+                    </a:stretch>
+                  </a:blipFill>
+                </p:spPr>
+                <p:txBody>
+                  <a:bodyPr/>
+                  <a:lstStyle/>
+                  <a:p>
+                    <a:r>
+                      <a:rPr lang="zh-CN" altLang="en-US">
+                        <a:noFill/>
+                      </a:rPr>
+                      <a:t> </a:t>
+                    </a:r>
+                  </a:p>
+                </p:txBody>
+              </p:sp>
+            </mc:Fallback>
+          </mc:AlternateContent>
+        </p:grpSp>
+        <p:grpSp>
+          <p:nvGrpSpPr>
+            <p:cNvPr id="83" name="组合 82"/>
+            <p:cNvGrpSpPr/>
+            <p:nvPr/>
+          </p:nvGrpSpPr>
+          <p:grpSpPr>
+            <a:xfrm>
+              <a:off x="193964" y="281998"/>
+              <a:ext cx="6031208" cy="4500789"/>
+              <a:chOff x="193964" y="281998"/>
+              <a:chExt cx="6031208" cy="4500789"/>
+            </a:xfrm>
+          </p:grpSpPr>
+          <p:grpSp>
+            <p:nvGrpSpPr>
+              <p:cNvPr id="79" name="组合 78"/>
+              <p:cNvGrpSpPr/>
+              <p:nvPr/>
+            </p:nvGrpSpPr>
+            <p:grpSpPr>
+              <a:xfrm>
+                <a:off x="193964" y="281998"/>
+                <a:ext cx="6031208" cy="4500789"/>
+                <a:chOff x="193964" y="281998"/>
+                <a:chExt cx="6031208" cy="4500789"/>
+              </a:xfrm>
+            </p:grpSpPr>
+            <p:pic>
+              <p:nvPicPr>
+                <p:cNvPr id="31" name="Picture 11"/>
+                <p:cNvPicPr>
+                  <a:picLocks noChangeAspect="1"/>
+                </p:cNvPicPr>
+                <p:nvPr/>
+              </p:nvPicPr>
+              <p:blipFill rotWithShape="1">
+                <a:blip r:embed="rId4">
+                  <a:extLst>
+                    <a:ext uri="{28A0092B-C50C-407E-A947-70E740481C1C}">
+                      <a14:useLocalDpi xmlns:a14="http://schemas.microsoft.com/office/drawing/2010/main" val="0"/>
+                    </a:ext>
+                  </a:extLst>
+                </a:blip>
+                <a:srcRect/>
+                <a:stretch/>
+              </p:blipFill>
+              <p:spPr>
+                <a:xfrm>
+                  <a:off x="193964" y="281998"/>
+                  <a:ext cx="6031208" cy="4500789"/>
+                </a:xfrm>
+                <a:prstGeom prst="rect">
+                  <a:avLst/>
+                </a:prstGeom>
+              </p:spPr>
+            </p:pic>
+            <p:sp>
+              <p:nvSpPr>
+                <p:cNvPr id="32" name="五角星 10"/>
+                <p:cNvSpPr/>
+                <p:nvPr/>
+              </p:nvSpPr>
+              <p:spPr>
+                <a:xfrm>
+                  <a:off x="3111270" y="3730255"/>
+                  <a:ext cx="201040" cy="201040"/>
+                </a:xfrm>
+                <a:prstGeom prst="star5">
+                  <a:avLst/>
+                </a:prstGeom>
+                <a:solidFill>
+                  <a:srgbClr val="008000"/>
+                </a:solidFill>
+                <a:ln>
+                  <a:noFill/>
+                </a:ln>
+              </p:spPr>
+              <p:style>
+                <a:lnRef idx="2">
+                  <a:schemeClr val="accent1">
+                    <a:shade val="50000"/>
+                  </a:schemeClr>
+                </a:lnRef>
+                <a:fillRef idx="1">
+                  <a:schemeClr val="accent1"/>
+                </a:fillRef>
+                <a:effectRef idx="0">
+                  <a:schemeClr val="accent1"/>
+                </a:effectRef>
+                <a:fontRef idx="minor">
+                  <a:schemeClr val="lt1"/>
+                </a:fontRef>
+              </p:style>
+              <p:txBody>
+                <a:bodyPr rtlCol="0" anchor="ctr"/>
+                <a:lstStyle/>
+                <a:p>
+                  <a:pPr algn="ctr"/>
+                  <a:endParaRPr lang="zh-CN" altLang="en-US"/>
+                </a:p>
+              </p:txBody>
+            </p:sp>
+            <p:sp>
+              <p:nvSpPr>
+                <p:cNvPr id="33" name="五角星 13"/>
+                <p:cNvSpPr/>
+                <p:nvPr/>
+              </p:nvSpPr>
+              <p:spPr>
+                <a:xfrm>
+                  <a:off x="3747897" y="3988759"/>
+                  <a:ext cx="201040" cy="201040"/>
+                </a:xfrm>
+                <a:prstGeom prst="star5">
+                  <a:avLst/>
+                </a:prstGeom>
+                <a:solidFill>
+                  <a:srgbClr val="FF0000"/>
+                </a:solidFill>
+                <a:ln>
+                  <a:noFill/>
+                </a:ln>
+              </p:spPr>
+              <p:style>
+                <a:lnRef idx="2">
+                  <a:schemeClr val="accent1">
+                    <a:shade val="50000"/>
+                  </a:schemeClr>
+                </a:lnRef>
+                <a:fillRef idx="1">
+                  <a:schemeClr val="accent1"/>
+                </a:fillRef>
+                <a:effectRef idx="0">
+                  <a:schemeClr val="accent1"/>
+                </a:effectRef>
+                <a:fontRef idx="minor">
+                  <a:schemeClr val="lt1"/>
+                </a:fontRef>
+              </p:style>
+              <p:txBody>
+                <a:bodyPr rtlCol="0" anchor="ctr"/>
+                <a:lstStyle/>
+                <a:p>
+                  <a:pPr algn="ctr"/>
+                  <a:endParaRPr lang="zh-CN" altLang="en-US"/>
+                </a:p>
+              </p:txBody>
+            </p:sp>
+            <p:sp>
+              <p:nvSpPr>
+                <p:cNvPr id="34" name="五角星 33"/>
+                <p:cNvSpPr/>
+                <p:nvPr/>
+              </p:nvSpPr>
+              <p:spPr>
+                <a:xfrm>
+                  <a:off x="3275473" y="3998308"/>
+                  <a:ext cx="201040" cy="201040"/>
+                </a:xfrm>
+                <a:prstGeom prst="star5">
+                  <a:avLst/>
+                </a:prstGeom>
+                <a:solidFill>
+                  <a:srgbClr val="008000"/>
+                </a:solidFill>
+                <a:ln>
+                  <a:noFill/>
+                </a:ln>
+              </p:spPr>
+              <p:style>
+                <a:lnRef idx="2">
+                  <a:schemeClr val="accent1">
+                    <a:shade val="50000"/>
+                  </a:schemeClr>
+                </a:lnRef>
+                <a:fillRef idx="1">
+                  <a:schemeClr val="accent1"/>
+                </a:fillRef>
+                <a:effectRef idx="0">
+                  <a:schemeClr val="accent1"/>
+                </a:effectRef>
+                <a:fontRef idx="minor">
+                  <a:schemeClr val="lt1"/>
+                </a:fontRef>
+              </p:style>
+              <p:txBody>
+                <a:bodyPr rtlCol="0" anchor="ctr"/>
+                <a:lstStyle/>
+                <a:p>
+                  <a:pPr algn="ctr"/>
+                  <a:endParaRPr lang="zh-CN" altLang="en-US"/>
+                </a:p>
+              </p:txBody>
+            </p:sp>
+            <p:sp>
+              <p:nvSpPr>
+                <p:cNvPr id="35" name="五角星 34"/>
+                <p:cNvSpPr/>
+                <p:nvPr/>
+              </p:nvSpPr>
+              <p:spPr>
+                <a:xfrm>
+                  <a:off x="1525859" y="1538149"/>
+                  <a:ext cx="201040" cy="201040"/>
+                </a:xfrm>
+                <a:prstGeom prst="star5">
+                  <a:avLst/>
+                </a:prstGeom>
+                <a:solidFill>
+                  <a:srgbClr val="008000"/>
+                </a:solidFill>
+                <a:ln>
+                  <a:noFill/>
+                </a:ln>
+              </p:spPr>
+              <p:style>
+                <a:lnRef idx="2">
+                  <a:schemeClr val="accent1">
+                    <a:shade val="50000"/>
+                  </a:schemeClr>
+                </a:lnRef>
+                <a:fillRef idx="1">
+                  <a:schemeClr val="accent1"/>
+                </a:fillRef>
+                <a:effectRef idx="0">
+                  <a:schemeClr val="accent1"/>
+                </a:effectRef>
+                <a:fontRef idx="minor">
+                  <a:schemeClr val="lt1"/>
+                </a:fontRef>
+              </p:style>
+              <p:txBody>
+                <a:bodyPr rtlCol="0" anchor="ctr"/>
+                <a:lstStyle/>
+                <a:p>
+                  <a:pPr algn="ctr"/>
+                  <a:endParaRPr lang="zh-CN" altLang="en-US"/>
+                </a:p>
+              </p:txBody>
+            </p:sp>
+            <p:cxnSp>
+              <p:nvCxnSpPr>
+                <p:cNvPr id="36" name="Straight Connector 23"/>
+                <p:cNvCxnSpPr>
+                  <a:stCxn id="33" idx="1"/>
+                  <a:endCxn id="34" idx="4"/>
+                </p:cNvCxnSpPr>
+                <p:nvPr/>
+              </p:nvCxnSpPr>
+              <p:spPr>
+                <a:xfrm flipH="1">
+                  <a:off x="3476513" y="4065549"/>
+                  <a:ext cx="271384" cy="9549"/>
+                </a:xfrm>
+                <a:prstGeom prst="line">
+                  <a:avLst/>
+                </a:prstGeom>
+                <a:ln w="12700">
+                  <a:solidFill>
+                    <a:schemeClr val="tx1"/>
+                  </a:solidFill>
+                </a:ln>
+              </p:spPr>
+              <p:style>
+                <a:lnRef idx="1">
+                  <a:schemeClr val="accent1"/>
+                </a:lnRef>
+                <a:fillRef idx="0">
+                  <a:schemeClr val="accent1"/>
+                </a:fillRef>
+                <a:effectRef idx="0">
+                  <a:schemeClr val="accent1"/>
+                </a:effectRef>
+                <a:fontRef idx="minor">
+                  <a:schemeClr val="tx1"/>
+                </a:fontRef>
+              </p:style>
+            </p:cxnSp>
+            <p:cxnSp>
+              <p:nvCxnSpPr>
+                <p:cNvPr id="37" name="Straight Connector 26"/>
+                <p:cNvCxnSpPr>
+                  <a:stCxn id="32" idx="4"/>
+                  <a:endCxn id="33" idx="1"/>
+                </p:cNvCxnSpPr>
+                <p:nvPr/>
+              </p:nvCxnSpPr>
+              <p:spPr>
+                <a:xfrm>
+                  <a:off x="3312310" y="3807045"/>
+                  <a:ext cx="435587" cy="258504"/>
+                </a:xfrm>
+                <a:prstGeom prst="line">
+                  <a:avLst/>
+                </a:prstGeom>
+                <a:ln w="12700">
+                  <a:solidFill>
+                    <a:schemeClr val="tx1"/>
+                  </a:solidFill>
+                </a:ln>
+              </p:spPr>
+              <p:style>
+                <a:lnRef idx="1">
+                  <a:schemeClr val="accent1"/>
+                </a:lnRef>
+                <a:fillRef idx="0">
+                  <a:schemeClr val="accent1"/>
+                </a:fillRef>
+                <a:effectRef idx="0">
+                  <a:schemeClr val="accent1"/>
+                </a:effectRef>
+                <a:fontRef idx="minor">
+                  <a:schemeClr val="tx1"/>
+                </a:fontRef>
+              </p:style>
+            </p:cxnSp>
+            <p:cxnSp>
+              <p:nvCxnSpPr>
+                <p:cNvPr id="38" name="Straight Connector 29"/>
+                <p:cNvCxnSpPr>
+                  <a:stCxn id="33" idx="0"/>
+                </p:cNvCxnSpPr>
+                <p:nvPr/>
+              </p:nvCxnSpPr>
+              <p:spPr>
+                <a:xfrm flipV="1">
+                  <a:off x="3848417" y="3517323"/>
+                  <a:ext cx="85432" cy="471436"/>
+                </a:xfrm>
+                <a:prstGeom prst="line">
+                  <a:avLst/>
+                </a:prstGeom>
+                <a:ln w="12700">
+                  <a:solidFill>
+                    <a:schemeClr val="tx1"/>
+                  </a:solidFill>
+                </a:ln>
+              </p:spPr>
+              <p:style>
+                <a:lnRef idx="1">
+                  <a:schemeClr val="accent1"/>
+                </a:lnRef>
+                <a:fillRef idx="0">
+                  <a:schemeClr val="accent1"/>
+                </a:fillRef>
+                <a:effectRef idx="0">
+                  <a:schemeClr val="accent1"/>
+                </a:effectRef>
+                <a:fontRef idx="minor">
+                  <a:schemeClr val="tx1"/>
+                </a:fontRef>
+              </p:style>
+            </p:cxnSp>
+            <p:cxnSp>
+              <p:nvCxnSpPr>
+                <p:cNvPr id="39" name="Straight Connector 32"/>
+                <p:cNvCxnSpPr>
+                  <a:stCxn id="33" idx="0"/>
+                </p:cNvCxnSpPr>
+                <p:nvPr/>
+              </p:nvCxnSpPr>
+              <p:spPr>
+                <a:xfrm flipV="1">
+                  <a:off x="3848417" y="3631623"/>
+                  <a:ext cx="170864" cy="357136"/>
+                </a:xfrm>
+                <a:prstGeom prst="line">
+                  <a:avLst/>
+                </a:prstGeom>
+                <a:ln w="12700">
+                  <a:solidFill>
+                    <a:schemeClr val="tx1"/>
+                  </a:solidFill>
+                </a:ln>
+              </p:spPr>
+              <p:style>
+                <a:lnRef idx="1">
+                  <a:schemeClr val="accent1"/>
+                </a:lnRef>
+                <a:fillRef idx="0">
+                  <a:schemeClr val="accent1"/>
+                </a:fillRef>
+                <a:effectRef idx="0">
+                  <a:schemeClr val="accent1"/>
+                </a:effectRef>
+                <a:fontRef idx="minor">
+                  <a:schemeClr val="tx1"/>
+                </a:fontRef>
+              </p:style>
+            </p:cxnSp>
+            <p:cxnSp>
+              <p:nvCxnSpPr>
+                <p:cNvPr id="40" name="Straight Connector 36"/>
+                <p:cNvCxnSpPr>
+                  <a:stCxn id="33" idx="0"/>
+                </p:cNvCxnSpPr>
+                <p:nvPr/>
+              </p:nvCxnSpPr>
+              <p:spPr>
+                <a:xfrm flipV="1">
+                  <a:off x="3848417" y="3631623"/>
+                  <a:ext cx="371904" cy="357136"/>
+                </a:xfrm>
+                <a:prstGeom prst="line">
+                  <a:avLst/>
+                </a:prstGeom>
+                <a:ln w="12700">
+                  <a:solidFill>
+                    <a:schemeClr val="tx1"/>
+                  </a:solidFill>
+                </a:ln>
+              </p:spPr>
+              <p:style>
+                <a:lnRef idx="1">
+                  <a:schemeClr val="accent1"/>
+                </a:lnRef>
+                <a:fillRef idx="0">
+                  <a:schemeClr val="accent1"/>
+                </a:fillRef>
+                <a:effectRef idx="0">
+                  <a:schemeClr val="accent1"/>
+                </a:effectRef>
+                <a:fontRef idx="minor">
+                  <a:schemeClr val="tx1"/>
+                </a:fontRef>
+              </p:style>
+            </p:cxnSp>
+            <p:cxnSp>
+              <p:nvCxnSpPr>
+                <p:cNvPr id="54" name="Straight Connector 58"/>
+                <p:cNvCxnSpPr>
+                  <a:stCxn id="34" idx="4"/>
+                  <a:endCxn id="33" idx="1"/>
+                </p:cNvCxnSpPr>
+                <p:nvPr/>
+              </p:nvCxnSpPr>
+              <p:spPr>
+                <a:xfrm flipV="1">
+                  <a:off x="3476513" y="4065549"/>
+                  <a:ext cx="271384" cy="9549"/>
+                </a:xfrm>
+                <a:prstGeom prst="line">
+                  <a:avLst/>
+                </a:prstGeom>
+                <a:ln w="28575">
+                  <a:solidFill>
+                    <a:schemeClr val="bg1">
+                      <a:lumMod val="50000"/>
+                    </a:schemeClr>
+                  </a:solidFill>
+                  <a:prstDash val="dash"/>
+                </a:ln>
+              </p:spPr>
+              <p:style>
+                <a:lnRef idx="1">
+                  <a:schemeClr val="accent1"/>
+                </a:lnRef>
+                <a:fillRef idx="0">
+                  <a:schemeClr val="accent1"/>
+                </a:fillRef>
+                <a:effectRef idx="0">
+                  <a:schemeClr val="accent1"/>
+                </a:effectRef>
+                <a:fontRef idx="minor">
+                  <a:schemeClr val="tx1"/>
+                </a:fontRef>
+              </p:style>
+            </p:cxnSp>
+            <p:cxnSp>
+              <p:nvCxnSpPr>
+                <p:cNvPr id="55" name="Straight Connector 61"/>
+                <p:cNvCxnSpPr>
+                  <a:stCxn id="33" idx="1"/>
+                  <a:endCxn id="32" idx="4"/>
+                </p:cNvCxnSpPr>
+                <p:nvPr/>
+              </p:nvCxnSpPr>
+              <p:spPr>
+                <a:xfrm flipH="1" flipV="1">
+                  <a:off x="3312310" y="3807045"/>
+                  <a:ext cx="435587" cy="258504"/>
+                </a:xfrm>
+                <a:prstGeom prst="line">
+                  <a:avLst/>
+                </a:prstGeom>
+                <a:ln w="28575">
+                  <a:solidFill>
+                    <a:schemeClr val="bg1">
+                      <a:lumMod val="50000"/>
+                    </a:schemeClr>
+                  </a:solidFill>
+                  <a:prstDash val="dash"/>
+                </a:ln>
+              </p:spPr>
+              <p:style>
+                <a:lnRef idx="1">
+                  <a:schemeClr val="accent1"/>
+                </a:lnRef>
+                <a:fillRef idx="0">
+                  <a:schemeClr val="accent1"/>
+                </a:fillRef>
+                <a:effectRef idx="0">
+                  <a:schemeClr val="accent1"/>
+                </a:effectRef>
+                <a:fontRef idx="minor">
+                  <a:schemeClr val="tx1"/>
+                </a:fontRef>
+              </p:style>
+            </p:cxnSp>
+            <p:cxnSp>
+              <p:nvCxnSpPr>
+                <p:cNvPr id="56" name="Straight Connector 64"/>
+                <p:cNvCxnSpPr>
+                  <a:endCxn id="33" idx="0"/>
+                </p:cNvCxnSpPr>
+                <p:nvPr/>
+              </p:nvCxnSpPr>
+              <p:spPr>
+                <a:xfrm flipH="1">
+                  <a:off x="3848417" y="2190173"/>
+                  <a:ext cx="387609" cy="1798586"/>
+                </a:xfrm>
+                <a:prstGeom prst="line">
+                  <a:avLst/>
+                </a:prstGeom>
+                <a:ln w="28575">
+                  <a:solidFill>
+                    <a:schemeClr val="bg1">
+                      <a:lumMod val="50000"/>
+                    </a:schemeClr>
+                  </a:solidFill>
+                  <a:prstDash val="dash"/>
+                </a:ln>
+              </p:spPr>
+              <p:style>
+                <a:lnRef idx="1">
+                  <a:schemeClr val="accent1"/>
+                </a:lnRef>
+                <a:fillRef idx="0">
+                  <a:schemeClr val="accent1"/>
+                </a:fillRef>
+                <a:effectRef idx="0">
+                  <a:schemeClr val="accent1"/>
+                </a:effectRef>
+                <a:fontRef idx="minor">
+                  <a:schemeClr val="tx1"/>
+                </a:fontRef>
+              </p:style>
+            </p:cxnSp>
+            <p:cxnSp>
+              <p:nvCxnSpPr>
+                <p:cNvPr id="57" name="Straight Connector 67"/>
+                <p:cNvCxnSpPr>
+                  <a:endCxn id="33" idx="0"/>
+                </p:cNvCxnSpPr>
+                <p:nvPr/>
+              </p:nvCxnSpPr>
+              <p:spPr>
+                <a:xfrm flipH="1">
+                  <a:off x="3848417" y="2163325"/>
+                  <a:ext cx="42716" cy="1825434"/>
+                </a:xfrm>
+                <a:prstGeom prst="line">
+                  <a:avLst/>
+                </a:prstGeom>
+                <a:ln w="28575">
+                  <a:solidFill>
+                    <a:schemeClr val="bg1">
+                      <a:lumMod val="50000"/>
+                    </a:schemeClr>
+                  </a:solidFill>
+                  <a:prstDash val="dash"/>
+                </a:ln>
+              </p:spPr>
+              <p:style>
+                <a:lnRef idx="1">
+                  <a:schemeClr val="accent1"/>
+                </a:lnRef>
+                <a:fillRef idx="0">
+                  <a:schemeClr val="accent1"/>
+                </a:fillRef>
+                <a:effectRef idx="0">
+                  <a:schemeClr val="accent1"/>
+                </a:effectRef>
+                <a:fontRef idx="minor">
+                  <a:schemeClr val="tx1"/>
+                </a:fontRef>
+              </p:style>
+            </p:cxnSp>
+            <p:cxnSp>
+              <p:nvCxnSpPr>
+                <p:cNvPr id="58" name="Straight Connector 70"/>
+                <p:cNvCxnSpPr>
+                  <a:endCxn id="33" idx="0"/>
+                </p:cNvCxnSpPr>
+                <p:nvPr/>
+              </p:nvCxnSpPr>
+              <p:spPr>
+                <a:xfrm flipH="1">
+                  <a:off x="3848417" y="2190173"/>
+                  <a:ext cx="588650" cy="1798586"/>
+                </a:xfrm>
+                <a:prstGeom prst="line">
+                  <a:avLst/>
+                </a:prstGeom>
+                <a:ln w="28575">
+                  <a:solidFill>
+                    <a:schemeClr val="bg1">
+                      <a:lumMod val="50000"/>
+                    </a:schemeClr>
+                  </a:solidFill>
+                  <a:prstDash val="dash"/>
+                </a:ln>
+              </p:spPr>
+              <p:style>
+                <a:lnRef idx="1">
+                  <a:schemeClr val="accent1"/>
+                </a:lnRef>
+                <a:fillRef idx="0">
+                  <a:schemeClr val="accent1"/>
+                </a:fillRef>
+                <a:effectRef idx="0">
+                  <a:schemeClr val="accent1"/>
+                </a:effectRef>
+                <a:fontRef idx="minor">
+                  <a:schemeClr val="tx1"/>
+                </a:fontRef>
+              </p:style>
+            </p:cxnSp>
+            <mc:AlternateContent xmlns:mc="http://schemas.openxmlformats.org/markup-compatibility/2006" xmlns:a14="http://schemas.microsoft.com/office/drawing/2010/main">
+              <mc:Choice Requires="a14">
+                <p:sp>
+                  <p:nvSpPr>
+                    <p:cNvPr id="78" name="文本框 77"/>
+                    <p:cNvSpPr txBox="1"/>
+                    <p:nvPr/>
+                  </p:nvSpPr>
+                  <p:spPr>
+                    <a:xfrm>
+                      <a:off x="4019281" y="3911419"/>
+                      <a:ext cx="1514645" cy="369332"/>
+                    </a:xfrm>
+                    <a:prstGeom prst="rect">
+                      <a:avLst/>
+                    </a:prstGeom>
+                    <a:noFill/>
+                  </p:spPr>
+                  <p:txBody>
+                    <a:bodyPr wrap="none" rtlCol="0">
+                      <a:spAutoFit/>
+                    </a:bodyPr>
+                    <a:lstStyle/>
+                    <a:p>
+                      <a:pPr/>
+                      <a14:m>
+                        <m:oMathPara xmlns:m="http://schemas.openxmlformats.org/officeDocument/2006/math">
+                          <m:oMathParaPr>
+                            <m:jc m:val="centerGroup"/>
+                          </m:oMathParaPr>
+                          <m:oMath xmlns:m="http://schemas.openxmlformats.org/officeDocument/2006/math">
+                            <m:r>
+                              <a:rPr lang="en-US" altLang="zh-CN" b="0" i="1" smtClean="0">
+                                <a:latin typeface="Cambria Math" panose="02040503050406030204" pitchFamily="18" charset="0"/>
+                              </a:rPr>
+                              <m:t>𝑘</m:t>
+                            </m:r>
+                            <m:r>
+                              <a:rPr lang="en-US" altLang="zh-CN" b="0" i="1" smtClean="0">
+                                <a:latin typeface="Cambria Math" panose="02040503050406030204" pitchFamily="18" charset="0"/>
+                              </a:rPr>
+                              <m:t>=5,</m:t>
+                            </m:r>
+                            <m:r>
+                              <a:rPr lang="en-US" altLang="zh-CN" b="0" i="1" smtClean="0">
+                                <a:latin typeface="Cambria Math" panose="02040503050406030204" pitchFamily="18" charset="0"/>
+                              </a:rPr>
+                              <m:t>𝑚</m:t>
+                            </m:r>
+                            <m:r>
+                              <a:rPr lang="en-US" altLang="zh-CN" b="0" i="1" smtClean="0">
+                                <a:latin typeface="Cambria Math" panose="02040503050406030204" pitchFamily="18" charset="0"/>
+                              </a:rPr>
+                              <m:t>=2</m:t>
+                            </m:r>
+                          </m:oMath>
+                        </m:oMathPara>
+                      </a14:m>
+                      <a:endParaRPr lang="zh-CN" altLang="en-US" dirty="0"/>
+                    </a:p>
+                  </p:txBody>
+                </p:sp>
+              </mc:Choice>
+              <mc:Fallback xmlns="">
+                <p:sp>
+                  <p:nvSpPr>
+                    <p:cNvPr id="78" name="文本框 77"/>
+                    <p:cNvSpPr txBox="1">
+                      <a:spLocks noRot="1" noChangeAspect="1" noMove="1" noResize="1" noEditPoints="1" noAdjustHandles="1" noChangeArrowheads="1" noChangeShapeType="1" noTextEdit="1"/>
+                    </p:cNvSpPr>
+                    <p:nvPr/>
+                  </p:nvSpPr>
+                  <p:spPr>
+                    <a:xfrm>
+                      <a:off x="4019281" y="3911419"/>
+                      <a:ext cx="1514645" cy="369332"/>
+                    </a:xfrm>
+                    <a:prstGeom prst="rect">
+                      <a:avLst/>
+                    </a:prstGeom>
+                    <a:blipFill>
+                      <a:blip r:embed="rId5"/>
+                      <a:stretch>
+                        <a:fillRect/>
+                      </a:stretch>
+                    </a:blipFill>
+                  </p:spPr>
+                  <p:txBody>
+                    <a:bodyPr/>
+                    <a:lstStyle/>
+                    <a:p>
+                      <a:r>
+                        <a:rPr lang="zh-CN" altLang="en-US">
+                          <a:noFill/>
+                        </a:rPr>
+                        <a:t> </a:t>
+                      </a:r>
+                    </a:p>
+                  </p:txBody>
+                </p:sp>
+              </mc:Fallback>
+            </mc:AlternateContent>
+          </p:grpSp>
+          <p:sp>
+            <p:nvSpPr>
+              <p:cNvPr id="82" name="矩形 81"/>
+              <p:cNvSpPr/>
+              <p:nvPr/>
+            </p:nvSpPr>
+            <p:spPr>
+              <a:xfrm>
+                <a:off x="2115127" y="461818"/>
+                <a:ext cx="2321940" cy="258608"/>
+              </a:xfrm>
+              <a:prstGeom prst="rect">
+                <a:avLst/>
+              </a:prstGeom>
+              <a:solidFill>
+                <a:schemeClr val="bg1"/>
+              </a:solidFill>
+              <a:ln>
+                <a:noFill/>
+              </a:ln>
+            </p:spPr>
+            <p:style>
+              <a:lnRef idx="2">
+                <a:schemeClr val="accent1">
+                  <a:shade val="50000"/>
+                </a:schemeClr>
+              </a:lnRef>
+              <a:fillRef idx="1">
+                <a:schemeClr val="accent1"/>
+              </a:fillRef>
+              <a:effectRef idx="0">
+                <a:schemeClr val="accent1"/>
+              </a:effectRef>
+              <a:fontRef idx="minor">
+                <a:schemeClr val="lt1"/>
+              </a:fontRef>
+            </p:style>
+            <p:txBody>
+              <a:bodyPr rtlCol="0" anchor="ctr"/>
+              <a:lstStyle/>
+              <a:p>
+                <a:pPr algn="ctr"/>
+                <a:endParaRPr lang="zh-CN" altLang="en-US"/>
+              </a:p>
+            </p:txBody>
+          </p:sp>
+        </p:grpSp>
+      </p:grpSp>
+    </p:spTree>
+    <p:extLst>
+      <p:ext uri="{BB962C8B-B14F-4D97-AF65-F5344CB8AC3E}">
+        <p14:creationId xmlns:p14="http://schemas.microsoft.com/office/powerpoint/2010/main" val="470325439"/>
+      </p:ext>
+    </p:extLst>
+  </p:cSld>
+  <p:clrMapOvr>
+    <a:masterClrMapping/>
+  </p:clrMapOvr>
+  <p:timing>
+    <p:tnLst>
+      <p:par>
+        <p:cTn id="1" dur="indefinite" restart="never" nodeType="tmRoot"/>
+      </p:par>
+    </p:tnLst>
+  </p:timing>
+</p:sld>
+</file>
+
+<file path=ppt/slides/slide18.xml><?xml version="1.0" encoding="utf-8"?>
+<p:sld xmlns:a="http://schemas.openxmlformats.org/drawingml/2006/main" xmlns:r="http://schemas.openxmlformats.org/officeDocument/2006/relationships" xmlns:p="http://schemas.openxmlformats.org/presentationml/2006/main">
+  <p:cSld>
+    <p:spTree>
+      <p:nvGrpSpPr>
+        <p:cNvPr id="1" name=""/>
+        <p:cNvGrpSpPr/>
+        <p:nvPr/>
+      </p:nvGrpSpPr>
+      <p:grpSpPr>
+        <a:xfrm>
+          <a:off x="0" y="0"/>
+          <a:ext cx="0" cy="0"/>
+          <a:chOff x="0" y="0"/>
+          <a:chExt cx="0" cy="0"/>
+        </a:xfrm>
+      </p:grpSpPr>
+      <p:grpSp>
+        <p:nvGrpSpPr>
+          <p:cNvPr id="18" name="组合 17"/>
+          <p:cNvGrpSpPr/>
+          <p:nvPr/>
+        </p:nvGrpSpPr>
+        <p:grpSpPr>
+          <a:xfrm>
+            <a:off x="4593820" y="2088999"/>
+            <a:ext cx="7315216" cy="3022994"/>
+            <a:chOff x="6461531" y="2079272"/>
+            <a:chExt cx="7315216" cy="3022994"/>
+          </a:xfrm>
+        </p:grpSpPr>
+        <p:grpSp>
+          <p:nvGrpSpPr>
+            <p:cNvPr id="3" name="组合 2"/>
+            <p:cNvGrpSpPr/>
+            <p:nvPr/>
+          </p:nvGrpSpPr>
+          <p:grpSpPr>
+            <a:xfrm>
+              <a:off x="10119139" y="2079272"/>
+              <a:ext cx="3657608" cy="2997345"/>
+              <a:chOff x="10119139" y="2079272"/>
+              <a:chExt cx="3657608" cy="2997345"/>
+            </a:xfrm>
+          </p:grpSpPr>
+          <p:pic>
+            <p:nvPicPr>
+              <p:cNvPr id="2" name="图片 1"/>
+              <p:cNvPicPr>
+                <a:picLocks noChangeAspect="1"/>
+              </p:cNvPicPr>
+              <p:nvPr/>
+            </p:nvPicPr>
+            <p:blipFill>
+              <a:blip r:embed="rId2">
+                <a:extLst>
+                  <a:ext uri="{28A0092B-C50C-407E-A947-70E740481C1C}">
+                    <a14:useLocalDpi xmlns:a14="http://schemas.microsoft.com/office/drawing/2010/main" val="0"/>
+                  </a:ext>
+                </a:extLst>
+              </a:blip>
+              <a:stretch>
+                <a:fillRect/>
+              </a:stretch>
+            </p:blipFill>
+            <p:spPr>
+              <a:xfrm>
+                <a:off x="10119139" y="2079272"/>
+                <a:ext cx="3657608" cy="2720346"/>
+              </a:xfrm>
+              <a:prstGeom prst="rect">
+                <a:avLst/>
+              </a:prstGeom>
+            </p:spPr>
+          </p:pic>
+          <p:sp>
+            <p:nvSpPr>
+              <p:cNvPr id="15" name="文本框 14"/>
+              <p:cNvSpPr txBox="1"/>
+              <p:nvPr/>
+            </p:nvSpPr>
+            <p:spPr>
+              <a:xfrm>
+                <a:off x="11772254" y="4799618"/>
+                <a:ext cx="357790" cy="276999"/>
+              </a:xfrm>
+              <a:prstGeom prst="rect">
+                <a:avLst/>
+              </a:prstGeom>
+              <a:noFill/>
+            </p:spPr>
+            <p:txBody>
+              <a:bodyPr wrap="none" rtlCol="0">
+                <a:spAutoFit/>
+              </a:bodyPr>
+              <a:lstStyle/>
+              <a:p>
+                <a:r>
+                  <a:rPr lang="en-US" altLang="zh-CN" sz="1200" dirty="0" smtClean="0"/>
+                  <a:t>(b)</a:t>
+                </a:r>
+                <a:endParaRPr lang="zh-CN" altLang="en-US" sz="1200" dirty="0"/>
+              </a:p>
+            </p:txBody>
+          </p:sp>
+        </p:grpSp>
+        <p:grpSp>
+          <p:nvGrpSpPr>
+            <p:cNvPr id="17" name="组合 16"/>
+            <p:cNvGrpSpPr/>
+            <p:nvPr/>
+          </p:nvGrpSpPr>
+          <p:grpSpPr>
+            <a:xfrm>
+              <a:off x="6461531" y="2079272"/>
+              <a:ext cx="3657608" cy="3022994"/>
+              <a:chOff x="6461531" y="2079272"/>
+              <a:chExt cx="3657608" cy="3022994"/>
+            </a:xfrm>
+          </p:grpSpPr>
+          <p:pic>
+            <p:nvPicPr>
+              <p:cNvPr id="6" name="图片 5"/>
+              <p:cNvPicPr>
+                <a:picLocks noChangeAspect="1"/>
+              </p:cNvPicPr>
+              <p:nvPr/>
+            </p:nvPicPr>
+            <p:blipFill>
+              <a:blip r:embed="rId3">
+                <a:extLst>
+                  <a:ext uri="{28A0092B-C50C-407E-A947-70E740481C1C}">
+                    <a14:useLocalDpi xmlns:a14="http://schemas.microsoft.com/office/drawing/2010/main" val="0"/>
+                  </a:ext>
+                </a:extLst>
+              </a:blip>
+              <a:stretch>
+                <a:fillRect/>
+              </a:stretch>
+            </p:blipFill>
+            <p:spPr>
+              <a:xfrm>
+                <a:off x="6461531" y="2079272"/>
+                <a:ext cx="3657608" cy="2720346"/>
+              </a:xfrm>
+              <a:prstGeom prst="rect">
+                <a:avLst/>
+              </a:prstGeom>
+            </p:spPr>
+          </p:pic>
+          <p:sp>
+            <p:nvSpPr>
+              <p:cNvPr id="16" name="文本框 15"/>
+              <p:cNvSpPr txBox="1"/>
+              <p:nvPr/>
+            </p:nvSpPr>
+            <p:spPr>
+              <a:xfrm>
+                <a:off x="8111440" y="4825267"/>
+                <a:ext cx="351378" cy="276999"/>
+              </a:xfrm>
+              <a:prstGeom prst="rect">
+                <a:avLst/>
+              </a:prstGeom>
+              <a:noFill/>
+            </p:spPr>
+            <p:txBody>
+              <a:bodyPr wrap="none" rtlCol="0">
+                <a:spAutoFit/>
+              </a:bodyPr>
+              <a:lstStyle/>
+              <a:p>
+                <a:r>
+                  <a:rPr lang="en-US" altLang="zh-CN" sz="1200" dirty="0" smtClean="0"/>
+                  <a:t>(a)</a:t>
+                </a:r>
+                <a:endParaRPr lang="zh-CN" altLang="en-US" sz="1200" dirty="0"/>
+              </a:p>
+            </p:txBody>
+          </p:sp>
+        </p:grpSp>
+      </p:grpSp>
+      <p:pic>
+        <p:nvPicPr>
+          <p:cNvPr id="20" name="图片 19"/>
+          <p:cNvPicPr>
+            <a:picLocks noChangeAspect="1"/>
+          </p:cNvPicPr>
+          <p:nvPr/>
+        </p:nvPicPr>
+        <p:blipFill rotWithShape="1">
+          <a:blip r:embed="rId4"/>
+          <a:srcRect l="25210" r="18967" b="15921"/>
+          <a:stretch/>
+        </p:blipFill>
+        <p:spPr>
+          <a:xfrm>
+            <a:off x="1994170" y="821325"/>
+            <a:ext cx="3015575" cy="1065842"/>
+          </a:xfrm>
+          <a:prstGeom prst="rect">
+            <a:avLst/>
+          </a:prstGeom>
+        </p:spPr>
+      </p:pic>
+    </p:spTree>
+    <p:extLst>
+      <p:ext uri="{BB962C8B-B14F-4D97-AF65-F5344CB8AC3E}">
+        <p14:creationId xmlns:p14="http://schemas.microsoft.com/office/powerpoint/2010/main" val="2555620042"/>
+      </p:ext>
+    </p:extLst>
+  </p:cSld>
+  <p:clrMapOvr>
+    <a:masterClrMapping/>
+  </p:clrMapOvr>
+</p:sld>
+</file>
+
+<file path=ppt/slides/slide19.xml><?xml version="1.0" encoding="utf-8"?>
+<p:sld xmlns:a="http://schemas.openxmlformats.org/drawingml/2006/main" xmlns:r="http://schemas.openxmlformats.org/officeDocument/2006/relationships" xmlns:p="http://schemas.openxmlformats.org/presentationml/2006/main">
+  <p:cSld>
+    <p:spTree>
+      <p:nvGrpSpPr>
+        <p:cNvPr id="1" name=""/>
+        <p:cNvGrpSpPr/>
+        <p:nvPr/>
+      </p:nvGrpSpPr>
+      <p:grpSpPr>
+        <a:xfrm>
+          <a:off x="0" y="0"/>
+          <a:ext cx="0" cy="0"/>
+          <a:chOff x="0" y="0"/>
+          <a:chExt cx="0" cy="0"/>
+        </a:xfrm>
+      </p:grpSpPr>
+      <p:grpSp>
+        <p:nvGrpSpPr>
+          <p:cNvPr id="19" name="组合 18"/>
+          <p:cNvGrpSpPr/>
+          <p:nvPr/>
+        </p:nvGrpSpPr>
+        <p:grpSpPr>
+          <a:xfrm>
+            <a:off x="2130194" y="2234914"/>
+            <a:ext cx="7315216" cy="2997344"/>
+            <a:chOff x="6206084" y="2079272"/>
+            <a:chExt cx="7315216" cy="2997344"/>
+          </a:xfrm>
+        </p:grpSpPr>
+        <p:grpSp>
+          <p:nvGrpSpPr>
+            <p:cNvPr id="14" name="组合 13"/>
+            <p:cNvGrpSpPr/>
+            <p:nvPr/>
+          </p:nvGrpSpPr>
+          <p:grpSpPr>
+            <a:xfrm>
+              <a:off x="9863692" y="2079272"/>
+              <a:ext cx="3657608" cy="2997344"/>
+              <a:chOff x="9863692" y="2079272"/>
+              <a:chExt cx="3657608" cy="2997344"/>
+            </a:xfrm>
+          </p:grpSpPr>
+          <p:pic>
+            <p:nvPicPr>
+              <p:cNvPr id="9" name="图片 8"/>
+              <p:cNvPicPr>
+                <a:picLocks noChangeAspect="1"/>
+              </p:cNvPicPr>
+              <p:nvPr/>
+            </p:nvPicPr>
+            <p:blipFill>
+              <a:blip r:embed="rId2">
+                <a:extLst>
+                  <a:ext uri="{28A0092B-C50C-407E-A947-70E740481C1C}">
+                    <a14:useLocalDpi xmlns:a14="http://schemas.microsoft.com/office/drawing/2010/main" val="0"/>
+                  </a:ext>
+                </a:extLst>
+              </a:blip>
+              <a:stretch>
+                <a:fillRect/>
+              </a:stretch>
+            </p:blipFill>
+            <p:spPr>
+              <a:xfrm>
+                <a:off x="9863692" y="2079272"/>
+                <a:ext cx="3657608" cy="2720346"/>
+              </a:xfrm>
+              <a:prstGeom prst="rect">
+                <a:avLst/>
+              </a:prstGeom>
+            </p:spPr>
+          </p:pic>
+          <p:sp>
+            <p:nvSpPr>
+              <p:cNvPr id="12" name="文本框 11"/>
+              <p:cNvSpPr txBox="1"/>
+              <p:nvPr/>
+            </p:nvSpPr>
+            <p:spPr>
+              <a:xfrm>
+                <a:off x="11516807" y="4799617"/>
+                <a:ext cx="357790" cy="276999"/>
+              </a:xfrm>
+              <a:prstGeom prst="rect">
+                <a:avLst/>
+              </a:prstGeom>
+              <a:noFill/>
+            </p:spPr>
+            <p:txBody>
+              <a:bodyPr wrap="none" rtlCol="0">
+                <a:spAutoFit/>
+              </a:bodyPr>
+              <a:lstStyle/>
+              <a:p>
+                <a:r>
+                  <a:rPr lang="en-US" altLang="zh-CN" sz="1200" dirty="0" smtClean="0"/>
+                  <a:t>(b)</a:t>
+                </a:r>
+                <a:endParaRPr lang="zh-CN" altLang="en-US" sz="1200" dirty="0"/>
+              </a:p>
+            </p:txBody>
+          </p:sp>
+        </p:grpSp>
+        <p:grpSp>
+          <p:nvGrpSpPr>
+            <p:cNvPr id="18" name="组合 17"/>
+            <p:cNvGrpSpPr/>
+            <p:nvPr/>
+          </p:nvGrpSpPr>
+          <p:grpSpPr>
+            <a:xfrm>
+              <a:off x="6206084" y="2079272"/>
+              <a:ext cx="3657608" cy="2997343"/>
+              <a:chOff x="6206084" y="2079272"/>
+              <a:chExt cx="3657608" cy="2997343"/>
+            </a:xfrm>
+          </p:grpSpPr>
+          <p:sp>
+            <p:nvSpPr>
+              <p:cNvPr id="13" name="文本框 12"/>
+              <p:cNvSpPr txBox="1"/>
+              <p:nvPr/>
+            </p:nvSpPr>
+            <p:spPr>
+              <a:xfrm>
+                <a:off x="7855993" y="4799616"/>
+                <a:ext cx="351378" cy="276999"/>
+              </a:xfrm>
+              <a:prstGeom prst="rect">
+                <a:avLst/>
+              </a:prstGeom>
+              <a:noFill/>
+            </p:spPr>
+            <p:txBody>
+              <a:bodyPr wrap="none" rtlCol="0">
+                <a:spAutoFit/>
+              </a:bodyPr>
+              <a:lstStyle/>
+              <a:p>
+                <a:r>
+                  <a:rPr lang="en-US" altLang="zh-CN" sz="1200" dirty="0" smtClean="0"/>
+                  <a:t>(a)</a:t>
+                </a:r>
+                <a:endParaRPr lang="zh-CN" altLang="en-US" sz="1200" dirty="0"/>
+              </a:p>
+            </p:txBody>
+          </p:sp>
+          <p:pic>
+            <p:nvPicPr>
+              <p:cNvPr id="17" name="图片 16"/>
+              <p:cNvPicPr>
+                <a:picLocks noChangeAspect="1"/>
+              </p:cNvPicPr>
+              <p:nvPr/>
+            </p:nvPicPr>
+            <p:blipFill>
+              <a:blip r:embed="rId3">
+                <a:extLst>
+                  <a:ext uri="{28A0092B-C50C-407E-A947-70E740481C1C}">
+                    <a14:useLocalDpi xmlns:a14="http://schemas.microsoft.com/office/drawing/2010/main" val="0"/>
+                  </a:ext>
+                </a:extLst>
+              </a:blip>
+              <a:stretch>
+                <a:fillRect/>
+              </a:stretch>
+            </p:blipFill>
+            <p:spPr>
+              <a:xfrm>
+                <a:off x="6206084" y="2079272"/>
+                <a:ext cx="3657608" cy="2720346"/>
+              </a:xfrm>
+              <a:prstGeom prst="rect">
+                <a:avLst/>
+              </a:prstGeom>
+            </p:spPr>
+          </p:pic>
+        </p:grpSp>
+      </p:grpSp>
+    </p:spTree>
+    <p:extLst>
+      <p:ext uri="{BB962C8B-B14F-4D97-AF65-F5344CB8AC3E}">
+        <p14:creationId xmlns:p14="http://schemas.microsoft.com/office/powerpoint/2010/main" val="2745564658"/>
+      </p:ext>
+    </p:extLst>
+  </p:cSld>
+  <p:clrMapOvr>
+    <a:masterClrMapping/>
+  </p:clrMapOvr>
+</p:sld>
+</file>
+
+<file path=ppt/slides/slide2.xml><?xml version="1.0" encoding="utf-8"?>
+<p:sld xmlns:a="http://schemas.openxmlformats.org/drawingml/2006/main" xmlns:r="http://schemas.openxmlformats.org/officeDocument/2006/relationships" xmlns:p="http://schemas.openxmlformats.org/presentationml/2006/main">
+  <p:cSld>
+    <p:spTree>
+      <p:nvGrpSpPr>
+        <p:cNvPr id="1" name=""/>
+        <p:cNvGrpSpPr/>
+        <p:nvPr/>
+      </p:nvGrpSpPr>
+      <p:grpSpPr>
+        <a:xfrm>
+          <a:off x="0" y="0"/>
+          <a:ext cx="0" cy="0"/>
+          <a:chOff x="0" y="0"/>
+          <a:chExt cx="0" cy="0"/>
+        </a:xfrm>
+      </p:grpSpPr>
+      <p:sp>
+        <p:nvSpPr>
+          <p:cNvPr id="2" name="Title 1"/>
+          <p:cNvSpPr>
+            <a:spLocks noGrp="1"/>
+          </p:cNvSpPr>
+          <p:nvPr>
+            <p:ph type="title"/>
+          </p:nvPr>
+        </p:nvSpPr>
+        <p:spPr/>
+        <p:txBody>
+          <a:bodyPr/>
+          <a:lstStyle/>
+          <a:p>
+            <a:r>
+              <a:rPr lang="en-US" dirty="0" smtClean="0"/>
+              <a:t>Imbalanced Data</a:t>
+            </a:r>
+            <a:endParaRPr lang="en-US" dirty="0"/>
+          </a:p>
+        </p:txBody>
+      </p:sp>
+      <p:sp>
+        <p:nvSpPr>
+          <p:cNvPr id="3" name="Content Placeholder 2"/>
+          <p:cNvSpPr>
+            <a:spLocks noGrp="1"/>
+          </p:cNvSpPr>
+          <p:nvPr>
+            <p:ph idx="1"/>
+          </p:nvPr>
+        </p:nvSpPr>
+        <p:spPr/>
+        <p:txBody>
+          <a:bodyPr/>
+          <a:lstStyle/>
+          <a:p>
+            <a:r>
+              <a:rPr lang="en-US" dirty="0" smtClean="0"/>
+              <a:t>The data distribution is imbalanced between classes.</a:t>
+            </a:r>
+          </a:p>
+          <a:p>
+            <a:r>
+              <a:rPr lang="en-US" dirty="0" smtClean="0"/>
+              <a:t>Imbalanced data is getting much attention.</a:t>
+            </a:r>
+          </a:p>
+          <a:p>
+            <a:pPr lvl="1"/>
+            <a:r>
+              <a:rPr lang="en-US" dirty="0" smtClean="0"/>
+              <a:t>Clinic Analysis</a:t>
+            </a:r>
+          </a:p>
+          <a:p>
+            <a:pPr lvl="1"/>
+            <a:r>
+              <a:rPr lang="en-US" altLang="zh-CN" dirty="0" smtClean="0"/>
+              <a:t>Fraud Detection</a:t>
+            </a:r>
+          </a:p>
+          <a:p>
+            <a:endParaRPr lang="en-US" altLang="zh-CN" dirty="0"/>
+          </a:p>
+          <a:p>
+            <a:r>
+              <a:rPr lang="en-US" altLang="zh-CN" dirty="0" smtClean="0"/>
+              <a:t>Why problem comes?</a:t>
+            </a:r>
+          </a:p>
+          <a:p>
+            <a:pPr lvl="1"/>
+            <a:r>
+              <a:rPr lang="en-US" altLang="zh-CN" dirty="0" smtClean="0"/>
+              <a:t>Traditional models for classification are designed assuming the data is balanced.</a:t>
+            </a:r>
+            <a:endParaRPr lang="en-US" altLang="zh-CN" dirty="0"/>
+          </a:p>
+          <a:p>
+            <a:pPr lvl="1"/>
+            <a:r>
+              <a:rPr lang="en-US" altLang="zh-CN" dirty="0" smtClean="0"/>
+              <a:t>We call this </a:t>
+            </a:r>
+            <a:r>
+              <a:rPr lang="en-US" altLang="zh-CN" dirty="0" smtClean="0">
+                <a:solidFill>
+                  <a:srgbClr val="FF0000"/>
+                </a:solidFill>
+              </a:rPr>
+              <a:t>Imbalanced Data Set(IDS) problem</a:t>
+            </a:r>
+            <a:r>
+              <a:rPr lang="en-US" altLang="zh-CN" dirty="0" smtClean="0"/>
+              <a:t>.</a:t>
+            </a:r>
+          </a:p>
+        </p:txBody>
+      </p:sp>
+    </p:spTree>
+    <p:extLst>
+      <p:ext uri="{BB962C8B-B14F-4D97-AF65-F5344CB8AC3E}">
+        <p14:creationId xmlns:p14="http://schemas.microsoft.com/office/powerpoint/2010/main" val="1787377613"/>
+      </p:ext>
+    </p:extLst>
+  </p:cSld>
+  <p:clrMapOvr>
+    <a:masterClrMapping/>
+  </p:clrMapOvr>
+  <p:timing>
+    <p:tnLst>
+      <p:par>
+        <p:cTn id="1" dur="indefinite" restart="never" nodeType="tmRoot"/>
+      </p:par>
+    </p:tnLst>
+  </p:timing>
+</p:sld>
+</file>
+
+<file path=ppt/slides/slide20.xml><?xml version="1.0" encoding="utf-8"?>
 <p:sld xmlns:a="http://schemas.openxmlformats.org/drawingml/2006/main" xmlns:r="http://schemas.openxmlformats.org/officeDocument/2006/relationships" xmlns:p="http://schemas.openxmlformats.org/presentationml/2006/main">
   <p:cSld>
     <p:spTree>
@@ -27316,7 +30286,7 @@
 </p:sld>
 </file>
 
-<file path=ppt/slides/slide18.xml><?xml version="1.0" encoding="utf-8"?>
+<file path=ppt/slides/slide21.xml><?xml version="1.0" encoding="utf-8"?>
 <p:sld xmlns:a="http://schemas.openxmlformats.org/drawingml/2006/main" xmlns:r="http://schemas.openxmlformats.org/officeDocument/2006/relationships" xmlns:p="http://schemas.openxmlformats.org/presentationml/2006/main">
   <p:cSld>
     <p:spTree>
@@ -27453,7 +30423,7 @@
 </p:sld>
 </file>
 
-<file path=ppt/slides/slide19.xml><?xml version="1.0" encoding="utf-8"?>
+<file path=ppt/slides/slide22.xml><?xml version="1.0" encoding="utf-8"?>
 <p:sld xmlns:a="http://schemas.openxmlformats.org/drawingml/2006/main" xmlns:r="http://schemas.openxmlformats.org/officeDocument/2006/relationships" xmlns:p="http://schemas.openxmlformats.org/presentationml/2006/main">
   <p:cSld>
     <p:spTree>
@@ -29044,145 +32014,7 @@
 </p:sld>
 </file>
 
-<file path=ppt/slides/slide2.xml><?xml version="1.0" encoding="utf-8"?>
-<p:sld xmlns:a="http://schemas.openxmlformats.org/drawingml/2006/main" xmlns:r="http://schemas.openxmlformats.org/officeDocument/2006/relationships" xmlns:p="http://schemas.openxmlformats.org/presentationml/2006/main">
-  <p:cSld>
-    <p:spTree>
-      <p:nvGrpSpPr>
-        <p:cNvPr id="1" name=""/>
-        <p:cNvGrpSpPr/>
-        <p:nvPr/>
-      </p:nvGrpSpPr>
-      <p:grpSpPr>
-        <a:xfrm>
-          <a:off x="0" y="0"/>
-          <a:ext cx="0" cy="0"/>
-          <a:chOff x="0" y="0"/>
-          <a:chExt cx="0" cy="0"/>
-        </a:xfrm>
-      </p:grpSpPr>
-      <p:sp>
-        <p:nvSpPr>
-          <p:cNvPr id="2" name="Title 1"/>
-          <p:cNvSpPr>
-            <a:spLocks noGrp="1"/>
-          </p:cNvSpPr>
-          <p:nvPr>
-            <p:ph type="title"/>
-          </p:nvPr>
-        </p:nvSpPr>
-        <p:spPr/>
-        <p:txBody>
-          <a:bodyPr/>
-          <a:lstStyle/>
-          <a:p>
-            <a:r>
-              <a:rPr lang="en-US" dirty="0" smtClean="0"/>
-              <a:t>Imbalanced Data</a:t>
-            </a:r>
-            <a:endParaRPr lang="en-US" dirty="0"/>
-          </a:p>
-        </p:txBody>
-      </p:sp>
-      <p:sp>
-        <p:nvSpPr>
-          <p:cNvPr id="3" name="Content Placeholder 2"/>
-          <p:cNvSpPr>
-            <a:spLocks noGrp="1"/>
-          </p:cNvSpPr>
-          <p:nvPr>
-            <p:ph idx="1"/>
-          </p:nvPr>
-        </p:nvSpPr>
-        <p:spPr/>
-        <p:txBody>
-          <a:bodyPr/>
-          <a:lstStyle/>
-          <a:p>
-            <a:r>
-              <a:rPr lang="en-US" dirty="0" smtClean="0"/>
-              <a:t>The data distribution is imbalanced between classes.</a:t>
-            </a:r>
-          </a:p>
-          <a:p>
-            <a:r>
-              <a:rPr lang="en-US" dirty="0" smtClean="0"/>
-              <a:t>Imbalanced data is getting much attention.</a:t>
-            </a:r>
-          </a:p>
-          <a:p>
-            <a:pPr lvl="1"/>
-            <a:r>
-              <a:rPr lang="en-US" dirty="0" smtClean="0"/>
-              <a:t>Clinic Analysis</a:t>
-            </a:r>
-          </a:p>
-          <a:p>
-            <a:pPr lvl="1"/>
-            <a:r>
-              <a:rPr lang="en-US" altLang="zh-CN" dirty="0" smtClean="0"/>
-              <a:t>Fraud Detection</a:t>
-            </a:r>
-          </a:p>
-          <a:p>
-            <a:endParaRPr lang="en-US" altLang="zh-CN" dirty="0"/>
-          </a:p>
-          <a:p>
-            <a:r>
-              <a:rPr lang="en-US" altLang="zh-CN" dirty="0" smtClean="0"/>
-              <a:t>Why problem comes?</a:t>
-            </a:r>
-          </a:p>
-          <a:p>
-            <a:pPr lvl="1"/>
-            <a:r>
-              <a:rPr lang="en-US" altLang="zh-CN" dirty="0" smtClean="0"/>
-              <a:t>Traditional models for classification are designed assuming the data is balanced.</a:t>
-            </a:r>
-            <a:endParaRPr lang="en-US" altLang="zh-CN" dirty="0"/>
-          </a:p>
-          <a:p>
-            <a:pPr lvl="1"/>
-            <a:r>
-              <a:rPr lang="en-US" altLang="zh-CN" dirty="0" smtClean="0"/>
-              <a:t>We call this </a:t>
-            </a:r>
-            <a:r>
-              <a:rPr lang="en-US" altLang="zh-CN" dirty="0" smtClean="0">
-                <a:solidFill>
-                  <a:srgbClr val="FF0000"/>
-                </a:solidFill>
-              </a:rPr>
-              <a:t>Imbalanced Data Set(IDS) problem</a:t>
-            </a:r>
-            <a:r>
-              <a:rPr lang="en-US" altLang="zh-CN" dirty="0" smtClean="0"/>
-              <a:t>.</a:t>
-            </a:r>
-          </a:p>
-        </p:txBody>
-      </p:sp>
-    </p:spTree>
-    <p:extLst>
-      <p:ext uri="{BB962C8B-B14F-4D97-AF65-F5344CB8AC3E}">
-        <p14:creationId xmlns:p14="http://schemas.microsoft.com/office/powerpoint/2010/main" val="1787377613"/>
-      </p:ext>
-    </p:extLst>
-  </p:cSld>
-  <p:clrMapOvr>
-    <a:masterClrMapping/>
-  </p:clrMapOvr>
-  <p:timing>
-    <p:tnLst>
-      <p:par>
-        <p:cTn id="1" dur="indefinite" restart="never" nodeType="tmRoot"/>
-      </p:par>
-    </p:tnLst>
-  </p:timing>
-</p:sld>
-</file>
-
-<file path=ppt/slides/slide20.xml><?xml version="1.0" encoding="utf-8"?>
+<file path=ppt/slides/slide23.xml><?xml version="1.0" encoding="utf-8"?>
 <p:sld xmlns:a="http://schemas.openxmlformats.org/drawingml/2006/main" xmlns:r="http://schemas.openxmlformats.org/officeDocument/2006/relationships" xmlns:p="http://schemas.openxmlformats.org/presentationml/2006/main">
   <p:cSld>
     <p:spTree>
@@ -30901,7 +33733,7 @@
 </p:sld>
 </file>
 
-<file path=ppt/slides/slide21.xml><?xml version="1.0" encoding="utf-8"?>
+<file path=ppt/slides/slide24.xml><?xml version="1.0" encoding="utf-8"?>
 <p:sld xmlns:a="http://schemas.openxmlformats.org/drawingml/2006/main" xmlns:r="http://schemas.openxmlformats.org/officeDocument/2006/relationships" xmlns:p="http://schemas.openxmlformats.org/presentationml/2006/main">
   <p:cSld>
     <p:spTree>
@@ -31988,7 +34820,7 @@
 </p:sld>
 </file>
 
-<file path=ppt/slides/slide22.xml><?xml version="1.0" encoding="utf-8"?>
+<file path=ppt/slides/slide25.xml><?xml version="1.0" encoding="utf-8"?>
 <p:sld xmlns:a="http://schemas.openxmlformats.org/drawingml/2006/main" xmlns:r="http://schemas.openxmlformats.org/officeDocument/2006/relationships" xmlns:p="http://schemas.openxmlformats.org/presentationml/2006/main">
   <p:cSld>
     <p:spTree>
@@ -32257,7 +35089,7 @@
 </p:sld>
 </file>
 
-<file path=ppt/slides/slide23.xml><?xml version="1.0" encoding="utf-8"?>
+<file path=ppt/slides/slide26.xml><?xml version="1.0" encoding="utf-8"?>
 <p:sld xmlns:a="http://schemas.openxmlformats.org/drawingml/2006/main" xmlns:r="http://schemas.openxmlformats.org/officeDocument/2006/relationships" xmlns:p="http://schemas.openxmlformats.org/presentationml/2006/main">
   <p:cSld>
     <p:spTree>
@@ -32297,8 +35129,8 @@
           </a:p>
         </p:txBody>
       </p:sp>
-      <mc:AlternateContent xmlns:mc="http://schemas.openxmlformats.org/markup-compatibility/2006">
-        <mc:Choice xmlns:a14="http://schemas.microsoft.com/office/drawing/2010/main" Requires="a14">
+      <mc:AlternateContent xmlns:mc="http://schemas.openxmlformats.org/markup-compatibility/2006" xmlns:a14="http://schemas.microsoft.com/office/drawing/2010/main">
+        <mc:Choice Requires="a14">
           <p:sp>
             <p:nvSpPr>
               <p:cNvPr id="3" name="Content Placeholder 2"/>
@@ -32341,11 +35173,7 @@
               <a:p>
                 <a:r>
                   <a:rPr lang="en-US" dirty="0" smtClean="0"/>
-                  <a:t>We </a:t>
-                </a:r>
-                <a:r>
-                  <a:rPr lang="en-US" dirty="0" smtClean="0"/>
-                  <a:t>investigate in Easy-Ensemble method, which</a:t>
+                  <a:t>We investigate in Easy-Ensemble method, which</a:t>
                 </a:r>
               </a:p>
               <a:p>
@@ -32697,7 +35525,7 @@
             </p:txBody>
           </p:sp>
         </mc:Choice>
-        <mc:Fallback>
+        <mc:Fallback xmlns="">
           <p:sp>
             <p:nvSpPr>
               <p:cNvPr id="3" name="Content Placeholder 2"/>
@@ -32785,7 +35613,7 @@
 </p:sld>
 </file>
 
-<file path=ppt/slides/slide24.xml><?xml version="1.0" encoding="utf-8"?>
+<file path=ppt/slides/slide27.xml><?xml version="1.0" encoding="utf-8"?>
 <p:sld xmlns:a="http://schemas.openxmlformats.org/drawingml/2006/main" xmlns:r="http://schemas.openxmlformats.org/officeDocument/2006/relationships" xmlns:p="http://schemas.openxmlformats.org/presentationml/2006/main">
   <p:cSld>
     <p:spTree>
@@ -34510,7 +37338,7 @@
 </p:sld>
 </file>
 
-<file path=ppt/slides/slide25.xml><?xml version="1.0" encoding="utf-8"?>
+<file path=ppt/slides/slide28.xml><?xml version="1.0" encoding="utf-8"?>
 <p:sld xmlns:a="http://schemas.openxmlformats.org/drawingml/2006/main" xmlns:r="http://schemas.openxmlformats.org/officeDocument/2006/relationships" xmlns:p="http://schemas.openxmlformats.org/presentationml/2006/main">
   <p:cSld>
     <p:spTree>
@@ -34647,7 +37475,7 @@
 </p:sld>
 </file>
 
-<file path=ppt/slides/slide26.xml><?xml version="1.0" encoding="utf-8"?>
+<file path=ppt/slides/slide29.xml><?xml version="1.0" encoding="utf-8"?>
 <p:sld xmlns:a="http://schemas.openxmlformats.org/drawingml/2006/main" xmlns:r="http://schemas.openxmlformats.org/officeDocument/2006/relationships" xmlns:p="http://schemas.openxmlformats.org/presentationml/2006/main">
   <p:cSld>
     <p:spTree>
@@ -36092,1166 +38920,6 @@
     <p:extLst>
       <p:ext uri="{BB962C8B-B14F-4D97-AF65-F5344CB8AC3E}">
         <p14:creationId xmlns:p14="http://schemas.microsoft.com/office/powerpoint/2010/main" val="158303477"/>
-      </p:ext>
-    </p:extLst>
-  </p:cSld>
-  <p:clrMapOvr>
-    <a:masterClrMapping/>
-  </p:clrMapOvr>
-  <p:timing>
-    <p:tnLst>
-      <p:par>
-        <p:cTn id="1" dur="indefinite" restart="never" nodeType="tmRoot"/>
-      </p:par>
-    </p:tnLst>
-  </p:timing>
-</p:sld>
-</file>
-
-<file path=ppt/slides/slide27.xml><?xml version="1.0" encoding="utf-8"?>
-<p:sld xmlns:a="http://schemas.openxmlformats.org/drawingml/2006/main" xmlns:r="http://schemas.openxmlformats.org/officeDocument/2006/relationships" xmlns:p="http://schemas.openxmlformats.org/presentationml/2006/main">
-  <p:cSld>
-    <p:spTree>
-      <p:nvGrpSpPr>
-        <p:cNvPr id="1" name=""/>
-        <p:cNvGrpSpPr/>
-        <p:nvPr/>
-      </p:nvGrpSpPr>
-      <p:grpSpPr>
-        <a:xfrm>
-          <a:off x="0" y="0"/>
-          <a:ext cx="0" cy="0"/>
-          <a:chOff x="0" y="0"/>
-          <a:chExt cx="0" cy="0"/>
-        </a:xfrm>
-      </p:grpSpPr>
-      <p:sp>
-        <p:nvSpPr>
-          <p:cNvPr id="2" name="Title 1"/>
-          <p:cNvSpPr>
-            <a:spLocks noGrp="1"/>
-          </p:cNvSpPr>
-          <p:nvPr>
-            <p:ph type="title"/>
-          </p:nvPr>
-        </p:nvSpPr>
-        <p:spPr/>
-        <p:txBody>
-          <a:bodyPr/>
-          <a:lstStyle/>
-          <a:p>
-            <a:r>
-              <a:rPr lang="en-US" dirty="0" smtClean="0"/>
-              <a:t>Outline</a:t>
-            </a:r>
-            <a:endParaRPr lang="en-US" dirty="0"/>
-          </a:p>
-        </p:txBody>
-      </p:sp>
-      <p:sp>
-        <p:nvSpPr>
-          <p:cNvPr id="3" name="Content Placeholder 2"/>
-          <p:cNvSpPr>
-            <a:spLocks noGrp="1"/>
-          </p:cNvSpPr>
-          <p:nvPr>
-            <p:ph idx="1"/>
-          </p:nvPr>
-        </p:nvSpPr>
-        <p:spPr/>
-        <p:txBody>
-          <a:bodyPr/>
-          <a:lstStyle/>
-          <a:p>
-            <a:r>
-              <a:rPr lang="en-US" dirty="0" smtClean="0">
-                <a:solidFill>
-                  <a:schemeClr val="bg1">
-                    <a:lumMod val="65000"/>
-                  </a:schemeClr>
-                </a:solidFill>
-              </a:rPr>
-              <a:t>Motivation and Our Framework</a:t>
-            </a:r>
-          </a:p>
-          <a:p>
-            <a:r>
-              <a:rPr lang="en-US" dirty="0" smtClean="0">
-                <a:solidFill>
-                  <a:schemeClr val="bg1">
-                    <a:lumMod val="65000"/>
-                  </a:schemeClr>
-                </a:solidFill>
-              </a:rPr>
-              <a:t>How IDS impacts on learning</a:t>
-            </a:r>
-          </a:p>
-          <a:p>
-            <a:r>
-              <a:rPr lang="en-US" dirty="0">
-                <a:solidFill>
-                  <a:schemeClr val="bg1">
-                    <a:lumMod val="50000"/>
-                  </a:schemeClr>
-                </a:solidFill>
-              </a:rPr>
-              <a:t>Existing Kinds of Imbalanced Learning Techniques</a:t>
-            </a:r>
-          </a:p>
-          <a:p>
-            <a:r>
-              <a:rPr lang="en-US" dirty="0" smtClean="0">
-                <a:solidFill>
-                  <a:schemeClr val="bg1">
-                    <a:lumMod val="50000"/>
-                  </a:schemeClr>
-                </a:solidFill>
-              </a:rPr>
-              <a:t>Proposal: A Strategy to select technique</a:t>
-            </a:r>
-          </a:p>
-          <a:p>
-            <a:r>
-              <a:rPr lang="en-US" altLang="zh-CN" dirty="0"/>
-              <a:t>Experiments to verify proposal</a:t>
-            </a:r>
-            <a:endParaRPr lang="en-US" dirty="0"/>
-          </a:p>
-        </p:txBody>
-      </p:sp>
-    </p:spTree>
-    <p:extLst>
-      <p:ext uri="{BB962C8B-B14F-4D97-AF65-F5344CB8AC3E}">
-        <p14:creationId xmlns:p14="http://schemas.microsoft.com/office/powerpoint/2010/main" val="1593346362"/>
-      </p:ext>
-    </p:extLst>
-  </p:cSld>
-  <p:clrMapOvr>
-    <a:masterClrMapping/>
-  </p:clrMapOvr>
-  <p:timing>
-    <p:tnLst>
-      <p:par>
-        <p:cTn id="1" dur="indefinite" restart="never" nodeType="tmRoot"/>
-      </p:par>
-    </p:tnLst>
-  </p:timing>
-</p:sld>
-</file>
-
-<file path=ppt/slides/slide28.xml><?xml version="1.0" encoding="utf-8"?>
-<p:sld xmlns:a="http://schemas.openxmlformats.org/drawingml/2006/main" xmlns:r="http://schemas.openxmlformats.org/officeDocument/2006/relationships" xmlns:p="http://schemas.openxmlformats.org/presentationml/2006/main">
-  <p:cSld>
-    <p:spTree>
-      <p:nvGrpSpPr>
-        <p:cNvPr id="1" name=""/>
-        <p:cNvGrpSpPr/>
-        <p:nvPr/>
-      </p:nvGrpSpPr>
-      <p:grpSpPr>
-        <a:xfrm>
-          <a:off x="0" y="0"/>
-          <a:ext cx="0" cy="0"/>
-          <a:chOff x="0" y="0"/>
-          <a:chExt cx="0" cy="0"/>
-        </a:xfrm>
-      </p:grpSpPr>
-      <p:sp>
-        <p:nvSpPr>
-          <p:cNvPr id="2" name="标题 1"/>
-          <p:cNvSpPr>
-            <a:spLocks noGrp="1"/>
-          </p:cNvSpPr>
-          <p:nvPr>
-            <p:ph type="title"/>
-          </p:nvPr>
-        </p:nvSpPr>
-        <p:spPr>
-          <a:xfrm>
-            <a:off x="838199" y="-41511"/>
-            <a:ext cx="10515600" cy="1325563"/>
-          </a:xfrm>
-        </p:spPr>
-        <p:txBody>
-          <a:bodyPr/>
-          <a:lstStyle/>
-          <a:p>
-            <a:r>
-              <a:rPr lang="en-US" altLang="zh-CN" dirty="0" smtClean="0"/>
-              <a:t>Experiments to verify proposal</a:t>
-            </a:r>
-            <a:endParaRPr lang="zh-CN" altLang="en-US" dirty="0"/>
-          </a:p>
-        </p:txBody>
-      </p:sp>
-      <p:pic>
-        <p:nvPicPr>
-          <p:cNvPr id="5" name="图片 4"/>
-          <p:cNvPicPr>
-            <a:picLocks noChangeAspect="1"/>
-          </p:cNvPicPr>
-          <p:nvPr/>
-        </p:nvPicPr>
-        <p:blipFill rotWithShape="1">
-          <a:blip r:embed="rId2"/>
-          <a:srcRect l="8383" r="8186" b="6784"/>
-          <a:stretch/>
-        </p:blipFill>
-        <p:spPr>
-          <a:xfrm>
-            <a:off x="4495799" y="1284052"/>
-            <a:ext cx="6858000" cy="3881335"/>
-          </a:xfrm>
-          <a:prstGeom prst="rect">
-            <a:avLst/>
-          </a:prstGeom>
-        </p:spPr>
-      </p:pic>
-      <mc:AlternateContent xmlns:mc="http://schemas.openxmlformats.org/markup-compatibility/2006" xmlns:a14="http://schemas.microsoft.com/office/drawing/2010/main">
-        <mc:Choice Requires="a14">
-          <p:sp>
-            <p:nvSpPr>
-              <p:cNvPr id="6" name="矩形 5"/>
-              <p:cNvSpPr/>
-              <p:nvPr/>
-            </p:nvSpPr>
-            <p:spPr>
-              <a:xfrm>
-                <a:off x="838199" y="5287271"/>
-                <a:ext cx="10515600" cy="1077218"/>
-              </a:xfrm>
-              <a:prstGeom prst="rect">
-                <a:avLst/>
-              </a:prstGeom>
-            </p:spPr>
-            <p:txBody>
-              <a:bodyPr wrap="square">
-                <a:spAutoFit/>
-              </a:bodyPr>
-              <a:lstStyle/>
-              <a:p>
-                <a:pPr marL="285750" indent="-285750">
-                  <a:buFont typeface="Arial" panose="020B0604020202020204" pitchFamily="34" charset="0"/>
-                  <a:buChar char="•"/>
-                </a:pPr>
-                <a:r>
-                  <a:rPr lang="en-US" altLang="zh-CN" sz="2800" dirty="0"/>
-                  <a:t>Evaluation Metric</a:t>
-                </a:r>
-              </a:p>
-              <a:p>
-                <a:pPr marL="742950" lvl="1" indent="-285750">
-                  <a:buFont typeface="Arial" panose="020B0604020202020204" pitchFamily="34" charset="0"/>
-                  <a:buChar char="•"/>
-                </a:pPr>
-                <a:r>
-                  <a:rPr lang="en-US" altLang="zh-CN" dirty="0"/>
-                  <a:t>F-1 Score</a:t>
-                </a:r>
-              </a:p>
-              <a:p>
-                <a:pPr marL="742950" lvl="1" indent="-285750">
-                  <a:buFont typeface="Arial" panose="020B0604020202020204" pitchFamily="34" charset="0"/>
-                  <a:buChar char="•"/>
-                </a:pPr>
-                <a:r>
-                  <a:rPr lang="en-US" altLang="zh-CN" dirty="0"/>
-                  <a:t>Because of the equal account taken between </a:t>
-                </a:r>
-                <a14:m>
-                  <m:oMath xmlns:m="http://schemas.openxmlformats.org/officeDocument/2006/math">
-                    <m:r>
-                      <a:rPr lang="en-US" altLang="zh-CN" i="1" dirty="0">
-                        <a:latin typeface="Cambria Math" panose="02040503050406030204" pitchFamily="18" charset="0"/>
-                      </a:rPr>
-                      <m:t>𝐹𝑁</m:t>
-                    </m:r>
-                  </m:oMath>
-                </a14:m>
-                <a:r>
-                  <a:rPr lang="en-US" altLang="zh-CN" dirty="0"/>
-                  <a:t> and </a:t>
-                </a:r>
-                <a14:m>
-                  <m:oMath xmlns:m="http://schemas.openxmlformats.org/officeDocument/2006/math">
-                    <m:r>
-                      <a:rPr lang="en-US" altLang="zh-CN" i="1" dirty="0">
-                        <a:latin typeface="Cambria Math" panose="02040503050406030204" pitchFamily="18" charset="0"/>
-                      </a:rPr>
-                      <m:t>𝑇𝑁</m:t>
-                    </m:r>
-                  </m:oMath>
-                </a14:m>
-                <a:endParaRPr lang="zh-CN" altLang="en-US" dirty="0"/>
-              </a:p>
-            </p:txBody>
-          </p:sp>
-        </mc:Choice>
-        <mc:Fallback xmlns="">
-          <p:sp>
-            <p:nvSpPr>
-              <p:cNvPr id="6" name="矩形 5"/>
-              <p:cNvSpPr>
-                <a:spLocks noRot="1" noChangeAspect="1" noMove="1" noResize="1" noEditPoints="1" noAdjustHandles="1" noChangeArrowheads="1" noChangeShapeType="1" noTextEdit="1"/>
-              </p:cNvSpPr>
-              <p:nvPr/>
-            </p:nvSpPr>
-            <p:spPr>
-              <a:xfrm>
-                <a:off x="838199" y="5287271"/>
-                <a:ext cx="10515600" cy="1077218"/>
-              </a:xfrm>
-              <a:prstGeom prst="rect">
-                <a:avLst/>
-              </a:prstGeom>
-              <a:blipFill>
-                <a:blip r:embed="rId3"/>
-                <a:stretch>
-                  <a:fillRect l="-986" t="-5085" b="-7910"/>
-                </a:stretch>
-              </a:blipFill>
-            </p:spPr>
-            <p:txBody>
-              <a:bodyPr/>
-              <a:lstStyle/>
-              <a:p>
-                <a:r>
-                  <a:rPr lang="en-US">
-                    <a:noFill/>
-                  </a:rPr>
-                  <a:t> </a:t>
-                </a:r>
-              </a:p>
-            </p:txBody>
-          </p:sp>
-        </mc:Fallback>
-      </mc:AlternateContent>
-      <p:sp>
-        <p:nvSpPr>
-          <p:cNvPr id="8" name="矩形 7"/>
-          <p:cNvSpPr/>
-          <p:nvPr/>
-        </p:nvSpPr>
-        <p:spPr>
-          <a:xfrm>
-            <a:off x="838199" y="1284052"/>
-            <a:ext cx="3194306" cy="2677656"/>
-          </a:xfrm>
-          <a:prstGeom prst="rect">
-            <a:avLst/>
-          </a:prstGeom>
-        </p:spPr>
-        <p:txBody>
-          <a:bodyPr wrap="square">
-            <a:spAutoFit/>
-          </a:bodyPr>
-          <a:lstStyle/>
-          <a:p>
-            <a:pPr marL="285750" indent="-285750" algn="just">
-              <a:buFont typeface="Arial" panose="020B0604020202020204" pitchFamily="34" charset="0"/>
-              <a:buChar char="•"/>
-            </a:pPr>
-            <a:r>
-              <a:rPr lang="en-US" altLang="zh-CN" sz="2800" dirty="0" smtClean="0"/>
-              <a:t>Dataset</a:t>
-            </a:r>
-            <a:endParaRPr lang="en-US" altLang="zh-CN" sz="2800" dirty="0"/>
-          </a:p>
-          <a:p>
-            <a:pPr marL="742950" lvl="1" indent="-285750" algn="just">
-              <a:buFont typeface="Arial" panose="020B0604020202020204" pitchFamily="34" charset="0"/>
-              <a:buChar char="•"/>
-            </a:pPr>
-            <a:r>
-              <a:rPr lang="en-US" altLang="zh-CN" sz="2000" dirty="0" smtClean="0"/>
-              <a:t>U-AIR contains PM2.5 records of </a:t>
-            </a:r>
-            <a:r>
-              <a:rPr lang="en-US" altLang="zh-CN" sz="2000" dirty="0" smtClean="0">
-                <a:latin typeface="Times New Roman" panose="02020603050405020304" pitchFamily="18" charset="0"/>
-                <a:cs typeface="Times New Roman" panose="02020603050405020304" pitchFamily="18" charset="0"/>
-              </a:rPr>
-              <a:t>35</a:t>
-            </a:r>
-            <a:r>
-              <a:rPr lang="en-US" altLang="zh-CN" sz="2000" dirty="0" smtClean="0"/>
-              <a:t> AQI stations in Beijing from </a:t>
-            </a:r>
-            <a:r>
-              <a:rPr lang="en-US" altLang="zh-CN" sz="2000" dirty="0" smtClean="0">
-                <a:latin typeface="Times New Roman" panose="02020603050405020304" pitchFamily="18" charset="0"/>
-                <a:cs typeface="Times New Roman" panose="02020603050405020304" pitchFamily="18" charset="0"/>
-              </a:rPr>
-              <a:t>2014/05</a:t>
-            </a:r>
-            <a:r>
-              <a:rPr lang="en-US" altLang="zh-CN" sz="2000" dirty="0" smtClean="0"/>
-              <a:t> to </a:t>
-            </a:r>
-            <a:r>
-              <a:rPr lang="en-US" altLang="zh-CN" sz="2000" dirty="0" smtClean="0">
-                <a:latin typeface="Times New Roman" panose="02020603050405020304" pitchFamily="18" charset="0"/>
-                <a:cs typeface="Times New Roman" panose="02020603050405020304" pitchFamily="18" charset="0"/>
-              </a:rPr>
-              <a:t>2015/07</a:t>
-            </a:r>
-            <a:r>
-              <a:rPr lang="en-US" altLang="zh-CN" sz="2000" dirty="0" smtClean="0"/>
-              <a:t>, as well as spatial and temporal features extracted.</a:t>
-            </a:r>
-            <a:endParaRPr lang="en-US" altLang="zh-CN" sz="2800" dirty="0"/>
-          </a:p>
-        </p:txBody>
-      </p:sp>
-    </p:spTree>
-    <p:extLst>
-      <p:ext uri="{BB962C8B-B14F-4D97-AF65-F5344CB8AC3E}">
-        <p14:creationId xmlns:p14="http://schemas.microsoft.com/office/powerpoint/2010/main" val="1984162361"/>
-      </p:ext>
-    </p:extLst>
-  </p:cSld>
-  <p:clrMapOvr>
-    <a:masterClrMapping/>
-  </p:clrMapOvr>
-  <p:timing>
-    <p:tnLst>
-      <p:par>
-        <p:cTn id="1" dur="indefinite" restart="never" nodeType="tmRoot"/>
-      </p:par>
-    </p:tnLst>
-  </p:timing>
-</p:sld>
-</file>
-
-<file path=ppt/slides/slide29.xml><?xml version="1.0" encoding="utf-8"?>
-<p:sld xmlns:a="http://schemas.openxmlformats.org/drawingml/2006/main" xmlns:r="http://schemas.openxmlformats.org/officeDocument/2006/relationships" xmlns:p="http://schemas.openxmlformats.org/presentationml/2006/main">
-  <p:cSld>
-    <p:spTree>
-      <p:nvGrpSpPr>
-        <p:cNvPr id="1" name=""/>
-        <p:cNvGrpSpPr/>
-        <p:nvPr/>
-      </p:nvGrpSpPr>
-      <p:grpSpPr>
-        <a:xfrm>
-          <a:off x="0" y="0"/>
-          <a:ext cx="0" cy="0"/>
-          <a:chOff x="0" y="0"/>
-          <a:chExt cx="0" cy="0"/>
-        </a:xfrm>
-      </p:grpSpPr>
-      <p:grpSp>
-        <p:nvGrpSpPr>
-          <p:cNvPr id="39" name="组合 38"/>
-          <p:cNvGrpSpPr/>
-          <p:nvPr/>
-        </p:nvGrpSpPr>
-        <p:grpSpPr>
-          <a:xfrm>
-            <a:off x="623953" y="213016"/>
-            <a:ext cx="7517019" cy="3901778"/>
-            <a:chOff x="0" y="311284"/>
-            <a:chExt cx="7517019" cy="3901778"/>
-          </a:xfrm>
-        </p:grpSpPr>
-        <p:pic>
-          <p:nvPicPr>
-            <p:cNvPr id="35" name="图片 34"/>
-            <p:cNvPicPr>
-              <a:picLocks noChangeAspect="1"/>
-            </p:cNvPicPr>
-            <p:nvPr/>
-          </p:nvPicPr>
-          <p:blipFill>
-            <a:blip r:embed="rId2"/>
-            <a:stretch>
-              <a:fillRect/>
-            </a:stretch>
-          </p:blipFill>
-          <p:spPr>
-            <a:xfrm>
-              <a:off x="0" y="311284"/>
-              <a:ext cx="7517019" cy="3901778"/>
-            </a:xfrm>
-            <a:prstGeom prst="rect">
-              <a:avLst/>
-            </a:prstGeom>
-          </p:spPr>
-        </p:pic>
-        <p:cxnSp>
-          <p:nvCxnSpPr>
-            <p:cNvPr id="11" name="直接连接符 10"/>
-            <p:cNvCxnSpPr/>
-            <p:nvPr/>
-          </p:nvCxnSpPr>
-          <p:spPr>
-            <a:xfrm>
-              <a:off x="142229" y="2696579"/>
-              <a:ext cx="729673" cy="0"/>
-            </a:xfrm>
-            <a:prstGeom prst="line">
-              <a:avLst/>
-            </a:prstGeom>
-            <a:ln w="38100">
-              <a:solidFill>
-                <a:srgbClr val="FF0000"/>
-              </a:solidFill>
-            </a:ln>
-          </p:spPr>
-          <p:style>
-            <a:lnRef idx="1">
-              <a:schemeClr val="accent1"/>
-            </a:lnRef>
-            <a:fillRef idx="0">
-              <a:schemeClr val="accent1"/>
-            </a:fillRef>
-            <a:effectRef idx="0">
-              <a:schemeClr val="accent1"/>
-            </a:effectRef>
-            <a:fontRef idx="minor">
-              <a:schemeClr val="tx1"/>
-            </a:fontRef>
-          </p:style>
-        </p:cxnSp>
-        <p:cxnSp>
-          <p:nvCxnSpPr>
-            <p:cNvPr id="12" name="直接连接符 11"/>
-            <p:cNvCxnSpPr/>
-            <p:nvPr/>
-          </p:nvCxnSpPr>
-          <p:spPr>
-            <a:xfrm>
-              <a:off x="142229" y="2987525"/>
-              <a:ext cx="729673" cy="0"/>
-            </a:xfrm>
-            <a:prstGeom prst="line">
-              <a:avLst/>
-            </a:prstGeom>
-            <a:ln w="38100">
-              <a:solidFill>
-                <a:srgbClr val="FF0000"/>
-              </a:solidFill>
-            </a:ln>
-          </p:spPr>
-          <p:style>
-            <a:lnRef idx="1">
-              <a:schemeClr val="accent1"/>
-            </a:lnRef>
-            <a:fillRef idx="0">
-              <a:schemeClr val="accent1"/>
-            </a:fillRef>
-            <a:effectRef idx="0">
-              <a:schemeClr val="accent1"/>
-            </a:effectRef>
-            <a:fontRef idx="minor">
-              <a:schemeClr val="tx1"/>
-            </a:fontRef>
-          </p:style>
-        </p:cxnSp>
-        <p:cxnSp>
-          <p:nvCxnSpPr>
-            <p:cNvPr id="13" name="直接连接符 12"/>
-            <p:cNvCxnSpPr/>
-            <p:nvPr/>
-          </p:nvCxnSpPr>
-          <p:spPr>
-            <a:xfrm>
-              <a:off x="142229" y="2377924"/>
-              <a:ext cx="729673" cy="0"/>
-            </a:xfrm>
-            <a:prstGeom prst="line">
-              <a:avLst/>
-            </a:prstGeom>
-            <a:ln w="38100">
-              <a:solidFill>
-                <a:srgbClr val="FF0000"/>
-              </a:solidFill>
-            </a:ln>
-          </p:spPr>
-          <p:style>
-            <a:lnRef idx="1">
-              <a:schemeClr val="accent1"/>
-            </a:lnRef>
-            <a:fillRef idx="0">
-              <a:schemeClr val="accent1"/>
-            </a:fillRef>
-            <a:effectRef idx="0">
-              <a:schemeClr val="accent1"/>
-            </a:effectRef>
-            <a:fontRef idx="minor">
-              <a:schemeClr val="tx1"/>
-            </a:fontRef>
-          </p:style>
-        </p:cxnSp>
-        <p:cxnSp>
-          <p:nvCxnSpPr>
-            <p:cNvPr id="14" name="直接连接符 13"/>
-            <p:cNvCxnSpPr/>
-            <p:nvPr/>
-          </p:nvCxnSpPr>
-          <p:spPr>
-            <a:xfrm>
-              <a:off x="142229" y="2077743"/>
-              <a:ext cx="729673" cy="0"/>
-            </a:xfrm>
-            <a:prstGeom prst="line">
-              <a:avLst/>
-            </a:prstGeom>
-            <a:ln w="38100">
-              <a:solidFill>
-                <a:srgbClr val="FF0000"/>
-              </a:solidFill>
-            </a:ln>
-          </p:spPr>
-          <p:style>
-            <a:lnRef idx="1">
-              <a:schemeClr val="accent1"/>
-            </a:lnRef>
-            <a:fillRef idx="0">
-              <a:schemeClr val="accent1"/>
-            </a:fillRef>
-            <a:effectRef idx="0">
-              <a:schemeClr val="accent1"/>
-            </a:effectRef>
-            <a:fontRef idx="minor">
-              <a:schemeClr val="tx1"/>
-            </a:fontRef>
-          </p:style>
-        </p:cxnSp>
-        <p:sp>
-          <p:nvSpPr>
-            <p:cNvPr id="18" name="矩形 17"/>
-            <p:cNvSpPr/>
-            <p:nvPr/>
-          </p:nvSpPr>
-          <p:spPr>
-            <a:xfrm>
-              <a:off x="1075102" y="1874543"/>
-              <a:ext cx="766618" cy="1112982"/>
-            </a:xfrm>
-            <a:prstGeom prst="rect">
-              <a:avLst/>
-            </a:prstGeom>
-            <a:noFill/>
-            <a:ln w="19050" cap="flat" cmpd="sng" algn="ctr">
-              <a:solidFill>
-                <a:schemeClr val="dk1"/>
-              </a:solidFill>
-              <a:prstDash val="dash"/>
-              <a:round/>
-              <a:headEnd type="none" w="med" len="med"/>
-              <a:tailEnd type="none" w="med" len="med"/>
-            </a:ln>
-          </p:spPr>
-          <p:style>
-            <a:lnRef idx="0">
-              <a:scrgbClr r="0" g="0" b="0"/>
-            </a:lnRef>
-            <a:fillRef idx="0">
-              <a:scrgbClr r="0" g="0" b="0"/>
-            </a:fillRef>
-            <a:effectRef idx="0">
-              <a:scrgbClr r="0" g="0" b="0"/>
-            </a:effectRef>
-            <a:fontRef idx="minor">
-              <a:schemeClr val="dk1"/>
-            </a:fontRef>
-          </p:style>
-          <p:txBody>
-            <a:bodyPr rtlCol="0" anchor="ctr"/>
-            <a:lstStyle/>
-            <a:p>
-              <a:pPr algn="ctr"/>
-              <a:endParaRPr lang="zh-CN" altLang="en-US"/>
-            </a:p>
-          </p:txBody>
-        </p:sp>
-        <p:sp>
-          <p:nvSpPr>
-            <p:cNvPr id="19" name="矩形 18"/>
-            <p:cNvSpPr/>
-            <p:nvPr/>
-          </p:nvSpPr>
-          <p:spPr>
-            <a:xfrm>
-              <a:off x="3241030" y="1874543"/>
-              <a:ext cx="766618" cy="1112982"/>
-            </a:xfrm>
-            <a:prstGeom prst="rect">
-              <a:avLst/>
-            </a:prstGeom>
-            <a:noFill/>
-            <a:ln w="19050" cap="flat" cmpd="sng" algn="ctr">
-              <a:solidFill>
-                <a:schemeClr val="dk1"/>
-              </a:solidFill>
-              <a:prstDash val="dash"/>
-              <a:round/>
-              <a:headEnd type="none" w="med" len="med"/>
-              <a:tailEnd type="none" w="med" len="med"/>
-            </a:ln>
-          </p:spPr>
-          <p:style>
-            <a:lnRef idx="0">
-              <a:scrgbClr r="0" g="0" b="0"/>
-            </a:lnRef>
-            <a:fillRef idx="0">
-              <a:scrgbClr r="0" g="0" b="0"/>
-            </a:fillRef>
-            <a:effectRef idx="0">
-              <a:scrgbClr r="0" g="0" b="0"/>
-            </a:effectRef>
-            <a:fontRef idx="minor">
-              <a:schemeClr val="dk1"/>
-            </a:fontRef>
-          </p:style>
-          <p:txBody>
-            <a:bodyPr rtlCol="0" anchor="ctr"/>
-            <a:lstStyle/>
-            <a:p>
-              <a:pPr algn="ctr"/>
-              <a:endParaRPr lang="zh-CN" altLang="en-US"/>
-            </a:p>
-          </p:txBody>
-        </p:sp>
-        <p:sp>
-          <p:nvSpPr>
-            <p:cNvPr id="20" name="矩形 19"/>
-            <p:cNvSpPr/>
-            <p:nvPr/>
-          </p:nvSpPr>
-          <p:spPr>
-            <a:xfrm>
-              <a:off x="4178521" y="1874543"/>
-              <a:ext cx="766618" cy="1112982"/>
-            </a:xfrm>
-            <a:prstGeom prst="rect">
-              <a:avLst/>
-            </a:prstGeom>
-            <a:noFill/>
-            <a:ln w="19050" cap="flat" cmpd="sng" algn="ctr">
-              <a:solidFill>
-                <a:schemeClr val="dk1"/>
-              </a:solidFill>
-              <a:prstDash val="dash"/>
-              <a:round/>
-              <a:headEnd type="none" w="med" len="med"/>
-              <a:tailEnd type="none" w="med" len="med"/>
-            </a:ln>
-          </p:spPr>
-          <p:style>
-            <a:lnRef idx="0">
-              <a:scrgbClr r="0" g="0" b="0"/>
-            </a:lnRef>
-            <a:fillRef idx="0">
-              <a:scrgbClr r="0" g="0" b="0"/>
-            </a:fillRef>
-            <a:effectRef idx="0">
-              <a:scrgbClr r="0" g="0" b="0"/>
-            </a:effectRef>
-            <a:fontRef idx="minor">
-              <a:schemeClr val="dk1"/>
-            </a:fontRef>
-          </p:style>
-          <p:txBody>
-            <a:bodyPr rtlCol="0" anchor="ctr"/>
-            <a:lstStyle/>
-            <a:p>
-              <a:pPr algn="ctr"/>
-              <a:endParaRPr lang="zh-CN" altLang="en-US"/>
-            </a:p>
-          </p:txBody>
-        </p:sp>
-      </p:grpSp>
-      <p:grpSp>
-        <p:nvGrpSpPr>
-          <p:cNvPr id="40" name="组合 39"/>
-          <p:cNvGrpSpPr/>
-          <p:nvPr/>
-        </p:nvGrpSpPr>
-        <p:grpSpPr>
-          <a:xfrm>
-            <a:off x="8140972" y="1158572"/>
-            <a:ext cx="3657608" cy="2743206"/>
-            <a:chOff x="8316070" y="0"/>
-            <a:chExt cx="3657608" cy="2743206"/>
-          </a:xfrm>
-        </p:grpSpPr>
-        <p:pic>
-          <p:nvPicPr>
-            <p:cNvPr id="25" name="图片 24"/>
-            <p:cNvPicPr>
-              <a:picLocks noChangeAspect="1"/>
-            </p:cNvPicPr>
-            <p:nvPr/>
-          </p:nvPicPr>
-          <p:blipFill>
-            <a:blip r:embed="rId3">
-              <a:extLst>
-                <a:ext uri="{28A0092B-C50C-407E-A947-70E740481C1C}">
-                  <a14:useLocalDpi xmlns:a14="http://schemas.microsoft.com/office/drawing/2010/main" val="0"/>
-                </a:ext>
-              </a:extLst>
-            </a:blip>
-            <a:stretch>
-              <a:fillRect/>
-            </a:stretch>
-          </p:blipFill>
-          <p:spPr>
-            <a:xfrm>
-              <a:off x="8316070" y="0"/>
-              <a:ext cx="3657608" cy="2743206"/>
-            </a:xfrm>
-            <a:prstGeom prst="rect">
-              <a:avLst/>
-            </a:prstGeom>
-          </p:spPr>
-        </p:pic>
-        <p:sp>
-          <p:nvSpPr>
-            <p:cNvPr id="38" name="文本框 37"/>
-            <p:cNvSpPr txBox="1"/>
-            <p:nvPr/>
-          </p:nvSpPr>
-          <p:spPr>
-            <a:xfrm>
-              <a:off x="9007813" y="1109993"/>
-              <a:ext cx="981359" cy="523220"/>
-            </a:xfrm>
-            <a:prstGeom prst="rect">
-              <a:avLst/>
-            </a:prstGeom>
-            <a:noFill/>
-          </p:spPr>
-          <p:txBody>
-            <a:bodyPr wrap="none" rtlCol="0">
-              <a:spAutoFit/>
-            </a:bodyPr>
-            <a:lstStyle/>
-            <a:p>
-              <a:r>
-                <a:rPr lang="en-US" altLang="zh-CN" sz="2800" i="1" dirty="0" err="1" smtClean="0">
-                  <a:latin typeface="Times New Roman" panose="02020603050405020304" pitchFamily="18" charset="0"/>
-                  <a:cs typeface="Times New Roman" panose="02020603050405020304" pitchFamily="18" charset="0"/>
-                </a:rPr>
-                <a:t>Isolet</a:t>
-              </a:r>
-              <a:endParaRPr lang="zh-CN" altLang="en-US" sz="2800" i="1" dirty="0">
-                <a:latin typeface="Times New Roman" panose="02020603050405020304" pitchFamily="18" charset="0"/>
-                <a:cs typeface="Times New Roman" panose="02020603050405020304" pitchFamily="18" charset="0"/>
-              </a:endParaRPr>
-            </a:p>
-          </p:txBody>
-        </p:sp>
-      </p:grpSp>
-      <p:grpSp>
-        <p:nvGrpSpPr>
-          <p:cNvPr id="47" name="组合 46"/>
-          <p:cNvGrpSpPr/>
-          <p:nvPr/>
-        </p:nvGrpSpPr>
-        <p:grpSpPr>
-          <a:xfrm>
-            <a:off x="142229" y="4114794"/>
-            <a:ext cx="3657608" cy="2743206"/>
-            <a:chOff x="142229" y="4114794"/>
-            <a:chExt cx="3657608" cy="2743206"/>
-          </a:xfrm>
-        </p:grpSpPr>
-        <p:pic>
-          <p:nvPicPr>
-            <p:cNvPr id="41" name="图片 40"/>
-            <p:cNvPicPr>
-              <a:picLocks noChangeAspect="1"/>
-            </p:cNvPicPr>
-            <p:nvPr/>
-          </p:nvPicPr>
-          <p:blipFill>
-            <a:blip r:embed="rId4">
-              <a:extLst>
-                <a:ext uri="{28A0092B-C50C-407E-A947-70E740481C1C}">
-                  <a14:useLocalDpi xmlns:a14="http://schemas.microsoft.com/office/drawing/2010/main" val="0"/>
-                </a:ext>
-              </a:extLst>
-            </a:blip>
-            <a:stretch>
-              <a:fillRect/>
-            </a:stretch>
-          </p:blipFill>
-          <p:spPr>
-            <a:xfrm>
-              <a:off x="142229" y="4114794"/>
-              <a:ext cx="3657608" cy="2743206"/>
-            </a:xfrm>
-            <a:prstGeom prst="rect">
-              <a:avLst/>
-            </a:prstGeom>
-          </p:spPr>
-        </p:pic>
-        <p:sp>
-          <p:nvSpPr>
-            <p:cNvPr id="44" name="文本框 43"/>
-            <p:cNvSpPr txBox="1"/>
-            <p:nvPr/>
-          </p:nvSpPr>
-          <p:spPr>
-            <a:xfrm>
-              <a:off x="856341" y="5255001"/>
-              <a:ext cx="1045864" cy="523220"/>
-            </a:xfrm>
-            <a:prstGeom prst="rect">
-              <a:avLst/>
-            </a:prstGeom>
-            <a:noFill/>
-          </p:spPr>
-          <p:txBody>
-            <a:bodyPr wrap="none" rtlCol="0">
-              <a:spAutoFit/>
-            </a:bodyPr>
-            <a:lstStyle/>
-            <a:p>
-              <a:r>
-                <a:rPr lang="en-US" altLang="zh-CN" sz="2800" i="1" dirty="0" smtClean="0">
-                  <a:latin typeface="Times New Roman" panose="02020603050405020304" pitchFamily="18" charset="0"/>
-                  <a:cs typeface="Times New Roman" panose="02020603050405020304" pitchFamily="18" charset="0"/>
-                </a:rPr>
-                <a:t>Letter</a:t>
-              </a:r>
-              <a:endParaRPr lang="zh-CN" altLang="en-US" sz="2800" i="1" dirty="0">
-                <a:latin typeface="Times New Roman" panose="02020603050405020304" pitchFamily="18" charset="0"/>
-                <a:cs typeface="Times New Roman" panose="02020603050405020304" pitchFamily="18" charset="0"/>
-              </a:endParaRPr>
-            </a:p>
-          </p:txBody>
-        </p:sp>
-      </p:grpSp>
-      <p:grpSp>
-        <p:nvGrpSpPr>
-          <p:cNvPr id="50" name="组合 49"/>
-          <p:cNvGrpSpPr/>
-          <p:nvPr/>
-        </p:nvGrpSpPr>
-        <p:grpSpPr>
-          <a:xfrm>
-            <a:off x="4141600" y="4114794"/>
-            <a:ext cx="3657608" cy="2743206"/>
-            <a:chOff x="4141600" y="4114794"/>
-            <a:chExt cx="3657608" cy="2743206"/>
-          </a:xfrm>
-        </p:grpSpPr>
-        <p:pic>
-          <p:nvPicPr>
-            <p:cNvPr id="42" name="图片 41"/>
-            <p:cNvPicPr>
-              <a:picLocks noChangeAspect="1"/>
-            </p:cNvPicPr>
-            <p:nvPr/>
-          </p:nvPicPr>
-          <p:blipFill>
-            <a:blip r:embed="rId5">
-              <a:extLst>
-                <a:ext uri="{28A0092B-C50C-407E-A947-70E740481C1C}">
-                  <a14:useLocalDpi xmlns:a14="http://schemas.microsoft.com/office/drawing/2010/main" val="0"/>
-                </a:ext>
-              </a:extLst>
-            </a:blip>
-            <a:stretch>
-              <a:fillRect/>
-            </a:stretch>
-          </p:blipFill>
-          <p:spPr>
-            <a:xfrm>
-              <a:off x="4141600" y="4114794"/>
-              <a:ext cx="3657608" cy="2743206"/>
-            </a:xfrm>
-            <a:prstGeom prst="rect">
-              <a:avLst/>
-            </a:prstGeom>
-          </p:spPr>
-        </p:pic>
-        <p:sp>
-          <p:nvSpPr>
-            <p:cNvPr id="48" name="文本框 47"/>
-            <p:cNvSpPr txBox="1"/>
-            <p:nvPr/>
-          </p:nvSpPr>
-          <p:spPr>
-            <a:xfrm>
-              <a:off x="4828745" y="5224787"/>
-              <a:ext cx="1141659" cy="523220"/>
-            </a:xfrm>
-            <a:prstGeom prst="rect">
-              <a:avLst/>
-            </a:prstGeom>
-            <a:noFill/>
-          </p:spPr>
-          <p:txBody>
-            <a:bodyPr wrap="none" rtlCol="0">
-              <a:spAutoFit/>
-            </a:bodyPr>
-            <a:lstStyle/>
-            <a:p>
-              <a:r>
-                <a:rPr lang="en-US" altLang="zh-CN" sz="2800" i="1" dirty="0">
-                  <a:latin typeface="Times New Roman" panose="02020603050405020304" pitchFamily="18" charset="0"/>
-                  <a:cs typeface="Times New Roman" panose="02020603050405020304" pitchFamily="18" charset="0"/>
-                </a:rPr>
-                <a:t>Mf-</a:t>
-              </a:r>
-              <a:r>
-                <a:rPr lang="en-US" altLang="zh-CN" sz="2800" i="1" dirty="0" err="1">
-                  <a:latin typeface="Times New Roman" panose="02020603050405020304" pitchFamily="18" charset="0"/>
-                  <a:cs typeface="Times New Roman" panose="02020603050405020304" pitchFamily="18" charset="0"/>
-                </a:rPr>
-                <a:t>zer</a:t>
-              </a:r>
-              <a:endParaRPr lang="zh-CN" altLang="en-US" sz="2800" i="1" dirty="0">
-                <a:latin typeface="Times New Roman" panose="02020603050405020304" pitchFamily="18" charset="0"/>
-                <a:cs typeface="Times New Roman" panose="02020603050405020304" pitchFamily="18" charset="0"/>
-              </a:endParaRPr>
-            </a:p>
-          </p:txBody>
-        </p:sp>
-      </p:grpSp>
-      <p:grpSp>
-        <p:nvGrpSpPr>
-          <p:cNvPr id="51" name="组合 50"/>
-          <p:cNvGrpSpPr/>
-          <p:nvPr/>
-        </p:nvGrpSpPr>
-        <p:grpSpPr>
-          <a:xfrm>
-            <a:off x="8140972" y="4114794"/>
-            <a:ext cx="3657608" cy="2743206"/>
-            <a:chOff x="8140972" y="4114794"/>
-            <a:chExt cx="3657608" cy="2743206"/>
-          </a:xfrm>
-        </p:grpSpPr>
-        <p:pic>
-          <p:nvPicPr>
-            <p:cNvPr id="43" name="图片 42"/>
-            <p:cNvPicPr>
-              <a:picLocks noChangeAspect="1"/>
-            </p:cNvPicPr>
-            <p:nvPr/>
-          </p:nvPicPr>
-          <p:blipFill>
-            <a:blip r:embed="rId6">
-              <a:extLst>
-                <a:ext uri="{28A0092B-C50C-407E-A947-70E740481C1C}">
-                  <a14:useLocalDpi xmlns:a14="http://schemas.microsoft.com/office/drawing/2010/main" val="0"/>
-                </a:ext>
-              </a:extLst>
-            </a:blip>
-            <a:stretch>
-              <a:fillRect/>
-            </a:stretch>
-          </p:blipFill>
-          <p:spPr>
-            <a:xfrm>
-              <a:off x="8140972" y="4114794"/>
-              <a:ext cx="3657608" cy="2743206"/>
-            </a:xfrm>
-            <a:prstGeom prst="rect">
-              <a:avLst/>
-            </a:prstGeom>
-          </p:spPr>
-        </p:pic>
-        <p:sp>
-          <p:nvSpPr>
-            <p:cNvPr id="49" name="矩形 48"/>
-            <p:cNvSpPr/>
-            <p:nvPr/>
-          </p:nvSpPr>
-          <p:spPr>
-            <a:xfrm>
-              <a:off x="8828117" y="5253967"/>
-              <a:ext cx="1282723" cy="523220"/>
-            </a:xfrm>
-            <a:prstGeom prst="rect">
-              <a:avLst/>
-            </a:prstGeom>
-          </p:spPr>
-          <p:txBody>
-            <a:bodyPr wrap="none">
-              <a:spAutoFit/>
-            </a:bodyPr>
-            <a:lstStyle/>
-            <a:p>
-              <a:r>
-                <a:rPr lang="en-US" altLang="zh-CN" sz="2800" i="1" dirty="0" smtClean="0">
-                  <a:latin typeface="Times New Roman" panose="02020603050405020304" pitchFamily="18" charset="0"/>
-                  <a:cs typeface="Times New Roman" panose="02020603050405020304" pitchFamily="18" charset="0"/>
-                </a:rPr>
-                <a:t>Mf-</a:t>
-              </a:r>
-              <a:r>
-                <a:rPr lang="en-US" altLang="zh-CN" sz="2800" i="1" dirty="0" err="1" smtClean="0">
-                  <a:latin typeface="Times New Roman" panose="02020603050405020304" pitchFamily="18" charset="0"/>
-                  <a:cs typeface="Times New Roman" panose="02020603050405020304" pitchFamily="18" charset="0"/>
-                </a:rPr>
-                <a:t>mor</a:t>
-              </a:r>
-              <a:endParaRPr lang="zh-CN" altLang="en-US" sz="2800" i="1" dirty="0">
-                <a:latin typeface="Times New Roman" panose="02020603050405020304" pitchFamily="18" charset="0"/>
-                <a:cs typeface="Times New Roman" panose="02020603050405020304" pitchFamily="18" charset="0"/>
-              </a:endParaRPr>
-            </a:p>
-          </p:txBody>
-        </p:sp>
-      </p:grpSp>
-      <p:sp>
-        <p:nvSpPr>
-          <p:cNvPr id="52" name="文本框 51"/>
-          <p:cNvSpPr txBox="1"/>
-          <p:nvPr/>
-        </p:nvSpPr>
-        <p:spPr>
-          <a:xfrm>
-            <a:off x="9060071" y="176115"/>
-            <a:ext cx="2542299" cy="1077218"/>
-          </a:xfrm>
-          <a:prstGeom prst="rect">
-            <a:avLst/>
-          </a:prstGeom>
-          <a:noFill/>
-        </p:spPr>
-        <p:txBody>
-          <a:bodyPr wrap="none" rtlCol="0">
-            <a:spAutoFit/>
-          </a:bodyPr>
-          <a:lstStyle/>
-          <a:p>
-            <a:r>
-              <a:rPr lang="en-US" altLang="zh-CN" sz="4400" dirty="0" smtClean="0">
-                <a:latin typeface="+mj-lt"/>
-              </a:rPr>
-              <a:t>Results</a:t>
-            </a:r>
-          </a:p>
-          <a:p>
-            <a:r>
-              <a:rPr lang="en-US" altLang="zh-CN" sz="2000" dirty="0" smtClean="0">
-                <a:latin typeface="+mj-lt"/>
-              </a:rPr>
-              <a:t>supporting </a:t>
-            </a:r>
-            <a:r>
-              <a:rPr lang="en-US" altLang="zh-CN" sz="2000" i="1" dirty="0" smtClean="0">
-                <a:latin typeface="+mj-lt"/>
-              </a:rPr>
-              <a:t>Strategy (1)</a:t>
-            </a:r>
-            <a:endParaRPr lang="zh-CN" altLang="en-US" sz="4400" i="1" dirty="0">
-              <a:latin typeface="+mj-lt"/>
-            </a:endParaRPr>
-          </a:p>
-        </p:txBody>
-      </p:sp>
-    </p:spTree>
-    <p:extLst>
-      <p:ext uri="{BB962C8B-B14F-4D97-AF65-F5344CB8AC3E}">
-        <p14:creationId xmlns:p14="http://schemas.microsoft.com/office/powerpoint/2010/main" val="1907215541"/>
       </p:ext>
     </p:extLst>
   </p:cSld>
@@ -39414,6 +41082,1166 @@
           <a:chExt cx="0" cy="0"/>
         </a:xfrm>
       </p:grpSpPr>
+      <p:sp>
+        <p:nvSpPr>
+          <p:cNvPr id="2" name="Title 1"/>
+          <p:cNvSpPr>
+            <a:spLocks noGrp="1"/>
+          </p:cNvSpPr>
+          <p:nvPr>
+            <p:ph type="title"/>
+          </p:nvPr>
+        </p:nvSpPr>
+        <p:spPr/>
+        <p:txBody>
+          <a:bodyPr/>
+          <a:lstStyle/>
+          <a:p>
+            <a:r>
+              <a:rPr lang="en-US" dirty="0" smtClean="0"/>
+              <a:t>Outline</a:t>
+            </a:r>
+            <a:endParaRPr lang="en-US" dirty="0"/>
+          </a:p>
+        </p:txBody>
+      </p:sp>
+      <p:sp>
+        <p:nvSpPr>
+          <p:cNvPr id="3" name="Content Placeholder 2"/>
+          <p:cNvSpPr>
+            <a:spLocks noGrp="1"/>
+          </p:cNvSpPr>
+          <p:nvPr>
+            <p:ph idx="1"/>
+          </p:nvPr>
+        </p:nvSpPr>
+        <p:spPr/>
+        <p:txBody>
+          <a:bodyPr/>
+          <a:lstStyle/>
+          <a:p>
+            <a:r>
+              <a:rPr lang="en-US" dirty="0" smtClean="0">
+                <a:solidFill>
+                  <a:schemeClr val="bg1">
+                    <a:lumMod val="65000"/>
+                  </a:schemeClr>
+                </a:solidFill>
+              </a:rPr>
+              <a:t>Motivation and Our Framework</a:t>
+            </a:r>
+          </a:p>
+          <a:p>
+            <a:r>
+              <a:rPr lang="en-US" dirty="0" smtClean="0">
+                <a:solidFill>
+                  <a:schemeClr val="bg1">
+                    <a:lumMod val="65000"/>
+                  </a:schemeClr>
+                </a:solidFill>
+              </a:rPr>
+              <a:t>How IDS impacts on learning</a:t>
+            </a:r>
+          </a:p>
+          <a:p>
+            <a:r>
+              <a:rPr lang="en-US" dirty="0">
+                <a:solidFill>
+                  <a:schemeClr val="bg1">
+                    <a:lumMod val="50000"/>
+                  </a:schemeClr>
+                </a:solidFill>
+              </a:rPr>
+              <a:t>Existing Kinds of Imbalanced Learning Techniques</a:t>
+            </a:r>
+          </a:p>
+          <a:p>
+            <a:r>
+              <a:rPr lang="en-US" dirty="0" smtClean="0">
+                <a:solidFill>
+                  <a:schemeClr val="bg1">
+                    <a:lumMod val="50000"/>
+                  </a:schemeClr>
+                </a:solidFill>
+              </a:rPr>
+              <a:t>Proposal: A Strategy to select technique</a:t>
+            </a:r>
+          </a:p>
+          <a:p>
+            <a:r>
+              <a:rPr lang="en-US" altLang="zh-CN" dirty="0"/>
+              <a:t>Experiments to verify proposal</a:t>
+            </a:r>
+            <a:endParaRPr lang="en-US" dirty="0"/>
+          </a:p>
+        </p:txBody>
+      </p:sp>
+    </p:spTree>
+    <p:extLst>
+      <p:ext uri="{BB962C8B-B14F-4D97-AF65-F5344CB8AC3E}">
+        <p14:creationId xmlns:p14="http://schemas.microsoft.com/office/powerpoint/2010/main" val="1593346362"/>
+      </p:ext>
+    </p:extLst>
+  </p:cSld>
+  <p:clrMapOvr>
+    <a:masterClrMapping/>
+  </p:clrMapOvr>
+  <p:timing>
+    <p:tnLst>
+      <p:par>
+        <p:cTn id="1" dur="indefinite" restart="never" nodeType="tmRoot"/>
+      </p:par>
+    </p:tnLst>
+  </p:timing>
+</p:sld>
+</file>
+
+<file path=ppt/slides/slide31.xml><?xml version="1.0" encoding="utf-8"?>
+<p:sld xmlns:a="http://schemas.openxmlformats.org/drawingml/2006/main" xmlns:r="http://schemas.openxmlformats.org/officeDocument/2006/relationships" xmlns:p="http://schemas.openxmlformats.org/presentationml/2006/main">
+  <p:cSld>
+    <p:spTree>
+      <p:nvGrpSpPr>
+        <p:cNvPr id="1" name=""/>
+        <p:cNvGrpSpPr/>
+        <p:nvPr/>
+      </p:nvGrpSpPr>
+      <p:grpSpPr>
+        <a:xfrm>
+          <a:off x="0" y="0"/>
+          <a:ext cx="0" cy="0"/>
+          <a:chOff x="0" y="0"/>
+          <a:chExt cx="0" cy="0"/>
+        </a:xfrm>
+      </p:grpSpPr>
+      <p:sp>
+        <p:nvSpPr>
+          <p:cNvPr id="2" name="标题 1"/>
+          <p:cNvSpPr>
+            <a:spLocks noGrp="1"/>
+          </p:cNvSpPr>
+          <p:nvPr>
+            <p:ph type="title"/>
+          </p:nvPr>
+        </p:nvSpPr>
+        <p:spPr>
+          <a:xfrm>
+            <a:off x="838199" y="-41511"/>
+            <a:ext cx="10515600" cy="1325563"/>
+          </a:xfrm>
+        </p:spPr>
+        <p:txBody>
+          <a:bodyPr/>
+          <a:lstStyle/>
+          <a:p>
+            <a:r>
+              <a:rPr lang="en-US" altLang="zh-CN" dirty="0" smtClean="0"/>
+              <a:t>Experiments to verify proposal</a:t>
+            </a:r>
+            <a:endParaRPr lang="zh-CN" altLang="en-US" dirty="0"/>
+          </a:p>
+        </p:txBody>
+      </p:sp>
+      <p:pic>
+        <p:nvPicPr>
+          <p:cNvPr id="5" name="图片 4"/>
+          <p:cNvPicPr>
+            <a:picLocks noChangeAspect="1"/>
+          </p:cNvPicPr>
+          <p:nvPr/>
+        </p:nvPicPr>
+        <p:blipFill rotWithShape="1">
+          <a:blip r:embed="rId2"/>
+          <a:srcRect l="8383" r="8186" b="6784"/>
+          <a:stretch/>
+        </p:blipFill>
+        <p:spPr>
+          <a:xfrm>
+            <a:off x="4495799" y="1284052"/>
+            <a:ext cx="6858000" cy="3881335"/>
+          </a:xfrm>
+          <a:prstGeom prst="rect">
+            <a:avLst/>
+          </a:prstGeom>
+        </p:spPr>
+      </p:pic>
+      <mc:AlternateContent xmlns:mc="http://schemas.openxmlformats.org/markup-compatibility/2006" xmlns:a14="http://schemas.microsoft.com/office/drawing/2010/main">
+        <mc:Choice Requires="a14">
+          <p:sp>
+            <p:nvSpPr>
+              <p:cNvPr id="6" name="矩形 5"/>
+              <p:cNvSpPr/>
+              <p:nvPr/>
+            </p:nvSpPr>
+            <p:spPr>
+              <a:xfrm>
+                <a:off x="838199" y="5287271"/>
+                <a:ext cx="10515600" cy="1077218"/>
+              </a:xfrm>
+              <a:prstGeom prst="rect">
+                <a:avLst/>
+              </a:prstGeom>
+            </p:spPr>
+            <p:txBody>
+              <a:bodyPr wrap="square">
+                <a:spAutoFit/>
+              </a:bodyPr>
+              <a:lstStyle/>
+              <a:p>
+                <a:pPr marL="285750" indent="-285750">
+                  <a:buFont typeface="Arial" panose="020B0604020202020204" pitchFamily="34" charset="0"/>
+                  <a:buChar char="•"/>
+                </a:pPr>
+                <a:r>
+                  <a:rPr lang="en-US" altLang="zh-CN" sz="2800" dirty="0"/>
+                  <a:t>Evaluation Metric</a:t>
+                </a:r>
+              </a:p>
+              <a:p>
+                <a:pPr marL="742950" lvl="1" indent="-285750">
+                  <a:buFont typeface="Arial" panose="020B0604020202020204" pitchFamily="34" charset="0"/>
+                  <a:buChar char="•"/>
+                </a:pPr>
+                <a:r>
+                  <a:rPr lang="en-US" altLang="zh-CN" dirty="0"/>
+                  <a:t>F-1 Score</a:t>
+                </a:r>
+              </a:p>
+              <a:p>
+                <a:pPr marL="742950" lvl="1" indent="-285750">
+                  <a:buFont typeface="Arial" panose="020B0604020202020204" pitchFamily="34" charset="0"/>
+                  <a:buChar char="•"/>
+                </a:pPr>
+                <a:r>
+                  <a:rPr lang="en-US" altLang="zh-CN" dirty="0"/>
+                  <a:t>Because of the equal account taken between </a:t>
+                </a:r>
+                <a14:m>
+                  <m:oMath xmlns:m="http://schemas.openxmlformats.org/officeDocument/2006/math">
+                    <m:r>
+                      <a:rPr lang="en-US" altLang="zh-CN" i="1" dirty="0">
+                        <a:latin typeface="Cambria Math" panose="02040503050406030204" pitchFamily="18" charset="0"/>
+                      </a:rPr>
+                      <m:t>𝐹𝑁</m:t>
+                    </m:r>
+                  </m:oMath>
+                </a14:m>
+                <a:r>
+                  <a:rPr lang="en-US" altLang="zh-CN" dirty="0"/>
+                  <a:t> and </a:t>
+                </a:r>
+                <a14:m>
+                  <m:oMath xmlns:m="http://schemas.openxmlformats.org/officeDocument/2006/math">
+                    <m:r>
+                      <a:rPr lang="en-US" altLang="zh-CN" i="1" dirty="0">
+                        <a:latin typeface="Cambria Math" panose="02040503050406030204" pitchFamily="18" charset="0"/>
+                      </a:rPr>
+                      <m:t>𝑇𝑁</m:t>
+                    </m:r>
+                  </m:oMath>
+                </a14:m>
+                <a:endParaRPr lang="zh-CN" altLang="en-US" dirty="0"/>
+              </a:p>
+            </p:txBody>
+          </p:sp>
+        </mc:Choice>
+        <mc:Fallback xmlns="">
+          <p:sp>
+            <p:nvSpPr>
+              <p:cNvPr id="6" name="矩形 5"/>
+              <p:cNvSpPr>
+                <a:spLocks noRot="1" noChangeAspect="1" noMove="1" noResize="1" noEditPoints="1" noAdjustHandles="1" noChangeArrowheads="1" noChangeShapeType="1" noTextEdit="1"/>
+              </p:cNvSpPr>
+              <p:nvPr/>
+            </p:nvSpPr>
+            <p:spPr>
+              <a:xfrm>
+                <a:off x="838199" y="5287271"/>
+                <a:ext cx="10515600" cy="1077218"/>
+              </a:xfrm>
+              <a:prstGeom prst="rect">
+                <a:avLst/>
+              </a:prstGeom>
+              <a:blipFill>
+                <a:blip r:embed="rId3"/>
+                <a:stretch>
+                  <a:fillRect l="-986" t="-5085" b="-7910"/>
+                </a:stretch>
+              </a:blipFill>
+            </p:spPr>
+            <p:txBody>
+              <a:bodyPr/>
+              <a:lstStyle/>
+              <a:p>
+                <a:r>
+                  <a:rPr lang="en-US">
+                    <a:noFill/>
+                  </a:rPr>
+                  <a:t> </a:t>
+                </a:r>
+              </a:p>
+            </p:txBody>
+          </p:sp>
+        </mc:Fallback>
+      </mc:AlternateContent>
+      <p:sp>
+        <p:nvSpPr>
+          <p:cNvPr id="8" name="矩形 7"/>
+          <p:cNvSpPr/>
+          <p:nvPr/>
+        </p:nvSpPr>
+        <p:spPr>
+          <a:xfrm>
+            <a:off x="838199" y="1284052"/>
+            <a:ext cx="3194306" cy="2677656"/>
+          </a:xfrm>
+          <a:prstGeom prst="rect">
+            <a:avLst/>
+          </a:prstGeom>
+        </p:spPr>
+        <p:txBody>
+          <a:bodyPr wrap="square">
+            <a:spAutoFit/>
+          </a:bodyPr>
+          <a:lstStyle/>
+          <a:p>
+            <a:pPr marL="285750" indent="-285750" algn="just">
+              <a:buFont typeface="Arial" panose="020B0604020202020204" pitchFamily="34" charset="0"/>
+              <a:buChar char="•"/>
+            </a:pPr>
+            <a:r>
+              <a:rPr lang="en-US" altLang="zh-CN" sz="2800" dirty="0" smtClean="0"/>
+              <a:t>Dataset</a:t>
+            </a:r>
+            <a:endParaRPr lang="en-US" altLang="zh-CN" sz="2800" dirty="0"/>
+          </a:p>
+          <a:p>
+            <a:pPr marL="742950" lvl="1" indent="-285750" algn="just">
+              <a:buFont typeface="Arial" panose="020B0604020202020204" pitchFamily="34" charset="0"/>
+              <a:buChar char="•"/>
+            </a:pPr>
+            <a:r>
+              <a:rPr lang="en-US" altLang="zh-CN" sz="2000" dirty="0" smtClean="0"/>
+              <a:t>U-AIR contains PM2.5 records of </a:t>
+            </a:r>
+            <a:r>
+              <a:rPr lang="en-US" altLang="zh-CN" sz="2000" dirty="0" smtClean="0">
+                <a:latin typeface="Times New Roman" panose="02020603050405020304" pitchFamily="18" charset="0"/>
+                <a:cs typeface="Times New Roman" panose="02020603050405020304" pitchFamily="18" charset="0"/>
+              </a:rPr>
+              <a:t>35</a:t>
+            </a:r>
+            <a:r>
+              <a:rPr lang="en-US" altLang="zh-CN" sz="2000" dirty="0" smtClean="0"/>
+              <a:t> AQI stations in Beijing from </a:t>
+            </a:r>
+            <a:r>
+              <a:rPr lang="en-US" altLang="zh-CN" sz="2000" dirty="0" smtClean="0">
+                <a:latin typeface="Times New Roman" panose="02020603050405020304" pitchFamily="18" charset="0"/>
+                <a:cs typeface="Times New Roman" panose="02020603050405020304" pitchFamily="18" charset="0"/>
+              </a:rPr>
+              <a:t>2014/05</a:t>
+            </a:r>
+            <a:r>
+              <a:rPr lang="en-US" altLang="zh-CN" sz="2000" dirty="0" smtClean="0"/>
+              <a:t> to </a:t>
+            </a:r>
+            <a:r>
+              <a:rPr lang="en-US" altLang="zh-CN" sz="2000" dirty="0" smtClean="0">
+                <a:latin typeface="Times New Roman" panose="02020603050405020304" pitchFamily="18" charset="0"/>
+                <a:cs typeface="Times New Roman" panose="02020603050405020304" pitchFamily="18" charset="0"/>
+              </a:rPr>
+              <a:t>2015/07</a:t>
+            </a:r>
+            <a:r>
+              <a:rPr lang="en-US" altLang="zh-CN" sz="2000" dirty="0" smtClean="0"/>
+              <a:t>, as well as spatial and temporal features extracted.</a:t>
+            </a:r>
+            <a:endParaRPr lang="en-US" altLang="zh-CN" sz="2800" dirty="0"/>
+          </a:p>
+        </p:txBody>
+      </p:sp>
+    </p:spTree>
+    <p:extLst>
+      <p:ext uri="{BB962C8B-B14F-4D97-AF65-F5344CB8AC3E}">
+        <p14:creationId xmlns:p14="http://schemas.microsoft.com/office/powerpoint/2010/main" val="1984162361"/>
+      </p:ext>
+    </p:extLst>
+  </p:cSld>
+  <p:clrMapOvr>
+    <a:masterClrMapping/>
+  </p:clrMapOvr>
+  <p:timing>
+    <p:tnLst>
+      <p:par>
+        <p:cTn id="1" dur="indefinite" restart="never" nodeType="tmRoot"/>
+      </p:par>
+    </p:tnLst>
+  </p:timing>
+</p:sld>
+</file>
+
+<file path=ppt/slides/slide32.xml><?xml version="1.0" encoding="utf-8"?>
+<p:sld xmlns:a="http://schemas.openxmlformats.org/drawingml/2006/main" xmlns:r="http://schemas.openxmlformats.org/officeDocument/2006/relationships" xmlns:p="http://schemas.openxmlformats.org/presentationml/2006/main">
+  <p:cSld>
+    <p:spTree>
+      <p:nvGrpSpPr>
+        <p:cNvPr id="1" name=""/>
+        <p:cNvGrpSpPr/>
+        <p:nvPr/>
+      </p:nvGrpSpPr>
+      <p:grpSpPr>
+        <a:xfrm>
+          <a:off x="0" y="0"/>
+          <a:ext cx="0" cy="0"/>
+          <a:chOff x="0" y="0"/>
+          <a:chExt cx="0" cy="0"/>
+        </a:xfrm>
+      </p:grpSpPr>
+      <p:grpSp>
+        <p:nvGrpSpPr>
+          <p:cNvPr id="39" name="组合 38"/>
+          <p:cNvGrpSpPr/>
+          <p:nvPr/>
+        </p:nvGrpSpPr>
+        <p:grpSpPr>
+          <a:xfrm>
+            <a:off x="623953" y="213016"/>
+            <a:ext cx="7517019" cy="3901778"/>
+            <a:chOff x="0" y="311284"/>
+            <a:chExt cx="7517019" cy="3901778"/>
+          </a:xfrm>
+        </p:grpSpPr>
+        <p:pic>
+          <p:nvPicPr>
+            <p:cNvPr id="35" name="图片 34"/>
+            <p:cNvPicPr>
+              <a:picLocks noChangeAspect="1"/>
+            </p:cNvPicPr>
+            <p:nvPr/>
+          </p:nvPicPr>
+          <p:blipFill>
+            <a:blip r:embed="rId2"/>
+            <a:stretch>
+              <a:fillRect/>
+            </a:stretch>
+          </p:blipFill>
+          <p:spPr>
+            <a:xfrm>
+              <a:off x="0" y="311284"/>
+              <a:ext cx="7517019" cy="3901778"/>
+            </a:xfrm>
+            <a:prstGeom prst="rect">
+              <a:avLst/>
+            </a:prstGeom>
+          </p:spPr>
+        </p:pic>
+        <p:cxnSp>
+          <p:nvCxnSpPr>
+            <p:cNvPr id="11" name="直接连接符 10"/>
+            <p:cNvCxnSpPr/>
+            <p:nvPr/>
+          </p:nvCxnSpPr>
+          <p:spPr>
+            <a:xfrm>
+              <a:off x="142229" y="2696579"/>
+              <a:ext cx="729673" cy="0"/>
+            </a:xfrm>
+            <a:prstGeom prst="line">
+              <a:avLst/>
+            </a:prstGeom>
+            <a:ln w="38100">
+              <a:solidFill>
+                <a:srgbClr val="FF0000"/>
+              </a:solidFill>
+            </a:ln>
+          </p:spPr>
+          <p:style>
+            <a:lnRef idx="1">
+              <a:schemeClr val="accent1"/>
+            </a:lnRef>
+            <a:fillRef idx="0">
+              <a:schemeClr val="accent1"/>
+            </a:fillRef>
+            <a:effectRef idx="0">
+              <a:schemeClr val="accent1"/>
+            </a:effectRef>
+            <a:fontRef idx="minor">
+              <a:schemeClr val="tx1"/>
+            </a:fontRef>
+          </p:style>
+        </p:cxnSp>
+        <p:cxnSp>
+          <p:nvCxnSpPr>
+            <p:cNvPr id="12" name="直接连接符 11"/>
+            <p:cNvCxnSpPr/>
+            <p:nvPr/>
+          </p:nvCxnSpPr>
+          <p:spPr>
+            <a:xfrm>
+              <a:off x="142229" y="2987525"/>
+              <a:ext cx="729673" cy="0"/>
+            </a:xfrm>
+            <a:prstGeom prst="line">
+              <a:avLst/>
+            </a:prstGeom>
+            <a:ln w="38100">
+              <a:solidFill>
+                <a:srgbClr val="FF0000"/>
+              </a:solidFill>
+            </a:ln>
+          </p:spPr>
+          <p:style>
+            <a:lnRef idx="1">
+              <a:schemeClr val="accent1"/>
+            </a:lnRef>
+            <a:fillRef idx="0">
+              <a:schemeClr val="accent1"/>
+            </a:fillRef>
+            <a:effectRef idx="0">
+              <a:schemeClr val="accent1"/>
+            </a:effectRef>
+            <a:fontRef idx="minor">
+              <a:schemeClr val="tx1"/>
+            </a:fontRef>
+          </p:style>
+        </p:cxnSp>
+        <p:cxnSp>
+          <p:nvCxnSpPr>
+            <p:cNvPr id="13" name="直接连接符 12"/>
+            <p:cNvCxnSpPr/>
+            <p:nvPr/>
+          </p:nvCxnSpPr>
+          <p:spPr>
+            <a:xfrm>
+              <a:off x="142229" y="2377924"/>
+              <a:ext cx="729673" cy="0"/>
+            </a:xfrm>
+            <a:prstGeom prst="line">
+              <a:avLst/>
+            </a:prstGeom>
+            <a:ln w="38100">
+              <a:solidFill>
+                <a:srgbClr val="FF0000"/>
+              </a:solidFill>
+            </a:ln>
+          </p:spPr>
+          <p:style>
+            <a:lnRef idx="1">
+              <a:schemeClr val="accent1"/>
+            </a:lnRef>
+            <a:fillRef idx="0">
+              <a:schemeClr val="accent1"/>
+            </a:fillRef>
+            <a:effectRef idx="0">
+              <a:schemeClr val="accent1"/>
+            </a:effectRef>
+            <a:fontRef idx="minor">
+              <a:schemeClr val="tx1"/>
+            </a:fontRef>
+          </p:style>
+        </p:cxnSp>
+        <p:cxnSp>
+          <p:nvCxnSpPr>
+            <p:cNvPr id="14" name="直接连接符 13"/>
+            <p:cNvCxnSpPr/>
+            <p:nvPr/>
+          </p:nvCxnSpPr>
+          <p:spPr>
+            <a:xfrm>
+              <a:off x="142229" y="2077743"/>
+              <a:ext cx="729673" cy="0"/>
+            </a:xfrm>
+            <a:prstGeom prst="line">
+              <a:avLst/>
+            </a:prstGeom>
+            <a:ln w="38100">
+              <a:solidFill>
+                <a:srgbClr val="FF0000"/>
+              </a:solidFill>
+            </a:ln>
+          </p:spPr>
+          <p:style>
+            <a:lnRef idx="1">
+              <a:schemeClr val="accent1"/>
+            </a:lnRef>
+            <a:fillRef idx="0">
+              <a:schemeClr val="accent1"/>
+            </a:fillRef>
+            <a:effectRef idx="0">
+              <a:schemeClr val="accent1"/>
+            </a:effectRef>
+            <a:fontRef idx="minor">
+              <a:schemeClr val="tx1"/>
+            </a:fontRef>
+          </p:style>
+        </p:cxnSp>
+        <p:sp>
+          <p:nvSpPr>
+            <p:cNvPr id="18" name="矩形 17"/>
+            <p:cNvSpPr/>
+            <p:nvPr/>
+          </p:nvSpPr>
+          <p:spPr>
+            <a:xfrm>
+              <a:off x="1075102" y="1874543"/>
+              <a:ext cx="766618" cy="1112982"/>
+            </a:xfrm>
+            <a:prstGeom prst="rect">
+              <a:avLst/>
+            </a:prstGeom>
+            <a:noFill/>
+            <a:ln w="19050" cap="flat" cmpd="sng" algn="ctr">
+              <a:solidFill>
+                <a:schemeClr val="dk1"/>
+              </a:solidFill>
+              <a:prstDash val="dash"/>
+              <a:round/>
+              <a:headEnd type="none" w="med" len="med"/>
+              <a:tailEnd type="none" w="med" len="med"/>
+            </a:ln>
+          </p:spPr>
+          <p:style>
+            <a:lnRef idx="0">
+              <a:scrgbClr r="0" g="0" b="0"/>
+            </a:lnRef>
+            <a:fillRef idx="0">
+              <a:scrgbClr r="0" g="0" b="0"/>
+            </a:fillRef>
+            <a:effectRef idx="0">
+              <a:scrgbClr r="0" g="0" b="0"/>
+            </a:effectRef>
+            <a:fontRef idx="minor">
+              <a:schemeClr val="dk1"/>
+            </a:fontRef>
+          </p:style>
+          <p:txBody>
+            <a:bodyPr rtlCol="0" anchor="ctr"/>
+            <a:lstStyle/>
+            <a:p>
+              <a:pPr algn="ctr"/>
+              <a:endParaRPr lang="zh-CN" altLang="en-US"/>
+            </a:p>
+          </p:txBody>
+        </p:sp>
+        <p:sp>
+          <p:nvSpPr>
+            <p:cNvPr id="19" name="矩形 18"/>
+            <p:cNvSpPr/>
+            <p:nvPr/>
+          </p:nvSpPr>
+          <p:spPr>
+            <a:xfrm>
+              <a:off x="3241030" y="1874543"/>
+              <a:ext cx="766618" cy="1112982"/>
+            </a:xfrm>
+            <a:prstGeom prst="rect">
+              <a:avLst/>
+            </a:prstGeom>
+            <a:noFill/>
+            <a:ln w="19050" cap="flat" cmpd="sng" algn="ctr">
+              <a:solidFill>
+                <a:schemeClr val="dk1"/>
+              </a:solidFill>
+              <a:prstDash val="dash"/>
+              <a:round/>
+              <a:headEnd type="none" w="med" len="med"/>
+              <a:tailEnd type="none" w="med" len="med"/>
+            </a:ln>
+          </p:spPr>
+          <p:style>
+            <a:lnRef idx="0">
+              <a:scrgbClr r="0" g="0" b="0"/>
+            </a:lnRef>
+            <a:fillRef idx="0">
+              <a:scrgbClr r="0" g="0" b="0"/>
+            </a:fillRef>
+            <a:effectRef idx="0">
+              <a:scrgbClr r="0" g="0" b="0"/>
+            </a:effectRef>
+            <a:fontRef idx="minor">
+              <a:schemeClr val="dk1"/>
+            </a:fontRef>
+          </p:style>
+          <p:txBody>
+            <a:bodyPr rtlCol="0" anchor="ctr"/>
+            <a:lstStyle/>
+            <a:p>
+              <a:pPr algn="ctr"/>
+              <a:endParaRPr lang="zh-CN" altLang="en-US"/>
+            </a:p>
+          </p:txBody>
+        </p:sp>
+        <p:sp>
+          <p:nvSpPr>
+            <p:cNvPr id="20" name="矩形 19"/>
+            <p:cNvSpPr/>
+            <p:nvPr/>
+          </p:nvSpPr>
+          <p:spPr>
+            <a:xfrm>
+              <a:off x="4178521" y="1874543"/>
+              <a:ext cx="766618" cy="1112982"/>
+            </a:xfrm>
+            <a:prstGeom prst="rect">
+              <a:avLst/>
+            </a:prstGeom>
+            <a:noFill/>
+            <a:ln w="19050" cap="flat" cmpd="sng" algn="ctr">
+              <a:solidFill>
+                <a:schemeClr val="dk1"/>
+              </a:solidFill>
+              <a:prstDash val="dash"/>
+              <a:round/>
+              <a:headEnd type="none" w="med" len="med"/>
+              <a:tailEnd type="none" w="med" len="med"/>
+            </a:ln>
+          </p:spPr>
+          <p:style>
+            <a:lnRef idx="0">
+              <a:scrgbClr r="0" g="0" b="0"/>
+            </a:lnRef>
+            <a:fillRef idx="0">
+              <a:scrgbClr r="0" g="0" b="0"/>
+            </a:fillRef>
+            <a:effectRef idx="0">
+              <a:scrgbClr r="0" g="0" b="0"/>
+            </a:effectRef>
+            <a:fontRef idx="minor">
+              <a:schemeClr val="dk1"/>
+            </a:fontRef>
+          </p:style>
+          <p:txBody>
+            <a:bodyPr rtlCol="0" anchor="ctr"/>
+            <a:lstStyle/>
+            <a:p>
+              <a:pPr algn="ctr"/>
+              <a:endParaRPr lang="zh-CN" altLang="en-US"/>
+            </a:p>
+          </p:txBody>
+        </p:sp>
+      </p:grpSp>
+      <p:grpSp>
+        <p:nvGrpSpPr>
+          <p:cNvPr id="40" name="组合 39"/>
+          <p:cNvGrpSpPr/>
+          <p:nvPr/>
+        </p:nvGrpSpPr>
+        <p:grpSpPr>
+          <a:xfrm>
+            <a:off x="8140972" y="1158572"/>
+            <a:ext cx="3657608" cy="2743206"/>
+            <a:chOff x="8316070" y="0"/>
+            <a:chExt cx="3657608" cy="2743206"/>
+          </a:xfrm>
+        </p:grpSpPr>
+        <p:pic>
+          <p:nvPicPr>
+            <p:cNvPr id="25" name="图片 24"/>
+            <p:cNvPicPr>
+              <a:picLocks noChangeAspect="1"/>
+            </p:cNvPicPr>
+            <p:nvPr/>
+          </p:nvPicPr>
+          <p:blipFill>
+            <a:blip r:embed="rId3">
+              <a:extLst>
+                <a:ext uri="{28A0092B-C50C-407E-A947-70E740481C1C}">
+                  <a14:useLocalDpi xmlns:a14="http://schemas.microsoft.com/office/drawing/2010/main" val="0"/>
+                </a:ext>
+              </a:extLst>
+            </a:blip>
+            <a:stretch>
+              <a:fillRect/>
+            </a:stretch>
+          </p:blipFill>
+          <p:spPr>
+            <a:xfrm>
+              <a:off x="8316070" y="0"/>
+              <a:ext cx="3657608" cy="2743206"/>
+            </a:xfrm>
+            <a:prstGeom prst="rect">
+              <a:avLst/>
+            </a:prstGeom>
+          </p:spPr>
+        </p:pic>
+        <p:sp>
+          <p:nvSpPr>
+            <p:cNvPr id="38" name="文本框 37"/>
+            <p:cNvSpPr txBox="1"/>
+            <p:nvPr/>
+          </p:nvSpPr>
+          <p:spPr>
+            <a:xfrm>
+              <a:off x="9007813" y="1109993"/>
+              <a:ext cx="981359" cy="523220"/>
+            </a:xfrm>
+            <a:prstGeom prst="rect">
+              <a:avLst/>
+            </a:prstGeom>
+            <a:noFill/>
+          </p:spPr>
+          <p:txBody>
+            <a:bodyPr wrap="none" rtlCol="0">
+              <a:spAutoFit/>
+            </a:bodyPr>
+            <a:lstStyle/>
+            <a:p>
+              <a:r>
+                <a:rPr lang="en-US" altLang="zh-CN" sz="2800" i="1" dirty="0" err="1" smtClean="0">
+                  <a:latin typeface="Times New Roman" panose="02020603050405020304" pitchFamily="18" charset="0"/>
+                  <a:cs typeface="Times New Roman" panose="02020603050405020304" pitchFamily="18" charset="0"/>
+                </a:rPr>
+                <a:t>Isolet</a:t>
+              </a:r>
+              <a:endParaRPr lang="zh-CN" altLang="en-US" sz="2800" i="1" dirty="0">
+                <a:latin typeface="Times New Roman" panose="02020603050405020304" pitchFamily="18" charset="0"/>
+                <a:cs typeface="Times New Roman" panose="02020603050405020304" pitchFamily="18" charset="0"/>
+              </a:endParaRPr>
+            </a:p>
+          </p:txBody>
+        </p:sp>
+      </p:grpSp>
+      <p:grpSp>
+        <p:nvGrpSpPr>
+          <p:cNvPr id="47" name="组合 46"/>
+          <p:cNvGrpSpPr/>
+          <p:nvPr/>
+        </p:nvGrpSpPr>
+        <p:grpSpPr>
+          <a:xfrm>
+            <a:off x="142229" y="4114794"/>
+            <a:ext cx="3657608" cy="2743206"/>
+            <a:chOff x="142229" y="4114794"/>
+            <a:chExt cx="3657608" cy="2743206"/>
+          </a:xfrm>
+        </p:grpSpPr>
+        <p:pic>
+          <p:nvPicPr>
+            <p:cNvPr id="41" name="图片 40"/>
+            <p:cNvPicPr>
+              <a:picLocks noChangeAspect="1"/>
+            </p:cNvPicPr>
+            <p:nvPr/>
+          </p:nvPicPr>
+          <p:blipFill>
+            <a:blip r:embed="rId4">
+              <a:extLst>
+                <a:ext uri="{28A0092B-C50C-407E-A947-70E740481C1C}">
+                  <a14:useLocalDpi xmlns:a14="http://schemas.microsoft.com/office/drawing/2010/main" val="0"/>
+                </a:ext>
+              </a:extLst>
+            </a:blip>
+            <a:stretch>
+              <a:fillRect/>
+            </a:stretch>
+          </p:blipFill>
+          <p:spPr>
+            <a:xfrm>
+              <a:off x="142229" y="4114794"/>
+              <a:ext cx="3657608" cy="2743206"/>
+            </a:xfrm>
+            <a:prstGeom prst="rect">
+              <a:avLst/>
+            </a:prstGeom>
+          </p:spPr>
+        </p:pic>
+        <p:sp>
+          <p:nvSpPr>
+            <p:cNvPr id="44" name="文本框 43"/>
+            <p:cNvSpPr txBox="1"/>
+            <p:nvPr/>
+          </p:nvSpPr>
+          <p:spPr>
+            <a:xfrm>
+              <a:off x="856341" y="5255001"/>
+              <a:ext cx="1045864" cy="523220"/>
+            </a:xfrm>
+            <a:prstGeom prst="rect">
+              <a:avLst/>
+            </a:prstGeom>
+            <a:noFill/>
+          </p:spPr>
+          <p:txBody>
+            <a:bodyPr wrap="none" rtlCol="0">
+              <a:spAutoFit/>
+            </a:bodyPr>
+            <a:lstStyle/>
+            <a:p>
+              <a:r>
+                <a:rPr lang="en-US" altLang="zh-CN" sz="2800" i="1" dirty="0" smtClean="0">
+                  <a:latin typeface="Times New Roman" panose="02020603050405020304" pitchFamily="18" charset="0"/>
+                  <a:cs typeface="Times New Roman" panose="02020603050405020304" pitchFamily="18" charset="0"/>
+                </a:rPr>
+                <a:t>Letter</a:t>
+              </a:r>
+              <a:endParaRPr lang="zh-CN" altLang="en-US" sz="2800" i="1" dirty="0">
+                <a:latin typeface="Times New Roman" panose="02020603050405020304" pitchFamily="18" charset="0"/>
+                <a:cs typeface="Times New Roman" panose="02020603050405020304" pitchFamily="18" charset="0"/>
+              </a:endParaRPr>
+            </a:p>
+          </p:txBody>
+        </p:sp>
+      </p:grpSp>
+      <p:grpSp>
+        <p:nvGrpSpPr>
+          <p:cNvPr id="50" name="组合 49"/>
+          <p:cNvGrpSpPr/>
+          <p:nvPr/>
+        </p:nvGrpSpPr>
+        <p:grpSpPr>
+          <a:xfrm>
+            <a:off x="4141600" y="4114794"/>
+            <a:ext cx="3657608" cy="2743206"/>
+            <a:chOff x="4141600" y="4114794"/>
+            <a:chExt cx="3657608" cy="2743206"/>
+          </a:xfrm>
+        </p:grpSpPr>
+        <p:pic>
+          <p:nvPicPr>
+            <p:cNvPr id="42" name="图片 41"/>
+            <p:cNvPicPr>
+              <a:picLocks noChangeAspect="1"/>
+            </p:cNvPicPr>
+            <p:nvPr/>
+          </p:nvPicPr>
+          <p:blipFill>
+            <a:blip r:embed="rId5">
+              <a:extLst>
+                <a:ext uri="{28A0092B-C50C-407E-A947-70E740481C1C}">
+                  <a14:useLocalDpi xmlns:a14="http://schemas.microsoft.com/office/drawing/2010/main" val="0"/>
+                </a:ext>
+              </a:extLst>
+            </a:blip>
+            <a:stretch>
+              <a:fillRect/>
+            </a:stretch>
+          </p:blipFill>
+          <p:spPr>
+            <a:xfrm>
+              <a:off x="4141600" y="4114794"/>
+              <a:ext cx="3657608" cy="2743206"/>
+            </a:xfrm>
+            <a:prstGeom prst="rect">
+              <a:avLst/>
+            </a:prstGeom>
+          </p:spPr>
+        </p:pic>
+        <p:sp>
+          <p:nvSpPr>
+            <p:cNvPr id="48" name="文本框 47"/>
+            <p:cNvSpPr txBox="1"/>
+            <p:nvPr/>
+          </p:nvSpPr>
+          <p:spPr>
+            <a:xfrm>
+              <a:off x="4828745" y="5224787"/>
+              <a:ext cx="1141659" cy="523220"/>
+            </a:xfrm>
+            <a:prstGeom prst="rect">
+              <a:avLst/>
+            </a:prstGeom>
+            <a:noFill/>
+          </p:spPr>
+          <p:txBody>
+            <a:bodyPr wrap="none" rtlCol="0">
+              <a:spAutoFit/>
+            </a:bodyPr>
+            <a:lstStyle/>
+            <a:p>
+              <a:r>
+                <a:rPr lang="en-US" altLang="zh-CN" sz="2800" i="1" dirty="0">
+                  <a:latin typeface="Times New Roman" panose="02020603050405020304" pitchFamily="18" charset="0"/>
+                  <a:cs typeface="Times New Roman" panose="02020603050405020304" pitchFamily="18" charset="0"/>
+                </a:rPr>
+                <a:t>Mf-</a:t>
+              </a:r>
+              <a:r>
+                <a:rPr lang="en-US" altLang="zh-CN" sz="2800" i="1" dirty="0" err="1">
+                  <a:latin typeface="Times New Roman" panose="02020603050405020304" pitchFamily="18" charset="0"/>
+                  <a:cs typeface="Times New Roman" panose="02020603050405020304" pitchFamily="18" charset="0"/>
+                </a:rPr>
+                <a:t>zer</a:t>
+              </a:r>
+              <a:endParaRPr lang="zh-CN" altLang="en-US" sz="2800" i="1" dirty="0">
+                <a:latin typeface="Times New Roman" panose="02020603050405020304" pitchFamily="18" charset="0"/>
+                <a:cs typeface="Times New Roman" panose="02020603050405020304" pitchFamily="18" charset="0"/>
+              </a:endParaRPr>
+            </a:p>
+          </p:txBody>
+        </p:sp>
+      </p:grpSp>
+      <p:grpSp>
+        <p:nvGrpSpPr>
+          <p:cNvPr id="51" name="组合 50"/>
+          <p:cNvGrpSpPr/>
+          <p:nvPr/>
+        </p:nvGrpSpPr>
+        <p:grpSpPr>
+          <a:xfrm>
+            <a:off x="8140972" y="4114794"/>
+            <a:ext cx="3657608" cy="2743206"/>
+            <a:chOff x="8140972" y="4114794"/>
+            <a:chExt cx="3657608" cy="2743206"/>
+          </a:xfrm>
+        </p:grpSpPr>
+        <p:pic>
+          <p:nvPicPr>
+            <p:cNvPr id="43" name="图片 42"/>
+            <p:cNvPicPr>
+              <a:picLocks noChangeAspect="1"/>
+            </p:cNvPicPr>
+            <p:nvPr/>
+          </p:nvPicPr>
+          <p:blipFill>
+            <a:blip r:embed="rId6">
+              <a:extLst>
+                <a:ext uri="{28A0092B-C50C-407E-A947-70E740481C1C}">
+                  <a14:useLocalDpi xmlns:a14="http://schemas.microsoft.com/office/drawing/2010/main" val="0"/>
+                </a:ext>
+              </a:extLst>
+            </a:blip>
+            <a:stretch>
+              <a:fillRect/>
+            </a:stretch>
+          </p:blipFill>
+          <p:spPr>
+            <a:xfrm>
+              <a:off x="8140972" y="4114794"/>
+              <a:ext cx="3657608" cy="2743206"/>
+            </a:xfrm>
+            <a:prstGeom prst="rect">
+              <a:avLst/>
+            </a:prstGeom>
+          </p:spPr>
+        </p:pic>
+        <p:sp>
+          <p:nvSpPr>
+            <p:cNvPr id="49" name="矩形 48"/>
+            <p:cNvSpPr/>
+            <p:nvPr/>
+          </p:nvSpPr>
+          <p:spPr>
+            <a:xfrm>
+              <a:off x="8828117" y="5253967"/>
+              <a:ext cx="1282723" cy="523220"/>
+            </a:xfrm>
+            <a:prstGeom prst="rect">
+              <a:avLst/>
+            </a:prstGeom>
+          </p:spPr>
+          <p:txBody>
+            <a:bodyPr wrap="none">
+              <a:spAutoFit/>
+            </a:bodyPr>
+            <a:lstStyle/>
+            <a:p>
+              <a:r>
+                <a:rPr lang="en-US" altLang="zh-CN" sz="2800" i="1" dirty="0" smtClean="0">
+                  <a:latin typeface="Times New Roman" panose="02020603050405020304" pitchFamily="18" charset="0"/>
+                  <a:cs typeface="Times New Roman" panose="02020603050405020304" pitchFamily="18" charset="0"/>
+                </a:rPr>
+                <a:t>Mf-</a:t>
+              </a:r>
+              <a:r>
+                <a:rPr lang="en-US" altLang="zh-CN" sz="2800" i="1" dirty="0" err="1" smtClean="0">
+                  <a:latin typeface="Times New Roman" panose="02020603050405020304" pitchFamily="18" charset="0"/>
+                  <a:cs typeface="Times New Roman" panose="02020603050405020304" pitchFamily="18" charset="0"/>
+                </a:rPr>
+                <a:t>mor</a:t>
+              </a:r>
+              <a:endParaRPr lang="zh-CN" altLang="en-US" sz="2800" i="1" dirty="0">
+                <a:latin typeface="Times New Roman" panose="02020603050405020304" pitchFamily="18" charset="0"/>
+                <a:cs typeface="Times New Roman" panose="02020603050405020304" pitchFamily="18" charset="0"/>
+              </a:endParaRPr>
+            </a:p>
+          </p:txBody>
+        </p:sp>
+      </p:grpSp>
+      <p:sp>
+        <p:nvSpPr>
+          <p:cNvPr id="52" name="文本框 51"/>
+          <p:cNvSpPr txBox="1"/>
+          <p:nvPr/>
+        </p:nvSpPr>
+        <p:spPr>
+          <a:xfrm>
+            <a:off x="9060071" y="176115"/>
+            <a:ext cx="2542299" cy="1077218"/>
+          </a:xfrm>
+          <a:prstGeom prst="rect">
+            <a:avLst/>
+          </a:prstGeom>
+          <a:noFill/>
+        </p:spPr>
+        <p:txBody>
+          <a:bodyPr wrap="none" rtlCol="0">
+            <a:spAutoFit/>
+          </a:bodyPr>
+          <a:lstStyle/>
+          <a:p>
+            <a:r>
+              <a:rPr lang="en-US" altLang="zh-CN" sz="4400" dirty="0" smtClean="0">
+                <a:latin typeface="+mj-lt"/>
+              </a:rPr>
+              <a:t>Results</a:t>
+            </a:r>
+          </a:p>
+          <a:p>
+            <a:r>
+              <a:rPr lang="en-US" altLang="zh-CN" sz="2000" dirty="0" smtClean="0">
+                <a:latin typeface="+mj-lt"/>
+              </a:rPr>
+              <a:t>supporting </a:t>
+            </a:r>
+            <a:r>
+              <a:rPr lang="en-US" altLang="zh-CN" sz="2000" i="1" dirty="0" smtClean="0">
+                <a:latin typeface="+mj-lt"/>
+              </a:rPr>
+              <a:t>Strategy (1)</a:t>
+            </a:r>
+            <a:endParaRPr lang="zh-CN" altLang="en-US" sz="4400" i="1" dirty="0">
+              <a:latin typeface="+mj-lt"/>
+            </a:endParaRPr>
+          </a:p>
+        </p:txBody>
+      </p:sp>
+    </p:spTree>
+    <p:extLst>
+      <p:ext uri="{BB962C8B-B14F-4D97-AF65-F5344CB8AC3E}">
+        <p14:creationId xmlns:p14="http://schemas.microsoft.com/office/powerpoint/2010/main" val="1907215541"/>
+      </p:ext>
+    </p:extLst>
+  </p:cSld>
+  <p:clrMapOvr>
+    <a:masterClrMapping/>
+  </p:clrMapOvr>
+  <p:timing>
+    <p:tnLst>
+      <p:par>
+        <p:cTn id="1" dur="indefinite" restart="never" nodeType="tmRoot"/>
+      </p:par>
+    </p:tnLst>
+  </p:timing>
+</p:sld>
+</file>
+
+<file path=ppt/slides/slide33.xml><?xml version="1.0" encoding="utf-8"?>
+<p:sld xmlns:a="http://schemas.openxmlformats.org/drawingml/2006/main" xmlns:r="http://schemas.openxmlformats.org/officeDocument/2006/relationships" xmlns:p="http://schemas.openxmlformats.org/presentationml/2006/main">
+  <p:cSld>
+    <p:spTree>
+      <p:nvGrpSpPr>
+        <p:cNvPr id="1" name=""/>
+        <p:cNvGrpSpPr/>
+        <p:nvPr/>
+      </p:nvGrpSpPr>
+      <p:grpSpPr>
+        <a:xfrm>
+          <a:off x="0" y="0"/>
+          <a:ext cx="0" cy="0"/>
+          <a:chOff x="0" y="0"/>
+          <a:chExt cx="0" cy="0"/>
+        </a:xfrm>
+      </p:grpSpPr>
       <p:pic>
         <p:nvPicPr>
           <p:cNvPr id="15" name="Picture 14"/>
@@ -39980,7 +42808,7 @@
 </p:sld>
 </file>
 
-<file path=ppt/slides/slide31.xml><?xml version="1.0" encoding="utf-8"?>
+<file path=ppt/slides/slide34.xml><?xml version="1.0" encoding="utf-8"?>
 <p:sld xmlns:a="http://schemas.openxmlformats.org/drawingml/2006/main" xmlns:r="http://schemas.openxmlformats.org/officeDocument/2006/relationships" xmlns:p="http://schemas.openxmlformats.org/presentationml/2006/main">
   <p:cSld>
     <p:spTree>
@@ -40582,7 +43410,7 @@
 </p:sld>
 </file>
 
-<file path=ppt/slides/slide32.xml><?xml version="1.0" encoding="utf-8"?>
+<file path=ppt/slides/slide35.xml><?xml version="1.0" encoding="utf-8"?>
 <p:sld xmlns:a="http://schemas.openxmlformats.org/drawingml/2006/main" xmlns:r="http://schemas.openxmlformats.org/officeDocument/2006/relationships" xmlns:p="http://schemas.openxmlformats.org/presentationml/2006/main">
   <p:cSld>
     <p:spTree>
@@ -40944,7 +43772,7 @@
 </p:sld>
 </file>
 
-<file path=ppt/slides/slide33.xml><?xml version="1.0" encoding="utf-8"?>
+<file path=ppt/slides/slide36.xml><?xml version="1.0" encoding="utf-8"?>
 <p:sld xmlns:a="http://schemas.openxmlformats.org/drawingml/2006/main" xmlns:r="http://schemas.openxmlformats.org/officeDocument/2006/relationships" xmlns:p="http://schemas.openxmlformats.org/presentationml/2006/main">
   <p:cSld>
     <p:spTree>

--- a/slides&notes/Learning on imbalanced data.pptx
+++ b/slides&notes/Learning on imbalanced data.pptx
@@ -5,7 +5,7 @@
     <p:sldMasterId id="2147483648" r:id="rId1"/>
   </p:sldMasterIdLst>
   <p:notesMasterIdLst>
-    <p:notesMasterId r:id="rId38"/>
+    <p:notesMasterId r:id="rId39"/>
   </p:notesMasterIdLst>
   <p:sldIdLst>
     <p:sldId id="256" r:id="rId2"/>
@@ -27,23 +27,24 @@
     <p:sldId id="300" r:id="rId18"/>
     <p:sldId id="302" r:id="rId19"/>
     <p:sldId id="301" r:id="rId20"/>
-    <p:sldId id="282" r:id="rId21"/>
-    <p:sldId id="297" r:id="rId22"/>
-    <p:sldId id="280" r:id="rId23"/>
-    <p:sldId id="283" r:id="rId24"/>
-    <p:sldId id="284" r:id="rId25"/>
-    <p:sldId id="285" r:id="rId26"/>
-    <p:sldId id="286" r:id="rId27"/>
-    <p:sldId id="287" r:id="rId28"/>
-    <p:sldId id="298" r:id="rId29"/>
-    <p:sldId id="288" r:id="rId30"/>
-    <p:sldId id="299" r:id="rId31"/>
-    <p:sldId id="289" r:id="rId32"/>
-    <p:sldId id="270" r:id="rId33"/>
-    <p:sldId id="294" r:id="rId34"/>
-    <p:sldId id="291" r:id="rId35"/>
-    <p:sldId id="293" r:id="rId36"/>
-    <p:sldId id="292" r:id="rId37"/>
+    <p:sldId id="303" r:id="rId21"/>
+    <p:sldId id="282" r:id="rId22"/>
+    <p:sldId id="297" r:id="rId23"/>
+    <p:sldId id="280" r:id="rId24"/>
+    <p:sldId id="283" r:id="rId25"/>
+    <p:sldId id="284" r:id="rId26"/>
+    <p:sldId id="285" r:id="rId27"/>
+    <p:sldId id="286" r:id="rId28"/>
+    <p:sldId id="287" r:id="rId29"/>
+    <p:sldId id="298" r:id="rId30"/>
+    <p:sldId id="288" r:id="rId31"/>
+    <p:sldId id="299" r:id="rId32"/>
+    <p:sldId id="289" r:id="rId33"/>
+    <p:sldId id="270" r:id="rId34"/>
+    <p:sldId id="294" r:id="rId35"/>
+    <p:sldId id="291" r:id="rId36"/>
+    <p:sldId id="293" r:id="rId37"/>
+    <p:sldId id="292" r:id="rId38"/>
   </p:sldIdLst>
   <p:sldSz cx="12192000" cy="6858000"/>
   <p:notesSz cx="6858000" cy="9144000"/>
@@ -14519,7 +14520,7 @@
           <a:p>
             <a:fld id="{EFE6CCCD-BB4B-4C24-B0F8-C4DB08BB7B4F}" type="datetimeFigureOut">
               <a:rPr lang="en-US" smtClean="0"/>
-              <a:t>6/17/2016</a:t>
+              <a:t>6/18/2016</a:t>
             </a:fld>
             <a:endParaRPr lang="en-US"/>
           </a:p>
@@ -15116,7 +15117,7 @@
           <a:p>
             <a:fld id="{73AA34B6-7285-4A51-B61C-142C8C922848}" type="slidenum">
               <a:rPr lang="en-US" smtClean="0"/>
-              <a:t>35</a:t>
+              <a:t>36</a:t>
             </a:fld>
             <a:endParaRPr lang="en-US"/>
           </a:p>
@@ -15266,7 +15267,7 @@
           <a:p>
             <a:fld id="{E53C87ED-EC79-4D1E-A771-3ECE4BB9BC6B}" type="datetimeFigureOut">
               <a:rPr lang="en-US" smtClean="0"/>
-              <a:t>6/17/2016</a:t>
+              <a:t>6/18/2016</a:t>
             </a:fld>
             <a:endParaRPr lang="en-US"/>
           </a:p>
@@ -15436,7 +15437,7 @@
           <a:p>
             <a:fld id="{E53C87ED-EC79-4D1E-A771-3ECE4BB9BC6B}" type="datetimeFigureOut">
               <a:rPr lang="en-US" smtClean="0"/>
-              <a:t>6/17/2016</a:t>
+              <a:t>6/18/2016</a:t>
             </a:fld>
             <a:endParaRPr lang="en-US"/>
           </a:p>
@@ -15616,7 +15617,7 @@
           <a:p>
             <a:fld id="{E53C87ED-EC79-4D1E-A771-3ECE4BB9BC6B}" type="datetimeFigureOut">
               <a:rPr lang="en-US" smtClean="0"/>
-              <a:t>6/17/2016</a:t>
+              <a:t>6/18/2016</a:t>
             </a:fld>
             <a:endParaRPr lang="en-US"/>
           </a:p>
@@ -15786,7 +15787,7 @@
           <a:p>
             <a:fld id="{E53C87ED-EC79-4D1E-A771-3ECE4BB9BC6B}" type="datetimeFigureOut">
               <a:rPr lang="en-US" smtClean="0"/>
-              <a:t>6/17/2016</a:t>
+              <a:t>6/18/2016</a:t>
             </a:fld>
             <a:endParaRPr lang="en-US"/>
           </a:p>
@@ -16032,7 +16033,7 @@
           <a:p>
             <a:fld id="{E53C87ED-EC79-4D1E-A771-3ECE4BB9BC6B}" type="datetimeFigureOut">
               <a:rPr lang="en-US" smtClean="0"/>
-              <a:t>6/17/2016</a:t>
+              <a:t>6/18/2016</a:t>
             </a:fld>
             <a:endParaRPr lang="en-US"/>
           </a:p>
@@ -16264,7 +16265,7 @@
           <a:p>
             <a:fld id="{E53C87ED-EC79-4D1E-A771-3ECE4BB9BC6B}" type="datetimeFigureOut">
               <a:rPr lang="en-US" smtClean="0"/>
-              <a:t>6/17/2016</a:t>
+              <a:t>6/18/2016</a:t>
             </a:fld>
             <a:endParaRPr lang="en-US"/>
           </a:p>
@@ -16631,7 +16632,7 @@
           <a:p>
             <a:fld id="{E53C87ED-EC79-4D1E-A771-3ECE4BB9BC6B}" type="datetimeFigureOut">
               <a:rPr lang="en-US" smtClean="0"/>
-              <a:t>6/17/2016</a:t>
+              <a:t>6/18/2016</a:t>
             </a:fld>
             <a:endParaRPr lang="en-US"/>
           </a:p>
@@ -16749,7 +16750,7 @@
           <a:p>
             <a:fld id="{E53C87ED-EC79-4D1E-A771-3ECE4BB9BC6B}" type="datetimeFigureOut">
               <a:rPr lang="en-US" smtClean="0"/>
-              <a:t>6/17/2016</a:t>
+              <a:t>6/18/2016</a:t>
             </a:fld>
             <a:endParaRPr lang="en-US"/>
           </a:p>
@@ -16844,7 +16845,7 @@
           <a:p>
             <a:fld id="{E53C87ED-EC79-4D1E-A771-3ECE4BB9BC6B}" type="datetimeFigureOut">
               <a:rPr lang="en-US" smtClean="0"/>
-              <a:t>6/17/2016</a:t>
+              <a:t>6/18/2016</a:t>
             </a:fld>
             <a:endParaRPr lang="en-US"/>
           </a:p>
@@ -17121,7 +17122,7 @@
           <a:p>
             <a:fld id="{E53C87ED-EC79-4D1E-A771-3ECE4BB9BC6B}" type="datetimeFigureOut">
               <a:rPr lang="en-US" smtClean="0"/>
-              <a:t>6/17/2016</a:t>
+              <a:t>6/18/2016</a:t>
             </a:fld>
             <a:endParaRPr lang="en-US"/>
           </a:p>
@@ -17374,7 +17375,7 @@
           <a:p>
             <a:fld id="{E53C87ED-EC79-4D1E-A771-3ECE4BB9BC6B}" type="datetimeFigureOut">
               <a:rPr lang="en-US" smtClean="0"/>
-              <a:t>6/17/2016</a:t>
+              <a:t>6/18/2016</a:t>
             </a:fld>
             <a:endParaRPr lang="en-US"/>
           </a:p>
@@ -17587,7 +17588,7 @@
           <a:p>
             <a:fld id="{E53C87ED-EC79-4D1E-A771-3ECE4BB9BC6B}" type="datetimeFigureOut">
               <a:rPr lang="en-US" smtClean="0"/>
-              <a:t>6/17/2016</a:t>
+              <a:t>6/18/2016</a:t>
             </a:fld>
             <a:endParaRPr lang="en-US"/>
           </a:p>
@@ -29155,6 +29156,381 @@
           <a:chExt cx="0" cy="0"/>
         </a:xfrm>
       </p:grpSpPr>
+      <p:grpSp>
+        <p:nvGrpSpPr>
+          <p:cNvPr id="27" name="组合 26"/>
+          <p:cNvGrpSpPr/>
+          <p:nvPr/>
+        </p:nvGrpSpPr>
+        <p:grpSpPr>
+          <a:xfrm>
+            <a:off x="2600509" y="-2856361"/>
+            <a:ext cx="8239885" cy="10972814"/>
+            <a:chOff x="2600509" y="-2856361"/>
+            <a:chExt cx="8239885" cy="10972814"/>
+          </a:xfrm>
+        </p:grpSpPr>
+        <p:pic>
+          <p:nvPicPr>
+            <p:cNvPr id="16" name="图片 15"/>
+            <p:cNvPicPr>
+              <a:picLocks noChangeAspect="1"/>
+            </p:cNvPicPr>
+            <p:nvPr/>
+          </p:nvPicPr>
+          <p:blipFill>
+            <a:blip r:embed="rId2">
+              <a:extLst>
+                <a:ext uri="{28A0092B-C50C-407E-A947-70E740481C1C}">
+                  <a14:useLocalDpi xmlns:a14="http://schemas.microsoft.com/office/drawing/2010/main" val="0"/>
+                </a:ext>
+              </a:extLst>
+            </a:blip>
+            <a:stretch>
+              <a:fillRect/>
+            </a:stretch>
+          </p:blipFill>
+          <p:spPr>
+            <a:xfrm>
+              <a:off x="2606651" y="-2856361"/>
+              <a:ext cx="2743205" cy="2743205"/>
+            </a:xfrm>
+            <a:prstGeom prst="rect">
+              <a:avLst/>
+            </a:prstGeom>
+          </p:spPr>
+        </p:pic>
+        <p:pic>
+          <p:nvPicPr>
+            <p:cNvPr id="17" name="图片 16"/>
+            <p:cNvPicPr>
+              <a:picLocks noChangeAspect="1"/>
+            </p:cNvPicPr>
+            <p:nvPr/>
+          </p:nvPicPr>
+          <p:blipFill>
+            <a:blip r:embed="rId3">
+              <a:extLst>
+                <a:ext uri="{28A0092B-C50C-407E-A947-70E740481C1C}">
+                  <a14:useLocalDpi xmlns:a14="http://schemas.microsoft.com/office/drawing/2010/main" val="0"/>
+                </a:ext>
+              </a:extLst>
+            </a:blip>
+            <a:stretch>
+              <a:fillRect/>
+            </a:stretch>
+          </p:blipFill>
+          <p:spPr>
+            <a:xfrm>
+              <a:off x="5347843" y="-2856361"/>
+              <a:ext cx="2743205" cy="2743205"/>
+            </a:xfrm>
+            <a:prstGeom prst="rect">
+              <a:avLst/>
+            </a:prstGeom>
+          </p:spPr>
+        </p:pic>
+        <p:pic>
+          <p:nvPicPr>
+            <p:cNvPr id="18" name="图片 17"/>
+            <p:cNvPicPr>
+              <a:picLocks noChangeAspect="1"/>
+            </p:cNvPicPr>
+            <p:nvPr/>
+          </p:nvPicPr>
+          <p:blipFill>
+            <a:blip r:embed="rId4">
+              <a:extLst>
+                <a:ext uri="{28A0092B-C50C-407E-A947-70E740481C1C}">
+                  <a14:useLocalDpi xmlns:a14="http://schemas.microsoft.com/office/drawing/2010/main" val="0"/>
+                </a:ext>
+              </a:extLst>
+            </a:blip>
+            <a:stretch>
+              <a:fillRect/>
+            </a:stretch>
+          </p:blipFill>
+          <p:spPr>
+            <a:xfrm>
+              <a:off x="8095965" y="-2856361"/>
+              <a:ext cx="2743205" cy="2743205"/>
+            </a:xfrm>
+            <a:prstGeom prst="rect">
+              <a:avLst/>
+            </a:prstGeom>
+          </p:spPr>
+        </p:pic>
+        <p:pic>
+          <p:nvPicPr>
+            <p:cNvPr id="19" name="图片 18"/>
+            <p:cNvPicPr>
+              <a:picLocks noChangeAspect="1"/>
+            </p:cNvPicPr>
+            <p:nvPr/>
+          </p:nvPicPr>
+          <p:blipFill>
+            <a:blip r:embed="rId5">
+              <a:extLst>
+                <a:ext uri="{28A0092B-C50C-407E-A947-70E740481C1C}">
+                  <a14:useLocalDpi xmlns:a14="http://schemas.microsoft.com/office/drawing/2010/main" val="0"/>
+                </a:ext>
+              </a:extLst>
+            </a:blip>
+            <a:stretch>
+              <a:fillRect/>
+            </a:stretch>
+          </p:blipFill>
+          <p:spPr>
+            <a:xfrm>
+              <a:off x="2607876" y="-113156"/>
+              <a:ext cx="2743205" cy="2743205"/>
+            </a:xfrm>
+            <a:prstGeom prst="rect">
+              <a:avLst/>
+            </a:prstGeom>
+          </p:spPr>
+        </p:pic>
+        <p:pic>
+          <p:nvPicPr>
+            <p:cNvPr id="20" name="图片 19"/>
+            <p:cNvPicPr>
+              <a:picLocks noChangeAspect="1"/>
+            </p:cNvPicPr>
+            <p:nvPr/>
+          </p:nvPicPr>
+          <p:blipFill>
+            <a:blip r:embed="rId6">
+              <a:extLst>
+                <a:ext uri="{28A0092B-C50C-407E-A947-70E740481C1C}">
+                  <a14:useLocalDpi xmlns:a14="http://schemas.microsoft.com/office/drawing/2010/main" val="0"/>
+                </a:ext>
+              </a:extLst>
+            </a:blip>
+            <a:stretch>
+              <a:fillRect/>
+            </a:stretch>
+          </p:blipFill>
+          <p:spPr>
+            <a:xfrm>
+              <a:off x="5352091" y="-113156"/>
+              <a:ext cx="2743205" cy="2743205"/>
+            </a:xfrm>
+            <a:prstGeom prst="rect">
+              <a:avLst/>
+            </a:prstGeom>
+          </p:spPr>
+        </p:pic>
+        <p:pic>
+          <p:nvPicPr>
+            <p:cNvPr id="21" name="图片 20"/>
+            <p:cNvPicPr>
+              <a:picLocks noChangeAspect="1"/>
+            </p:cNvPicPr>
+            <p:nvPr/>
+          </p:nvPicPr>
+          <p:blipFill>
+            <a:blip r:embed="rId7">
+              <a:extLst>
+                <a:ext uri="{28A0092B-C50C-407E-A947-70E740481C1C}">
+                  <a14:useLocalDpi xmlns:a14="http://schemas.microsoft.com/office/drawing/2010/main" val="0"/>
+                </a:ext>
+              </a:extLst>
+            </a:blip>
+            <a:stretch>
+              <a:fillRect/>
+            </a:stretch>
+          </p:blipFill>
+          <p:spPr>
+            <a:xfrm>
+              <a:off x="8089824" y="-113156"/>
+              <a:ext cx="2743205" cy="2743205"/>
+            </a:xfrm>
+            <a:prstGeom prst="rect">
+              <a:avLst/>
+            </a:prstGeom>
+          </p:spPr>
+        </p:pic>
+        <p:pic>
+          <p:nvPicPr>
+            <p:cNvPr id="22" name="图片 21"/>
+            <p:cNvPicPr>
+              <a:picLocks noChangeAspect="1"/>
+            </p:cNvPicPr>
+            <p:nvPr/>
+          </p:nvPicPr>
+          <p:blipFill>
+            <a:blip r:embed="rId8">
+              <a:extLst>
+                <a:ext uri="{28A0092B-C50C-407E-A947-70E740481C1C}">
+                  <a14:useLocalDpi xmlns:a14="http://schemas.microsoft.com/office/drawing/2010/main" val="0"/>
+                </a:ext>
+              </a:extLst>
+            </a:blip>
+            <a:stretch>
+              <a:fillRect/>
+            </a:stretch>
+          </p:blipFill>
+          <p:spPr>
+            <a:xfrm>
+              <a:off x="2600510" y="2630046"/>
+              <a:ext cx="2743205" cy="2743205"/>
+            </a:xfrm>
+            <a:prstGeom prst="rect">
+              <a:avLst/>
+            </a:prstGeom>
+          </p:spPr>
+        </p:pic>
+        <p:pic>
+          <p:nvPicPr>
+            <p:cNvPr id="23" name="图片 22"/>
+            <p:cNvPicPr>
+              <a:picLocks noChangeAspect="1"/>
+            </p:cNvPicPr>
+            <p:nvPr/>
+          </p:nvPicPr>
+          <p:blipFill>
+            <a:blip r:embed="rId9">
+              <a:extLst>
+                <a:ext uri="{28A0092B-C50C-407E-A947-70E740481C1C}">
+                  <a14:useLocalDpi xmlns:a14="http://schemas.microsoft.com/office/drawing/2010/main" val="0"/>
+                </a:ext>
+              </a:extLst>
+            </a:blip>
+            <a:stretch>
+              <a:fillRect/>
+            </a:stretch>
+          </p:blipFill>
+          <p:spPr>
+            <a:xfrm>
+              <a:off x="5352091" y="2630047"/>
+              <a:ext cx="2743205" cy="2743205"/>
+            </a:xfrm>
+            <a:prstGeom prst="rect">
+              <a:avLst/>
+            </a:prstGeom>
+          </p:spPr>
+        </p:pic>
+        <p:pic>
+          <p:nvPicPr>
+            <p:cNvPr id="24" name="图片 23"/>
+            <p:cNvPicPr>
+              <a:picLocks noChangeAspect="1"/>
+            </p:cNvPicPr>
+            <p:nvPr/>
+          </p:nvPicPr>
+          <p:blipFill>
+            <a:blip r:embed="rId10">
+              <a:extLst>
+                <a:ext uri="{28A0092B-C50C-407E-A947-70E740481C1C}">
+                  <a14:useLocalDpi xmlns:a14="http://schemas.microsoft.com/office/drawing/2010/main" val="0"/>
+                </a:ext>
+              </a:extLst>
+            </a:blip>
+            <a:stretch>
+              <a:fillRect/>
+            </a:stretch>
+          </p:blipFill>
+          <p:spPr>
+            <a:xfrm>
+              <a:off x="8097189" y="2630048"/>
+              <a:ext cx="2743205" cy="2743205"/>
+            </a:xfrm>
+            <a:prstGeom prst="rect">
+              <a:avLst/>
+            </a:prstGeom>
+          </p:spPr>
+        </p:pic>
+        <p:pic>
+          <p:nvPicPr>
+            <p:cNvPr id="25" name="图片 24"/>
+            <p:cNvPicPr>
+              <a:picLocks noChangeAspect="1"/>
+            </p:cNvPicPr>
+            <p:nvPr/>
+          </p:nvPicPr>
+          <p:blipFill>
+            <a:blip r:embed="rId11">
+              <a:extLst>
+                <a:ext uri="{28A0092B-C50C-407E-A947-70E740481C1C}">
+                  <a14:useLocalDpi xmlns:a14="http://schemas.microsoft.com/office/drawing/2010/main" val="0"/>
+                </a:ext>
+              </a:extLst>
+            </a:blip>
+            <a:stretch>
+              <a:fillRect/>
+            </a:stretch>
+          </p:blipFill>
+          <p:spPr>
+            <a:xfrm>
+              <a:off x="2600509" y="5373248"/>
+              <a:ext cx="2743205" cy="2743205"/>
+            </a:xfrm>
+            <a:prstGeom prst="rect">
+              <a:avLst/>
+            </a:prstGeom>
+          </p:spPr>
+        </p:pic>
+        <p:pic>
+          <p:nvPicPr>
+            <p:cNvPr id="26" name="图片 25"/>
+            <p:cNvPicPr>
+              <a:picLocks noChangeAspect="1"/>
+            </p:cNvPicPr>
+            <p:nvPr/>
+          </p:nvPicPr>
+          <p:blipFill>
+            <a:blip r:embed="rId12">
+              <a:extLst>
+                <a:ext uri="{28A0092B-C50C-407E-A947-70E740481C1C}">
+                  <a14:useLocalDpi xmlns:a14="http://schemas.microsoft.com/office/drawing/2010/main" val="0"/>
+                </a:ext>
+              </a:extLst>
+            </a:blip>
+            <a:stretch>
+              <a:fillRect/>
+            </a:stretch>
+          </p:blipFill>
+          <p:spPr>
+            <a:xfrm>
+              <a:off x="8089823" y="5373247"/>
+              <a:ext cx="2743205" cy="2743205"/>
+            </a:xfrm>
+            <a:prstGeom prst="rect">
+              <a:avLst/>
+            </a:prstGeom>
+          </p:spPr>
+        </p:pic>
+      </p:grpSp>
+    </p:spTree>
+    <p:extLst>
+      <p:ext uri="{BB962C8B-B14F-4D97-AF65-F5344CB8AC3E}">
+        <p14:creationId xmlns:p14="http://schemas.microsoft.com/office/powerpoint/2010/main" val="1848604216"/>
+      </p:ext>
+    </p:extLst>
+  </p:cSld>
+  <p:clrMapOvr>
+    <a:masterClrMapping/>
+  </p:clrMapOvr>
+</p:sld>
+</file>
+
+<file path=ppt/slides/slide21.xml><?xml version="1.0" encoding="utf-8"?>
+<p:sld xmlns:a="http://schemas.openxmlformats.org/drawingml/2006/main" xmlns:r="http://schemas.openxmlformats.org/officeDocument/2006/relationships" xmlns:p="http://schemas.openxmlformats.org/presentationml/2006/main">
+  <p:cSld>
+    <p:spTree>
+      <p:nvGrpSpPr>
+        <p:cNvPr id="1" name=""/>
+        <p:cNvGrpSpPr/>
+        <p:nvPr/>
+      </p:nvGrpSpPr>
+      <p:grpSpPr>
+        <a:xfrm>
+          <a:off x="0" y="0"/>
+          <a:ext cx="0" cy="0"/>
+          <a:chOff x="0" y="0"/>
+          <a:chExt cx="0" cy="0"/>
+        </a:xfrm>
+      </p:grpSpPr>
       <p:sp>
         <p:nvSpPr>
           <p:cNvPr id="2" name="Title 1"/>
@@ -30286,7 +30662,7 @@
 </p:sld>
 </file>
 
-<file path=ppt/slides/slide21.xml><?xml version="1.0" encoding="utf-8"?>
+<file path=ppt/slides/slide22.xml><?xml version="1.0" encoding="utf-8"?>
 <p:sld xmlns:a="http://schemas.openxmlformats.org/drawingml/2006/main" xmlns:r="http://schemas.openxmlformats.org/officeDocument/2006/relationships" xmlns:p="http://schemas.openxmlformats.org/presentationml/2006/main">
   <p:cSld>
     <p:spTree>
@@ -30423,7 +30799,7 @@
 </p:sld>
 </file>
 
-<file path=ppt/slides/slide22.xml><?xml version="1.0" encoding="utf-8"?>
+<file path=ppt/slides/slide23.xml><?xml version="1.0" encoding="utf-8"?>
 <p:sld xmlns:a="http://schemas.openxmlformats.org/drawingml/2006/main" xmlns:r="http://schemas.openxmlformats.org/officeDocument/2006/relationships" xmlns:p="http://schemas.openxmlformats.org/presentationml/2006/main">
   <p:cSld>
     <p:spTree>
@@ -32014,7 +32390,7 @@
 </p:sld>
 </file>
 
-<file path=ppt/slides/slide23.xml><?xml version="1.0" encoding="utf-8"?>
+<file path=ppt/slides/slide24.xml><?xml version="1.0" encoding="utf-8"?>
 <p:sld xmlns:a="http://schemas.openxmlformats.org/drawingml/2006/main" xmlns:r="http://schemas.openxmlformats.org/officeDocument/2006/relationships" xmlns:p="http://schemas.openxmlformats.org/presentationml/2006/main">
   <p:cSld>
     <p:spTree>
@@ -33733,7 +34109,7 @@
 </p:sld>
 </file>
 
-<file path=ppt/slides/slide24.xml><?xml version="1.0" encoding="utf-8"?>
+<file path=ppt/slides/slide25.xml><?xml version="1.0" encoding="utf-8"?>
 <p:sld xmlns:a="http://schemas.openxmlformats.org/drawingml/2006/main" xmlns:r="http://schemas.openxmlformats.org/officeDocument/2006/relationships" xmlns:p="http://schemas.openxmlformats.org/presentationml/2006/main">
   <p:cSld>
     <p:spTree>
@@ -34820,7 +35196,7 @@
 </p:sld>
 </file>
 
-<file path=ppt/slides/slide25.xml><?xml version="1.0" encoding="utf-8"?>
+<file path=ppt/slides/slide26.xml><?xml version="1.0" encoding="utf-8"?>
 <p:sld xmlns:a="http://schemas.openxmlformats.org/drawingml/2006/main" xmlns:r="http://schemas.openxmlformats.org/officeDocument/2006/relationships" xmlns:p="http://schemas.openxmlformats.org/presentationml/2006/main">
   <p:cSld>
     <p:spTree>
@@ -35089,7 +35465,7 @@
 </p:sld>
 </file>
 
-<file path=ppt/slides/slide26.xml><?xml version="1.0" encoding="utf-8"?>
+<file path=ppt/slides/slide27.xml><?xml version="1.0" encoding="utf-8"?>
 <p:sld xmlns:a="http://schemas.openxmlformats.org/drawingml/2006/main" xmlns:r="http://schemas.openxmlformats.org/officeDocument/2006/relationships" xmlns:p="http://schemas.openxmlformats.org/presentationml/2006/main">
   <p:cSld>
     <p:spTree>
@@ -35613,7 +35989,7 @@
 </p:sld>
 </file>
 
-<file path=ppt/slides/slide27.xml><?xml version="1.0" encoding="utf-8"?>
+<file path=ppt/slides/slide28.xml><?xml version="1.0" encoding="utf-8"?>
 <p:sld xmlns:a="http://schemas.openxmlformats.org/drawingml/2006/main" xmlns:r="http://schemas.openxmlformats.org/officeDocument/2006/relationships" xmlns:p="http://schemas.openxmlformats.org/presentationml/2006/main">
   <p:cSld>
     <p:spTree>
@@ -37338,7 +37714,7 @@
 </p:sld>
 </file>
 
-<file path=ppt/slides/slide28.xml><?xml version="1.0" encoding="utf-8"?>
+<file path=ppt/slides/slide29.xml><?xml version="1.0" encoding="utf-8"?>
 <p:sld xmlns:a="http://schemas.openxmlformats.org/drawingml/2006/main" xmlns:r="http://schemas.openxmlformats.org/officeDocument/2006/relationships" xmlns:p="http://schemas.openxmlformats.org/presentationml/2006/main">
   <p:cSld>
     <p:spTree>
@@ -37459,1467 +37835,6 @@
     <p:extLst>
       <p:ext uri="{BB962C8B-B14F-4D97-AF65-F5344CB8AC3E}">
         <p14:creationId xmlns:p14="http://schemas.microsoft.com/office/powerpoint/2010/main" val="3616807815"/>
-      </p:ext>
-    </p:extLst>
-  </p:cSld>
-  <p:clrMapOvr>
-    <a:masterClrMapping/>
-  </p:clrMapOvr>
-  <p:timing>
-    <p:tnLst>
-      <p:par>
-        <p:cTn id="1" dur="indefinite" restart="never" nodeType="tmRoot"/>
-      </p:par>
-    </p:tnLst>
-  </p:timing>
-</p:sld>
-</file>
-
-<file path=ppt/slides/slide29.xml><?xml version="1.0" encoding="utf-8"?>
-<p:sld xmlns:a="http://schemas.openxmlformats.org/drawingml/2006/main" xmlns:r="http://schemas.openxmlformats.org/officeDocument/2006/relationships" xmlns:p="http://schemas.openxmlformats.org/presentationml/2006/main">
-  <p:cSld>
-    <p:spTree>
-      <p:nvGrpSpPr>
-        <p:cNvPr id="1" name=""/>
-        <p:cNvGrpSpPr/>
-        <p:nvPr/>
-      </p:nvGrpSpPr>
-      <p:grpSpPr>
-        <a:xfrm>
-          <a:off x="0" y="0"/>
-          <a:ext cx="0" cy="0"/>
-          <a:chOff x="0" y="0"/>
-          <a:chExt cx="0" cy="0"/>
-        </a:xfrm>
-      </p:grpSpPr>
-      <p:sp>
-        <p:nvSpPr>
-          <p:cNvPr id="2" name="标题 1"/>
-          <p:cNvSpPr>
-            <a:spLocks noGrp="1"/>
-          </p:cNvSpPr>
-          <p:nvPr>
-            <p:ph type="title"/>
-          </p:nvPr>
-        </p:nvSpPr>
-        <p:spPr/>
-        <p:txBody>
-          <a:bodyPr/>
-          <a:lstStyle/>
-          <a:p>
-            <a:r>
-              <a:rPr lang="en-US" altLang="zh-CN" dirty="0"/>
-              <a:t>Selecting </a:t>
-            </a:r>
-            <a:r>
-              <a:rPr lang="en-US" altLang="zh-CN" dirty="0" smtClean="0"/>
-              <a:t>Strategy</a:t>
-            </a:r>
-            <a:endParaRPr lang="zh-CN" altLang="en-US" dirty="0"/>
-          </a:p>
-        </p:txBody>
-      </p:sp>
-      <mc:AlternateContent xmlns:mc="http://schemas.openxmlformats.org/markup-compatibility/2006" xmlns:a14="http://schemas.microsoft.com/office/drawing/2010/main">
-        <mc:Choice Requires="a14">
-          <p:sp>
-            <p:nvSpPr>
-              <p:cNvPr id="3" name="内容占位符 2"/>
-              <p:cNvSpPr>
-                <a:spLocks noGrp="1"/>
-              </p:cNvSpPr>
-              <p:nvPr>
-                <p:ph idx="1"/>
-              </p:nvPr>
-            </p:nvSpPr>
-            <p:spPr/>
-            <p:txBody>
-              <a:bodyPr/>
-              <a:lstStyle/>
-              <a:p>
-                <a:r>
-                  <a:rPr lang="en-US" altLang="zh-CN" dirty="0" smtClean="0"/>
-                  <a:t>Our conclusion covers four kinds of IDS with their </a:t>
-                </a:r>
-                <a14:m>
-                  <m:oMath xmlns:m="http://schemas.openxmlformats.org/officeDocument/2006/math">
-                    <m:r>
-                      <a:rPr lang="en-US" altLang="zh-CN" b="0" i="1" smtClean="0">
-                        <a:latin typeface="Cambria Math" panose="02040503050406030204" pitchFamily="18" charset="0"/>
-                      </a:rPr>
-                      <m:t>𝑖𝑚𝐴𝑡𝑡𝑟</m:t>
-                    </m:r>
-                    <m:d>
-                      <m:dPr>
-                        <m:ctrlPr>
-                          <a:rPr lang="en-US" altLang="zh-CN" b="0" i="1" smtClean="0">
-                            <a:latin typeface="Cambria Math" panose="02040503050406030204" pitchFamily="18" charset="0"/>
-                          </a:rPr>
-                        </m:ctrlPr>
-                      </m:dPr>
-                      <m:e>
-                        <m:r>
-                          <a:rPr lang="en-US" altLang="zh-CN" b="0" i="1" smtClean="0">
-                            <a:latin typeface="Cambria Math" panose="02040503050406030204" pitchFamily="18" charset="0"/>
-                          </a:rPr>
-                          <m:t>𝒟</m:t>
-                        </m:r>
-                      </m:e>
-                    </m:d>
-                    <m:r>
-                      <a:rPr lang="en-US" altLang="zh-CN" b="0" i="1" smtClean="0">
-                        <a:latin typeface="Cambria Math" panose="02040503050406030204" pitchFamily="18" charset="0"/>
-                      </a:rPr>
-                      <m:t>=&lt;</m:t>
-                    </m:r>
-                    <m:r>
-                      <a:rPr lang="en-US" altLang="zh-CN" b="0" i="1" smtClean="0">
-                        <a:latin typeface="Cambria Math" panose="02040503050406030204" pitchFamily="18" charset="0"/>
-                      </a:rPr>
-                      <m:t>𝑟</m:t>
-                    </m:r>
-                    <m:d>
-                      <m:dPr>
-                        <m:ctrlPr>
-                          <a:rPr lang="en-US" altLang="zh-CN" b="0" i="1" smtClean="0">
-                            <a:latin typeface="Cambria Math" panose="02040503050406030204" pitchFamily="18" charset="0"/>
-                          </a:rPr>
-                        </m:ctrlPr>
-                      </m:dPr>
-                      <m:e>
-                        <m:r>
-                          <a:rPr lang="en-US" altLang="zh-CN" b="0" i="1" smtClean="0">
-                            <a:latin typeface="Cambria Math" panose="02040503050406030204" pitchFamily="18" charset="0"/>
-                          </a:rPr>
-                          <m:t>𝒟</m:t>
-                        </m:r>
-                      </m:e>
-                    </m:d>
-                    <m:r>
-                      <a:rPr lang="en-US" altLang="zh-CN" b="0" i="1" smtClean="0">
-                        <a:latin typeface="Cambria Math" panose="02040503050406030204" pitchFamily="18" charset="0"/>
-                      </a:rPr>
-                      <m:t>,</m:t>
-                    </m:r>
-                    <m:r>
-                      <a:rPr lang="en-US" altLang="zh-CN" b="0" i="1" smtClean="0">
-                        <a:latin typeface="Cambria Math" panose="02040503050406030204" pitchFamily="18" charset="0"/>
-                      </a:rPr>
-                      <m:t>𝑜</m:t>
-                    </m:r>
-                    <m:d>
-                      <m:dPr>
-                        <m:ctrlPr>
-                          <a:rPr lang="en-US" altLang="zh-CN" i="1">
-                            <a:latin typeface="Cambria Math" panose="02040503050406030204" pitchFamily="18" charset="0"/>
-                          </a:rPr>
-                        </m:ctrlPr>
-                      </m:dPr>
-                      <m:e>
-                        <m:r>
-                          <a:rPr lang="en-US" altLang="zh-CN" i="1">
-                            <a:latin typeface="Cambria Math" panose="02040503050406030204" pitchFamily="18" charset="0"/>
-                          </a:rPr>
-                          <m:t>𝒟</m:t>
-                        </m:r>
-                      </m:e>
-                    </m:d>
-                    <m:r>
-                      <a:rPr lang="en-US" altLang="zh-CN" i="1">
-                        <a:latin typeface="Cambria Math" panose="02040503050406030204" pitchFamily="18" charset="0"/>
-                      </a:rPr>
-                      <m:t>,</m:t>
-                    </m:r>
-                    <m:r>
-                      <a:rPr lang="en-US" altLang="zh-CN" b="0" i="1" smtClean="0">
-                        <a:latin typeface="Cambria Math" panose="02040503050406030204" pitchFamily="18" charset="0"/>
-                      </a:rPr>
-                      <m:t>𝑝</m:t>
-                    </m:r>
-                    <m:d>
-                      <m:dPr>
-                        <m:ctrlPr>
-                          <a:rPr lang="en-US" altLang="zh-CN" b="0" i="1" smtClean="0">
-                            <a:latin typeface="Cambria Math" panose="02040503050406030204" pitchFamily="18" charset="0"/>
-                          </a:rPr>
-                        </m:ctrlPr>
-                      </m:dPr>
-                      <m:e>
-                        <m:r>
-                          <a:rPr lang="en-US" altLang="zh-CN" b="0" i="1" smtClean="0">
-                            <a:latin typeface="Cambria Math" panose="02040503050406030204" pitchFamily="18" charset="0"/>
-                          </a:rPr>
-                          <m:t>𝛾</m:t>
-                        </m:r>
-                      </m:e>
-                    </m:d>
-                    <m:r>
-                      <a:rPr lang="en-US" altLang="zh-CN" b="0" i="1" smtClean="0">
-                        <a:latin typeface="Cambria Math" panose="02040503050406030204" pitchFamily="18" charset="0"/>
-                      </a:rPr>
-                      <m:t>&gt;</m:t>
-                    </m:r>
-                  </m:oMath>
-                </a14:m>
-                <a:r>
-                  <a:rPr lang="zh-CN" altLang="en-US" dirty="0" smtClean="0"/>
-                  <a:t> </a:t>
-                </a:r>
-                <a:r>
-                  <a:rPr lang="en-US" altLang="zh-CN" dirty="0" smtClean="0"/>
-                  <a:t>that we can directly choose the appropriate kind of technique.</a:t>
-                </a:r>
-                <a:endParaRPr lang="zh-CN" altLang="en-US" dirty="0"/>
-              </a:p>
-            </p:txBody>
-          </p:sp>
-        </mc:Choice>
-        <mc:Fallback xmlns="">
-          <p:sp>
-            <p:nvSpPr>
-              <p:cNvPr id="3" name="内容占位符 2"/>
-              <p:cNvSpPr>
-                <a:spLocks noGrp="1" noRot="1" noChangeAspect="1" noMove="1" noResize="1" noEditPoints="1" noAdjustHandles="1" noChangeArrowheads="1" noChangeShapeType="1" noTextEdit="1"/>
-              </p:cNvSpPr>
-              <p:nvPr>
-                <p:ph idx="1"/>
-              </p:nvPr>
-            </p:nvSpPr>
-            <p:spPr>
-              <a:blipFill>
-                <a:blip r:embed="rId2"/>
-                <a:stretch>
-                  <a:fillRect t="-2241" r="-58"/>
-                </a:stretch>
-              </a:blipFill>
-            </p:spPr>
-            <p:txBody>
-              <a:bodyPr/>
-              <a:lstStyle/>
-              <a:p>
-                <a:r>
-                  <a:rPr lang="zh-CN" altLang="en-US">
-                    <a:noFill/>
-                  </a:rPr>
-                  <a:t> </a:t>
-                </a:r>
-              </a:p>
-            </p:txBody>
-          </p:sp>
-        </mc:Fallback>
-      </mc:AlternateContent>
-      <mc:AlternateContent xmlns:mc="http://schemas.openxmlformats.org/markup-compatibility/2006" xmlns:a14="http://schemas.microsoft.com/office/drawing/2010/main">
-        <mc:Choice Requires="a14">
-          <p:graphicFrame>
-            <p:nvGraphicFramePr>
-              <p:cNvPr id="5" name="表格 4"/>
-              <p:cNvGraphicFramePr>
-                <a:graphicFrameLocks noGrp="1"/>
-              </p:cNvGraphicFramePr>
-              <p:nvPr>
-                <p:extLst>
-                  <p:ext uri="{D42A27DB-BD31-4B8C-83A1-F6EECF244321}">
-                    <p14:modId xmlns:p14="http://schemas.microsoft.com/office/powerpoint/2010/main" val="187990704"/>
-                  </p:ext>
-                </p:extLst>
-              </p:nvPr>
-            </p:nvGraphicFramePr>
-            <p:xfrm>
-              <a:off x="2032000" y="3678021"/>
-              <a:ext cx="8128000" cy="2392680"/>
-            </p:xfrm>
-            <a:graphic>
-              <a:graphicData uri="http://schemas.openxmlformats.org/drawingml/2006/table">
-                <a:tbl>
-                  <a:tblPr firstRow="1" bandRow="1">
-                    <a:tableStyleId>{2D5ABB26-0587-4C30-8999-92F81FD0307C}</a:tableStyleId>
-                  </a:tblPr>
-                  <a:tblGrid>
-                    <a:gridCol w="4064000">
-                      <a:extLst>
-                        <a:ext uri="{9D8B030D-6E8A-4147-A177-3AD203B41FA5}">
-                          <a16:colId xmlns:a16="http://schemas.microsoft.com/office/drawing/2014/main" val="1337587911"/>
-                        </a:ext>
-                      </a:extLst>
-                    </a:gridCol>
-                    <a:gridCol w="4064000">
-                      <a:extLst>
-                        <a:ext uri="{9D8B030D-6E8A-4147-A177-3AD203B41FA5}">
-                          <a16:colId xmlns:a16="http://schemas.microsoft.com/office/drawing/2014/main" val="2024171834"/>
-                        </a:ext>
-                      </a:extLst>
-                    </a:gridCol>
-                  </a:tblGrid>
-                  <a:tr h="370840">
-                    <a:tc>
-                      <a:txBody>
-                        <a:bodyPr/>
-                        <a:lstStyle/>
-                        <a:p>
-                          <a:pPr algn="ctr"/>
-                          <a14:m>
-                            <m:oMathPara xmlns:m="http://schemas.openxmlformats.org/officeDocument/2006/math">
-                              <m:oMathParaPr>
-                                <m:jc m:val="centerGroup"/>
-                              </m:oMathParaPr>
-                              <m:oMath xmlns:m="http://schemas.openxmlformats.org/officeDocument/2006/math">
-                                <m:r>
-                                  <a:rPr lang="en-US" altLang="zh-CN" smtClean="0">
-                                    <a:latin typeface="Cambria Math" panose="02040503050406030204" pitchFamily="18" charset="0"/>
-                                  </a:rPr>
-                                  <m:t>𝑖𝑚𝐴𝑡𝑡𝑟</m:t>
-                                </m:r>
-                                <m:d>
-                                  <m:dPr>
-                                    <m:ctrlPr>
-                                      <a:rPr lang="en-US" altLang="zh-CN" i="1" smtClean="0">
-                                        <a:latin typeface="Cambria Math" panose="02040503050406030204" pitchFamily="18" charset="0"/>
-                                      </a:rPr>
-                                    </m:ctrlPr>
-                                  </m:dPr>
-                                  <m:e>
-                                    <m:r>
-                                      <a:rPr lang="en-US" altLang="zh-CN" smtClean="0">
-                                        <a:latin typeface="Cambria Math" panose="02040503050406030204" pitchFamily="18" charset="0"/>
-                                      </a:rPr>
-                                      <m:t>𝒟</m:t>
-                                    </m:r>
-                                  </m:e>
-                                </m:d>
-                                <m:r>
-                                  <a:rPr lang="en-US" altLang="zh-CN" smtClean="0">
-                                    <a:latin typeface="Cambria Math" panose="02040503050406030204" pitchFamily="18" charset="0"/>
-                                  </a:rPr>
-                                  <m:t>=&lt;</m:t>
-                                </m:r>
-                                <m:r>
-                                  <a:rPr lang="en-US" altLang="zh-CN" smtClean="0">
-                                    <a:latin typeface="Cambria Math" panose="02040503050406030204" pitchFamily="18" charset="0"/>
-                                  </a:rPr>
-                                  <m:t>𝑟</m:t>
-                                </m:r>
-                                <m:d>
-                                  <m:dPr>
-                                    <m:ctrlPr>
-                                      <a:rPr lang="en-US" altLang="zh-CN" i="1" smtClean="0">
-                                        <a:latin typeface="Cambria Math" panose="02040503050406030204" pitchFamily="18" charset="0"/>
-                                      </a:rPr>
-                                    </m:ctrlPr>
-                                  </m:dPr>
-                                  <m:e>
-                                    <m:r>
-                                      <a:rPr lang="en-US" altLang="zh-CN" smtClean="0">
-                                        <a:latin typeface="Cambria Math" panose="02040503050406030204" pitchFamily="18" charset="0"/>
-                                      </a:rPr>
-                                      <m:t>𝒟</m:t>
-                                    </m:r>
-                                  </m:e>
-                                </m:d>
-                                <m:r>
-                                  <a:rPr lang="en-US" altLang="zh-CN" smtClean="0">
-                                    <a:latin typeface="Cambria Math" panose="02040503050406030204" pitchFamily="18" charset="0"/>
-                                  </a:rPr>
-                                  <m:t>,</m:t>
-                                </m:r>
-                                <m:r>
-                                  <a:rPr lang="en-US" altLang="zh-CN" smtClean="0">
-                                    <a:latin typeface="Cambria Math" panose="02040503050406030204" pitchFamily="18" charset="0"/>
-                                  </a:rPr>
-                                  <m:t>𝑜</m:t>
-                                </m:r>
-                                <m:d>
-                                  <m:dPr>
-                                    <m:ctrlPr>
-                                      <a:rPr lang="en-US" altLang="zh-CN" i="1">
-                                        <a:latin typeface="Cambria Math" panose="02040503050406030204" pitchFamily="18" charset="0"/>
-                                      </a:rPr>
-                                    </m:ctrlPr>
-                                  </m:dPr>
-                                  <m:e>
-                                    <m:r>
-                                      <a:rPr lang="en-US" altLang="zh-CN">
-                                        <a:latin typeface="Cambria Math" panose="02040503050406030204" pitchFamily="18" charset="0"/>
-                                      </a:rPr>
-                                      <m:t>𝒟</m:t>
-                                    </m:r>
-                                  </m:e>
-                                </m:d>
-                                <m:r>
-                                  <a:rPr lang="en-US" altLang="zh-CN">
-                                    <a:latin typeface="Cambria Math" panose="02040503050406030204" pitchFamily="18" charset="0"/>
-                                  </a:rPr>
-                                  <m:t>,</m:t>
-                                </m:r>
-                                <m:r>
-                                  <a:rPr lang="en-US" altLang="zh-CN" smtClean="0">
-                                    <a:latin typeface="Cambria Math" panose="02040503050406030204" pitchFamily="18" charset="0"/>
-                                  </a:rPr>
-                                  <m:t>𝑝</m:t>
-                                </m:r>
-                                <m:d>
-                                  <m:dPr>
-                                    <m:ctrlPr>
-                                      <a:rPr lang="en-US" altLang="zh-CN" i="1" smtClean="0">
-                                        <a:latin typeface="Cambria Math" panose="02040503050406030204" pitchFamily="18" charset="0"/>
-                                      </a:rPr>
-                                    </m:ctrlPr>
-                                  </m:dPr>
-                                  <m:e>
-                                    <m:r>
-                                      <a:rPr lang="en-US" altLang="zh-CN" smtClean="0">
-                                        <a:latin typeface="Cambria Math" panose="02040503050406030204" pitchFamily="18" charset="0"/>
-                                      </a:rPr>
-                                      <m:t>𝛾</m:t>
-                                    </m:r>
-                                  </m:e>
-                                </m:d>
-                                <m:r>
-                                  <a:rPr lang="en-US" altLang="zh-CN" smtClean="0">
-                                    <a:latin typeface="Cambria Math" panose="02040503050406030204" pitchFamily="18" charset="0"/>
-                                  </a:rPr>
-                                  <m:t>&gt;</m:t>
-                                </m:r>
-                              </m:oMath>
-                            </m:oMathPara>
-                          </a14:m>
-                          <a:endParaRPr lang="zh-CN" altLang="en-US" dirty="0"/>
-                        </a:p>
-                      </a:txBody>
-                      <a:tcPr>
-                        <a:lnB w="28575" cap="flat" cmpd="sng" algn="ctr">
-                          <a:solidFill>
-                            <a:schemeClr val="tx1"/>
-                          </a:solidFill>
-                          <a:prstDash val="solid"/>
-                          <a:round/>
-                          <a:headEnd type="none" w="med" len="med"/>
-                          <a:tailEnd type="none" w="med" len="med"/>
-                        </a:lnB>
-                      </a:tcPr>
-                    </a:tc>
-                    <a:tc>
-                      <a:txBody>
-                        <a:bodyPr/>
-                        <a:lstStyle/>
-                        <a:p>
-                          <a:pPr algn="ctr"/>
-                          <a:r>
-                            <a:rPr lang="en-US" altLang="zh-CN" dirty="0" smtClean="0"/>
-                            <a:t>Strategy</a:t>
-                          </a:r>
-                          <a:endParaRPr lang="zh-CN" altLang="en-US" dirty="0"/>
-                        </a:p>
-                      </a:txBody>
-                      <a:tcPr>
-                        <a:lnB w="28575" cap="flat" cmpd="sng" algn="ctr">
-                          <a:solidFill>
-                            <a:schemeClr val="tx1"/>
-                          </a:solidFill>
-                          <a:prstDash val="solid"/>
-                          <a:round/>
-                          <a:headEnd type="none" w="med" len="med"/>
-                          <a:tailEnd type="none" w="med" len="med"/>
-                        </a:lnB>
-                      </a:tcPr>
-                    </a:tc>
-                    <a:extLst>
-                      <a:ext uri="{0D108BD9-81ED-4DB2-BD59-A6C34878D82A}">
-                        <a16:rowId xmlns:a16="http://schemas.microsoft.com/office/drawing/2014/main" val="2807305740"/>
-                      </a:ext>
-                    </a:extLst>
-                  </a:tr>
-                  <a:tr h="370840">
-                    <a:tc>
-                      <a:txBody>
-                        <a:bodyPr/>
-                        <a:lstStyle/>
-                        <a:p>
-                          <a:pPr algn="ctr"/>
-                          <a14:m>
-                            <m:oMath xmlns:m="http://schemas.openxmlformats.org/officeDocument/2006/math">
-                              <m:r>
-                                <a:rPr lang="en-US" altLang="zh-CN" smtClean="0">
-                                  <a:latin typeface="Cambria Math" panose="02040503050406030204" pitchFamily="18" charset="0"/>
-                                </a:rPr>
-                                <m:t>𝑜</m:t>
-                              </m:r>
-                              <m:d>
-                                <m:dPr>
-                                  <m:ctrlPr>
-                                    <a:rPr lang="en-US" altLang="zh-CN" i="1" smtClean="0">
-                                      <a:latin typeface="Cambria Math" panose="02040503050406030204" pitchFamily="18" charset="0"/>
-                                    </a:rPr>
-                                  </m:ctrlPr>
-                                </m:dPr>
-                                <m:e>
-                                  <m:r>
-                                    <a:rPr lang="en-US" altLang="zh-CN" smtClean="0">
-                                      <a:latin typeface="Cambria Math" panose="02040503050406030204" pitchFamily="18" charset="0"/>
-                                    </a:rPr>
-                                    <m:t>𝒟</m:t>
-                                  </m:r>
-                                </m:e>
-                              </m:d>
-                            </m:oMath>
-                          </a14:m>
-                          <a:r>
-                            <a:rPr lang="zh-CN" altLang="en-US" dirty="0" smtClean="0"/>
-                            <a:t> </a:t>
-                          </a:r>
-                          <a:r>
-                            <a:rPr lang="en-US" altLang="zh-CN" dirty="0" smtClean="0"/>
-                            <a:t>is extremely small, and </a:t>
-                          </a:r>
-                          <a14:m>
-                            <m:oMath xmlns:m="http://schemas.openxmlformats.org/officeDocument/2006/math">
-                              <m:r>
-                                <a:rPr lang="en-US" altLang="zh-CN" smtClean="0">
-                                  <a:latin typeface="Cambria Math" panose="02040503050406030204" pitchFamily="18" charset="0"/>
-                                </a:rPr>
-                                <m:t>𝑝</m:t>
-                              </m:r>
-                              <m:d>
-                                <m:dPr>
-                                  <m:ctrlPr>
-                                    <a:rPr lang="en-US" altLang="zh-CN" i="1" smtClean="0">
-                                      <a:latin typeface="Cambria Math" panose="02040503050406030204" pitchFamily="18" charset="0"/>
-                                    </a:rPr>
-                                  </m:ctrlPr>
-                                </m:dPr>
-                                <m:e>
-                                  <m:r>
-                                    <a:rPr lang="en-US" altLang="zh-CN" smtClean="0">
-                                      <a:latin typeface="Cambria Math" panose="02040503050406030204" pitchFamily="18" charset="0"/>
-                                    </a:rPr>
-                                    <m:t>𝛾</m:t>
-                                  </m:r>
-                                </m:e>
-                              </m:d>
-                            </m:oMath>
-                          </a14:m>
-                          <a:r>
-                            <a:rPr lang="zh-CN" altLang="en-US" dirty="0" smtClean="0"/>
-                            <a:t> </a:t>
-                          </a:r>
-                          <a:r>
-                            <a:rPr lang="en-US" altLang="zh-CN" dirty="0" smtClean="0"/>
-                            <a:t>is gathered around </a:t>
-                          </a:r>
-                          <a14:m>
-                            <m:oMath xmlns:m="http://schemas.openxmlformats.org/officeDocument/2006/math">
-                              <m:r>
-                                <a:rPr lang="en-US" altLang="zh-CN" smtClean="0">
-                                  <a:latin typeface="Cambria Math" panose="02040503050406030204" pitchFamily="18" charset="0"/>
-                                </a:rPr>
-                                <m:t>𝛾</m:t>
-                              </m:r>
-                              <m:r>
-                                <a:rPr lang="en-US" altLang="zh-CN" smtClean="0">
-                                  <a:latin typeface="Cambria Math" panose="02040503050406030204" pitchFamily="18" charset="0"/>
-                                </a:rPr>
-                                <m:t>=1</m:t>
-                              </m:r>
-                            </m:oMath>
-                          </a14:m>
-                          <a:r>
-                            <a:rPr lang="en-US" altLang="zh-CN" dirty="0" smtClean="0"/>
-                            <a:t>;</a:t>
-                          </a:r>
-                          <a:endParaRPr lang="zh-CN" altLang="en-US" dirty="0"/>
-                        </a:p>
-                      </a:txBody>
-                      <a:tcPr>
-                        <a:lnT w="28575" cap="flat" cmpd="sng" algn="ctr">
-                          <a:solidFill>
-                            <a:schemeClr val="tx1"/>
-                          </a:solidFill>
-                          <a:prstDash val="solid"/>
-                          <a:round/>
-                          <a:headEnd type="none" w="med" len="med"/>
-                          <a:tailEnd type="none" w="med" len="med"/>
-                        </a:lnT>
-                        <a:lnB w="6350" cap="flat" cmpd="sng" algn="ctr">
-                          <a:solidFill>
-                            <a:schemeClr val="tx1"/>
-                          </a:solidFill>
-                          <a:prstDash val="solid"/>
-                          <a:round/>
-                          <a:headEnd type="none" w="med" len="med"/>
-                          <a:tailEnd type="none" w="med" len="med"/>
-                        </a:lnB>
-                      </a:tcPr>
-                    </a:tc>
-                    <a:tc>
-                      <a:txBody>
-                        <a:bodyPr/>
-                        <a:lstStyle/>
-                        <a:p>
-                          <a:pPr algn="ctr"/>
-                          <a:r>
-                            <a:rPr lang="en-US" altLang="zh-CN" i="1" dirty="0" smtClean="0"/>
-                            <a:t>(1) No</a:t>
-                          </a:r>
-                          <a:r>
-                            <a:rPr lang="en-US" altLang="zh-CN" i="1" baseline="0" dirty="0" smtClean="0"/>
-                            <a:t> need any IDS technique.</a:t>
-                          </a:r>
-                          <a:endParaRPr lang="zh-CN" altLang="en-US" i="1" dirty="0"/>
-                        </a:p>
-                      </a:txBody>
-                      <a:tcPr>
-                        <a:lnT w="28575" cap="flat" cmpd="sng" algn="ctr">
-                          <a:solidFill>
-                            <a:schemeClr val="tx1"/>
-                          </a:solidFill>
-                          <a:prstDash val="solid"/>
-                          <a:round/>
-                          <a:headEnd type="none" w="med" len="med"/>
-                          <a:tailEnd type="none" w="med" len="med"/>
-                        </a:lnT>
-                        <a:lnB w="6350" cap="flat" cmpd="sng" algn="ctr">
-                          <a:solidFill>
-                            <a:schemeClr val="tx1"/>
-                          </a:solidFill>
-                          <a:prstDash val="solid"/>
-                          <a:round/>
-                          <a:headEnd type="none" w="med" len="med"/>
-                          <a:tailEnd type="none" w="med" len="med"/>
-                        </a:lnB>
-                      </a:tcPr>
-                    </a:tc>
-                    <a:extLst>
-                      <a:ext uri="{0D108BD9-81ED-4DB2-BD59-A6C34878D82A}">
-                        <a16:rowId xmlns:a16="http://schemas.microsoft.com/office/drawing/2014/main" val="26526444"/>
-                      </a:ext>
-                    </a:extLst>
-                  </a:tr>
-                  <a:tr h="370840">
-                    <a:tc>
-                      <a:txBody>
-                        <a:bodyPr/>
-                        <a:lstStyle/>
-                        <a:p>
-                          <a:pPr algn="ctr"/>
-                          <a:r>
-                            <a:rPr lang="en-US" altLang="zh-CN" dirty="0" smtClean="0"/>
-                            <a:t>Both High </a:t>
-                          </a:r>
-                          <a14:m>
-                            <m:oMath xmlns:m="http://schemas.openxmlformats.org/officeDocument/2006/math">
-                              <m:r>
-                                <a:rPr lang="en-US" altLang="zh-CN">
-                                  <a:latin typeface="Cambria Math" panose="02040503050406030204" pitchFamily="18" charset="0"/>
-                                </a:rPr>
-                                <m:t>𝑟</m:t>
-                              </m:r>
-                              <m:d>
-                                <m:dPr>
-                                  <m:ctrlPr>
-                                    <a:rPr lang="en-US" altLang="zh-CN" i="1">
-                                      <a:latin typeface="Cambria Math" panose="02040503050406030204" pitchFamily="18" charset="0"/>
-                                    </a:rPr>
-                                  </m:ctrlPr>
-                                </m:dPr>
-                                <m:e>
-                                  <m:r>
-                                    <a:rPr lang="en-US" altLang="zh-CN">
-                                      <a:latin typeface="Cambria Math" panose="02040503050406030204" pitchFamily="18" charset="0"/>
-                                    </a:rPr>
-                                    <m:t>𝒟</m:t>
-                                  </m:r>
-                                </m:e>
-                              </m:d>
-                            </m:oMath>
-                          </a14:m>
-                          <a:r>
-                            <a:rPr lang="zh-CN" altLang="en-US" dirty="0" smtClean="0"/>
-                            <a:t> </a:t>
-                          </a:r>
-                          <a:r>
-                            <a:rPr lang="en-US" altLang="zh-CN" dirty="0" smtClean="0"/>
-                            <a:t>and </a:t>
-                          </a:r>
-                          <a14:m>
-                            <m:oMath xmlns:m="http://schemas.openxmlformats.org/officeDocument/2006/math">
-                              <m:r>
-                                <a:rPr lang="en-US" altLang="zh-CN">
-                                  <a:latin typeface="Cambria Math" panose="02040503050406030204" pitchFamily="18" charset="0"/>
-                                </a:rPr>
-                                <m:t>𝑜</m:t>
-                              </m:r>
-                              <m:d>
-                                <m:dPr>
-                                  <m:ctrlPr>
-                                    <a:rPr lang="en-US" altLang="zh-CN" i="1">
-                                      <a:latin typeface="Cambria Math" panose="02040503050406030204" pitchFamily="18" charset="0"/>
-                                    </a:rPr>
-                                  </m:ctrlPr>
-                                </m:dPr>
-                                <m:e>
-                                  <m:r>
-                                    <a:rPr lang="en-US" altLang="zh-CN">
-                                      <a:latin typeface="Cambria Math" panose="02040503050406030204" pitchFamily="18" charset="0"/>
-                                    </a:rPr>
-                                    <m:t>𝒟</m:t>
-                                  </m:r>
-                                </m:e>
-                              </m:d>
-                            </m:oMath>
-                          </a14:m>
-                          <a:endParaRPr lang="zh-CN" altLang="en-US" dirty="0"/>
-                        </a:p>
-                      </a:txBody>
-                      <a:tcPr>
-                        <a:lnT w="6350" cap="flat" cmpd="sng" algn="ctr">
-                          <a:solidFill>
-                            <a:schemeClr val="tx1"/>
-                          </a:solidFill>
-                          <a:prstDash val="solid"/>
-                          <a:round/>
-                          <a:headEnd type="none" w="med" len="med"/>
-                          <a:tailEnd type="none" w="med" len="med"/>
-                        </a:lnT>
-                        <a:lnB w="6350" cap="flat" cmpd="sng" algn="ctr">
-                          <a:solidFill>
-                            <a:schemeClr val="tx1"/>
-                          </a:solidFill>
-                          <a:prstDash val="solid"/>
-                          <a:round/>
-                          <a:headEnd type="none" w="med" len="med"/>
-                          <a:tailEnd type="none" w="med" len="med"/>
-                        </a:lnB>
-                      </a:tcPr>
-                    </a:tc>
-                    <a:tc>
-                      <a:txBody>
-                        <a:bodyPr/>
-                        <a:lstStyle/>
-                        <a:p>
-                          <a:pPr algn="ctr"/>
-                          <a:r>
-                            <a:rPr lang="en-US" altLang="zh-CN" i="1" dirty="0" smtClean="0"/>
-                            <a:t>(2) Sampling</a:t>
-                          </a:r>
-                          <a:r>
-                            <a:rPr lang="en-US" altLang="zh-CN" i="1" baseline="0" dirty="0" smtClean="0"/>
-                            <a:t> Technique, and leverage </a:t>
-                          </a:r>
-                          <a14:m>
-                            <m:oMath xmlns:m="http://schemas.openxmlformats.org/officeDocument/2006/math">
-                              <m:r>
-                                <a:rPr lang="en-US" altLang="zh-CN" b="0" i="1" baseline="0" smtClean="0">
-                                  <a:latin typeface="Cambria Math" panose="02040503050406030204" pitchFamily="18" charset="0"/>
-                                </a:rPr>
-                                <m:t>𝑝</m:t>
-                              </m:r>
-                              <m:r>
-                                <a:rPr lang="en-US" altLang="zh-CN" b="0" i="1" baseline="0" smtClean="0">
-                                  <a:latin typeface="Cambria Math" panose="02040503050406030204" pitchFamily="18" charset="0"/>
-                                </a:rPr>
-                                <m:t>(</m:t>
-                              </m:r>
-                              <m:r>
-                                <a:rPr lang="en-US" altLang="zh-CN" b="0" i="1" baseline="0" smtClean="0">
-                                  <a:latin typeface="Cambria Math" panose="02040503050406030204" pitchFamily="18" charset="0"/>
-                                </a:rPr>
-                                <m:t>𝛾</m:t>
-                              </m:r>
-                              <m:r>
-                                <a:rPr lang="en-US" altLang="zh-CN" b="0" i="1" baseline="0" smtClean="0">
-                                  <a:latin typeface="Cambria Math" panose="02040503050406030204" pitchFamily="18" charset="0"/>
-                                </a:rPr>
-                                <m:t>)</m:t>
-                              </m:r>
-                            </m:oMath>
-                          </a14:m>
-                          <a:r>
-                            <a:rPr lang="zh-CN" altLang="en-US" i="1" dirty="0" smtClean="0"/>
-                            <a:t> </a:t>
-                          </a:r>
-                          <a:r>
-                            <a:rPr lang="en-US" altLang="zh-CN" i="1" dirty="0" smtClean="0"/>
-                            <a:t>to</a:t>
-                          </a:r>
-                          <a:r>
-                            <a:rPr lang="en-US" altLang="zh-CN" i="1" baseline="0" dirty="0" smtClean="0"/>
-                            <a:t> decide the detailed method</a:t>
-                          </a:r>
-                          <a:endParaRPr lang="zh-CN" altLang="en-US" i="1" dirty="0"/>
-                        </a:p>
-                      </a:txBody>
-                      <a:tcPr>
-                        <a:lnT w="6350" cap="flat" cmpd="sng" algn="ctr">
-                          <a:solidFill>
-                            <a:schemeClr val="tx1"/>
-                          </a:solidFill>
-                          <a:prstDash val="solid"/>
-                          <a:round/>
-                          <a:headEnd type="none" w="med" len="med"/>
-                          <a:tailEnd type="none" w="med" len="med"/>
-                        </a:lnT>
-                        <a:lnB w="6350" cap="flat" cmpd="sng" algn="ctr">
-                          <a:solidFill>
-                            <a:schemeClr val="tx1"/>
-                          </a:solidFill>
-                          <a:prstDash val="solid"/>
-                          <a:round/>
-                          <a:headEnd type="none" w="med" len="med"/>
-                          <a:tailEnd type="none" w="med" len="med"/>
-                        </a:lnB>
-                      </a:tcPr>
-                    </a:tc>
-                    <a:extLst>
-                      <a:ext uri="{0D108BD9-81ED-4DB2-BD59-A6C34878D82A}">
-                        <a16:rowId xmlns:a16="http://schemas.microsoft.com/office/drawing/2014/main" val="1579795000"/>
-                      </a:ext>
-                    </a:extLst>
-                  </a:tr>
-                  <a:tr h="370840">
-                    <a:tc>
-                      <a:txBody>
-                        <a:bodyPr/>
-                        <a:lstStyle/>
-                        <a:p>
-                          <a:pPr algn="ctr"/>
-                          <a:r>
-                            <a:rPr lang="en-US" altLang="zh-CN" dirty="0" smtClean="0"/>
-                            <a:t>Low </a:t>
-                          </a:r>
-                          <a14:m>
-                            <m:oMath xmlns:m="http://schemas.openxmlformats.org/officeDocument/2006/math">
-                              <m:r>
-                                <a:rPr lang="en-US" altLang="zh-CN" b="0" i="1" smtClean="0">
-                                  <a:latin typeface="Cambria Math" panose="02040503050406030204" pitchFamily="18" charset="0"/>
-                                </a:rPr>
-                                <m:t>𝑟</m:t>
-                              </m:r>
-                              <m:r>
-                                <a:rPr lang="en-US" altLang="zh-CN" b="0" i="1" smtClean="0">
-                                  <a:latin typeface="Cambria Math" panose="02040503050406030204" pitchFamily="18" charset="0"/>
-                                </a:rPr>
-                                <m:t>(</m:t>
-                              </m:r>
-                              <m:r>
-                                <a:rPr lang="en-US" altLang="zh-CN" b="0" i="1" smtClean="0">
-                                  <a:latin typeface="Cambria Math" panose="02040503050406030204" pitchFamily="18" charset="0"/>
-                                </a:rPr>
-                                <m:t>𝒟</m:t>
-                              </m:r>
-                              <m:r>
-                                <a:rPr lang="en-US" altLang="zh-CN" b="0" i="1" smtClean="0">
-                                  <a:latin typeface="Cambria Math" panose="02040503050406030204" pitchFamily="18" charset="0"/>
-                                </a:rPr>
-                                <m:t>)</m:t>
-                              </m:r>
-                            </m:oMath>
-                          </a14:m>
-                          <a:r>
-                            <a:rPr lang="zh-CN" altLang="en-US" dirty="0" smtClean="0"/>
-                            <a:t> </a:t>
-                          </a:r>
-                          <a:r>
-                            <a:rPr lang="en-US" altLang="zh-CN" dirty="0" smtClean="0"/>
-                            <a:t>with</a:t>
-                          </a:r>
-                          <a:r>
-                            <a:rPr lang="en-US" altLang="zh-CN" baseline="0" dirty="0" smtClean="0"/>
-                            <a:t> high </a:t>
-                          </a:r>
-                          <a14:m>
-                            <m:oMath xmlns:m="http://schemas.openxmlformats.org/officeDocument/2006/math">
-                              <m:r>
-                                <a:rPr lang="en-US" altLang="zh-CN" b="0" i="1" baseline="0" smtClean="0">
-                                  <a:latin typeface="Cambria Math" panose="02040503050406030204" pitchFamily="18" charset="0"/>
-                                </a:rPr>
-                                <m:t>𝑜</m:t>
-                              </m:r>
-                              <m:d>
-                                <m:dPr>
-                                  <m:ctrlPr>
-                                    <a:rPr lang="en-US" altLang="zh-CN" b="0" i="1" baseline="0" smtClean="0">
-                                      <a:latin typeface="Cambria Math" panose="02040503050406030204" pitchFamily="18" charset="0"/>
-                                    </a:rPr>
-                                  </m:ctrlPr>
-                                </m:dPr>
-                                <m:e>
-                                  <m:r>
-                                    <a:rPr lang="en-US" altLang="zh-CN" b="0" i="1" baseline="0" smtClean="0">
-                                      <a:latin typeface="Cambria Math" panose="02040503050406030204" pitchFamily="18" charset="0"/>
-                                    </a:rPr>
-                                    <m:t>𝒟</m:t>
-                                  </m:r>
-                                </m:e>
-                              </m:d>
-                            </m:oMath>
-                          </a14:m>
-                          <a:endParaRPr lang="zh-CN" altLang="en-US" dirty="0"/>
-                        </a:p>
-                      </a:txBody>
-                      <a:tcPr>
-                        <a:lnT w="6350" cap="flat" cmpd="sng" algn="ctr">
-                          <a:solidFill>
-                            <a:schemeClr val="tx1"/>
-                          </a:solidFill>
-                          <a:prstDash val="solid"/>
-                          <a:round/>
-                          <a:headEnd type="none" w="med" len="med"/>
-                          <a:tailEnd type="none" w="med" len="med"/>
-                        </a:lnT>
-                        <a:lnB w="6350" cap="flat" cmpd="sng" algn="ctr">
-                          <a:solidFill>
-                            <a:schemeClr val="tx1"/>
-                          </a:solidFill>
-                          <a:prstDash val="solid"/>
-                          <a:round/>
-                          <a:headEnd type="none" w="med" len="med"/>
-                          <a:tailEnd type="none" w="med" len="med"/>
-                        </a:lnB>
-                      </a:tcPr>
-                    </a:tc>
-                    <a:tc>
-                      <a:txBody>
-                        <a:bodyPr/>
-                        <a:lstStyle/>
-                        <a:p>
-                          <a:pPr algn="ctr"/>
-                          <a:r>
-                            <a:rPr lang="en-US" altLang="zh-CN" i="1" dirty="0" smtClean="0"/>
-                            <a:t>(3) Ensemble Learning</a:t>
-                          </a:r>
-                          <a:endParaRPr lang="zh-CN" altLang="en-US" i="1" dirty="0"/>
-                        </a:p>
-                      </a:txBody>
-                      <a:tcPr>
-                        <a:lnT w="6350" cap="flat" cmpd="sng" algn="ctr">
-                          <a:solidFill>
-                            <a:schemeClr val="tx1"/>
-                          </a:solidFill>
-                          <a:prstDash val="solid"/>
-                          <a:round/>
-                          <a:headEnd type="none" w="med" len="med"/>
-                          <a:tailEnd type="none" w="med" len="med"/>
-                        </a:lnT>
-                        <a:lnB w="6350" cap="flat" cmpd="sng" algn="ctr">
-                          <a:solidFill>
-                            <a:schemeClr val="tx1"/>
-                          </a:solidFill>
-                          <a:prstDash val="solid"/>
-                          <a:round/>
-                          <a:headEnd type="none" w="med" len="med"/>
-                          <a:tailEnd type="none" w="med" len="med"/>
-                        </a:lnB>
-                      </a:tcPr>
-                    </a:tc>
-                    <a:extLst>
-                      <a:ext uri="{0D108BD9-81ED-4DB2-BD59-A6C34878D82A}">
-                        <a16:rowId xmlns:a16="http://schemas.microsoft.com/office/drawing/2014/main" val="3801810042"/>
-                      </a:ext>
-                    </a:extLst>
-                  </a:tr>
-                  <a:tr h="370840">
-                    <a:tc>
-                      <a:txBody>
-                        <a:bodyPr/>
-                        <a:lstStyle/>
-                        <a:p>
-                          <a:pPr algn="ctr"/>
-                          <a14:m>
-                            <m:oMath xmlns:m="http://schemas.openxmlformats.org/officeDocument/2006/math">
-                              <m:r>
-                                <a:rPr lang="en-US" altLang="zh-CN" smtClean="0">
-                                  <a:latin typeface="Cambria Math" panose="02040503050406030204" pitchFamily="18" charset="0"/>
-                                </a:rPr>
-                                <m:t>𝑟</m:t>
-                              </m:r>
-                              <m:d>
-                                <m:dPr>
-                                  <m:ctrlPr>
-                                    <a:rPr lang="en-US" altLang="zh-CN" i="1" smtClean="0">
-                                      <a:latin typeface="Cambria Math" panose="02040503050406030204" pitchFamily="18" charset="0"/>
-                                    </a:rPr>
-                                  </m:ctrlPr>
-                                </m:dPr>
-                                <m:e>
-                                  <m:r>
-                                    <a:rPr lang="en-US" altLang="zh-CN" smtClean="0">
-                                      <a:latin typeface="Cambria Math" panose="02040503050406030204" pitchFamily="18" charset="0"/>
-                                    </a:rPr>
-                                    <m:t>𝒟</m:t>
-                                  </m:r>
-                                </m:e>
-                              </m:d>
-                            </m:oMath>
-                          </a14:m>
-                          <a:r>
-                            <a:rPr lang="zh-CN" altLang="en-US" dirty="0" smtClean="0"/>
-                            <a:t> </a:t>
-                          </a:r>
-                          <a:r>
-                            <a:rPr lang="en-US" altLang="zh-CN" dirty="0" smtClean="0"/>
-                            <a:t>is extremely high</a:t>
-                          </a:r>
-                          <a:endParaRPr lang="zh-CN" altLang="en-US" dirty="0"/>
-                        </a:p>
-                      </a:txBody>
-                      <a:tcPr>
-                        <a:lnT w="6350" cap="flat" cmpd="sng" algn="ctr">
-                          <a:solidFill>
-                            <a:schemeClr val="tx1"/>
-                          </a:solidFill>
-                          <a:prstDash val="solid"/>
-                          <a:round/>
-                          <a:headEnd type="none" w="med" len="med"/>
-                          <a:tailEnd type="none" w="med" len="med"/>
-                        </a:lnT>
-                      </a:tcPr>
-                    </a:tc>
-                    <a:tc>
-                      <a:txBody>
-                        <a:bodyPr/>
-                        <a:lstStyle/>
-                        <a:p>
-                          <a:pPr algn="ctr"/>
-                          <a:r>
-                            <a:rPr lang="en-US" altLang="zh-CN" i="1" dirty="0" smtClean="0"/>
-                            <a:t>(4) One Class Learning</a:t>
-                          </a:r>
-                          <a:endParaRPr lang="zh-CN" altLang="en-US" i="1" dirty="0"/>
-                        </a:p>
-                      </a:txBody>
-                      <a:tcPr>
-                        <a:lnT w="6350" cap="flat" cmpd="sng" algn="ctr">
-                          <a:solidFill>
-                            <a:schemeClr val="tx1"/>
-                          </a:solidFill>
-                          <a:prstDash val="solid"/>
-                          <a:round/>
-                          <a:headEnd type="none" w="med" len="med"/>
-                          <a:tailEnd type="none" w="med" len="med"/>
-                        </a:lnT>
-                      </a:tcPr>
-                    </a:tc>
-                    <a:extLst>
-                      <a:ext uri="{0D108BD9-81ED-4DB2-BD59-A6C34878D82A}">
-                        <a16:rowId xmlns:a16="http://schemas.microsoft.com/office/drawing/2014/main" val="2812140898"/>
-                      </a:ext>
-                    </a:extLst>
-                  </a:tr>
-                </a:tbl>
-              </a:graphicData>
-            </a:graphic>
-          </p:graphicFrame>
-        </mc:Choice>
-        <mc:Fallback xmlns="">
-          <p:graphicFrame>
-            <p:nvGraphicFramePr>
-              <p:cNvPr id="5" name="表格 4"/>
-              <p:cNvGraphicFramePr>
-                <a:graphicFrameLocks noGrp="1"/>
-              </p:cNvGraphicFramePr>
-              <p:nvPr>
-                <p:extLst>
-                  <p:ext uri="{D42A27DB-BD31-4B8C-83A1-F6EECF244321}">
-                    <p14:modId xmlns:p14="http://schemas.microsoft.com/office/powerpoint/2010/main" val="187990704"/>
-                  </p:ext>
-                </p:extLst>
-              </p:nvPr>
-            </p:nvGraphicFramePr>
-            <p:xfrm>
-              <a:off x="2032000" y="3678021"/>
-              <a:ext cx="8128000" cy="2392680"/>
-            </p:xfrm>
-            <a:graphic>
-              <a:graphicData uri="http://schemas.openxmlformats.org/drawingml/2006/table">
-                <a:tbl>
-                  <a:tblPr firstRow="1" bandRow="1">
-                    <a:tableStyleId>{2D5ABB26-0587-4C30-8999-92F81FD0307C}</a:tableStyleId>
-                  </a:tblPr>
-                  <a:tblGrid>
-                    <a:gridCol w="4064000">
-                      <a:extLst>
-                        <a:ext uri="{9D8B030D-6E8A-4147-A177-3AD203B41FA5}">
-                          <a16:colId xmlns:a16="http://schemas.microsoft.com/office/drawing/2014/main" val="1337587911"/>
-                        </a:ext>
-                      </a:extLst>
-                    </a:gridCol>
-                    <a:gridCol w="4064000">
-                      <a:extLst>
-                        <a:ext uri="{9D8B030D-6E8A-4147-A177-3AD203B41FA5}">
-                          <a16:colId xmlns:a16="http://schemas.microsoft.com/office/drawing/2014/main" val="2024171834"/>
-                        </a:ext>
-                      </a:extLst>
-                    </a:gridCol>
-                  </a:tblGrid>
-                  <a:tr h="370840">
-                    <a:tc>
-                      <a:txBody>
-                        <a:bodyPr/>
-                        <a:lstStyle/>
-                        <a:p>
-                          <a:endParaRPr lang="en-US"/>
-                        </a:p>
-                      </a:txBody>
-                      <a:tcPr>
-                        <a:lnB w="28575" cap="flat" cmpd="sng" algn="ctr">
-                          <a:solidFill>
-                            <a:schemeClr val="tx1"/>
-                          </a:solidFill>
-                          <a:prstDash val="solid"/>
-                          <a:round/>
-                          <a:headEnd type="none" w="med" len="med"/>
-                          <a:tailEnd type="none" w="med" len="med"/>
-                        </a:lnB>
-                        <a:blipFill>
-                          <a:blip r:embed="rId3"/>
-                          <a:stretch>
-                            <a:fillRect t="-8197" r="-100450" b="-568852"/>
-                          </a:stretch>
-                        </a:blipFill>
-                      </a:tcPr>
-                    </a:tc>
-                    <a:tc>
-                      <a:txBody>
-                        <a:bodyPr/>
-                        <a:lstStyle/>
-                        <a:p>
-                          <a:pPr algn="ctr"/>
-                          <a:r>
-                            <a:rPr lang="en-US" altLang="zh-CN" dirty="0" smtClean="0"/>
-                            <a:t>Strategy</a:t>
-                          </a:r>
-                          <a:endParaRPr lang="zh-CN" altLang="en-US" dirty="0"/>
-                        </a:p>
-                      </a:txBody>
-                      <a:tcPr>
-                        <a:lnB w="28575" cap="flat" cmpd="sng" algn="ctr">
-                          <a:solidFill>
-                            <a:schemeClr val="tx1"/>
-                          </a:solidFill>
-                          <a:prstDash val="solid"/>
-                          <a:round/>
-                          <a:headEnd type="none" w="med" len="med"/>
-                          <a:tailEnd type="none" w="med" len="med"/>
-                        </a:lnB>
-                      </a:tcPr>
-                    </a:tc>
-                    <a:extLst>
-                      <a:ext uri="{0D108BD9-81ED-4DB2-BD59-A6C34878D82A}">
-                        <a16:rowId xmlns:a16="http://schemas.microsoft.com/office/drawing/2014/main" val="2807305740"/>
-                      </a:ext>
-                    </a:extLst>
-                  </a:tr>
-                  <a:tr h="640080">
-                    <a:tc>
-                      <a:txBody>
-                        <a:bodyPr/>
-                        <a:lstStyle/>
-                        <a:p>
-                          <a:endParaRPr lang="en-US"/>
-                        </a:p>
-                      </a:txBody>
-                      <a:tcPr>
-                        <a:lnT w="28575" cap="flat" cmpd="sng" algn="ctr">
-                          <a:solidFill>
-                            <a:schemeClr val="tx1"/>
-                          </a:solidFill>
-                          <a:prstDash val="solid"/>
-                          <a:round/>
-                          <a:headEnd type="none" w="med" len="med"/>
-                          <a:tailEnd type="none" w="med" len="med"/>
-                        </a:lnT>
-                        <a:lnB w="6350" cap="flat" cmpd="sng" algn="ctr">
-                          <a:solidFill>
-                            <a:schemeClr val="tx1"/>
-                          </a:solidFill>
-                          <a:prstDash val="solid"/>
-                          <a:round/>
-                          <a:headEnd type="none" w="med" len="med"/>
-                          <a:tailEnd type="none" w="med" len="med"/>
-                        </a:lnB>
-                        <a:blipFill>
-                          <a:blip r:embed="rId3"/>
-                          <a:stretch>
-                            <a:fillRect t="-62857" r="-100450" b="-230476"/>
-                          </a:stretch>
-                        </a:blipFill>
-                      </a:tcPr>
-                    </a:tc>
-                    <a:tc>
-                      <a:txBody>
-                        <a:bodyPr/>
-                        <a:lstStyle/>
-                        <a:p>
-                          <a:pPr algn="ctr"/>
-                          <a:r>
-                            <a:rPr lang="en-US" altLang="zh-CN" i="1" dirty="0" smtClean="0"/>
-                            <a:t>(1) No</a:t>
-                          </a:r>
-                          <a:r>
-                            <a:rPr lang="en-US" altLang="zh-CN" i="1" baseline="0" dirty="0" smtClean="0"/>
-                            <a:t> </a:t>
-                          </a:r>
-                          <a:r>
-                            <a:rPr lang="en-US" altLang="zh-CN" i="1" baseline="0" dirty="0" smtClean="0"/>
-                            <a:t>need any IDS technique.</a:t>
-                          </a:r>
-                          <a:endParaRPr lang="zh-CN" altLang="en-US" i="1" dirty="0"/>
-                        </a:p>
-                      </a:txBody>
-                      <a:tcPr>
-                        <a:lnT w="28575" cap="flat" cmpd="sng" algn="ctr">
-                          <a:solidFill>
-                            <a:schemeClr val="tx1"/>
-                          </a:solidFill>
-                          <a:prstDash val="solid"/>
-                          <a:round/>
-                          <a:headEnd type="none" w="med" len="med"/>
-                          <a:tailEnd type="none" w="med" len="med"/>
-                        </a:lnT>
-                        <a:lnB w="6350" cap="flat" cmpd="sng" algn="ctr">
-                          <a:solidFill>
-                            <a:schemeClr val="tx1"/>
-                          </a:solidFill>
-                          <a:prstDash val="solid"/>
-                          <a:round/>
-                          <a:headEnd type="none" w="med" len="med"/>
-                          <a:tailEnd type="none" w="med" len="med"/>
-                        </a:lnB>
-                      </a:tcPr>
-                    </a:tc>
-                    <a:extLst>
-                      <a:ext uri="{0D108BD9-81ED-4DB2-BD59-A6C34878D82A}">
-                        <a16:rowId xmlns:a16="http://schemas.microsoft.com/office/drawing/2014/main" val="26526444"/>
-                      </a:ext>
-                    </a:extLst>
-                  </a:tr>
-                  <a:tr h="640080">
-                    <a:tc>
-                      <a:txBody>
-                        <a:bodyPr/>
-                        <a:lstStyle/>
-                        <a:p>
-                          <a:endParaRPr lang="en-US"/>
-                        </a:p>
-                      </a:txBody>
-                      <a:tcPr>
-                        <a:lnT w="6350" cap="flat" cmpd="sng" algn="ctr">
-                          <a:solidFill>
-                            <a:schemeClr val="tx1"/>
-                          </a:solidFill>
-                          <a:prstDash val="solid"/>
-                          <a:round/>
-                          <a:headEnd type="none" w="med" len="med"/>
-                          <a:tailEnd type="none" w="med" len="med"/>
-                        </a:lnT>
-                        <a:lnB w="6350" cap="flat" cmpd="sng" algn="ctr">
-                          <a:solidFill>
-                            <a:schemeClr val="tx1"/>
-                          </a:solidFill>
-                          <a:prstDash val="solid"/>
-                          <a:round/>
-                          <a:headEnd type="none" w="med" len="med"/>
-                          <a:tailEnd type="none" w="med" len="med"/>
-                        </a:lnB>
-                        <a:blipFill>
-                          <a:blip r:embed="rId3"/>
-                          <a:stretch>
-                            <a:fillRect t="-162857" r="-100450" b="-130476"/>
-                          </a:stretch>
-                        </a:blipFill>
-                      </a:tcPr>
-                    </a:tc>
-                    <a:tc>
-                      <a:txBody>
-                        <a:bodyPr/>
-                        <a:lstStyle/>
-                        <a:p>
-                          <a:endParaRPr lang="en-US"/>
-                        </a:p>
-                      </a:txBody>
-                      <a:tcPr>
-                        <a:lnT w="6350" cap="flat" cmpd="sng" algn="ctr">
-                          <a:solidFill>
-                            <a:schemeClr val="tx1"/>
-                          </a:solidFill>
-                          <a:prstDash val="solid"/>
-                          <a:round/>
-                          <a:headEnd type="none" w="med" len="med"/>
-                          <a:tailEnd type="none" w="med" len="med"/>
-                        </a:lnT>
-                        <a:lnB w="6350" cap="flat" cmpd="sng" algn="ctr">
-                          <a:solidFill>
-                            <a:schemeClr val="tx1"/>
-                          </a:solidFill>
-                          <a:prstDash val="solid"/>
-                          <a:round/>
-                          <a:headEnd type="none" w="med" len="med"/>
-                          <a:tailEnd type="none" w="med" len="med"/>
-                        </a:lnB>
-                        <a:blipFill>
-                          <a:blip r:embed="rId3"/>
-                          <a:stretch>
-                            <a:fillRect l="-100000" t="-162857" r="-450" b="-130476"/>
-                          </a:stretch>
-                        </a:blipFill>
-                      </a:tcPr>
-                    </a:tc>
-                    <a:extLst>
-                      <a:ext uri="{0D108BD9-81ED-4DB2-BD59-A6C34878D82A}">
-                        <a16:rowId xmlns:a16="http://schemas.microsoft.com/office/drawing/2014/main" val="1579795000"/>
-                      </a:ext>
-                    </a:extLst>
-                  </a:tr>
-                  <a:tr h="370840">
-                    <a:tc>
-                      <a:txBody>
-                        <a:bodyPr/>
-                        <a:lstStyle/>
-                        <a:p>
-                          <a:endParaRPr lang="en-US"/>
-                        </a:p>
-                      </a:txBody>
-                      <a:tcPr>
-                        <a:lnT w="6350" cap="flat" cmpd="sng" algn="ctr">
-                          <a:solidFill>
-                            <a:schemeClr val="tx1"/>
-                          </a:solidFill>
-                          <a:prstDash val="solid"/>
-                          <a:round/>
-                          <a:headEnd type="none" w="med" len="med"/>
-                          <a:tailEnd type="none" w="med" len="med"/>
-                        </a:lnT>
-                        <a:lnB w="6350" cap="flat" cmpd="sng" algn="ctr">
-                          <a:solidFill>
-                            <a:schemeClr val="tx1"/>
-                          </a:solidFill>
-                          <a:prstDash val="solid"/>
-                          <a:round/>
-                          <a:headEnd type="none" w="med" len="med"/>
-                          <a:tailEnd type="none" w="med" len="med"/>
-                        </a:lnB>
-                        <a:blipFill>
-                          <a:blip r:embed="rId3"/>
-                          <a:stretch>
-                            <a:fillRect t="-452459" r="-100450" b="-124590"/>
-                          </a:stretch>
-                        </a:blipFill>
-                      </a:tcPr>
-                    </a:tc>
-                    <a:tc>
-                      <a:txBody>
-                        <a:bodyPr/>
-                        <a:lstStyle/>
-                        <a:p>
-                          <a:pPr algn="ctr"/>
-                          <a:r>
-                            <a:rPr lang="en-US" altLang="zh-CN" i="1" dirty="0" smtClean="0"/>
-                            <a:t>(3) Ensemble </a:t>
-                          </a:r>
-                          <a:r>
-                            <a:rPr lang="en-US" altLang="zh-CN" i="1" dirty="0" smtClean="0"/>
-                            <a:t>Learning</a:t>
-                          </a:r>
-                          <a:endParaRPr lang="zh-CN" altLang="en-US" i="1" dirty="0"/>
-                        </a:p>
-                      </a:txBody>
-                      <a:tcPr>
-                        <a:lnT w="6350" cap="flat" cmpd="sng" algn="ctr">
-                          <a:solidFill>
-                            <a:schemeClr val="tx1"/>
-                          </a:solidFill>
-                          <a:prstDash val="solid"/>
-                          <a:round/>
-                          <a:headEnd type="none" w="med" len="med"/>
-                          <a:tailEnd type="none" w="med" len="med"/>
-                        </a:lnT>
-                        <a:lnB w="6350" cap="flat" cmpd="sng" algn="ctr">
-                          <a:solidFill>
-                            <a:schemeClr val="tx1"/>
-                          </a:solidFill>
-                          <a:prstDash val="solid"/>
-                          <a:round/>
-                          <a:headEnd type="none" w="med" len="med"/>
-                          <a:tailEnd type="none" w="med" len="med"/>
-                        </a:lnB>
-                      </a:tcPr>
-                    </a:tc>
-                    <a:extLst>
-                      <a:ext uri="{0D108BD9-81ED-4DB2-BD59-A6C34878D82A}">
-                        <a16:rowId xmlns:a16="http://schemas.microsoft.com/office/drawing/2014/main" val="3801810042"/>
-                      </a:ext>
-                    </a:extLst>
-                  </a:tr>
-                  <a:tr h="370840">
-                    <a:tc>
-                      <a:txBody>
-                        <a:bodyPr/>
-                        <a:lstStyle/>
-                        <a:p>
-                          <a:endParaRPr lang="en-US"/>
-                        </a:p>
-                      </a:txBody>
-                      <a:tcPr>
-                        <a:lnT w="6350" cap="flat" cmpd="sng" algn="ctr">
-                          <a:solidFill>
-                            <a:schemeClr val="tx1"/>
-                          </a:solidFill>
-                          <a:prstDash val="solid"/>
-                          <a:round/>
-                          <a:headEnd type="none" w="med" len="med"/>
-                          <a:tailEnd type="none" w="med" len="med"/>
-                        </a:lnT>
-                        <a:blipFill>
-                          <a:blip r:embed="rId3"/>
-                          <a:stretch>
-                            <a:fillRect t="-552459" r="-100450" b="-24590"/>
-                          </a:stretch>
-                        </a:blipFill>
-                      </a:tcPr>
-                    </a:tc>
-                    <a:tc>
-                      <a:txBody>
-                        <a:bodyPr/>
-                        <a:lstStyle/>
-                        <a:p>
-                          <a:pPr algn="ctr"/>
-                          <a:r>
-                            <a:rPr lang="en-US" altLang="zh-CN" i="1" dirty="0" smtClean="0"/>
-                            <a:t>(4) One </a:t>
-                          </a:r>
-                          <a:r>
-                            <a:rPr lang="en-US" altLang="zh-CN" i="1" dirty="0" smtClean="0"/>
-                            <a:t>Class Learning</a:t>
-                          </a:r>
-                          <a:endParaRPr lang="zh-CN" altLang="en-US" i="1" dirty="0"/>
-                        </a:p>
-                      </a:txBody>
-                      <a:tcPr>
-                        <a:lnT w="6350" cap="flat" cmpd="sng" algn="ctr">
-                          <a:solidFill>
-                            <a:schemeClr val="tx1"/>
-                          </a:solidFill>
-                          <a:prstDash val="solid"/>
-                          <a:round/>
-                          <a:headEnd type="none" w="med" len="med"/>
-                          <a:tailEnd type="none" w="med" len="med"/>
-                        </a:lnT>
-                      </a:tcPr>
-                    </a:tc>
-                    <a:extLst>
-                      <a:ext uri="{0D108BD9-81ED-4DB2-BD59-A6C34878D82A}">
-                        <a16:rowId xmlns:a16="http://schemas.microsoft.com/office/drawing/2014/main" val="2812140898"/>
-                      </a:ext>
-                    </a:extLst>
-                  </a:tr>
-                </a:tbl>
-              </a:graphicData>
-            </a:graphic>
-          </p:graphicFrame>
-        </mc:Fallback>
-      </mc:AlternateContent>
-    </p:spTree>
-    <p:extLst>
-      <p:ext uri="{BB962C8B-B14F-4D97-AF65-F5344CB8AC3E}">
-        <p14:creationId xmlns:p14="http://schemas.microsoft.com/office/powerpoint/2010/main" val="158303477"/>
       </p:ext>
     </p:extLst>
   </p:cSld>
@@ -41084,6 +39999,1467 @@
       </p:grpSpPr>
       <p:sp>
         <p:nvSpPr>
+          <p:cNvPr id="2" name="标题 1"/>
+          <p:cNvSpPr>
+            <a:spLocks noGrp="1"/>
+          </p:cNvSpPr>
+          <p:nvPr>
+            <p:ph type="title"/>
+          </p:nvPr>
+        </p:nvSpPr>
+        <p:spPr/>
+        <p:txBody>
+          <a:bodyPr/>
+          <a:lstStyle/>
+          <a:p>
+            <a:r>
+              <a:rPr lang="en-US" altLang="zh-CN" dirty="0"/>
+              <a:t>Selecting </a:t>
+            </a:r>
+            <a:r>
+              <a:rPr lang="en-US" altLang="zh-CN" dirty="0" smtClean="0"/>
+              <a:t>Strategy</a:t>
+            </a:r>
+            <a:endParaRPr lang="zh-CN" altLang="en-US" dirty="0"/>
+          </a:p>
+        </p:txBody>
+      </p:sp>
+      <mc:AlternateContent xmlns:mc="http://schemas.openxmlformats.org/markup-compatibility/2006" xmlns:a14="http://schemas.microsoft.com/office/drawing/2010/main">
+        <mc:Choice Requires="a14">
+          <p:sp>
+            <p:nvSpPr>
+              <p:cNvPr id="3" name="内容占位符 2"/>
+              <p:cNvSpPr>
+                <a:spLocks noGrp="1"/>
+              </p:cNvSpPr>
+              <p:nvPr>
+                <p:ph idx="1"/>
+              </p:nvPr>
+            </p:nvSpPr>
+            <p:spPr/>
+            <p:txBody>
+              <a:bodyPr/>
+              <a:lstStyle/>
+              <a:p>
+                <a:r>
+                  <a:rPr lang="en-US" altLang="zh-CN" dirty="0" smtClean="0"/>
+                  <a:t>Our conclusion covers four kinds of IDS with their </a:t>
+                </a:r>
+                <a14:m>
+                  <m:oMath xmlns:m="http://schemas.openxmlformats.org/officeDocument/2006/math">
+                    <m:r>
+                      <a:rPr lang="en-US" altLang="zh-CN" b="0" i="1" smtClean="0">
+                        <a:latin typeface="Cambria Math" panose="02040503050406030204" pitchFamily="18" charset="0"/>
+                      </a:rPr>
+                      <m:t>𝑖𝑚𝐴𝑡𝑡𝑟</m:t>
+                    </m:r>
+                    <m:d>
+                      <m:dPr>
+                        <m:ctrlPr>
+                          <a:rPr lang="en-US" altLang="zh-CN" b="0" i="1" smtClean="0">
+                            <a:latin typeface="Cambria Math" panose="02040503050406030204" pitchFamily="18" charset="0"/>
+                          </a:rPr>
+                        </m:ctrlPr>
+                      </m:dPr>
+                      <m:e>
+                        <m:r>
+                          <a:rPr lang="en-US" altLang="zh-CN" b="0" i="1" smtClean="0">
+                            <a:latin typeface="Cambria Math" panose="02040503050406030204" pitchFamily="18" charset="0"/>
+                          </a:rPr>
+                          <m:t>𝒟</m:t>
+                        </m:r>
+                      </m:e>
+                    </m:d>
+                    <m:r>
+                      <a:rPr lang="en-US" altLang="zh-CN" b="0" i="1" smtClean="0">
+                        <a:latin typeface="Cambria Math" panose="02040503050406030204" pitchFamily="18" charset="0"/>
+                      </a:rPr>
+                      <m:t>=&lt;</m:t>
+                    </m:r>
+                    <m:r>
+                      <a:rPr lang="en-US" altLang="zh-CN" b="0" i="1" smtClean="0">
+                        <a:latin typeface="Cambria Math" panose="02040503050406030204" pitchFamily="18" charset="0"/>
+                      </a:rPr>
+                      <m:t>𝑟</m:t>
+                    </m:r>
+                    <m:d>
+                      <m:dPr>
+                        <m:ctrlPr>
+                          <a:rPr lang="en-US" altLang="zh-CN" b="0" i="1" smtClean="0">
+                            <a:latin typeface="Cambria Math" panose="02040503050406030204" pitchFamily="18" charset="0"/>
+                          </a:rPr>
+                        </m:ctrlPr>
+                      </m:dPr>
+                      <m:e>
+                        <m:r>
+                          <a:rPr lang="en-US" altLang="zh-CN" b="0" i="1" smtClean="0">
+                            <a:latin typeface="Cambria Math" panose="02040503050406030204" pitchFamily="18" charset="0"/>
+                          </a:rPr>
+                          <m:t>𝒟</m:t>
+                        </m:r>
+                      </m:e>
+                    </m:d>
+                    <m:r>
+                      <a:rPr lang="en-US" altLang="zh-CN" b="0" i="1" smtClean="0">
+                        <a:latin typeface="Cambria Math" panose="02040503050406030204" pitchFamily="18" charset="0"/>
+                      </a:rPr>
+                      <m:t>,</m:t>
+                    </m:r>
+                    <m:r>
+                      <a:rPr lang="en-US" altLang="zh-CN" b="0" i="1" smtClean="0">
+                        <a:latin typeface="Cambria Math" panose="02040503050406030204" pitchFamily="18" charset="0"/>
+                      </a:rPr>
+                      <m:t>𝑜</m:t>
+                    </m:r>
+                    <m:d>
+                      <m:dPr>
+                        <m:ctrlPr>
+                          <a:rPr lang="en-US" altLang="zh-CN" i="1">
+                            <a:latin typeface="Cambria Math" panose="02040503050406030204" pitchFamily="18" charset="0"/>
+                          </a:rPr>
+                        </m:ctrlPr>
+                      </m:dPr>
+                      <m:e>
+                        <m:r>
+                          <a:rPr lang="en-US" altLang="zh-CN" i="1">
+                            <a:latin typeface="Cambria Math" panose="02040503050406030204" pitchFamily="18" charset="0"/>
+                          </a:rPr>
+                          <m:t>𝒟</m:t>
+                        </m:r>
+                      </m:e>
+                    </m:d>
+                    <m:r>
+                      <a:rPr lang="en-US" altLang="zh-CN" i="1">
+                        <a:latin typeface="Cambria Math" panose="02040503050406030204" pitchFamily="18" charset="0"/>
+                      </a:rPr>
+                      <m:t>,</m:t>
+                    </m:r>
+                    <m:r>
+                      <a:rPr lang="en-US" altLang="zh-CN" b="0" i="1" smtClean="0">
+                        <a:latin typeface="Cambria Math" panose="02040503050406030204" pitchFamily="18" charset="0"/>
+                      </a:rPr>
+                      <m:t>𝑝</m:t>
+                    </m:r>
+                    <m:d>
+                      <m:dPr>
+                        <m:ctrlPr>
+                          <a:rPr lang="en-US" altLang="zh-CN" b="0" i="1" smtClean="0">
+                            <a:latin typeface="Cambria Math" panose="02040503050406030204" pitchFamily="18" charset="0"/>
+                          </a:rPr>
+                        </m:ctrlPr>
+                      </m:dPr>
+                      <m:e>
+                        <m:r>
+                          <a:rPr lang="en-US" altLang="zh-CN" b="0" i="1" smtClean="0">
+                            <a:latin typeface="Cambria Math" panose="02040503050406030204" pitchFamily="18" charset="0"/>
+                          </a:rPr>
+                          <m:t>𝛾</m:t>
+                        </m:r>
+                      </m:e>
+                    </m:d>
+                    <m:r>
+                      <a:rPr lang="en-US" altLang="zh-CN" b="0" i="1" smtClean="0">
+                        <a:latin typeface="Cambria Math" panose="02040503050406030204" pitchFamily="18" charset="0"/>
+                      </a:rPr>
+                      <m:t>&gt;</m:t>
+                    </m:r>
+                  </m:oMath>
+                </a14:m>
+                <a:r>
+                  <a:rPr lang="zh-CN" altLang="en-US" dirty="0" smtClean="0"/>
+                  <a:t> </a:t>
+                </a:r>
+                <a:r>
+                  <a:rPr lang="en-US" altLang="zh-CN" dirty="0" smtClean="0"/>
+                  <a:t>that we can directly choose the appropriate kind of technique.</a:t>
+                </a:r>
+                <a:endParaRPr lang="zh-CN" altLang="en-US" dirty="0"/>
+              </a:p>
+            </p:txBody>
+          </p:sp>
+        </mc:Choice>
+        <mc:Fallback xmlns="">
+          <p:sp>
+            <p:nvSpPr>
+              <p:cNvPr id="3" name="内容占位符 2"/>
+              <p:cNvSpPr>
+                <a:spLocks noGrp="1" noRot="1" noChangeAspect="1" noMove="1" noResize="1" noEditPoints="1" noAdjustHandles="1" noChangeArrowheads="1" noChangeShapeType="1" noTextEdit="1"/>
+              </p:cNvSpPr>
+              <p:nvPr>
+                <p:ph idx="1"/>
+              </p:nvPr>
+            </p:nvSpPr>
+            <p:spPr>
+              <a:blipFill>
+                <a:blip r:embed="rId2"/>
+                <a:stretch>
+                  <a:fillRect t="-2241" r="-58"/>
+                </a:stretch>
+              </a:blipFill>
+            </p:spPr>
+            <p:txBody>
+              <a:bodyPr/>
+              <a:lstStyle/>
+              <a:p>
+                <a:r>
+                  <a:rPr lang="zh-CN" altLang="en-US">
+                    <a:noFill/>
+                  </a:rPr>
+                  <a:t> </a:t>
+                </a:r>
+              </a:p>
+            </p:txBody>
+          </p:sp>
+        </mc:Fallback>
+      </mc:AlternateContent>
+      <mc:AlternateContent xmlns:mc="http://schemas.openxmlformats.org/markup-compatibility/2006" xmlns:a14="http://schemas.microsoft.com/office/drawing/2010/main">
+        <mc:Choice Requires="a14">
+          <p:graphicFrame>
+            <p:nvGraphicFramePr>
+              <p:cNvPr id="5" name="表格 4"/>
+              <p:cNvGraphicFramePr>
+                <a:graphicFrameLocks noGrp="1"/>
+              </p:cNvGraphicFramePr>
+              <p:nvPr>
+                <p:extLst>
+                  <p:ext uri="{D42A27DB-BD31-4B8C-83A1-F6EECF244321}">
+                    <p14:modId xmlns:p14="http://schemas.microsoft.com/office/powerpoint/2010/main" val="187990704"/>
+                  </p:ext>
+                </p:extLst>
+              </p:nvPr>
+            </p:nvGraphicFramePr>
+            <p:xfrm>
+              <a:off x="2032000" y="3678021"/>
+              <a:ext cx="8128000" cy="2392680"/>
+            </p:xfrm>
+            <a:graphic>
+              <a:graphicData uri="http://schemas.openxmlformats.org/drawingml/2006/table">
+                <a:tbl>
+                  <a:tblPr firstRow="1" bandRow="1">
+                    <a:tableStyleId>{2D5ABB26-0587-4C30-8999-92F81FD0307C}</a:tableStyleId>
+                  </a:tblPr>
+                  <a:tblGrid>
+                    <a:gridCol w="4064000">
+                      <a:extLst>
+                        <a:ext uri="{9D8B030D-6E8A-4147-A177-3AD203B41FA5}">
+                          <a16:colId xmlns:a16="http://schemas.microsoft.com/office/drawing/2014/main" val="1337587911"/>
+                        </a:ext>
+                      </a:extLst>
+                    </a:gridCol>
+                    <a:gridCol w="4064000">
+                      <a:extLst>
+                        <a:ext uri="{9D8B030D-6E8A-4147-A177-3AD203B41FA5}">
+                          <a16:colId xmlns:a16="http://schemas.microsoft.com/office/drawing/2014/main" val="2024171834"/>
+                        </a:ext>
+                      </a:extLst>
+                    </a:gridCol>
+                  </a:tblGrid>
+                  <a:tr h="370840">
+                    <a:tc>
+                      <a:txBody>
+                        <a:bodyPr/>
+                        <a:lstStyle/>
+                        <a:p>
+                          <a:pPr algn="ctr"/>
+                          <a14:m>
+                            <m:oMathPara xmlns:m="http://schemas.openxmlformats.org/officeDocument/2006/math">
+                              <m:oMathParaPr>
+                                <m:jc m:val="centerGroup"/>
+                              </m:oMathParaPr>
+                              <m:oMath xmlns:m="http://schemas.openxmlformats.org/officeDocument/2006/math">
+                                <m:r>
+                                  <a:rPr lang="en-US" altLang="zh-CN" smtClean="0">
+                                    <a:latin typeface="Cambria Math" panose="02040503050406030204" pitchFamily="18" charset="0"/>
+                                  </a:rPr>
+                                  <m:t>𝑖𝑚𝐴𝑡𝑡𝑟</m:t>
+                                </m:r>
+                                <m:d>
+                                  <m:dPr>
+                                    <m:ctrlPr>
+                                      <a:rPr lang="en-US" altLang="zh-CN" i="1" smtClean="0">
+                                        <a:latin typeface="Cambria Math" panose="02040503050406030204" pitchFamily="18" charset="0"/>
+                                      </a:rPr>
+                                    </m:ctrlPr>
+                                  </m:dPr>
+                                  <m:e>
+                                    <m:r>
+                                      <a:rPr lang="en-US" altLang="zh-CN" smtClean="0">
+                                        <a:latin typeface="Cambria Math" panose="02040503050406030204" pitchFamily="18" charset="0"/>
+                                      </a:rPr>
+                                      <m:t>𝒟</m:t>
+                                    </m:r>
+                                  </m:e>
+                                </m:d>
+                                <m:r>
+                                  <a:rPr lang="en-US" altLang="zh-CN" smtClean="0">
+                                    <a:latin typeface="Cambria Math" panose="02040503050406030204" pitchFamily="18" charset="0"/>
+                                  </a:rPr>
+                                  <m:t>=&lt;</m:t>
+                                </m:r>
+                                <m:r>
+                                  <a:rPr lang="en-US" altLang="zh-CN" smtClean="0">
+                                    <a:latin typeface="Cambria Math" panose="02040503050406030204" pitchFamily="18" charset="0"/>
+                                  </a:rPr>
+                                  <m:t>𝑟</m:t>
+                                </m:r>
+                                <m:d>
+                                  <m:dPr>
+                                    <m:ctrlPr>
+                                      <a:rPr lang="en-US" altLang="zh-CN" i="1" smtClean="0">
+                                        <a:latin typeface="Cambria Math" panose="02040503050406030204" pitchFamily="18" charset="0"/>
+                                      </a:rPr>
+                                    </m:ctrlPr>
+                                  </m:dPr>
+                                  <m:e>
+                                    <m:r>
+                                      <a:rPr lang="en-US" altLang="zh-CN" smtClean="0">
+                                        <a:latin typeface="Cambria Math" panose="02040503050406030204" pitchFamily="18" charset="0"/>
+                                      </a:rPr>
+                                      <m:t>𝒟</m:t>
+                                    </m:r>
+                                  </m:e>
+                                </m:d>
+                                <m:r>
+                                  <a:rPr lang="en-US" altLang="zh-CN" smtClean="0">
+                                    <a:latin typeface="Cambria Math" panose="02040503050406030204" pitchFamily="18" charset="0"/>
+                                  </a:rPr>
+                                  <m:t>,</m:t>
+                                </m:r>
+                                <m:r>
+                                  <a:rPr lang="en-US" altLang="zh-CN" smtClean="0">
+                                    <a:latin typeface="Cambria Math" panose="02040503050406030204" pitchFamily="18" charset="0"/>
+                                  </a:rPr>
+                                  <m:t>𝑜</m:t>
+                                </m:r>
+                                <m:d>
+                                  <m:dPr>
+                                    <m:ctrlPr>
+                                      <a:rPr lang="en-US" altLang="zh-CN" i="1">
+                                        <a:latin typeface="Cambria Math" panose="02040503050406030204" pitchFamily="18" charset="0"/>
+                                      </a:rPr>
+                                    </m:ctrlPr>
+                                  </m:dPr>
+                                  <m:e>
+                                    <m:r>
+                                      <a:rPr lang="en-US" altLang="zh-CN">
+                                        <a:latin typeface="Cambria Math" panose="02040503050406030204" pitchFamily="18" charset="0"/>
+                                      </a:rPr>
+                                      <m:t>𝒟</m:t>
+                                    </m:r>
+                                  </m:e>
+                                </m:d>
+                                <m:r>
+                                  <a:rPr lang="en-US" altLang="zh-CN">
+                                    <a:latin typeface="Cambria Math" panose="02040503050406030204" pitchFamily="18" charset="0"/>
+                                  </a:rPr>
+                                  <m:t>,</m:t>
+                                </m:r>
+                                <m:r>
+                                  <a:rPr lang="en-US" altLang="zh-CN" smtClean="0">
+                                    <a:latin typeface="Cambria Math" panose="02040503050406030204" pitchFamily="18" charset="0"/>
+                                  </a:rPr>
+                                  <m:t>𝑝</m:t>
+                                </m:r>
+                                <m:d>
+                                  <m:dPr>
+                                    <m:ctrlPr>
+                                      <a:rPr lang="en-US" altLang="zh-CN" i="1" smtClean="0">
+                                        <a:latin typeface="Cambria Math" panose="02040503050406030204" pitchFamily="18" charset="0"/>
+                                      </a:rPr>
+                                    </m:ctrlPr>
+                                  </m:dPr>
+                                  <m:e>
+                                    <m:r>
+                                      <a:rPr lang="en-US" altLang="zh-CN" smtClean="0">
+                                        <a:latin typeface="Cambria Math" panose="02040503050406030204" pitchFamily="18" charset="0"/>
+                                      </a:rPr>
+                                      <m:t>𝛾</m:t>
+                                    </m:r>
+                                  </m:e>
+                                </m:d>
+                                <m:r>
+                                  <a:rPr lang="en-US" altLang="zh-CN" smtClean="0">
+                                    <a:latin typeface="Cambria Math" panose="02040503050406030204" pitchFamily="18" charset="0"/>
+                                  </a:rPr>
+                                  <m:t>&gt;</m:t>
+                                </m:r>
+                              </m:oMath>
+                            </m:oMathPara>
+                          </a14:m>
+                          <a:endParaRPr lang="zh-CN" altLang="en-US" dirty="0"/>
+                        </a:p>
+                      </a:txBody>
+                      <a:tcPr>
+                        <a:lnB w="28575" cap="flat" cmpd="sng" algn="ctr">
+                          <a:solidFill>
+                            <a:schemeClr val="tx1"/>
+                          </a:solidFill>
+                          <a:prstDash val="solid"/>
+                          <a:round/>
+                          <a:headEnd type="none" w="med" len="med"/>
+                          <a:tailEnd type="none" w="med" len="med"/>
+                        </a:lnB>
+                      </a:tcPr>
+                    </a:tc>
+                    <a:tc>
+                      <a:txBody>
+                        <a:bodyPr/>
+                        <a:lstStyle/>
+                        <a:p>
+                          <a:pPr algn="ctr"/>
+                          <a:r>
+                            <a:rPr lang="en-US" altLang="zh-CN" dirty="0" smtClean="0"/>
+                            <a:t>Strategy</a:t>
+                          </a:r>
+                          <a:endParaRPr lang="zh-CN" altLang="en-US" dirty="0"/>
+                        </a:p>
+                      </a:txBody>
+                      <a:tcPr>
+                        <a:lnB w="28575" cap="flat" cmpd="sng" algn="ctr">
+                          <a:solidFill>
+                            <a:schemeClr val="tx1"/>
+                          </a:solidFill>
+                          <a:prstDash val="solid"/>
+                          <a:round/>
+                          <a:headEnd type="none" w="med" len="med"/>
+                          <a:tailEnd type="none" w="med" len="med"/>
+                        </a:lnB>
+                      </a:tcPr>
+                    </a:tc>
+                    <a:extLst>
+                      <a:ext uri="{0D108BD9-81ED-4DB2-BD59-A6C34878D82A}">
+                        <a16:rowId xmlns:a16="http://schemas.microsoft.com/office/drawing/2014/main" val="2807305740"/>
+                      </a:ext>
+                    </a:extLst>
+                  </a:tr>
+                  <a:tr h="370840">
+                    <a:tc>
+                      <a:txBody>
+                        <a:bodyPr/>
+                        <a:lstStyle/>
+                        <a:p>
+                          <a:pPr algn="ctr"/>
+                          <a14:m>
+                            <m:oMath xmlns:m="http://schemas.openxmlformats.org/officeDocument/2006/math">
+                              <m:r>
+                                <a:rPr lang="en-US" altLang="zh-CN" smtClean="0">
+                                  <a:latin typeface="Cambria Math" panose="02040503050406030204" pitchFamily="18" charset="0"/>
+                                </a:rPr>
+                                <m:t>𝑜</m:t>
+                              </m:r>
+                              <m:d>
+                                <m:dPr>
+                                  <m:ctrlPr>
+                                    <a:rPr lang="en-US" altLang="zh-CN" i="1" smtClean="0">
+                                      <a:latin typeface="Cambria Math" panose="02040503050406030204" pitchFamily="18" charset="0"/>
+                                    </a:rPr>
+                                  </m:ctrlPr>
+                                </m:dPr>
+                                <m:e>
+                                  <m:r>
+                                    <a:rPr lang="en-US" altLang="zh-CN" smtClean="0">
+                                      <a:latin typeface="Cambria Math" panose="02040503050406030204" pitchFamily="18" charset="0"/>
+                                    </a:rPr>
+                                    <m:t>𝒟</m:t>
+                                  </m:r>
+                                </m:e>
+                              </m:d>
+                            </m:oMath>
+                          </a14:m>
+                          <a:r>
+                            <a:rPr lang="zh-CN" altLang="en-US" dirty="0" smtClean="0"/>
+                            <a:t> </a:t>
+                          </a:r>
+                          <a:r>
+                            <a:rPr lang="en-US" altLang="zh-CN" dirty="0" smtClean="0"/>
+                            <a:t>is extremely small, and </a:t>
+                          </a:r>
+                          <a14:m>
+                            <m:oMath xmlns:m="http://schemas.openxmlformats.org/officeDocument/2006/math">
+                              <m:r>
+                                <a:rPr lang="en-US" altLang="zh-CN" smtClean="0">
+                                  <a:latin typeface="Cambria Math" panose="02040503050406030204" pitchFamily="18" charset="0"/>
+                                </a:rPr>
+                                <m:t>𝑝</m:t>
+                              </m:r>
+                              <m:d>
+                                <m:dPr>
+                                  <m:ctrlPr>
+                                    <a:rPr lang="en-US" altLang="zh-CN" i="1" smtClean="0">
+                                      <a:latin typeface="Cambria Math" panose="02040503050406030204" pitchFamily="18" charset="0"/>
+                                    </a:rPr>
+                                  </m:ctrlPr>
+                                </m:dPr>
+                                <m:e>
+                                  <m:r>
+                                    <a:rPr lang="en-US" altLang="zh-CN" smtClean="0">
+                                      <a:latin typeface="Cambria Math" panose="02040503050406030204" pitchFamily="18" charset="0"/>
+                                    </a:rPr>
+                                    <m:t>𝛾</m:t>
+                                  </m:r>
+                                </m:e>
+                              </m:d>
+                            </m:oMath>
+                          </a14:m>
+                          <a:r>
+                            <a:rPr lang="zh-CN" altLang="en-US" dirty="0" smtClean="0"/>
+                            <a:t> </a:t>
+                          </a:r>
+                          <a:r>
+                            <a:rPr lang="en-US" altLang="zh-CN" dirty="0" smtClean="0"/>
+                            <a:t>is gathered around </a:t>
+                          </a:r>
+                          <a14:m>
+                            <m:oMath xmlns:m="http://schemas.openxmlformats.org/officeDocument/2006/math">
+                              <m:r>
+                                <a:rPr lang="en-US" altLang="zh-CN" smtClean="0">
+                                  <a:latin typeface="Cambria Math" panose="02040503050406030204" pitchFamily="18" charset="0"/>
+                                </a:rPr>
+                                <m:t>𝛾</m:t>
+                              </m:r>
+                              <m:r>
+                                <a:rPr lang="en-US" altLang="zh-CN" smtClean="0">
+                                  <a:latin typeface="Cambria Math" panose="02040503050406030204" pitchFamily="18" charset="0"/>
+                                </a:rPr>
+                                <m:t>=1</m:t>
+                              </m:r>
+                            </m:oMath>
+                          </a14:m>
+                          <a:r>
+                            <a:rPr lang="en-US" altLang="zh-CN" dirty="0" smtClean="0"/>
+                            <a:t>;</a:t>
+                          </a:r>
+                          <a:endParaRPr lang="zh-CN" altLang="en-US" dirty="0"/>
+                        </a:p>
+                      </a:txBody>
+                      <a:tcPr>
+                        <a:lnT w="28575" cap="flat" cmpd="sng" algn="ctr">
+                          <a:solidFill>
+                            <a:schemeClr val="tx1"/>
+                          </a:solidFill>
+                          <a:prstDash val="solid"/>
+                          <a:round/>
+                          <a:headEnd type="none" w="med" len="med"/>
+                          <a:tailEnd type="none" w="med" len="med"/>
+                        </a:lnT>
+                        <a:lnB w="6350" cap="flat" cmpd="sng" algn="ctr">
+                          <a:solidFill>
+                            <a:schemeClr val="tx1"/>
+                          </a:solidFill>
+                          <a:prstDash val="solid"/>
+                          <a:round/>
+                          <a:headEnd type="none" w="med" len="med"/>
+                          <a:tailEnd type="none" w="med" len="med"/>
+                        </a:lnB>
+                      </a:tcPr>
+                    </a:tc>
+                    <a:tc>
+                      <a:txBody>
+                        <a:bodyPr/>
+                        <a:lstStyle/>
+                        <a:p>
+                          <a:pPr algn="ctr"/>
+                          <a:r>
+                            <a:rPr lang="en-US" altLang="zh-CN" i="1" dirty="0" smtClean="0"/>
+                            <a:t>(1) No</a:t>
+                          </a:r>
+                          <a:r>
+                            <a:rPr lang="en-US" altLang="zh-CN" i="1" baseline="0" dirty="0" smtClean="0"/>
+                            <a:t> need any IDS technique.</a:t>
+                          </a:r>
+                          <a:endParaRPr lang="zh-CN" altLang="en-US" i="1" dirty="0"/>
+                        </a:p>
+                      </a:txBody>
+                      <a:tcPr>
+                        <a:lnT w="28575" cap="flat" cmpd="sng" algn="ctr">
+                          <a:solidFill>
+                            <a:schemeClr val="tx1"/>
+                          </a:solidFill>
+                          <a:prstDash val="solid"/>
+                          <a:round/>
+                          <a:headEnd type="none" w="med" len="med"/>
+                          <a:tailEnd type="none" w="med" len="med"/>
+                        </a:lnT>
+                        <a:lnB w="6350" cap="flat" cmpd="sng" algn="ctr">
+                          <a:solidFill>
+                            <a:schemeClr val="tx1"/>
+                          </a:solidFill>
+                          <a:prstDash val="solid"/>
+                          <a:round/>
+                          <a:headEnd type="none" w="med" len="med"/>
+                          <a:tailEnd type="none" w="med" len="med"/>
+                        </a:lnB>
+                      </a:tcPr>
+                    </a:tc>
+                    <a:extLst>
+                      <a:ext uri="{0D108BD9-81ED-4DB2-BD59-A6C34878D82A}">
+                        <a16:rowId xmlns:a16="http://schemas.microsoft.com/office/drawing/2014/main" val="26526444"/>
+                      </a:ext>
+                    </a:extLst>
+                  </a:tr>
+                  <a:tr h="370840">
+                    <a:tc>
+                      <a:txBody>
+                        <a:bodyPr/>
+                        <a:lstStyle/>
+                        <a:p>
+                          <a:pPr algn="ctr"/>
+                          <a:r>
+                            <a:rPr lang="en-US" altLang="zh-CN" dirty="0" smtClean="0"/>
+                            <a:t>Both High </a:t>
+                          </a:r>
+                          <a14:m>
+                            <m:oMath xmlns:m="http://schemas.openxmlformats.org/officeDocument/2006/math">
+                              <m:r>
+                                <a:rPr lang="en-US" altLang="zh-CN">
+                                  <a:latin typeface="Cambria Math" panose="02040503050406030204" pitchFamily="18" charset="0"/>
+                                </a:rPr>
+                                <m:t>𝑟</m:t>
+                              </m:r>
+                              <m:d>
+                                <m:dPr>
+                                  <m:ctrlPr>
+                                    <a:rPr lang="en-US" altLang="zh-CN" i="1">
+                                      <a:latin typeface="Cambria Math" panose="02040503050406030204" pitchFamily="18" charset="0"/>
+                                    </a:rPr>
+                                  </m:ctrlPr>
+                                </m:dPr>
+                                <m:e>
+                                  <m:r>
+                                    <a:rPr lang="en-US" altLang="zh-CN">
+                                      <a:latin typeface="Cambria Math" panose="02040503050406030204" pitchFamily="18" charset="0"/>
+                                    </a:rPr>
+                                    <m:t>𝒟</m:t>
+                                  </m:r>
+                                </m:e>
+                              </m:d>
+                            </m:oMath>
+                          </a14:m>
+                          <a:r>
+                            <a:rPr lang="zh-CN" altLang="en-US" dirty="0" smtClean="0"/>
+                            <a:t> </a:t>
+                          </a:r>
+                          <a:r>
+                            <a:rPr lang="en-US" altLang="zh-CN" dirty="0" smtClean="0"/>
+                            <a:t>and </a:t>
+                          </a:r>
+                          <a14:m>
+                            <m:oMath xmlns:m="http://schemas.openxmlformats.org/officeDocument/2006/math">
+                              <m:r>
+                                <a:rPr lang="en-US" altLang="zh-CN">
+                                  <a:latin typeface="Cambria Math" panose="02040503050406030204" pitchFamily="18" charset="0"/>
+                                </a:rPr>
+                                <m:t>𝑜</m:t>
+                              </m:r>
+                              <m:d>
+                                <m:dPr>
+                                  <m:ctrlPr>
+                                    <a:rPr lang="en-US" altLang="zh-CN" i="1">
+                                      <a:latin typeface="Cambria Math" panose="02040503050406030204" pitchFamily="18" charset="0"/>
+                                    </a:rPr>
+                                  </m:ctrlPr>
+                                </m:dPr>
+                                <m:e>
+                                  <m:r>
+                                    <a:rPr lang="en-US" altLang="zh-CN">
+                                      <a:latin typeface="Cambria Math" panose="02040503050406030204" pitchFamily="18" charset="0"/>
+                                    </a:rPr>
+                                    <m:t>𝒟</m:t>
+                                  </m:r>
+                                </m:e>
+                              </m:d>
+                            </m:oMath>
+                          </a14:m>
+                          <a:endParaRPr lang="zh-CN" altLang="en-US" dirty="0"/>
+                        </a:p>
+                      </a:txBody>
+                      <a:tcPr>
+                        <a:lnT w="6350" cap="flat" cmpd="sng" algn="ctr">
+                          <a:solidFill>
+                            <a:schemeClr val="tx1"/>
+                          </a:solidFill>
+                          <a:prstDash val="solid"/>
+                          <a:round/>
+                          <a:headEnd type="none" w="med" len="med"/>
+                          <a:tailEnd type="none" w="med" len="med"/>
+                        </a:lnT>
+                        <a:lnB w="6350" cap="flat" cmpd="sng" algn="ctr">
+                          <a:solidFill>
+                            <a:schemeClr val="tx1"/>
+                          </a:solidFill>
+                          <a:prstDash val="solid"/>
+                          <a:round/>
+                          <a:headEnd type="none" w="med" len="med"/>
+                          <a:tailEnd type="none" w="med" len="med"/>
+                        </a:lnB>
+                      </a:tcPr>
+                    </a:tc>
+                    <a:tc>
+                      <a:txBody>
+                        <a:bodyPr/>
+                        <a:lstStyle/>
+                        <a:p>
+                          <a:pPr algn="ctr"/>
+                          <a:r>
+                            <a:rPr lang="en-US" altLang="zh-CN" i="1" dirty="0" smtClean="0"/>
+                            <a:t>(2) Sampling</a:t>
+                          </a:r>
+                          <a:r>
+                            <a:rPr lang="en-US" altLang="zh-CN" i="1" baseline="0" dirty="0" smtClean="0"/>
+                            <a:t> Technique, and leverage </a:t>
+                          </a:r>
+                          <a14:m>
+                            <m:oMath xmlns:m="http://schemas.openxmlformats.org/officeDocument/2006/math">
+                              <m:r>
+                                <a:rPr lang="en-US" altLang="zh-CN" b="0" i="1" baseline="0" smtClean="0">
+                                  <a:latin typeface="Cambria Math" panose="02040503050406030204" pitchFamily="18" charset="0"/>
+                                </a:rPr>
+                                <m:t>𝑝</m:t>
+                              </m:r>
+                              <m:r>
+                                <a:rPr lang="en-US" altLang="zh-CN" b="0" i="1" baseline="0" smtClean="0">
+                                  <a:latin typeface="Cambria Math" panose="02040503050406030204" pitchFamily="18" charset="0"/>
+                                </a:rPr>
+                                <m:t>(</m:t>
+                              </m:r>
+                              <m:r>
+                                <a:rPr lang="en-US" altLang="zh-CN" b="0" i="1" baseline="0" smtClean="0">
+                                  <a:latin typeface="Cambria Math" panose="02040503050406030204" pitchFamily="18" charset="0"/>
+                                </a:rPr>
+                                <m:t>𝛾</m:t>
+                              </m:r>
+                              <m:r>
+                                <a:rPr lang="en-US" altLang="zh-CN" b="0" i="1" baseline="0" smtClean="0">
+                                  <a:latin typeface="Cambria Math" panose="02040503050406030204" pitchFamily="18" charset="0"/>
+                                </a:rPr>
+                                <m:t>)</m:t>
+                              </m:r>
+                            </m:oMath>
+                          </a14:m>
+                          <a:r>
+                            <a:rPr lang="zh-CN" altLang="en-US" i="1" dirty="0" smtClean="0"/>
+                            <a:t> </a:t>
+                          </a:r>
+                          <a:r>
+                            <a:rPr lang="en-US" altLang="zh-CN" i="1" dirty="0" smtClean="0"/>
+                            <a:t>to</a:t>
+                          </a:r>
+                          <a:r>
+                            <a:rPr lang="en-US" altLang="zh-CN" i="1" baseline="0" dirty="0" smtClean="0"/>
+                            <a:t> decide the detailed method</a:t>
+                          </a:r>
+                          <a:endParaRPr lang="zh-CN" altLang="en-US" i="1" dirty="0"/>
+                        </a:p>
+                      </a:txBody>
+                      <a:tcPr>
+                        <a:lnT w="6350" cap="flat" cmpd="sng" algn="ctr">
+                          <a:solidFill>
+                            <a:schemeClr val="tx1"/>
+                          </a:solidFill>
+                          <a:prstDash val="solid"/>
+                          <a:round/>
+                          <a:headEnd type="none" w="med" len="med"/>
+                          <a:tailEnd type="none" w="med" len="med"/>
+                        </a:lnT>
+                        <a:lnB w="6350" cap="flat" cmpd="sng" algn="ctr">
+                          <a:solidFill>
+                            <a:schemeClr val="tx1"/>
+                          </a:solidFill>
+                          <a:prstDash val="solid"/>
+                          <a:round/>
+                          <a:headEnd type="none" w="med" len="med"/>
+                          <a:tailEnd type="none" w="med" len="med"/>
+                        </a:lnB>
+                      </a:tcPr>
+                    </a:tc>
+                    <a:extLst>
+                      <a:ext uri="{0D108BD9-81ED-4DB2-BD59-A6C34878D82A}">
+                        <a16:rowId xmlns:a16="http://schemas.microsoft.com/office/drawing/2014/main" val="1579795000"/>
+                      </a:ext>
+                    </a:extLst>
+                  </a:tr>
+                  <a:tr h="370840">
+                    <a:tc>
+                      <a:txBody>
+                        <a:bodyPr/>
+                        <a:lstStyle/>
+                        <a:p>
+                          <a:pPr algn="ctr"/>
+                          <a:r>
+                            <a:rPr lang="en-US" altLang="zh-CN" dirty="0" smtClean="0"/>
+                            <a:t>Low </a:t>
+                          </a:r>
+                          <a14:m>
+                            <m:oMath xmlns:m="http://schemas.openxmlformats.org/officeDocument/2006/math">
+                              <m:r>
+                                <a:rPr lang="en-US" altLang="zh-CN" b="0" i="1" smtClean="0">
+                                  <a:latin typeface="Cambria Math" panose="02040503050406030204" pitchFamily="18" charset="0"/>
+                                </a:rPr>
+                                <m:t>𝑟</m:t>
+                              </m:r>
+                              <m:r>
+                                <a:rPr lang="en-US" altLang="zh-CN" b="0" i="1" smtClean="0">
+                                  <a:latin typeface="Cambria Math" panose="02040503050406030204" pitchFamily="18" charset="0"/>
+                                </a:rPr>
+                                <m:t>(</m:t>
+                              </m:r>
+                              <m:r>
+                                <a:rPr lang="en-US" altLang="zh-CN" b="0" i="1" smtClean="0">
+                                  <a:latin typeface="Cambria Math" panose="02040503050406030204" pitchFamily="18" charset="0"/>
+                                </a:rPr>
+                                <m:t>𝒟</m:t>
+                              </m:r>
+                              <m:r>
+                                <a:rPr lang="en-US" altLang="zh-CN" b="0" i="1" smtClean="0">
+                                  <a:latin typeface="Cambria Math" panose="02040503050406030204" pitchFamily="18" charset="0"/>
+                                </a:rPr>
+                                <m:t>)</m:t>
+                              </m:r>
+                            </m:oMath>
+                          </a14:m>
+                          <a:r>
+                            <a:rPr lang="zh-CN" altLang="en-US" dirty="0" smtClean="0"/>
+                            <a:t> </a:t>
+                          </a:r>
+                          <a:r>
+                            <a:rPr lang="en-US" altLang="zh-CN" dirty="0" smtClean="0"/>
+                            <a:t>with</a:t>
+                          </a:r>
+                          <a:r>
+                            <a:rPr lang="en-US" altLang="zh-CN" baseline="0" dirty="0" smtClean="0"/>
+                            <a:t> high </a:t>
+                          </a:r>
+                          <a14:m>
+                            <m:oMath xmlns:m="http://schemas.openxmlformats.org/officeDocument/2006/math">
+                              <m:r>
+                                <a:rPr lang="en-US" altLang="zh-CN" b="0" i="1" baseline="0" smtClean="0">
+                                  <a:latin typeface="Cambria Math" panose="02040503050406030204" pitchFamily="18" charset="0"/>
+                                </a:rPr>
+                                <m:t>𝑜</m:t>
+                              </m:r>
+                              <m:d>
+                                <m:dPr>
+                                  <m:ctrlPr>
+                                    <a:rPr lang="en-US" altLang="zh-CN" b="0" i="1" baseline="0" smtClean="0">
+                                      <a:latin typeface="Cambria Math" panose="02040503050406030204" pitchFamily="18" charset="0"/>
+                                    </a:rPr>
+                                  </m:ctrlPr>
+                                </m:dPr>
+                                <m:e>
+                                  <m:r>
+                                    <a:rPr lang="en-US" altLang="zh-CN" b="0" i="1" baseline="0" smtClean="0">
+                                      <a:latin typeface="Cambria Math" panose="02040503050406030204" pitchFamily="18" charset="0"/>
+                                    </a:rPr>
+                                    <m:t>𝒟</m:t>
+                                  </m:r>
+                                </m:e>
+                              </m:d>
+                            </m:oMath>
+                          </a14:m>
+                          <a:endParaRPr lang="zh-CN" altLang="en-US" dirty="0"/>
+                        </a:p>
+                      </a:txBody>
+                      <a:tcPr>
+                        <a:lnT w="6350" cap="flat" cmpd="sng" algn="ctr">
+                          <a:solidFill>
+                            <a:schemeClr val="tx1"/>
+                          </a:solidFill>
+                          <a:prstDash val="solid"/>
+                          <a:round/>
+                          <a:headEnd type="none" w="med" len="med"/>
+                          <a:tailEnd type="none" w="med" len="med"/>
+                        </a:lnT>
+                        <a:lnB w="6350" cap="flat" cmpd="sng" algn="ctr">
+                          <a:solidFill>
+                            <a:schemeClr val="tx1"/>
+                          </a:solidFill>
+                          <a:prstDash val="solid"/>
+                          <a:round/>
+                          <a:headEnd type="none" w="med" len="med"/>
+                          <a:tailEnd type="none" w="med" len="med"/>
+                        </a:lnB>
+                      </a:tcPr>
+                    </a:tc>
+                    <a:tc>
+                      <a:txBody>
+                        <a:bodyPr/>
+                        <a:lstStyle/>
+                        <a:p>
+                          <a:pPr algn="ctr"/>
+                          <a:r>
+                            <a:rPr lang="en-US" altLang="zh-CN" i="1" dirty="0" smtClean="0"/>
+                            <a:t>(3) Ensemble Learning</a:t>
+                          </a:r>
+                          <a:endParaRPr lang="zh-CN" altLang="en-US" i="1" dirty="0"/>
+                        </a:p>
+                      </a:txBody>
+                      <a:tcPr>
+                        <a:lnT w="6350" cap="flat" cmpd="sng" algn="ctr">
+                          <a:solidFill>
+                            <a:schemeClr val="tx1"/>
+                          </a:solidFill>
+                          <a:prstDash val="solid"/>
+                          <a:round/>
+                          <a:headEnd type="none" w="med" len="med"/>
+                          <a:tailEnd type="none" w="med" len="med"/>
+                        </a:lnT>
+                        <a:lnB w="6350" cap="flat" cmpd="sng" algn="ctr">
+                          <a:solidFill>
+                            <a:schemeClr val="tx1"/>
+                          </a:solidFill>
+                          <a:prstDash val="solid"/>
+                          <a:round/>
+                          <a:headEnd type="none" w="med" len="med"/>
+                          <a:tailEnd type="none" w="med" len="med"/>
+                        </a:lnB>
+                      </a:tcPr>
+                    </a:tc>
+                    <a:extLst>
+                      <a:ext uri="{0D108BD9-81ED-4DB2-BD59-A6C34878D82A}">
+                        <a16:rowId xmlns:a16="http://schemas.microsoft.com/office/drawing/2014/main" val="3801810042"/>
+                      </a:ext>
+                    </a:extLst>
+                  </a:tr>
+                  <a:tr h="370840">
+                    <a:tc>
+                      <a:txBody>
+                        <a:bodyPr/>
+                        <a:lstStyle/>
+                        <a:p>
+                          <a:pPr algn="ctr"/>
+                          <a14:m>
+                            <m:oMath xmlns:m="http://schemas.openxmlformats.org/officeDocument/2006/math">
+                              <m:r>
+                                <a:rPr lang="en-US" altLang="zh-CN" smtClean="0">
+                                  <a:latin typeface="Cambria Math" panose="02040503050406030204" pitchFamily="18" charset="0"/>
+                                </a:rPr>
+                                <m:t>𝑟</m:t>
+                              </m:r>
+                              <m:d>
+                                <m:dPr>
+                                  <m:ctrlPr>
+                                    <a:rPr lang="en-US" altLang="zh-CN" i="1" smtClean="0">
+                                      <a:latin typeface="Cambria Math" panose="02040503050406030204" pitchFamily="18" charset="0"/>
+                                    </a:rPr>
+                                  </m:ctrlPr>
+                                </m:dPr>
+                                <m:e>
+                                  <m:r>
+                                    <a:rPr lang="en-US" altLang="zh-CN" smtClean="0">
+                                      <a:latin typeface="Cambria Math" panose="02040503050406030204" pitchFamily="18" charset="0"/>
+                                    </a:rPr>
+                                    <m:t>𝒟</m:t>
+                                  </m:r>
+                                </m:e>
+                              </m:d>
+                            </m:oMath>
+                          </a14:m>
+                          <a:r>
+                            <a:rPr lang="zh-CN" altLang="en-US" dirty="0" smtClean="0"/>
+                            <a:t> </a:t>
+                          </a:r>
+                          <a:r>
+                            <a:rPr lang="en-US" altLang="zh-CN" dirty="0" smtClean="0"/>
+                            <a:t>is extremely high</a:t>
+                          </a:r>
+                          <a:endParaRPr lang="zh-CN" altLang="en-US" dirty="0"/>
+                        </a:p>
+                      </a:txBody>
+                      <a:tcPr>
+                        <a:lnT w="6350" cap="flat" cmpd="sng" algn="ctr">
+                          <a:solidFill>
+                            <a:schemeClr val="tx1"/>
+                          </a:solidFill>
+                          <a:prstDash val="solid"/>
+                          <a:round/>
+                          <a:headEnd type="none" w="med" len="med"/>
+                          <a:tailEnd type="none" w="med" len="med"/>
+                        </a:lnT>
+                      </a:tcPr>
+                    </a:tc>
+                    <a:tc>
+                      <a:txBody>
+                        <a:bodyPr/>
+                        <a:lstStyle/>
+                        <a:p>
+                          <a:pPr algn="ctr"/>
+                          <a:r>
+                            <a:rPr lang="en-US" altLang="zh-CN" i="1" dirty="0" smtClean="0"/>
+                            <a:t>(4) One Class Learning</a:t>
+                          </a:r>
+                          <a:endParaRPr lang="zh-CN" altLang="en-US" i="1" dirty="0"/>
+                        </a:p>
+                      </a:txBody>
+                      <a:tcPr>
+                        <a:lnT w="6350" cap="flat" cmpd="sng" algn="ctr">
+                          <a:solidFill>
+                            <a:schemeClr val="tx1"/>
+                          </a:solidFill>
+                          <a:prstDash val="solid"/>
+                          <a:round/>
+                          <a:headEnd type="none" w="med" len="med"/>
+                          <a:tailEnd type="none" w="med" len="med"/>
+                        </a:lnT>
+                      </a:tcPr>
+                    </a:tc>
+                    <a:extLst>
+                      <a:ext uri="{0D108BD9-81ED-4DB2-BD59-A6C34878D82A}">
+                        <a16:rowId xmlns:a16="http://schemas.microsoft.com/office/drawing/2014/main" val="2812140898"/>
+                      </a:ext>
+                    </a:extLst>
+                  </a:tr>
+                </a:tbl>
+              </a:graphicData>
+            </a:graphic>
+          </p:graphicFrame>
+        </mc:Choice>
+        <mc:Fallback xmlns="">
+          <p:graphicFrame>
+            <p:nvGraphicFramePr>
+              <p:cNvPr id="5" name="表格 4"/>
+              <p:cNvGraphicFramePr>
+                <a:graphicFrameLocks noGrp="1"/>
+              </p:cNvGraphicFramePr>
+              <p:nvPr>
+                <p:extLst>
+                  <p:ext uri="{D42A27DB-BD31-4B8C-83A1-F6EECF244321}">
+                    <p14:modId xmlns:p14="http://schemas.microsoft.com/office/powerpoint/2010/main" val="187990704"/>
+                  </p:ext>
+                </p:extLst>
+              </p:nvPr>
+            </p:nvGraphicFramePr>
+            <p:xfrm>
+              <a:off x="2032000" y="3678021"/>
+              <a:ext cx="8128000" cy="2392680"/>
+            </p:xfrm>
+            <a:graphic>
+              <a:graphicData uri="http://schemas.openxmlformats.org/drawingml/2006/table">
+                <a:tbl>
+                  <a:tblPr firstRow="1" bandRow="1">
+                    <a:tableStyleId>{2D5ABB26-0587-4C30-8999-92F81FD0307C}</a:tableStyleId>
+                  </a:tblPr>
+                  <a:tblGrid>
+                    <a:gridCol w="4064000">
+                      <a:extLst>
+                        <a:ext uri="{9D8B030D-6E8A-4147-A177-3AD203B41FA5}">
+                          <a16:colId xmlns:a16="http://schemas.microsoft.com/office/drawing/2014/main" val="1337587911"/>
+                        </a:ext>
+                      </a:extLst>
+                    </a:gridCol>
+                    <a:gridCol w="4064000">
+                      <a:extLst>
+                        <a:ext uri="{9D8B030D-6E8A-4147-A177-3AD203B41FA5}">
+                          <a16:colId xmlns:a16="http://schemas.microsoft.com/office/drawing/2014/main" val="2024171834"/>
+                        </a:ext>
+                      </a:extLst>
+                    </a:gridCol>
+                  </a:tblGrid>
+                  <a:tr h="370840">
+                    <a:tc>
+                      <a:txBody>
+                        <a:bodyPr/>
+                        <a:lstStyle/>
+                        <a:p>
+                          <a:endParaRPr lang="en-US"/>
+                        </a:p>
+                      </a:txBody>
+                      <a:tcPr>
+                        <a:lnB w="28575" cap="flat" cmpd="sng" algn="ctr">
+                          <a:solidFill>
+                            <a:schemeClr val="tx1"/>
+                          </a:solidFill>
+                          <a:prstDash val="solid"/>
+                          <a:round/>
+                          <a:headEnd type="none" w="med" len="med"/>
+                          <a:tailEnd type="none" w="med" len="med"/>
+                        </a:lnB>
+                        <a:blipFill>
+                          <a:blip r:embed="rId3"/>
+                          <a:stretch>
+                            <a:fillRect t="-8197" r="-100450" b="-568852"/>
+                          </a:stretch>
+                        </a:blipFill>
+                      </a:tcPr>
+                    </a:tc>
+                    <a:tc>
+                      <a:txBody>
+                        <a:bodyPr/>
+                        <a:lstStyle/>
+                        <a:p>
+                          <a:pPr algn="ctr"/>
+                          <a:r>
+                            <a:rPr lang="en-US" altLang="zh-CN" dirty="0" smtClean="0"/>
+                            <a:t>Strategy</a:t>
+                          </a:r>
+                          <a:endParaRPr lang="zh-CN" altLang="en-US" dirty="0"/>
+                        </a:p>
+                      </a:txBody>
+                      <a:tcPr>
+                        <a:lnB w="28575" cap="flat" cmpd="sng" algn="ctr">
+                          <a:solidFill>
+                            <a:schemeClr val="tx1"/>
+                          </a:solidFill>
+                          <a:prstDash val="solid"/>
+                          <a:round/>
+                          <a:headEnd type="none" w="med" len="med"/>
+                          <a:tailEnd type="none" w="med" len="med"/>
+                        </a:lnB>
+                      </a:tcPr>
+                    </a:tc>
+                    <a:extLst>
+                      <a:ext uri="{0D108BD9-81ED-4DB2-BD59-A6C34878D82A}">
+                        <a16:rowId xmlns:a16="http://schemas.microsoft.com/office/drawing/2014/main" val="2807305740"/>
+                      </a:ext>
+                    </a:extLst>
+                  </a:tr>
+                  <a:tr h="640080">
+                    <a:tc>
+                      <a:txBody>
+                        <a:bodyPr/>
+                        <a:lstStyle/>
+                        <a:p>
+                          <a:endParaRPr lang="en-US"/>
+                        </a:p>
+                      </a:txBody>
+                      <a:tcPr>
+                        <a:lnT w="28575" cap="flat" cmpd="sng" algn="ctr">
+                          <a:solidFill>
+                            <a:schemeClr val="tx1"/>
+                          </a:solidFill>
+                          <a:prstDash val="solid"/>
+                          <a:round/>
+                          <a:headEnd type="none" w="med" len="med"/>
+                          <a:tailEnd type="none" w="med" len="med"/>
+                        </a:lnT>
+                        <a:lnB w="6350" cap="flat" cmpd="sng" algn="ctr">
+                          <a:solidFill>
+                            <a:schemeClr val="tx1"/>
+                          </a:solidFill>
+                          <a:prstDash val="solid"/>
+                          <a:round/>
+                          <a:headEnd type="none" w="med" len="med"/>
+                          <a:tailEnd type="none" w="med" len="med"/>
+                        </a:lnB>
+                        <a:blipFill>
+                          <a:blip r:embed="rId3"/>
+                          <a:stretch>
+                            <a:fillRect t="-62857" r="-100450" b="-230476"/>
+                          </a:stretch>
+                        </a:blipFill>
+                      </a:tcPr>
+                    </a:tc>
+                    <a:tc>
+                      <a:txBody>
+                        <a:bodyPr/>
+                        <a:lstStyle/>
+                        <a:p>
+                          <a:pPr algn="ctr"/>
+                          <a:r>
+                            <a:rPr lang="en-US" altLang="zh-CN" i="1" dirty="0" smtClean="0"/>
+                            <a:t>(1) No</a:t>
+                          </a:r>
+                          <a:r>
+                            <a:rPr lang="en-US" altLang="zh-CN" i="1" baseline="0" dirty="0" smtClean="0"/>
+                            <a:t> </a:t>
+                          </a:r>
+                          <a:r>
+                            <a:rPr lang="en-US" altLang="zh-CN" i="1" baseline="0" dirty="0" smtClean="0"/>
+                            <a:t>need any IDS technique.</a:t>
+                          </a:r>
+                          <a:endParaRPr lang="zh-CN" altLang="en-US" i="1" dirty="0"/>
+                        </a:p>
+                      </a:txBody>
+                      <a:tcPr>
+                        <a:lnT w="28575" cap="flat" cmpd="sng" algn="ctr">
+                          <a:solidFill>
+                            <a:schemeClr val="tx1"/>
+                          </a:solidFill>
+                          <a:prstDash val="solid"/>
+                          <a:round/>
+                          <a:headEnd type="none" w="med" len="med"/>
+                          <a:tailEnd type="none" w="med" len="med"/>
+                        </a:lnT>
+                        <a:lnB w="6350" cap="flat" cmpd="sng" algn="ctr">
+                          <a:solidFill>
+                            <a:schemeClr val="tx1"/>
+                          </a:solidFill>
+                          <a:prstDash val="solid"/>
+                          <a:round/>
+                          <a:headEnd type="none" w="med" len="med"/>
+                          <a:tailEnd type="none" w="med" len="med"/>
+                        </a:lnB>
+                      </a:tcPr>
+                    </a:tc>
+                    <a:extLst>
+                      <a:ext uri="{0D108BD9-81ED-4DB2-BD59-A6C34878D82A}">
+                        <a16:rowId xmlns:a16="http://schemas.microsoft.com/office/drawing/2014/main" val="26526444"/>
+                      </a:ext>
+                    </a:extLst>
+                  </a:tr>
+                  <a:tr h="640080">
+                    <a:tc>
+                      <a:txBody>
+                        <a:bodyPr/>
+                        <a:lstStyle/>
+                        <a:p>
+                          <a:endParaRPr lang="en-US"/>
+                        </a:p>
+                      </a:txBody>
+                      <a:tcPr>
+                        <a:lnT w="6350" cap="flat" cmpd="sng" algn="ctr">
+                          <a:solidFill>
+                            <a:schemeClr val="tx1"/>
+                          </a:solidFill>
+                          <a:prstDash val="solid"/>
+                          <a:round/>
+                          <a:headEnd type="none" w="med" len="med"/>
+                          <a:tailEnd type="none" w="med" len="med"/>
+                        </a:lnT>
+                        <a:lnB w="6350" cap="flat" cmpd="sng" algn="ctr">
+                          <a:solidFill>
+                            <a:schemeClr val="tx1"/>
+                          </a:solidFill>
+                          <a:prstDash val="solid"/>
+                          <a:round/>
+                          <a:headEnd type="none" w="med" len="med"/>
+                          <a:tailEnd type="none" w="med" len="med"/>
+                        </a:lnB>
+                        <a:blipFill>
+                          <a:blip r:embed="rId3"/>
+                          <a:stretch>
+                            <a:fillRect t="-162857" r="-100450" b="-130476"/>
+                          </a:stretch>
+                        </a:blipFill>
+                      </a:tcPr>
+                    </a:tc>
+                    <a:tc>
+                      <a:txBody>
+                        <a:bodyPr/>
+                        <a:lstStyle/>
+                        <a:p>
+                          <a:endParaRPr lang="en-US"/>
+                        </a:p>
+                      </a:txBody>
+                      <a:tcPr>
+                        <a:lnT w="6350" cap="flat" cmpd="sng" algn="ctr">
+                          <a:solidFill>
+                            <a:schemeClr val="tx1"/>
+                          </a:solidFill>
+                          <a:prstDash val="solid"/>
+                          <a:round/>
+                          <a:headEnd type="none" w="med" len="med"/>
+                          <a:tailEnd type="none" w="med" len="med"/>
+                        </a:lnT>
+                        <a:lnB w="6350" cap="flat" cmpd="sng" algn="ctr">
+                          <a:solidFill>
+                            <a:schemeClr val="tx1"/>
+                          </a:solidFill>
+                          <a:prstDash val="solid"/>
+                          <a:round/>
+                          <a:headEnd type="none" w="med" len="med"/>
+                          <a:tailEnd type="none" w="med" len="med"/>
+                        </a:lnB>
+                        <a:blipFill>
+                          <a:blip r:embed="rId3"/>
+                          <a:stretch>
+                            <a:fillRect l="-100000" t="-162857" r="-450" b="-130476"/>
+                          </a:stretch>
+                        </a:blipFill>
+                      </a:tcPr>
+                    </a:tc>
+                    <a:extLst>
+                      <a:ext uri="{0D108BD9-81ED-4DB2-BD59-A6C34878D82A}">
+                        <a16:rowId xmlns:a16="http://schemas.microsoft.com/office/drawing/2014/main" val="1579795000"/>
+                      </a:ext>
+                    </a:extLst>
+                  </a:tr>
+                  <a:tr h="370840">
+                    <a:tc>
+                      <a:txBody>
+                        <a:bodyPr/>
+                        <a:lstStyle/>
+                        <a:p>
+                          <a:endParaRPr lang="en-US"/>
+                        </a:p>
+                      </a:txBody>
+                      <a:tcPr>
+                        <a:lnT w="6350" cap="flat" cmpd="sng" algn="ctr">
+                          <a:solidFill>
+                            <a:schemeClr val="tx1"/>
+                          </a:solidFill>
+                          <a:prstDash val="solid"/>
+                          <a:round/>
+                          <a:headEnd type="none" w="med" len="med"/>
+                          <a:tailEnd type="none" w="med" len="med"/>
+                        </a:lnT>
+                        <a:lnB w="6350" cap="flat" cmpd="sng" algn="ctr">
+                          <a:solidFill>
+                            <a:schemeClr val="tx1"/>
+                          </a:solidFill>
+                          <a:prstDash val="solid"/>
+                          <a:round/>
+                          <a:headEnd type="none" w="med" len="med"/>
+                          <a:tailEnd type="none" w="med" len="med"/>
+                        </a:lnB>
+                        <a:blipFill>
+                          <a:blip r:embed="rId3"/>
+                          <a:stretch>
+                            <a:fillRect t="-452459" r="-100450" b="-124590"/>
+                          </a:stretch>
+                        </a:blipFill>
+                      </a:tcPr>
+                    </a:tc>
+                    <a:tc>
+                      <a:txBody>
+                        <a:bodyPr/>
+                        <a:lstStyle/>
+                        <a:p>
+                          <a:pPr algn="ctr"/>
+                          <a:r>
+                            <a:rPr lang="en-US" altLang="zh-CN" i="1" dirty="0" smtClean="0"/>
+                            <a:t>(3) Ensemble </a:t>
+                          </a:r>
+                          <a:r>
+                            <a:rPr lang="en-US" altLang="zh-CN" i="1" dirty="0" smtClean="0"/>
+                            <a:t>Learning</a:t>
+                          </a:r>
+                          <a:endParaRPr lang="zh-CN" altLang="en-US" i="1" dirty="0"/>
+                        </a:p>
+                      </a:txBody>
+                      <a:tcPr>
+                        <a:lnT w="6350" cap="flat" cmpd="sng" algn="ctr">
+                          <a:solidFill>
+                            <a:schemeClr val="tx1"/>
+                          </a:solidFill>
+                          <a:prstDash val="solid"/>
+                          <a:round/>
+                          <a:headEnd type="none" w="med" len="med"/>
+                          <a:tailEnd type="none" w="med" len="med"/>
+                        </a:lnT>
+                        <a:lnB w="6350" cap="flat" cmpd="sng" algn="ctr">
+                          <a:solidFill>
+                            <a:schemeClr val="tx1"/>
+                          </a:solidFill>
+                          <a:prstDash val="solid"/>
+                          <a:round/>
+                          <a:headEnd type="none" w="med" len="med"/>
+                          <a:tailEnd type="none" w="med" len="med"/>
+                        </a:lnB>
+                      </a:tcPr>
+                    </a:tc>
+                    <a:extLst>
+                      <a:ext uri="{0D108BD9-81ED-4DB2-BD59-A6C34878D82A}">
+                        <a16:rowId xmlns:a16="http://schemas.microsoft.com/office/drawing/2014/main" val="3801810042"/>
+                      </a:ext>
+                    </a:extLst>
+                  </a:tr>
+                  <a:tr h="370840">
+                    <a:tc>
+                      <a:txBody>
+                        <a:bodyPr/>
+                        <a:lstStyle/>
+                        <a:p>
+                          <a:endParaRPr lang="en-US"/>
+                        </a:p>
+                      </a:txBody>
+                      <a:tcPr>
+                        <a:lnT w="6350" cap="flat" cmpd="sng" algn="ctr">
+                          <a:solidFill>
+                            <a:schemeClr val="tx1"/>
+                          </a:solidFill>
+                          <a:prstDash val="solid"/>
+                          <a:round/>
+                          <a:headEnd type="none" w="med" len="med"/>
+                          <a:tailEnd type="none" w="med" len="med"/>
+                        </a:lnT>
+                        <a:blipFill>
+                          <a:blip r:embed="rId3"/>
+                          <a:stretch>
+                            <a:fillRect t="-552459" r="-100450" b="-24590"/>
+                          </a:stretch>
+                        </a:blipFill>
+                      </a:tcPr>
+                    </a:tc>
+                    <a:tc>
+                      <a:txBody>
+                        <a:bodyPr/>
+                        <a:lstStyle/>
+                        <a:p>
+                          <a:pPr algn="ctr"/>
+                          <a:r>
+                            <a:rPr lang="en-US" altLang="zh-CN" i="1" dirty="0" smtClean="0"/>
+                            <a:t>(4) One </a:t>
+                          </a:r>
+                          <a:r>
+                            <a:rPr lang="en-US" altLang="zh-CN" i="1" dirty="0" smtClean="0"/>
+                            <a:t>Class Learning</a:t>
+                          </a:r>
+                          <a:endParaRPr lang="zh-CN" altLang="en-US" i="1" dirty="0"/>
+                        </a:p>
+                      </a:txBody>
+                      <a:tcPr>
+                        <a:lnT w="6350" cap="flat" cmpd="sng" algn="ctr">
+                          <a:solidFill>
+                            <a:schemeClr val="tx1"/>
+                          </a:solidFill>
+                          <a:prstDash val="solid"/>
+                          <a:round/>
+                          <a:headEnd type="none" w="med" len="med"/>
+                          <a:tailEnd type="none" w="med" len="med"/>
+                        </a:lnT>
+                      </a:tcPr>
+                    </a:tc>
+                    <a:extLst>
+                      <a:ext uri="{0D108BD9-81ED-4DB2-BD59-A6C34878D82A}">
+                        <a16:rowId xmlns:a16="http://schemas.microsoft.com/office/drawing/2014/main" val="2812140898"/>
+                      </a:ext>
+                    </a:extLst>
+                  </a:tr>
+                </a:tbl>
+              </a:graphicData>
+            </a:graphic>
+          </p:graphicFrame>
+        </mc:Fallback>
+      </mc:AlternateContent>
+    </p:spTree>
+    <p:extLst>
+      <p:ext uri="{BB962C8B-B14F-4D97-AF65-F5344CB8AC3E}">
+        <p14:creationId xmlns:p14="http://schemas.microsoft.com/office/powerpoint/2010/main" val="158303477"/>
+      </p:ext>
+    </p:extLst>
+  </p:cSld>
+  <p:clrMapOvr>
+    <a:masterClrMapping/>
+  </p:clrMapOvr>
+  <p:timing>
+    <p:tnLst>
+      <p:par>
+        <p:cTn id="1" dur="indefinite" restart="never" nodeType="tmRoot"/>
+      </p:par>
+    </p:tnLst>
+  </p:timing>
+</p:sld>
+</file>
+
+<file path=ppt/slides/slide31.xml><?xml version="1.0" encoding="utf-8"?>
+<p:sld xmlns:a="http://schemas.openxmlformats.org/drawingml/2006/main" xmlns:r="http://schemas.openxmlformats.org/officeDocument/2006/relationships" xmlns:p="http://schemas.openxmlformats.org/presentationml/2006/main">
+  <p:cSld>
+    <p:spTree>
+      <p:nvGrpSpPr>
+        <p:cNvPr id="1" name=""/>
+        <p:cNvGrpSpPr/>
+        <p:nvPr/>
+      </p:nvGrpSpPr>
+      <p:grpSpPr>
+        <a:xfrm>
+          <a:off x="0" y="0"/>
+          <a:ext cx="0" cy="0"/>
+          <a:chOff x="0" y="0"/>
+          <a:chExt cx="0" cy="0"/>
+        </a:xfrm>
+      </p:grpSpPr>
+      <p:sp>
+        <p:nvSpPr>
           <p:cNvPr id="2" name="Title 1"/>
           <p:cNvSpPr>
             <a:spLocks noGrp="1"/>
@@ -41196,7 +41572,7 @@
 </p:sld>
 </file>
 
-<file path=ppt/slides/slide31.xml><?xml version="1.0" encoding="utf-8"?>
+<file path=ppt/slides/slide32.xml><?xml version="1.0" encoding="utf-8"?>
 <p:sld xmlns:a="http://schemas.openxmlformats.org/drawingml/2006/main" xmlns:r="http://schemas.openxmlformats.org/officeDocument/2006/relationships" xmlns:p="http://schemas.openxmlformats.org/presentationml/2006/main">
   <p:cSld>
     <p:spTree>
@@ -41480,7 +41856,7 @@
 </p:sld>
 </file>
 
-<file path=ppt/slides/slide32.xml><?xml version="1.0" encoding="utf-8"?>
+<file path=ppt/slides/slide33.xml><?xml version="1.0" encoding="utf-8"?>
 <p:sld xmlns:a="http://schemas.openxmlformats.org/drawingml/2006/main" xmlns:r="http://schemas.openxmlformats.org/officeDocument/2006/relationships" xmlns:p="http://schemas.openxmlformats.org/presentationml/2006/main">
   <p:cSld>
     <p:spTree>
@@ -42225,7 +42601,7 @@
 </p:sld>
 </file>
 
-<file path=ppt/slides/slide33.xml><?xml version="1.0" encoding="utf-8"?>
+<file path=ppt/slides/slide34.xml><?xml version="1.0" encoding="utf-8"?>
 <p:sld xmlns:a="http://schemas.openxmlformats.org/drawingml/2006/main" xmlns:r="http://schemas.openxmlformats.org/officeDocument/2006/relationships" xmlns:p="http://schemas.openxmlformats.org/presentationml/2006/main">
   <p:cSld>
     <p:spTree>
@@ -42808,7 +43184,7 @@
 </p:sld>
 </file>
 
-<file path=ppt/slides/slide34.xml><?xml version="1.0" encoding="utf-8"?>
+<file path=ppt/slides/slide35.xml><?xml version="1.0" encoding="utf-8"?>
 <p:sld xmlns:a="http://schemas.openxmlformats.org/drawingml/2006/main" xmlns:r="http://schemas.openxmlformats.org/officeDocument/2006/relationships" xmlns:p="http://schemas.openxmlformats.org/presentationml/2006/main">
   <p:cSld>
     <p:spTree>
@@ -43410,7 +43786,7 @@
 </p:sld>
 </file>
 
-<file path=ppt/slides/slide35.xml><?xml version="1.0" encoding="utf-8"?>
+<file path=ppt/slides/slide36.xml><?xml version="1.0" encoding="utf-8"?>
 <p:sld xmlns:a="http://schemas.openxmlformats.org/drawingml/2006/main" xmlns:r="http://schemas.openxmlformats.org/officeDocument/2006/relationships" xmlns:p="http://schemas.openxmlformats.org/presentationml/2006/main">
   <p:cSld>
     <p:spTree>
@@ -43772,7 +44148,7 @@
 </p:sld>
 </file>
 
-<file path=ppt/slides/slide36.xml><?xml version="1.0" encoding="utf-8"?>
+<file path=ppt/slides/slide37.xml><?xml version="1.0" encoding="utf-8"?>
 <p:sld xmlns:a="http://schemas.openxmlformats.org/drawingml/2006/main" xmlns:r="http://schemas.openxmlformats.org/officeDocument/2006/relationships" xmlns:p="http://schemas.openxmlformats.org/presentationml/2006/main">
   <p:cSld>
     <p:spTree>
